--- a/相关文档/年终总结/2018年度年终总结-研发中心_山晨.pptx
+++ b/相关文档/年终总结/2018年度年终总结-研发中心_山晨.pptx
@@ -5,24 +5,25 @@
     <p:sldMasterId id="2147483648" r:id="rId1"/>
   </p:sldMasterIdLst>
   <p:notesMasterIdLst>
-    <p:notesMasterId r:id="rId12"/>
+    <p:notesMasterId r:id="rId4"/>
   </p:notesMasterIdLst>
   <p:handoutMasterIdLst>
-    <p:handoutMasterId r:id="rId13"/>
+    <p:handoutMasterId r:id="rId15"/>
   </p:handoutMasterIdLst>
   <p:sldIdLst>
-    <p:sldId id="307" r:id="rId2"/>
-    <p:sldId id="552" r:id="rId3"/>
-    <p:sldId id="601" r:id="rId4"/>
-    <p:sldId id="709" r:id="rId5"/>
-    <p:sldId id="705" r:id="rId6"/>
-    <p:sldId id="708" r:id="rId7"/>
-    <p:sldId id="700" r:id="rId8"/>
-    <p:sldId id="701" r:id="rId9"/>
-    <p:sldId id="657" r:id="rId10"/>
-    <p:sldId id="280" r:id="rId11"/>
+    <p:sldId id="307" r:id="rId3"/>
+    <p:sldId id="552" r:id="rId5"/>
+    <p:sldId id="601" r:id="rId6"/>
+    <p:sldId id="709" r:id="rId7"/>
+    <p:sldId id="716" r:id="rId8"/>
+    <p:sldId id="705" r:id="rId9"/>
+    <p:sldId id="708" r:id="rId10"/>
+    <p:sldId id="700" r:id="rId11"/>
+    <p:sldId id="701" r:id="rId12"/>
+    <p:sldId id="657" r:id="rId13"/>
+    <p:sldId id="280" r:id="rId14"/>
   </p:sldIdLst>
-  <p:sldSz cx="12204700" cy="6859588"/>
+  <p:sldSz cx="12204700" cy="6859270"/>
   <p:notesSz cx="6858000" cy="9144000"/>
   <p:defaultTextStyle>
     <a:defPPr>
@@ -129,117 +130,39 @@
   <dgm:catLst>
     <dgm:cat type="accent1" pri="11200"/>
   </dgm:catLst>
-  <dgm:styleLbl name="node0">
+  <dgm:styleLbl name="alignAcc1">
     <dgm:fillClrLst meth="repeat">
-      <a:schemeClr val="accent1"/>
-    </dgm:fillClrLst>
-    <dgm:linClrLst meth="repeat">
-      <a:schemeClr val="lt1"/>
-    </dgm:linClrLst>
-    <dgm:effectClrLst/>
-    <dgm:txLinClrLst/>
-    <dgm:txFillClrLst/>
-    <dgm:txEffectClrLst/>
-  </dgm:styleLbl>
-  <dgm:styleLbl name="alignNode1">
-    <dgm:fillClrLst meth="repeat">
-      <a:schemeClr val="accent1"/>
+      <a:schemeClr val="lt1">
+        <a:alpha val="90000"/>
+      </a:schemeClr>
     </dgm:fillClrLst>
     <dgm:linClrLst meth="repeat">
       <a:schemeClr val="accent1"/>
     </dgm:linClrLst>
     <dgm:effectClrLst/>
     <dgm:txLinClrLst/>
-    <dgm:txFillClrLst/>
+    <dgm:txFillClrLst meth="repeat">
+      <a:schemeClr val="dk1"/>
+    </dgm:txFillClrLst>
     <dgm:txEffectClrLst/>
   </dgm:styleLbl>
-  <dgm:styleLbl name="node1">
-    <dgm:fillClrLst meth="repeat">
-      <a:schemeClr val="accent1"/>
-    </dgm:fillClrLst>
-    <dgm:linClrLst meth="repeat">
-      <a:schemeClr val="lt1"/>
-    </dgm:linClrLst>
-    <dgm:effectClrLst/>
-    <dgm:txLinClrLst/>
-    <dgm:txFillClrLst/>
-    <dgm:txEffectClrLst/>
-  </dgm:styleLbl>
-  <dgm:styleLbl name="lnNode1">
-    <dgm:fillClrLst meth="repeat">
-      <a:schemeClr val="accent1"/>
-    </dgm:fillClrLst>
-    <dgm:linClrLst meth="repeat">
-      <a:schemeClr val="lt1"/>
-    </dgm:linClrLst>
-    <dgm:effectClrLst/>
-    <dgm:txLinClrLst/>
-    <dgm:txFillClrLst/>
-    <dgm:txEffectClrLst/>
-  </dgm:styleLbl>
-  <dgm:styleLbl name="vennNode1">
+  <dgm:styleLbl name="alignAccFollowNode1">
     <dgm:fillClrLst meth="repeat">
       <a:schemeClr val="accent1">
-        <a:alpha val="50000"/>
+        <a:alpha val="90000"/>
+        <a:tint val="40000"/>
       </a:schemeClr>
     </dgm:fillClrLst>
     <dgm:linClrLst meth="repeat">
-      <a:schemeClr val="lt1"/>
-    </dgm:linClrLst>
-    <dgm:effectClrLst/>
-    <dgm:txLinClrLst/>
-    <dgm:txFillClrLst/>
-    <dgm:txEffectClrLst/>
-  </dgm:styleLbl>
-  <dgm:styleLbl name="node2">
-    <dgm:fillClrLst meth="repeat">
-      <a:schemeClr val="accent1"/>
-    </dgm:fillClrLst>
-    <dgm:linClrLst meth="repeat">
-      <a:schemeClr val="lt1"/>
-    </dgm:linClrLst>
-    <dgm:effectClrLst/>
-    <dgm:txLinClrLst/>
-    <dgm:txFillClrLst/>
-    <dgm:txEffectClrLst/>
-  </dgm:styleLbl>
-  <dgm:styleLbl name="node3">
-    <dgm:fillClrLst meth="repeat">
-      <a:schemeClr val="accent1"/>
-    </dgm:fillClrLst>
-    <dgm:linClrLst meth="repeat">
-      <a:schemeClr val="lt1"/>
-    </dgm:linClrLst>
-    <dgm:effectClrLst/>
-    <dgm:txLinClrLst/>
-    <dgm:txFillClrLst/>
-    <dgm:txEffectClrLst/>
-  </dgm:styleLbl>
-  <dgm:styleLbl name="node4">
-    <dgm:fillClrLst meth="repeat">
-      <a:schemeClr val="accent1"/>
-    </dgm:fillClrLst>
-    <dgm:linClrLst meth="repeat">
-      <a:schemeClr val="lt1"/>
-    </dgm:linClrLst>
-    <dgm:effectClrLst/>
-    <dgm:txLinClrLst/>
-    <dgm:txFillClrLst/>
-    <dgm:txEffectClrLst/>
-  </dgm:styleLbl>
-  <dgm:styleLbl name="fgImgPlace1">
-    <dgm:fillClrLst meth="repeat">
       <a:schemeClr val="accent1">
-        <a:tint val="50000"/>
+        <a:alpha val="90000"/>
+        <a:tint val="40000"/>
       </a:schemeClr>
-    </dgm:fillClrLst>
-    <dgm:linClrLst meth="repeat">
-      <a:schemeClr val="lt1"/>
     </dgm:linClrLst>
     <dgm:effectClrLst/>
     <dgm:txLinClrLst/>
     <dgm:txFillClrLst meth="repeat">
-      <a:schemeClr val="lt1"/>
+      <a:schemeClr val="dk1"/>
     </dgm:txFillClrLst>
     <dgm:txEffectClrLst/>
   </dgm:styleLbl>
@@ -259,71 +182,7 @@
     </dgm:txFillClrLst>
     <dgm:txEffectClrLst/>
   </dgm:styleLbl>
-  <dgm:styleLbl name="bgImgPlace1">
-    <dgm:fillClrLst meth="repeat">
-      <a:schemeClr val="accent1">
-        <a:tint val="50000"/>
-      </a:schemeClr>
-    </dgm:fillClrLst>
-    <dgm:linClrLst meth="repeat">
-      <a:schemeClr val="lt1"/>
-    </dgm:linClrLst>
-    <dgm:effectClrLst/>
-    <dgm:txLinClrLst/>
-    <dgm:txFillClrLst meth="repeat">
-      <a:schemeClr val="lt1"/>
-    </dgm:txFillClrLst>
-    <dgm:txEffectClrLst/>
-  </dgm:styleLbl>
-  <dgm:styleLbl name="sibTrans2D1">
-    <dgm:fillClrLst meth="repeat">
-      <a:schemeClr val="accent1">
-        <a:tint val="60000"/>
-      </a:schemeClr>
-    </dgm:fillClrLst>
-    <dgm:linClrLst meth="repeat">
-      <a:schemeClr val="accent1">
-        <a:tint val="60000"/>
-      </a:schemeClr>
-    </dgm:linClrLst>
-    <dgm:effectClrLst/>
-    <dgm:txLinClrLst/>
-    <dgm:txFillClrLst/>
-    <dgm:txEffectClrLst/>
-  </dgm:styleLbl>
-  <dgm:styleLbl name="fgSibTrans2D1">
-    <dgm:fillClrLst meth="repeat">
-      <a:schemeClr val="accent1">
-        <a:tint val="60000"/>
-      </a:schemeClr>
-    </dgm:fillClrLst>
-    <dgm:linClrLst meth="repeat">
-      <a:schemeClr val="accent1">
-        <a:tint val="60000"/>
-      </a:schemeClr>
-    </dgm:linClrLst>
-    <dgm:effectClrLst/>
-    <dgm:txLinClrLst/>
-    <dgm:txFillClrLst/>
-    <dgm:txEffectClrLst/>
-  </dgm:styleLbl>
-  <dgm:styleLbl name="bgSibTrans2D1">
-    <dgm:fillClrLst meth="repeat">
-      <a:schemeClr val="accent1">
-        <a:tint val="60000"/>
-      </a:schemeClr>
-    </dgm:fillClrLst>
-    <dgm:linClrLst meth="repeat">
-      <a:schemeClr val="accent1">
-        <a:tint val="60000"/>
-      </a:schemeClr>
-    </dgm:linClrLst>
-    <dgm:effectClrLst/>
-    <dgm:txLinClrLst/>
-    <dgm:txFillClrLst/>
-    <dgm:txEffectClrLst/>
-  </dgm:styleLbl>
-  <dgm:styleLbl name="sibTrans1D1">
+  <dgm:styleLbl name="alignNode1">
     <dgm:fillClrLst meth="repeat">
       <a:schemeClr val="accent1"/>
     </dgm:fillClrLst>
@@ -332,25 +191,7 @@
     </dgm:linClrLst>
     <dgm:effectClrLst/>
     <dgm:txLinClrLst/>
-    <dgm:txFillClrLst meth="repeat">
-      <a:schemeClr val="tx1"/>
-    </dgm:txFillClrLst>
-    <dgm:txEffectClrLst/>
-  </dgm:styleLbl>
-  <dgm:styleLbl name="callout">
-    <dgm:fillClrLst meth="repeat">
-      <a:schemeClr val="accent1"/>
-    </dgm:fillClrLst>
-    <dgm:linClrLst meth="repeat">
-      <a:schemeClr val="accent1">
-        <a:tint val="50000"/>
-      </a:schemeClr>
-    </dgm:linClrLst>
-    <dgm:effectClrLst/>
-    <dgm:txLinClrLst/>
-    <dgm:txFillClrLst meth="repeat">
-      <a:schemeClr val="tx1"/>
-    </dgm:txFillClrLst>
+    <dgm:txFillClrLst/>
     <dgm:txEffectClrLst/>
   </dgm:styleLbl>
   <dgm:styleLbl name="asst0">
@@ -413,7 +254,75 @@
     <dgm:txFillClrLst/>
     <dgm:txEffectClrLst/>
   </dgm:styleLbl>
-  <dgm:styleLbl name="parChTrans2D1">
+  <dgm:styleLbl name="bgAcc1">
+    <dgm:fillClrLst meth="repeat">
+      <a:schemeClr val="lt1">
+        <a:alpha val="90000"/>
+      </a:schemeClr>
+    </dgm:fillClrLst>
+    <dgm:linClrLst meth="repeat">
+      <a:schemeClr val="accent1"/>
+    </dgm:linClrLst>
+    <dgm:effectClrLst/>
+    <dgm:txLinClrLst/>
+    <dgm:txFillClrLst meth="repeat">
+      <a:schemeClr val="dk1"/>
+    </dgm:txFillClrLst>
+    <dgm:txEffectClrLst/>
+  </dgm:styleLbl>
+  <dgm:styleLbl name="bgAccFollowNode1">
+    <dgm:fillClrLst meth="repeat">
+      <a:schemeClr val="accent1">
+        <a:alpha val="90000"/>
+        <a:tint val="40000"/>
+      </a:schemeClr>
+    </dgm:fillClrLst>
+    <dgm:linClrLst meth="repeat">
+      <a:schemeClr val="accent1">
+        <a:alpha val="90000"/>
+        <a:tint val="40000"/>
+      </a:schemeClr>
+    </dgm:linClrLst>
+    <dgm:effectClrLst/>
+    <dgm:txLinClrLst/>
+    <dgm:txFillClrLst meth="repeat">
+      <a:schemeClr val="dk1"/>
+    </dgm:txFillClrLst>
+    <dgm:txEffectClrLst/>
+  </dgm:styleLbl>
+  <dgm:styleLbl name="bgImgPlace1">
+    <dgm:fillClrLst meth="repeat">
+      <a:schemeClr val="accent1">
+        <a:tint val="50000"/>
+      </a:schemeClr>
+    </dgm:fillClrLst>
+    <dgm:linClrLst meth="repeat">
+      <a:schemeClr val="lt1"/>
+    </dgm:linClrLst>
+    <dgm:effectClrLst/>
+    <dgm:txLinClrLst/>
+    <dgm:txFillClrLst meth="repeat">
+      <a:schemeClr val="lt1"/>
+    </dgm:txFillClrLst>
+    <dgm:txEffectClrLst/>
+  </dgm:styleLbl>
+  <dgm:styleLbl name="bgShp">
+    <dgm:fillClrLst meth="repeat">
+      <a:schemeClr val="accent1">
+        <a:tint val="40000"/>
+      </a:schemeClr>
+    </dgm:fillClrLst>
+    <dgm:linClrLst meth="repeat">
+      <a:schemeClr val="accent1"/>
+    </dgm:linClrLst>
+    <dgm:effectClrLst/>
+    <dgm:txLinClrLst/>
+    <dgm:txFillClrLst meth="repeat">
+      <a:schemeClr val="dk1"/>
+    </dgm:txFillClrLst>
+    <dgm:txEffectClrLst/>
+  </dgm:styleLbl>
+  <dgm:styleLbl name="bgSibTrans2D1">
     <dgm:fillClrLst meth="repeat">
       <a:schemeClr val="accent1">
         <a:tint val="60000"/>
@@ -426,14 +335,46 @@
     </dgm:linClrLst>
     <dgm:effectClrLst/>
     <dgm:txLinClrLst/>
+    <dgm:txFillClrLst/>
+    <dgm:txEffectClrLst/>
+  </dgm:styleLbl>
+  <dgm:styleLbl name="callout">
+    <dgm:fillClrLst meth="repeat">
+      <a:schemeClr val="accent1"/>
+    </dgm:fillClrLst>
+    <dgm:linClrLst meth="repeat">
+      <a:schemeClr val="accent1">
+        <a:tint val="50000"/>
+      </a:schemeClr>
+    </dgm:linClrLst>
+    <dgm:effectClrLst/>
+    <dgm:txLinClrLst/>
     <dgm:txFillClrLst meth="repeat">
-      <a:schemeClr val="lt1"/>
+      <a:schemeClr val="tx1"/>
     </dgm:txFillClrLst>
     <dgm:txEffectClrLst/>
   </dgm:styleLbl>
-  <dgm:styleLbl name="parChTrans2D2">
+  <dgm:styleLbl name="conFgAcc1">
     <dgm:fillClrLst meth="repeat">
+      <a:schemeClr val="lt1">
+        <a:alpha val="90000"/>
+      </a:schemeClr>
+    </dgm:fillClrLst>
+    <dgm:linClrLst meth="repeat">
       <a:schemeClr val="accent1"/>
+    </dgm:linClrLst>
+    <dgm:effectClrLst/>
+    <dgm:txLinClrLst/>
+    <dgm:txFillClrLst meth="repeat">
+      <a:schemeClr val="dk1"/>
+    </dgm:txFillClrLst>
+    <dgm:txEffectClrLst/>
+  </dgm:styleLbl>
+  <dgm:styleLbl name="dkBgShp">
+    <dgm:fillClrLst meth="repeat">
+      <a:schemeClr val="accent1">
+        <a:shade val="80000"/>
+      </a:schemeClr>
     </dgm:fillClrLst>
     <dgm:linClrLst meth="repeat">
       <a:schemeClr val="accent1"/>
@@ -445,12 +386,114 @@
     </dgm:txFillClrLst>
     <dgm:txEffectClrLst/>
   </dgm:styleLbl>
-  <dgm:styleLbl name="parChTrans2D3">
+  <dgm:styleLbl name="fgAcc0">
     <dgm:fillClrLst meth="repeat">
-      <a:schemeClr val="accent1"/>
+      <a:schemeClr val="lt1">
+        <a:alpha val="90000"/>
+      </a:schemeClr>
     </dgm:fillClrLst>
     <dgm:linClrLst meth="repeat">
       <a:schemeClr val="accent1"/>
+    </dgm:linClrLst>
+    <dgm:effectClrLst/>
+    <dgm:txLinClrLst/>
+    <dgm:txFillClrLst meth="repeat">
+      <a:schemeClr val="dk1"/>
+    </dgm:txFillClrLst>
+    <dgm:txEffectClrLst/>
+  </dgm:styleLbl>
+  <dgm:styleLbl name="fgAcc1">
+    <dgm:fillClrLst meth="repeat">
+      <a:schemeClr val="lt1">
+        <a:alpha val="90000"/>
+      </a:schemeClr>
+    </dgm:fillClrLst>
+    <dgm:linClrLst meth="repeat">
+      <a:schemeClr val="accent1"/>
+    </dgm:linClrLst>
+    <dgm:effectClrLst/>
+    <dgm:txLinClrLst/>
+    <dgm:txFillClrLst meth="repeat">
+      <a:schemeClr val="dk1"/>
+    </dgm:txFillClrLst>
+    <dgm:txEffectClrLst/>
+  </dgm:styleLbl>
+  <dgm:styleLbl name="fgAcc2">
+    <dgm:fillClrLst meth="repeat">
+      <a:schemeClr val="lt1">
+        <a:alpha val="90000"/>
+      </a:schemeClr>
+    </dgm:fillClrLst>
+    <dgm:linClrLst meth="repeat">
+      <a:schemeClr val="accent1"/>
+    </dgm:linClrLst>
+    <dgm:effectClrLst/>
+    <dgm:txLinClrLst/>
+    <dgm:txFillClrLst meth="repeat">
+      <a:schemeClr val="dk1"/>
+    </dgm:txFillClrLst>
+    <dgm:txEffectClrLst/>
+  </dgm:styleLbl>
+  <dgm:styleLbl name="fgAcc3">
+    <dgm:fillClrLst meth="repeat">
+      <a:schemeClr val="lt1">
+        <a:alpha val="90000"/>
+      </a:schemeClr>
+    </dgm:fillClrLst>
+    <dgm:linClrLst meth="repeat">
+      <a:schemeClr val="accent1"/>
+    </dgm:linClrLst>
+    <dgm:effectClrLst/>
+    <dgm:txLinClrLst/>
+    <dgm:txFillClrLst meth="repeat">
+      <a:schemeClr val="dk1"/>
+    </dgm:txFillClrLst>
+    <dgm:txEffectClrLst/>
+  </dgm:styleLbl>
+  <dgm:styleLbl name="fgAcc4">
+    <dgm:fillClrLst meth="repeat">
+      <a:schemeClr val="lt1">
+        <a:alpha val="90000"/>
+      </a:schemeClr>
+    </dgm:fillClrLst>
+    <dgm:linClrLst meth="repeat">
+      <a:schemeClr val="accent1"/>
+    </dgm:linClrLst>
+    <dgm:effectClrLst/>
+    <dgm:txLinClrLst/>
+    <dgm:txFillClrLst meth="repeat">
+      <a:schemeClr val="dk1"/>
+    </dgm:txFillClrLst>
+    <dgm:txEffectClrLst/>
+  </dgm:styleLbl>
+  <dgm:styleLbl name="fgAccFollowNode1">
+    <dgm:fillClrLst meth="repeat">
+      <a:schemeClr val="accent1">
+        <a:alpha val="90000"/>
+        <a:tint val="40000"/>
+      </a:schemeClr>
+    </dgm:fillClrLst>
+    <dgm:linClrLst meth="repeat">
+      <a:schemeClr val="accent1">
+        <a:alpha val="90000"/>
+        <a:tint val="40000"/>
+      </a:schemeClr>
+    </dgm:linClrLst>
+    <dgm:effectClrLst/>
+    <dgm:txLinClrLst/>
+    <dgm:txFillClrLst meth="repeat">
+      <a:schemeClr val="dk1"/>
+    </dgm:txFillClrLst>
+    <dgm:txEffectClrLst/>
+  </dgm:styleLbl>
+  <dgm:styleLbl name="fgImgPlace1">
+    <dgm:fillClrLst meth="repeat">
+      <a:schemeClr val="accent1">
+        <a:tint val="50000"/>
+      </a:schemeClr>
+    </dgm:fillClrLst>
+    <dgm:linClrLst meth="repeat">
+      <a:schemeClr val="lt1"/>
     </dgm:linClrLst>
     <dgm:effectClrLst/>
     <dgm:txLinClrLst/>
@@ -459,18 +502,108 @@
     </dgm:txFillClrLst>
     <dgm:txEffectClrLst/>
   </dgm:styleLbl>
-  <dgm:styleLbl name="parChTrans2D4">
+  <dgm:styleLbl name="fgShp">
+    <dgm:fillClrLst meth="repeat">
+      <a:schemeClr val="accent1">
+        <a:tint val="60000"/>
+      </a:schemeClr>
+    </dgm:fillClrLst>
+    <dgm:linClrLst meth="repeat">
+      <a:schemeClr val="lt1"/>
+    </dgm:linClrLst>
+    <dgm:effectClrLst/>
+    <dgm:txLinClrLst/>
+    <dgm:txFillClrLst meth="repeat">
+      <a:schemeClr val="dk1"/>
+    </dgm:txFillClrLst>
+    <dgm:txEffectClrLst/>
+  </dgm:styleLbl>
+  <dgm:styleLbl name="fgSibTrans2D1">
+    <dgm:fillClrLst meth="repeat">
+      <a:schemeClr val="accent1">
+        <a:tint val="60000"/>
+      </a:schemeClr>
+    </dgm:fillClrLst>
+    <dgm:linClrLst meth="repeat">
+      <a:schemeClr val="accent1">
+        <a:tint val="60000"/>
+      </a:schemeClr>
+    </dgm:linClrLst>
+    <dgm:effectClrLst/>
+    <dgm:txLinClrLst/>
+    <dgm:txFillClrLst/>
+    <dgm:txEffectClrLst/>
+  </dgm:styleLbl>
+  <dgm:styleLbl name="lnNode1">
     <dgm:fillClrLst meth="repeat">
       <a:schemeClr val="accent1"/>
     </dgm:fillClrLst>
     <dgm:linClrLst meth="repeat">
-      <a:schemeClr val="accent1"/>
+      <a:schemeClr val="lt1"/>
     </dgm:linClrLst>
     <dgm:effectClrLst/>
     <dgm:txLinClrLst/>
-    <dgm:txFillClrLst meth="repeat">
+    <dgm:txFillClrLst/>
+    <dgm:txEffectClrLst/>
+  </dgm:styleLbl>
+  <dgm:styleLbl name="node0">
+    <dgm:fillClrLst meth="repeat">
+      <a:schemeClr val="accent1"/>
+    </dgm:fillClrLst>
+    <dgm:linClrLst meth="repeat">
       <a:schemeClr val="lt1"/>
-    </dgm:txFillClrLst>
+    </dgm:linClrLst>
+    <dgm:effectClrLst/>
+    <dgm:txLinClrLst/>
+    <dgm:txFillClrLst/>
+    <dgm:txEffectClrLst/>
+  </dgm:styleLbl>
+  <dgm:styleLbl name="node1">
+    <dgm:fillClrLst meth="repeat">
+      <a:schemeClr val="accent1"/>
+    </dgm:fillClrLst>
+    <dgm:linClrLst meth="repeat">
+      <a:schemeClr val="lt1"/>
+    </dgm:linClrLst>
+    <dgm:effectClrLst/>
+    <dgm:txLinClrLst/>
+    <dgm:txFillClrLst/>
+    <dgm:txEffectClrLst/>
+  </dgm:styleLbl>
+  <dgm:styleLbl name="node2">
+    <dgm:fillClrLst meth="repeat">
+      <a:schemeClr val="accent1"/>
+    </dgm:fillClrLst>
+    <dgm:linClrLst meth="repeat">
+      <a:schemeClr val="lt1"/>
+    </dgm:linClrLst>
+    <dgm:effectClrLst/>
+    <dgm:txLinClrLst/>
+    <dgm:txFillClrLst/>
+    <dgm:txEffectClrLst/>
+  </dgm:styleLbl>
+  <dgm:styleLbl name="node3">
+    <dgm:fillClrLst meth="repeat">
+      <a:schemeClr val="accent1"/>
+    </dgm:fillClrLst>
+    <dgm:linClrLst meth="repeat">
+      <a:schemeClr val="lt1"/>
+    </dgm:linClrLst>
+    <dgm:effectClrLst/>
+    <dgm:txLinClrLst/>
+    <dgm:txFillClrLst/>
+    <dgm:txEffectClrLst/>
+  </dgm:styleLbl>
+  <dgm:styleLbl name="node4">
+    <dgm:fillClrLst meth="repeat">
+      <a:schemeClr val="accent1"/>
+    </dgm:fillClrLst>
+    <dgm:linClrLst meth="repeat">
+      <a:schemeClr val="lt1"/>
+    </dgm:linClrLst>
+    <dgm:effectClrLst/>
+    <dgm:txLinClrLst/>
+    <dgm:txFillClrLst/>
     <dgm:txEffectClrLst/>
   </dgm:styleLbl>
   <dgm:styleLbl name="parChTrans1D1">
@@ -537,11 +670,27 @@
     </dgm:txFillClrLst>
     <dgm:txEffectClrLst/>
   </dgm:styleLbl>
-  <dgm:styleLbl name="fgAcc1">
+  <dgm:styleLbl name="parChTrans2D1">
     <dgm:fillClrLst meth="repeat">
-      <a:schemeClr val="lt1">
-        <a:alpha val="90000"/>
+      <a:schemeClr val="accent1">
+        <a:tint val="60000"/>
       </a:schemeClr>
+    </dgm:fillClrLst>
+    <dgm:linClrLst meth="repeat">
+      <a:schemeClr val="accent1">
+        <a:tint val="60000"/>
+      </a:schemeClr>
+    </dgm:linClrLst>
+    <dgm:effectClrLst/>
+    <dgm:txLinClrLst/>
+    <dgm:txFillClrLst meth="repeat">
+      <a:schemeClr val="lt1"/>
+    </dgm:txFillClrLst>
+    <dgm:txEffectClrLst/>
+  </dgm:styleLbl>
+  <dgm:styleLbl name="parChTrans2D2">
+    <dgm:fillClrLst meth="repeat">
+      <a:schemeClr val="accent1"/>
     </dgm:fillClrLst>
     <dgm:linClrLst meth="repeat">
       <a:schemeClr val="accent1"/>
@@ -549,15 +698,13 @@
     <dgm:effectClrLst/>
     <dgm:txLinClrLst/>
     <dgm:txFillClrLst meth="repeat">
-      <a:schemeClr val="dk1"/>
+      <a:schemeClr val="lt1"/>
     </dgm:txFillClrLst>
     <dgm:txEffectClrLst/>
   </dgm:styleLbl>
-  <dgm:styleLbl name="conFgAcc1">
+  <dgm:styleLbl name="parChTrans2D3">
     <dgm:fillClrLst meth="repeat">
-      <a:schemeClr val="lt1">
-        <a:alpha val="90000"/>
-      </a:schemeClr>
+      <a:schemeClr val="accent1"/>
     </dgm:fillClrLst>
     <dgm:linClrLst meth="repeat">
       <a:schemeClr val="accent1"/>
@@ -565,15 +712,13 @@
     <dgm:effectClrLst/>
     <dgm:txLinClrLst/>
     <dgm:txFillClrLst meth="repeat">
-      <a:schemeClr val="dk1"/>
+      <a:schemeClr val="lt1"/>
     </dgm:txFillClrLst>
     <dgm:txEffectClrLst/>
   </dgm:styleLbl>
-  <dgm:styleLbl name="alignAcc1">
+  <dgm:styleLbl name="parChTrans2D4">
     <dgm:fillClrLst meth="repeat">
-      <a:schemeClr val="lt1">
-        <a:alpha val="90000"/>
-      </a:schemeClr>
+      <a:schemeClr val="accent1"/>
     </dgm:fillClrLst>
     <dgm:linClrLst meth="repeat">
       <a:schemeClr val="accent1"/>
@@ -581,15 +726,31 @@
     <dgm:effectClrLst/>
     <dgm:txLinClrLst/>
     <dgm:txFillClrLst meth="repeat">
-      <a:schemeClr val="dk1"/>
+      <a:schemeClr val="lt1"/>
     </dgm:txFillClrLst>
     <dgm:txEffectClrLst/>
   </dgm:styleLbl>
-  <dgm:styleLbl name="trAlignAcc1">
+  <dgm:styleLbl name="revTx">
     <dgm:fillClrLst meth="repeat">
       <a:schemeClr val="lt1">
-        <a:alpha val="40000"/>
+        <a:alpha val="0"/>
       </a:schemeClr>
+    </dgm:fillClrLst>
+    <dgm:linClrLst meth="repeat">
+      <a:schemeClr val="dk1">
+        <a:alpha val="0"/>
+      </a:schemeClr>
+    </dgm:linClrLst>
+    <dgm:effectClrLst/>
+    <dgm:txLinClrLst/>
+    <dgm:txFillClrLst meth="repeat">
+      <a:schemeClr val="tx1"/>
+    </dgm:txFillClrLst>
+    <dgm:txEffectClrLst/>
+  </dgm:styleLbl>
+  <dgm:styleLbl name="sibTrans1D1">
+    <dgm:fillClrLst meth="repeat">
+      <a:schemeClr val="accent1"/>
     </dgm:fillClrLst>
     <dgm:linClrLst meth="repeat">
       <a:schemeClr val="accent1"/>
@@ -597,38 +758,24 @@
     <dgm:effectClrLst/>
     <dgm:txLinClrLst/>
     <dgm:txFillClrLst meth="repeat">
-      <a:schemeClr val="dk1"/>
+      <a:schemeClr val="tx1"/>
     </dgm:txFillClrLst>
     <dgm:txEffectClrLst/>
   </dgm:styleLbl>
-  <dgm:styleLbl name="bgAcc1">
+  <dgm:styleLbl name="sibTrans2D1">
     <dgm:fillClrLst meth="repeat">
-      <a:schemeClr val="lt1">
-        <a:alpha val="90000"/>
+      <a:schemeClr val="accent1">
+        <a:tint val="60000"/>
       </a:schemeClr>
     </dgm:fillClrLst>
     <dgm:linClrLst meth="repeat">
-      <a:schemeClr val="accent1"/>
+      <a:schemeClr val="accent1">
+        <a:tint val="60000"/>
+      </a:schemeClr>
     </dgm:linClrLst>
     <dgm:effectClrLst/>
     <dgm:txLinClrLst/>
-    <dgm:txFillClrLst meth="repeat">
-      <a:schemeClr val="dk1"/>
-    </dgm:txFillClrLst>
-    <dgm:txEffectClrLst/>
-  </dgm:styleLbl>
-  <dgm:styleLbl name="solidFgAcc1">
-    <dgm:fillClrLst meth="repeat">
-      <a:schemeClr val="lt1"/>
-    </dgm:fillClrLst>
-    <dgm:linClrLst meth="repeat">
-      <a:schemeClr val="accent1"/>
-    </dgm:linClrLst>
-    <dgm:effectClrLst/>
-    <dgm:txLinClrLst/>
-    <dgm:txFillClrLst meth="repeat">
-      <a:schemeClr val="dk1"/>
-    </dgm:txFillClrLst>
+    <dgm:txFillClrLst/>
     <dgm:txEffectClrLst/>
   </dgm:styleLbl>
   <dgm:styleLbl name="solidAlignAcc1">
@@ -659,71 +806,9 @@
     </dgm:txFillClrLst>
     <dgm:txEffectClrLst/>
   </dgm:styleLbl>
-  <dgm:styleLbl name="fgAccFollowNode1">
+  <dgm:styleLbl name="solidFgAcc1">
     <dgm:fillClrLst meth="repeat">
-      <a:schemeClr val="accent1">
-        <a:alpha val="90000"/>
-        <a:tint val="40000"/>
-      </a:schemeClr>
-    </dgm:fillClrLst>
-    <dgm:linClrLst meth="repeat">
-      <a:schemeClr val="accent1">
-        <a:alpha val="90000"/>
-        <a:tint val="40000"/>
-      </a:schemeClr>
-    </dgm:linClrLst>
-    <dgm:effectClrLst/>
-    <dgm:txLinClrLst/>
-    <dgm:txFillClrLst meth="repeat">
-      <a:schemeClr val="dk1"/>
-    </dgm:txFillClrLst>
-    <dgm:txEffectClrLst/>
-  </dgm:styleLbl>
-  <dgm:styleLbl name="alignAccFollowNode1">
-    <dgm:fillClrLst meth="repeat">
-      <a:schemeClr val="accent1">
-        <a:alpha val="90000"/>
-        <a:tint val="40000"/>
-      </a:schemeClr>
-    </dgm:fillClrLst>
-    <dgm:linClrLst meth="repeat">
-      <a:schemeClr val="accent1">
-        <a:alpha val="90000"/>
-        <a:tint val="40000"/>
-      </a:schemeClr>
-    </dgm:linClrLst>
-    <dgm:effectClrLst/>
-    <dgm:txLinClrLst/>
-    <dgm:txFillClrLst meth="repeat">
-      <a:schemeClr val="dk1"/>
-    </dgm:txFillClrLst>
-    <dgm:txEffectClrLst/>
-  </dgm:styleLbl>
-  <dgm:styleLbl name="bgAccFollowNode1">
-    <dgm:fillClrLst meth="repeat">
-      <a:schemeClr val="accent1">
-        <a:alpha val="90000"/>
-        <a:tint val="40000"/>
-      </a:schemeClr>
-    </dgm:fillClrLst>
-    <dgm:linClrLst meth="repeat">
-      <a:schemeClr val="accent1">
-        <a:alpha val="90000"/>
-        <a:tint val="40000"/>
-      </a:schemeClr>
-    </dgm:linClrLst>
-    <dgm:effectClrLst/>
-    <dgm:txLinClrLst/>
-    <dgm:txFillClrLst meth="repeat">
-      <a:schemeClr val="dk1"/>
-    </dgm:txFillClrLst>
-    <dgm:txEffectClrLst/>
-  </dgm:styleLbl>
-  <dgm:styleLbl name="fgAcc0">
-    <dgm:fillClrLst meth="repeat">
-      <a:schemeClr val="lt1">
-        <a:alpha val="90000"/>
-      </a:schemeClr>
+      <a:schemeClr val="lt1"/>
     </dgm:fillClrLst>
     <dgm:linClrLst meth="repeat">
       <a:schemeClr val="accent1"/>
@@ -735,10 +820,10 @@
     </dgm:txFillClrLst>
     <dgm:txEffectClrLst/>
   </dgm:styleLbl>
-  <dgm:styleLbl name="fgAcc2">
+  <dgm:styleLbl name="trAlignAcc1">
     <dgm:fillClrLst meth="repeat">
       <a:schemeClr val="lt1">
-        <a:alpha val="90000"/>
+        <a:alpha val="40000"/>
       </a:schemeClr>
     </dgm:fillClrLst>
     <dgm:linClrLst meth="repeat">
@@ -748,70 +833,6 @@
     <dgm:txLinClrLst/>
     <dgm:txFillClrLst meth="repeat">
       <a:schemeClr val="dk1"/>
-    </dgm:txFillClrLst>
-    <dgm:txEffectClrLst/>
-  </dgm:styleLbl>
-  <dgm:styleLbl name="fgAcc3">
-    <dgm:fillClrLst meth="repeat">
-      <a:schemeClr val="lt1">
-        <a:alpha val="90000"/>
-      </a:schemeClr>
-    </dgm:fillClrLst>
-    <dgm:linClrLst meth="repeat">
-      <a:schemeClr val="accent1"/>
-    </dgm:linClrLst>
-    <dgm:effectClrLst/>
-    <dgm:txLinClrLst/>
-    <dgm:txFillClrLst meth="repeat">
-      <a:schemeClr val="dk1"/>
-    </dgm:txFillClrLst>
-    <dgm:txEffectClrLst/>
-  </dgm:styleLbl>
-  <dgm:styleLbl name="fgAcc4">
-    <dgm:fillClrLst meth="repeat">
-      <a:schemeClr val="lt1">
-        <a:alpha val="90000"/>
-      </a:schemeClr>
-    </dgm:fillClrLst>
-    <dgm:linClrLst meth="repeat">
-      <a:schemeClr val="accent1"/>
-    </dgm:linClrLst>
-    <dgm:effectClrLst/>
-    <dgm:txLinClrLst/>
-    <dgm:txFillClrLst meth="repeat">
-      <a:schemeClr val="dk1"/>
-    </dgm:txFillClrLst>
-    <dgm:txEffectClrLst/>
-  </dgm:styleLbl>
-  <dgm:styleLbl name="bgShp">
-    <dgm:fillClrLst meth="repeat">
-      <a:schemeClr val="accent1">
-        <a:tint val="40000"/>
-      </a:schemeClr>
-    </dgm:fillClrLst>
-    <dgm:linClrLst meth="repeat">
-      <a:schemeClr val="accent1"/>
-    </dgm:linClrLst>
-    <dgm:effectClrLst/>
-    <dgm:txLinClrLst/>
-    <dgm:txFillClrLst meth="repeat">
-      <a:schemeClr val="dk1"/>
-    </dgm:txFillClrLst>
-    <dgm:txEffectClrLst/>
-  </dgm:styleLbl>
-  <dgm:styleLbl name="dkBgShp">
-    <dgm:fillClrLst meth="repeat">
-      <a:schemeClr val="accent1">
-        <a:shade val="80000"/>
-      </a:schemeClr>
-    </dgm:fillClrLst>
-    <dgm:linClrLst meth="repeat">
-      <a:schemeClr val="accent1"/>
-    </dgm:linClrLst>
-    <dgm:effectClrLst/>
-    <dgm:txLinClrLst/>
-    <dgm:txFillClrLst meth="repeat">
-      <a:schemeClr val="lt1"/>
     </dgm:txFillClrLst>
     <dgm:txEffectClrLst/>
   </dgm:styleLbl>
@@ -832,10 +853,10 @@
     </dgm:txFillClrLst>
     <dgm:txEffectClrLst/>
   </dgm:styleLbl>
-  <dgm:styleLbl name="fgShp">
+  <dgm:styleLbl name="vennNode1">
     <dgm:fillClrLst meth="repeat">
       <a:schemeClr val="accent1">
-        <a:tint val="60000"/>
+        <a:alpha val="50000"/>
       </a:schemeClr>
     </dgm:fillClrLst>
     <dgm:linClrLst meth="repeat">
@@ -843,27 +864,7 @@
     </dgm:linClrLst>
     <dgm:effectClrLst/>
     <dgm:txLinClrLst/>
-    <dgm:txFillClrLst meth="repeat">
-      <a:schemeClr val="dk1"/>
-    </dgm:txFillClrLst>
-    <dgm:txEffectClrLst/>
-  </dgm:styleLbl>
-  <dgm:styleLbl name="revTx">
-    <dgm:fillClrLst meth="repeat">
-      <a:schemeClr val="lt1">
-        <a:alpha val="0"/>
-      </a:schemeClr>
-    </dgm:fillClrLst>
-    <dgm:linClrLst meth="repeat">
-      <a:schemeClr val="dk1">
-        <a:alpha val="0"/>
-      </a:schemeClr>
-    </dgm:linClrLst>
-    <dgm:effectClrLst/>
-    <dgm:txLinClrLst/>
-    <dgm:txFillClrLst meth="repeat">
-      <a:schemeClr val="tx1"/>
-    </dgm:txFillClrLst>
+    <dgm:txFillClrLst/>
     <dgm:txEffectClrLst/>
   </dgm:styleLbl>
 </dgm:colorsDef>
@@ -898,7 +899,7 @@
         </a:p>
       </dgm:t>
     </dgm:pt>
-    <dgm:pt modelId="{4648C3F9-B863-4346-B60D-337B0C6384F3}" type="sibTrans" cxnId="{6F8FEA3B-8E6D-413D-A562-BC61983AC0E4}">
+    <dgm:pt modelId="{4648C3F9-B863-4346-B60D-337B0C6384F3}" cxnId="{6F8FEA3B-8E6D-413D-A562-BC61983AC0E4}" type="sibTrans">
       <dgm:prSet/>
       <dgm:spPr/>
       <dgm:t>
@@ -909,7 +910,7 @@
         </a:p>
       </dgm:t>
     </dgm:pt>
-    <dgm:pt modelId="{2329B793-A9CA-4128-BD01-DFDB5CCA1432}" type="parTrans" cxnId="{6F8FEA3B-8E6D-413D-A562-BC61983AC0E4}">
+    <dgm:pt modelId="{2329B793-A9CA-4128-BD01-DFDB5CCA1432}" cxnId="{6F8FEA3B-8E6D-413D-A562-BC61983AC0E4}" type="parTrans">
       <dgm:prSet/>
       <dgm:spPr/>
       <dgm:t>
@@ -935,7 +936,7 @@
         </a:p>
       </dgm:t>
     </dgm:pt>
-    <dgm:pt modelId="{6439BC3E-012E-478D-AAC5-2E3BABAB8A2E}" type="sibTrans" cxnId="{9F601A78-BB19-4B76-B431-4F8050BE5FFC}">
+    <dgm:pt modelId="{6439BC3E-012E-478D-AAC5-2E3BABAB8A2E}" cxnId="{9F601A78-BB19-4B76-B431-4F8050BE5FFC}" type="sibTrans">
       <dgm:prSet/>
       <dgm:spPr/>
       <dgm:t>
@@ -946,7 +947,7 @@
         </a:p>
       </dgm:t>
     </dgm:pt>
-    <dgm:pt modelId="{6FA3A7DE-3457-4A9B-A4F5-C305DA38DB25}" type="parTrans" cxnId="{9F601A78-BB19-4B76-B431-4F8050BE5FFC}">
+    <dgm:pt modelId="{6FA3A7DE-3457-4A9B-A4F5-C305DA38DB25}" cxnId="{9F601A78-BB19-4B76-B431-4F8050BE5FFC}" type="parTrans">
       <dgm:prSet/>
       <dgm:spPr/>
       <dgm:t>
@@ -972,7 +973,7 @@
         </a:p>
       </dgm:t>
     </dgm:pt>
-    <dgm:pt modelId="{231B92A6-DEBA-4D38-8C3B-028D417F5BDA}" type="sibTrans" cxnId="{2B00BA60-5C04-437A-B237-824B9C5FC8C9}">
+    <dgm:pt modelId="{231B92A6-DEBA-4D38-8C3B-028D417F5BDA}" cxnId="{2B00BA60-5C04-437A-B237-824B9C5FC8C9}" type="sibTrans">
       <dgm:prSet/>
       <dgm:spPr/>
       <dgm:t>
@@ -983,7 +984,7 @@
         </a:p>
       </dgm:t>
     </dgm:pt>
-    <dgm:pt modelId="{92CBFC35-6EF7-42D9-9B78-AA4FF04EDE96}" type="parTrans" cxnId="{2B00BA60-5C04-437A-B237-824B9C5FC8C9}">
+    <dgm:pt modelId="{92CBFC35-6EF7-42D9-9B78-AA4FF04EDE96}" cxnId="{2B00BA60-5C04-437A-B237-824B9C5FC8C9}" type="parTrans">
       <dgm:prSet/>
       <dgm:spPr/>
       <dgm:t>
@@ -1009,7 +1010,7 @@
         </a:p>
       </dgm:t>
     </dgm:pt>
-    <dgm:pt modelId="{3AD121DF-FB84-409A-BECA-0ABD28CB2696}" type="sibTrans" cxnId="{07884F16-32D3-4A84-81D3-7D5D8742EE2D}">
+    <dgm:pt modelId="{3AD121DF-FB84-409A-BECA-0ABD28CB2696}" cxnId="{07884F16-32D3-4A84-81D3-7D5D8742EE2D}" type="sibTrans">
       <dgm:prSet/>
       <dgm:spPr/>
       <dgm:t>
@@ -1020,7 +1021,7 @@
         </a:p>
       </dgm:t>
     </dgm:pt>
-    <dgm:pt modelId="{64145C1D-20D1-4FA2-A352-4A9C70E88CDF}" type="parTrans" cxnId="{07884F16-32D3-4A84-81D3-7D5D8742EE2D}">
+    <dgm:pt modelId="{64145C1D-20D1-4FA2-A352-4A9C70E88CDF}" cxnId="{07884F16-32D3-4A84-81D3-7D5D8742EE2D}" type="parTrans">
       <dgm:prSet/>
       <dgm:spPr/>
       <dgm:t>
@@ -1131,7 +1132,7 @@
   </dgm:whole>
   <dgm:extLst>
     <a:ext uri="http://schemas.microsoft.com/office/drawing/2008/diagram">
-      <dsp:dataModelExt xmlns:dsp="http://schemas.microsoft.com/office/drawing/2008/diagram" relId="rId7" minVer="http://schemas.openxmlformats.org/drawingml/2006/diagram"/>
+      <dsp:dataModelExt xmlns:dsp="http://schemas.microsoft.com/office/drawing/2008/diagram" relId="rId5" minVer="http://schemas.openxmlformats.org/drawingml/2006/diagram"/>
     </a:ext>
   </dgm:extLst>
 </dgm:dataModel>
@@ -1840,12 +1841,500 @@
     <a:camera prst="orthographicFront"/>
     <a:lightRig rig="threePt" dir="t"/>
   </dgm:scene3d>
-  <dgm:styleLbl name="node0">
+  <dgm:styleLbl name="alignAcc1">
     <dgm:scene3d>
       <a:camera prst="orthographicFront"/>
       <a:lightRig rig="threePt" dir="t"/>
     </dgm:scene3d>
-    <dgm:sp3d/>
+    <dgm:txPr/>
+    <dgm:style>
+      <a:lnRef idx="1">
+        <a:scrgbClr r="0" g="0" b="0"/>
+      </a:lnRef>
+      <a:fillRef idx="1">
+        <a:scrgbClr r="0" g="0" b="0"/>
+      </a:fillRef>
+      <a:effectRef idx="2">
+        <a:scrgbClr r="0" g="0" b="0"/>
+      </a:effectRef>
+      <a:fontRef idx="minor"/>
+    </dgm:style>
+  </dgm:styleLbl>
+  <dgm:styleLbl name="alignAccFollowNode1">
+    <dgm:scene3d>
+      <a:camera prst="orthographicFront"/>
+      <a:lightRig rig="threePt" dir="t"/>
+    </dgm:scene3d>
+    <dgm:txPr/>
+    <dgm:style>
+      <a:lnRef idx="1">
+        <a:scrgbClr r="0" g="0" b="0"/>
+      </a:lnRef>
+      <a:fillRef idx="1">
+        <a:scrgbClr r="0" g="0" b="0"/>
+      </a:fillRef>
+      <a:effectRef idx="2">
+        <a:scrgbClr r="0" g="0" b="0"/>
+      </a:effectRef>
+      <a:fontRef idx="minor"/>
+    </dgm:style>
+  </dgm:styleLbl>
+  <dgm:styleLbl name="alignImgPlace1">
+    <dgm:scene3d>
+      <a:camera prst="orthographicFront"/>
+      <a:lightRig rig="threePt" dir="t"/>
+    </dgm:scene3d>
+    <dgm:txPr/>
+    <dgm:style>
+      <a:lnRef idx="0">
+        <a:scrgbClr r="0" g="0" b="0"/>
+      </a:lnRef>
+      <a:fillRef idx="1">
+        <a:scrgbClr r="0" g="0" b="0"/>
+      </a:fillRef>
+      <a:effectRef idx="3">
+        <a:scrgbClr r="0" g="0" b="0"/>
+      </a:effectRef>
+      <a:fontRef idx="minor"/>
+    </dgm:style>
+  </dgm:styleLbl>
+  <dgm:styleLbl name="alignNode1">
+    <dgm:scene3d>
+      <a:camera prst="orthographicFront"/>
+      <a:lightRig rig="threePt" dir="t"/>
+    </dgm:scene3d>
+    <dgm:txPr/>
+    <dgm:style>
+      <a:lnRef idx="1">
+        <a:scrgbClr r="0" g="0" b="0"/>
+      </a:lnRef>
+      <a:fillRef idx="3">
+        <a:scrgbClr r="0" g="0" b="0"/>
+      </a:fillRef>
+      <a:effectRef idx="3">
+        <a:scrgbClr r="0" g="0" b="0"/>
+      </a:effectRef>
+      <a:fontRef idx="minor">
+        <a:schemeClr val="lt1"/>
+      </a:fontRef>
+    </dgm:style>
+  </dgm:styleLbl>
+  <dgm:styleLbl name="asst0">
+    <dgm:scene3d>
+      <a:camera prst="orthographicFront"/>
+      <a:lightRig rig="threePt" dir="t"/>
+    </dgm:scene3d>
+    <dgm:txPr/>
+    <dgm:style>
+      <a:lnRef idx="0">
+        <a:scrgbClr r="0" g="0" b="0"/>
+      </a:lnRef>
+      <a:fillRef idx="3">
+        <a:scrgbClr r="0" g="0" b="0"/>
+      </a:fillRef>
+      <a:effectRef idx="3">
+        <a:scrgbClr r="0" g="0" b="0"/>
+      </a:effectRef>
+      <a:fontRef idx="minor">
+        <a:schemeClr val="lt1"/>
+      </a:fontRef>
+    </dgm:style>
+  </dgm:styleLbl>
+  <dgm:styleLbl name="asst1">
+    <dgm:scene3d>
+      <a:camera prst="orthographicFront"/>
+      <a:lightRig rig="threePt" dir="t"/>
+    </dgm:scene3d>
+    <dgm:txPr/>
+    <dgm:style>
+      <a:lnRef idx="0">
+        <a:scrgbClr r="0" g="0" b="0"/>
+      </a:lnRef>
+      <a:fillRef idx="3">
+        <a:scrgbClr r="0" g="0" b="0"/>
+      </a:fillRef>
+      <a:effectRef idx="3">
+        <a:scrgbClr r="0" g="0" b="0"/>
+      </a:effectRef>
+      <a:fontRef idx="minor">
+        <a:schemeClr val="lt1"/>
+      </a:fontRef>
+    </dgm:style>
+  </dgm:styleLbl>
+  <dgm:styleLbl name="asst2">
+    <dgm:scene3d>
+      <a:camera prst="orthographicFront"/>
+      <a:lightRig rig="threePt" dir="t"/>
+    </dgm:scene3d>
+    <dgm:txPr/>
+    <dgm:style>
+      <a:lnRef idx="0">
+        <a:scrgbClr r="0" g="0" b="0"/>
+      </a:lnRef>
+      <a:fillRef idx="3">
+        <a:scrgbClr r="0" g="0" b="0"/>
+      </a:fillRef>
+      <a:effectRef idx="3">
+        <a:scrgbClr r="0" g="0" b="0"/>
+      </a:effectRef>
+      <a:fontRef idx="minor">
+        <a:schemeClr val="lt1"/>
+      </a:fontRef>
+    </dgm:style>
+  </dgm:styleLbl>
+  <dgm:styleLbl name="asst3">
+    <dgm:scene3d>
+      <a:camera prst="orthographicFront"/>
+      <a:lightRig rig="threePt" dir="t"/>
+    </dgm:scene3d>
+    <dgm:txPr/>
+    <dgm:style>
+      <a:lnRef idx="0">
+        <a:scrgbClr r="0" g="0" b="0"/>
+      </a:lnRef>
+      <a:fillRef idx="3">
+        <a:scrgbClr r="0" g="0" b="0"/>
+      </a:fillRef>
+      <a:effectRef idx="3">
+        <a:scrgbClr r="0" g="0" b="0"/>
+      </a:effectRef>
+      <a:fontRef idx="minor">
+        <a:schemeClr val="lt1"/>
+      </a:fontRef>
+    </dgm:style>
+  </dgm:styleLbl>
+  <dgm:styleLbl name="asst4">
+    <dgm:scene3d>
+      <a:camera prst="orthographicFront"/>
+      <a:lightRig rig="threePt" dir="t"/>
+    </dgm:scene3d>
+    <dgm:txPr/>
+    <dgm:style>
+      <a:lnRef idx="0">
+        <a:scrgbClr r="0" g="0" b="0"/>
+      </a:lnRef>
+      <a:fillRef idx="3">
+        <a:scrgbClr r="0" g="0" b="0"/>
+      </a:fillRef>
+      <a:effectRef idx="3">
+        <a:scrgbClr r="0" g="0" b="0"/>
+      </a:effectRef>
+      <a:fontRef idx="minor">
+        <a:schemeClr val="lt1"/>
+      </a:fontRef>
+    </dgm:style>
+  </dgm:styleLbl>
+  <dgm:styleLbl name="bgAcc1">
+    <dgm:scene3d>
+      <a:camera prst="orthographicFront"/>
+      <a:lightRig rig="threePt" dir="t"/>
+    </dgm:scene3d>
+    <dgm:txPr/>
+    <dgm:style>
+      <a:lnRef idx="1">
+        <a:scrgbClr r="0" g="0" b="0"/>
+      </a:lnRef>
+      <a:fillRef idx="1">
+        <a:scrgbClr r="0" g="0" b="0"/>
+      </a:fillRef>
+      <a:effectRef idx="2">
+        <a:scrgbClr r="0" g="0" b="0"/>
+      </a:effectRef>
+      <a:fontRef idx="minor"/>
+    </dgm:style>
+  </dgm:styleLbl>
+  <dgm:styleLbl name="bgAccFollowNode1">
+    <dgm:scene3d>
+      <a:camera prst="orthographicFront"/>
+      <a:lightRig rig="threePt" dir="t"/>
+    </dgm:scene3d>
+    <dgm:txPr/>
+    <dgm:style>
+      <a:lnRef idx="1">
+        <a:scrgbClr r="0" g="0" b="0"/>
+      </a:lnRef>
+      <a:fillRef idx="1">
+        <a:scrgbClr r="0" g="0" b="0"/>
+      </a:fillRef>
+      <a:effectRef idx="2">
+        <a:scrgbClr r="0" g="0" b="0"/>
+      </a:effectRef>
+      <a:fontRef idx="minor"/>
+    </dgm:style>
+  </dgm:styleLbl>
+  <dgm:styleLbl name="bgImgPlace1">
+    <dgm:scene3d>
+      <a:camera prst="orthographicFront"/>
+      <a:lightRig rig="threePt" dir="t"/>
+    </dgm:scene3d>
+    <dgm:txPr/>
+    <dgm:style>
+      <a:lnRef idx="0">
+        <a:scrgbClr r="0" g="0" b="0"/>
+      </a:lnRef>
+      <a:fillRef idx="1">
+        <a:scrgbClr r="0" g="0" b="0"/>
+      </a:fillRef>
+      <a:effectRef idx="3">
+        <a:scrgbClr r="0" g="0" b="0"/>
+      </a:effectRef>
+      <a:fontRef idx="minor"/>
+    </dgm:style>
+  </dgm:styleLbl>
+  <dgm:styleLbl name="bgShp">
+    <dgm:scene3d>
+      <a:camera prst="orthographicFront"/>
+      <a:lightRig rig="threePt" dir="t"/>
+    </dgm:scene3d>
+    <dgm:txPr/>
+    <dgm:style>
+      <a:lnRef idx="0">
+        <a:scrgbClr r="0" g="0" b="0"/>
+      </a:lnRef>
+      <a:fillRef idx="1">
+        <a:scrgbClr r="0" g="0" b="0"/>
+      </a:fillRef>
+      <a:effectRef idx="2">
+        <a:scrgbClr r="0" g="0" b="0"/>
+      </a:effectRef>
+      <a:fontRef idx="minor"/>
+    </dgm:style>
+  </dgm:styleLbl>
+  <dgm:styleLbl name="bgSibTrans2D1">
+    <dgm:scene3d>
+      <a:camera prst="orthographicFront"/>
+      <a:lightRig rig="threePt" dir="t"/>
+    </dgm:scene3d>
+    <dgm:txPr/>
+    <dgm:style>
+      <a:lnRef idx="0">
+        <a:scrgbClr r="0" g="0" b="0"/>
+      </a:lnRef>
+      <a:fillRef idx="3">
+        <a:scrgbClr r="0" g="0" b="0"/>
+      </a:fillRef>
+      <a:effectRef idx="3">
+        <a:scrgbClr r="0" g="0" b="0"/>
+      </a:effectRef>
+      <a:fontRef idx="minor">
+        <a:schemeClr val="lt1"/>
+      </a:fontRef>
+    </dgm:style>
+  </dgm:styleLbl>
+  <dgm:styleLbl name="callout">
+    <dgm:scene3d>
+      <a:camera prst="orthographicFront"/>
+      <a:lightRig rig="threePt" dir="t"/>
+    </dgm:scene3d>
+    <dgm:txPr/>
+    <dgm:style>
+      <a:lnRef idx="1">
+        <a:scrgbClr r="0" g="0" b="0"/>
+      </a:lnRef>
+      <a:fillRef idx="0">
+        <a:scrgbClr r="0" g="0" b="0"/>
+      </a:fillRef>
+      <a:effectRef idx="1">
+        <a:scrgbClr r="0" g="0" b="0"/>
+      </a:effectRef>
+      <a:fontRef idx="minor"/>
+    </dgm:style>
+  </dgm:styleLbl>
+  <dgm:styleLbl name="conFgAcc1">
+    <dgm:scene3d>
+      <a:camera prst="orthographicFront"/>
+      <a:lightRig rig="threePt" dir="t"/>
+    </dgm:scene3d>
+    <dgm:txPr/>
+    <dgm:style>
+      <a:lnRef idx="1">
+        <a:scrgbClr r="0" g="0" b="0"/>
+      </a:lnRef>
+      <a:fillRef idx="1">
+        <a:scrgbClr r="0" g="0" b="0"/>
+      </a:fillRef>
+      <a:effectRef idx="2">
+        <a:scrgbClr r="0" g="0" b="0"/>
+      </a:effectRef>
+      <a:fontRef idx="minor"/>
+    </dgm:style>
+  </dgm:styleLbl>
+  <dgm:styleLbl name="dkBgShp">
+    <dgm:scene3d>
+      <a:camera prst="orthographicFront"/>
+      <a:lightRig rig="threePt" dir="t"/>
+    </dgm:scene3d>
+    <dgm:txPr/>
+    <dgm:style>
+      <a:lnRef idx="0">
+        <a:scrgbClr r="0" g="0" b="0"/>
+      </a:lnRef>
+      <a:fillRef idx="1">
+        <a:scrgbClr r="0" g="0" b="0"/>
+      </a:fillRef>
+      <a:effectRef idx="3">
+        <a:scrgbClr r="0" g="0" b="0"/>
+      </a:effectRef>
+      <a:fontRef idx="minor"/>
+    </dgm:style>
+  </dgm:styleLbl>
+  <dgm:styleLbl name="fgAcc0">
+    <dgm:scene3d>
+      <a:camera prst="orthographicFront"/>
+      <a:lightRig rig="threePt" dir="t"/>
+    </dgm:scene3d>
+    <dgm:txPr/>
+    <dgm:style>
+      <a:lnRef idx="1">
+        <a:scrgbClr r="0" g="0" b="0"/>
+      </a:lnRef>
+      <a:fillRef idx="1">
+        <a:scrgbClr r="0" g="0" b="0"/>
+      </a:fillRef>
+      <a:effectRef idx="2">
+        <a:scrgbClr r="0" g="0" b="0"/>
+      </a:effectRef>
+      <a:fontRef idx="minor"/>
+    </dgm:style>
+  </dgm:styleLbl>
+  <dgm:styleLbl name="fgAcc1">
+    <dgm:scene3d>
+      <a:camera prst="orthographicFront"/>
+      <a:lightRig rig="threePt" dir="t"/>
+    </dgm:scene3d>
+    <dgm:txPr/>
+    <dgm:style>
+      <a:lnRef idx="1">
+        <a:scrgbClr r="0" g="0" b="0"/>
+      </a:lnRef>
+      <a:fillRef idx="1">
+        <a:scrgbClr r="0" g="0" b="0"/>
+      </a:fillRef>
+      <a:effectRef idx="2">
+        <a:scrgbClr r="0" g="0" b="0"/>
+      </a:effectRef>
+      <a:fontRef idx="minor"/>
+    </dgm:style>
+  </dgm:styleLbl>
+  <dgm:styleLbl name="fgAcc2">
+    <dgm:scene3d>
+      <a:camera prst="orthographicFront"/>
+      <a:lightRig rig="threePt" dir="t"/>
+    </dgm:scene3d>
+    <dgm:txPr/>
+    <dgm:style>
+      <a:lnRef idx="1">
+        <a:scrgbClr r="0" g="0" b="0"/>
+      </a:lnRef>
+      <a:fillRef idx="1">
+        <a:scrgbClr r="0" g="0" b="0"/>
+      </a:fillRef>
+      <a:effectRef idx="2">
+        <a:scrgbClr r="0" g="0" b="0"/>
+      </a:effectRef>
+      <a:fontRef idx="minor"/>
+    </dgm:style>
+  </dgm:styleLbl>
+  <dgm:styleLbl name="fgAcc3">
+    <dgm:scene3d>
+      <a:camera prst="orthographicFront"/>
+      <a:lightRig rig="threePt" dir="t"/>
+    </dgm:scene3d>
+    <dgm:txPr/>
+    <dgm:style>
+      <a:lnRef idx="1">
+        <a:scrgbClr r="0" g="0" b="0"/>
+      </a:lnRef>
+      <a:fillRef idx="1">
+        <a:scrgbClr r="0" g="0" b="0"/>
+      </a:fillRef>
+      <a:effectRef idx="2">
+        <a:scrgbClr r="0" g="0" b="0"/>
+      </a:effectRef>
+      <a:fontRef idx="minor"/>
+    </dgm:style>
+  </dgm:styleLbl>
+  <dgm:styleLbl name="fgAcc4">
+    <dgm:scene3d>
+      <a:camera prst="orthographicFront"/>
+      <a:lightRig rig="threePt" dir="t"/>
+    </dgm:scene3d>
+    <dgm:txPr/>
+    <dgm:style>
+      <a:lnRef idx="1">
+        <a:scrgbClr r="0" g="0" b="0"/>
+      </a:lnRef>
+      <a:fillRef idx="1">
+        <a:scrgbClr r="0" g="0" b="0"/>
+      </a:fillRef>
+      <a:effectRef idx="2">
+        <a:scrgbClr r="0" g="0" b="0"/>
+      </a:effectRef>
+      <a:fontRef idx="minor"/>
+    </dgm:style>
+  </dgm:styleLbl>
+  <dgm:styleLbl name="fgAccFollowNode1">
+    <dgm:scene3d>
+      <a:camera prst="orthographicFront"/>
+      <a:lightRig rig="threePt" dir="t"/>
+    </dgm:scene3d>
+    <dgm:txPr/>
+    <dgm:style>
+      <a:lnRef idx="1">
+        <a:scrgbClr r="0" g="0" b="0"/>
+      </a:lnRef>
+      <a:fillRef idx="1">
+        <a:scrgbClr r="0" g="0" b="0"/>
+      </a:fillRef>
+      <a:effectRef idx="2">
+        <a:scrgbClr r="0" g="0" b="0"/>
+      </a:effectRef>
+      <a:fontRef idx="minor"/>
+    </dgm:style>
+  </dgm:styleLbl>
+  <dgm:styleLbl name="fgImgPlace1">
+    <dgm:scene3d>
+      <a:camera prst="orthographicFront"/>
+      <a:lightRig rig="threePt" dir="t"/>
+    </dgm:scene3d>
+    <dgm:txPr/>
+    <dgm:style>
+      <a:lnRef idx="0">
+        <a:scrgbClr r="0" g="0" b="0"/>
+      </a:lnRef>
+      <a:fillRef idx="1">
+        <a:scrgbClr r="0" g="0" b="0"/>
+      </a:fillRef>
+      <a:effectRef idx="3">
+        <a:scrgbClr r="0" g="0" b="0"/>
+      </a:effectRef>
+      <a:fontRef idx="minor"/>
+    </dgm:style>
+  </dgm:styleLbl>
+  <dgm:styleLbl name="fgShp">
+    <dgm:scene3d>
+      <a:camera prst="orthographicFront"/>
+      <a:lightRig rig="threePt" dir="t"/>
+    </dgm:scene3d>
+    <dgm:txPr/>
+    <dgm:style>
+      <a:lnRef idx="0">
+        <a:scrgbClr r="0" g="0" b="0"/>
+      </a:lnRef>
+      <a:fillRef idx="3">
+        <a:scrgbClr r="0" g="0" b="0"/>
+      </a:fillRef>
+      <a:effectRef idx="3">
+        <a:scrgbClr r="0" g="0" b="0"/>
+      </a:effectRef>
+      <a:fontRef idx="minor"/>
+    </dgm:style>
+  </dgm:styleLbl>
+  <dgm:styleLbl name="fgSibTrans2D1">
+    <dgm:scene3d>
+      <a:camera prst="orthographicFront"/>
+      <a:lightRig rig="threePt" dir="t"/>
+    </dgm:scene3d>
     <dgm:txPr/>
     <dgm:style>
       <a:lnRef idx="0">
@@ -1867,7 +2356,6 @@
       <a:camera prst="orthographicFront"/>
       <a:lightRig rig="threePt" dir="t"/>
     </dgm:scene3d>
-    <dgm:sp3d/>
     <dgm:txPr/>
     <dgm:style>
       <a:lnRef idx="0">
@@ -1884,37 +2372,14 @@
       </a:fontRef>
     </dgm:style>
   </dgm:styleLbl>
-  <dgm:styleLbl name="vennNode1">
+  <dgm:styleLbl name="node0">
     <dgm:scene3d>
       <a:camera prst="orthographicFront"/>
       <a:lightRig rig="threePt" dir="t"/>
     </dgm:scene3d>
-    <dgm:sp3d/>
     <dgm:txPr/>
     <dgm:style>
       <a:lnRef idx="0">
-        <a:scrgbClr r="0" g="0" b="0"/>
-      </a:lnRef>
-      <a:fillRef idx="3">
-        <a:scrgbClr r="0" g="0" b="0"/>
-      </a:fillRef>
-      <a:effectRef idx="3">
-        <a:scrgbClr r="0" g="0" b="0"/>
-      </a:effectRef>
-      <a:fontRef idx="minor">
-        <a:schemeClr val="tx1"/>
-      </a:fontRef>
-    </dgm:style>
-  </dgm:styleLbl>
-  <dgm:styleLbl name="alignNode1">
-    <dgm:scene3d>
-      <a:camera prst="orthographicFront"/>
-      <a:lightRig rig="threePt" dir="t"/>
-    </dgm:scene3d>
-    <dgm:sp3d/>
-    <dgm:txPr/>
-    <dgm:style>
-      <a:lnRef idx="1">
         <a:scrgbClr r="0" g="0" b="0"/>
       </a:lnRef>
       <a:fillRef idx="3">
@@ -1933,7 +2398,6 @@
       <a:camera prst="orthographicFront"/>
       <a:lightRig rig="threePt" dir="t"/>
     </dgm:scene3d>
-    <dgm:sp3d/>
     <dgm:txPr/>
     <dgm:style>
       <a:lnRef idx="0">
@@ -1955,7 +2419,6 @@
       <a:camera prst="orthographicFront"/>
       <a:lightRig rig="threePt" dir="t"/>
     </dgm:scene3d>
-    <dgm:sp3d/>
     <dgm:txPr/>
     <dgm:style>
       <a:lnRef idx="0">
@@ -1977,7 +2440,6 @@
       <a:camera prst="orthographicFront"/>
       <a:lightRig rig="threePt" dir="t"/>
     </dgm:scene3d>
-    <dgm:sp3d/>
     <dgm:txPr/>
     <dgm:style>
       <a:lnRef idx="0">
@@ -1999,7 +2461,6 @@
       <a:camera prst="orthographicFront"/>
       <a:lightRig rig="threePt" dir="t"/>
     </dgm:scene3d>
-    <dgm:sp3d/>
     <dgm:txPr/>
     <dgm:style>
       <a:lnRef idx="0">
@@ -2016,141 +2477,71 @@
       </a:fontRef>
     </dgm:style>
   </dgm:styleLbl>
-  <dgm:styleLbl name="fgImgPlace1">
+  <dgm:styleLbl name="parChTrans1D1">
     <dgm:scene3d>
       <a:camera prst="orthographicFront"/>
       <a:lightRig rig="threePt" dir="t"/>
     </dgm:scene3d>
-    <dgm:sp3d/>
     <dgm:txPr/>
     <dgm:style>
-      <a:lnRef idx="0">
+      <a:lnRef idx="2">
         <a:scrgbClr r="0" g="0" b="0"/>
       </a:lnRef>
-      <a:fillRef idx="1">
+      <a:fillRef idx="0">
         <a:scrgbClr r="0" g="0" b="0"/>
       </a:fillRef>
-      <a:effectRef idx="3">
+      <a:effectRef idx="0">
         <a:scrgbClr r="0" g="0" b="0"/>
       </a:effectRef>
       <a:fontRef idx="minor"/>
     </dgm:style>
   </dgm:styleLbl>
-  <dgm:styleLbl name="alignImgPlace1">
+  <dgm:styleLbl name="parChTrans1D2">
     <dgm:scene3d>
       <a:camera prst="orthographicFront"/>
       <a:lightRig rig="threePt" dir="t"/>
     </dgm:scene3d>
-    <dgm:sp3d/>
     <dgm:txPr/>
     <dgm:style>
-      <a:lnRef idx="0">
+      <a:lnRef idx="2">
         <a:scrgbClr r="0" g="0" b="0"/>
       </a:lnRef>
-      <a:fillRef idx="1">
+      <a:fillRef idx="0">
         <a:scrgbClr r="0" g="0" b="0"/>
       </a:fillRef>
-      <a:effectRef idx="3">
+      <a:effectRef idx="0">
         <a:scrgbClr r="0" g="0" b="0"/>
       </a:effectRef>
       <a:fontRef idx="minor"/>
     </dgm:style>
   </dgm:styleLbl>
-  <dgm:styleLbl name="bgImgPlace1">
+  <dgm:styleLbl name="parChTrans1D3">
     <dgm:scene3d>
       <a:camera prst="orthographicFront"/>
       <a:lightRig rig="threePt" dir="t"/>
     </dgm:scene3d>
-    <dgm:sp3d/>
     <dgm:txPr/>
     <dgm:style>
-      <a:lnRef idx="0">
+      <a:lnRef idx="2">
         <a:scrgbClr r="0" g="0" b="0"/>
       </a:lnRef>
-      <a:fillRef idx="1">
+      <a:fillRef idx="0">
         <a:scrgbClr r="0" g="0" b="0"/>
       </a:fillRef>
-      <a:effectRef idx="3">
+      <a:effectRef idx="0">
         <a:scrgbClr r="0" g="0" b="0"/>
       </a:effectRef>
       <a:fontRef idx="minor"/>
     </dgm:style>
   </dgm:styleLbl>
-  <dgm:styleLbl name="sibTrans2D1">
+  <dgm:styleLbl name="parChTrans1D4">
     <dgm:scene3d>
       <a:camera prst="orthographicFront"/>
       <a:lightRig rig="threePt" dir="t"/>
     </dgm:scene3d>
-    <dgm:sp3d/>
     <dgm:txPr/>
     <dgm:style>
-      <a:lnRef idx="0">
-        <a:scrgbClr r="0" g="0" b="0"/>
-      </a:lnRef>
-      <a:fillRef idx="3">
-        <a:scrgbClr r="0" g="0" b="0"/>
-      </a:fillRef>
-      <a:effectRef idx="3">
-        <a:scrgbClr r="0" g="0" b="0"/>
-      </a:effectRef>
-      <a:fontRef idx="minor">
-        <a:schemeClr val="lt1"/>
-      </a:fontRef>
-    </dgm:style>
-  </dgm:styleLbl>
-  <dgm:styleLbl name="fgSibTrans2D1">
-    <dgm:scene3d>
-      <a:camera prst="orthographicFront"/>
-      <a:lightRig rig="threePt" dir="t"/>
-    </dgm:scene3d>
-    <dgm:sp3d/>
-    <dgm:txPr/>
-    <dgm:style>
-      <a:lnRef idx="0">
-        <a:scrgbClr r="0" g="0" b="0"/>
-      </a:lnRef>
-      <a:fillRef idx="3">
-        <a:scrgbClr r="0" g="0" b="0"/>
-      </a:fillRef>
-      <a:effectRef idx="3">
-        <a:scrgbClr r="0" g="0" b="0"/>
-      </a:effectRef>
-      <a:fontRef idx="minor">
-        <a:schemeClr val="lt1"/>
-      </a:fontRef>
-    </dgm:style>
-  </dgm:styleLbl>
-  <dgm:styleLbl name="bgSibTrans2D1">
-    <dgm:scene3d>
-      <a:camera prst="orthographicFront"/>
-      <a:lightRig rig="threePt" dir="t"/>
-    </dgm:scene3d>
-    <dgm:sp3d/>
-    <dgm:txPr/>
-    <dgm:style>
-      <a:lnRef idx="0">
-        <a:scrgbClr r="0" g="0" b="0"/>
-      </a:lnRef>
-      <a:fillRef idx="3">
-        <a:scrgbClr r="0" g="0" b="0"/>
-      </a:fillRef>
-      <a:effectRef idx="3">
-        <a:scrgbClr r="0" g="0" b="0"/>
-      </a:effectRef>
-      <a:fontRef idx="minor">
-        <a:schemeClr val="lt1"/>
-      </a:fontRef>
-    </dgm:style>
-  </dgm:styleLbl>
-  <dgm:styleLbl name="sibTrans1D1">
-    <dgm:scene3d>
-      <a:camera prst="orthographicFront"/>
-      <a:lightRig rig="threePt" dir="t"/>
-    </dgm:scene3d>
-    <dgm:sp3d/>
-    <dgm:txPr/>
-    <dgm:style>
-      <a:lnRef idx="1">
+      <a:lnRef idx="2">
         <a:scrgbClr r="0" g="0" b="0"/>
       </a:lnRef>
       <a:fillRef idx="0">
@@ -2160,136 +2551,6 @@
         <a:scrgbClr r="0" g="0" b="0"/>
       </a:effectRef>
       <a:fontRef idx="minor"/>
-    </dgm:style>
-  </dgm:styleLbl>
-  <dgm:styleLbl name="callout">
-    <dgm:scene3d>
-      <a:camera prst="orthographicFront"/>
-      <a:lightRig rig="threePt" dir="t"/>
-    </dgm:scene3d>
-    <dgm:sp3d/>
-    <dgm:txPr/>
-    <dgm:style>
-      <a:lnRef idx="1">
-        <a:scrgbClr r="0" g="0" b="0"/>
-      </a:lnRef>
-      <a:fillRef idx="0">
-        <a:scrgbClr r="0" g="0" b="0"/>
-      </a:fillRef>
-      <a:effectRef idx="1">
-        <a:scrgbClr r="0" g="0" b="0"/>
-      </a:effectRef>
-      <a:fontRef idx="minor"/>
-    </dgm:style>
-  </dgm:styleLbl>
-  <dgm:styleLbl name="asst0">
-    <dgm:scene3d>
-      <a:camera prst="orthographicFront"/>
-      <a:lightRig rig="threePt" dir="t"/>
-    </dgm:scene3d>
-    <dgm:sp3d/>
-    <dgm:txPr/>
-    <dgm:style>
-      <a:lnRef idx="0">
-        <a:scrgbClr r="0" g="0" b="0"/>
-      </a:lnRef>
-      <a:fillRef idx="3">
-        <a:scrgbClr r="0" g="0" b="0"/>
-      </a:fillRef>
-      <a:effectRef idx="3">
-        <a:scrgbClr r="0" g="0" b="0"/>
-      </a:effectRef>
-      <a:fontRef idx="minor">
-        <a:schemeClr val="lt1"/>
-      </a:fontRef>
-    </dgm:style>
-  </dgm:styleLbl>
-  <dgm:styleLbl name="asst1">
-    <dgm:scene3d>
-      <a:camera prst="orthographicFront"/>
-      <a:lightRig rig="threePt" dir="t"/>
-    </dgm:scene3d>
-    <dgm:sp3d/>
-    <dgm:txPr/>
-    <dgm:style>
-      <a:lnRef idx="0">
-        <a:scrgbClr r="0" g="0" b="0"/>
-      </a:lnRef>
-      <a:fillRef idx="3">
-        <a:scrgbClr r="0" g="0" b="0"/>
-      </a:fillRef>
-      <a:effectRef idx="3">
-        <a:scrgbClr r="0" g="0" b="0"/>
-      </a:effectRef>
-      <a:fontRef idx="minor">
-        <a:schemeClr val="lt1"/>
-      </a:fontRef>
-    </dgm:style>
-  </dgm:styleLbl>
-  <dgm:styleLbl name="asst2">
-    <dgm:scene3d>
-      <a:camera prst="orthographicFront"/>
-      <a:lightRig rig="threePt" dir="t"/>
-    </dgm:scene3d>
-    <dgm:sp3d/>
-    <dgm:txPr/>
-    <dgm:style>
-      <a:lnRef idx="0">
-        <a:scrgbClr r="0" g="0" b="0"/>
-      </a:lnRef>
-      <a:fillRef idx="3">
-        <a:scrgbClr r="0" g="0" b="0"/>
-      </a:fillRef>
-      <a:effectRef idx="3">
-        <a:scrgbClr r="0" g="0" b="0"/>
-      </a:effectRef>
-      <a:fontRef idx="minor">
-        <a:schemeClr val="lt1"/>
-      </a:fontRef>
-    </dgm:style>
-  </dgm:styleLbl>
-  <dgm:styleLbl name="asst3">
-    <dgm:scene3d>
-      <a:camera prst="orthographicFront"/>
-      <a:lightRig rig="threePt" dir="t"/>
-    </dgm:scene3d>
-    <dgm:sp3d/>
-    <dgm:txPr/>
-    <dgm:style>
-      <a:lnRef idx="0">
-        <a:scrgbClr r="0" g="0" b="0"/>
-      </a:lnRef>
-      <a:fillRef idx="3">
-        <a:scrgbClr r="0" g="0" b="0"/>
-      </a:fillRef>
-      <a:effectRef idx="3">
-        <a:scrgbClr r="0" g="0" b="0"/>
-      </a:effectRef>
-      <a:fontRef idx="minor">
-        <a:schemeClr val="lt1"/>
-      </a:fontRef>
-    </dgm:style>
-  </dgm:styleLbl>
-  <dgm:styleLbl name="asst4">
-    <dgm:scene3d>
-      <a:camera prst="orthographicFront"/>
-      <a:lightRig rig="threePt" dir="t"/>
-    </dgm:scene3d>
-    <dgm:sp3d/>
-    <dgm:txPr/>
-    <dgm:style>
-      <a:lnRef idx="0">
-        <a:scrgbClr r="0" g="0" b="0"/>
-      </a:lnRef>
-      <a:fillRef idx="3">
-        <a:scrgbClr r="0" g="0" b="0"/>
-      </a:fillRef>
-      <a:effectRef idx="3">
-        <a:scrgbClr r="0" g="0" b="0"/>
-      </a:effectRef>
-      <a:fontRef idx="minor">
-        <a:schemeClr val="lt1"/>
-      </a:fontRef>
     </dgm:style>
   </dgm:styleLbl>
   <dgm:styleLbl name="parChTrans2D1">
@@ -2297,7 +2558,6 @@
       <a:camera prst="orthographicFront"/>
       <a:lightRig rig="threePt" dir="t"/>
     </dgm:scene3d>
-    <dgm:sp3d/>
     <dgm:txPr/>
     <dgm:style>
       <a:lnRef idx="0">
@@ -2319,7 +2579,6 @@
       <a:camera prst="orthographicFront"/>
       <a:lightRig rig="threePt" dir="t"/>
     </dgm:scene3d>
-    <dgm:sp3d/>
     <dgm:txPr/>
     <dgm:style>
       <a:lnRef idx="0">
@@ -2341,7 +2600,6 @@
       <a:camera prst="orthographicFront"/>
       <a:lightRig rig="threePt" dir="t"/>
     </dgm:scene3d>
-    <dgm:sp3d/>
     <dgm:txPr/>
     <dgm:style>
       <a:lnRef idx="0">
@@ -2363,7 +2621,6 @@
       <a:camera prst="orthographicFront"/>
       <a:lightRig rig="threePt" dir="t"/>
     </dgm:scene3d>
-    <dgm:sp3d/>
     <dgm:txPr/>
     <dgm:style>
       <a:lnRef idx="0">
@@ -2380,15 +2637,14 @@
       </a:fontRef>
     </dgm:style>
   </dgm:styleLbl>
-  <dgm:styleLbl name="parChTrans1D1">
+  <dgm:styleLbl name="revTx">
     <dgm:scene3d>
       <a:camera prst="orthographicFront"/>
       <a:lightRig rig="threePt" dir="t"/>
     </dgm:scene3d>
-    <dgm:sp3d/>
     <dgm:txPr/>
     <dgm:style>
-      <a:lnRef idx="2">
+      <a:lnRef idx="0">
         <a:scrgbClr r="0" g="0" b="0"/>
       </a:lnRef>
       <a:fillRef idx="0">
@@ -2400,15 +2656,14 @@
       <a:fontRef idx="minor"/>
     </dgm:style>
   </dgm:styleLbl>
-  <dgm:styleLbl name="parChTrans1D2">
+  <dgm:styleLbl name="sibTrans1D1">
     <dgm:scene3d>
       <a:camera prst="orthographicFront"/>
       <a:lightRig rig="threePt" dir="t"/>
     </dgm:scene3d>
-    <dgm:sp3d/>
     <dgm:txPr/>
     <dgm:style>
-      <a:lnRef idx="2">
+      <a:lnRef idx="1">
         <a:scrgbClr r="0" g="0" b="0"/>
       </a:lnRef>
       <a:fillRef idx="0">
@@ -2420,92 +2675,70 @@
       <a:fontRef idx="minor"/>
     </dgm:style>
   </dgm:styleLbl>
-  <dgm:styleLbl name="parChTrans1D3">
+  <dgm:styleLbl name="sibTrans2D1">
     <dgm:scene3d>
       <a:camera prst="orthographicFront"/>
       <a:lightRig rig="threePt" dir="t"/>
     </dgm:scene3d>
-    <dgm:sp3d/>
     <dgm:txPr/>
     <dgm:style>
-      <a:lnRef idx="2">
+      <a:lnRef idx="0">
         <a:scrgbClr r="0" g="0" b="0"/>
       </a:lnRef>
-      <a:fillRef idx="0">
+      <a:fillRef idx="3">
         <a:scrgbClr r="0" g="0" b="0"/>
       </a:fillRef>
-      <a:effectRef idx="0">
+      <a:effectRef idx="3">
+        <a:scrgbClr r="0" g="0" b="0"/>
+      </a:effectRef>
+      <a:fontRef idx="minor">
+        <a:schemeClr val="lt1"/>
+      </a:fontRef>
+    </dgm:style>
+  </dgm:styleLbl>
+  <dgm:styleLbl name="solidAlignAcc1">
+    <dgm:scene3d>
+      <a:camera prst="orthographicFront"/>
+      <a:lightRig rig="threePt" dir="t"/>
+    </dgm:scene3d>
+    <dgm:txPr/>
+    <dgm:style>
+      <a:lnRef idx="1">
+        <a:scrgbClr r="0" g="0" b="0"/>
+      </a:lnRef>
+      <a:fillRef idx="1">
+        <a:scrgbClr r="0" g="0" b="0"/>
+      </a:fillRef>
+      <a:effectRef idx="3">
         <a:scrgbClr r="0" g="0" b="0"/>
       </a:effectRef>
       <a:fontRef idx="minor"/>
     </dgm:style>
   </dgm:styleLbl>
-  <dgm:styleLbl name="parChTrans1D4">
+  <dgm:styleLbl name="solidBgAcc1">
     <dgm:scene3d>
       <a:camera prst="orthographicFront"/>
       <a:lightRig rig="threePt" dir="t"/>
     </dgm:scene3d>
-    <dgm:sp3d/>
     <dgm:txPr/>
     <dgm:style>
-      <a:lnRef idx="2">
+      <a:lnRef idx="1">
         <a:scrgbClr r="0" g="0" b="0"/>
       </a:lnRef>
-      <a:fillRef idx="0">
+      <a:fillRef idx="1">
         <a:scrgbClr r="0" g="0" b="0"/>
       </a:fillRef>
-      <a:effectRef idx="0">
+      <a:effectRef idx="3">
         <a:scrgbClr r="0" g="0" b="0"/>
       </a:effectRef>
       <a:fontRef idx="minor"/>
     </dgm:style>
   </dgm:styleLbl>
-  <dgm:styleLbl name="fgAcc1">
+  <dgm:styleLbl name="solidFgAcc1">
     <dgm:scene3d>
       <a:camera prst="orthographicFront"/>
       <a:lightRig rig="threePt" dir="t"/>
     </dgm:scene3d>
-    <dgm:sp3d/>
-    <dgm:txPr/>
-    <dgm:style>
-      <a:lnRef idx="1">
-        <a:scrgbClr r="0" g="0" b="0"/>
-      </a:lnRef>
-      <a:fillRef idx="1">
-        <a:scrgbClr r="0" g="0" b="0"/>
-      </a:fillRef>
-      <a:effectRef idx="2">
-        <a:scrgbClr r="0" g="0" b="0"/>
-      </a:effectRef>
-      <a:fontRef idx="minor"/>
-    </dgm:style>
-  </dgm:styleLbl>
-  <dgm:styleLbl name="conFgAcc1">
-    <dgm:scene3d>
-      <a:camera prst="orthographicFront"/>
-      <a:lightRig rig="threePt" dir="t"/>
-    </dgm:scene3d>
-    <dgm:sp3d/>
-    <dgm:txPr/>
-    <dgm:style>
-      <a:lnRef idx="1">
-        <a:scrgbClr r="0" g="0" b="0"/>
-      </a:lnRef>
-      <a:fillRef idx="1">
-        <a:scrgbClr r="0" g="0" b="0"/>
-      </a:fillRef>
-      <a:effectRef idx="2">
-        <a:scrgbClr r="0" g="0" b="0"/>
-      </a:effectRef>
-      <a:fontRef idx="minor"/>
-    </dgm:style>
-  </dgm:styleLbl>
-  <dgm:styleLbl name="alignAcc1">
-    <dgm:scene3d>
-      <a:camera prst="orthographicFront"/>
-      <a:lightRig rig="threePt" dir="t"/>
-    </dgm:scene3d>
-    <dgm:sp3d/>
     <dgm:txPr/>
     <dgm:style>
       <a:lnRef idx="1">
@@ -2525,7 +2758,6 @@
       <a:camera prst="orthographicFront"/>
       <a:lightRig rig="threePt" dir="t"/>
     </dgm:scene3d>
-    <dgm:sp3d/>
     <dgm:txPr/>
     <dgm:style>
       <a:lnRef idx="1">
@@ -2535,266 +2767,6 @@
         <a:scrgbClr r="0" g="0" b="0"/>
       </a:fillRef>
       <a:effectRef idx="0">
-        <a:scrgbClr r="0" g="0" b="0"/>
-      </a:effectRef>
-      <a:fontRef idx="minor"/>
-    </dgm:style>
-  </dgm:styleLbl>
-  <dgm:styleLbl name="bgAcc1">
-    <dgm:scene3d>
-      <a:camera prst="orthographicFront"/>
-      <a:lightRig rig="threePt" dir="t"/>
-    </dgm:scene3d>
-    <dgm:sp3d/>
-    <dgm:txPr/>
-    <dgm:style>
-      <a:lnRef idx="1">
-        <a:scrgbClr r="0" g="0" b="0"/>
-      </a:lnRef>
-      <a:fillRef idx="1">
-        <a:scrgbClr r="0" g="0" b="0"/>
-      </a:fillRef>
-      <a:effectRef idx="2">
-        <a:scrgbClr r="0" g="0" b="0"/>
-      </a:effectRef>
-      <a:fontRef idx="minor"/>
-    </dgm:style>
-  </dgm:styleLbl>
-  <dgm:styleLbl name="solidFgAcc1">
-    <dgm:scene3d>
-      <a:camera prst="orthographicFront"/>
-      <a:lightRig rig="threePt" dir="t"/>
-    </dgm:scene3d>
-    <dgm:sp3d/>
-    <dgm:txPr/>
-    <dgm:style>
-      <a:lnRef idx="1">
-        <a:scrgbClr r="0" g="0" b="0"/>
-      </a:lnRef>
-      <a:fillRef idx="1">
-        <a:scrgbClr r="0" g="0" b="0"/>
-      </a:fillRef>
-      <a:effectRef idx="2">
-        <a:scrgbClr r="0" g="0" b="0"/>
-      </a:effectRef>
-      <a:fontRef idx="minor"/>
-    </dgm:style>
-  </dgm:styleLbl>
-  <dgm:styleLbl name="solidAlignAcc1">
-    <dgm:scene3d>
-      <a:camera prst="orthographicFront"/>
-      <a:lightRig rig="threePt" dir="t"/>
-    </dgm:scene3d>
-    <dgm:sp3d/>
-    <dgm:txPr/>
-    <dgm:style>
-      <a:lnRef idx="1">
-        <a:scrgbClr r="0" g="0" b="0"/>
-      </a:lnRef>
-      <a:fillRef idx="1">
-        <a:scrgbClr r="0" g="0" b="0"/>
-      </a:fillRef>
-      <a:effectRef idx="3">
-        <a:scrgbClr r="0" g="0" b="0"/>
-      </a:effectRef>
-      <a:fontRef idx="minor"/>
-    </dgm:style>
-  </dgm:styleLbl>
-  <dgm:styleLbl name="solidBgAcc1">
-    <dgm:scene3d>
-      <a:camera prst="orthographicFront"/>
-      <a:lightRig rig="threePt" dir="t"/>
-    </dgm:scene3d>
-    <dgm:sp3d/>
-    <dgm:txPr/>
-    <dgm:style>
-      <a:lnRef idx="1">
-        <a:scrgbClr r="0" g="0" b="0"/>
-      </a:lnRef>
-      <a:fillRef idx="1">
-        <a:scrgbClr r="0" g="0" b="0"/>
-      </a:fillRef>
-      <a:effectRef idx="3">
-        <a:scrgbClr r="0" g="0" b="0"/>
-      </a:effectRef>
-      <a:fontRef idx="minor"/>
-    </dgm:style>
-  </dgm:styleLbl>
-  <dgm:styleLbl name="fgAccFollowNode1">
-    <dgm:scene3d>
-      <a:camera prst="orthographicFront"/>
-      <a:lightRig rig="threePt" dir="t"/>
-    </dgm:scene3d>
-    <dgm:sp3d/>
-    <dgm:txPr/>
-    <dgm:style>
-      <a:lnRef idx="1">
-        <a:scrgbClr r="0" g="0" b="0"/>
-      </a:lnRef>
-      <a:fillRef idx="1">
-        <a:scrgbClr r="0" g="0" b="0"/>
-      </a:fillRef>
-      <a:effectRef idx="2">
-        <a:scrgbClr r="0" g="0" b="0"/>
-      </a:effectRef>
-      <a:fontRef idx="minor"/>
-    </dgm:style>
-  </dgm:styleLbl>
-  <dgm:styleLbl name="alignAccFollowNode1">
-    <dgm:scene3d>
-      <a:camera prst="orthographicFront"/>
-      <a:lightRig rig="threePt" dir="t"/>
-    </dgm:scene3d>
-    <dgm:sp3d/>
-    <dgm:txPr/>
-    <dgm:style>
-      <a:lnRef idx="1">
-        <a:scrgbClr r="0" g="0" b="0"/>
-      </a:lnRef>
-      <a:fillRef idx="1">
-        <a:scrgbClr r="0" g="0" b="0"/>
-      </a:fillRef>
-      <a:effectRef idx="2">
-        <a:scrgbClr r="0" g="0" b="0"/>
-      </a:effectRef>
-      <a:fontRef idx="minor"/>
-    </dgm:style>
-  </dgm:styleLbl>
-  <dgm:styleLbl name="bgAccFollowNode1">
-    <dgm:scene3d>
-      <a:camera prst="orthographicFront"/>
-      <a:lightRig rig="threePt" dir="t"/>
-    </dgm:scene3d>
-    <dgm:sp3d/>
-    <dgm:txPr/>
-    <dgm:style>
-      <a:lnRef idx="1">
-        <a:scrgbClr r="0" g="0" b="0"/>
-      </a:lnRef>
-      <a:fillRef idx="1">
-        <a:scrgbClr r="0" g="0" b="0"/>
-      </a:fillRef>
-      <a:effectRef idx="2">
-        <a:scrgbClr r="0" g="0" b="0"/>
-      </a:effectRef>
-      <a:fontRef idx="minor"/>
-    </dgm:style>
-  </dgm:styleLbl>
-  <dgm:styleLbl name="fgAcc0">
-    <dgm:scene3d>
-      <a:camera prst="orthographicFront"/>
-      <a:lightRig rig="threePt" dir="t"/>
-    </dgm:scene3d>
-    <dgm:sp3d/>
-    <dgm:txPr/>
-    <dgm:style>
-      <a:lnRef idx="1">
-        <a:scrgbClr r="0" g="0" b="0"/>
-      </a:lnRef>
-      <a:fillRef idx="1">
-        <a:scrgbClr r="0" g="0" b="0"/>
-      </a:fillRef>
-      <a:effectRef idx="2">
-        <a:scrgbClr r="0" g="0" b="0"/>
-      </a:effectRef>
-      <a:fontRef idx="minor"/>
-    </dgm:style>
-  </dgm:styleLbl>
-  <dgm:styleLbl name="fgAcc2">
-    <dgm:scene3d>
-      <a:camera prst="orthographicFront"/>
-      <a:lightRig rig="threePt" dir="t"/>
-    </dgm:scene3d>
-    <dgm:sp3d/>
-    <dgm:txPr/>
-    <dgm:style>
-      <a:lnRef idx="1">
-        <a:scrgbClr r="0" g="0" b="0"/>
-      </a:lnRef>
-      <a:fillRef idx="1">
-        <a:scrgbClr r="0" g="0" b="0"/>
-      </a:fillRef>
-      <a:effectRef idx="2">
-        <a:scrgbClr r="0" g="0" b="0"/>
-      </a:effectRef>
-      <a:fontRef idx="minor"/>
-    </dgm:style>
-  </dgm:styleLbl>
-  <dgm:styleLbl name="fgAcc3">
-    <dgm:scene3d>
-      <a:camera prst="orthographicFront"/>
-      <a:lightRig rig="threePt" dir="t"/>
-    </dgm:scene3d>
-    <dgm:sp3d/>
-    <dgm:txPr/>
-    <dgm:style>
-      <a:lnRef idx="1">
-        <a:scrgbClr r="0" g="0" b="0"/>
-      </a:lnRef>
-      <a:fillRef idx="1">
-        <a:scrgbClr r="0" g="0" b="0"/>
-      </a:fillRef>
-      <a:effectRef idx="2">
-        <a:scrgbClr r="0" g="0" b="0"/>
-      </a:effectRef>
-      <a:fontRef idx="minor"/>
-    </dgm:style>
-  </dgm:styleLbl>
-  <dgm:styleLbl name="fgAcc4">
-    <dgm:scene3d>
-      <a:camera prst="orthographicFront"/>
-      <a:lightRig rig="threePt" dir="t"/>
-    </dgm:scene3d>
-    <dgm:sp3d/>
-    <dgm:txPr/>
-    <dgm:style>
-      <a:lnRef idx="1">
-        <a:scrgbClr r="0" g="0" b="0"/>
-      </a:lnRef>
-      <a:fillRef idx="1">
-        <a:scrgbClr r="0" g="0" b="0"/>
-      </a:fillRef>
-      <a:effectRef idx="2">
-        <a:scrgbClr r="0" g="0" b="0"/>
-      </a:effectRef>
-      <a:fontRef idx="minor"/>
-    </dgm:style>
-  </dgm:styleLbl>
-  <dgm:styleLbl name="bgShp">
-    <dgm:scene3d>
-      <a:camera prst="orthographicFront"/>
-      <a:lightRig rig="threePt" dir="t"/>
-    </dgm:scene3d>
-    <dgm:sp3d/>
-    <dgm:txPr/>
-    <dgm:style>
-      <a:lnRef idx="0">
-        <a:scrgbClr r="0" g="0" b="0"/>
-      </a:lnRef>
-      <a:fillRef idx="1">
-        <a:scrgbClr r="0" g="0" b="0"/>
-      </a:fillRef>
-      <a:effectRef idx="2">
-        <a:scrgbClr r="0" g="0" b="0"/>
-      </a:effectRef>
-      <a:fontRef idx="minor"/>
-    </dgm:style>
-  </dgm:styleLbl>
-  <dgm:styleLbl name="dkBgShp">
-    <dgm:scene3d>
-      <a:camera prst="orthographicFront"/>
-      <a:lightRig rig="threePt" dir="t"/>
-    </dgm:scene3d>
-    <dgm:sp3d/>
-    <dgm:txPr/>
-    <dgm:style>
-      <a:lnRef idx="0">
-        <a:scrgbClr r="0" g="0" b="0"/>
-      </a:lnRef>
-      <a:fillRef idx="1">
-        <a:scrgbClr r="0" g="0" b="0"/>
-      </a:fillRef>
-      <a:effectRef idx="3">
         <a:scrgbClr r="0" g="0" b="0"/>
       </a:effectRef>
       <a:fontRef idx="minor"/>
@@ -2805,7 +2777,6 @@
       <a:camera prst="orthographicFront"/>
       <a:lightRig rig="threePt" dir="t"/>
     </dgm:scene3d>
-    <dgm:sp3d/>
     <dgm:txPr/>
     <dgm:style>
       <a:lnRef idx="0">
@@ -2820,12 +2791,11 @@
       <a:fontRef idx="minor"/>
     </dgm:style>
   </dgm:styleLbl>
-  <dgm:styleLbl name="fgShp">
+  <dgm:styleLbl name="vennNode1">
     <dgm:scene3d>
       <a:camera prst="orthographicFront"/>
       <a:lightRig rig="threePt" dir="t"/>
     </dgm:scene3d>
-    <dgm:sp3d/>
     <dgm:txPr/>
     <dgm:style>
       <a:lnRef idx="0">
@@ -2837,27 +2807,9 @@
       <a:effectRef idx="3">
         <a:scrgbClr r="0" g="0" b="0"/>
       </a:effectRef>
-      <a:fontRef idx="minor"/>
-    </dgm:style>
-  </dgm:styleLbl>
-  <dgm:styleLbl name="revTx">
-    <dgm:scene3d>
-      <a:camera prst="orthographicFront"/>
-      <a:lightRig rig="threePt" dir="t"/>
-    </dgm:scene3d>
-    <dgm:sp3d/>
-    <dgm:txPr/>
-    <dgm:style>
-      <a:lnRef idx="0">
-        <a:scrgbClr r="0" g="0" b="0"/>
-      </a:lnRef>
-      <a:fillRef idx="0">
-        <a:scrgbClr r="0" g="0" b="0"/>
-      </a:fillRef>
-      <a:effectRef idx="0">
-        <a:scrgbClr r="0" g="0" b="0"/>
-      </a:effectRef>
-      <a:fontRef idx="minor"/>
+      <a:fontRef idx="minor">
+        <a:schemeClr val="tx1"/>
+      </a:fontRef>
     </dgm:style>
   </dgm:styleLbl>
 </dgm:styleDef>
@@ -2945,7 +2897,6 @@
           <a:p>
             <a:fld id="{991A2014-96CE-4721-84C9-7D513E406897}" type="datetimeFigureOut">
               <a:rPr kumimoji="1" lang="ja-JP" altLang="en-US" smtClean="0"/>
-              <a:t>2019/1/2</a:t>
             </a:fld>
             <a:endParaRPr kumimoji="1" lang="ja-JP" altLang="en-US"/>
           </a:p>
@@ -3011,18 +2962,12 @@
           <a:p>
             <a:fld id="{0CE70F33-C8AA-45D1-A175-D96663199F28}" type="slidenum">
               <a:rPr kumimoji="1" lang="ja-JP" altLang="en-US" smtClean="0"/>
-              <a:t>‹#›</a:t>
             </a:fld>
             <a:endParaRPr kumimoji="1" lang="ja-JP" altLang="en-US"/>
           </a:p>
         </p:txBody>
       </p:sp>
     </p:spTree>
-    <p:extLst>
-      <p:ext uri="{BB962C8B-B14F-4D97-AF65-F5344CB8AC3E}">
-        <p14:creationId xmlns:p14="http://schemas.microsoft.com/office/powerpoint/2010/main" val="145024549"/>
-      </p:ext>
-    </p:extLst>
   </p:cSld>
   <p:clrMap bg1="lt1" tx1="dk1" bg2="lt2" tx2="dk2" accent1="accent1" accent2="accent2" accent3="accent3" accent4="accent4" accent5="accent5" accent6="accent6" hlink="hlink" folHlink="folHlink"/>
 </p:handoutMaster>
@@ -3110,7 +3055,6 @@
           <a:p>
             <a:fld id="{DA4538BB-24BA-42B9-8147-243E70E4201C}" type="datetimeFigureOut">
               <a:rPr kumimoji="1" lang="ja-JP" altLang="en-US" smtClean="0"/>
-              <a:t>2019/1/2</a:t>
             </a:fld>
             <a:endParaRPr kumimoji="1" lang="ja-JP" altLang="en-US"/>
           </a:p>
@@ -3177,6 +3121,7 @@
               <a:rPr kumimoji="1" lang="ja-JP" altLang="en-US" smtClean="0"/>
               <a:t>マスター テキストの書式設定</a:t>
             </a:r>
+            <a:endParaRPr kumimoji="1" lang="ja-JP" altLang="en-US" smtClean="0"/>
           </a:p>
           <a:p>
             <a:pPr lvl="1"/>
@@ -3192,6 +3137,7 @@
               <a:rPr kumimoji="1" lang="ja-JP" altLang="en-US" smtClean="0"/>
               <a:t>レベル</a:t>
             </a:r>
+            <a:endParaRPr kumimoji="1" lang="ja-JP" altLang="en-US" smtClean="0"/>
           </a:p>
           <a:p>
             <a:pPr lvl="2"/>
@@ -3207,6 +3153,7 @@
               <a:rPr kumimoji="1" lang="ja-JP" altLang="en-US" smtClean="0"/>
               <a:t>レベル</a:t>
             </a:r>
+            <a:endParaRPr kumimoji="1" lang="ja-JP" altLang="en-US" smtClean="0"/>
           </a:p>
           <a:p>
             <a:pPr lvl="3"/>
@@ -3222,6 +3169,7 @@
               <a:rPr kumimoji="1" lang="ja-JP" altLang="en-US" smtClean="0"/>
               <a:t>レベル</a:t>
             </a:r>
+            <a:endParaRPr kumimoji="1" lang="ja-JP" altLang="en-US" smtClean="0"/>
           </a:p>
           <a:p>
             <a:pPr lvl="4"/>
@@ -3301,18 +3249,12 @@
           <a:p>
             <a:fld id="{F420C424-C8B2-458D-BE4F-39DC7DBD7BA6}" type="slidenum">
               <a:rPr kumimoji="1" lang="ja-JP" altLang="en-US" smtClean="0"/>
-              <a:t>‹#›</a:t>
             </a:fld>
             <a:endParaRPr kumimoji="1" lang="ja-JP" altLang="en-US"/>
           </a:p>
         </p:txBody>
       </p:sp>
     </p:spTree>
-    <p:extLst>
-      <p:ext uri="{BB962C8B-B14F-4D97-AF65-F5344CB8AC3E}">
-        <p14:creationId xmlns:p14="http://schemas.microsoft.com/office/powerpoint/2010/main" val="1969747371"/>
-      </p:ext>
-    </p:extLst>
   </p:cSld>
   <p:clrMap bg1="lt1" tx1="dk1" bg2="lt2" tx2="dk2" accent1="accent1" accent2="accent2" accent3="accent3" accent4="accent4" accent5="accent5" accent6="accent6" hlink="hlink" folHlink="folHlink"/>
   <p:notesStyle>
@@ -3480,7 +3422,6 @@
           <a:p>
             <a:fld id="{F420C424-C8B2-458D-BE4F-39DC7DBD7BA6}" type="slidenum">
               <a:rPr kumimoji="1" lang="ja-JP" altLang="en-US" smtClean="0"/>
-              <a:t>1</a:t>
             </a:fld>
             <a:endParaRPr kumimoji="1" lang="ja-JP" altLang="en-US"/>
           </a:p>
@@ -3559,7 +3500,6 @@
           <a:p>
             <a:fld id="{F420C424-C8B2-458D-BE4F-39DC7DBD7BA6}" type="slidenum">
               <a:rPr kumimoji="1" lang="ja-JP" altLang="en-US" smtClean="0"/>
-              <a:t>3</a:t>
             </a:fld>
             <a:endParaRPr kumimoji="1" lang="ja-JP" altLang="en-US"/>
           </a:p>
@@ -3638,7 +3578,6 @@
           <a:p>
             <a:fld id="{F420C424-C8B2-458D-BE4F-39DC7DBD7BA6}" type="slidenum">
               <a:rPr kumimoji="1" lang="ja-JP" altLang="en-US" smtClean="0"/>
-              <a:t>4</a:t>
             </a:fld>
             <a:endParaRPr kumimoji="1" lang="ja-JP" altLang="en-US"/>
           </a:p>
@@ -3717,7 +3656,6 @@
           <a:p>
             <a:fld id="{F420C424-C8B2-458D-BE4F-39DC7DBD7BA6}" type="slidenum">
               <a:rPr kumimoji="1" lang="ja-JP" altLang="en-US" smtClean="0"/>
-              <a:t>5</a:t>
             </a:fld>
             <a:endParaRPr kumimoji="1" lang="ja-JP" altLang="en-US"/>
           </a:p>
@@ -3796,7 +3734,6 @@
           <a:p>
             <a:fld id="{F420C424-C8B2-458D-BE4F-39DC7DBD7BA6}" type="slidenum">
               <a:rPr kumimoji="1" lang="ja-JP" altLang="en-US" smtClean="0"/>
-              <a:t>6</a:t>
             </a:fld>
             <a:endParaRPr kumimoji="1" lang="ja-JP" altLang="en-US"/>
           </a:p>
@@ -3875,7 +3812,84 @@
           <a:p>
             <a:fld id="{F420C424-C8B2-458D-BE4F-39DC7DBD7BA6}" type="slidenum">
               <a:rPr kumimoji="1" lang="ja-JP" altLang="en-US" smtClean="0"/>
-              <a:t>7</a:t>
+            </a:fld>
+            <a:endParaRPr kumimoji="1" lang="ja-JP" altLang="en-US"/>
+          </a:p>
+        </p:txBody>
+      </p:sp>
+    </p:spTree>
+  </p:cSld>
+  <p:clrMapOvr>
+    <a:masterClrMapping/>
+  </p:clrMapOvr>
+</p:notes>
+</file>
+
+<file path=ppt/notesSlides/notesSlide7.xml><?xml version="1.0" encoding="utf-8"?>
+<p:notes xmlns:a="http://schemas.openxmlformats.org/drawingml/2006/main" xmlns:r="http://schemas.openxmlformats.org/officeDocument/2006/relationships" xmlns:p="http://schemas.openxmlformats.org/presentationml/2006/main">
+  <p:cSld>
+    <p:spTree>
+      <p:nvGrpSpPr>
+        <p:cNvPr id="1" name=""/>
+        <p:cNvGrpSpPr/>
+        <p:nvPr/>
+      </p:nvGrpSpPr>
+      <p:grpSpPr>
+        <a:xfrm>
+          <a:off x="0" y="0"/>
+          <a:ext cx="0" cy="0"/>
+          <a:chOff x="0" y="0"/>
+          <a:chExt cx="0" cy="0"/>
+        </a:xfrm>
+      </p:grpSpPr>
+      <p:sp>
+        <p:nvSpPr>
+          <p:cNvPr id="2" name="幻灯片图像占位符 1"/>
+          <p:cNvSpPr>
+            <a:spLocks noGrp="1" noRot="1" noChangeAspect="1"/>
+          </p:cNvSpPr>
+          <p:nvPr>
+            <p:ph type="sldImg"/>
+          </p:nvPr>
+        </p:nvSpPr>
+        <p:spPr/>
+      </p:sp>
+      <p:sp>
+        <p:nvSpPr>
+          <p:cNvPr id="3" name="备注占位符 2"/>
+          <p:cNvSpPr>
+            <a:spLocks noGrp="1"/>
+          </p:cNvSpPr>
+          <p:nvPr>
+            <p:ph type="body" idx="1"/>
+          </p:nvPr>
+        </p:nvSpPr>
+        <p:spPr/>
+        <p:txBody>
+          <a:bodyPr/>
+          <a:lstStyle/>
+          <a:p>
+            <a:endParaRPr lang="zh-CN" altLang="en-US" dirty="0"/>
+          </a:p>
+        </p:txBody>
+      </p:sp>
+      <p:sp>
+        <p:nvSpPr>
+          <p:cNvPr id="4" name="灯片编号占位符 3"/>
+          <p:cNvSpPr>
+            <a:spLocks noGrp="1"/>
+          </p:cNvSpPr>
+          <p:nvPr>
+            <p:ph type="sldNum" sz="quarter" idx="10"/>
+          </p:nvPr>
+        </p:nvSpPr>
+        <p:spPr/>
+        <p:txBody>
+          <a:bodyPr/>
+          <a:lstStyle/>
+          <a:p>
+            <a:fld id="{F420C424-C8B2-458D-BE4F-39DC7DBD7BA6}" type="slidenum">
+              <a:rPr kumimoji="1" lang="ja-JP" altLang="en-US" smtClean="0"/>
             </a:fld>
             <a:endParaRPr kumimoji="1" lang="ja-JP" altLang="en-US"/>
           </a:p>
@@ -4094,7 +4108,6 @@
           <a:p>
             <a:fld id="{2C795EF2-C10B-4973-A4D4-8B26E6739D57}" type="slidenum">
               <a:rPr lang="zh-CN" altLang="en-US"/>
-              <a:t>‹#›</a:t>
             </a:fld>
             <a:endParaRPr lang="zh-CN" altLang="en-US"/>
           </a:p>
@@ -4248,7 +4261,6 @@
           <a:p>
             <a:fld id="{76B1E760-ECB3-4197-9FBC-1D87FC5C6A28}" type="slidenum">
               <a:rPr kumimoji="1" lang="ja-JP" altLang="en-US" smtClean="0"/>
-              <a:t>‹#›</a:t>
             </a:fld>
             <a:endParaRPr kumimoji="1" lang="ja-JP" altLang="en-US" dirty="0"/>
           </a:p>
@@ -4491,7 +4503,6 @@
           <a:p>
             <a:fld id="{76B1E760-ECB3-4197-9FBC-1D87FC5C6A28}" type="slidenum">
               <a:rPr kumimoji="1" lang="ja-JP" altLang="en-US" smtClean="0"/>
-              <a:t>‹#›</a:t>
             </a:fld>
             <a:endParaRPr kumimoji="1" lang="ja-JP" altLang="en-US" dirty="0"/>
           </a:p>
@@ -4601,6 +4612,7 @@
               <a:rPr lang="zh-CN" altLang="en-US" dirty="0" smtClean="0"/>
               <a:t>副标题</a:t>
             </a:r>
+            <a:endParaRPr lang="zh-CN" altLang="en-US" dirty="0" smtClean="0"/>
           </a:p>
         </p:txBody>
       </p:sp>
@@ -5157,7 +5169,6 @@
           <a:p>
             <a:fld id="{76B1E760-ECB3-4197-9FBC-1D87FC5C6A28}" type="slidenum">
               <a:rPr kumimoji="1" lang="ja-JP" altLang="en-US" smtClean="0"/>
-              <a:t>‹#›</a:t>
             </a:fld>
             <a:endParaRPr kumimoji="1" lang="ja-JP" altLang="en-US" dirty="0"/>
           </a:p>
@@ -5267,6 +5278,7 @@
               <a:rPr lang="zh-CN" altLang="en-US" dirty="0" smtClean="0"/>
               <a:t>副标题</a:t>
             </a:r>
+            <a:endParaRPr lang="zh-CN" altLang="en-US" dirty="0" smtClean="0"/>
           </a:p>
         </p:txBody>
       </p:sp>
@@ -5366,11 +5378,11 @@
           <p:nvPr userDrawn="1"/>
         </p:nvPicPr>
         <p:blipFill>
-          <a:blip r:embed="rId12" cstate="print">
+          <a:blip r:embed="rId11" cstate="print">
             <a:extLst>
               <a:ext uri="{BEBA8EAE-BF5A-486C-A8C5-ECC9F3942E4B}">
                 <a14:imgProps xmlns:a14="http://schemas.microsoft.com/office/drawing/2010/main">
-                  <a14:imgLayer r:embed="rId13">
+                  <a14:imgLayer r:embed="rId12">
                     <a14:imgEffect>
                       <a14:artisticBlur/>
                     </a14:imgEffect>
@@ -5527,7 +5539,7 @@
                 <a:latin typeface="Arial" panose="020B0604020202020204"/>
                 <a:ea typeface="+mn-ea"/>
                 <a:cs typeface="Arial" panose="020B0604020202020204"/>
-                <a:hlinkClick r:id="rId14"/>
+                <a:hlinkClick r:id="rId13"/>
               </a:rPr>
               <a:t>www.bjchenrui.com</a:t>
             </a:r>
@@ -6005,57 +6017,6 @@
               </a:rPr>
               <a:t>年度年终总结汇报</a:t>
             </a:r>
-            <a:r>
-              <a:rPr lang="en-US" altLang="zh-CN" sz="4800" dirty="0">
-                <a:ln w="10541" cmpd="sng">
-                  <a:solidFill>
-                    <a:schemeClr val="accent1">
-                      <a:shade val="88000"/>
-                      <a:satMod val="110000"/>
-                    </a:schemeClr>
-                  </a:solidFill>
-                  <a:prstDash val="solid"/>
-                </a:ln>
-                <a:gradFill>
-                  <a:gsLst>
-                    <a:gs pos="0">
-                      <a:schemeClr val="accent1">
-                        <a:tint val="40000"/>
-                        <a:satMod val="250000"/>
-                      </a:schemeClr>
-                    </a:gs>
-                    <a:gs pos="9000">
-                      <a:schemeClr val="accent1">
-                        <a:tint val="52000"/>
-                        <a:satMod val="300000"/>
-                      </a:schemeClr>
-                    </a:gs>
-                    <a:gs pos="50000">
-                      <a:schemeClr val="accent1">
-                        <a:shade val="20000"/>
-                        <a:satMod val="300000"/>
-                      </a:schemeClr>
-                    </a:gs>
-                    <a:gs pos="79000">
-                      <a:schemeClr val="accent1">
-                        <a:tint val="52000"/>
-                        <a:satMod val="300000"/>
-                      </a:schemeClr>
-                    </a:gs>
-                    <a:gs pos="100000">
-                      <a:schemeClr val="accent1">
-                        <a:tint val="40000"/>
-                        <a:satMod val="250000"/>
-                      </a:schemeClr>
-                    </a:gs>
-                  </a:gsLst>
-                  <a:lin ang="5400000"/>
-                </a:gradFill>
-                <a:latin typeface="微软雅黑" panose="020B0503020204020204" pitchFamily="34" charset="-122"/>
-                <a:ea typeface="微软雅黑" panose="020B0503020204020204" pitchFamily="34" charset="-122"/>
-              </a:rPr>
-              <a:t/>
-            </a:r>
             <a:br>
               <a:rPr lang="en-US" altLang="zh-CN" sz="4800" dirty="0">
                 <a:ln w="10541" cmpd="sng">
@@ -6428,6 +6389,133 @@
       </p:grpSpPr>
       <p:sp>
         <p:nvSpPr>
+          <p:cNvPr id="2" name="灯片编号占位符 1"/>
+          <p:cNvSpPr>
+            <a:spLocks noGrp="1"/>
+          </p:cNvSpPr>
+          <p:nvPr>
+            <p:ph type="sldNum" sz="quarter" idx="10"/>
+          </p:nvPr>
+        </p:nvSpPr>
+        <p:spPr/>
+        <p:txBody>
+          <a:bodyPr/>
+          <a:lstStyle/>
+          <a:p>
+            <a:fld id="{76B1E760-ECB3-4197-9FBC-1D87FC5C6A28}" type="slidenum">
+              <a:rPr kumimoji="1" lang="ja-JP" altLang="en-US" smtClean="0"/>
+            </a:fld>
+            <a:endParaRPr kumimoji="1" lang="ja-JP" altLang="en-US" dirty="0"/>
+          </a:p>
+        </p:txBody>
+      </p:sp>
+      <p:sp>
+        <p:nvSpPr>
+          <p:cNvPr id="3" name="标题 2"/>
+          <p:cNvSpPr>
+            <a:spLocks noGrp="1"/>
+          </p:cNvSpPr>
+          <p:nvPr>
+            <p:ph type="title"/>
+          </p:nvPr>
+        </p:nvSpPr>
+        <p:spPr/>
+        <p:txBody>
+          <a:bodyPr/>
+          <a:lstStyle/>
+          <a:p>
+            <a:r>
+              <a:rPr lang="zh-CN" altLang="en-US" dirty="0" smtClean="0"/>
+              <a:t>对</a:t>
+            </a:r>
+            <a:r>
+              <a:rPr lang="zh-CN" altLang="en-US" dirty="0"/>
+              <a:t>公司或团队的建议及期望</a:t>
+            </a:r>
+            <a:br>
+              <a:rPr lang="en-US" altLang="zh-CN" dirty="0">
+                <a:solidFill>
+                  <a:srgbClr val="000000"/>
+                </a:solidFill>
+                <a:ea typeface="宋体" panose="02010600030101010101" pitchFamily="2" charset="-122"/>
+              </a:rPr>
+            </a:br>
+            <a:endParaRPr lang="zh-CN" altLang="en-US" dirty="0"/>
+          </a:p>
+        </p:txBody>
+      </p:sp>
+      <p:sp>
+        <p:nvSpPr>
+          <p:cNvPr id="45" name="文本框 44"/>
+          <p:cNvSpPr txBox="1"/>
+          <p:nvPr/>
+        </p:nvSpPr>
+        <p:spPr>
+          <a:xfrm>
+            <a:off x="1195992" y="2185059"/>
+            <a:ext cx="8250977" cy="353943"/>
+          </a:xfrm>
+          <a:prstGeom prst="rect">
+            <a:avLst/>
+          </a:prstGeom>
+          <a:noFill/>
+        </p:spPr>
+        <p:txBody>
+          <a:bodyPr wrap="none" rtlCol="0">
+            <a:spAutoFit/>
+          </a:bodyPr>
+          <a:lstStyle/>
+          <a:p>
+            <a:r>
+              <a:rPr lang="zh-CN" altLang="en-US" smtClean="0"/>
+              <a:t>见标题按自己的理解写，</a:t>
+            </a:r>
+            <a:r>
+              <a:rPr lang="zh-CN" altLang="en-US" dirty="0" smtClean="0"/>
+              <a:t>敢说敢提即可，不怕有问题和建议，主要</a:t>
+            </a:r>
+            <a:r>
+              <a:rPr lang="zh-CN" altLang="en-US" smtClean="0"/>
+              <a:t>看执行，页数不限</a:t>
+            </a:r>
+            <a:endParaRPr lang="zh-CN" altLang="en-US" dirty="0"/>
+          </a:p>
+        </p:txBody>
+      </p:sp>
+    </p:spTree>
+  </p:cSld>
+  <p:clrMapOvr>
+    <a:masterClrMapping/>
+  </p:clrMapOvr>
+  <p:timing>
+    <p:tnLst>
+      <p:par>
+        <p:cTn id="1" dur="indefinite" restart="never" nodeType="tmRoot"/>
+      </p:par>
+    </p:tnLst>
+  </p:timing>
+</p:sld>
+</file>
+
+<file path=ppt/slides/slide11.xml><?xml version="1.0" encoding="utf-8"?>
+<p:sld xmlns:a="http://schemas.openxmlformats.org/drawingml/2006/main" xmlns:r="http://schemas.openxmlformats.org/officeDocument/2006/relationships" xmlns:p="http://schemas.openxmlformats.org/presentationml/2006/main">
+  <p:cSld>
+    <p:spTree>
+      <p:nvGrpSpPr>
+        <p:cNvPr id="1" name=""/>
+        <p:cNvGrpSpPr/>
+        <p:nvPr/>
+      </p:nvGrpSpPr>
+      <p:grpSpPr>
+        <a:xfrm>
+          <a:off x="0" y="0"/>
+          <a:ext cx="0" cy="0"/>
+          <a:chOff x="0" y="0"/>
+          <a:chExt cx="0" cy="0"/>
+        </a:xfrm>
+      </p:grpSpPr>
+      <p:sp>
+        <p:nvSpPr>
           <p:cNvPr id="18" name="矩形 17"/>
           <p:cNvSpPr/>
           <p:nvPr/>
@@ -6489,6 +6577,43 @@
               </a:rPr>
               <a:t>感谢倾听与指导！</a:t>
             </a:r>
+            <a:endParaRPr lang="zh-CN" altLang="en-US" sz="5300" b="1" dirty="0">
+              <a:ln w="17780" cmpd="sng">
+                <a:solidFill>
+                  <a:schemeClr val="accent1">
+                    <a:tint val="3000"/>
+                  </a:schemeClr>
+                </a:solidFill>
+                <a:prstDash val="solid"/>
+                <a:miter lim="800000"/>
+              </a:ln>
+              <a:gradFill>
+                <a:gsLst>
+                  <a:gs pos="10000">
+                    <a:schemeClr val="accent1">
+                      <a:tint val="63000"/>
+                      <a:sat val="105000"/>
+                    </a:schemeClr>
+                  </a:gs>
+                  <a:gs pos="90000">
+                    <a:schemeClr val="accent1">
+                      <a:shade val="50000"/>
+                      <a:satMod val="100000"/>
+                    </a:schemeClr>
+                  </a:gs>
+                </a:gsLst>
+                <a:lin ang="5400000"/>
+              </a:gradFill>
+              <a:effectLst>
+                <a:outerShdw blurRad="55000" dist="50800" dir="5400000" algn="tl">
+                  <a:srgbClr val="000000">
+                    <a:alpha val="33000"/>
+                  </a:srgbClr>
+                </a:outerShdw>
+              </a:effectLst>
+              <a:latin typeface="微软雅黑" panose="020B0503020204020204" pitchFamily="34" charset="-122"/>
+              <a:ea typeface="微软雅黑" panose="020B0503020204020204" pitchFamily="34" charset="-122"/>
+            </a:endParaRPr>
           </a:p>
         </p:txBody>
       </p:sp>
@@ -6501,7 +6626,7 @@
           <p:nvPr/>
         </p:nvPicPr>
         <p:blipFill>
-          <a:blip r:embed="rId2" cstate="print"/>
+          <a:blip r:embed="rId1" cstate="print"/>
           <a:stretch>
             <a:fillRect/>
           </a:stretch>
@@ -6533,7 +6658,6 @@
           <a:p>
             <a:fld id="{76B1E760-ECB3-4197-9FBC-1D87FC5C6A28}" type="slidenum">
               <a:rPr kumimoji="1" lang="ja-JP" altLang="en-US" smtClean="0"/>
-              <a:t>10</a:t>
             </a:fld>
             <a:endParaRPr kumimoji="1" lang="ja-JP" altLang="en-US" dirty="0"/>
           </a:p>
@@ -6588,7 +6712,6 @@
           <a:p>
             <a:fld id="{76B1E760-ECB3-4197-9FBC-1D87FC5C6A28}" type="slidenum">
               <a:rPr kumimoji="1" lang="ja-JP" altLang="en-US" smtClean="0"/>
-              <a:t>2</a:t>
             </a:fld>
             <a:endParaRPr kumimoji="1" lang="ja-JP" altLang="en-US" dirty="0"/>
           </a:p>
@@ -6616,10 +6739,6 @@
             <a:r>
               <a:rPr lang="zh-CN" altLang="en-US" dirty="0" smtClean="0"/>
               <a:t>年总结目录</a:t>
-            </a:r>
-            <a:r>
-              <a:rPr lang="zh-CN" altLang="en-US" dirty="0"/>
-              <a:t/>
             </a:r>
             <a:br>
               <a:rPr lang="zh-CN" altLang="en-US" dirty="0"/>
@@ -7427,7 +7546,7 @@
           <p:nvPr/>
         </p:nvPicPr>
         <p:blipFill>
-          <a:blip r:embed="rId2">
+          <a:blip r:embed="rId1">
             <a:extLst>
               <a:ext uri="{28A0092B-C50C-407E-A947-70E740481C1C}">
                 <a14:useLocalDpi xmlns:a14="http://schemas.microsoft.com/office/drawing/2010/main" val="0"/>
@@ -7482,7 +7601,7 @@
             <p:nvPr/>
           </p:nvPicPr>
           <p:blipFill>
-            <a:blip r:embed="rId3" cstate="print">
+            <a:blip r:embed="rId2" cstate="print">
               <a:extLst>
                 <a:ext uri="{28A0092B-C50C-407E-A947-70E740481C1C}">
                   <a14:useLocalDpi xmlns:a14="http://schemas.microsoft.com/office/drawing/2010/main" val="0"/>
@@ -8227,7 +8346,7 @@
             <p:nvPr/>
           </p:nvPicPr>
           <p:blipFill>
-            <a:blip r:embed="rId4" cstate="print">
+            <a:blip r:embed="rId3" cstate="print">
               <a:extLst>
                 <a:ext uri="{28A0092B-C50C-407E-A947-70E740481C1C}">
                   <a14:useLocalDpi xmlns:a14="http://schemas.microsoft.com/office/drawing/2010/main" val="0"/>
@@ -8283,7 +8402,7 @@
             <p:nvPr/>
           </p:nvPicPr>
           <p:blipFill>
-            <a:blip r:embed="rId3" cstate="print">
+            <a:blip r:embed="rId2" cstate="print">
               <a:extLst>
                 <a:ext uri="{28A0092B-C50C-407E-A947-70E740481C1C}">
                   <a14:useLocalDpi xmlns:a14="http://schemas.microsoft.com/office/drawing/2010/main" val="0"/>
@@ -9028,7 +9147,7 @@
             <p:nvPr/>
           </p:nvPicPr>
           <p:blipFill>
-            <a:blip r:embed="rId4" cstate="print">
+            <a:blip r:embed="rId3" cstate="print">
               <a:extLst>
                 <a:ext uri="{28A0092B-C50C-407E-A947-70E740481C1C}">
                   <a14:useLocalDpi xmlns:a14="http://schemas.microsoft.com/office/drawing/2010/main" val="0"/>
@@ -9084,7 +9203,7 @@
             <p:nvPr/>
           </p:nvPicPr>
           <p:blipFill>
-            <a:blip r:embed="rId3" cstate="print">
+            <a:blip r:embed="rId2" cstate="print">
               <a:extLst>
                 <a:ext uri="{28A0092B-C50C-407E-A947-70E740481C1C}">
                   <a14:useLocalDpi xmlns:a14="http://schemas.microsoft.com/office/drawing/2010/main" val="0"/>
@@ -9829,7 +9948,7 @@
             <p:nvPr/>
           </p:nvPicPr>
           <p:blipFill>
-            <a:blip r:embed="rId4" cstate="print">
+            <a:blip r:embed="rId3" cstate="print">
               <a:extLst>
                 <a:ext uri="{28A0092B-C50C-407E-A947-70E740481C1C}">
                   <a14:useLocalDpi xmlns:a14="http://schemas.microsoft.com/office/drawing/2010/main" val="0"/>
@@ -9885,7 +10004,7 @@
             <p:nvPr/>
           </p:nvPicPr>
           <p:blipFill>
-            <a:blip r:embed="rId3" cstate="print">
+            <a:blip r:embed="rId2" cstate="print">
               <a:extLst>
                 <a:ext uri="{28A0092B-C50C-407E-A947-70E740481C1C}">
                   <a14:useLocalDpi xmlns:a14="http://schemas.microsoft.com/office/drawing/2010/main" val="0"/>
@@ -10630,7 +10749,7 @@
             <p:nvPr/>
           </p:nvPicPr>
           <p:blipFill>
-            <a:blip r:embed="rId4" cstate="print">
+            <a:blip r:embed="rId3" cstate="print">
               <a:extLst>
                 <a:ext uri="{28A0092B-C50C-407E-A947-70E740481C1C}">
                   <a14:useLocalDpi xmlns:a14="http://schemas.microsoft.com/office/drawing/2010/main" val="0"/>
@@ -10712,7 +10831,6 @@
           <a:p>
             <a:fld id="{76B1E760-ECB3-4197-9FBC-1D87FC5C6A28}" type="slidenum">
               <a:rPr kumimoji="1" lang="ja-JP" altLang="en-US" smtClean="0"/>
-              <a:t>3</a:t>
             </a:fld>
             <a:endParaRPr kumimoji="1" lang="ja-JP" altLang="en-US" dirty="0"/>
           </a:p>
@@ -10855,7 +10973,6 @@
           <a:p>
             <a:fld id="{76B1E760-ECB3-4197-9FBC-1D87FC5C6A28}" type="slidenum">
               <a:rPr kumimoji="1" lang="ja-JP" altLang="en-US" smtClean="0"/>
-              <a:t>4</a:t>
             </a:fld>
             <a:endParaRPr kumimoji="1" lang="ja-JP" altLang="en-US" dirty="0"/>
           </a:p>
@@ -10884,6 +11001,7 @@
               <a:rPr lang="zh-CN" altLang="en-US" dirty="0"/>
               <a:t>年工作总体情况分析</a:t>
             </a:r>
+            <a:endParaRPr lang="zh-CN" altLang="en-US" dirty="0"/>
           </a:p>
         </p:txBody>
       </p:sp>
@@ -10915,6 +11033,9 @@
               </a:rPr>
               <a:t>工作内容回顾</a:t>
             </a:r>
+            <a:endParaRPr lang="zh-CN" altLang="en-US" b="1" dirty="0">
+              <a:sym typeface="+mn-ea"/>
+            </a:endParaRPr>
           </a:p>
         </p:txBody>
       </p:sp>
@@ -10922,13 +11043,7 @@
         <p:nvGraphicFramePr>
           <p:cNvPr id="4" name="图示 3"/>
           <p:cNvGraphicFramePr/>
-          <p:nvPr>
-            <p:extLst>
-              <p:ext uri="{D42A27DB-BD31-4B8C-83A1-F6EECF244321}">
-                <p14:modId xmlns:p14="http://schemas.microsoft.com/office/powerpoint/2010/main" val="1668809830"/>
-              </p:ext>
-            </p:extLst>
-          </p:nvPr>
+          <p:nvPr/>
         </p:nvGraphicFramePr>
         <p:xfrm>
           <a:off x="647700" y="962025"/>
@@ -10936,7 +11051,7 @@
         </p:xfrm>
         <a:graphic>
           <a:graphicData uri="http://schemas.openxmlformats.org/drawingml/2006/diagram">
-            <dgm:relIds xmlns:dgm="http://schemas.openxmlformats.org/drawingml/2006/diagram" xmlns:r="http://schemas.openxmlformats.org/officeDocument/2006/relationships" r:dm="rId3" r:lo="rId4" r:qs="rId5" r:cs="rId6"/>
+            <dgm:relIds xmlns:dgm="http://schemas.openxmlformats.org/drawingml/2006/diagram" xmlns:r="http://schemas.openxmlformats.org/officeDocument/2006/relationships" r:dm="rId1" r:lo="rId2" r:qs="rId3" r:cs="rId4"/>
           </a:graphicData>
         </a:graphic>
       </p:graphicFrame>
@@ -11092,11 +11207,6 @@
         </p:txBody>
       </p:sp>
     </p:spTree>
-    <p:extLst>
-      <p:ext uri="{BB962C8B-B14F-4D97-AF65-F5344CB8AC3E}">
-        <p14:creationId xmlns:p14="http://schemas.microsoft.com/office/powerpoint/2010/main" val="4148292587"/>
-      </p:ext>
-    </p:extLst>
   </p:cSld>
   <p:clrMapOvr>
     <a:masterClrMapping/>
@@ -11145,7 +11255,6 @@
           <a:p>
             <a:fld id="{76B1E760-ECB3-4197-9FBC-1D87FC5C6A28}" type="slidenum">
               <a:rPr kumimoji="1" lang="ja-JP" altLang="en-US" smtClean="0"/>
-              <a:t>5</a:t>
             </a:fld>
             <a:endParaRPr kumimoji="1" lang="ja-JP" altLang="en-US" dirty="0"/>
           </a:p>
@@ -11174,6 +11283,7 @@
               <a:rPr lang="zh-CN" altLang="en-US" dirty="0"/>
               <a:t>年工作总体情况分析</a:t>
             </a:r>
+            <a:endParaRPr lang="zh-CN" altLang="en-US" dirty="0"/>
           </a:p>
         </p:txBody>
       </p:sp>
@@ -11203,8 +11313,666 @@
               <a:rPr lang="zh-CN" altLang="en-US" b="1" dirty="0">
                 <a:sym typeface="+mn-ea"/>
               </a:rPr>
-              <a:t>主要贡献</a:t>
+              <a:t>工作内容回顾</a:t>
             </a:r>
+            <a:endParaRPr lang="zh-CN" altLang="en-US" b="1" dirty="0">
+              <a:sym typeface="+mn-ea"/>
+            </a:endParaRPr>
+          </a:p>
+        </p:txBody>
+      </p:sp>
+      <p:sp>
+        <p:nvSpPr>
+          <p:cNvPr id="11" name="圆角矩形 10"/>
+          <p:cNvSpPr/>
+          <p:nvPr/>
+        </p:nvSpPr>
+        <p:spPr>
+          <a:xfrm>
+            <a:off x="306705" y="883285"/>
+            <a:ext cx="11157585" cy="1294765"/>
+          </a:xfrm>
+          <a:prstGeom prst="roundRect">
+            <a:avLst/>
+          </a:prstGeom>
+        </p:spPr>
+        <p:style>
+          <a:lnRef idx="2">
+            <a:schemeClr val="accent5"/>
+          </a:lnRef>
+          <a:fillRef idx="1">
+            <a:schemeClr val="lt1"/>
+          </a:fillRef>
+          <a:effectRef idx="0">
+            <a:schemeClr val="accent5"/>
+          </a:effectRef>
+          <a:fontRef idx="minor">
+            <a:schemeClr val="dk1"/>
+          </a:fontRef>
+        </p:style>
+        <p:txBody>
+          <a:bodyPr anchor="ctr"/>
+          <a:p>
+            <a:pPr marL="342900" indent="-342900" fontAlgn="auto">
+              <a:lnSpc>
+                <a:spcPct val="150000"/>
+              </a:lnSpc>
+              <a:spcBef>
+                <a:spcPct val="0"/>
+              </a:spcBef>
+              <a:buClr>
+                <a:schemeClr val="accent2"/>
+              </a:buClr>
+              <a:buFont typeface="Wingdings" panose="05000000000000000000" charset="0"/>
+              <a:buChar char="l"/>
+            </a:pPr>
+            <a:r>
+              <a:rPr lang="zh-CN" altLang="en-US" sz="1400" dirty="0" smtClean="0">
+                <a:solidFill>
+                  <a:schemeClr val="tx1"/>
+                </a:solidFill>
+                <a:sym typeface="+mn-ea"/>
+              </a:rPr>
+              <a:t>对可视化工具进行版本管理，编写和完善功能设计和完善接口设计文档，并按照技术预研计划，逐步实现相关功能。</a:t>
+            </a:r>
+            <a:endParaRPr lang="zh-CN" altLang="en-US" sz="1400" dirty="0" smtClean="0">
+              <a:solidFill>
+                <a:schemeClr val="tx1"/>
+              </a:solidFill>
+              <a:sym typeface="+mn-ea"/>
+            </a:endParaRPr>
+          </a:p>
+          <a:p>
+            <a:pPr marL="342900" indent="-342900" fontAlgn="auto">
+              <a:lnSpc>
+                <a:spcPct val="150000"/>
+              </a:lnSpc>
+              <a:spcBef>
+                <a:spcPct val="0"/>
+              </a:spcBef>
+              <a:buClr>
+                <a:schemeClr val="accent2"/>
+              </a:buClr>
+              <a:buFont typeface="Wingdings" panose="05000000000000000000" charset="0"/>
+              <a:buChar char="l"/>
+            </a:pPr>
+            <a:r>
+              <a:rPr lang="zh-CN" altLang="en-US" sz="1400" dirty="0" smtClean="0">
+                <a:solidFill>
+                  <a:schemeClr val="tx1"/>
+                </a:solidFill>
+                <a:sym typeface="+mn-ea"/>
+              </a:rPr>
+              <a:t>可视化工具与黄埔</a:t>
+            </a:r>
+            <a:r>
+              <a:rPr lang="zh-CN" altLang="en-US" sz="1400" dirty="0">
+                <a:solidFill>
+                  <a:schemeClr val="tx1"/>
+                </a:solidFill>
+                <a:sym typeface="+mn-ea"/>
+              </a:rPr>
+              <a:t>邮件</a:t>
+            </a:r>
+            <a:r>
+              <a:rPr lang="zh-CN" altLang="en-US" sz="1400" dirty="0" smtClean="0">
+                <a:solidFill>
+                  <a:schemeClr val="tx1"/>
+                </a:solidFill>
+                <a:sym typeface="+mn-ea"/>
+              </a:rPr>
+              <a:t>、黄埔话单、天津</a:t>
+            </a:r>
+            <a:r>
+              <a:rPr lang="zh-CN" altLang="en-US" sz="1400" dirty="0">
+                <a:solidFill>
+                  <a:schemeClr val="tx1"/>
+                </a:solidFill>
+                <a:sym typeface="+mn-ea"/>
+              </a:rPr>
+              <a:t>邮件</a:t>
+            </a:r>
+            <a:r>
+              <a:rPr lang="zh-CN" altLang="en-US" sz="1400" dirty="0" smtClean="0">
+                <a:solidFill>
+                  <a:schemeClr val="tx1"/>
+                </a:solidFill>
+                <a:sym typeface="+mn-ea"/>
+              </a:rPr>
+              <a:t>、</a:t>
+            </a:r>
+            <a:r>
+              <a:rPr lang="zh-CN" altLang="en-US" sz="1400" dirty="0">
+                <a:solidFill>
+                  <a:schemeClr val="tx1"/>
+                </a:solidFill>
+                <a:sym typeface="+mn-ea"/>
+              </a:rPr>
+              <a:t>沈阳</a:t>
+            </a:r>
+            <a:r>
+              <a:rPr lang="zh-CN" altLang="en-US" sz="1400" dirty="0" smtClean="0">
+                <a:solidFill>
+                  <a:schemeClr val="tx1"/>
+                </a:solidFill>
+                <a:sym typeface="+mn-ea"/>
+              </a:rPr>
+              <a:t>邮件、大连鹰眼、社交媒体分析等项目的对接工作以及</a:t>
+            </a:r>
+            <a:r>
+              <a:rPr lang="zh-CN" altLang="en-US" sz="1400" dirty="0">
+                <a:solidFill>
+                  <a:schemeClr val="tx1"/>
+                </a:solidFill>
+                <a:sym typeface="+mn-ea"/>
+              </a:rPr>
+              <a:t>相关</a:t>
+            </a:r>
+            <a:r>
+              <a:rPr lang="zh-CN" altLang="en-US" sz="1400" dirty="0" smtClean="0">
+                <a:solidFill>
+                  <a:schemeClr val="tx1"/>
+                </a:solidFill>
+                <a:sym typeface="+mn-ea"/>
+              </a:rPr>
+              <a:t>业务功能实现。</a:t>
+            </a:r>
+            <a:endParaRPr lang="zh-CN" altLang="en-US" sz="1400" dirty="0" smtClean="0">
+              <a:solidFill>
+                <a:schemeClr val="tx1"/>
+              </a:solidFill>
+              <a:sym typeface="+mn-ea"/>
+            </a:endParaRPr>
+          </a:p>
+          <a:p>
+            <a:pPr marL="342900" indent="-342900" fontAlgn="auto">
+              <a:lnSpc>
+                <a:spcPct val="150000"/>
+              </a:lnSpc>
+              <a:spcBef>
+                <a:spcPct val="0"/>
+              </a:spcBef>
+              <a:buClr>
+                <a:schemeClr val="accent2"/>
+              </a:buClr>
+              <a:buFont typeface="Wingdings" panose="05000000000000000000" charset="0"/>
+              <a:buChar char="l"/>
+            </a:pPr>
+            <a:r>
+              <a:rPr lang="zh-CN" altLang="en-US" sz="1400" dirty="0" smtClean="0">
+                <a:solidFill>
+                  <a:schemeClr val="tx1"/>
+                </a:solidFill>
+                <a:ea typeface="宋体" panose="02010600030101010101" pitchFamily="2" charset="-122"/>
+              </a:rPr>
+              <a:t>在可视化与项目对接的过程中，优化和完善既有功能，并</a:t>
+            </a:r>
+            <a:r>
+              <a:rPr lang="zh-CN" altLang="en-US" sz="1400" dirty="0" smtClean="0">
+                <a:solidFill>
+                  <a:schemeClr val="tx1"/>
+                </a:solidFill>
+                <a:ea typeface="宋体" panose="02010600030101010101" pitchFamily="2" charset="-122"/>
+                <a:sym typeface="+mn-ea"/>
+              </a:rPr>
+              <a:t>分析和总结项目需求</a:t>
+            </a:r>
+            <a:r>
+              <a:rPr lang="zh-CN" altLang="en-US" sz="1400" dirty="0" smtClean="0">
+                <a:solidFill>
+                  <a:schemeClr val="tx1"/>
+                </a:solidFill>
+                <a:ea typeface="宋体" panose="02010600030101010101" pitchFamily="2" charset="-122"/>
+              </a:rPr>
+              <a:t>，提炼出新的功能，整合进可视化工具中。</a:t>
+            </a:r>
+            <a:endParaRPr lang="zh-CN" altLang="en-US" sz="1400" dirty="0" smtClean="0">
+              <a:solidFill>
+                <a:schemeClr val="tx1"/>
+              </a:solidFill>
+              <a:ea typeface="宋体" panose="02010600030101010101" pitchFamily="2" charset="-122"/>
+            </a:endParaRPr>
+          </a:p>
+        </p:txBody>
+      </p:sp>
+      <p:sp>
+        <p:nvSpPr>
+          <p:cNvPr id="12" name="圆角矩形 11"/>
+          <p:cNvSpPr/>
+          <p:nvPr/>
+        </p:nvSpPr>
+        <p:spPr>
+          <a:xfrm>
+            <a:off x="306705" y="2884805"/>
+            <a:ext cx="11158220" cy="859155"/>
+          </a:xfrm>
+          <a:prstGeom prst="roundRect">
+            <a:avLst/>
+          </a:prstGeom>
+        </p:spPr>
+        <p:style>
+          <a:lnRef idx="2">
+            <a:schemeClr val="accent5"/>
+          </a:lnRef>
+          <a:fillRef idx="1">
+            <a:schemeClr val="lt1"/>
+          </a:fillRef>
+          <a:effectRef idx="0">
+            <a:schemeClr val="accent5"/>
+          </a:effectRef>
+          <a:fontRef idx="minor">
+            <a:schemeClr val="dk1"/>
+          </a:fontRef>
+        </p:style>
+        <p:txBody>
+          <a:bodyPr anchor="ctr"/>
+          <a:p>
+            <a:pPr marL="285750" indent="-285750" fontAlgn="auto">
+              <a:lnSpc>
+                <a:spcPct val="150000"/>
+              </a:lnSpc>
+              <a:spcBef>
+                <a:spcPct val="0"/>
+              </a:spcBef>
+              <a:buClr>
+                <a:schemeClr val="accent2"/>
+              </a:buClr>
+              <a:buFont typeface="Wingdings" panose="05000000000000000000" charset="0"/>
+              <a:buChar char="l"/>
+            </a:pPr>
+            <a:r>
+              <a:rPr lang="zh-CN" sz="1400" dirty="0" smtClean="0">
+                <a:solidFill>
+                  <a:schemeClr val="tx1"/>
+                </a:solidFill>
+                <a:ea typeface="宋体" panose="02010600030101010101" pitchFamily="2" charset="-122"/>
+              </a:rPr>
+              <a:t>对</a:t>
+            </a:r>
+            <a:r>
+              <a:rPr lang="en-US" altLang="zh-CN" sz="1400" dirty="0" smtClean="0">
+                <a:solidFill>
+                  <a:schemeClr val="tx1"/>
+                </a:solidFill>
+                <a:ea typeface="宋体" panose="02010600030101010101" pitchFamily="2" charset="-122"/>
+              </a:rPr>
+              <a:t>GIS</a:t>
+            </a:r>
+            <a:r>
+              <a:rPr lang="zh-CN" altLang="en-US" sz="1400" dirty="0" smtClean="0">
+                <a:solidFill>
+                  <a:schemeClr val="tx1"/>
+                </a:solidFill>
+                <a:ea typeface="宋体" panose="02010600030101010101" pitchFamily="2" charset="-122"/>
+              </a:rPr>
+              <a:t>功能展开技术预研，学习</a:t>
+            </a:r>
+            <a:r>
+              <a:rPr lang="en-US" altLang="zh-CN" sz="1400" dirty="0" smtClean="0">
+                <a:solidFill>
+                  <a:schemeClr val="tx1"/>
+                </a:solidFill>
+                <a:ea typeface="宋体" panose="02010600030101010101" pitchFamily="2" charset="-122"/>
+              </a:rPr>
+              <a:t>OpenLayers</a:t>
+            </a:r>
+            <a:r>
+              <a:rPr lang="zh-CN" altLang="en-US" sz="1400" dirty="0" smtClean="0">
+                <a:solidFill>
+                  <a:schemeClr val="tx1"/>
+                </a:solidFill>
+                <a:ea typeface="宋体" panose="02010600030101010101" pitchFamily="2" charset="-122"/>
+              </a:rPr>
+              <a:t>的基础知识，实现常用</a:t>
+            </a:r>
+            <a:r>
+              <a:rPr lang="en-US" altLang="zh-CN" sz="1400" dirty="0" smtClean="0">
+                <a:solidFill>
+                  <a:schemeClr val="tx1"/>
+                </a:solidFill>
+                <a:ea typeface="宋体" panose="02010600030101010101" pitchFamily="2" charset="-122"/>
+              </a:rPr>
+              <a:t>GIS</a:t>
+            </a:r>
+            <a:r>
+              <a:rPr lang="zh-CN" altLang="en-US" sz="1400" dirty="0" smtClean="0">
+                <a:solidFill>
+                  <a:schemeClr val="tx1"/>
+                </a:solidFill>
+                <a:ea typeface="宋体" panose="02010600030101010101" pitchFamily="2" charset="-122"/>
+              </a:rPr>
+              <a:t>功能，为</a:t>
+            </a:r>
+            <a:r>
+              <a:rPr lang="en-US" altLang="zh-CN" sz="1400" dirty="0" smtClean="0">
+                <a:solidFill>
+                  <a:schemeClr val="tx1"/>
+                </a:solidFill>
+                <a:ea typeface="宋体" panose="02010600030101010101" pitchFamily="2" charset="-122"/>
+              </a:rPr>
+              <a:t>GIS</a:t>
+            </a:r>
+            <a:r>
+              <a:rPr lang="zh-CN" altLang="en-US" sz="1400" dirty="0" smtClean="0">
+                <a:solidFill>
+                  <a:schemeClr val="tx1"/>
+                </a:solidFill>
+                <a:ea typeface="宋体" panose="02010600030101010101" pitchFamily="2" charset="-122"/>
+              </a:rPr>
+              <a:t>工具的封装做准备。</a:t>
+            </a:r>
+            <a:endParaRPr lang="zh-CN" altLang="en-US" sz="1400" dirty="0" smtClean="0">
+              <a:solidFill>
+                <a:schemeClr val="tx1"/>
+              </a:solidFill>
+              <a:ea typeface="宋体" panose="02010600030101010101" pitchFamily="2" charset="-122"/>
+            </a:endParaRPr>
+          </a:p>
+          <a:p>
+            <a:pPr marL="285750" indent="-285750" fontAlgn="auto">
+              <a:lnSpc>
+                <a:spcPct val="150000"/>
+              </a:lnSpc>
+              <a:spcBef>
+                <a:spcPct val="0"/>
+              </a:spcBef>
+              <a:buClr>
+                <a:schemeClr val="accent2"/>
+              </a:buClr>
+              <a:buFont typeface="Wingdings" panose="05000000000000000000" charset="0"/>
+              <a:buChar char="l"/>
+            </a:pPr>
+            <a:r>
+              <a:rPr lang="zh-CN" altLang="en-US" sz="1400" dirty="0" smtClean="0">
+                <a:solidFill>
+                  <a:schemeClr val="tx1"/>
+                </a:solidFill>
+                <a:ea typeface="宋体" panose="02010600030101010101" pitchFamily="2" charset="-122"/>
+              </a:rPr>
+              <a:t>参与四川</a:t>
+            </a:r>
+            <a:r>
+              <a:rPr lang="en-US" altLang="zh-CN" sz="1400" dirty="0" smtClean="0">
+                <a:solidFill>
+                  <a:schemeClr val="tx1"/>
+                </a:solidFill>
+                <a:ea typeface="宋体" panose="02010600030101010101" pitchFamily="2" charset="-122"/>
+              </a:rPr>
+              <a:t>GIS</a:t>
+            </a:r>
+            <a:r>
+              <a:rPr lang="zh-CN" altLang="en-US" sz="1400" dirty="0" smtClean="0">
+                <a:solidFill>
+                  <a:schemeClr val="tx1"/>
+                </a:solidFill>
+                <a:ea typeface="宋体" panose="02010600030101010101" pitchFamily="2" charset="-122"/>
+              </a:rPr>
+              <a:t>二期的开发和与采集人员的对接等工作。</a:t>
+            </a:r>
+            <a:endParaRPr lang="zh-CN" altLang="en-US" sz="1400" dirty="0" smtClean="0">
+              <a:solidFill>
+                <a:schemeClr val="tx1"/>
+              </a:solidFill>
+              <a:ea typeface="宋体" panose="02010600030101010101" pitchFamily="2" charset="-122"/>
+            </a:endParaRPr>
+          </a:p>
+        </p:txBody>
+      </p:sp>
+      <p:sp>
+        <p:nvSpPr>
+          <p:cNvPr id="13" name="圆角矩形 12"/>
+          <p:cNvSpPr/>
+          <p:nvPr/>
+        </p:nvSpPr>
+        <p:spPr>
+          <a:xfrm>
+            <a:off x="306705" y="2178050"/>
+            <a:ext cx="11156950" cy="706755"/>
+          </a:xfrm>
+          <a:prstGeom prst="roundRect">
+            <a:avLst/>
+          </a:prstGeom>
+        </p:spPr>
+        <p:style>
+          <a:lnRef idx="2">
+            <a:schemeClr val="accent5"/>
+          </a:lnRef>
+          <a:fillRef idx="1">
+            <a:schemeClr val="lt1"/>
+          </a:fillRef>
+          <a:effectRef idx="0">
+            <a:schemeClr val="accent5"/>
+          </a:effectRef>
+          <a:fontRef idx="minor">
+            <a:schemeClr val="dk1"/>
+          </a:fontRef>
+        </p:style>
+        <p:txBody>
+          <a:bodyPr anchor="ctr"/>
+          <a:p>
+            <a:pPr marL="285750" indent="-285750" eaLnBrk="1" hangingPunct="1">
+              <a:spcBef>
+                <a:spcPct val="0"/>
+              </a:spcBef>
+              <a:buClr>
+                <a:schemeClr val="accent2"/>
+              </a:buClr>
+              <a:buFont typeface="Wingdings" panose="05000000000000000000" charset="0"/>
+              <a:buChar char="l"/>
+            </a:pPr>
+            <a:r>
+              <a:rPr lang="zh-CN" altLang="en-US" sz="1400" dirty="0" smtClean="0">
+                <a:solidFill>
+                  <a:schemeClr val="tx1"/>
+                </a:solidFill>
+                <a:ea typeface="宋体" panose="02010600030101010101" pitchFamily="2" charset="-122"/>
+                <a:sym typeface="+mn-ea"/>
+              </a:rPr>
+              <a:t>使用</a:t>
+            </a:r>
+            <a:r>
+              <a:rPr lang="en-US" altLang="zh-CN" sz="1400" dirty="0" smtClean="0">
+                <a:solidFill>
+                  <a:schemeClr val="tx1"/>
+                </a:solidFill>
+                <a:ea typeface="宋体" panose="02010600030101010101" pitchFamily="2" charset="-122"/>
+                <a:sym typeface="+mn-ea"/>
+              </a:rPr>
+              <a:t>Echarts</a:t>
+            </a:r>
+            <a:r>
+              <a:rPr lang="zh-CN" altLang="en-US" sz="1400" dirty="0" smtClean="0">
+                <a:solidFill>
+                  <a:schemeClr val="tx1"/>
+                </a:solidFill>
+                <a:ea typeface="宋体" panose="02010600030101010101" pitchFamily="2" charset="-122"/>
+                <a:sym typeface="+mn-ea"/>
+              </a:rPr>
+              <a:t>等</a:t>
+            </a:r>
+            <a:r>
+              <a:rPr lang="zh-CN" altLang="en-US" sz="1400" dirty="0" smtClean="0">
+                <a:solidFill>
+                  <a:schemeClr val="tx1"/>
+                </a:solidFill>
+                <a:ea typeface="宋体" panose="02010600030101010101" pitchFamily="2" charset="-122"/>
+                <a:sym typeface="+mn-ea"/>
+              </a:rPr>
+              <a:t>技术，</a:t>
+            </a:r>
+            <a:r>
+              <a:rPr lang="zh-CN" altLang="en-US" sz="1400" dirty="0" smtClean="0">
+                <a:solidFill>
+                  <a:schemeClr val="tx1"/>
+                </a:solidFill>
+                <a:ea typeface="宋体" panose="02010600030101010101" pitchFamily="2" charset="-122"/>
+              </a:rPr>
+              <a:t>参与数据资源地图项目以及海外利益分析项目的设计和开发工作。</a:t>
+            </a:r>
+            <a:endParaRPr lang="zh-CN" altLang="en-US" sz="1400" dirty="0" smtClean="0">
+              <a:solidFill>
+                <a:schemeClr val="tx1"/>
+              </a:solidFill>
+              <a:ea typeface="宋体" panose="02010600030101010101" pitchFamily="2" charset="-122"/>
+            </a:endParaRPr>
+          </a:p>
+        </p:txBody>
+      </p:sp>
+      <p:sp>
+        <p:nvSpPr>
+          <p:cNvPr id="14" name="圆角矩形 13"/>
+          <p:cNvSpPr/>
+          <p:nvPr/>
+        </p:nvSpPr>
+        <p:spPr>
+          <a:xfrm>
+            <a:off x="306705" y="3743960"/>
+            <a:ext cx="11158220" cy="995045"/>
+          </a:xfrm>
+          <a:prstGeom prst="roundRect">
+            <a:avLst/>
+          </a:prstGeom>
+        </p:spPr>
+        <p:style>
+          <a:lnRef idx="2">
+            <a:schemeClr val="accent5"/>
+          </a:lnRef>
+          <a:fillRef idx="1">
+            <a:schemeClr val="lt1"/>
+          </a:fillRef>
+          <a:effectRef idx="0">
+            <a:schemeClr val="accent5"/>
+          </a:effectRef>
+          <a:fontRef idx="minor">
+            <a:schemeClr val="dk1"/>
+          </a:fontRef>
+        </p:style>
+        <p:txBody>
+          <a:bodyPr anchor="ctr"/>
+          <a:p>
+            <a:pPr marL="285750" indent="-285750" fontAlgn="auto">
+              <a:lnSpc>
+                <a:spcPct val="150000"/>
+              </a:lnSpc>
+              <a:spcBef>
+                <a:spcPct val="0"/>
+              </a:spcBef>
+              <a:buClr>
+                <a:schemeClr val="accent2"/>
+              </a:buClr>
+              <a:buFont typeface="Wingdings" panose="05000000000000000000" charset="0"/>
+              <a:buChar char="l"/>
+            </a:pPr>
+            <a:r>
+              <a:rPr lang="zh-CN" sz="1400" dirty="0" smtClean="0">
+                <a:solidFill>
+                  <a:schemeClr val="tx1"/>
+                </a:solidFill>
+                <a:ea typeface="宋体" panose="02010600030101010101" pitchFamily="2" charset="-122"/>
+                <a:sym typeface="+mn-ea"/>
+              </a:rPr>
+              <a:t>负责可视化小组成员的日报审批和相关工作分配，培养新人。</a:t>
+            </a:r>
+            <a:endParaRPr lang="zh-CN" sz="1400" dirty="0" smtClean="0">
+              <a:solidFill>
+                <a:schemeClr val="tx1"/>
+              </a:solidFill>
+              <a:ea typeface="宋体" panose="02010600030101010101" pitchFamily="2" charset="-122"/>
+              <a:sym typeface="+mn-ea"/>
+            </a:endParaRPr>
+          </a:p>
+          <a:p>
+            <a:pPr marL="285750" indent="-285750" fontAlgn="auto">
+              <a:lnSpc>
+                <a:spcPct val="150000"/>
+              </a:lnSpc>
+              <a:spcBef>
+                <a:spcPct val="0"/>
+              </a:spcBef>
+              <a:buClr>
+                <a:schemeClr val="accent2"/>
+              </a:buClr>
+              <a:buFont typeface="Wingdings" panose="05000000000000000000" charset="0"/>
+              <a:buChar char="l"/>
+            </a:pPr>
+            <a:r>
+              <a:rPr lang="zh-CN" sz="1400" dirty="0" smtClean="0">
+                <a:solidFill>
+                  <a:schemeClr val="tx1"/>
+                </a:solidFill>
+                <a:ea typeface="宋体" panose="02010600030101010101" pitchFamily="2" charset="-122"/>
+                <a:sym typeface="+mn-ea"/>
+              </a:rPr>
+              <a:t>参与部分项目的管理工作，主要是编制进度计划，监督完成状况，帮助解决问题。</a:t>
+            </a:r>
+            <a:endParaRPr lang="zh-CN" sz="1400" dirty="0" smtClean="0">
+              <a:solidFill>
+                <a:schemeClr val="tx1"/>
+              </a:solidFill>
+              <a:ea typeface="宋体" panose="02010600030101010101" pitchFamily="2" charset="-122"/>
+            </a:endParaRPr>
+          </a:p>
+        </p:txBody>
+      </p:sp>
+      <p:sp>
+        <p:nvSpPr>
+          <p:cNvPr id="15" name="圆角矩形 14"/>
+          <p:cNvSpPr/>
+          <p:nvPr/>
+        </p:nvSpPr>
+        <p:spPr>
+          <a:xfrm>
+            <a:off x="306705" y="4739005"/>
+            <a:ext cx="11158855" cy="900430"/>
+          </a:xfrm>
+          <a:prstGeom prst="roundRect">
+            <a:avLst/>
+          </a:prstGeom>
+        </p:spPr>
+        <p:style>
+          <a:lnRef idx="2">
+            <a:schemeClr val="accent5"/>
+          </a:lnRef>
+          <a:fillRef idx="1">
+            <a:schemeClr val="lt1"/>
+          </a:fillRef>
+          <a:effectRef idx="0">
+            <a:schemeClr val="accent5"/>
+          </a:effectRef>
+          <a:fontRef idx="minor">
+            <a:schemeClr val="dk1"/>
+          </a:fontRef>
+        </p:style>
+        <p:txBody>
+          <a:bodyPr anchor="ctr"/>
+          <a:p>
+            <a:pPr marL="285750" indent="-285750" eaLnBrk="1" hangingPunct="1">
+              <a:spcBef>
+                <a:spcPct val="0"/>
+              </a:spcBef>
+              <a:buClr>
+                <a:schemeClr val="accent2"/>
+              </a:buClr>
+              <a:buFont typeface="Wingdings" panose="05000000000000000000" charset="0"/>
+              <a:buChar char="l"/>
+            </a:pPr>
+            <a:r>
+              <a:rPr lang="zh-CN" sz="1400" dirty="0" smtClean="0">
+                <a:solidFill>
+                  <a:schemeClr val="tx1"/>
+                </a:solidFill>
+                <a:ea typeface="宋体" panose="02010600030101010101" pitchFamily="2" charset="-122"/>
+                <a:sym typeface="+mn-ea"/>
+              </a:rPr>
+              <a:t>其他琐碎工作。</a:t>
+            </a:r>
+            <a:endParaRPr lang="zh-CN" sz="1400" dirty="0" smtClean="0">
+              <a:solidFill>
+                <a:schemeClr val="tx1"/>
+              </a:solidFill>
+              <a:ea typeface="宋体" panose="02010600030101010101" pitchFamily="2" charset="-122"/>
+              <a:sym typeface="+mn-ea"/>
+            </a:endParaRPr>
           </a:p>
         </p:txBody>
       </p:sp>
@@ -11257,7 +12025,6 @@
           <a:p>
             <a:fld id="{76B1E760-ECB3-4197-9FBC-1D87FC5C6A28}" type="slidenum">
               <a:rPr kumimoji="1" lang="ja-JP" altLang="en-US" smtClean="0"/>
-              <a:t>6</a:t>
             </a:fld>
             <a:endParaRPr kumimoji="1" lang="ja-JP" altLang="en-US" dirty="0"/>
           </a:p>
@@ -11286,6 +12053,7 @@
               <a:rPr lang="zh-CN" altLang="en-US" dirty="0"/>
               <a:t>年工作总体情况分析</a:t>
             </a:r>
+            <a:endParaRPr lang="zh-CN" altLang="en-US" dirty="0"/>
           </a:p>
         </p:txBody>
       </p:sp>
@@ -11315,8 +12083,11 @@
               <a:rPr lang="zh-CN" altLang="en-US" b="1" dirty="0">
                 <a:sym typeface="+mn-ea"/>
               </a:rPr>
-              <a:t>不足和改进分析</a:t>
+              <a:t>主要贡献</a:t>
             </a:r>
+            <a:endParaRPr lang="zh-CN" altLang="en-US" b="1" dirty="0">
+              <a:sym typeface="+mn-ea"/>
+            </a:endParaRPr>
           </a:p>
         </p:txBody>
       </p:sp>
@@ -11369,7 +12140,121 @@
           <a:p>
             <a:fld id="{76B1E760-ECB3-4197-9FBC-1D87FC5C6A28}" type="slidenum">
               <a:rPr kumimoji="1" lang="ja-JP" altLang="en-US" smtClean="0"/>
-              <a:t>7</a:t>
+            </a:fld>
+            <a:endParaRPr kumimoji="1" lang="ja-JP" altLang="en-US" dirty="0"/>
+          </a:p>
+        </p:txBody>
+      </p:sp>
+      <p:sp>
+        <p:nvSpPr>
+          <p:cNvPr id="3" name="标题 2"/>
+          <p:cNvSpPr>
+            <a:spLocks noGrp="1"/>
+          </p:cNvSpPr>
+          <p:nvPr>
+            <p:ph type="title"/>
+          </p:nvPr>
+        </p:nvSpPr>
+        <p:spPr/>
+        <p:txBody>
+          <a:bodyPr/>
+          <a:lstStyle/>
+          <a:p>
+            <a:r>
+              <a:rPr lang="en-US" altLang="zh-CN" dirty="0"/>
+              <a:t>2018</a:t>
+            </a:r>
+            <a:r>
+              <a:rPr lang="zh-CN" altLang="en-US" dirty="0"/>
+              <a:t>年工作总体情况分析</a:t>
+            </a:r>
+            <a:endParaRPr lang="zh-CN" altLang="en-US" dirty="0"/>
+          </a:p>
+        </p:txBody>
+      </p:sp>
+      <p:sp>
+        <p:nvSpPr>
+          <p:cNvPr id="24" name="文本框 23"/>
+          <p:cNvSpPr txBox="1"/>
+          <p:nvPr/>
+        </p:nvSpPr>
+        <p:spPr>
+          <a:xfrm>
+            <a:off x="306705" y="530860"/>
+            <a:ext cx="5954395" cy="352425"/>
+          </a:xfrm>
+          <a:prstGeom prst="rect">
+            <a:avLst/>
+          </a:prstGeom>
+          <a:noFill/>
+        </p:spPr>
+        <p:txBody>
+          <a:bodyPr wrap="square" rtlCol="0">
+            <a:spAutoFit/>
+          </a:bodyPr>
+          <a:lstStyle/>
+          <a:p>
+            <a:r>
+              <a:rPr lang="zh-CN" altLang="en-US" b="1" dirty="0">
+                <a:sym typeface="+mn-ea"/>
+              </a:rPr>
+              <a:t>不足和改进分析</a:t>
+            </a:r>
+            <a:endParaRPr lang="zh-CN" altLang="en-US" b="1" dirty="0">
+              <a:sym typeface="+mn-ea"/>
+            </a:endParaRPr>
+          </a:p>
+        </p:txBody>
+      </p:sp>
+    </p:spTree>
+  </p:cSld>
+  <p:clrMapOvr>
+    <a:masterClrMapping/>
+  </p:clrMapOvr>
+  <p:timing>
+    <p:tnLst>
+      <p:par>
+        <p:cTn id="1" dur="indefinite" restart="never" nodeType="tmRoot"/>
+      </p:par>
+    </p:tnLst>
+  </p:timing>
+</p:sld>
+</file>
+
+<file path=ppt/slides/slide8.xml><?xml version="1.0" encoding="utf-8"?>
+<p:sld xmlns:a="http://schemas.openxmlformats.org/drawingml/2006/main" xmlns:r="http://schemas.openxmlformats.org/officeDocument/2006/relationships" xmlns:p="http://schemas.openxmlformats.org/presentationml/2006/main">
+  <p:cSld>
+    <p:spTree>
+      <p:nvGrpSpPr>
+        <p:cNvPr id="1" name=""/>
+        <p:cNvGrpSpPr/>
+        <p:nvPr/>
+      </p:nvGrpSpPr>
+      <p:grpSpPr>
+        <a:xfrm>
+          <a:off x="0" y="0"/>
+          <a:ext cx="0" cy="0"/>
+          <a:chOff x="0" y="0"/>
+          <a:chExt cx="0" cy="0"/>
+        </a:xfrm>
+      </p:grpSpPr>
+      <p:sp>
+        <p:nvSpPr>
+          <p:cNvPr id="2" name="灯片编号占位符 1"/>
+          <p:cNvSpPr>
+            <a:spLocks noGrp="1"/>
+          </p:cNvSpPr>
+          <p:nvPr>
+            <p:ph type="sldNum" sz="quarter" idx="10"/>
+          </p:nvPr>
+        </p:nvSpPr>
+        <p:spPr/>
+        <p:txBody>
+          <a:bodyPr/>
+          <a:lstStyle/>
+          <a:p>
+            <a:fld id="{76B1E760-ECB3-4197-9FBC-1D87FC5C6A28}" type="slidenum">
+              <a:rPr kumimoji="1" lang="ja-JP" altLang="en-US" smtClean="0"/>
             </a:fld>
             <a:endParaRPr kumimoji="1" lang="ja-JP" altLang="en-US" dirty="0"/>
           </a:p>
@@ -11397,10 +12282,6 @@
             <a:r>
               <a:rPr lang="zh-CN" altLang="en-US" dirty="0"/>
               <a:t>能力和收获分析</a:t>
-            </a:r>
-            <a:r>
-              <a:rPr lang="en-US" altLang="zh-CN" dirty="0"/>
-              <a:t/>
             </a:r>
             <a:br>
               <a:rPr lang="en-US" altLang="zh-CN" dirty="0"/>
@@ -11466,7 +12347,7 @@
 </p:sld>
 </file>
 
-<file path=ppt/slides/slide8.xml><?xml version="1.0" encoding="utf-8"?>
+<file path=ppt/slides/slide9.xml><?xml version="1.0" encoding="utf-8"?>
 <p:sld xmlns:a="http://schemas.openxmlformats.org/drawingml/2006/main" xmlns:r="http://schemas.openxmlformats.org/officeDocument/2006/relationships" xmlns:p="http://schemas.openxmlformats.org/presentationml/2006/main">
   <p:cSld>
     <p:spTree>
@@ -11500,7 +12381,6 @@
           <a:p>
             <a:fld id="{76B1E760-ECB3-4197-9FBC-1D87FC5C6A28}" type="slidenum">
               <a:rPr kumimoji="1" lang="ja-JP" altLang="en-US" smtClean="0"/>
-              <a:t>8</a:t>
             </a:fld>
             <a:endParaRPr kumimoji="1" lang="ja-JP" altLang="en-US" dirty="0"/>
           </a:p>
@@ -11528,10 +12408,6 @@
             <a:r>
               <a:rPr lang="zh-CN" altLang="en-US" dirty="0"/>
               <a:t>年工作规划和个人目标</a:t>
-            </a:r>
-            <a:r>
-              <a:rPr lang="en-US" altLang="zh-CN" dirty="0"/>
-              <a:t/>
             </a:r>
             <a:br>
               <a:rPr lang="en-US" altLang="zh-CN" dirty="0"/>
@@ -11605,145 +12481,8 @@
 </p:sld>
 </file>
 
-<file path=ppt/slides/slide9.xml><?xml version="1.0" encoding="utf-8"?>
-<p:sld xmlns:a="http://schemas.openxmlformats.org/drawingml/2006/main" xmlns:r="http://schemas.openxmlformats.org/officeDocument/2006/relationships" xmlns:p="http://schemas.openxmlformats.org/presentationml/2006/main">
-  <p:cSld>
-    <p:spTree>
-      <p:nvGrpSpPr>
-        <p:cNvPr id="1" name=""/>
-        <p:cNvGrpSpPr/>
-        <p:nvPr/>
-      </p:nvGrpSpPr>
-      <p:grpSpPr>
-        <a:xfrm>
-          <a:off x="0" y="0"/>
-          <a:ext cx="0" cy="0"/>
-          <a:chOff x="0" y="0"/>
-          <a:chExt cx="0" cy="0"/>
-        </a:xfrm>
-      </p:grpSpPr>
-      <p:sp>
-        <p:nvSpPr>
-          <p:cNvPr id="2" name="灯片编号占位符 1"/>
-          <p:cNvSpPr>
-            <a:spLocks noGrp="1"/>
-          </p:cNvSpPr>
-          <p:nvPr>
-            <p:ph type="sldNum" sz="quarter" idx="10"/>
-          </p:nvPr>
-        </p:nvSpPr>
-        <p:spPr/>
-        <p:txBody>
-          <a:bodyPr/>
-          <a:lstStyle/>
-          <a:p>
-            <a:fld id="{76B1E760-ECB3-4197-9FBC-1D87FC5C6A28}" type="slidenum">
-              <a:rPr kumimoji="1" lang="ja-JP" altLang="en-US" smtClean="0"/>
-              <a:t>9</a:t>
-            </a:fld>
-            <a:endParaRPr kumimoji="1" lang="ja-JP" altLang="en-US" dirty="0"/>
-          </a:p>
-        </p:txBody>
-      </p:sp>
-      <p:sp>
-        <p:nvSpPr>
-          <p:cNvPr id="3" name="标题 2"/>
-          <p:cNvSpPr>
-            <a:spLocks noGrp="1"/>
-          </p:cNvSpPr>
-          <p:nvPr>
-            <p:ph type="title"/>
-          </p:nvPr>
-        </p:nvSpPr>
-        <p:spPr/>
-        <p:txBody>
-          <a:bodyPr/>
-          <a:lstStyle/>
-          <a:p>
-            <a:r>
-              <a:rPr lang="zh-CN" altLang="en-US" dirty="0" smtClean="0"/>
-              <a:t>对</a:t>
-            </a:r>
-            <a:r>
-              <a:rPr lang="zh-CN" altLang="en-US" dirty="0"/>
-              <a:t>公司或团队的建议及期望</a:t>
-            </a:r>
-            <a:r>
-              <a:rPr lang="en-US" altLang="zh-CN" dirty="0">
-                <a:solidFill>
-                  <a:srgbClr val="000000"/>
-                </a:solidFill>
-                <a:ea typeface="宋体" panose="02010600030101010101" pitchFamily="2" charset="-122"/>
-              </a:rPr>
-              <a:t/>
-            </a:r>
-            <a:br>
-              <a:rPr lang="en-US" altLang="zh-CN" dirty="0">
-                <a:solidFill>
-                  <a:srgbClr val="000000"/>
-                </a:solidFill>
-                <a:ea typeface="宋体" panose="02010600030101010101" pitchFamily="2" charset="-122"/>
-              </a:rPr>
-            </a:br>
-            <a:endParaRPr lang="zh-CN" altLang="en-US" dirty="0"/>
-          </a:p>
-        </p:txBody>
-      </p:sp>
-      <p:sp>
-        <p:nvSpPr>
-          <p:cNvPr id="45" name="文本框 44"/>
-          <p:cNvSpPr txBox="1"/>
-          <p:nvPr/>
-        </p:nvSpPr>
-        <p:spPr>
-          <a:xfrm>
-            <a:off x="1195992" y="2185059"/>
-            <a:ext cx="8250977" cy="353943"/>
-          </a:xfrm>
-          <a:prstGeom prst="rect">
-            <a:avLst/>
-          </a:prstGeom>
-          <a:noFill/>
-        </p:spPr>
-        <p:txBody>
-          <a:bodyPr wrap="none" rtlCol="0">
-            <a:spAutoFit/>
-          </a:bodyPr>
-          <a:lstStyle/>
-          <a:p>
-            <a:r>
-              <a:rPr lang="zh-CN" altLang="en-US" smtClean="0"/>
-              <a:t>见标题按自己的理解写，</a:t>
-            </a:r>
-            <a:r>
-              <a:rPr lang="zh-CN" altLang="en-US" dirty="0" smtClean="0"/>
-              <a:t>敢说敢提即可，不怕有问题和建议，主要</a:t>
-            </a:r>
-            <a:r>
-              <a:rPr lang="zh-CN" altLang="en-US" smtClean="0"/>
-              <a:t>看执行，页数不限</a:t>
-            </a:r>
-            <a:endParaRPr lang="zh-CN" altLang="en-US" dirty="0"/>
-          </a:p>
-        </p:txBody>
-      </p:sp>
-    </p:spTree>
-  </p:cSld>
-  <p:clrMapOvr>
-    <a:masterClrMapping/>
-  </p:clrMapOvr>
-  <p:timing>
-    <p:tnLst>
-      <p:par>
-        <p:cTn id="1" dur="indefinite" restart="never" nodeType="tmRoot"/>
-      </p:par>
-    </p:tnLst>
-  </p:timing>
-</p:sld>
-</file>
-
 <file path=ppt/tags/tag1.xml><?xml version="1.0" encoding="utf-8"?>
-<p:tagLst xmlns:a="http://schemas.openxmlformats.org/drawingml/2006/main" xmlns:r="http://schemas.openxmlformats.org/officeDocument/2006/relationships" xmlns:p="http://schemas.openxmlformats.org/presentationml/2006/main">
+<p:tagLst xmlns:p="http://schemas.openxmlformats.org/presentationml/2006/main">
   <p:tag name="KSO_WM_TEMPLATE_TOPIC_ID" val="2869567"/>
   <p:tag name="KSO_WM_TEMPLATE_OUTLINE_ID" val="15"/>
   <p:tag name="KSO_WM_TEMPLATE_SCENE_ID" val="1"/>
@@ -12041,10 +12780,9 @@
       </a:style>
     </a:spDef>
   </a:objectDefaults>
-  <a:extraClrSchemeLst/>
   <a:extLst>
     <a:ext uri="{05A4C25C-085E-4340-85A3-A5531E510DB2}">
-      <thm15:themeFamily xmlns:thm15="http://schemas.microsoft.com/office/thememl/2012/main" xmlns="" name="Office Theme" id="{62F939B6-93AF-4DB8-9C6B-D6C7DFDC589F}" vid="{4A3C46E8-61CC-4603-A589-7422A47A8E4A}"/>
+      <thm15:themeFamily xmlns:thm15="http://schemas.microsoft.com/office/thememl/2012/main" name="Office Theme" id="{62F939B6-93AF-4DB8-9C6B-D6C7DFDC589F}" vid="{4A3C46E8-61CC-4603-A589-7422A47A8E4A}"/>
     </a:ext>
   </a:extLst>
 </a:theme>
@@ -12330,11 +13068,9 @@
       </a:bgFillStyleLst>
     </a:fmtScheme>
   </a:themeElements>
-  <a:objectDefaults/>
-  <a:extraClrSchemeLst/>
   <a:extLst>
     <a:ext uri="{05A4C25C-085E-4340-85A3-A5531E510DB2}">
-      <thm15:themeFamily xmlns:thm15="http://schemas.microsoft.com/office/thememl/2012/main" xmlns="" name="Office Theme" id="{62F939B6-93AF-4DB8-9C6B-D6C7DFDC589F}" vid="{4A3C46E8-61CC-4603-A589-7422A47A8E4A}"/>
+      <thm15:themeFamily xmlns:thm15="http://schemas.microsoft.com/office/thememl/2012/main" name="Office Theme" id="{62F939B6-93AF-4DB8-9C6B-D6C7DFDC589F}" vid="{4A3C46E8-61CC-4603-A589-7422A47A8E4A}"/>
     </a:ext>
   </a:extLst>
 </a:theme>
@@ -12620,11 +13356,9 @@
       </a:bgFillStyleLst>
     </a:fmtScheme>
   </a:themeElements>
-  <a:objectDefaults/>
-  <a:extraClrSchemeLst/>
   <a:extLst>
     <a:ext uri="{05A4C25C-085E-4340-85A3-A5531E510DB2}">
-      <thm15:themeFamily xmlns:thm15="http://schemas.microsoft.com/office/thememl/2012/main" xmlns="" name="Office Theme" id="{62F939B6-93AF-4DB8-9C6B-D6C7DFDC589F}" vid="{4A3C46E8-61CC-4603-A589-7422A47A8E4A}"/>
+      <thm15:themeFamily xmlns:thm15="http://schemas.microsoft.com/office/thememl/2012/main" name="Office Theme" id="{62F939B6-93AF-4DB8-9C6B-D6C7DFDC589F}" vid="{4A3C46E8-61CC-4603-A589-7422A47A8E4A}"/>
     </a:ext>
   </a:extLst>
 </a:theme>

--- a/相关文档/年终总结/2018年度年终总结-研发中心_山晨.pptx
+++ b/相关文档/年终总结/2018年度年终总结-研发中心_山晨.pptx
@@ -5,25 +5,24 @@
     <p:sldMasterId id="2147483648" r:id="rId1"/>
   </p:sldMasterIdLst>
   <p:notesMasterIdLst>
-    <p:notesMasterId r:id="rId4"/>
+    <p:notesMasterId r:id="rId12"/>
   </p:notesMasterIdLst>
   <p:handoutMasterIdLst>
-    <p:handoutMasterId r:id="rId15"/>
+    <p:handoutMasterId r:id="rId13"/>
   </p:handoutMasterIdLst>
   <p:sldIdLst>
-    <p:sldId id="307" r:id="rId3"/>
-    <p:sldId id="552" r:id="rId5"/>
-    <p:sldId id="601" r:id="rId6"/>
-    <p:sldId id="709" r:id="rId7"/>
-    <p:sldId id="716" r:id="rId8"/>
-    <p:sldId id="705" r:id="rId9"/>
-    <p:sldId id="708" r:id="rId10"/>
-    <p:sldId id="700" r:id="rId11"/>
-    <p:sldId id="701" r:id="rId12"/>
-    <p:sldId id="657" r:id="rId13"/>
-    <p:sldId id="280" r:id="rId14"/>
+    <p:sldId id="307" r:id="rId2"/>
+    <p:sldId id="552" r:id="rId3"/>
+    <p:sldId id="601" r:id="rId4"/>
+    <p:sldId id="716" r:id="rId5"/>
+    <p:sldId id="705" r:id="rId6"/>
+    <p:sldId id="708" r:id="rId7"/>
+    <p:sldId id="700" r:id="rId8"/>
+    <p:sldId id="701" r:id="rId9"/>
+    <p:sldId id="657" r:id="rId10"/>
+    <p:sldId id="280" r:id="rId11"/>
   </p:sldIdLst>
-  <p:sldSz cx="12204700" cy="6859270"/>
+  <p:sldSz cx="12204700" cy="6859588"/>
   <p:notesSz cx="6858000" cy="9144000"/>
   <p:defaultTextStyle>
     <a:defPPr>
@@ -123,2698 +122,6 @@
 </p:presentation>
 </file>
 
-<file path=ppt/diagrams/colors1.xml><?xml version="1.0" encoding="utf-8"?>
-<dgm:colorsDef xmlns:dgm="http://schemas.openxmlformats.org/drawingml/2006/diagram" xmlns:a="http://schemas.openxmlformats.org/drawingml/2006/main" uniqueId="urn:microsoft.com/office/officeart/2005/8/colors/accent1_2">
-  <dgm:title val=""/>
-  <dgm:desc val=""/>
-  <dgm:catLst>
-    <dgm:cat type="accent1" pri="11200"/>
-  </dgm:catLst>
-  <dgm:styleLbl name="alignAcc1">
-    <dgm:fillClrLst meth="repeat">
-      <a:schemeClr val="lt1">
-        <a:alpha val="90000"/>
-      </a:schemeClr>
-    </dgm:fillClrLst>
-    <dgm:linClrLst meth="repeat">
-      <a:schemeClr val="accent1"/>
-    </dgm:linClrLst>
-    <dgm:effectClrLst/>
-    <dgm:txLinClrLst/>
-    <dgm:txFillClrLst meth="repeat">
-      <a:schemeClr val="dk1"/>
-    </dgm:txFillClrLst>
-    <dgm:txEffectClrLst/>
-  </dgm:styleLbl>
-  <dgm:styleLbl name="alignAccFollowNode1">
-    <dgm:fillClrLst meth="repeat">
-      <a:schemeClr val="accent1">
-        <a:alpha val="90000"/>
-        <a:tint val="40000"/>
-      </a:schemeClr>
-    </dgm:fillClrLst>
-    <dgm:linClrLst meth="repeat">
-      <a:schemeClr val="accent1">
-        <a:alpha val="90000"/>
-        <a:tint val="40000"/>
-      </a:schemeClr>
-    </dgm:linClrLst>
-    <dgm:effectClrLst/>
-    <dgm:txLinClrLst/>
-    <dgm:txFillClrLst meth="repeat">
-      <a:schemeClr val="dk1"/>
-    </dgm:txFillClrLst>
-    <dgm:txEffectClrLst/>
-  </dgm:styleLbl>
-  <dgm:styleLbl name="alignImgPlace1">
-    <dgm:fillClrLst meth="repeat">
-      <a:schemeClr val="accent1">
-        <a:tint val="50000"/>
-      </a:schemeClr>
-    </dgm:fillClrLst>
-    <dgm:linClrLst meth="repeat">
-      <a:schemeClr val="lt1"/>
-    </dgm:linClrLst>
-    <dgm:effectClrLst/>
-    <dgm:txLinClrLst/>
-    <dgm:txFillClrLst meth="repeat">
-      <a:schemeClr val="lt1"/>
-    </dgm:txFillClrLst>
-    <dgm:txEffectClrLst/>
-  </dgm:styleLbl>
-  <dgm:styleLbl name="alignNode1">
-    <dgm:fillClrLst meth="repeat">
-      <a:schemeClr val="accent1"/>
-    </dgm:fillClrLst>
-    <dgm:linClrLst meth="repeat">
-      <a:schemeClr val="accent1"/>
-    </dgm:linClrLst>
-    <dgm:effectClrLst/>
-    <dgm:txLinClrLst/>
-    <dgm:txFillClrLst/>
-    <dgm:txEffectClrLst/>
-  </dgm:styleLbl>
-  <dgm:styleLbl name="asst0">
-    <dgm:fillClrLst meth="repeat">
-      <a:schemeClr val="accent1"/>
-    </dgm:fillClrLst>
-    <dgm:linClrLst meth="repeat">
-      <a:schemeClr val="lt1"/>
-    </dgm:linClrLst>
-    <dgm:effectClrLst/>
-    <dgm:txLinClrLst/>
-    <dgm:txFillClrLst/>
-    <dgm:txEffectClrLst/>
-  </dgm:styleLbl>
-  <dgm:styleLbl name="asst1">
-    <dgm:fillClrLst meth="repeat">
-      <a:schemeClr val="accent1"/>
-    </dgm:fillClrLst>
-    <dgm:linClrLst meth="repeat">
-      <a:schemeClr val="lt1"/>
-    </dgm:linClrLst>
-    <dgm:effectClrLst/>
-    <dgm:txLinClrLst/>
-    <dgm:txFillClrLst/>
-    <dgm:txEffectClrLst/>
-  </dgm:styleLbl>
-  <dgm:styleLbl name="asst2">
-    <dgm:fillClrLst meth="repeat">
-      <a:schemeClr val="accent1"/>
-    </dgm:fillClrLst>
-    <dgm:linClrLst meth="repeat">
-      <a:schemeClr val="lt1"/>
-    </dgm:linClrLst>
-    <dgm:effectClrLst/>
-    <dgm:txLinClrLst/>
-    <dgm:txFillClrLst/>
-    <dgm:txEffectClrLst/>
-  </dgm:styleLbl>
-  <dgm:styleLbl name="asst3">
-    <dgm:fillClrLst meth="repeat">
-      <a:schemeClr val="accent1"/>
-    </dgm:fillClrLst>
-    <dgm:linClrLst meth="repeat">
-      <a:schemeClr val="lt1"/>
-    </dgm:linClrLst>
-    <dgm:effectClrLst/>
-    <dgm:txLinClrLst/>
-    <dgm:txFillClrLst/>
-    <dgm:txEffectClrLst/>
-  </dgm:styleLbl>
-  <dgm:styleLbl name="asst4">
-    <dgm:fillClrLst meth="repeat">
-      <a:schemeClr val="accent1"/>
-    </dgm:fillClrLst>
-    <dgm:linClrLst meth="repeat">
-      <a:schemeClr val="lt1"/>
-    </dgm:linClrLst>
-    <dgm:effectClrLst/>
-    <dgm:txLinClrLst/>
-    <dgm:txFillClrLst/>
-    <dgm:txEffectClrLst/>
-  </dgm:styleLbl>
-  <dgm:styleLbl name="bgAcc1">
-    <dgm:fillClrLst meth="repeat">
-      <a:schemeClr val="lt1">
-        <a:alpha val="90000"/>
-      </a:schemeClr>
-    </dgm:fillClrLst>
-    <dgm:linClrLst meth="repeat">
-      <a:schemeClr val="accent1"/>
-    </dgm:linClrLst>
-    <dgm:effectClrLst/>
-    <dgm:txLinClrLst/>
-    <dgm:txFillClrLst meth="repeat">
-      <a:schemeClr val="dk1"/>
-    </dgm:txFillClrLst>
-    <dgm:txEffectClrLst/>
-  </dgm:styleLbl>
-  <dgm:styleLbl name="bgAccFollowNode1">
-    <dgm:fillClrLst meth="repeat">
-      <a:schemeClr val="accent1">
-        <a:alpha val="90000"/>
-        <a:tint val="40000"/>
-      </a:schemeClr>
-    </dgm:fillClrLst>
-    <dgm:linClrLst meth="repeat">
-      <a:schemeClr val="accent1">
-        <a:alpha val="90000"/>
-        <a:tint val="40000"/>
-      </a:schemeClr>
-    </dgm:linClrLst>
-    <dgm:effectClrLst/>
-    <dgm:txLinClrLst/>
-    <dgm:txFillClrLst meth="repeat">
-      <a:schemeClr val="dk1"/>
-    </dgm:txFillClrLst>
-    <dgm:txEffectClrLst/>
-  </dgm:styleLbl>
-  <dgm:styleLbl name="bgImgPlace1">
-    <dgm:fillClrLst meth="repeat">
-      <a:schemeClr val="accent1">
-        <a:tint val="50000"/>
-      </a:schemeClr>
-    </dgm:fillClrLst>
-    <dgm:linClrLst meth="repeat">
-      <a:schemeClr val="lt1"/>
-    </dgm:linClrLst>
-    <dgm:effectClrLst/>
-    <dgm:txLinClrLst/>
-    <dgm:txFillClrLst meth="repeat">
-      <a:schemeClr val="lt1"/>
-    </dgm:txFillClrLst>
-    <dgm:txEffectClrLst/>
-  </dgm:styleLbl>
-  <dgm:styleLbl name="bgShp">
-    <dgm:fillClrLst meth="repeat">
-      <a:schemeClr val="accent1">
-        <a:tint val="40000"/>
-      </a:schemeClr>
-    </dgm:fillClrLst>
-    <dgm:linClrLst meth="repeat">
-      <a:schemeClr val="accent1"/>
-    </dgm:linClrLst>
-    <dgm:effectClrLst/>
-    <dgm:txLinClrLst/>
-    <dgm:txFillClrLst meth="repeat">
-      <a:schemeClr val="dk1"/>
-    </dgm:txFillClrLst>
-    <dgm:txEffectClrLst/>
-  </dgm:styleLbl>
-  <dgm:styleLbl name="bgSibTrans2D1">
-    <dgm:fillClrLst meth="repeat">
-      <a:schemeClr val="accent1">
-        <a:tint val="60000"/>
-      </a:schemeClr>
-    </dgm:fillClrLst>
-    <dgm:linClrLst meth="repeat">
-      <a:schemeClr val="accent1">
-        <a:tint val="60000"/>
-      </a:schemeClr>
-    </dgm:linClrLst>
-    <dgm:effectClrLst/>
-    <dgm:txLinClrLst/>
-    <dgm:txFillClrLst/>
-    <dgm:txEffectClrLst/>
-  </dgm:styleLbl>
-  <dgm:styleLbl name="callout">
-    <dgm:fillClrLst meth="repeat">
-      <a:schemeClr val="accent1"/>
-    </dgm:fillClrLst>
-    <dgm:linClrLst meth="repeat">
-      <a:schemeClr val="accent1">
-        <a:tint val="50000"/>
-      </a:schemeClr>
-    </dgm:linClrLst>
-    <dgm:effectClrLst/>
-    <dgm:txLinClrLst/>
-    <dgm:txFillClrLst meth="repeat">
-      <a:schemeClr val="tx1"/>
-    </dgm:txFillClrLst>
-    <dgm:txEffectClrLst/>
-  </dgm:styleLbl>
-  <dgm:styleLbl name="conFgAcc1">
-    <dgm:fillClrLst meth="repeat">
-      <a:schemeClr val="lt1">
-        <a:alpha val="90000"/>
-      </a:schemeClr>
-    </dgm:fillClrLst>
-    <dgm:linClrLst meth="repeat">
-      <a:schemeClr val="accent1"/>
-    </dgm:linClrLst>
-    <dgm:effectClrLst/>
-    <dgm:txLinClrLst/>
-    <dgm:txFillClrLst meth="repeat">
-      <a:schemeClr val="dk1"/>
-    </dgm:txFillClrLst>
-    <dgm:txEffectClrLst/>
-  </dgm:styleLbl>
-  <dgm:styleLbl name="dkBgShp">
-    <dgm:fillClrLst meth="repeat">
-      <a:schemeClr val="accent1">
-        <a:shade val="80000"/>
-      </a:schemeClr>
-    </dgm:fillClrLst>
-    <dgm:linClrLst meth="repeat">
-      <a:schemeClr val="accent1"/>
-    </dgm:linClrLst>
-    <dgm:effectClrLst/>
-    <dgm:txLinClrLst/>
-    <dgm:txFillClrLst meth="repeat">
-      <a:schemeClr val="lt1"/>
-    </dgm:txFillClrLst>
-    <dgm:txEffectClrLst/>
-  </dgm:styleLbl>
-  <dgm:styleLbl name="fgAcc0">
-    <dgm:fillClrLst meth="repeat">
-      <a:schemeClr val="lt1">
-        <a:alpha val="90000"/>
-      </a:schemeClr>
-    </dgm:fillClrLst>
-    <dgm:linClrLst meth="repeat">
-      <a:schemeClr val="accent1"/>
-    </dgm:linClrLst>
-    <dgm:effectClrLst/>
-    <dgm:txLinClrLst/>
-    <dgm:txFillClrLst meth="repeat">
-      <a:schemeClr val="dk1"/>
-    </dgm:txFillClrLst>
-    <dgm:txEffectClrLst/>
-  </dgm:styleLbl>
-  <dgm:styleLbl name="fgAcc1">
-    <dgm:fillClrLst meth="repeat">
-      <a:schemeClr val="lt1">
-        <a:alpha val="90000"/>
-      </a:schemeClr>
-    </dgm:fillClrLst>
-    <dgm:linClrLst meth="repeat">
-      <a:schemeClr val="accent1"/>
-    </dgm:linClrLst>
-    <dgm:effectClrLst/>
-    <dgm:txLinClrLst/>
-    <dgm:txFillClrLst meth="repeat">
-      <a:schemeClr val="dk1"/>
-    </dgm:txFillClrLst>
-    <dgm:txEffectClrLst/>
-  </dgm:styleLbl>
-  <dgm:styleLbl name="fgAcc2">
-    <dgm:fillClrLst meth="repeat">
-      <a:schemeClr val="lt1">
-        <a:alpha val="90000"/>
-      </a:schemeClr>
-    </dgm:fillClrLst>
-    <dgm:linClrLst meth="repeat">
-      <a:schemeClr val="accent1"/>
-    </dgm:linClrLst>
-    <dgm:effectClrLst/>
-    <dgm:txLinClrLst/>
-    <dgm:txFillClrLst meth="repeat">
-      <a:schemeClr val="dk1"/>
-    </dgm:txFillClrLst>
-    <dgm:txEffectClrLst/>
-  </dgm:styleLbl>
-  <dgm:styleLbl name="fgAcc3">
-    <dgm:fillClrLst meth="repeat">
-      <a:schemeClr val="lt1">
-        <a:alpha val="90000"/>
-      </a:schemeClr>
-    </dgm:fillClrLst>
-    <dgm:linClrLst meth="repeat">
-      <a:schemeClr val="accent1"/>
-    </dgm:linClrLst>
-    <dgm:effectClrLst/>
-    <dgm:txLinClrLst/>
-    <dgm:txFillClrLst meth="repeat">
-      <a:schemeClr val="dk1"/>
-    </dgm:txFillClrLst>
-    <dgm:txEffectClrLst/>
-  </dgm:styleLbl>
-  <dgm:styleLbl name="fgAcc4">
-    <dgm:fillClrLst meth="repeat">
-      <a:schemeClr val="lt1">
-        <a:alpha val="90000"/>
-      </a:schemeClr>
-    </dgm:fillClrLst>
-    <dgm:linClrLst meth="repeat">
-      <a:schemeClr val="accent1"/>
-    </dgm:linClrLst>
-    <dgm:effectClrLst/>
-    <dgm:txLinClrLst/>
-    <dgm:txFillClrLst meth="repeat">
-      <a:schemeClr val="dk1"/>
-    </dgm:txFillClrLst>
-    <dgm:txEffectClrLst/>
-  </dgm:styleLbl>
-  <dgm:styleLbl name="fgAccFollowNode1">
-    <dgm:fillClrLst meth="repeat">
-      <a:schemeClr val="accent1">
-        <a:alpha val="90000"/>
-        <a:tint val="40000"/>
-      </a:schemeClr>
-    </dgm:fillClrLst>
-    <dgm:linClrLst meth="repeat">
-      <a:schemeClr val="accent1">
-        <a:alpha val="90000"/>
-        <a:tint val="40000"/>
-      </a:schemeClr>
-    </dgm:linClrLst>
-    <dgm:effectClrLst/>
-    <dgm:txLinClrLst/>
-    <dgm:txFillClrLst meth="repeat">
-      <a:schemeClr val="dk1"/>
-    </dgm:txFillClrLst>
-    <dgm:txEffectClrLst/>
-  </dgm:styleLbl>
-  <dgm:styleLbl name="fgImgPlace1">
-    <dgm:fillClrLst meth="repeat">
-      <a:schemeClr val="accent1">
-        <a:tint val="50000"/>
-      </a:schemeClr>
-    </dgm:fillClrLst>
-    <dgm:linClrLst meth="repeat">
-      <a:schemeClr val="lt1"/>
-    </dgm:linClrLst>
-    <dgm:effectClrLst/>
-    <dgm:txLinClrLst/>
-    <dgm:txFillClrLst meth="repeat">
-      <a:schemeClr val="lt1"/>
-    </dgm:txFillClrLst>
-    <dgm:txEffectClrLst/>
-  </dgm:styleLbl>
-  <dgm:styleLbl name="fgShp">
-    <dgm:fillClrLst meth="repeat">
-      <a:schemeClr val="accent1">
-        <a:tint val="60000"/>
-      </a:schemeClr>
-    </dgm:fillClrLst>
-    <dgm:linClrLst meth="repeat">
-      <a:schemeClr val="lt1"/>
-    </dgm:linClrLst>
-    <dgm:effectClrLst/>
-    <dgm:txLinClrLst/>
-    <dgm:txFillClrLst meth="repeat">
-      <a:schemeClr val="dk1"/>
-    </dgm:txFillClrLst>
-    <dgm:txEffectClrLst/>
-  </dgm:styleLbl>
-  <dgm:styleLbl name="fgSibTrans2D1">
-    <dgm:fillClrLst meth="repeat">
-      <a:schemeClr val="accent1">
-        <a:tint val="60000"/>
-      </a:schemeClr>
-    </dgm:fillClrLst>
-    <dgm:linClrLst meth="repeat">
-      <a:schemeClr val="accent1">
-        <a:tint val="60000"/>
-      </a:schemeClr>
-    </dgm:linClrLst>
-    <dgm:effectClrLst/>
-    <dgm:txLinClrLst/>
-    <dgm:txFillClrLst/>
-    <dgm:txEffectClrLst/>
-  </dgm:styleLbl>
-  <dgm:styleLbl name="lnNode1">
-    <dgm:fillClrLst meth="repeat">
-      <a:schemeClr val="accent1"/>
-    </dgm:fillClrLst>
-    <dgm:linClrLst meth="repeat">
-      <a:schemeClr val="lt1"/>
-    </dgm:linClrLst>
-    <dgm:effectClrLst/>
-    <dgm:txLinClrLst/>
-    <dgm:txFillClrLst/>
-    <dgm:txEffectClrLst/>
-  </dgm:styleLbl>
-  <dgm:styleLbl name="node0">
-    <dgm:fillClrLst meth="repeat">
-      <a:schemeClr val="accent1"/>
-    </dgm:fillClrLst>
-    <dgm:linClrLst meth="repeat">
-      <a:schemeClr val="lt1"/>
-    </dgm:linClrLst>
-    <dgm:effectClrLst/>
-    <dgm:txLinClrLst/>
-    <dgm:txFillClrLst/>
-    <dgm:txEffectClrLst/>
-  </dgm:styleLbl>
-  <dgm:styleLbl name="node1">
-    <dgm:fillClrLst meth="repeat">
-      <a:schemeClr val="accent1"/>
-    </dgm:fillClrLst>
-    <dgm:linClrLst meth="repeat">
-      <a:schemeClr val="lt1"/>
-    </dgm:linClrLst>
-    <dgm:effectClrLst/>
-    <dgm:txLinClrLst/>
-    <dgm:txFillClrLst/>
-    <dgm:txEffectClrLst/>
-  </dgm:styleLbl>
-  <dgm:styleLbl name="node2">
-    <dgm:fillClrLst meth="repeat">
-      <a:schemeClr val="accent1"/>
-    </dgm:fillClrLst>
-    <dgm:linClrLst meth="repeat">
-      <a:schemeClr val="lt1"/>
-    </dgm:linClrLst>
-    <dgm:effectClrLst/>
-    <dgm:txLinClrLst/>
-    <dgm:txFillClrLst/>
-    <dgm:txEffectClrLst/>
-  </dgm:styleLbl>
-  <dgm:styleLbl name="node3">
-    <dgm:fillClrLst meth="repeat">
-      <a:schemeClr val="accent1"/>
-    </dgm:fillClrLst>
-    <dgm:linClrLst meth="repeat">
-      <a:schemeClr val="lt1"/>
-    </dgm:linClrLst>
-    <dgm:effectClrLst/>
-    <dgm:txLinClrLst/>
-    <dgm:txFillClrLst/>
-    <dgm:txEffectClrLst/>
-  </dgm:styleLbl>
-  <dgm:styleLbl name="node4">
-    <dgm:fillClrLst meth="repeat">
-      <a:schemeClr val="accent1"/>
-    </dgm:fillClrLst>
-    <dgm:linClrLst meth="repeat">
-      <a:schemeClr val="lt1"/>
-    </dgm:linClrLst>
-    <dgm:effectClrLst/>
-    <dgm:txLinClrLst/>
-    <dgm:txFillClrLst/>
-    <dgm:txEffectClrLst/>
-  </dgm:styleLbl>
-  <dgm:styleLbl name="parChTrans1D1">
-    <dgm:fillClrLst meth="repeat">
-      <a:schemeClr val="accent1"/>
-    </dgm:fillClrLst>
-    <dgm:linClrLst meth="repeat">
-      <a:schemeClr val="accent1">
-        <a:shade val="60000"/>
-      </a:schemeClr>
-    </dgm:linClrLst>
-    <dgm:effectClrLst/>
-    <dgm:txLinClrLst/>
-    <dgm:txFillClrLst meth="repeat">
-      <a:schemeClr val="tx1"/>
-    </dgm:txFillClrLst>
-    <dgm:txEffectClrLst/>
-  </dgm:styleLbl>
-  <dgm:styleLbl name="parChTrans1D2">
-    <dgm:fillClrLst meth="repeat">
-      <a:schemeClr val="accent1"/>
-    </dgm:fillClrLst>
-    <dgm:linClrLst meth="repeat">
-      <a:schemeClr val="accent1">
-        <a:shade val="60000"/>
-      </a:schemeClr>
-    </dgm:linClrLst>
-    <dgm:effectClrLst/>
-    <dgm:txLinClrLst/>
-    <dgm:txFillClrLst meth="repeat">
-      <a:schemeClr val="tx1"/>
-    </dgm:txFillClrLst>
-    <dgm:txEffectClrLst/>
-  </dgm:styleLbl>
-  <dgm:styleLbl name="parChTrans1D3">
-    <dgm:fillClrLst meth="repeat">
-      <a:schemeClr val="accent1"/>
-    </dgm:fillClrLst>
-    <dgm:linClrLst meth="repeat">
-      <a:schemeClr val="accent1">
-        <a:shade val="80000"/>
-      </a:schemeClr>
-    </dgm:linClrLst>
-    <dgm:effectClrLst/>
-    <dgm:txLinClrLst/>
-    <dgm:txFillClrLst meth="repeat">
-      <a:schemeClr val="tx1"/>
-    </dgm:txFillClrLst>
-    <dgm:txEffectClrLst/>
-  </dgm:styleLbl>
-  <dgm:styleLbl name="parChTrans1D4">
-    <dgm:fillClrLst meth="repeat">
-      <a:schemeClr val="accent1"/>
-    </dgm:fillClrLst>
-    <dgm:linClrLst meth="repeat">
-      <a:schemeClr val="accent1">
-        <a:shade val="80000"/>
-      </a:schemeClr>
-    </dgm:linClrLst>
-    <dgm:effectClrLst/>
-    <dgm:txLinClrLst/>
-    <dgm:txFillClrLst meth="repeat">
-      <a:schemeClr val="tx1"/>
-    </dgm:txFillClrLst>
-    <dgm:txEffectClrLst/>
-  </dgm:styleLbl>
-  <dgm:styleLbl name="parChTrans2D1">
-    <dgm:fillClrLst meth="repeat">
-      <a:schemeClr val="accent1">
-        <a:tint val="60000"/>
-      </a:schemeClr>
-    </dgm:fillClrLst>
-    <dgm:linClrLst meth="repeat">
-      <a:schemeClr val="accent1">
-        <a:tint val="60000"/>
-      </a:schemeClr>
-    </dgm:linClrLst>
-    <dgm:effectClrLst/>
-    <dgm:txLinClrLst/>
-    <dgm:txFillClrLst meth="repeat">
-      <a:schemeClr val="lt1"/>
-    </dgm:txFillClrLst>
-    <dgm:txEffectClrLst/>
-  </dgm:styleLbl>
-  <dgm:styleLbl name="parChTrans2D2">
-    <dgm:fillClrLst meth="repeat">
-      <a:schemeClr val="accent1"/>
-    </dgm:fillClrLst>
-    <dgm:linClrLst meth="repeat">
-      <a:schemeClr val="accent1"/>
-    </dgm:linClrLst>
-    <dgm:effectClrLst/>
-    <dgm:txLinClrLst/>
-    <dgm:txFillClrLst meth="repeat">
-      <a:schemeClr val="lt1"/>
-    </dgm:txFillClrLst>
-    <dgm:txEffectClrLst/>
-  </dgm:styleLbl>
-  <dgm:styleLbl name="parChTrans2D3">
-    <dgm:fillClrLst meth="repeat">
-      <a:schemeClr val="accent1"/>
-    </dgm:fillClrLst>
-    <dgm:linClrLst meth="repeat">
-      <a:schemeClr val="accent1"/>
-    </dgm:linClrLst>
-    <dgm:effectClrLst/>
-    <dgm:txLinClrLst/>
-    <dgm:txFillClrLst meth="repeat">
-      <a:schemeClr val="lt1"/>
-    </dgm:txFillClrLst>
-    <dgm:txEffectClrLst/>
-  </dgm:styleLbl>
-  <dgm:styleLbl name="parChTrans2D4">
-    <dgm:fillClrLst meth="repeat">
-      <a:schemeClr val="accent1"/>
-    </dgm:fillClrLst>
-    <dgm:linClrLst meth="repeat">
-      <a:schemeClr val="accent1"/>
-    </dgm:linClrLst>
-    <dgm:effectClrLst/>
-    <dgm:txLinClrLst/>
-    <dgm:txFillClrLst meth="repeat">
-      <a:schemeClr val="lt1"/>
-    </dgm:txFillClrLst>
-    <dgm:txEffectClrLst/>
-  </dgm:styleLbl>
-  <dgm:styleLbl name="revTx">
-    <dgm:fillClrLst meth="repeat">
-      <a:schemeClr val="lt1">
-        <a:alpha val="0"/>
-      </a:schemeClr>
-    </dgm:fillClrLst>
-    <dgm:linClrLst meth="repeat">
-      <a:schemeClr val="dk1">
-        <a:alpha val="0"/>
-      </a:schemeClr>
-    </dgm:linClrLst>
-    <dgm:effectClrLst/>
-    <dgm:txLinClrLst/>
-    <dgm:txFillClrLst meth="repeat">
-      <a:schemeClr val="tx1"/>
-    </dgm:txFillClrLst>
-    <dgm:txEffectClrLst/>
-  </dgm:styleLbl>
-  <dgm:styleLbl name="sibTrans1D1">
-    <dgm:fillClrLst meth="repeat">
-      <a:schemeClr val="accent1"/>
-    </dgm:fillClrLst>
-    <dgm:linClrLst meth="repeat">
-      <a:schemeClr val="accent1"/>
-    </dgm:linClrLst>
-    <dgm:effectClrLst/>
-    <dgm:txLinClrLst/>
-    <dgm:txFillClrLst meth="repeat">
-      <a:schemeClr val="tx1"/>
-    </dgm:txFillClrLst>
-    <dgm:txEffectClrLst/>
-  </dgm:styleLbl>
-  <dgm:styleLbl name="sibTrans2D1">
-    <dgm:fillClrLst meth="repeat">
-      <a:schemeClr val="accent1">
-        <a:tint val="60000"/>
-      </a:schemeClr>
-    </dgm:fillClrLst>
-    <dgm:linClrLst meth="repeat">
-      <a:schemeClr val="accent1">
-        <a:tint val="60000"/>
-      </a:schemeClr>
-    </dgm:linClrLst>
-    <dgm:effectClrLst/>
-    <dgm:txLinClrLst/>
-    <dgm:txFillClrLst/>
-    <dgm:txEffectClrLst/>
-  </dgm:styleLbl>
-  <dgm:styleLbl name="solidAlignAcc1">
-    <dgm:fillClrLst meth="repeat">
-      <a:schemeClr val="lt1"/>
-    </dgm:fillClrLst>
-    <dgm:linClrLst meth="repeat">
-      <a:schemeClr val="accent1"/>
-    </dgm:linClrLst>
-    <dgm:effectClrLst/>
-    <dgm:txLinClrLst/>
-    <dgm:txFillClrLst meth="repeat">
-      <a:schemeClr val="dk1"/>
-    </dgm:txFillClrLst>
-    <dgm:txEffectClrLst/>
-  </dgm:styleLbl>
-  <dgm:styleLbl name="solidBgAcc1">
-    <dgm:fillClrLst meth="repeat">
-      <a:schemeClr val="lt1"/>
-    </dgm:fillClrLst>
-    <dgm:linClrLst meth="repeat">
-      <a:schemeClr val="accent1"/>
-    </dgm:linClrLst>
-    <dgm:effectClrLst/>
-    <dgm:txLinClrLst/>
-    <dgm:txFillClrLst meth="repeat">
-      <a:schemeClr val="dk1"/>
-    </dgm:txFillClrLst>
-    <dgm:txEffectClrLst/>
-  </dgm:styleLbl>
-  <dgm:styleLbl name="solidFgAcc1">
-    <dgm:fillClrLst meth="repeat">
-      <a:schemeClr val="lt1"/>
-    </dgm:fillClrLst>
-    <dgm:linClrLst meth="repeat">
-      <a:schemeClr val="accent1"/>
-    </dgm:linClrLst>
-    <dgm:effectClrLst/>
-    <dgm:txLinClrLst/>
-    <dgm:txFillClrLst meth="repeat">
-      <a:schemeClr val="dk1"/>
-    </dgm:txFillClrLst>
-    <dgm:txEffectClrLst/>
-  </dgm:styleLbl>
-  <dgm:styleLbl name="trAlignAcc1">
-    <dgm:fillClrLst meth="repeat">
-      <a:schemeClr val="lt1">
-        <a:alpha val="40000"/>
-      </a:schemeClr>
-    </dgm:fillClrLst>
-    <dgm:linClrLst meth="repeat">
-      <a:schemeClr val="accent1"/>
-    </dgm:linClrLst>
-    <dgm:effectClrLst/>
-    <dgm:txLinClrLst/>
-    <dgm:txFillClrLst meth="repeat">
-      <a:schemeClr val="dk1"/>
-    </dgm:txFillClrLst>
-    <dgm:txEffectClrLst/>
-  </dgm:styleLbl>
-  <dgm:styleLbl name="trBgShp">
-    <dgm:fillClrLst meth="repeat">
-      <a:schemeClr val="accent1">
-        <a:tint val="50000"/>
-        <a:alpha val="40000"/>
-      </a:schemeClr>
-    </dgm:fillClrLst>
-    <dgm:linClrLst meth="repeat">
-      <a:schemeClr val="accent1"/>
-    </dgm:linClrLst>
-    <dgm:effectClrLst/>
-    <dgm:txLinClrLst/>
-    <dgm:txFillClrLst meth="repeat">
-      <a:schemeClr val="lt1"/>
-    </dgm:txFillClrLst>
-    <dgm:txEffectClrLst/>
-  </dgm:styleLbl>
-  <dgm:styleLbl name="vennNode1">
-    <dgm:fillClrLst meth="repeat">
-      <a:schemeClr val="accent1">
-        <a:alpha val="50000"/>
-      </a:schemeClr>
-    </dgm:fillClrLst>
-    <dgm:linClrLst meth="repeat">
-      <a:schemeClr val="lt1"/>
-    </dgm:linClrLst>
-    <dgm:effectClrLst/>
-    <dgm:txLinClrLst/>
-    <dgm:txFillClrLst/>
-    <dgm:txEffectClrLst/>
-  </dgm:styleLbl>
-</dgm:colorsDef>
-</file>
-
-<file path=ppt/diagrams/data1.xml><?xml version="1.0" encoding="utf-8"?>
-<dgm:dataModel xmlns:dgm="http://schemas.openxmlformats.org/drawingml/2006/diagram" xmlns:a="http://schemas.openxmlformats.org/drawingml/2006/main">
-  <dgm:ptLst>
-    <dgm:pt modelId="{504C09C7-2CAF-4E20-897E-C57A4FC843B8}" type="doc">
-      <dgm:prSet loTypeId="urn:microsoft.com/office/officeart/2005/8/layout/matrix2" loCatId="matrix" qsTypeId="urn:microsoft.com/office/officeart/2005/8/quickstyle/simple5" qsCatId="simple" csTypeId="urn:microsoft.com/office/officeart/2005/8/colors/accent1_2" csCatId="accent1" phldr="1"/>
-      <dgm:spPr/>
-      <dgm:t>
-        <a:bodyPr/>
-        <a:lstStyle/>
-        <a:p>
-          <a:endParaRPr lang="zh-CN" altLang="en-US"/>
-        </a:p>
-      </dgm:t>
-    </dgm:pt>
-    <dgm:pt modelId="{CCBE67FA-591F-497B-A794-755358EE744F}">
-      <dgm:prSet phldrT="[文本]"/>
-      <dgm:spPr/>
-      <dgm:t>
-        <a:bodyPr/>
-        <a:lstStyle/>
-        <a:p>
-          <a:r>
-            <a:rPr lang="zh-CN" altLang="en-US" dirty="0" smtClean="0"/>
-            <a:t>第一季度</a:t>
-          </a:r>
-          <a:endParaRPr lang="zh-CN" altLang="en-US" dirty="0"/>
-        </a:p>
-      </dgm:t>
-    </dgm:pt>
-    <dgm:pt modelId="{4648C3F9-B863-4346-B60D-337B0C6384F3}" cxnId="{6F8FEA3B-8E6D-413D-A562-BC61983AC0E4}" type="sibTrans">
-      <dgm:prSet/>
-      <dgm:spPr/>
-      <dgm:t>
-        <a:bodyPr/>
-        <a:lstStyle/>
-        <a:p>
-          <a:endParaRPr lang="zh-CN" altLang="en-US"/>
-        </a:p>
-      </dgm:t>
-    </dgm:pt>
-    <dgm:pt modelId="{2329B793-A9CA-4128-BD01-DFDB5CCA1432}" cxnId="{6F8FEA3B-8E6D-413D-A562-BC61983AC0E4}" type="parTrans">
-      <dgm:prSet/>
-      <dgm:spPr/>
-      <dgm:t>
-        <a:bodyPr/>
-        <a:lstStyle/>
-        <a:p>
-          <a:endParaRPr lang="zh-CN" altLang="en-US"/>
-        </a:p>
-      </dgm:t>
-    </dgm:pt>
-    <dgm:pt modelId="{41F7CFC9-CF9D-4A9E-A68D-3C089797EA8E}">
-      <dgm:prSet phldrT="[文本]"/>
-      <dgm:spPr/>
-      <dgm:t>
-        <a:bodyPr/>
-        <a:lstStyle/>
-        <a:p>
-          <a:r>
-            <a:rPr lang="zh-CN" altLang="en-US" dirty="0" smtClean="0"/>
-            <a:t>第三季度</a:t>
-          </a:r>
-          <a:endParaRPr lang="zh-CN" altLang="en-US" dirty="0"/>
-        </a:p>
-      </dgm:t>
-    </dgm:pt>
-    <dgm:pt modelId="{6439BC3E-012E-478D-AAC5-2E3BABAB8A2E}" cxnId="{9F601A78-BB19-4B76-B431-4F8050BE5FFC}" type="sibTrans">
-      <dgm:prSet/>
-      <dgm:spPr/>
-      <dgm:t>
-        <a:bodyPr/>
-        <a:lstStyle/>
-        <a:p>
-          <a:endParaRPr lang="zh-CN" altLang="en-US"/>
-        </a:p>
-      </dgm:t>
-    </dgm:pt>
-    <dgm:pt modelId="{6FA3A7DE-3457-4A9B-A4F5-C305DA38DB25}" cxnId="{9F601A78-BB19-4B76-B431-4F8050BE5FFC}" type="parTrans">
-      <dgm:prSet/>
-      <dgm:spPr/>
-      <dgm:t>
-        <a:bodyPr/>
-        <a:lstStyle/>
-        <a:p>
-          <a:endParaRPr lang="zh-CN" altLang="en-US"/>
-        </a:p>
-      </dgm:t>
-    </dgm:pt>
-    <dgm:pt modelId="{CE5741A0-8A6C-4715-AA73-795BDD64260D}">
-      <dgm:prSet phldrT="[文本]"/>
-      <dgm:spPr/>
-      <dgm:t>
-        <a:bodyPr/>
-        <a:lstStyle/>
-        <a:p>
-          <a:r>
-            <a:rPr lang="zh-CN" altLang="en-US" dirty="0" smtClean="0"/>
-            <a:t>第四季度</a:t>
-          </a:r>
-          <a:endParaRPr lang="zh-CN" altLang="en-US" dirty="0"/>
-        </a:p>
-      </dgm:t>
-    </dgm:pt>
-    <dgm:pt modelId="{231B92A6-DEBA-4D38-8C3B-028D417F5BDA}" cxnId="{2B00BA60-5C04-437A-B237-824B9C5FC8C9}" type="sibTrans">
-      <dgm:prSet/>
-      <dgm:spPr/>
-      <dgm:t>
-        <a:bodyPr/>
-        <a:lstStyle/>
-        <a:p>
-          <a:endParaRPr lang="zh-CN" altLang="en-US"/>
-        </a:p>
-      </dgm:t>
-    </dgm:pt>
-    <dgm:pt modelId="{92CBFC35-6EF7-42D9-9B78-AA4FF04EDE96}" cxnId="{2B00BA60-5C04-437A-B237-824B9C5FC8C9}" type="parTrans">
-      <dgm:prSet/>
-      <dgm:spPr/>
-      <dgm:t>
-        <a:bodyPr/>
-        <a:lstStyle/>
-        <a:p>
-          <a:endParaRPr lang="zh-CN" altLang="en-US"/>
-        </a:p>
-      </dgm:t>
-    </dgm:pt>
-    <dgm:pt modelId="{B6F2BD00-528A-4048-9DF7-7FFB8F8AA889}">
-      <dgm:prSet phldrT="[文本]"/>
-      <dgm:spPr/>
-      <dgm:t>
-        <a:bodyPr/>
-        <a:lstStyle/>
-        <a:p>
-          <a:r>
-            <a:rPr lang="zh-CN" altLang="en-US" dirty="0" smtClean="0"/>
-            <a:t>第二季度</a:t>
-          </a:r>
-          <a:endParaRPr lang="zh-CN" altLang="en-US" dirty="0"/>
-        </a:p>
-      </dgm:t>
-    </dgm:pt>
-    <dgm:pt modelId="{3AD121DF-FB84-409A-BECA-0ABD28CB2696}" cxnId="{07884F16-32D3-4A84-81D3-7D5D8742EE2D}" type="sibTrans">
-      <dgm:prSet/>
-      <dgm:spPr/>
-      <dgm:t>
-        <a:bodyPr/>
-        <a:lstStyle/>
-        <a:p>
-          <a:endParaRPr lang="zh-CN" altLang="en-US"/>
-        </a:p>
-      </dgm:t>
-    </dgm:pt>
-    <dgm:pt modelId="{64145C1D-20D1-4FA2-A352-4A9C70E88CDF}" cxnId="{07884F16-32D3-4A84-81D3-7D5D8742EE2D}" type="parTrans">
-      <dgm:prSet/>
-      <dgm:spPr/>
-      <dgm:t>
-        <a:bodyPr/>
-        <a:lstStyle/>
-        <a:p>
-          <a:endParaRPr lang="zh-CN" altLang="en-US"/>
-        </a:p>
-      </dgm:t>
-    </dgm:pt>
-    <dgm:pt modelId="{86D628A6-F4FD-415F-93C1-09C804F8BE82}" type="pres">
-      <dgm:prSet presAssocID="{504C09C7-2CAF-4E20-897E-C57A4FC843B8}" presName="matrix" presStyleCnt="0">
-        <dgm:presLayoutVars>
-          <dgm:chMax val="1"/>
-          <dgm:dir/>
-          <dgm:resizeHandles val="exact"/>
-        </dgm:presLayoutVars>
-      </dgm:prSet>
-      <dgm:spPr/>
-    </dgm:pt>
-    <dgm:pt modelId="{DF49EB61-8BBF-406F-870E-47E4FD66D67A}" type="pres">
-      <dgm:prSet presAssocID="{504C09C7-2CAF-4E20-897E-C57A4FC843B8}" presName="axisShape" presStyleLbl="bgShp" presStyleIdx="0" presStyleCnt="1" custScaleX="209259"/>
-      <dgm:spPr/>
-    </dgm:pt>
-    <dgm:pt modelId="{94210475-3A2D-4EB0-8264-6E8854A9D13A}" type="pres">
-      <dgm:prSet presAssocID="{504C09C7-2CAF-4E20-897E-C57A4FC843B8}" presName="rect1" presStyleLbl="node1" presStyleIdx="0" presStyleCnt="4" custScaleX="67303" custScaleY="18654" custLinFactX="-67795" custLinFactNeighborX="-100000" custLinFactNeighborY="-55625">
-        <dgm:presLayoutVars>
-          <dgm:chMax val="0"/>
-          <dgm:chPref val="0"/>
-          <dgm:bulletEnabled val="1"/>
-        </dgm:presLayoutVars>
-      </dgm:prSet>
-      <dgm:spPr/>
-      <dgm:t>
-        <a:bodyPr/>
-        <a:lstStyle/>
-        <a:p>
-          <a:endParaRPr lang="zh-CN" altLang="en-US"/>
-        </a:p>
-      </dgm:t>
-    </dgm:pt>
-    <dgm:pt modelId="{35CD62E1-1471-429B-B0B7-F6DCB8C8E3BF}" type="pres">
-      <dgm:prSet presAssocID="{504C09C7-2CAF-4E20-897E-C57A4FC843B8}" presName="rect2" presStyleLbl="node1" presStyleIdx="1" presStyleCnt="4" custScaleX="67303" custScaleY="18654" custLinFactX="68253" custLinFactNeighborX="100000" custLinFactNeighborY="-55625">
-        <dgm:presLayoutVars>
-          <dgm:chMax val="0"/>
-          <dgm:chPref val="0"/>
-          <dgm:bulletEnabled val="1"/>
-        </dgm:presLayoutVars>
-      </dgm:prSet>
-      <dgm:spPr/>
-      <dgm:t>
-        <a:bodyPr/>
-        <a:lstStyle/>
-        <a:p>
-          <a:endParaRPr lang="zh-CN" altLang="en-US"/>
-        </a:p>
-      </dgm:t>
-    </dgm:pt>
-    <dgm:pt modelId="{44940017-0910-4A0A-8709-659FBF258B09}" type="pres">
-      <dgm:prSet presAssocID="{504C09C7-2CAF-4E20-897E-C57A4FC843B8}" presName="rect3" presStyleLbl="node1" presStyleIdx="2" presStyleCnt="4" custScaleX="67303" custScaleY="18654" custLinFactX="-67794" custLinFactNeighborX="-100000" custLinFactNeighborY="54706">
-        <dgm:presLayoutVars>
-          <dgm:chMax val="0"/>
-          <dgm:chPref val="0"/>
-          <dgm:bulletEnabled val="1"/>
-        </dgm:presLayoutVars>
-      </dgm:prSet>
-      <dgm:spPr/>
-      <dgm:t>
-        <a:bodyPr/>
-        <a:lstStyle/>
-        <a:p>
-          <a:endParaRPr lang="zh-CN" altLang="en-US"/>
-        </a:p>
-      </dgm:t>
-    </dgm:pt>
-    <dgm:pt modelId="{8401469A-5520-435C-8B75-422455B4BAFC}" type="pres">
-      <dgm:prSet presAssocID="{504C09C7-2CAF-4E20-897E-C57A4FC843B8}" presName="rect4" presStyleLbl="node1" presStyleIdx="3" presStyleCnt="4" custScaleX="67303" custScaleY="18654" custLinFactX="68254" custLinFactNeighborX="100000" custLinFactNeighborY="54705">
-        <dgm:presLayoutVars>
-          <dgm:chMax val="0"/>
-          <dgm:chPref val="0"/>
-          <dgm:bulletEnabled val="1"/>
-        </dgm:presLayoutVars>
-      </dgm:prSet>
-      <dgm:spPr/>
-    </dgm:pt>
-  </dgm:ptLst>
-  <dgm:cxnLst>
-    <dgm:cxn modelId="{8A179223-3F81-49CA-997E-2DEF0ECBA12A}" type="presOf" srcId="{CE5741A0-8A6C-4715-AA73-795BDD64260D}" destId="{8401469A-5520-435C-8B75-422455B4BAFC}" srcOrd="0" destOrd="0" presId="urn:microsoft.com/office/officeart/2005/8/layout/matrix2"/>
-    <dgm:cxn modelId="{9F601A78-BB19-4B76-B431-4F8050BE5FFC}" srcId="{504C09C7-2CAF-4E20-897E-C57A4FC843B8}" destId="{41F7CFC9-CF9D-4A9E-A68D-3C089797EA8E}" srcOrd="2" destOrd="0" parTransId="{6FA3A7DE-3457-4A9B-A4F5-C305DA38DB25}" sibTransId="{6439BC3E-012E-478D-AAC5-2E3BABAB8A2E}"/>
-    <dgm:cxn modelId="{A945B420-AD92-4C4D-A870-251CA34F7FB4}" type="presOf" srcId="{CCBE67FA-591F-497B-A794-755358EE744F}" destId="{94210475-3A2D-4EB0-8264-6E8854A9D13A}" srcOrd="0" destOrd="0" presId="urn:microsoft.com/office/officeart/2005/8/layout/matrix2"/>
-    <dgm:cxn modelId="{07884F16-32D3-4A84-81D3-7D5D8742EE2D}" srcId="{504C09C7-2CAF-4E20-897E-C57A4FC843B8}" destId="{B6F2BD00-528A-4048-9DF7-7FFB8F8AA889}" srcOrd="1" destOrd="0" parTransId="{64145C1D-20D1-4FA2-A352-4A9C70E88CDF}" sibTransId="{3AD121DF-FB84-409A-BECA-0ABD28CB2696}"/>
-    <dgm:cxn modelId="{75B6AF8E-DBE5-42EE-A88E-3BF6D462E0F0}" type="presOf" srcId="{504C09C7-2CAF-4E20-897E-C57A4FC843B8}" destId="{86D628A6-F4FD-415F-93C1-09C804F8BE82}" srcOrd="0" destOrd="0" presId="urn:microsoft.com/office/officeart/2005/8/layout/matrix2"/>
-    <dgm:cxn modelId="{6F8FEA3B-8E6D-413D-A562-BC61983AC0E4}" srcId="{504C09C7-2CAF-4E20-897E-C57A4FC843B8}" destId="{CCBE67FA-591F-497B-A794-755358EE744F}" srcOrd="0" destOrd="0" parTransId="{2329B793-A9CA-4128-BD01-DFDB5CCA1432}" sibTransId="{4648C3F9-B863-4346-B60D-337B0C6384F3}"/>
-    <dgm:cxn modelId="{28BAFA6D-81DF-4872-A388-65A5019DE9A3}" type="presOf" srcId="{B6F2BD00-528A-4048-9DF7-7FFB8F8AA889}" destId="{35CD62E1-1471-429B-B0B7-F6DCB8C8E3BF}" srcOrd="0" destOrd="0" presId="urn:microsoft.com/office/officeart/2005/8/layout/matrix2"/>
-    <dgm:cxn modelId="{2B00BA60-5C04-437A-B237-824B9C5FC8C9}" srcId="{504C09C7-2CAF-4E20-897E-C57A4FC843B8}" destId="{CE5741A0-8A6C-4715-AA73-795BDD64260D}" srcOrd="3" destOrd="0" parTransId="{92CBFC35-6EF7-42D9-9B78-AA4FF04EDE96}" sibTransId="{231B92A6-DEBA-4D38-8C3B-028D417F5BDA}"/>
-    <dgm:cxn modelId="{AD40B483-CB87-4B05-B58C-E8873FE27DAA}" type="presOf" srcId="{41F7CFC9-CF9D-4A9E-A68D-3C089797EA8E}" destId="{44940017-0910-4A0A-8709-659FBF258B09}" srcOrd="0" destOrd="0" presId="urn:microsoft.com/office/officeart/2005/8/layout/matrix2"/>
-    <dgm:cxn modelId="{62FC5F38-ED60-45D8-96AD-935E41D8CADD}" type="presParOf" srcId="{86D628A6-F4FD-415F-93C1-09C804F8BE82}" destId="{DF49EB61-8BBF-406F-870E-47E4FD66D67A}" srcOrd="0" destOrd="0" presId="urn:microsoft.com/office/officeart/2005/8/layout/matrix2"/>
-    <dgm:cxn modelId="{0BA320BD-92B6-4C93-A649-C11A748D349F}" type="presParOf" srcId="{86D628A6-F4FD-415F-93C1-09C804F8BE82}" destId="{94210475-3A2D-4EB0-8264-6E8854A9D13A}" srcOrd="1" destOrd="0" presId="urn:microsoft.com/office/officeart/2005/8/layout/matrix2"/>
-    <dgm:cxn modelId="{ED63F51D-9BBD-46EC-92CA-AD01906626AD}" type="presParOf" srcId="{86D628A6-F4FD-415F-93C1-09C804F8BE82}" destId="{35CD62E1-1471-429B-B0B7-F6DCB8C8E3BF}" srcOrd="2" destOrd="0" presId="urn:microsoft.com/office/officeart/2005/8/layout/matrix2"/>
-    <dgm:cxn modelId="{07580F47-0C53-4A7E-A48E-94D2DB06A089}" type="presParOf" srcId="{86D628A6-F4FD-415F-93C1-09C804F8BE82}" destId="{44940017-0910-4A0A-8709-659FBF258B09}" srcOrd="3" destOrd="0" presId="urn:microsoft.com/office/officeart/2005/8/layout/matrix2"/>
-    <dgm:cxn modelId="{6E848673-80A6-44E2-8996-522A17DAB25D}" type="presParOf" srcId="{86D628A6-F4FD-415F-93C1-09C804F8BE82}" destId="{8401469A-5520-435C-8B75-422455B4BAFC}" srcOrd="4" destOrd="0" presId="urn:microsoft.com/office/officeart/2005/8/layout/matrix2"/>
-  </dgm:cxnLst>
-  <dgm:bg>
-    <a:effectLst/>
-  </dgm:bg>
-  <dgm:whole>
-    <a:effectLst/>
-  </dgm:whole>
-  <dgm:extLst>
-    <a:ext uri="http://schemas.microsoft.com/office/drawing/2008/diagram">
-      <dsp:dataModelExt xmlns:dsp="http://schemas.microsoft.com/office/drawing/2008/diagram" relId="rId5" minVer="http://schemas.openxmlformats.org/drawingml/2006/diagram"/>
-    </a:ext>
-  </dgm:extLst>
-</dgm:dataModel>
-</file>
-
-<file path=ppt/diagrams/drawing1.xml><?xml version="1.0" encoding="utf-8"?>
-<dsp:drawing xmlns:dgm="http://schemas.openxmlformats.org/drawingml/2006/diagram" xmlns:dsp="http://schemas.microsoft.com/office/drawing/2008/diagram" xmlns:a="http://schemas.openxmlformats.org/drawingml/2006/main">
-  <dsp:spTree>
-    <dsp:nvGrpSpPr>
-      <dsp:cNvPr id="0" name=""/>
-      <dsp:cNvGrpSpPr/>
-    </dsp:nvGrpSpPr>
-    <dsp:grpSpPr/>
-    <dsp:sp modelId="{DF49EB61-8BBF-406F-870E-47E4FD66D67A}">
-      <dsp:nvSpPr>
-        <dsp:cNvPr id="0" name=""/>
-        <dsp:cNvSpPr/>
-      </dsp:nvSpPr>
-      <dsp:spPr>
-        <a:xfrm>
-          <a:off x="9521" y="0"/>
-          <a:ext cx="10839457" cy="5179924"/>
-        </a:xfrm>
-        <a:prstGeom prst="quadArrow">
-          <a:avLst>
-            <a:gd name="adj1" fmla="val 2000"/>
-            <a:gd name="adj2" fmla="val 4000"/>
-            <a:gd name="adj3" fmla="val 5000"/>
-          </a:avLst>
-        </a:prstGeom>
-        <a:solidFill>
-          <a:schemeClr val="accent1">
-            <a:tint val="40000"/>
-            <a:hueOff val="0"/>
-            <a:satOff val="0"/>
-            <a:lumOff val="0"/>
-            <a:alphaOff val="0"/>
-          </a:schemeClr>
-        </a:solidFill>
-        <a:ln>
-          <a:noFill/>
-        </a:ln>
-        <a:effectLst/>
-      </dsp:spPr>
-      <dsp:style>
-        <a:lnRef idx="0">
-          <a:scrgbClr r="0" g="0" b="0"/>
-        </a:lnRef>
-        <a:fillRef idx="1">
-          <a:scrgbClr r="0" g="0" b="0"/>
-        </a:fillRef>
-        <a:effectRef idx="2">
-          <a:scrgbClr r="0" g="0" b="0"/>
-        </a:effectRef>
-        <a:fontRef idx="minor"/>
-      </dsp:style>
-    </dsp:sp>
-    <dsp:sp modelId="{94210475-3A2D-4EB0-8264-6E8854A9D13A}">
-      <dsp:nvSpPr>
-        <dsp:cNvPr id="0" name=""/>
-        <dsp:cNvSpPr/>
-      </dsp:nvSpPr>
-      <dsp:spPr>
-        <a:xfrm>
-          <a:off x="38057" y="26894"/>
-          <a:ext cx="1394497" cy="386505"/>
-        </a:xfrm>
-        <a:prstGeom prst="roundRect">
-          <a:avLst/>
-        </a:prstGeom>
-        <a:gradFill rotWithShape="0">
-          <a:gsLst>
-            <a:gs pos="0">
-              <a:schemeClr val="accent1">
-                <a:hueOff val="0"/>
-                <a:satOff val="0"/>
-                <a:lumOff val="0"/>
-                <a:alphaOff val="0"/>
-                <a:satMod val="103000"/>
-                <a:lumMod val="102000"/>
-                <a:tint val="94000"/>
-              </a:schemeClr>
-            </a:gs>
-            <a:gs pos="50000">
-              <a:schemeClr val="accent1">
-                <a:hueOff val="0"/>
-                <a:satOff val="0"/>
-                <a:lumOff val="0"/>
-                <a:alphaOff val="0"/>
-                <a:satMod val="110000"/>
-                <a:lumMod val="100000"/>
-                <a:shade val="100000"/>
-              </a:schemeClr>
-            </a:gs>
-            <a:gs pos="100000">
-              <a:schemeClr val="accent1">
-                <a:hueOff val="0"/>
-                <a:satOff val="0"/>
-                <a:lumOff val="0"/>
-                <a:alphaOff val="0"/>
-                <a:lumMod val="99000"/>
-                <a:satMod val="120000"/>
-                <a:shade val="78000"/>
-              </a:schemeClr>
-            </a:gs>
-          </a:gsLst>
-          <a:lin ang="5400000" scaled="0"/>
-        </a:gradFill>
-        <a:ln>
-          <a:noFill/>
-        </a:ln>
-        <a:effectLst>
-          <a:outerShdw blurRad="57150" dist="19050" dir="5400000" algn="ctr" rotWithShape="0">
-            <a:srgbClr val="000000">
-              <a:alpha val="63000"/>
-            </a:srgbClr>
-          </a:outerShdw>
-        </a:effectLst>
-      </dsp:spPr>
-      <dsp:style>
-        <a:lnRef idx="0">
-          <a:scrgbClr r="0" g="0" b="0"/>
-        </a:lnRef>
-        <a:fillRef idx="3">
-          <a:scrgbClr r="0" g="0" b="0"/>
-        </a:fillRef>
-        <a:effectRef idx="3">
-          <a:scrgbClr r="0" g="0" b="0"/>
-        </a:effectRef>
-        <a:fontRef idx="minor">
-          <a:schemeClr val="lt1"/>
-        </a:fontRef>
-      </dsp:style>
-      <dsp:txBody>
-        <a:bodyPr spcFirstLastPara="0" vert="horz" wrap="square" lIns="57150" tIns="57150" rIns="57150" bIns="57150" numCol="1" spcCol="1270" anchor="ctr" anchorCtr="0">
-          <a:noAutofit/>
-        </a:bodyPr>
-        <a:lstStyle/>
-        <a:p>
-          <a:pPr lvl="0" algn="ctr" defTabSz="666750">
-            <a:lnSpc>
-              <a:spcPct val="90000"/>
-            </a:lnSpc>
-            <a:spcBef>
-              <a:spcPct val="0"/>
-            </a:spcBef>
-            <a:spcAft>
-              <a:spcPct val="35000"/>
-            </a:spcAft>
-          </a:pPr>
-          <a:r>
-            <a:rPr lang="zh-CN" altLang="en-US" sz="1500" kern="1200" dirty="0" smtClean="0"/>
-            <a:t>第一季度</a:t>
-          </a:r>
-          <a:endParaRPr lang="zh-CN" altLang="en-US" sz="1500" kern="1200" dirty="0"/>
-        </a:p>
-      </dsp:txBody>
-      <dsp:txXfrm>
-        <a:off x="56925" y="45762"/>
-        <a:ext cx="1356761" cy="348769"/>
-      </dsp:txXfrm>
-    </dsp:sp>
-    <dsp:sp modelId="{35CD62E1-1471-429B-B0B7-F6DCB8C8E3BF}">
-      <dsp:nvSpPr>
-        <dsp:cNvPr id="0" name=""/>
-        <dsp:cNvSpPr/>
-      </dsp:nvSpPr>
-      <dsp:spPr>
-        <a:xfrm>
-          <a:off x="9435434" y="26894"/>
-          <a:ext cx="1394497" cy="386505"/>
-        </a:xfrm>
-        <a:prstGeom prst="roundRect">
-          <a:avLst/>
-        </a:prstGeom>
-        <a:gradFill rotWithShape="0">
-          <a:gsLst>
-            <a:gs pos="0">
-              <a:schemeClr val="accent1">
-                <a:hueOff val="0"/>
-                <a:satOff val="0"/>
-                <a:lumOff val="0"/>
-                <a:alphaOff val="0"/>
-                <a:satMod val="103000"/>
-                <a:lumMod val="102000"/>
-                <a:tint val="94000"/>
-              </a:schemeClr>
-            </a:gs>
-            <a:gs pos="50000">
-              <a:schemeClr val="accent1">
-                <a:hueOff val="0"/>
-                <a:satOff val="0"/>
-                <a:lumOff val="0"/>
-                <a:alphaOff val="0"/>
-                <a:satMod val="110000"/>
-                <a:lumMod val="100000"/>
-                <a:shade val="100000"/>
-              </a:schemeClr>
-            </a:gs>
-            <a:gs pos="100000">
-              <a:schemeClr val="accent1">
-                <a:hueOff val="0"/>
-                <a:satOff val="0"/>
-                <a:lumOff val="0"/>
-                <a:alphaOff val="0"/>
-                <a:lumMod val="99000"/>
-                <a:satMod val="120000"/>
-                <a:shade val="78000"/>
-              </a:schemeClr>
-            </a:gs>
-          </a:gsLst>
-          <a:lin ang="5400000" scaled="0"/>
-        </a:gradFill>
-        <a:ln>
-          <a:noFill/>
-        </a:ln>
-        <a:effectLst>
-          <a:outerShdw blurRad="57150" dist="19050" dir="5400000" algn="ctr" rotWithShape="0">
-            <a:srgbClr val="000000">
-              <a:alpha val="63000"/>
-            </a:srgbClr>
-          </a:outerShdw>
-        </a:effectLst>
-      </dsp:spPr>
-      <dsp:style>
-        <a:lnRef idx="0">
-          <a:scrgbClr r="0" g="0" b="0"/>
-        </a:lnRef>
-        <a:fillRef idx="3">
-          <a:scrgbClr r="0" g="0" b="0"/>
-        </a:fillRef>
-        <a:effectRef idx="3">
-          <a:scrgbClr r="0" g="0" b="0"/>
-        </a:effectRef>
-        <a:fontRef idx="minor">
-          <a:schemeClr val="lt1"/>
-        </a:fontRef>
-      </dsp:style>
-      <dsp:txBody>
-        <a:bodyPr spcFirstLastPara="0" vert="horz" wrap="square" lIns="57150" tIns="57150" rIns="57150" bIns="57150" numCol="1" spcCol="1270" anchor="ctr" anchorCtr="0">
-          <a:noAutofit/>
-        </a:bodyPr>
-        <a:lstStyle/>
-        <a:p>
-          <a:pPr lvl="0" algn="ctr" defTabSz="666750">
-            <a:lnSpc>
-              <a:spcPct val="90000"/>
-            </a:lnSpc>
-            <a:spcBef>
-              <a:spcPct val="0"/>
-            </a:spcBef>
-            <a:spcAft>
-              <a:spcPct val="35000"/>
-            </a:spcAft>
-          </a:pPr>
-          <a:r>
-            <a:rPr lang="zh-CN" altLang="en-US" sz="1500" kern="1200" dirty="0" smtClean="0"/>
-            <a:t>第二季度</a:t>
-          </a:r>
-          <a:endParaRPr lang="zh-CN" altLang="en-US" sz="1500" kern="1200" dirty="0"/>
-        </a:p>
-      </dsp:txBody>
-      <dsp:txXfrm>
-        <a:off x="9454302" y="45762"/>
-        <a:ext cx="1356761" cy="348769"/>
-      </dsp:txXfrm>
-    </dsp:sp>
-    <dsp:sp modelId="{44940017-0910-4A0A-8709-659FBF258B09}">
-      <dsp:nvSpPr>
-        <dsp:cNvPr id="0" name=""/>
-        <dsp:cNvSpPr/>
-      </dsp:nvSpPr>
-      <dsp:spPr>
-        <a:xfrm>
-          <a:off x="38078" y="4747483"/>
-          <a:ext cx="1394497" cy="386505"/>
-        </a:xfrm>
-        <a:prstGeom prst="roundRect">
-          <a:avLst/>
-        </a:prstGeom>
-        <a:gradFill rotWithShape="0">
-          <a:gsLst>
-            <a:gs pos="0">
-              <a:schemeClr val="accent1">
-                <a:hueOff val="0"/>
-                <a:satOff val="0"/>
-                <a:lumOff val="0"/>
-                <a:alphaOff val="0"/>
-                <a:satMod val="103000"/>
-                <a:lumMod val="102000"/>
-                <a:tint val="94000"/>
-              </a:schemeClr>
-            </a:gs>
-            <a:gs pos="50000">
-              <a:schemeClr val="accent1">
-                <a:hueOff val="0"/>
-                <a:satOff val="0"/>
-                <a:lumOff val="0"/>
-                <a:alphaOff val="0"/>
-                <a:satMod val="110000"/>
-                <a:lumMod val="100000"/>
-                <a:shade val="100000"/>
-              </a:schemeClr>
-            </a:gs>
-            <a:gs pos="100000">
-              <a:schemeClr val="accent1">
-                <a:hueOff val="0"/>
-                <a:satOff val="0"/>
-                <a:lumOff val="0"/>
-                <a:alphaOff val="0"/>
-                <a:lumMod val="99000"/>
-                <a:satMod val="120000"/>
-                <a:shade val="78000"/>
-              </a:schemeClr>
-            </a:gs>
-          </a:gsLst>
-          <a:lin ang="5400000" scaled="0"/>
-        </a:gradFill>
-        <a:ln>
-          <a:noFill/>
-        </a:ln>
-        <a:effectLst>
-          <a:outerShdw blurRad="57150" dist="19050" dir="5400000" algn="ctr" rotWithShape="0">
-            <a:srgbClr val="000000">
-              <a:alpha val="63000"/>
-            </a:srgbClr>
-          </a:outerShdw>
-        </a:effectLst>
-      </dsp:spPr>
-      <dsp:style>
-        <a:lnRef idx="0">
-          <a:scrgbClr r="0" g="0" b="0"/>
-        </a:lnRef>
-        <a:fillRef idx="3">
-          <a:scrgbClr r="0" g="0" b="0"/>
-        </a:fillRef>
-        <a:effectRef idx="3">
-          <a:scrgbClr r="0" g="0" b="0"/>
-        </a:effectRef>
-        <a:fontRef idx="minor">
-          <a:schemeClr val="lt1"/>
-        </a:fontRef>
-      </dsp:style>
-      <dsp:txBody>
-        <a:bodyPr spcFirstLastPara="0" vert="horz" wrap="square" lIns="57150" tIns="57150" rIns="57150" bIns="57150" numCol="1" spcCol="1270" anchor="ctr" anchorCtr="0">
-          <a:noAutofit/>
-        </a:bodyPr>
-        <a:lstStyle/>
-        <a:p>
-          <a:pPr lvl="0" algn="ctr" defTabSz="666750">
-            <a:lnSpc>
-              <a:spcPct val="90000"/>
-            </a:lnSpc>
-            <a:spcBef>
-              <a:spcPct val="0"/>
-            </a:spcBef>
-            <a:spcAft>
-              <a:spcPct val="35000"/>
-            </a:spcAft>
-          </a:pPr>
-          <a:r>
-            <a:rPr lang="zh-CN" altLang="en-US" sz="1500" kern="1200" dirty="0" smtClean="0"/>
-            <a:t>第三季度</a:t>
-          </a:r>
-          <a:endParaRPr lang="zh-CN" altLang="en-US" sz="1500" kern="1200" dirty="0"/>
-        </a:p>
-      </dsp:txBody>
-      <dsp:txXfrm>
-        <a:off x="56946" y="4766351"/>
-        <a:ext cx="1356761" cy="348769"/>
-      </dsp:txXfrm>
-    </dsp:sp>
-    <dsp:sp modelId="{8401469A-5520-435C-8B75-422455B4BAFC}">
-      <dsp:nvSpPr>
-        <dsp:cNvPr id="0" name=""/>
-        <dsp:cNvSpPr/>
-      </dsp:nvSpPr>
-      <dsp:spPr>
-        <a:xfrm>
-          <a:off x="9435455" y="4747462"/>
-          <a:ext cx="1394497" cy="386505"/>
-        </a:xfrm>
-        <a:prstGeom prst="roundRect">
-          <a:avLst/>
-        </a:prstGeom>
-        <a:gradFill rotWithShape="0">
-          <a:gsLst>
-            <a:gs pos="0">
-              <a:schemeClr val="accent1">
-                <a:hueOff val="0"/>
-                <a:satOff val="0"/>
-                <a:lumOff val="0"/>
-                <a:alphaOff val="0"/>
-                <a:satMod val="103000"/>
-                <a:lumMod val="102000"/>
-                <a:tint val="94000"/>
-              </a:schemeClr>
-            </a:gs>
-            <a:gs pos="50000">
-              <a:schemeClr val="accent1">
-                <a:hueOff val="0"/>
-                <a:satOff val="0"/>
-                <a:lumOff val="0"/>
-                <a:alphaOff val="0"/>
-                <a:satMod val="110000"/>
-                <a:lumMod val="100000"/>
-                <a:shade val="100000"/>
-              </a:schemeClr>
-            </a:gs>
-            <a:gs pos="100000">
-              <a:schemeClr val="accent1">
-                <a:hueOff val="0"/>
-                <a:satOff val="0"/>
-                <a:lumOff val="0"/>
-                <a:alphaOff val="0"/>
-                <a:lumMod val="99000"/>
-                <a:satMod val="120000"/>
-                <a:shade val="78000"/>
-              </a:schemeClr>
-            </a:gs>
-          </a:gsLst>
-          <a:lin ang="5400000" scaled="0"/>
-        </a:gradFill>
-        <a:ln>
-          <a:noFill/>
-        </a:ln>
-        <a:effectLst>
-          <a:outerShdw blurRad="57150" dist="19050" dir="5400000" algn="ctr" rotWithShape="0">
-            <a:srgbClr val="000000">
-              <a:alpha val="63000"/>
-            </a:srgbClr>
-          </a:outerShdw>
-        </a:effectLst>
-      </dsp:spPr>
-      <dsp:style>
-        <a:lnRef idx="0">
-          <a:scrgbClr r="0" g="0" b="0"/>
-        </a:lnRef>
-        <a:fillRef idx="3">
-          <a:scrgbClr r="0" g="0" b="0"/>
-        </a:fillRef>
-        <a:effectRef idx="3">
-          <a:scrgbClr r="0" g="0" b="0"/>
-        </a:effectRef>
-        <a:fontRef idx="minor">
-          <a:schemeClr val="lt1"/>
-        </a:fontRef>
-      </dsp:style>
-      <dsp:txBody>
-        <a:bodyPr spcFirstLastPara="0" vert="horz" wrap="square" lIns="57150" tIns="57150" rIns="57150" bIns="57150" numCol="1" spcCol="1270" anchor="ctr" anchorCtr="0">
-          <a:noAutofit/>
-        </a:bodyPr>
-        <a:lstStyle/>
-        <a:p>
-          <a:pPr lvl="0" algn="ctr" defTabSz="666750">
-            <a:lnSpc>
-              <a:spcPct val="90000"/>
-            </a:lnSpc>
-            <a:spcBef>
-              <a:spcPct val="0"/>
-            </a:spcBef>
-            <a:spcAft>
-              <a:spcPct val="35000"/>
-            </a:spcAft>
-          </a:pPr>
-          <a:r>
-            <a:rPr lang="zh-CN" altLang="en-US" sz="1500" kern="1200" dirty="0" smtClean="0"/>
-            <a:t>第四季度</a:t>
-          </a:r>
-          <a:endParaRPr lang="zh-CN" altLang="en-US" sz="1500" kern="1200" dirty="0"/>
-        </a:p>
-      </dsp:txBody>
-      <dsp:txXfrm>
-        <a:off x="9454323" y="4766330"/>
-        <a:ext cx="1356761" cy="348769"/>
-      </dsp:txXfrm>
-    </dsp:sp>
-  </dsp:spTree>
-</dsp:drawing>
-</file>
-
-<file path=ppt/diagrams/layout1.xml><?xml version="1.0" encoding="utf-8"?>
-<dgm:layoutDef xmlns:dgm="http://schemas.openxmlformats.org/drawingml/2006/diagram" xmlns:a="http://schemas.openxmlformats.org/drawingml/2006/main" uniqueId="urn:microsoft.com/office/officeart/2005/8/layout/matrix2">
-  <dgm:title val=""/>
-  <dgm:desc val=""/>
-  <dgm:catLst>
-    <dgm:cat type="matrix" pri="3000"/>
-  </dgm:catLst>
-  <dgm:sampData>
-    <dgm:dataModel>
-      <dgm:ptLst>
-        <dgm:pt modelId="0" type="doc"/>
-        <dgm:pt modelId="1">
-          <dgm:prSet phldr="1"/>
-        </dgm:pt>
-        <dgm:pt modelId="2">
-          <dgm:prSet phldr="1"/>
-        </dgm:pt>
-        <dgm:pt modelId="3">
-          <dgm:prSet phldr="1"/>
-        </dgm:pt>
-        <dgm:pt modelId="4">
-          <dgm:prSet phldr="1"/>
-        </dgm:pt>
-      </dgm:ptLst>
-      <dgm:cxnLst>
-        <dgm:cxn modelId="5" srcId="0" destId="1" srcOrd="0" destOrd="0"/>
-        <dgm:cxn modelId="6" srcId="0" destId="2" srcOrd="1" destOrd="0"/>
-        <dgm:cxn modelId="7" srcId="0" destId="3" srcOrd="0" destOrd="0"/>
-        <dgm:cxn modelId="8" srcId="0" destId="4" srcOrd="1" destOrd="0"/>
-      </dgm:cxnLst>
-      <dgm:bg/>
-      <dgm:whole/>
-    </dgm:dataModel>
-  </dgm:sampData>
-  <dgm:styleData useDef="1">
-    <dgm:dataModel>
-      <dgm:ptLst/>
-      <dgm:bg/>
-      <dgm:whole/>
-    </dgm:dataModel>
-  </dgm:styleData>
-  <dgm:clrData useDef="1">
-    <dgm:dataModel>
-      <dgm:ptLst/>
-      <dgm:bg/>
-      <dgm:whole/>
-    </dgm:dataModel>
-  </dgm:clrData>
-  <dgm:layoutNode name="matrix">
-    <dgm:varLst>
-      <dgm:chMax val="1"/>
-      <dgm:dir/>
-      <dgm:resizeHandles val="exact"/>
-    </dgm:varLst>
-    <dgm:alg type="composite">
-      <dgm:param type="ar" val="1"/>
-    </dgm:alg>
-    <dgm:shape xmlns:r="http://schemas.openxmlformats.org/officeDocument/2006/relationships" r:blip="">
-      <dgm:adjLst/>
-    </dgm:shape>
-    <dgm:presOf/>
-    <dgm:choose name="Name0">
-      <dgm:if name="Name1" func="var" arg="dir" op="equ" val="norm">
-        <dgm:constrLst>
-          <dgm:constr type="primFontSz" for="ch" ptType="node" op="equ" val="65"/>
-          <dgm:constr type="w" for="ch" forName="axisShape" refType="w"/>
-          <dgm:constr type="h" for="ch" forName="axisShape" refType="h"/>
-          <dgm:constr type="w" for="ch" forName="rect1" refType="w" fact="0.4"/>
-          <dgm:constr type="h" for="ch" forName="rect1" refType="w" fact="0.4"/>
-          <dgm:constr type="l" for="ch" forName="rect1" refType="w" fact="0.065"/>
-          <dgm:constr type="t" for="ch" forName="rect1" refType="h" fact="0.065"/>
-          <dgm:constr type="w" for="ch" forName="rect2" refType="w" fact="0.4"/>
-          <dgm:constr type="h" for="ch" forName="rect2" refType="h" fact="0.4"/>
-          <dgm:constr type="r" for="ch" forName="rect2" refType="w" fact="0.935"/>
-          <dgm:constr type="t" for="ch" forName="rect2" refType="h" fact="0.065"/>
-          <dgm:constr type="w" for="ch" forName="rect3" refType="w" fact="0.4"/>
-          <dgm:constr type="h" for="ch" forName="rect3" refType="w" fact="0.4"/>
-          <dgm:constr type="l" for="ch" forName="rect3" refType="w" fact="0.065"/>
-          <dgm:constr type="b" for="ch" forName="rect3" refType="h" fact="0.935"/>
-          <dgm:constr type="w" for="ch" forName="rect4" refType="w" fact="0.4"/>
-          <dgm:constr type="h" for="ch" forName="rect4" refType="h" fact="0.4"/>
-          <dgm:constr type="r" for="ch" forName="rect4" refType="w" fact="0.935"/>
-          <dgm:constr type="b" for="ch" forName="rect4" refType="h" fact="0.935"/>
-        </dgm:constrLst>
-      </dgm:if>
-      <dgm:else name="Name2">
-        <dgm:constrLst>
-          <dgm:constr type="primFontSz" for="ch" ptType="node" op="equ" val="65"/>
-          <dgm:constr type="w" for="ch" forName="axisShape" refType="w"/>
-          <dgm:constr type="h" for="ch" forName="axisShape" refType="h"/>
-          <dgm:constr type="w" for="ch" forName="rect1" refType="w" fact="0.4"/>
-          <dgm:constr type="h" for="ch" forName="rect1" refType="w" fact="0.4"/>
-          <dgm:constr type="r" for="ch" forName="rect1" refType="w" fact="0.935"/>
-          <dgm:constr type="t" for="ch" forName="rect1" refType="h" fact="0.065"/>
-          <dgm:constr type="w" for="ch" forName="rect2" refType="w" fact="0.4"/>
-          <dgm:constr type="h" for="ch" forName="rect2" refType="h" fact="0.4"/>
-          <dgm:constr type="l" for="ch" forName="rect2" refType="w" fact="0.065"/>
-          <dgm:constr type="t" for="ch" forName="rect2" refType="h" fact="0.065"/>
-          <dgm:constr type="w" for="ch" forName="rect3" refType="w" fact="0.4"/>
-          <dgm:constr type="h" for="ch" forName="rect3" refType="w" fact="0.4"/>
-          <dgm:constr type="r" for="ch" forName="rect3" refType="w" fact="0.935"/>
-          <dgm:constr type="b" for="ch" forName="rect3" refType="h" fact="0.935"/>
-          <dgm:constr type="w" for="ch" forName="rect4" refType="w" fact="0.4"/>
-          <dgm:constr type="h" for="ch" forName="rect4" refType="h" fact="0.4"/>
-          <dgm:constr type="l" for="ch" forName="rect4" refType="w" fact="0.065"/>
-          <dgm:constr type="b" for="ch" forName="rect4" refType="h" fact="0.935"/>
-        </dgm:constrLst>
-      </dgm:else>
-    </dgm:choose>
-    <dgm:ruleLst/>
-    <dgm:choose name="Name3">
-      <dgm:if name="Name4" axis="ch" ptType="node" func="cnt" op="gte" val="1">
-        <dgm:layoutNode name="axisShape" styleLbl="bgShp">
-          <dgm:alg type="sp"/>
-          <dgm:shape xmlns:r="http://schemas.openxmlformats.org/officeDocument/2006/relationships" type="quadArrow" r:blip="">
-            <dgm:adjLst>
-              <dgm:adj idx="1" val="0.02"/>
-              <dgm:adj idx="2" val="0.04"/>
-              <dgm:adj idx="3" val="0.05"/>
-            </dgm:adjLst>
-          </dgm:shape>
-          <dgm:presOf/>
-          <dgm:constrLst/>
-          <dgm:ruleLst/>
-        </dgm:layoutNode>
-        <dgm:layoutNode name="rect1">
-          <dgm:varLst>
-            <dgm:chMax val="0"/>
-            <dgm:chPref val="0"/>
-            <dgm:bulletEnabled val="1"/>
-          </dgm:varLst>
-          <dgm:alg type="tx"/>
-          <dgm:shape xmlns:r="http://schemas.openxmlformats.org/officeDocument/2006/relationships" type="roundRect" r:blip="">
-            <dgm:adjLst/>
-          </dgm:shape>
-          <dgm:presOf axis="ch desOrSelf" ptType="node node" st="1 1" cnt="1 0"/>
-          <dgm:constrLst>
-            <dgm:constr type="tMarg" refType="primFontSz" fact="0.3"/>
-            <dgm:constr type="bMarg" refType="primFontSz" fact="0.3"/>
-            <dgm:constr type="lMarg" refType="primFontSz" fact="0.3"/>
-            <dgm:constr type="rMarg" refType="primFontSz" fact="0.3"/>
-          </dgm:constrLst>
-          <dgm:ruleLst>
-            <dgm:rule type="primFontSz" val="5" fact="NaN" max="NaN"/>
-          </dgm:ruleLst>
-        </dgm:layoutNode>
-        <dgm:layoutNode name="rect2">
-          <dgm:varLst>
-            <dgm:chMax val="0"/>
-            <dgm:chPref val="0"/>
-            <dgm:bulletEnabled val="1"/>
-          </dgm:varLst>
-          <dgm:alg type="tx"/>
-          <dgm:shape xmlns:r="http://schemas.openxmlformats.org/officeDocument/2006/relationships" type="roundRect" r:blip="">
-            <dgm:adjLst/>
-          </dgm:shape>
-          <dgm:presOf axis="ch desOrSelf" ptType="node node" st="2 1" cnt="1 0"/>
-          <dgm:constrLst>
-            <dgm:constr type="tMarg" refType="primFontSz" fact="0.3"/>
-            <dgm:constr type="bMarg" refType="primFontSz" fact="0.3"/>
-            <dgm:constr type="lMarg" refType="primFontSz" fact="0.3"/>
-            <dgm:constr type="rMarg" refType="primFontSz" fact="0.3"/>
-          </dgm:constrLst>
-          <dgm:ruleLst>
-            <dgm:rule type="primFontSz" val="5" fact="NaN" max="NaN"/>
-          </dgm:ruleLst>
-        </dgm:layoutNode>
-        <dgm:layoutNode name="rect3">
-          <dgm:varLst>
-            <dgm:chMax val="0"/>
-            <dgm:chPref val="0"/>
-            <dgm:bulletEnabled val="1"/>
-          </dgm:varLst>
-          <dgm:alg type="tx"/>
-          <dgm:shape xmlns:r="http://schemas.openxmlformats.org/officeDocument/2006/relationships" type="roundRect" r:blip="">
-            <dgm:adjLst/>
-          </dgm:shape>
-          <dgm:presOf axis="ch desOrSelf" ptType="node node" st="3 1" cnt="1 0"/>
-          <dgm:constrLst>
-            <dgm:constr type="tMarg" refType="primFontSz" fact="0.3"/>
-            <dgm:constr type="bMarg" refType="primFontSz" fact="0.3"/>
-            <dgm:constr type="lMarg" refType="primFontSz" fact="0.3"/>
-            <dgm:constr type="rMarg" refType="primFontSz" fact="0.3"/>
-          </dgm:constrLst>
-          <dgm:ruleLst>
-            <dgm:rule type="primFontSz" val="5" fact="NaN" max="NaN"/>
-          </dgm:ruleLst>
-        </dgm:layoutNode>
-        <dgm:layoutNode name="rect4">
-          <dgm:varLst>
-            <dgm:chMax val="0"/>
-            <dgm:chPref val="0"/>
-            <dgm:bulletEnabled val="1"/>
-          </dgm:varLst>
-          <dgm:alg type="tx"/>
-          <dgm:shape xmlns:r="http://schemas.openxmlformats.org/officeDocument/2006/relationships" type="roundRect" r:blip="">
-            <dgm:adjLst/>
-          </dgm:shape>
-          <dgm:presOf axis="ch desOrSelf" ptType="node node" st="4 1" cnt="1 0"/>
-          <dgm:constrLst>
-            <dgm:constr type="tMarg" refType="primFontSz" fact="0.3"/>
-            <dgm:constr type="bMarg" refType="primFontSz" fact="0.3"/>
-            <dgm:constr type="lMarg" refType="primFontSz" fact="0.3"/>
-            <dgm:constr type="rMarg" refType="primFontSz" fact="0.3"/>
-          </dgm:constrLst>
-          <dgm:ruleLst>
-            <dgm:rule type="primFontSz" val="5" fact="NaN" max="NaN"/>
-          </dgm:ruleLst>
-        </dgm:layoutNode>
-      </dgm:if>
-      <dgm:else name="Name5"/>
-    </dgm:choose>
-  </dgm:layoutNode>
-</dgm:layoutDef>
-</file>
-
-<file path=ppt/diagrams/quickStyle1.xml><?xml version="1.0" encoding="utf-8"?>
-<dgm:styleDef xmlns:dgm="http://schemas.openxmlformats.org/drawingml/2006/diagram" xmlns:a="http://schemas.openxmlformats.org/drawingml/2006/main" uniqueId="urn:microsoft.com/office/officeart/2005/8/quickstyle/simple5">
-  <dgm:title val=""/>
-  <dgm:desc val=""/>
-  <dgm:catLst>
-    <dgm:cat type="simple" pri="10500"/>
-  </dgm:catLst>
-  <dgm:scene3d>
-    <a:camera prst="orthographicFront"/>
-    <a:lightRig rig="threePt" dir="t"/>
-  </dgm:scene3d>
-  <dgm:styleLbl name="alignAcc1">
-    <dgm:scene3d>
-      <a:camera prst="orthographicFront"/>
-      <a:lightRig rig="threePt" dir="t"/>
-    </dgm:scene3d>
-    <dgm:txPr/>
-    <dgm:style>
-      <a:lnRef idx="1">
-        <a:scrgbClr r="0" g="0" b="0"/>
-      </a:lnRef>
-      <a:fillRef idx="1">
-        <a:scrgbClr r="0" g="0" b="0"/>
-      </a:fillRef>
-      <a:effectRef idx="2">
-        <a:scrgbClr r="0" g="0" b="0"/>
-      </a:effectRef>
-      <a:fontRef idx="minor"/>
-    </dgm:style>
-  </dgm:styleLbl>
-  <dgm:styleLbl name="alignAccFollowNode1">
-    <dgm:scene3d>
-      <a:camera prst="orthographicFront"/>
-      <a:lightRig rig="threePt" dir="t"/>
-    </dgm:scene3d>
-    <dgm:txPr/>
-    <dgm:style>
-      <a:lnRef idx="1">
-        <a:scrgbClr r="0" g="0" b="0"/>
-      </a:lnRef>
-      <a:fillRef idx="1">
-        <a:scrgbClr r="0" g="0" b="0"/>
-      </a:fillRef>
-      <a:effectRef idx="2">
-        <a:scrgbClr r="0" g="0" b="0"/>
-      </a:effectRef>
-      <a:fontRef idx="minor"/>
-    </dgm:style>
-  </dgm:styleLbl>
-  <dgm:styleLbl name="alignImgPlace1">
-    <dgm:scene3d>
-      <a:camera prst="orthographicFront"/>
-      <a:lightRig rig="threePt" dir="t"/>
-    </dgm:scene3d>
-    <dgm:txPr/>
-    <dgm:style>
-      <a:lnRef idx="0">
-        <a:scrgbClr r="0" g="0" b="0"/>
-      </a:lnRef>
-      <a:fillRef idx="1">
-        <a:scrgbClr r="0" g="0" b="0"/>
-      </a:fillRef>
-      <a:effectRef idx="3">
-        <a:scrgbClr r="0" g="0" b="0"/>
-      </a:effectRef>
-      <a:fontRef idx="minor"/>
-    </dgm:style>
-  </dgm:styleLbl>
-  <dgm:styleLbl name="alignNode1">
-    <dgm:scene3d>
-      <a:camera prst="orthographicFront"/>
-      <a:lightRig rig="threePt" dir="t"/>
-    </dgm:scene3d>
-    <dgm:txPr/>
-    <dgm:style>
-      <a:lnRef idx="1">
-        <a:scrgbClr r="0" g="0" b="0"/>
-      </a:lnRef>
-      <a:fillRef idx="3">
-        <a:scrgbClr r="0" g="0" b="0"/>
-      </a:fillRef>
-      <a:effectRef idx="3">
-        <a:scrgbClr r="0" g="0" b="0"/>
-      </a:effectRef>
-      <a:fontRef idx="minor">
-        <a:schemeClr val="lt1"/>
-      </a:fontRef>
-    </dgm:style>
-  </dgm:styleLbl>
-  <dgm:styleLbl name="asst0">
-    <dgm:scene3d>
-      <a:camera prst="orthographicFront"/>
-      <a:lightRig rig="threePt" dir="t"/>
-    </dgm:scene3d>
-    <dgm:txPr/>
-    <dgm:style>
-      <a:lnRef idx="0">
-        <a:scrgbClr r="0" g="0" b="0"/>
-      </a:lnRef>
-      <a:fillRef idx="3">
-        <a:scrgbClr r="0" g="0" b="0"/>
-      </a:fillRef>
-      <a:effectRef idx="3">
-        <a:scrgbClr r="0" g="0" b="0"/>
-      </a:effectRef>
-      <a:fontRef idx="minor">
-        <a:schemeClr val="lt1"/>
-      </a:fontRef>
-    </dgm:style>
-  </dgm:styleLbl>
-  <dgm:styleLbl name="asst1">
-    <dgm:scene3d>
-      <a:camera prst="orthographicFront"/>
-      <a:lightRig rig="threePt" dir="t"/>
-    </dgm:scene3d>
-    <dgm:txPr/>
-    <dgm:style>
-      <a:lnRef idx="0">
-        <a:scrgbClr r="0" g="0" b="0"/>
-      </a:lnRef>
-      <a:fillRef idx="3">
-        <a:scrgbClr r="0" g="0" b="0"/>
-      </a:fillRef>
-      <a:effectRef idx="3">
-        <a:scrgbClr r="0" g="0" b="0"/>
-      </a:effectRef>
-      <a:fontRef idx="minor">
-        <a:schemeClr val="lt1"/>
-      </a:fontRef>
-    </dgm:style>
-  </dgm:styleLbl>
-  <dgm:styleLbl name="asst2">
-    <dgm:scene3d>
-      <a:camera prst="orthographicFront"/>
-      <a:lightRig rig="threePt" dir="t"/>
-    </dgm:scene3d>
-    <dgm:txPr/>
-    <dgm:style>
-      <a:lnRef idx="0">
-        <a:scrgbClr r="0" g="0" b="0"/>
-      </a:lnRef>
-      <a:fillRef idx="3">
-        <a:scrgbClr r="0" g="0" b="0"/>
-      </a:fillRef>
-      <a:effectRef idx="3">
-        <a:scrgbClr r="0" g="0" b="0"/>
-      </a:effectRef>
-      <a:fontRef idx="minor">
-        <a:schemeClr val="lt1"/>
-      </a:fontRef>
-    </dgm:style>
-  </dgm:styleLbl>
-  <dgm:styleLbl name="asst3">
-    <dgm:scene3d>
-      <a:camera prst="orthographicFront"/>
-      <a:lightRig rig="threePt" dir="t"/>
-    </dgm:scene3d>
-    <dgm:txPr/>
-    <dgm:style>
-      <a:lnRef idx="0">
-        <a:scrgbClr r="0" g="0" b="0"/>
-      </a:lnRef>
-      <a:fillRef idx="3">
-        <a:scrgbClr r="0" g="0" b="0"/>
-      </a:fillRef>
-      <a:effectRef idx="3">
-        <a:scrgbClr r="0" g="0" b="0"/>
-      </a:effectRef>
-      <a:fontRef idx="minor">
-        <a:schemeClr val="lt1"/>
-      </a:fontRef>
-    </dgm:style>
-  </dgm:styleLbl>
-  <dgm:styleLbl name="asst4">
-    <dgm:scene3d>
-      <a:camera prst="orthographicFront"/>
-      <a:lightRig rig="threePt" dir="t"/>
-    </dgm:scene3d>
-    <dgm:txPr/>
-    <dgm:style>
-      <a:lnRef idx="0">
-        <a:scrgbClr r="0" g="0" b="0"/>
-      </a:lnRef>
-      <a:fillRef idx="3">
-        <a:scrgbClr r="0" g="0" b="0"/>
-      </a:fillRef>
-      <a:effectRef idx="3">
-        <a:scrgbClr r="0" g="0" b="0"/>
-      </a:effectRef>
-      <a:fontRef idx="minor">
-        <a:schemeClr val="lt1"/>
-      </a:fontRef>
-    </dgm:style>
-  </dgm:styleLbl>
-  <dgm:styleLbl name="bgAcc1">
-    <dgm:scene3d>
-      <a:camera prst="orthographicFront"/>
-      <a:lightRig rig="threePt" dir="t"/>
-    </dgm:scene3d>
-    <dgm:txPr/>
-    <dgm:style>
-      <a:lnRef idx="1">
-        <a:scrgbClr r="0" g="0" b="0"/>
-      </a:lnRef>
-      <a:fillRef idx="1">
-        <a:scrgbClr r="0" g="0" b="0"/>
-      </a:fillRef>
-      <a:effectRef idx="2">
-        <a:scrgbClr r="0" g="0" b="0"/>
-      </a:effectRef>
-      <a:fontRef idx="minor"/>
-    </dgm:style>
-  </dgm:styleLbl>
-  <dgm:styleLbl name="bgAccFollowNode1">
-    <dgm:scene3d>
-      <a:camera prst="orthographicFront"/>
-      <a:lightRig rig="threePt" dir="t"/>
-    </dgm:scene3d>
-    <dgm:txPr/>
-    <dgm:style>
-      <a:lnRef idx="1">
-        <a:scrgbClr r="0" g="0" b="0"/>
-      </a:lnRef>
-      <a:fillRef idx="1">
-        <a:scrgbClr r="0" g="0" b="0"/>
-      </a:fillRef>
-      <a:effectRef idx="2">
-        <a:scrgbClr r="0" g="0" b="0"/>
-      </a:effectRef>
-      <a:fontRef idx="minor"/>
-    </dgm:style>
-  </dgm:styleLbl>
-  <dgm:styleLbl name="bgImgPlace1">
-    <dgm:scene3d>
-      <a:camera prst="orthographicFront"/>
-      <a:lightRig rig="threePt" dir="t"/>
-    </dgm:scene3d>
-    <dgm:txPr/>
-    <dgm:style>
-      <a:lnRef idx="0">
-        <a:scrgbClr r="0" g="0" b="0"/>
-      </a:lnRef>
-      <a:fillRef idx="1">
-        <a:scrgbClr r="0" g="0" b="0"/>
-      </a:fillRef>
-      <a:effectRef idx="3">
-        <a:scrgbClr r="0" g="0" b="0"/>
-      </a:effectRef>
-      <a:fontRef idx="minor"/>
-    </dgm:style>
-  </dgm:styleLbl>
-  <dgm:styleLbl name="bgShp">
-    <dgm:scene3d>
-      <a:camera prst="orthographicFront"/>
-      <a:lightRig rig="threePt" dir="t"/>
-    </dgm:scene3d>
-    <dgm:txPr/>
-    <dgm:style>
-      <a:lnRef idx="0">
-        <a:scrgbClr r="0" g="0" b="0"/>
-      </a:lnRef>
-      <a:fillRef idx="1">
-        <a:scrgbClr r="0" g="0" b="0"/>
-      </a:fillRef>
-      <a:effectRef idx="2">
-        <a:scrgbClr r="0" g="0" b="0"/>
-      </a:effectRef>
-      <a:fontRef idx="minor"/>
-    </dgm:style>
-  </dgm:styleLbl>
-  <dgm:styleLbl name="bgSibTrans2D1">
-    <dgm:scene3d>
-      <a:camera prst="orthographicFront"/>
-      <a:lightRig rig="threePt" dir="t"/>
-    </dgm:scene3d>
-    <dgm:txPr/>
-    <dgm:style>
-      <a:lnRef idx="0">
-        <a:scrgbClr r="0" g="0" b="0"/>
-      </a:lnRef>
-      <a:fillRef idx="3">
-        <a:scrgbClr r="0" g="0" b="0"/>
-      </a:fillRef>
-      <a:effectRef idx="3">
-        <a:scrgbClr r="0" g="0" b="0"/>
-      </a:effectRef>
-      <a:fontRef idx="minor">
-        <a:schemeClr val="lt1"/>
-      </a:fontRef>
-    </dgm:style>
-  </dgm:styleLbl>
-  <dgm:styleLbl name="callout">
-    <dgm:scene3d>
-      <a:camera prst="orthographicFront"/>
-      <a:lightRig rig="threePt" dir="t"/>
-    </dgm:scene3d>
-    <dgm:txPr/>
-    <dgm:style>
-      <a:lnRef idx="1">
-        <a:scrgbClr r="0" g="0" b="0"/>
-      </a:lnRef>
-      <a:fillRef idx="0">
-        <a:scrgbClr r="0" g="0" b="0"/>
-      </a:fillRef>
-      <a:effectRef idx="1">
-        <a:scrgbClr r="0" g="0" b="0"/>
-      </a:effectRef>
-      <a:fontRef idx="minor"/>
-    </dgm:style>
-  </dgm:styleLbl>
-  <dgm:styleLbl name="conFgAcc1">
-    <dgm:scene3d>
-      <a:camera prst="orthographicFront"/>
-      <a:lightRig rig="threePt" dir="t"/>
-    </dgm:scene3d>
-    <dgm:txPr/>
-    <dgm:style>
-      <a:lnRef idx="1">
-        <a:scrgbClr r="0" g="0" b="0"/>
-      </a:lnRef>
-      <a:fillRef idx="1">
-        <a:scrgbClr r="0" g="0" b="0"/>
-      </a:fillRef>
-      <a:effectRef idx="2">
-        <a:scrgbClr r="0" g="0" b="0"/>
-      </a:effectRef>
-      <a:fontRef idx="minor"/>
-    </dgm:style>
-  </dgm:styleLbl>
-  <dgm:styleLbl name="dkBgShp">
-    <dgm:scene3d>
-      <a:camera prst="orthographicFront"/>
-      <a:lightRig rig="threePt" dir="t"/>
-    </dgm:scene3d>
-    <dgm:txPr/>
-    <dgm:style>
-      <a:lnRef idx="0">
-        <a:scrgbClr r="0" g="0" b="0"/>
-      </a:lnRef>
-      <a:fillRef idx="1">
-        <a:scrgbClr r="0" g="0" b="0"/>
-      </a:fillRef>
-      <a:effectRef idx="3">
-        <a:scrgbClr r="0" g="0" b="0"/>
-      </a:effectRef>
-      <a:fontRef idx="minor"/>
-    </dgm:style>
-  </dgm:styleLbl>
-  <dgm:styleLbl name="fgAcc0">
-    <dgm:scene3d>
-      <a:camera prst="orthographicFront"/>
-      <a:lightRig rig="threePt" dir="t"/>
-    </dgm:scene3d>
-    <dgm:txPr/>
-    <dgm:style>
-      <a:lnRef idx="1">
-        <a:scrgbClr r="0" g="0" b="0"/>
-      </a:lnRef>
-      <a:fillRef idx="1">
-        <a:scrgbClr r="0" g="0" b="0"/>
-      </a:fillRef>
-      <a:effectRef idx="2">
-        <a:scrgbClr r="0" g="0" b="0"/>
-      </a:effectRef>
-      <a:fontRef idx="minor"/>
-    </dgm:style>
-  </dgm:styleLbl>
-  <dgm:styleLbl name="fgAcc1">
-    <dgm:scene3d>
-      <a:camera prst="orthographicFront"/>
-      <a:lightRig rig="threePt" dir="t"/>
-    </dgm:scene3d>
-    <dgm:txPr/>
-    <dgm:style>
-      <a:lnRef idx="1">
-        <a:scrgbClr r="0" g="0" b="0"/>
-      </a:lnRef>
-      <a:fillRef idx="1">
-        <a:scrgbClr r="0" g="0" b="0"/>
-      </a:fillRef>
-      <a:effectRef idx="2">
-        <a:scrgbClr r="0" g="0" b="0"/>
-      </a:effectRef>
-      <a:fontRef idx="minor"/>
-    </dgm:style>
-  </dgm:styleLbl>
-  <dgm:styleLbl name="fgAcc2">
-    <dgm:scene3d>
-      <a:camera prst="orthographicFront"/>
-      <a:lightRig rig="threePt" dir="t"/>
-    </dgm:scene3d>
-    <dgm:txPr/>
-    <dgm:style>
-      <a:lnRef idx="1">
-        <a:scrgbClr r="0" g="0" b="0"/>
-      </a:lnRef>
-      <a:fillRef idx="1">
-        <a:scrgbClr r="0" g="0" b="0"/>
-      </a:fillRef>
-      <a:effectRef idx="2">
-        <a:scrgbClr r="0" g="0" b="0"/>
-      </a:effectRef>
-      <a:fontRef idx="minor"/>
-    </dgm:style>
-  </dgm:styleLbl>
-  <dgm:styleLbl name="fgAcc3">
-    <dgm:scene3d>
-      <a:camera prst="orthographicFront"/>
-      <a:lightRig rig="threePt" dir="t"/>
-    </dgm:scene3d>
-    <dgm:txPr/>
-    <dgm:style>
-      <a:lnRef idx="1">
-        <a:scrgbClr r="0" g="0" b="0"/>
-      </a:lnRef>
-      <a:fillRef idx="1">
-        <a:scrgbClr r="0" g="0" b="0"/>
-      </a:fillRef>
-      <a:effectRef idx="2">
-        <a:scrgbClr r="0" g="0" b="0"/>
-      </a:effectRef>
-      <a:fontRef idx="minor"/>
-    </dgm:style>
-  </dgm:styleLbl>
-  <dgm:styleLbl name="fgAcc4">
-    <dgm:scene3d>
-      <a:camera prst="orthographicFront"/>
-      <a:lightRig rig="threePt" dir="t"/>
-    </dgm:scene3d>
-    <dgm:txPr/>
-    <dgm:style>
-      <a:lnRef idx="1">
-        <a:scrgbClr r="0" g="0" b="0"/>
-      </a:lnRef>
-      <a:fillRef idx="1">
-        <a:scrgbClr r="0" g="0" b="0"/>
-      </a:fillRef>
-      <a:effectRef idx="2">
-        <a:scrgbClr r="0" g="0" b="0"/>
-      </a:effectRef>
-      <a:fontRef idx="minor"/>
-    </dgm:style>
-  </dgm:styleLbl>
-  <dgm:styleLbl name="fgAccFollowNode1">
-    <dgm:scene3d>
-      <a:camera prst="orthographicFront"/>
-      <a:lightRig rig="threePt" dir="t"/>
-    </dgm:scene3d>
-    <dgm:txPr/>
-    <dgm:style>
-      <a:lnRef idx="1">
-        <a:scrgbClr r="0" g="0" b="0"/>
-      </a:lnRef>
-      <a:fillRef idx="1">
-        <a:scrgbClr r="0" g="0" b="0"/>
-      </a:fillRef>
-      <a:effectRef idx="2">
-        <a:scrgbClr r="0" g="0" b="0"/>
-      </a:effectRef>
-      <a:fontRef idx="minor"/>
-    </dgm:style>
-  </dgm:styleLbl>
-  <dgm:styleLbl name="fgImgPlace1">
-    <dgm:scene3d>
-      <a:camera prst="orthographicFront"/>
-      <a:lightRig rig="threePt" dir="t"/>
-    </dgm:scene3d>
-    <dgm:txPr/>
-    <dgm:style>
-      <a:lnRef idx="0">
-        <a:scrgbClr r="0" g="0" b="0"/>
-      </a:lnRef>
-      <a:fillRef idx="1">
-        <a:scrgbClr r="0" g="0" b="0"/>
-      </a:fillRef>
-      <a:effectRef idx="3">
-        <a:scrgbClr r="0" g="0" b="0"/>
-      </a:effectRef>
-      <a:fontRef idx="minor"/>
-    </dgm:style>
-  </dgm:styleLbl>
-  <dgm:styleLbl name="fgShp">
-    <dgm:scene3d>
-      <a:camera prst="orthographicFront"/>
-      <a:lightRig rig="threePt" dir="t"/>
-    </dgm:scene3d>
-    <dgm:txPr/>
-    <dgm:style>
-      <a:lnRef idx="0">
-        <a:scrgbClr r="0" g="0" b="0"/>
-      </a:lnRef>
-      <a:fillRef idx="3">
-        <a:scrgbClr r="0" g="0" b="0"/>
-      </a:fillRef>
-      <a:effectRef idx="3">
-        <a:scrgbClr r="0" g="0" b="0"/>
-      </a:effectRef>
-      <a:fontRef idx="minor"/>
-    </dgm:style>
-  </dgm:styleLbl>
-  <dgm:styleLbl name="fgSibTrans2D1">
-    <dgm:scene3d>
-      <a:camera prst="orthographicFront"/>
-      <a:lightRig rig="threePt" dir="t"/>
-    </dgm:scene3d>
-    <dgm:txPr/>
-    <dgm:style>
-      <a:lnRef idx="0">
-        <a:scrgbClr r="0" g="0" b="0"/>
-      </a:lnRef>
-      <a:fillRef idx="3">
-        <a:scrgbClr r="0" g="0" b="0"/>
-      </a:fillRef>
-      <a:effectRef idx="3">
-        <a:scrgbClr r="0" g="0" b="0"/>
-      </a:effectRef>
-      <a:fontRef idx="minor">
-        <a:schemeClr val="lt1"/>
-      </a:fontRef>
-    </dgm:style>
-  </dgm:styleLbl>
-  <dgm:styleLbl name="lnNode1">
-    <dgm:scene3d>
-      <a:camera prst="orthographicFront"/>
-      <a:lightRig rig="threePt" dir="t"/>
-    </dgm:scene3d>
-    <dgm:txPr/>
-    <dgm:style>
-      <a:lnRef idx="0">
-        <a:scrgbClr r="0" g="0" b="0"/>
-      </a:lnRef>
-      <a:fillRef idx="3">
-        <a:scrgbClr r="0" g="0" b="0"/>
-      </a:fillRef>
-      <a:effectRef idx="3">
-        <a:scrgbClr r="0" g="0" b="0"/>
-      </a:effectRef>
-      <a:fontRef idx="minor">
-        <a:schemeClr val="lt1"/>
-      </a:fontRef>
-    </dgm:style>
-  </dgm:styleLbl>
-  <dgm:styleLbl name="node0">
-    <dgm:scene3d>
-      <a:camera prst="orthographicFront"/>
-      <a:lightRig rig="threePt" dir="t"/>
-    </dgm:scene3d>
-    <dgm:txPr/>
-    <dgm:style>
-      <a:lnRef idx="0">
-        <a:scrgbClr r="0" g="0" b="0"/>
-      </a:lnRef>
-      <a:fillRef idx="3">
-        <a:scrgbClr r="0" g="0" b="0"/>
-      </a:fillRef>
-      <a:effectRef idx="3">
-        <a:scrgbClr r="0" g="0" b="0"/>
-      </a:effectRef>
-      <a:fontRef idx="minor">
-        <a:schemeClr val="lt1"/>
-      </a:fontRef>
-    </dgm:style>
-  </dgm:styleLbl>
-  <dgm:styleLbl name="node1">
-    <dgm:scene3d>
-      <a:camera prst="orthographicFront"/>
-      <a:lightRig rig="threePt" dir="t"/>
-    </dgm:scene3d>
-    <dgm:txPr/>
-    <dgm:style>
-      <a:lnRef idx="0">
-        <a:scrgbClr r="0" g="0" b="0"/>
-      </a:lnRef>
-      <a:fillRef idx="3">
-        <a:scrgbClr r="0" g="0" b="0"/>
-      </a:fillRef>
-      <a:effectRef idx="3">
-        <a:scrgbClr r="0" g="0" b="0"/>
-      </a:effectRef>
-      <a:fontRef idx="minor">
-        <a:schemeClr val="lt1"/>
-      </a:fontRef>
-    </dgm:style>
-  </dgm:styleLbl>
-  <dgm:styleLbl name="node2">
-    <dgm:scene3d>
-      <a:camera prst="orthographicFront"/>
-      <a:lightRig rig="threePt" dir="t"/>
-    </dgm:scene3d>
-    <dgm:txPr/>
-    <dgm:style>
-      <a:lnRef idx="0">
-        <a:scrgbClr r="0" g="0" b="0"/>
-      </a:lnRef>
-      <a:fillRef idx="3">
-        <a:scrgbClr r="0" g="0" b="0"/>
-      </a:fillRef>
-      <a:effectRef idx="3">
-        <a:scrgbClr r="0" g="0" b="0"/>
-      </a:effectRef>
-      <a:fontRef idx="minor">
-        <a:schemeClr val="lt1"/>
-      </a:fontRef>
-    </dgm:style>
-  </dgm:styleLbl>
-  <dgm:styleLbl name="node3">
-    <dgm:scene3d>
-      <a:camera prst="orthographicFront"/>
-      <a:lightRig rig="threePt" dir="t"/>
-    </dgm:scene3d>
-    <dgm:txPr/>
-    <dgm:style>
-      <a:lnRef idx="0">
-        <a:scrgbClr r="0" g="0" b="0"/>
-      </a:lnRef>
-      <a:fillRef idx="3">
-        <a:scrgbClr r="0" g="0" b="0"/>
-      </a:fillRef>
-      <a:effectRef idx="3">
-        <a:scrgbClr r="0" g="0" b="0"/>
-      </a:effectRef>
-      <a:fontRef idx="minor">
-        <a:schemeClr val="lt1"/>
-      </a:fontRef>
-    </dgm:style>
-  </dgm:styleLbl>
-  <dgm:styleLbl name="node4">
-    <dgm:scene3d>
-      <a:camera prst="orthographicFront"/>
-      <a:lightRig rig="threePt" dir="t"/>
-    </dgm:scene3d>
-    <dgm:txPr/>
-    <dgm:style>
-      <a:lnRef idx="0">
-        <a:scrgbClr r="0" g="0" b="0"/>
-      </a:lnRef>
-      <a:fillRef idx="3">
-        <a:scrgbClr r="0" g="0" b="0"/>
-      </a:fillRef>
-      <a:effectRef idx="3">
-        <a:scrgbClr r="0" g="0" b="0"/>
-      </a:effectRef>
-      <a:fontRef idx="minor">
-        <a:schemeClr val="lt1"/>
-      </a:fontRef>
-    </dgm:style>
-  </dgm:styleLbl>
-  <dgm:styleLbl name="parChTrans1D1">
-    <dgm:scene3d>
-      <a:camera prst="orthographicFront"/>
-      <a:lightRig rig="threePt" dir="t"/>
-    </dgm:scene3d>
-    <dgm:txPr/>
-    <dgm:style>
-      <a:lnRef idx="2">
-        <a:scrgbClr r="0" g="0" b="0"/>
-      </a:lnRef>
-      <a:fillRef idx="0">
-        <a:scrgbClr r="0" g="0" b="0"/>
-      </a:fillRef>
-      <a:effectRef idx="0">
-        <a:scrgbClr r="0" g="0" b="0"/>
-      </a:effectRef>
-      <a:fontRef idx="minor"/>
-    </dgm:style>
-  </dgm:styleLbl>
-  <dgm:styleLbl name="parChTrans1D2">
-    <dgm:scene3d>
-      <a:camera prst="orthographicFront"/>
-      <a:lightRig rig="threePt" dir="t"/>
-    </dgm:scene3d>
-    <dgm:txPr/>
-    <dgm:style>
-      <a:lnRef idx="2">
-        <a:scrgbClr r="0" g="0" b="0"/>
-      </a:lnRef>
-      <a:fillRef idx="0">
-        <a:scrgbClr r="0" g="0" b="0"/>
-      </a:fillRef>
-      <a:effectRef idx="0">
-        <a:scrgbClr r="0" g="0" b="0"/>
-      </a:effectRef>
-      <a:fontRef idx="minor"/>
-    </dgm:style>
-  </dgm:styleLbl>
-  <dgm:styleLbl name="parChTrans1D3">
-    <dgm:scene3d>
-      <a:camera prst="orthographicFront"/>
-      <a:lightRig rig="threePt" dir="t"/>
-    </dgm:scene3d>
-    <dgm:txPr/>
-    <dgm:style>
-      <a:lnRef idx="2">
-        <a:scrgbClr r="0" g="0" b="0"/>
-      </a:lnRef>
-      <a:fillRef idx="0">
-        <a:scrgbClr r="0" g="0" b="0"/>
-      </a:fillRef>
-      <a:effectRef idx="0">
-        <a:scrgbClr r="0" g="0" b="0"/>
-      </a:effectRef>
-      <a:fontRef idx="minor"/>
-    </dgm:style>
-  </dgm:styleLbl>
-  <dgm:styleLbl name="parChTrans1D4">
-    <dgm:scene3d>
-      <a:camera prst="orthographicFront"/>
-      <a:lightRig rig="threePt" dir="t"/>
-    </dgm:scene3d>
-    <dgm:txPr/>
-    <dgm:style>
-      <a:lnRef idx="2">
-        <a:scrgbClr r="0" g="0" b="0"/>
-      </a:lnRef>
-      <a:fillRef idx="0">
-        <a:scrgbClr r="0" g="0" b="0"/>
-      </a:fillRef>
-      <a:effectRef idx="0">
-        <a:scrgbClr r="0" g="0" b="0"/>
-      </a:effectRef>
-      <a:fontRef idx="minor"/>
-    </dgm:style>
-  </dgm:styleLbl>
-  <dgm:styleLbl name="parChTrans2D1">
-    <dgm:scene3d>
-      <a:camera prst="orthographicFront"/>
-      <a:lightRig rig="threePt" dir="t"/>
-    </dgm:scene3d>
-    <dgm:txPr/>
-    <dgm:style>
-      <a:lnRef idx="0">
-        <a:scrgbClr r="0" g="0" b="0"/>
-      </a:lnRef>
-      <a:fillRef idx="3">
-        <a:scrgbClr r="0" g="0" b="0"/>
-      </a:fillRef>
-      <a:effectRef idx="3">
-        <a:scrgbClr r="0" g="0" b="0"/>
-      </a:effectRef>
-      <a:fontRef idx="minor">
-        <a:schemeClr val="lt1"/>
-      </a:fontRef>
-    </dgm:style>
-  </dgm:styleLbl>
-  <dgm:styleLbl name="parChTrans2D2">
-    <dgm:scene3d>
-      <a:camera prst="orthographicFront"/>
-      <a:lightRig rig="threePt" dir="t"/>
-    </dgm:scene3d>
-    <dgm:txPr/>
-    <dgm:style>
-      <a:lnRef idx="0">
-        <a:scrgbClr r="0" g="0" b="0"/>
-      </a:lnRef>
-      <a:fillRef idx="3">
-        <a:scrgbClr r="0" g="0" b="0"/>
-      </a:fillRef>
-      <a:effectRef idx="3">
-        <a:scrgbClr r="0" g="0" b="0"/>
-      </a:effectRef>
-      <a:fontRef idx="minor">
-        <a:schemeClr val="lt1"/>
-      </a:fontRef>
-    </dgm:style>
-  </dgm:styleLbl>
-  <dgm:styleLbl name="parChTrans2D3">
-    <dgm:scene3d>
-      <a:camera prst="orthographicFront"/>
-      <a:lightRig rig="threePt" dir="t"/>
-    </dgm:scene3d>
-    <dgm:txPr/>
-    <dgm:style>
-      <a:lnRef idx="0">
-        <a:scrgbClr r="0" g="0" b="0"/>
-      </a:lnRef>
-      <a:fillRef idx="3">
-        <a:scrgbClr r="0" g="0" b="0"/>
-      </a:fillRef>
-      <a:effectRef idx="3">
-        <a:scrgbClr r="0" g="0" b="0"/>
-      </a:effectRef>
-      <a:fontRef idx="minor">
-        <a:schemeClr val="lt1"/>
-      </a:fontRef>
-    </dgm:style>
-  </dgm:styleLbl>
-  <dgm:styleLbl name="parChTrans2D4">
-    <dgm:scene3d>
-      <a:camera prst="orthographicFront"/>
-      <a:lightRig rig="threePt" dir="t"/>
-    </dgm:scene3d>
-    <dgm:txPr/>
-    <dgm:style>
-      <a:lnRef idx="0">
-        <a:scrgbClr r="0" g="0" b="0"/>
-      </a:lnRef>
-      <a:fillRef idx="3">
-        <a:scrgbClr r="0" g="0" b="0"/>
-      </a:fillRef>
-      <a:effectRef idx="3">
-        <a:scrgbClr r="0" g="0" b="0"/>
-      </a:effectRef>
-      <a:fontRef idx="minor">
-        <a:schemeClr val="lt1"/>
-      </a:fontRef>
-    </dgm:style>
-  </dgm:styleLbl>
-  <dgm:styleLbl name="revTx">
-    <dgm:scene3d>
-      <a:camera prst="orthographicFront"/>
-      <a:lightRig rig="threePt" dir="t"/>
-    </dgm:scene3d>
-    <dgm:txPr/>
-    <dgm:style>
-      <a:lnRef idx="0">
-        <a:scrgbClr r="0" g="0" b="0"/>
-      </a:lnRef>
-      <a:fillRef idx="0">
-        <a:scrgbClr r="0" g="0" b="0"/>
-      </a:fillRef>
-      <a:effectRef idx="0">
-        <a:scrgbClr r="0" g="0" b="0"/>
-      </a:effectRef>
-      <a:fontRef idx="minor"/>
-    </dgm:style>
-  </dgm:styleLbl>
-  <dgm:styleLbl name="sibTrans1D1">
-    <dgm:scene3d>
-      <a:camera prst="orthographicFront"/>
-      <a:lightRig rig="threePt" dir="t"/>
-    </dgm:scene3d>
-    <dgm:txPr/>
-    <dgm:style>
-      <a:lnRef idx="1">
-        <a:scrgbClr r="0" g="0" b="0"/>
-      </a:lnRef>
-      <a:fillRef idx="0">
-        <a:scrgbClr r="0" g="0" b="0"/>
-      </a:fillRef>
-      <a:effectRef idx="0">
-        <a:scrgbClr r="0" g="0" b="0"/>
-      </a:effectRef>
-      <a:fontRef idx="minor"/>
-    </dgm:style>
-  </dgm:styleLbl>
-  <dgm:styleLbl name="sibTrans2D1">
-    <dgm:scene3d>
-      <a:camera prst="orthographicFront"/>
-      <a:lightRig rig="threePt" dir="t"/>
-    </dgm:scene3d>
-    <dgm:txPr/>
-    <dgm:style>
-      <a:lnRef idx="0">
-        <a:scrgbClr r="0" g="0" b="0"/>
-      </a:lnRef>
-      <a:fillRef idx="3">
-        <a:scrgbClr r="0" g="0" b="0"/>
-      </a:fillRef>
-      <a:effectRef idx="3">
-        <a:scrgbClr r="0" g="0" b="0"/>
-      </a:effectRef>
-      <a:fontRef idx="minor">
-        <a:schemeClr val="lt1"/>
-      </a:fontRef>
-    </dgm:style>
-  </dgm:styleLbl>
-  <dgm:styleLbl name="solidAlignAcc1">
-    <dgm:scene3d>
-      <a:camera prst="orthographicFront"/>
-      <a:lightRig rig="threePt" dir="t"/>
-    </dgm:scene3d>
-    <dgm:txPr/>
-    <dgm:style>
-      <a:lnRef idx="1">
-        <a:scrgbClr r="0" g="0" b="0"/>
-      </a:lnRef>
-      <a:fillRef idx="1">
-        <a:scrgbClr r="0" g="0" b="0"/>
-      </a:fillRef>
-      <a:effectRef idx="3">
-        <a:scrgbClr r="0" g="0" b="0"/>
-      </a:effectRef>
-      <a:fontRef idx="minor"/>
-    </dgm:style>
-  </dgm:styleLbl>
-  <dgm:styleLbl name="solidBgAcc1">
-    <dgm:scene3d>
-      <a:camera prst="orthographicFront"/>
-      <a:lightRig rig="threePt" dir="t"/>
-    </dgm:scene3d>
-    <dgm:txPr/>
-    <dgm:style>
-      <a:lnRef idx="1">
-        <a:scrgbClr r="0" g="0" b="0"/>
-      </a:lnRef>
-      <a:fillRef idx="1">
-        <a:scrgbClr r="0" g="0" b="0"/>
-      </a:fillRef>
-      <a:effectRef idx="3">
-        <a:scrgbClr r="0" g="0" b="0"/>
-      </a:effectRef>
-      <a:fontRef idx="minor"/>
-    </dgm:style>
-  </dgm:styleLbl>
-  <dgm:styleLbl name="solidFgAcc1">
-    <dgm:scene3d>
-      <a:camera prst="orthographicFront"/>
-      <a:lightRig rig="threePt" dir="t"/>
-    </dgm:scene3d>
-    <dgm:txPr/>
-    <dgm:style>
-      <a:lnRef idx="1">
-        <a:scrgbClr r="0" g="0" b="0"/>
-      </a:lnRef>
-      <a:fillRef idx="1">
-        <a:scrgbClr r="0" g="0" b="0"/>
-      </a:fillRef>
-      <a:effectRef idx="2">
-        <a:scrgbClr r="0" g="0" b="0"/>
-      </a:effectRef>
-      <a:fontRef idx="minor"/>
-    </dgm:style>
-  </dgm:styleLbl>
-  <dgm:styleLbl name="trAlignAcc1">
-    <dgm:scene3d>
-      <a:camera prst="orthographicFront"/>
-      <a:lightRig rig="threePt" dir="t"/>
-    </dgm:scene3d>
-    <dgm:txPr/>
-    <dgm:style>
-      <a:lnRef idx="1">
-        <a:scrgbClr r="0" g="0" b="0"/>
-      </a:lnRef>
-      <a:fillRef idx="1">
-        <a:scrgbClr r="0" g="0" b="0"/>
-      </a:fillRef>
-      <a:effectRef idx="0">
-        <a:scrgbClr r="0" g="0" b="0"/>
-      </a:effectRef>
-      <a:fontRef idx="minor"/>
-    </dgm:style>
-  </dgm:styleLbl>
-  <dgm:styleLbl name="trBgShp">
-    <dgm:scene3d>
-      <a:camera prst="orthographicFront"/>
-      <a:lightRig rig="threePt" dir="t"/>
-    </dgm:scene3d>
-    <dgm:txPr/>
-    <dgm:style>
-      <a:lnRef idx="0">
-        <a:scrgbClr r="0" g="0" b="0"/>
-      </a:lnRef>
-      <a:fillRef idx="1">
-        <a:scrgbClr r="0" g="0" b="0"/>
-      </a:fillRef>
-      <a:effectRef idx="0">
-        <a:scrgbClr r="0" g="0" b="0"/>
-      </a:effectRef>
-      <a:fontRef idx="minor"/>
-    </dgm:style>
-  </dgm:styleLbl>
-  <dgm:styleLbl name="vennNode1">
-    <dgm:scene3d>
-      <a:camera prst="orthographicFront"/>
-      <a:lightRig rig="threePt" dir="t"/>
-    </dgm:scene3d>
-    <dgm:txPr/>
-    <dgm:style>
-      <a:lnRef idx="0">
-        <a:scrgbClr r="0" g="0" b="0"/>
-      </a:lnRef>
-      <a:fillRef idx="3">
-        <a:scrgbClr r="0" g="0" b="0"/>
-      </a:fillRef>
-      <a:effectRef idx="3">
-        <a:scrgbClr r="0" g="0" b="0"/>
-      </a:effectRef>
-      <a:fontRef idx="minor">
-        <a:schemeClr val="tx1"/>
-      </a:fontRef>
-    </dgm:style>
-  </dgm:styleLbl>
-</dgm:styleDef>
-</file>
-
 <file path=ppt/handoutMasters/handoutMaster1.xml><?xml version="1.0" encoding="utf-8"?>
 <p:handoutMaster xmlns:a="http://schemas.openxmlformats.org/drawingml/2006/main" xmlns:r="http://schemas.openxmlformats.org/officeDocument/2006/relationships" xmlns:p="http://schemas.openxmlformats.org/presentationml/2006/main">
   <p:cSld>
@@ -2897,6 +204,7 @@
           <a:p>
             <a:fld id="{991A2014-96CE-4721-84C9-7D513E406897}" type="datetimeFigureOut">
               <a:rPr kumimoji="1" lang="ja-JP" altLang="en-US" smtClean="0"/>
+              <a:t>2019/1/3</a:t>
             </a:fld>
             <a:endParaRPr kumimoji="1" lang="ja-JP" altLang="en-US"/>
           </a:p>
@@ -2962,12 +270,18 @@
           <a:p>
             <a:fld id="{0CE70F33-C8AA-45D1-A175-D96663199F28}" type="slidenum">
               <a:rPr kumimoji="1" lang="ja-JP" altLang="en-US" smtClean="0"/>
+              <a:t>‹#›</a:t>
             </a:fld>
             <a:endParaRPr kumimoji="1" lang="ja-JP" altLang="en-US"/>
           </a:p>
         </p:txBody>
       </p:sp>
     </p:spTree>
+    <p:extLst>
+      <p:ext uri="{BB962C8B-B14F-4D97-AF65-F5344CB8AC3E}">
+        <p14:creationId xmlns:p14="http://schemas.microsoft.com/office/powerpoint/2010/main" val="4209760926"/>
+      </p:ext>
+    </p:extLst>
   </p:cSld>
   <p:clrMap bg1="lt1" tx1="dk1" bg2="lt2" tx2="dk2" accent1="accent1" accent2="accent2" accent3="accent3" accent4="accent4" accent5="accent5" accent6="accent6" hlink="hlink" folHlink="folHlink"/>
 </p:handoutMaster>
@@ -3055,6 +369,7 @@
           <a:p>
             <a:fld id="{DA4538BB-24BA-42B9-8147-243E70E4201C}" type="datetimeFigureOut">
               <a:rPr kumimoji="1" lang="ja-JP" altLang="en-US" smtClean="0"/>
+              <a:t>2019/1/3</a:t>
             </a:fld>
             <a:endParaRPr kumimoji="1" lang="ja-JP" altLang="en-US"/>
           </a:p>
@@ -3121,7 +436,6 @@
               <a:rPr kumimoji="1" lang="ja-JP" altLang="en-US" smtClean="0"/>
               <a:t>マスター テキストの書式設定</a:t>
             </a:r>
-            <a:endParaRPr kumimoji="1" lang="ja-JP" altLang="en-US" smtClean="0"/>
           </a:p>
           <a:p>
             <a:pPr lvl="1"/>
@@ -3137,7 +451,6 @@
               <a:rPr kumimoji="1" lang="ja-JP" altLang="en-US" smtClean="0"/>
               <a:t>レベル</a:t>
             </a:r>
-            <a:endParaRPr kumimoji="1" lang="ja-JP" altLang="en-US" smtClean="0"/>
           </a:p>
           <a:p>
             <a:pPr lvl="2"/>
@@ -3153,7 +466,6 @@
               <a:rPr kumimoji="1" lang="ja-JP" altLang="en-US" smtClean="0"/>
               <a:t>レベル</a:t>
             </a:r>
-            <a:endParaRPr kumimoji="1" lang="ja-JP" altLang="en-US" smtClean="0"/>
           </a:p>
           <a:p>
             <a:pPr lvl="3"/>
@@ -3169,7 +481,6 @@
               <a:rPr kumimoji="1" lang="ja-JP" altLang="en-US" smtClean="0"/>
               <a:t>レベル</a:t>
             </a:r>
-            <a:endParaRPr kumimoji="1" lang="ja-JP" altLang="en-US" smtClean="0"/>
           </a:p>
           <a:p>
             <a:pPr lvl="4"/>
@@ -3249,12 +560,18 @@
           <a:p>
             <a:fld id="{F420C424-C8B2-458D-BE4F-39DC7DBD7BA6}" type="slidenum">
               <a:rPr kumimoji="1" lang="ja-JP" altLang="en-US" smtClean="0"/>
+              <a:t>‹#›</a:t>
             </a:fld>
             <a:endParaRPr kumimoji="1" lang="ja-JP" altLang="en-US"/>
           </a:p>
         </p:txBody>
       </p:sp>
     </p:spTree>
+    <p:extLst>
+      <p:ext uri="{BB962C8B-B14F-4D97-AF65-F5344CB8AC3E}">
+        <p14:creationId xmlns:p14="http://schemas.microsoft.com/office/powerpoint/2010/main" val="1706252818"/>
+      </p:ext>
+    </p:extLst>
   </p:cSld>
   <p:clrMap bg1="lt1" tx1="dk1" bg2="lt2" tx2="dk2" accent1="accent1" accent2="accent2" accent3="accent3" accent4="accent4" accent5="accent5" accent6="accent6" hlink="hlink" folHlink="folHlink"/>
   <p:notesStyle>
@@ -3422,6 +739,7 @@
           <a:p>
             <a:fld id="{F420C424-C8B2-458D-BE4F-39DC7DBD7BA6}" type="slidenum">
               <a:rPr kumimoji="1" lang="ja-JP" altLang="en-US" smtClean="0"/>
+              <a:t>1</a:t>
             </a:fld>
             <a:endParaRPr kumimoji="1" lang="ja-JP" altLang="en-US"/>
           </a:p>
@@ -3500,6 +818,7 @@
           <a:p>
             <a:fld id="{F420C424-C8B2-458D-BE4F-39DC7DBD7BA6}" type="slidenum">
               <a:rPr kumimoji="1" lang="ja-JP" altLang="en-US" smtClean="0"/>
+              <a:t>3</a:t>
             </a:fld>
             <a:endParaRPr kumimoji="1" lang="ja-JP" altLang="en-US"/>
           </a:p>
@@ -3578,6 +897,7 @@
           <a:p>
             <a:fld id="{F420C424-C8B2-458D-BE4F-39DC7DBD7BA6}" type="slidenum">
               <a:rPr kumimoji="1" lang="ja-JP" altLang="en-US" smtClean="0"/>
+              <a:t>4</a:t>
             </a:fld>
             <a:endParaRPr kumimoji="1" lang="ja-JP" altLang="en-US"/>
           </a:p>
@@ -3656,6 +976,7 @@
           <a:p>
             <a:fld id="{F420C424-C8B2-458D-BE4F-39DC7DBD7BA6}" type="slidenum">
               <a:rPr kumimoji="1" lang="ja-JP" altLang="en-US" smtClean="0"/>
+              <a:t>5</a:t>
             </a:fld>
             <a:endParaRPr kumimoji="1" lang="ja-JP" altLang="en-US"/>
           </a:p>
@@ -3734,6 +1055,7 @@
           <a:p>
             <a:fld id="{F420C424-C8B2-458D-BE4F-39DC7DBD7BA6}" type="slidenum">
               <a:rPr kumimoji="1" lang="ja-JP" altLang="en-US" smtClean="0"/>
+              <a:t>6</a:t>
             </a:fld>
             <a:endParaRPr kumimoji="1" lang="ja-JP" altLang="en-US"/>
           </a:p>
@@ -3812,84 +1134,7 @@
           <a:p>
             <a:fld id="{F420C424-C8B2-458D-BE4F-39DC7DBD7BA6}" type="slidenum">
               <a:rPr kumimoji="1" lang="ja-JP" altLang="en-US" smtClean="0"/>
-            </a:fld>
-            <a:endParaRPr kumimoji="1" lang="ja-JP" altLang="en-US"/>
-          </a:p>
-        </p:txBody>
-      </p:sp>
-    </p:spTree>
-  </p:cSld>
-  <p:clrMapOvr>
-    <a:masterClrMapping/>
-  </p:clrMapOvr>
-</p:notes>
-</file>
-
-<file path=ppt/notesSlides/notesSlide7.xml><?xml version="1.0" encoding="utf-8"?>
-<p:notes xmlns:a="http://schemas.openxmlformats.org/drawingml/2006/main" xmlns:r="http://schemas.openxmlformats.org/officeDocument/2006/relationships" xmlns:p="http://schemas.openxmlformats.org/presentationml/2006/main">
-  <p:cSld>
-    <p:spTree>
-      <p:nvGrpSpPr>
-        <p:cNvPr id="1" name=""/>
-        <p:cNvGrpSpPr/>
-        <p:nvPr/>
-      </p:nvGrpSpPr>
-      <p:grpSpPr>
-        <a:xfrm>
-          <a:off x="0" y="0"/>
-          <a:ext cx="0" cy="0"/>
-          <a:chOff x="0" y="0"/>
-          <a:chExt cx="0" cy="0"/>
-        </a:xfrm>
-      </p:grpSpPr>
-      <p:sp>
-        <p:nvSpPr>
-          <p:cNvPr id="2" name="幻灯片图像占位符 1"/>
-          <p:cNvSpPr>
-            <a:spLocks noGrp="1" noRot="1" noChangeAspect="1"/>
-          </p:cNvSpPr>
-          <p:nvPr>
-            <p:ph type="sldImg"/>
-          </p:nvPr>
-        </p:nvSpPr>
-        <p:spPr/>
-      </p:sp>
-      <p:sp>
-        <p:nvSpPr>
-          <p:cNvPr id="3" name="备注占位符 2"/>
-          <p:cNvSpPr>
-            <a:spLocks noGrp="1"/>
-          </p:cNvSpPr>
-          <p:nvPr>
-            <p:ph type="body" idx="1"/>
-          </p:nvPr>
-        </p:nvSpPr>
-        <p:spPr/>
-        <p:txBody>
-          <a:bodyPr/>
-          <a:lstStyle/>
-          <a:p>
-            <a:endParaRPr lang="zh-CN" altLang="en-US" dirty="0"/>
-          </a:p>
-        </p:txBody>
-      </p:sp>
-      <p:sp>
-        <p:nvSpPr>
-          <p:cNvPr id="4" name="灯片编号占位符 3"/>
-          <p:cNvSpPr>
-            <a:spLocks noGrp="1"/>
-          </p:cNvSpPr>
-          <p:nvPr>
-            <p:ph type="sldNum" sz="quarter" idx="10"/>
-          </p:nvPr>
-        </p:nvSpPr>
-        <p:spPr/>
-        <p:txBody>
-          <a:bodyPr/>
-          <a:lstStyle/>
-          <a:p>
-            <a:fld id="{F420C424-C8B2-458D-BE4F-39DC7DBD7BA6}" type="slidenum">
-              <a:rPr kumimoji="1" lang="ja-JP" altLang="en-US" smtClean="0"/>
+              <a:t>7</a:t>
             </a:fld>
             <a:endParaRPr kumimoji="1" lang="ja-JP" altLang="en-US"/>
           </a:p>
@@ -4108,6 +1353,7 @@
           <a:p>
             <a:fld id="{2C795EF2-C10B-4973-A4D4-8B26E6739D57}" type="slidenum">
               <a:rPr lang="zh-CN" altLang="en-US"/>
+              <a:t>‹#›</a:t>
             </a:fld>
             <a:endParaRPr lang="zh-CN" altLang="en-US"/>
           </a:p>
@@ -4261,6 +1507,7 @@
           <a:p>
             <a:fld id="{76B1E760-ECB3-4197-9FBC-1D87FC5C6A28}" type="slidenum">
               <a:rPr kumimoji="1" lang="ja-JP" altLang="en-US" smtClean="0"/>
+              <a:t>‹#›</a:t>
             </a:fld>
             <a:endParaRPr kumimoji="1" lang="ja-JP" altLang="en-US" dirty="0"/>
           </a:p>
@@ -4503,6 +1750,7 @@
           <a:p>
             <a:fld id="{76B1E760-ECB3-4197-9FBC-1D87FC5C6A28}" type="slidenum">
               <a:rPr kumimoji="1" lang="ja-JP" altLang="en-US" smtClean="0"/>
+              <a:t>‹#›</a:t>
             </a:fld>
             <a:endParaRPr kumimoji="1" lang="ja-JP" altLang="en-US" dirty="0"/>
           </a:p>
@@ -4612,7 +1860,6 @@
               <a:rPr lang="zh-CN" altLang="en-US" dirty="0" smtClean="0"/>
               <a:t>副标题</a:t>
             </a:r>
-            <a:endParaRPr lang="zh-CN" altLang="en-US" dirty="0" smtClean="0"/>
           </a:p>
         </p:txBody>
       </p:sp>
@@ -5169,6 +2416,7 @@
           <a:p>
             <a:fld id="{76B1E760-ECB3-4197-9FBC-1D87FC5C6A28}" type="slidenum">
               <a:rPr kumimoji="1" lang="ja-JP" altLang="en-US" smtClean="0"/>
+              <a:t>‹#›</a:t>
             </a:fld>
             <a:endParaRPr kumimoji="1" lang="ja-JP" altLang="en-US" dirty="0"/>
           </a:p>
@@ -5278,7 +2526,6 @@
               <a:rPr lang="zh-CN" altLang="en-US" dirty="0" smtClean="0"/>
               <a:t>副标题</a:t>
             </a:r>
-            <a:endParaRPr lang="zh-CN" altLang="en-US" dirty="0" smtClean="0"/>
           </a:p>
         </p:txBody>
       </p:sp>
@@ -5378,11 +2625,11 @@
           <p:nvPr userDrawn="1"/>
         </p:nvPicPr>
         <p:blipFill>
-          <a:blip r:embed="rId11" cstate="print">
+          <a:blip r:embed="rId12" cstate="print">
             <a:extLst>
               <a:ext uri="{BEBA8EAE-BF5A-486C-A8C5-ECC9F3942E4B}">
                 <a14:imgProps xmlns:a14="http://schemas.microsoft.com/office/drawing/2010/main">
-                  <a14:imgLayer r:embed="rId12">
+                  <a14:imgLayer r:embed="rId13">
                     <a14:imgEffect>
                       <a14:artisticBlur/>
                     </a14:imgEffect>
@@ -5539,7 +2786,7 @@
                 <a:latin typeface="Arial" panose="020B0604020202020204"/>
                 <a:ea typeface="+mn-ea"/>
                 <a:cs typeface="Arial" panose="020B0604020202020204"/>
-                <a:hlinkClick r:id="rId13"/>
+                <a:hlinkClick r:id="rId14"/>
               </a:rPr>
               <a:t>www.bjchenrui.com</a:t>
             </a:r>
@@ -6017,6 +3264,57 @@
               </a:rPr>
               <a:t>年度年终总结汇报</a:t>
             </a:r>
+            <a:r>
+              <a:rPr lang="en-US" altLang="zh-CN" sz="4800" dirty="0">
+                <a:ln w="10541" cmpd="sng">
+                  <a:solidFill>
+                    <a:schemeClr val="accent1">
+                      <a:shade val="88000"/>
+                      <a:satMod val="110000"/>
+                    </a:schemeClr>
+                  </a:solidFill>
+                  <a:prstDash val="solid"/>
+                </a:ln>
+                <a:gradFill>
+                  <a:gsLst>
+                    <a:gs pos="0">
+                      <a:schemeClr val="accent1">
+                        <a:tint val="40000"/>
+                        <a:satMod val="250000"/>
+                      </a:schemeClr>
+                    </a:gs>
+                    <a:gs pos="9000">
+                      <a:schemeClr val="accent1">
+                        <a:tint val="52000"/>
+                        <a:satMod val="300000"/>
+                      </a:schemeClr>
+                    </a:gs>
+                    <a:gs pos="50000">
+                      <a:schemeClr val="accent1">
+                        <a:shade val="20000"/>
+                        <a:satMod val="300000"/>
+                      </a:schemeClr>
+                    </a:gs>
+                    <a:gs pos="79000">
+                      <a:schemeClr val="accent1">
+                        <a:tint val="52000"/>
+                        <a:satMod val="300000"/>
+                      </a:schemeClr>
+                    </a:gs>
+                    <a:gs pos="100000">
+                      <a:schemeClr val="accent1">
+                        <a:tint val="40000"/>
+                        <a:satMod val="250000"/>
+                      </a:schemeClr>
+                    </a:gs>
+                  </a:gsLst>
+                  <a:lin ang="5400000"/>
+                </a:gradFill>
+                <a:latin typeface="微软雅黑" panose="020B0503020204020204" pitchFamily="34" charset="-122"/>
+                <a:ea typeface="微软雅黑" panose="020B0503020204020204" pitchFamily="34" charset="-122"/>
+              </a:rPr>
+              <a:t/>
+            </a:r>
             <a:br>
               <a:rPr lang="en-US" altLang="zh-CN" sz="4800" dirty="0">
                 <a:ln w="10541" cmpd="sng">
@@ -6389,133 +3687,6 @@
       </p:grpSpPr>
       <p:sp>
         <p:nvSpPr>
-          <p:cNvPr id="2" name="灯片编号占位符 1"/>
-          <p:cNvSpPr>
-            <a:spLocks noGrp="1"/>
-          </p:cNvSpPr>
-          <p:nvPr>
-            <p:ph type="sldNum" sz="quarter" idx="10"/>
-          </p:nvPr>
-        </p:nvSpPr>
-        <p:spPr/>
-        <p:txBody>
-          <a:bodyPr/>
-          <a:lstStyle/>
-          <a:p>
-            <a:fld id="{76B1E760-ECB3-4197-9FBC-1D87FC5C6A28}" type="slidenum">
-              <a:rPr kumimoji="1" lang="ja-JP" altLang="en-US" smtClean="0"/>
-            </a:fld>
-            <a:endParaRPr kumimoji="1" lang="ja-JP" altLang="en-US" dirty="0"/>
-          </a:p>
-        </p:txBody>
-      </p:sp>
-      <p:sp>
-        <p:nvSpPr>
-          <p:cNvPr id="3" name="标题 2"/>
-          <p:cNvSpPr>
-            <a:spLocks noGrp="1"/>
-          </p:cNvSpPr>
-          <p:nvPr>
-            <p:ph type="title"/>
-          </p:nvPr>
-        </p:nvSpPr>
-        <p:spPr/>
-        <p:txBody>
-          <a:bodyPr/>
-          <a:lstStyle/>
-          <a:p>
-            <a:r>
-              <a:rPr lang="zh-CN" altLang="en-US" dirty="0" smtClean="0"/>
-              <a:t>对</a:t>
-            </a:r>
-            <a:r>
-              <a:rPr lang="zh-CN" altLang="en-US" dirty="0"/>
-              <a:t>公司或团队的建议及期望</a:t>
-            </a:r>
-            <a:br>
-              <a:rPr lang="en-US" altLang="zh-CN" dirty="0">
-                <a:solidFill>
-                  <a:srgbClr val="000000"/>
-                </a:solidFill>
-                <a:ea typeface="宋体" panose="02010600030101010101" pitchFamily="2" charset="-122"/>
-              </a:rPr>
-            </a:br>
-            <a:endParaRPr lang="zh-CN" altLang="en-US" dirty="0"/>
-          </a:p>
-        </p:txBody>
-      </p:sp>
-      <p:sp>
-        <p:nvSpPr>
-          <p:cNvPr id="45" name="文本框 44"/>
-          <p:cNvSpPr txBox="1"/>
-          <p:nvPr/>
-        </p:nvSpPr>
-        <p:spPr>
-          <a:xfrm>
-            <a:off x="1195992" y="2185059"/>
-            <a:ext cx="8250977" cy="353943"/>
-          </a:xfrm>
-          <a:prstGeom prst="rect">
-            <a:avLst/>
-          </a:prstGeom>
-          <a:noFill/>
-        </p:spPr>
-        <p:txBody>
-          <a:bodyPr wrap="none" rtlCol="0">
-            <a:spAutoFit/>
-          </a:bodyPr>
-          <a:lstStyle/>
-          <a:p>
-            <a:r>
-              <a:rPr lang="zh-CN" altLang="en-US" smtClean="0"/>
-              <a:t>见标题按自己的理解写，</a:t>
-            </a:r>
-            <a:r>
-              <a:rPr lang="zh-CN" altLang="en-US" dirty="0" smtClean="0"/>
-              <a:t>敢说敢提即可，不怕有问题和建议，主要</a:t>
-            </a:r>
-            <a:r>
-              <a:rPr lang="zh-CN" altLang="en-US" smtClean="0"/>
-              <a:t>看执行，页数不限</a:t>
-            </a:r>
-            <a:endParaRPr lang="zh-CN" altLang="en-US" dirty="0"/>
-          </a:p>
-        </p:txBody>
-      </p:sp>
-    </p:spTree>
-  </p:cSld>
-  <p:clrMapOvr>
-    <a:masterClrMapping/>
-  </p:clrMapOvr>
-  <p:timing>
-    <p:tnLst>
-      <p:par>
-        <p:cTn id="1" dur="indefinite" restart="never" nodeType="tmRoot"/>
-      </p:par>
-    </p:tnLst>
-  </p:timing>
-</p:sld>
-</file>
-
-<file path=ppt/slides/slide11.xml><?xml version="1.0" encoding="utf-8"?>
-<p:sld xmlns:a="http://schemas.openxmlformats.org/drawingml/2006/main" xmlns:r="http://schemas.openxmlformats.org/officeDocument/2006/relationships" xmlns:p="http://schemas.openxmlformats.org/presentationml/2006/main">
-  <p:cSld>
-    <p:spTree>
-      <p:nvGrpSpPr>
-        <p:cNvPr id="1" name=""/>
-        <p:cNvGrpSpPr/>
-        <p:nvPr/>
-      </p:nvGrpSpPr>
-      <p:grpSpPr>
-        <a:xfrm>
-          <a:off x="0" y="0"/>
-          <a:ext cx="0" cy="0"/>
-          <a:chOff x="0" y="0"/>
-          <a:chExt cx="0" cy="0"/>
-        </a:xfrm>
-      </p:grpSpPr>
-      <p:sp>
-        <p:nvSpPr>
           <p:cNvPr id="18" name="矩形 17"/>
           <p:cNvSpPr/>
           <p:nvPr/>
@@ -6577,43 +3748,6 @@
               </a:rPr>
               <a:t>感谢倾听与指导！</a:t>
             </a:r>
-            <a:endParaRPr lang="zh-CN" altLang="en-US" sz="5300" b="1" dirty="0">
-              <a:ln w="17780" cmpd="sng">
-                <a:solidFill>
-                  <a:schemeClr val="accent1">
-                    <a:tint val="3000"/>
-                  </a:schemeClr>
-                </a:solidFill>
-                <a:prstDash val="solid"/>
-                <a:miter lim="800000"/>
-              </a:ln>
-              <a:gradFill>
-                <a:gsLst>
-                  <a:gs pos="10000">
-                    <a:schemeClr val="accent1">
-                      <a:tint val="63000"/>
-                      <a:sat val="105000"/>
-                    </a:schemeClr>
-                  </a:gs>
-                  <a:gs pos="90000">
-                    <a:schemeClr val="accent1">
-                      <a:shade val="50000"/>
-                      <a:satMod val="100000"/>
-                    </a:schemeClr>
-                  </a:gs>
-                </a:gsLst>
-                <a:lin ang="5400000"/>
-              </a:gradFill>
-              <a:effectLst>
-                <a:outerShdw blurRad="55000" dist="50800" dir="5400000" algn="tl">
-                  <a:srgbClr val="000000">
-                    <a:alpha val="33000"/>
-                  </a:srgbClr>
-                </a:outerShdw>
-              </a:effectLst>
-              <a:latin typeface="微软雅黑" panose="020B0503020204020204" pitchFamily="34" charset="-122"/>
-              <a:ea typeface="微软雅黑" panose="020B0503020204020204" pitchFamily="34" charset="-122"/>
-            </a:endParaRPr>
           </a:p>
         </p:txBody>
       </p:sp>
@@ -6626,7 +3760,7 @@
           <p:nvPr/>
         </p:nvPicPr>
         <p:blipFill>
-          <a:blip r:embed="rId1" cstate="print"/>
+          <a:blip r:embed="rId2" cstate="print"/>
           <a:stretch>
             <a:fillRect/>
           </a:stretch>
@@ -6658,6 +3792,7 @@
           <a:p>
             <a:fld id="{76B1E760-ECB3-4197-9FBC-1D87FC5C6A28}" type="slidenum">
               <a:rPr kumimoji="1" lang="ja-JP" altLang="en-US" smtClean="0"/>
+              <a:t>10</a:t>
             </a:fld>
             <a:endParaRPr kumimoji="1" lang="ja-JP" altLang="en-US" dirty="0"/>
           </a:p>
@@ -6712,6 +3847,7 @@
           <a:p>
             <a:fld id="{76B1E760-ECB3-4197-9FBC-1D87FC5C6A28}" type="slidenum">
               <a:rPr kumimoji="1" lang="ja-JP" altLang="en-US" smtClean="0"/>
+              <a:t>2</a:t>
             </a:fld>
             <a:endParaRPr kumimoji="1" lang="ja-JP" altLang="en-US" dirty="0"/>
           </a:p>
@@ -6739,6 +3875,10 @@
             <a:r>
               <a:rPr lang="zh-CN" altLang="en-US" dirty="0" smtClean="0"/>
               <a:t>年总结目录</a:t>
+            </a:r>
+            <a:r>
+              <a:rPr lang="zh-CN" altLang="en-US" dirty="0"/>
+              <a:t/>
             </a:r>
             <a:br>
               <a:rPr lang="zh-CN" altLang="en-US" dirty="0"/>
@@ -7546,7 +4686,7 @@
           <p:nvPr/>
         </p:nvPicPr>
         <p:blipFill>
-          <a:blip r:embed="rId1">
+          <a:blip r:embed="rId2">
             <a:extLst>
               <a:ext uri="{28A0092B-C50C-407E-A947-70E740481C1C}">
                 <a14:useLocalDpi xmlns:a14="http://schemas.microsoft.com/office/drawing/2010/main" val="0"/>
@@ -7601,7 +4741,7 @@
             <p:nvPr/>
           </p:nvPicPr>
           <p:blipFill>
-            <a:blip r:embed="rId2" cstate="print">
+            <a:blip r:embed="rId3" cstate="print">
               <a:extLst>
                 <a:ext uri="{28A0092B-C50C-407E-A947-70E740481C1C}">
                   <a14:useLocalDpi xmlns:a14="http://schemas.microsoft.com/office/drawing/2010/main" val="0"/>
@@ -8346,7 +5486,7 @@
             <p:nvPr/>
           </p:nvPicPr>
           <p:blipFill>
-            <a:blip r:embed="rId3" cstate="print">
+            <a:blip r:embed="rId4" cstate="print">
               <a:extLst>
                 <a:ext uri="{28A0092B-C50C-407E-A947-70E740481C1C}">
                   <a14:useLocalDpi xmlns:a14="http://schemas.microsoft.com/office/drawing/2010/main" val="0"/>
@@ -8402,7 +5542,7 @@
             <p:nvPr/>
           </p:nvPicPr>
           <p:blipFill>
-            <a:blip r:embed="rId2" cstate="print">
+            <a:blip r:embed="rId3" cstate="print">
               <a:extLst>
                 <a:ext uri="{28A0092B-C50C-407E-A947-70E740481C1C}">
                   <a14:useLocalDpi xmlns:a14="http://schemas.microsoft.com/office/drawing/2010/main" val="0"/>
@@ -9147,7 +6287,7 @@
             <p:nvPr/>
           </p:nvPicPr>
           <p:blipFill>
-            <a:blip r:embed="rId3" cstate="print">
+            <a:blip r:embed="rId4" cstate="print">
               <a:extLst>
                 <a:ext uri="{28A0092B-C50C-407E-A947-70E740481C1C}">
                   <a14:useLocalDpi xmlns:a14="http://schemas.microsoft.com/office/drawing/2010/main" val="0"/>
@@ -9203,7 +6343,7 @@
             <p:nvPr/>
           </p:nvPicPr>
           <p:blipFill>
-            <a:blip r:embed="rId2" cstate="print">
+            <a:blip r:embed="rId3" cstate="print">
               <a:extLst>
                 <a:ext uri="{28A0092B-C50C-407E-A947-70E740481C1C}">
                   <a14:useLocalDpi xmlns:a14="http://schemas.microsoft.com/office/drawing/2010/main" val="0"/>
@@ -9948,7 +7088,7 @@
             <p:nvPr/>
           </p:nvPicPr>
           <p:blipFill>
-            <a:blip r:embed="rId3" cstate="print">
+            <a:blip r:embed="rId4" cstate="print">
               <a:extLst>
                 <a:ext uri="{28A0092B-C50C-407E-A947-70E740481C1C}">
                   <a14:useLocalDpi xmlns:a14="http://schemas.microsoft.com/office/drawing/2010/main" val="0"/>
@@ -10004,7 +7144,7 @@
             <p:nvPr/>
           </p:nvPicPr>
           <p:blipFill>
-            <a:blip r:embed="rId2" cstate="print">
+            <a:blip r:embed="rId3" cstate="print">
               <a:extLst>
                 <a:ext uri="{28A0092B-C50C-407E-A947-70E740481C1C}">
                   <a14:useLocalDpi xmlns:a14="http://schemas.microsoft.com/office/drawing/2010/main" val="0"/>
@@ -10749,7 +7889,7 @@
             <p:nvPr/>
           </p:nvPicPr>
           <p:blipFill>
-            <a:blip r:embed="rId3" cstate="print">
+            <a:blip r:embed="rId4" cstate="print">
               <a:extLst>
                 <a:ext uri="{28A0092B-C50C-407E-A947-70E740481C1C}">
                   <a14:useLocalDpi xmlns:a14="http://schemas.microsoft.com/office/drawing/2010/main" val="0"/>
@@ -10831,6 +7971,7 @@
           <a:p>
             <a:fld id="{76B1E760-ECB3-4197-9FBC-1D87FC5C6A28}" type="slidenum">
               <a:rPr kumimoji="1" lang="ja-JP" altLang="en-US" smtClean="0"/>
+              <a:t>3</a:t>
             </a:fld>
             <a:endParaRPr kumimoji="1" lang="ja-JP" altLang="en-US" dirty="0"/>
           </a:p>
@@ -10973,6 +8114,7 @@
           <a:p>
             <a:fld id="{76B1E760-ECB3-4197-9FBC-1D87FC5C6A28}" type="slidenum">
               <a:rPr kumimoji="1" lang="ja-JP" altLang="en-US" smtClean="0"/>
+              <a:t>4</a:t>
             </a:fld>
             <a:endParaRPr kumimoji="1" lang="ja-JP" altLang="en-US" dirty="0"/>
           </a:p>
@@ -11001,7 +8143,6 @@
               <a:rPr lang="zh-CN" altLang="en-US" dirty="0"/>
               <a:t>年工作总体情况分析</a:t>
             </a:r>
-            <a:endParaRPr lang="zh-CN" altLang="en-US" dirty="0"/>
           </a:p>
         </p:txBody>
       </p:sp>
@@ -11033,45 +8174,24 @@
               </a:rPr>
               <a:t>工作内容回顾</a:t>
             </a:r>
-            <a:endParaRPr lang="zh-CN" altLang="en-US" b="1" dirty="0">
-              <a:sym typeface="+mn-ea"/>
-            </a:endParaRPr>
           </a:p>
         </p:txBody>
       </p:sp>
-      <p:graphicFrame>
-        <p:nvGraphicFramePr>
-          <p:cNvPr id="4" name="图示 3"/>
-          <p:cNvGraphicFramePr/>
-          <p:nvPr/>
-        </p:nvGraphicFramePr>
-        <p:xfrm>
-          <a:off x="647700" y="962025"/>
-          <a:ext cx="10858500" cy="5179924"/>
-        </p:xfrm>
-        <a:graphic>
-          <a:graphicData uri="http://schemas.openxmlformats.org/drawingml/2006/diagram">
-            <dgm:relIds xmlns:dgm="http://schemas.openxmlformats.org/drawingml/2006/diagram" xmlns:r="http://schemas.openxmlformats.org/officeDocument/2006/relationships" r:dm="rId1" r:lo="rId2" r:qs="rId3" r:cs="rId4"/>
-          </a:graphicData>
-        </a:graphic>
-      </p:graphicFrame>
       <p:sp>
         <p:nvSpPr>
-          <p:cNvPr id="28" name="圆角矩形 27"/>
+          <p:cNvPr id="11" name="圆角矩形 10"/>
           <p:cNvSpPr/>
           <p:nvPr/>
         </p:nvSpPr>
-        <p:spPr bwMode="auto">
+        <p:spPr>
           <a:xfrm>
-            <a:off x="1066799" y="1447799"/>
-            <a:ext cx="4905375" cy="1971675"/>
+            <a:off x="306705" y="883285"/>
+            <a:ext cx="11157585" cy="1383665"/>
           </a:xfrm>
           <a:prstGeom prst="roundRect">
-            <a:avLst>
-              <a:gd name="adj" fmla="val 7005"/>
-            </a:avLst>
+            <a:avLst/>
           </a:prstGeom>
-          <a:gradFill>
+          <a:gradFill flip="none" rotWithShape="1">
             <a:gsLst>
               <a:gs pos="0">
                 <a:schemeClr val="accent1">
@@ -11092,8 +8212,16 @@
                 </a:schemeClr>
               </a:gs>
             </a:gsLst>
-            <a:lin ang="5400000" scaled="0"/>
+            <a:lin ang="0" scaled="1"/>
+            <a:tileRect/>
           </a:gradFill>
+          <a:effectLst>
+            <a:outerShdw blurRad="50800" dist="38100" dir="2700000" algn="tl" rotWithShape="0">
+              <a:prstClr val="black">
+                <a:alpha val="40000"/>
+              </a:prstClr>
+            </a:outerShdw>
+          </a:effectLst>
         </p:spPr>
         <p:style>
           <a:lnRef idx="2">
@@ -11110,10 +8238,10 @@
           </a:fontRef>
         </p:style>
         <p:txBody>
-          <a:bodyPr rtlCol="0" anchor="ctr"/>
+          <a:bodyPr anchor="ctr"/>
           <a:lstStyle/>
           <a:p>
-            <a:pPr marL="228600" lvl="0" indent="-228600">
+            <a:pPr marL="342900" indent="-342900" fontAlgn="auto">
               <a:lnSpc>
                 <a:spcPct val="150000"/>
               </a:lnSpc>
@@ -11121,51 +8249,23 @@
                 <a:spcPct val="0"/>
               </a:spcBef>
               <a:buClr>
-                <a:schemeClr val="tx1"/>
+                <a:schemeClr val="accent2"/>
               </a:buClr>
-              <a:buFont typeface="Wingdings" panose="05000000000000000000" pitchFamily="2" charset="2"/>
+              <a:buFont typeface="Wingdings" panose="05000000000000000000" charset="0"/>
               <a:buChar char="l"/>
             </a:pPr>
             <a:r>
-              <a:rPr lang="zh-CN" altLang="en-US" sz="1200" dirty="0" smtClean="0"/>
-              <a:t>黄埔</a:t>
-            </a:r>
-            <a:r>
-              <a:rPr lang="zh-CN" altLang="en-US" sz="1200" dirty="0"/>
-              <a:t>邮件</a:t>
-            </a:r>
-            <a:r>
-              <a:rPr lang="zh-CN" altLang="en-US" sz="1200" dirty="0" smtClean="0"/>
-              <a:t>、黄埔话单、天津</a:t>
-            </a:r>
-            <a:r>
-              <a:rPr lang="zh-CN" altLang="en-US" sz="1200" dirty="0"/>
-              <a:t>邮件</a:t>
-            </a:r>
-            <a:r>
-              <a:rPr lang="zh-CN" altLang="en-US" sz="1200" dirty="0" smtClean="0"/>
-              <a:t>、</a:t>
-            </a:r>
-            <a:r>
-              <a:rPr lang="zh-CN" altLang="en-US" sz="1200" dirty="0"/>
-              <a:t>沈阳</a:t>
-            </a:r>
-            <a:r>
-              <a:rPr lang="zh-CN" altLang="en-US" sz="1200" dirty="0" smtClean="0"/>
-              <a:t>邮件、大连鹰眼的可视化对接工作以及</a:t>
-            </a:r>
-            <a:r>
-              <a:rPr lang="zh-CN" altLang="en-US" sz="1200" dirty="0"/>
-              <a:t>相关</a:t>
-            </a:r>
-            <a:r>
-              <a:rPr lang="zh-CN" altLang="en-US" sz="1200" dirty="0" smtClean="0"/>
-              <a:t>业务功能实现；</a:t>
-            </a:r>
-            <a:endParaRPr lang="en-US" altLang="zh-CN" sz="1200" dirty="0" smtClean="0"/>
+              <a:rPr lang="zh-CN" altLang="en-US" sz="1400" dirty="0" smtClean="0">
+                <a:solidFill>
+                  <a:schemeClr val="tx1"/>
+                </a:solidFill>
+                <a:sym typeface="+mn-ea"/>
+              </a:rPr>
+              <a:t>对可视化工具进行版本管理，编写和完善功能设计和完善接口设计文档，并按照技术预研计划，逐步实现相关功能。</a:t>
+            </a:r>
           </a:p>
           <a:p>
-            <a:pPr marL="228600" lvl="0" indent="-228600">
+            <a:pPr marL="342900" indent="-342900" fontAlgn="auto">
               <a:lnSpc>
                 <a:spcPct val="150000"/>
               </a:lnSpc>
@@ -11173,19 +8273,95 @@
                 <a:spcPct val="0"/>
               </a:spcBef>
               <a:buClr>
-                <a:schemeClr val="tx1"/>
+                <a:schemeClr val="accent2"/>
               </a:buClr>
-              <a:buFont typeface="Wingdings" panose="05000000000000000000" pitchFamily="2" charset="2"/>
+              <a:buFont typeface="Wingdings" panose="05000000000000000000" charset="0"/>
               <a:buChar char="l"/>
             </a:pPr>
             <a:r>
-              <a:rPr lang="zh-CN" altLang="en-US" sz="1200" dirty="0" smtClean="0"/>
-              <a:t>完善时序图功能，添加自动寻位功能，以及优化其他可视化功能；</a:t>
-            </a:r>
-            <a:endParaRPr lang="en-US" altLang="zh-CN" sz="1200" dirty="0" smtClean="0"/>
+              <a:rPr lang="zh-CN" altLang="en-US" sz="1400" dirty="0" smtClean="0">
+                <a:solidFill>
+                  <a:schemeClr val="tx1"/>
+                </a:solidFill>
+                <a:sym typeface="+mn-ea"/>
+              </a:rPr>
+              <a:t>可视化工具与黄埔</a:t>
+            </a:r>
+            <a:r>
+              <a:rPr lang="zh-CN" altLang="en-US" sz="1400" dirty="0">
+                <a:solidFill>
+                  <a:schemeClr val="tx1"/>
+                </a:solidFill>
+                <a:sym typeface="+mn-ea"/>
+              </a:rPr>
+              <a:t>邮件</a:t>
+            </a:r>
+            <a:r>
+              <a:rPr lang="zh-CN" altLang="en-US" sz="1400" dirty="0" smtClean="0">
+                <a:solidFill>
+                  <a:schemeClr val="tx1"/>
+                </a:solidFill>
+                <a:sym typeface="+mn-ea"/>
+              </a:rPr>
+              <a:t>、黄埔话单、天津</a:t>
+            </a:r>
+            <a:r>
+              <a:rPr lang="zh-CN" altLang="en-US" sz="1400" dirty="0">
+                <a:solidFill>
+                  <a:schemeClr val="tx1"/>
+                </a:solidFill>
+                <a:sym typeface="+mn-ea"/>
+              </a:rPr>
+              <a:t>邮件</a:t>
+            </a:r>
+            <a:r>
+              <a:rPr lang="zh-CN" altLang="en-US" sz="1400" dirty="0" smtClean="0">
+                <a:solidFill>
+                  <a:schemeClr val="tx1"/>
+                </a:solidFill>
+                <a:sym typeface="+mn-ea"/>
+              </a:rPr>
+              <a:t>、</a:t>
+            </a:r>
+            <a:r>
+              <a:rPr lang="zh-CN" altLang="en-US" sz="1400" dirty="0">
+                <a:solidFill>
+                  <a:schemeClr val="tx1"/>
+                </a:solidFill>
+                <a:sym typeface="+mn-ea"/>
+              </a:rPr>
+              <a:t>沈阳</a:t>
+            </a:r>
+            <a:r>
+              <a:rPr lang="zh-CN" altLang="en-US" sz="1400" dirty="0" smtClean="0">
+                <a:solidFill>
+                  <a:schemeClr val="tx1"/>
+                </a:solidFill>
+                <a:sym typeface="+mn-ea"/>
+              </a:rPr>
+              <a:t>邮件、大连鹰眼、社交媒体分析等项目的对接工作以及</a:t>
+            </a:r>
+            <a:r>
+              <a:rPr lang="zh-CN" altLang="en-US" sz="1400" dirty="0">
+                <a:solidFill>
+                  <a:schemeClr val="tx1"/>
+                </a:solidFill>
+                <a:sym typeface="+mn-ea"/>
+              </a:rPr>
+              <a:t>相关</a:t>
+            </a:r>
+            <a:r>
+              <a:rPr lang="zh-CN" altLang="en-US" sz="1400" dirty="0" smtClean="0">
+                <a:solidFill>
+                  <a:schemeClr val="tx1"/>
+                </a:solidFill>
+                <a:sym typeface="+mn-ea"/>
+              </a:rPr>
+              <a:t>业务功能实现。</a:t>
+            </a:r>
           </a:p>
           <a:p>
-            <a:pPr marL="228600" lvl="0" indent="-228600">
+            <a:pPr marL="342900" indent="-342900" fontAlgn="auto">
               <a:lnSpc>
                 <a:spcPct val="150000"/>
               </a:lnSpc>
@@ -11193,16 +8369,568 @@
                 <a:spcPct val="0"/>
               </a:spcBef>
               <a:buClr>
-                <a:schemeClr val="tx1"/>
+                <a:schemeClr val="accent2"/>
               </a:buClr>
-              <a:buFont typeface="Wingdings" panose="05000000000000000000" pitchFamily="2" charset="2"/>
+              <a:buFont typeface="Wingdings" panose="05000000000000000000" charset="0"/>
               <a:buChar char="l"/>
             </a:pPr>
             <a:r>
-              <a:rPr lang="zh-CN" altLang="en-US" sz="1200" dirty="0" smtClean="0"/>
-              <a:t>完善可视化接口设计文档；编写可视化的功能设计策划文档，讨论研究方向，制定可视化功能研发计划。</a:t>
-            </a:r>
-            <a:endParaRPr lang="en-US" altLang="zh-CN" sz="1200" dirty="0" smtClean="0"/>
+              <a:rPr lang="zh-CN" altLang="en-US" sz="1400" dirty="0" smtClean="0">
+                <a:solidFill>
+                  <a:schemeClr val="tx1"/>
+                </a:solidFill>
+                <a:ea typeface="宋体" panose="02010600030101010101" pitchFamily="2" charset="-122"/>
+              </a:rPr>
+              <a:t>在可视化与项目对接的过程中，优化和完善既有功能，并</a:t>
+            </a:r>
+            <a:r>
+              <a:rPr lang="zh-CN" altLang="en-US" sz="1400" dirty="0" smtClean="0">
+                <a:solidFill>
+                  <a:schemeClr val="tx1"/>
+                </a:solidFill>
+                <a:ea typeface="宋体" panose="02010600030101010101" pitchFamily="2" charset="-122"/>
+                <a:sym typeface="+mn-ea"/>
+              </a:rPr>
+              <a:t>分析和总结项目需求</a:t>
+            </a:r>
+            <a:r>
+              <a:rPr lang="zh-CN" altLang="en-US" sz="1400" dirty="0" smtClean="0">
+                <a:solidFill>
+                  <a:schemeClr val="tx1"/>
+                </a:solidFill>
+                <a:ea typeface="宋体" panose="02010600030101010101" pitchFamily="2" charset="-122"/>
+              </a:rPr>
+              <a:t>，提炼出新的功能，整合进可视化工具中。</a:t>
+            </a:r>
+          </a:p>
+        </p:txBody>
+      </p:sp>
+      <p:sp>
+        <p:nvSpPr>
+          <p:cNvPr id="12" name="圆角矩形 11"/>
+          <p:cNvSpPr/>
+          <p:nvPr/>
+        </p:nvSpPr>
+        <p:spPr>
+          <a:xfrm>
+            <a:off x="305435" y="3238184"/>
+            <a:ext cx="11158220" cy="1067116"/>
+          </a:xfrm>
+          <a:prstGeom prst="roundRect">
+            <a:avLst/>
+          </a:prstGeom>
+          <a:gradFill flip="none" rotWithShape="1">
+            <a:gsLst>
+              <a:gs pos="0">
+                <a:schemeClr val="accent1">
+                  <a:tint val="66000"/>
+                  <a:satMod val="160000"/>
+                </a:schemeClr>
+              </a:gs>
+              <a:gs pos="50000">
+                <a:schemeClr val="accent1">
+                  <a:tint val="44500"/>
+                  <a:satMod val="160000"/>
+                </a:schemeClr>
+              </a:gs>
+              <a:gs pos="100000">
+                <a:schemeClr val="accent1">
+                  <a:tint val="23500"/>
+                  <a:satMod val="160000"/>
+                </a:schemeClr>
+              </a:gs>
+            </a:gsLst>
+            <a:lin ang="0" scaled="1"/>
+            <a:tileRect/>
+          </a:gradFill>
+          <a:effectLst>
+            <a:outerShdw blurRad="50800" dist="38100" dir="2700000" algn="tl" rotWithShape="0">
+              <a:prstClr val="black">
+                <a:alpha val="40000"/>
+              </a:prstClr>
+            </a:outerShdw>
+          </a:effectLst>
+        </p:spPr>
+        <p:style>
+          <a:lnRef idx="2">
+            <a:schemeClr val="accent5"/>
+          </a:lnRef>
+          <a:fillRef idx="1">
+            <a:schemeClr val="lt1"/>
+          </a:fillRef>
+          <a:effectRef idx="0">
+            <a:schemeClr val="accent5"/>
+          </a:effectRef>
+          <a:fontRef idx="minor">
+            <a:schemeClr val="dk1"/>
+          </a:fontRef>
+        </p:style>
+        <p:txBody>
+          <a:bodyPr anchor="ctr"/>
+          <a:lstStyle/>
+          <a:p>
+            <a:pPr marL="285750" indent="-285750" fontAlgn="auto">
+              <a:lnSpc>
+                <a:spcPct val="150000"/>
+              </a:lnSpc>
+              <a:spcBef>
+                <a:spcPct val="0"/>
+              </a:spcBef>
+              <a:buClr>
+                <a:schemeClr val="accent2"/>
+              </a:buClr>
+              <a:buFont typeface="Wingdings" panose="05000000000000000000" charset="0"/>
+              <a:buChar char="l"/>
+            </a:pPr>
+            <a:r>
+              <a:rPr lang="zh-CN" sz="1400" dirty="0" smtClean="0">
+                <a:solidFill>
+                  <a:schemeClr val="tx1"/>
+                </a:solidFill>
+                <a:ea typeface="宋体" panose="02010600030101010101" pitchFamily="2" charset="-122"/>
+              </a:rPr>
+              <a:t>对</a:t>
+            </a:r>
+            <a:r>
+              <a:rPr lang="en-US" altLang="zh-CN" sz="1400" dirty="0" smtClean="0">
+                <a:solidFill>
+                  <a:schemeClr val="tx1"/>
+                </a:solidFill>
+                <a:ea typeface="宋体" panose="02010600030101010101" pitchFamily="2" charset="-122"/>
+              </a:rPr>
+              <a:t>GIS</a:t>
+            </a:r>
+            <a:r>
+              <a:rPr lang="zh-CN" altLang="en-US" sz="1400" dirty="0" smtClean="0">
+                <a:solidFill>
+                  <a:schemeClr val="tx1"/>
+                </a:solidFill>
+                <a:ea typeface="宋体" panose="02010600030101010101" pitchFamily="2" charset="-122"/>
+              </a:rPr>
+              <a:t>功能展开技术预研，学习</a:t>
+            </a:r>
+            <a:r>
+              <a:rPr lang="en-US" altLang="zh-CN" sz="1400" dirty="0" smtClean="0">
+                <a:solidFill>
+                  <a:schemeClr val="tx1"/>
+                </a:solidFill>
+                <a:ea typeface="宋体" panose="02010600030101010101" pitchFamily="2" charset="-122"/>
+              </a:rPr>
+              <a:t>OpenLayers</a:t>
+            </a:r>
+            <a:r>
+              <a:rPr lang="zh-CN" altLang="en-US" sz="1400" dirty="0" smtClean="0">
+                <a:solidFill>
+                  <a:schemeClr val="tx1"/>
+                </a:solidFill>
+                <a:ea typeface="宋体" panose="02010600030101010101" pitchFamily="2" charset="-122"/>
+              </a:rPr>
+              <a:t>的基础知识，实现常用</a:t>
+            </a:r>
+            <a:r>
+              <a:rPr lang="en-US" altLang="zh-CN" sz="1400" dirty="0" smtClean="0">
+                <a:solidFill>
+                  <a:schemeClr val="tx1"/>
+                </a:solidFill>
+                <a:ea typeface="宋体" panose="02010600030101010101" pitchFamily="2" charset="-122"/>
+              </a:rPr>
+              <a:t>GIS</a:t>
+            </a:r>
+            <a:r>
+              <a:rPr lang="zh-CN" altLang="en-US" sz="1400" dirty="0" smtClean="0">
+                <a:solidFill>
+                  <a:schemeClr val="tx1"/>
+                </a:solidFill>
+                <a:ea typeface="宋体" panose="02010600030101010101" pitchFamily="2" charset="-122"/>
+              </a:rPr>
+              <a:t>功能，为</a:t>
+            </a:r>
+            <a:r>
+              <a:rPr lang="en-US" altLang="zh-CN" sz="1400" dirty="0" smtClean="0">
+                <a:solidFill>
+                  <a:schemeClr val="tx1"/>
+                </a:solidFill>
+                <a:ea typeface="宋体" panose="02010600030101010101" pitchFamily="2" charset="-122"/>
+              </a:rPr>
+              <a:t>GIS</a:t>
+            </a:r>
+            <a:r>
+              <a:rPr lang="zh-CN" altLang="en-US" sz="1400" dirty="0" smtClean="0">
+                <a:solidFill>
+                  <a:schemeClr val="tx1"/>
+                </a:solidFill>
+                <a:ea typeface="宋体" panose="02010600030101010101" pitchFamily="2" charset="-122"/>
+              </a:rPr>
+              <a:t>工具的封装做准备。</a:t>
+            </a:r>
+          </a:p>
+          <a:p>
+            <a:pPr marL="285750" indent="-285750" fontAlgn="auto">
+              <a:lnSpc>
+                <a:spcPct val="150000"/>
+              </a:lnSpc>
+              <a:spcBef>
+                <a:spcPct val="0"/>
+              </a:spcBef>
+              <a:buClr>
+                <a:schemeClr val="accent2"/>
+              </a:buClr>
+              <a:buFont typeface="Wingdings" panose="05000000000000000000" charset="0"/>
+              <a:buChar char="l"/>
+            </a:pPr>
+            <a:r>
+              <a:rPr lang="zh-CN" altLang="en-US" sz="1400" dirty="0" smtClean="0">
+                <a:solidFill>
+                  <a:schemeClr val="tx1"/>
+                </a:solidFill>
+                <a:ea typeface="宋体" panose="02010600030101010101" pitchFamily="2" charset="-122"/>
+              </a:rPr>
+              <a:t>参与四川</a:t>
+            </a:r>
+            <a:r>
+              <a:rPr lang="en-US" altLang="zh-CN" sz="1400" dirty="0" smtClean="0">
+                <a:solidFill>
+                  <a:schemeClr val="tx1"/>
+                </a:solidFill>
+                <a:ea typeface="宋体" panose="02010600030101010101" pitchFamily="2" charset="-122"/>
+              </a:rPr>
+              <a:t>GIS</a:t>
+            </a:r>
+            <a:r>
+              <a:rPr lang="zh-CN" altLang="en-US" sz="1400" dirty="0" smtClean="0">
+                <a:solidFill>
+                  <a:schemeClr val="tx1"/>
+                </a:solidFill>
+                <a:ea typeface="宋体" panose="02010600030101010101" pitchFamily="2" charset="-122"/>
+              </a:rPr>
+              <a:t>二期的</a:t>
+            </a:r>
+            <a:r>
+              <a:rPr lang="zh-CN" altLang="en-US" sz="1400" dirty="0" smtClean="0">
+                <a:solidFill>
+                  <a:schemeClr val="tx1"/>
+                </a:solidFill>
+                <a:ea typeface="宋体" panose="02010600030101010101" pitchFamily="2" charset="-122"/>
+              </a:rPr>
+              <a:t>开发、与</a:t>
+            </a:r>
+            <a:r>
+              <a:rPr lang="zh-CN" altLang="en-US" sz="1400" dirty="0" smtClean="0">
+                <a:solidFill>
+                  <a:schemeClr val="tx1"/>
+                </a:solidFill>
+                <a:ea typeface="宋体" panose="02010600030101010101" pitchFamily="2" charset="-122"/>
+              </a:rPr>
+              <a:t>采集</a:t>
+            </a:r>
+            <a:r>
+              <a:rPr lang="zh-CN" altLang="en-US" sz="1400" dirty="0" smtClean="0">
+                <a:solidFill>
+                  <a:schemeClr val="tx1"/>
+                </a:solidFill>
+                <a:ea typeface="宋体" panose="02010600030101010101" pitchFamily="2" charset="-122"/>
+              </a:rPr>
+              <a:t>人员对接、导入数据等</a:t>
+            </a:r>
+            <a:r>
+              <a:rPr lang="zh-CN" altLang="en-US" sz="1400" dirty="0" smtClean="0">
+                <a:solidFill>
+                  <a:schemeClr val="tx1"/>
+                </a:solidFill>
+                <a:ea typeface="宋体" panose="02010600030101010101" pitchFamily="2" charset="-122"/>
+              </a:rPr>
+              <a:t>工作。</a:t>
+            </a:r>
+          </a:p>
+        </p:txBody>
+      </p:sp>
+      <p:sp>
+        <p:nvSpPr>
+          <p:cNvPr id="13" name="圆角矩形 12"/>
+          <p:cNvSpPr/>
+          <p:nvPr/>
+        </p:nvSpPr>
+        <p:spPr>
+          <a:xfrm>
+            <a:off x="305435" y="2381251"/>
+            <a:ext cx="11156950" cy="685799"/>
+          </a:xfrm>
+          <a:prstGeom prst="roundRect">
+            <a:avLst/>
+          </a:prstGeom>
+          <a:gradFill flip="none" rotWithShape="1">
+            <a:gsLst>
+              <a:gs pos="0">
+                <a:schemeClr val="accent1">
+                  <a:tint val="66000"/>
+                  <a:satMod val="160000"/>
+                </a:schemeClr>
+              </a:gs>
+              <a:gs pos="50000">
+                <a:schemeClr val="accent1">
+                  <a:tint val="44500"/>
+                  <a:satMod val="160000"/>
+                </a:schemeClr>
+              </a:gs>
+              <a:gs pos="100000">
+                <a:schemeClr val="accent1">
+                  <a:tint val="23500"/>
+                  <a:satMod val="160000"/>
+                </a:schemeClr>
+              </a:gs>
+            </a:gsLst>
+            <a:lin ang="0" scaled="1"/>
+            <a:tileRect/>
+          </a:gradFill>
+          <a:effectLst>
+            <a:outerShdw blurRad="50800" dist="38100" dir="2700000" algn="tl" rotWithShape="0">
+              <a:prstClr val="black">
+                <a:alpha val="40000"/>
+              </a:prstClr>
+            </a:outerShdw>
+          </a:effectLst>
+        </p:spPr>
+        <p:style>
+          <a:lnRef idx="2">
+            <a:schemeClr val="accent5"/>
+          </a:lnRef>
+          <a:fillRef idx="1">
+            <a:schemeClr val="lt1"/>
+          </a:fillRef>
+          <a:effectRef idx="0">
+            <a:schemeClr val="accent5"/>
+          </a:effectRef>
+          <a:fontRef idx="minor">
+            <a:schemeClr val="dk1"/>
+          </a:fontRef>
+        </p:style>
+        <p:txBody>
+          <a:bodyPr anchor="ctr"/>
+          <a:lstStyle/>
+          <a:p>
+            <a:pPr marL="285750" indent="-285750" eaLnBrk="1" hangingPunct="1">
+              <a:spcBef>
+                <a:spcPct val="0"/>
+              </a:spcBef>
+              <a:buClr>
+                <a:schemeClr val="accent2"/>
+              </a:buClr>
+              <a:buFont typeface="Wingdings" panose="05000000000000000000" charset="0"/>
+              <a:buChar char="l"/>
+            </a:pPr>
+            <a:r>
+              <a:rPr lang="zh-CN" altLang="en-US" sz="1400" dirty="0" smtClean="0">
+                <a:solidFill>
+                  <a:schemeClr val="tx1"/>
+                </a:solidFill>
+                <a:ea typeface="宋体" panose="02010600030101010101" pitchFamily="2" charset="-122"/>
+                <a:sym typeface="+mn-ea"/>
+              </a:rPr>
+              <a:t>使用</a:t>
+            </a:r>
+            <a:r>
+              <a:rPr lang="en-US" altLang="zh-CN" sz="1400" dirty="0" smtClean="0">
+                <a:solidFill>
+                  <a:schemeClr val="tx1"/>
+                </a:solidFill>
+                <a:ea typeface="宋体" panose="02010600030101010101" pitchFamily="2" charset="-122"/>
+                <a:sym typeface="+mn-ea"/>
+              </a:rPr>
+              <a:t>Echarts</a:t>
+            </a:r>
+            <a:r>
+              <a:rPr lang="zh-CN" altLang="en-US" sz="1400" dirty="0" smtClean="0">
+                <a:solidFill>
+                  <a:schemeClr val="tx1"/>
+                </a:solidFill>
+                <a:ea typeface="宋体" panose="02010600030101010101" pitchFamily="2" charset="-122"/>
+                <a:sym typeface="+mn-ea"/>
+              </a:rPr>
+              <a:t>等技术，</a:t>
+            </a:r>
+            <a:r>
+              <a:rPr lang="zh-CN" altLang="en-US" sz="1400" dirty="0" smtClean="0">
+                <a:solidFill>
+                  <a:schemeClr val="tx1"/>
+                </a:solidFill>
+                <a:ea typeface="宋体" panose="02010600030101010101" pitchFamily="2" charset="-122"/>
+              </a:rPr>
+              <a:t>参与数据资源地图项目以及海外利益分析项目的设计和开发工作。</a:t>
+            </a:r>
+          </a:p>
+        </p:txBody>
+      </p:sp>
+      <p:sp>
+        <p:nvSpPr>
+          <p:cNvPr id="14" name="圆角矩形 13"/>
+          <p:cNvSpPr/>
+          <p:nvPr/>
+        </p:nvSpPr>
+        <p:spPr>
+          <a:xfrm>
+            <a:off x="305435" y="4467860"/>
+            <a:ext cx="11158220" cy="1428115"/>
+          </a:xfrm>
+          <a:prstGeom prst="roundRect">
+            <a:avLst/>
+          </a:prstGeom>
+          <a:gradFill flip="none" rotWithShape="1">
+            <a:gsLst>
+              <a:gs pos="0">
+                <a:schemeClr val="accent1">
+                  <a:tint val="66000"/>
+                  <a:satMod val="160000"/>
+                </a:schemeClr>
+              </a:gs>
+              <a:gs pos="50000">
+                <a:schemeClr val="accent1">
+                  <a:tint val="44500"/>
+                  <a:satMod val="160000"/>
+                </a:schemeClr>
+              </a:gs>
+              <a:gs pos="100000">
+                <a:schemeClr val="accent1">
+                  <a:tint val="23500"/>
+                  <a:satMod val="160000"/>
+                </a:schemeClr>
+              </a:gs>
+            </a:gsLst>
+            <a:lin ang="0" scaled="1"/>
+            <a:tileRect/>
+          </a:gradFill>
+          <a:effectLst>
+            <a:outerShdw blurRad="50800" dist="38100" dir="2700000" algn="tl" rotWithShape="0">
+              <a:prstClr val="black">
+                <a:alpha val="40000"/>
+              </a:prstClr>
+            </a:outerShdw>
+          </a:effectLst>
+        </p:spPr>
+        <p:style>
+          <a:lnRef idx="2">
+            <a:schemeClr val="accent5"/>
+          </a:lnRef>
+          <a:fillRef idx="1">
+            <a:schemeClr val="lt1"/>
+          </a:fillRef>
+          <a:effectRef idx="0">
+            <a:schemeClr val="accent5"/>
+          </a:effectRef>
+          <a:fontRef idx="minor">
+            <a:schemeClr val="dk1"/>
+          </a:fontRef>
+        </p:style>
+        <p:txBody>
+          <a:bodyPr anchor="ctr"/>
+          <a:lstStyle/>
+          <a:p>
+            <a:pPr marL="285750" indent="-285750" fontAlgn="auto">
+              <a:lnSpc>
+                <a:spcPct val="150000"/>
+              </a:lnSpc>
+              <a:spcBef>
+                <a:spcPct val="0"/>
+              </a:spcBef>
+              <a:buClr>
+                <a:schemeClr val="accent2"/>
+              </a:buClr>
+              <a:buFont typeface="Wingdings" panose="05000000000000000000" charset="0"/>
+              <a:buChar char="l"/>
+            </a:pPr>
+            <a:r>
+              <a:rPr lang="zh-CN" sz="1400" dirty="0" smtClean="0">
+                <a:solidFill>
+                  <a:schemeClr val="tx1"/>
+                </a:solidFill>
+                <a:ea typeface="宋体" panose="02010600030101010101" pitchFamily="2" charset="-122"/>
+                <a:sym typeface="+mn-ea"/>
+              </a:rPr>
+              <a:t>负责可视化小组成员的日报审批和相关工作分配，培养新人。</a:t>
+            </a:r>
+          </a:p>
+          <a:p>
+            <a:pPr marL="285750" indent="-285750" fontAlgn="auto">
+              <a:lnSpc>
+                <a:spcPct val="150000"/>
+              </a:lnSpc>
+              <a:spcBef>
+                <a:spcPct val="0"/>
+              </a:spcBef>
+              <a:buClr>
+                <a:schemeClr val="accent2"/>
+              </a:buClr>
+              <a:buFont typeface="Wingdings" panose="05000000000000000000" charset="0"/>
+              <a:buChar char="l"/>
+            </a:pPr>
+            <a:r>
+              <a:rPr lang="zh-CN" sz="1400" dirty="0" smtClean="0">
+                <a:solidFill>
+                  <a:schemeClr val="tx1"/>
+                </a:solidFill>
+                <a:ea typeface="宋体" panose="02010600030101010101" pitchFamily="2" charset="-122"/>
+                <a:sym typeface="+mn-ea"/>
+              </a:rPr>
+              <a:t>参与部分项目的管理工作，主要是编制进度计划，监督完成状况，帮助解决问题</a:t>
+            </a:r>
+            <a:r>
+              <a:rPr lang="zh-CN" sz="1400" dirty="0" smtClean="0">
+                <a:solidFill>
+                  <a:schemeClr val="tx1"/>
+                </a:solidFill>
+                <a:ea typeface="宋体" panose="02010600030101010101" pitchFamily="2" charset="-122"/>
+                <a:sym typeface="+mn-ea"/>
+              </a:rPr>
+              <a:t>。</a:t>
+            </a:r>
+            <a:endParaRPr lang="en-US" altLang="zh-CN" sz="1400" dirty="0" smtClean="0">
+              <a:solidFill>
+                <a:schemeClr val="tx1"/>
+              </a:solidFill>
+              <a:ea typeface="宋体" panose="02010600030101010101" pitchFamily="2" charset="-122"/>
+              <a:sym typeface="+mn-ea"/>
+            </a:endParaRPr>
+          </a:p>
+          <a:p>
+            <a:pPr marL="285750" indent="-285750">
+              <a:lnSpc>
+                <a:spcPct val="150000"/>
+              </a:lnSpc>
+              <a:spcBef>
+                <a:spcPct val="0"/>
+              </a:spcBef>
+              <a:buClr>
+                <a:schemeClr val="accent2"/>
+              </a:buClr>
+              <a:buFont typeface="Wingdings" panose="05000000000000000000" charset="0"/>
+              <a:buChar char="l"/>
+            </a:pPr>
+            <a:r>
+              <a:rPr lang="zh-CN" altLang="zh-CN" sz="1400" dirty="0">
+                <a:solidFill>
+                  <a:schemeClr val="tx1"/>
+                </a:solidFill>
+                <a:ea typeface="宋体" panose="02010600030101010101" pitchFamily="2" charset="-122"/>
+                <a:sym typeface="+mn-ea"/>
+              </a:rPr>
+              <a:t>其他琐碎工作</a:t>
+            </a:r>
+            <a:r>
+              <a:rPr lang="zh-CN" altLang="zh-CN" sz="1400" dirty="0" smtClean="0">
+                <a:solidFill>
+                  <a:schemeClr val="tx1"/>
+                </a:solidFill>
+                <a:ea typeface="宋体" panose="02010600030101010101" pitchFamily="2" charset="-122"/>
+                <a:sym typeface="+mn-ea"/>
+              </a:rPr>
+              <a:t>。</a:t>
+            </a:r>
+            <a:endParaRPr lang="zh-CN" altLang="zh-CN" sz="1400" dirty="0">
+              <a:solidFill>
+                <a:schemeClr val="tx1"/>
+              </a:solidFill>
+              <a:ea typeface="宋体" panose="02010600030101010101" pitchFamily="2" charset="-122"/>
+              <a:sym typeface="+mn-ea"/>
+            </a:endParaRPr>
           </a:p>
         </p:txBody>
       </p:sp>
@@ -11255,6 +8983,7 @@
           <a:p>
             <a:fld id="{76B1E760-ECB3-4197-9FBC-1D87FC5C6A28}" type="slidenum">
               <a:rPr kumimoji="1" lang="ja-JP" altLang="en-US" smtClean="0"/>
+              <a:t>5</a:t>
             </a:fld>
             <a:endParaRPr kumimoji="1" lang="ja-JP" altLang="en-US" dirty="0"/>
           </a:p>
@@ -11283,7 +9012,6 @@
               <a:rPr lang="zh-CN" altLang="en-US" dirty="0"/>
               <a:t>年工作总体情况分析</a:t>
             </a:r>
-            <a:endParaRPr lang="zh-CN" altLang="en-US" dirty="0"/>
           </a:p>
         </p:txBody>
       </p:sp>
@@ -11310,14 +9038,422 @@
           <a:lstStyle/>
           <a:p>
             <a:r>
-              <a:rPr lang="zh-CN" altLang="en-US" b="1" dirty="0">
+              <a:rPr lang="zh-CN" altLang="en-US" b="1" dirty="0" smtClean="0">
                 <a:sym typeface="+mn-ea"/>
               </a:rPr>
-              <a:t>工作内容回顾</a:t>
+              <a:t>重点工作进展状况</a:t>
             </a:r>
             <a:endParaRPr lang="zh-CN" altLang="en-US" b="1" dirty="0">
               <a:sym typeface="+mn-ea"/>
             </a:endParaRPr>
+          </a:p>
+        </p:txBody>
+      </p:sp>
+      <p:sp>
+        <p:nvSpPr>
+          <p:cNvPr id="5" name="椭圆 4"/>
+          <p:cNvSpPr/>
+          <p:nvPr/>
+        </p:nvSpPr>
+        <p:spPr bwMode="auto">
+          <a:xfrm>
+            <a:off x="803029" y="2295525"/>
+            <a:ext cx="2314575" cy="2286000"/>
+          </a:xfrm>
+          <a:prstGeom prst="ellipse">
+            <a:avLst/>
+          </a:prstGeom>
+          <a:gradFill>
+            <a:gsLst>
+              <a:gs pos="0">
+                <a:srgbClr val="5E9EFF"/>
+              </a:gs>
+              <a:gs pos="39999">
+                <a:srgbClr val="85C2FF"/>
+              </a:gs>
+              <a:gs pos="70000">
+                <a:srgbClr val="C4D6EB"/>
+              </a:gs>
+              <a:gs pos="100000">
+                <a:srgbClr val="FFEBFA"/>
+              </a:gs>
+            </a:gsLst>
+            <a:lin ang="0" scaled="0"/>
+          </a:gradFill>
+          <a:scene3d>
+            <a:camera prst="orthographicFront"/>
+            <a:lightRig rig="threePt" dir="t"/>
+          </a:scene3d>
+          <a:sp3d>
+            <a:bevelT/>
+            <a:bevelB w="165100" prst="coolSlant"/>
+          </a:sp3d>
+        </p:spPr>
+        <p:style>
+          <a:lnRef idx="2">
+            <a:schemeClr val="accent5"/>
+          </a:lnRef>
+          <a:fillRef idx="1">
+            <a:schemeClr val="lt1"/>
+          </a:fillRef>
+          <a:effectRef idx="0">
+            <a:schemeClr val="accent5"/>
+          </a:effectRef>
+          <a:fontRef idx="minor">
+            <a:schemeClr val="dk1"/>
+          </a:fontRef>
+        </p:style>
+        <p:txBody>
+          <a:bodyPr rtlCol="0" anchor="ctr"/>
+          <a:lstStyle/>
+          <a:p>
+            <a:pPr algn="ctr" eaLnBrk="1" hangingPunct="1">
+              <a:spcBef>
+                <a:spcPct val="0"/>
+              </a:spcBef>
+              <a:buClr>
+                <a:schemeClr val="accent2"/>
+              </a:buClr>
+              <a:buFont typeface="Wingdings" panose="05000000000000000000" pitchFamily="2" charset="2"/>
+              <a:buNone/>
+            </a:pPr>
+            <a:r>
+              <a:rPr lang="zh-CN" altLang="en-US" dirty="0" smtClean="0">
+                <a:solidFill>
+                  <a:schemeClr val="tx1"/>
+                </a:solidFill>
+                <a:ea typeface="宋体" panose="02010600030101010101" pitchFamily="2" charset="-122"/>
+              </a:rPr>
+              <a:t>可视化工具</a:t>
+            </a:r>
+            <a:endParaRPr lang="zh-CN" altLang="en-US" dirty="0" smtClean="0">
+              <a:solidFill>
+                <a:schemeClr val="tx1"/>
+              </a:solidFill>
+              <a:ea typeface="宋体" panose="02010600030101010101" pitchFamily="2" charset="-122"/>
+            </a:endParaRPr>
+          </a:p>
+        </p:txBody>
+      </p:sp>
+      <p:sp>
+        <p:nvSpPr>
+          <p:cNvPr id="6" name="圆角矩形 5"/>
+          <p:cNvSpPr/>
+          <p:nvPr/>
+        </p:nvSpPr>
+        <p:spPr bwMode="auto">
+          <a:xfrm>
+            <a:off x="3533775" y="883285"/>
+            <a:ext cx="2019300" cy="895350"/>
+          </a:xfrm>
+          <a:prstGeom prst="roundRect">
+            <a:avLst/>
+          </a:prstGeom>
+          <a:gradFill>
+            <a:gsLst>
+              <a:gs pos="0">
+                <a:srgbClr val="5E9EFF"/>
+              </a:gs>
+              <a:gs pos="38000">
+                <a:srgbClr val="85C2FF"/>
+              </a:gs>
+              <a:gs pos="74000">
+                <a:srgbClr val="C4D6EB"/>
+              </a:gs>
+              <a:gs pos="100000">
+                <a:schemeClr val="bg1"/>
+              </a:gs>
+            </a:gsLst>
+            <a:lin ang="0" scaled="0"/>
+          </a:gradFill>
+          <a:effectLst>
+            <a:outerShdw blurRad="50800" dist="50800" dir="5400000" algn="ctr" rotWithShape="0">
+              <a:schemeClr val="bg1">
+                <a:lumMod val="85000"/>
+              </a:schemeClr>
+            </a:outerShdw>
+          </a:effectLst>
+        </p:spPr>
+        <p:style>
+          <a:lnRef idx="2">
+            <a:schemeClr val="accent5"/>
+          </a:lnRef>
+          <a:fillRef idx="1">
+            <a:schemeClr val="lt1"/>
+          </a:fillRef>
+          <a:effectRef idx="0">
+            <a:schemeClr val="accent5"/>
+          </a:effectRef>
+          <a:fontRef idx="minor">
+            <a:schemeClr val="dk1"/>
+          </a:fontRef>
+        </p:style>
+        <p:txBody>
+          <a:bodyPr rtlCol="0" anchor="ctr"/>
+          <a:lstStyle/>
+          <a:p>
+            <a:pPr algn="ctr" eaLnBrk="1" hangingPunct="1">
+              <a:spcBef>
+                <a:spcPct val="0"/>
+              </a:spcBef>
+              <a:buClr>
+                <a:schemeClr val="accent2"/>
+              </a:buClr>
+              <a:buFont typeface="Wingdings" panose="05000000000000000000" pitchFamily="2" charset="2"/>
+              <a:buNone/>
+            </a:pPr>
+            <a:r>
+              <a:rPr lang="zh-CN" altLang="en-US" dirty="0" smtClean="0">
+                <a:solidFill>
+                  <a:schemeClr val="tx1"/>
+                </a:solidFill>
+                <a:ea typeface="宋体" panose="02010600030101010101" pitchFamily="2" charset="-122"/>
+              </a:rPr>
+              <a:t>与具体项目对接</a:t>
+            </a:r>
+            <a:endParaRPr lang="zh-CN" altLang="en-US" dirty="0" smtClean="0">
+              <a:solidFill>
+                <a:schemeClr val="tx1"/>
+              </a:solidFill>
+              <a:ea typeface="宋体" panose="02010600030101010101" pitchFamily="2" charset="-122"/>
+            </a:endParaRPr>
+          </a:p>
+        </p:txBody>
+      </p:sp>
+      <p:sp>
+        <p:nvSpPr>
+          <p:cNvPr id="8" name="圆角矩形 7"/>
+          <p:cNvSpPr/>
+          <p:nvPr/>
+        </p:nvSpPr>
+        <p:spPr bwMode="auto">
+          <a:xfrm>
+            <a:off x="3905250" y="2367953"/>
+            <a:ext cx="2019300" cy="895350"/>
+          </a:xfrm>
+          <a:prstGeom prst="roundRect">
+            <a:avLst/>
+          </a:prstGeom>
+          <a:gradFill>
+            <a:gsLst>
+              <a:gs pos="0">
+                <a:srgbClr val="5E9EFF"/>
+              </a:gs>
+              <a:gs pos="38000">
+                <a:srgbClr val="85C2FF"/>
+              </a:gs>
+              <a:gs pos="74000">
+                <a:srgbClr val="C4D6EB"/>
+              </a:gs>
+              <a:gs pos="100000">
+                <a:schemeClr val="bg1"/>
+              </a:gs>
+            </a:gsLst>
+            <a:lin ang="0" scaled="0"/>
+          </a:gradFill>
+          <a:effectLst>
+            <a:outerShdw blurRad="50800" dist="50800" dir="5400000" algn="ctr" rotWithShape="0">
+              <a:schemeClr val="bg1">
+                <a:lumMod val="85000"/>
+              </a:schemeClr>
+            </a:outerShdw>
+          </a:effectLst>
+        </p:spPr>
+        <p:style>
+          <a:lnRef idx="2">
+            <a:schemeClr val="accent5"/>
+          </a:lnRef>
+          <a:fillRef idx="1">
+            <a:schemeClr val="lt1"/>
+          </a:fillRef>
+          <a:effectRef idx="0">
+            <a:schemeClr val="accent5"/>
+          </a:effectRef>
+          <a:fontRef idx="minor">
+            <a:schemeClr val="dk1"/>
+          </a:fontRef>
+        </p:style>
+        <p:txBody>
+          <a:bodyPr rtlCol="0" anchor="ctr"/>
+          <a:lstStyle/>
+          <a:p>
+            <a:pPr algn="ctr">
+              <a:spcBef>
+                <a:spcPct val="0"/>
+              </a:spcBef>
+              <a:buClr>
+                <a:schemeClr val="accent2"/>
+              </a:buClr>
+              <a:buFont typeface="Wingdings" panose="05000000000000000000" pitchFamily="2" charset="2"/>
+              <a:buNone/>
+            </a:pPr>
+            <a:r>
+              <a:rPr lang="zh-CN" altLang="en-US" dirty="0">
+                <a:solidFill>
+                  <a:schemeClr val="tx1"/>
+                </a:solidFill>
+                <a:ea typeface="宋体" panose="02010600030101010101" pitchFamily="2" charset="-122"/>
+              </a:rPr>
+              <a:t>完善工具管理</a:t>
+            </a:r>
+          </a:p>
+        </p:txBody>
+      </p:sp>
+      <p:sp>
+        <p:nvSpPr>
+          <p:cNvPr id="9" name="圆角矩形 8"/>
+          <p:cNvSpPr/>
+          <p:nvPr/>
+        </p:nvSpPr>
+        <p:spPr bwMode="auto">
+          <a:xfrm>
+            <a:off x="3905250" y="3767657"/>
+            <a:ext cx="2019300" cy="895350"/>
+          </a:xfrm>
+          <a:prstGeom prst="roundRect">
+            <a:avLst/>
+          </a:prstGeom>
+          <a:gradFill>
+            <a:gsLst>
+              <a:gs pos="0">
+                <a:srgbClr val="5E9EFF"/>
+              </a:gs>
+              <a:gs pos="38000">
+                <a:srgbClr val="85C2FF"/>
+              </a:gs>
+              <a:gs pos="74000">
+                <a:srgbClr val="C4D6EB"/>
+              </a:gs>
+              <a:gs pos="100000">
+                <a:schemeClr val="bg1"/>
+              </a:gs>
+            </a:gsLst>
+            <a:lin ang="0" scaled="0"/>
+          </a:gradFill>
+          <a:effectLst>
+            <a:outerShdw blurRad="50800" dist="50800" dir="5400000" algn="ctr" rotWithShape="0">
+              <a:schemeClr val="bg1">
+                <a:lumMod val="85000"/>
+              </a:schemeClr>
+            </a:outerShdw>
+          </a:effectLst>
+        </p:spPr>
+        <p:style>
+          <a:lnRef idx="2">
+            <a:schemeClr val="accent5"/>
+          </a:lnRef>
+          <a:fillRef idx="1">
+            <a:schemeClr val="lt1"/>
+          </a:fillRef>
+          <a:effectRef idx="0">
+            <a:schemeClr val="accent5"/>
+          </a:effectRef>
+          <a:fontRef idx="minor">
+            <a:schemeClr val="dk1"/>
+          </a:fontRef>
+        </p:style>
+        <p:txBody>
+          <a:bodyPr rtlCol="0" anchor="ctr"/>
+          <a:lstStyle/>
+          <a:p>
+            <a:pPr algn="ctr">
+              <a:spcBef>
+                <a:spcPct val="0"/>
+              </a:spcBef>
+              <a:buClr>
+                <a:schemeClr val="accent2"/>
+              </a:buClr>
+              <a:buFont typeface="Wingdings" panose="05000000000000000000" pitchFamily="2" charset="2"/>
+              <a:buNone/>
+            </a:pPr>
+            <a:r>
+              <a:rPr lang="zh-CN" altLang="en-US" dirty="0">
+                <a:solidFill>
+                  <a:schemeClr val="tx1"/>
+                </a:solidFill>
+                <a:ea typeface="宋体" panose="02010600030101010101" pitchFamily="2" charset="-122"/>
+              </a:rPr>
+              <a:t>优化既有功能</a:t>
+            </a:r>
+          </a:p>
+        </p:txBody>
+      </p:sp>
+      <p:sp>
+        <p:nvSpPr>
+          <p:cNvPr id="10" name="圆角矩形 9"/>
+          <p:cNvSpPr/>
+          <p:nvPr/>
+        </p:nvSpPr>
+        <p:spPr bwMode="auto">
+          <a:xfrm>
+            <a:off x="3654970" y="5153025"/>
+            <a:ext cx="2019300" cy="895350"/>
+          </a:xfrm>
+          <a:prstGeom prst="roundRect">
+            <a:avLst/>
+          </a:prstGeom>
+          <a:gradFill>
+            <a:gsLst>
+              <a:gs pos="0">
+                <a:srgbClr val="5E9EFF"/>
+              </a:gs>
+              <a:gs pos="38000">
+                <a:srgbClr val="85C2FF"/>
+              </a:gs>
+              <a:gs pos="74000">
+                <a:srgbClr val="C4D6EB"/>
+              </a:gs>
+              <a:gs pos="100000">
+                <a:schemeClr val="bg1"/>
+              </a:gs>
+            </a:gsLst>
+            <a:lin ang="0" scaled="0"/>
+          </a:gradFill>
+          <a:effectLst>
+            <a:outerShdw blurRad="50800" dist="50800" dir="5400000" algn="ctr" rotWithShape="0">
+              <a:schemeClr val="bg1">
+                <a:lumMod val="85000"/>
+              </a:schemeClr>
+            </a:outerShdw>
+          </a:effectLst>
+        </p:spPr>
+        <p:style>
+          <a:lnRef idx="2">
+            <a:schemeClr val="accent5"/>
+          </a:lnRef>
+          <a:fillRef idx="1">
+            <a:schemeClr val="lt1"/>
+          </a:fillRef>
+          <a:effectRef idx="0">
+            <a:schemeClr val="accent5"/>
+          </a:effectRef>
+          <a:fontRef idx="minor">
+            <a:schemeClr val="dk1"/>
+          </a:fontRef>
+        </p:style>
+        <p:txBody>
+          <a:bodyPr rtlCol="0" anchor="ctr"/>
+          <a:lstStyle/>
+          <a:p>
+            <a:pPr algn="ctr">
+              <a:spcBef>
+                <a:spcPct val="0"/>
+              </a:spcBef>
+              <a:buClr>
+                <a:schemeClr val="accent2"/>
+              </a:buClr>
+              <a:buFont typeface="Wingdings" panose="05000000000000000000" pitchFamily="2" charset="2"/>
+              <a:buNone/>
+            </a:pPr>
+            <a:r>
+              <a:rPr lang="zh-CN" altLang="en-US" dirty="0">
+                <a:solidFill>
+                  <a:schemeClr val="tx1"/>
+                </a:solidFill>
+                <a:ea typeface="宋体" panose="02010600030101010101" pitchFamily="2" charset="-122"/>
+              </a:rPr>
+              <a:t>增加新功能</a:t>
+            </a:r>
           </a:p>
         </p:txBody>
       </p:sp>
@@ -11327,10 +9463,10 @@
           <p:cNvSpPr/>
           <p:nvPr/>
         </p:nvSpPr>
-        <p:spPr>
+        <p:spPr bwMode="auto">
           <a:xfrm>
-            <a:off x="306705" y="883285"/>
-            <a:ext cx="11157585" cy="1294765"/>
+            <a:off x="6648447" y="883285"/>
+            <a:ext cx="2419353" cy="438467"/>
           </a:xfrm>
           <a:prstGeom prst="roundRect">
             <a:avLst/>
@@ -11351,182 +9487,29 @@
           </a:fontRef>
         </p:style>
         <p:txBody>
-          <a:bodyPr anchor="ctr"/>
+          <a:bodyPr rtlCol="0" anchor="ctr"/>
+          <a:lstStyle/>
           <a:p>
-            <a:pPr marL="342900" indent="-342900" fontAlgn="auto">
-              <a:lnSpc>
-                <a:spcPct val="150000"/>
-              </a:lnSpc>
+            <a:pPr eaLnBrk="1" hangingPunct="1">
               <a:spcBef>
                 <a:spcPct val="0"/>
               </a:spcBef>
               <a:buClr>
                 <a:schemeClr val="accent2"/>
               </a:buClr>
-              <a:buFont typeface="Wingdings" panose="05000000000000000000" charset="0"/>
-              <a:buChar char="l"/>
+              <a:buFont typeface="Wingdings" panose="05000000000000000000" pitchFamily="2" charset="2"/>
+              <a:buNone/>
             </a:pPr>
             <a:r>
-              <a:rPr lang="zh-CN" altLang="en-US" sz="1400" dirty="0" smtClean="0">
-                <a:solidFill>
-                  <a:schemeClr val="tx1"/>
-                </a:solidFill>
-                <a:sym typeface="+mn-ea"/>
-              </a:rPr>
-              <a:t>对可视化工具进行版本管理，编写和完善功能设计和完善接口设计文档，并按照技术预研计划，逐步实现相关功能。</a:t>
-            </a:r>
-            <a:endParaRPr lang="zh-CN" altLang="en-US" sz="1400" dirty="0" smtClean="0">
-              <a:solidFill>
-                <a:schemeClr val="tx1"/>
-              </a:solidFill>
-              <a:sym typeface="+mn-ea"/>
-            </a:endParaRPr>
-          </a:p>
-          <a:p>
-            <a:pPr marL="342900" indent="-342900" fontAlgn="auto">
-              <a:lnSpc>
-                <a:spcPct val="150000"/>
-              </a:lnSpc>
-              <a:spcBef>
-                <a:spcPct val="0"/>
-              </a:spcBef>
-              <a:buClr>
-                <a:schemeClr val="accent2"/>
-              </a:buClr>
-              <a:buFont typeface="Wingdings" panose="05000000000000000000" charset="0"/>
-              <a:buChar char="l"/>
-            </a:pPr>
-            <a:r>
-              <a:rPr lang="zh-CN" altLang="en-US" sz="1400" dirty="0" smtClean="0">
-                <a:solidFill>
-                  <a:schemeClr val="tx1"/>
-                </a:solidFill>
-                <a:sym typeface="+mn-ea"/>
-              </a:rPr>
-              <a:t>可视化工具与黄埔</a:t>
-            </a:r>
-            <a:r>
-              <a:rPr lang="zh-CN" altLang="en-US" sz="1400" dirty="0">
-                <a:solidFill>
-                  <a:schemeClr val="tx1"/>
-                </a:solidFill>
-                <a:sym typeface="+mn-ea"/>
-              </a:rPr>
-              <a:t>邮件</a:t>
-            </a:r>
-            <a:r>
-              <a:rPr lang="zh-CN" altLang="en-US" sz="1400" dirty="0" smtClean="0">
-                <a:solidFill>
-                  <a:schemeClr val="tx1"/>
-                </a:solidFill>
-                <a:sym typeface="+mn-ea"/>
-              </a:rPr>
-              <a:t>、黄埔话单、天津</a:t>
-            </a:r>
-            <a:r>
-              <a:rPr lang="zh-CN" altLang="en-US" sz="1400" dirty="0">
-                <a:solidFill>
-                  <a:schemeClr val="tx1"/>
-                </a:solidFill>
-                <a:sym typeface="+mn-ea"/>
-              </a:rPr>
-              <a:t>邮件</a:t>
-            </a:r>
-            <a:r>
-              <a:rPr lang="zh-CN" altLang="en-US" sz="1400" dirty="0" smtClean="0">
-                <a:solidFill>
-                  <a:schemeClr val="tx1"/>
-                </a:solidFill>
-                <a:sym typeface="+mn-ea"/>
-              </a:rPr>
-              <a:t>、</a:t>
-            </a:r>
-            <a:r>
-              <a:rPr lang="zh-CN" altLang="en-US" sz="1400" dirty="0">
-                <a:solidFill>
-                  <a:schemeClr val="tx1"/>
-                </a:solidFill>
-                <a:sym typeface="+mn-ea"/>
-              </a:rPr>
-              <a:t>沈阳</a:t>
-            </a:r>
-            <a:r>
-              <a:rPr lang="zh-CN" altLang="en-US" sz="1400" dirty="0" smtClean="0">
-                <a:solidFill>
-                  <a:schemeClr val="tx1"/>
-                </a:solidFill>
-                <a:sym typeface="+mn-ea"/>
-              </a:rPr>
-              <a:t>邮件、大连鹰眼、社交媒体分析等项目的对接工作以及</a:t>
-            </a:r>
-            <a:r>
-              <a:rPr lang="zh-CN" altLang="en-US" sz="1400" dirty="0">
-                <a:solidFill>
-                  <a:schemeClr val="tx1"/>
-                </a:solidFill>
-                <a:sym typeface="+mn-ea"/>
-              </a:rPr>
-              <a:t>相关</a:t>
-            </a:r>
-            <a:r>
-              <a:rPr lang="zh-CN" altLang="en-US" sz="1400" dirty="0" smtClean="0">
-                <a:solidFill>
-                  <a:schemeClr val="tx1"/>
-                </a:solidFill>
-                <a:sym typeface="+mn-ea"/>
-              </a:rPr>
-              <a:t>业务功能实现。</a:t>
-            </a:r>
-            <a:endParaRPr lang="zh-CN" altLang="en-US" sz="1400" dirty="0" smtClean="0">
-              <a:solidFill>
-                <a:schemeClr val="tx1"/>
-              </a:solidFill>
-              <a:sym typeface="+mn-ea"/>
-            </a:endParaRPr>
-          </a:p>
-          <a:p>
-            <a:pPr marL="342900" indent="-342900" fontAlgn="auto">
-              <a:lnSpc>
-                <a:spcPct val="150000"/>
-              </a:lnSpc>
-              <a:spcBef>
-                <a:spcPct val="0"/>
-              </a:spcBef>
-              <a:buClr>
-                <a:schemeClr val="accent2"/>
-              </a:buClr>
-              <a:buFont typeface="Wingdings" panose="05000000000000000000" charset="0"/>
-              <a:buChar char="l"/>
-            </a:pPr>
-            <a:r>
-              <a:rPr lang="zh-CN" altLang="en-US" sz="1400" dirty="0" smtClean="0">
+              <a:rPr lang="zh-CN" altLang="en-US" sz="1200" dirty="0" smtClean="0">
                 <a:solidFill>
                   <a:schemeClr val="tx1"/>
                 </a:solidFill>
                 <a:ea typeface="宋体" panose="02010600030101010101" pitchFamily="2" charset="-122"/>
               </a:rPr>
-              <a:t>在可视化与项目对接的过程中，优化和完善既有功能，并</a:t>
-            </a:r>
-            <a:r>
-              <a:rPr lang="zh-CN" altLang="en-US" sz="1400" dirty="0" smtClean="0">
-                <a:solidFill>
-                  <a:schemeClr val="tx1"/>
-                </a:solidFill>
-                <a:ea typeface="宋体" panose="02010600030101010101" pitchFamily="2" charset="-122"/>
-                <a:sym typeface="+mn-ea"/>
-              </a:rPr>
-              <a:t>分析和总结项目需求</a:t>
-            </a:r>
-            <a:r>
-              <a:rPr lang="zh-CN" altLang="en-US" sz="1400" dirty="0" smtClean="0">
-                <a:solidFill>
-                  <a:schemeClr val="tx1"/>
-                </a:solidFill>
-                <a:ea typeface="宋体" panose="02010600030101010101" pitchFamily="2" charset="-122"/>
-              </a:rPr>
-              <a:t>，提炼出新的功能，整合进可视化工具中。</a:t>
-            </a:r>
-            <a:endParaRPr lang="zh-CN" altLang="en-US" sz="1400" dirty="0" smtClean="0">
+              <a:t>在各项目中实现可视化通用功能。</a:t>
+            </a:r>
+            <a:endParaRPr lang="zh-CN" altLang="en-US" sz="1200" dirty="0" smtClean="0">
               <a:solidFill>
                 <a:schemeClr val="tx1"/>
               </a:solidFill>
@@ -11541,10 +9524,10 @@
           <p:cNvSpPr/>
           <p:nvPr/>
         </p:nvSpPr>
-        <p:spPr>
+        <p:spPr bwMode="auto">
           <a:xfrm>
-            <a:off x="306705" y="2884805"/>
-            <a:ext cx="11158220" cy="859155"/>
+            <a:off x="6648449" y="1498878"/>
+            <a:ext cx="3714752" cy="447675"/>
           </a:xfrm>
           <a:prstGeom prst="roundRect">
             <a:avLst/>
@@ -11565,151 +9548,29 @@
           </a:fontRef>
         </p:style>
         <p:txBody>
-          <a:bodyPr anchor="ctr"/>
+          <a:bodyPr rtlCol="0" anchor="ctr"/>
+          <a:lstStyle/>
           <a:p>
-            <a:pPr marL="285750" indent="-285750" fontAlgn="auto">
-              <a:lnSpc>
-                <a:spcPct val="150000"/>
-              </a:lnSpc>
+            <a:pPr eaLnBrk="1" hangingPunct="1">
               <a:spcBef>
                 <a:spcPct val="0"/>
               </a:spcBef>
               <a:buClr>
                 <a:schemeClr val="accent2"/>
               </a:buClr>
-              <a:buFont typeface="Wingdings" panose="05000000000000000000" charset="0"/>
-              <a:buChar char="l"/>
+              <a:buFont typeface="Wingdings" panose="05000000000000000000" pitchFamily="2" charset="2"/>
+              <a:buNone/>
             </a:pPr>
             <a:r>
-              <a:rPr lang="zh-CN" sz="1400" dirty="0" smtClean="0">
+              <a:rPr lang="zh-CN" altLang="en-US" sz="1200" dirty="0" smtClean="0">
                 <a:solidFill>
                   <a:schemeClr val="tx1"/>
                 </a:solidFill>
                 <a:ea typeface="宋体" panose="02010600030101010101" pitchFamily="2" charset="-122"/>
               </a:rPr>
-              <a:t>对</a:t>
-            </a:r>
-            <a:r>
-              <a:rPr lang="en-US" altLang="zh-CN" sz="1400" dirty="0" smtClean="0">
-                <a:solidFill>
-                  <a:schemeClr val="tx1"/>
-                </a:solidFill>
-                <a:ea typeface="宋体" panose="02010600030101010101" pitchFamily="2" charset="-122"/>
-              </a:rPr>
-              <a:t>GIS</a:t>
-            </a:r>
-            <a:r>
-              <a:rPr lang="zh-CN" altLang="en-US" sz="1400" dirty="0" smtClean="0">
-                <a:solidFill>
-                  <a:schemeClr val="tx1"/>
-                </a:solidFill>
-                <a:ea typeface="宋体" panose="02010600030101010101" pitchFamily="2" charset="-122"/>
-              </a:rPr>
-              <a:t>功能展开技术预研，学习</a:t>
-            </a:r>
-            <a:r>
-              <a:rPr lang="en-US" altLang="zh-CN" sz="1400" dirty="0" smtClean="0">
-                <a:solidFill>
-                  <a:schemeClr val="tx1"/>
-                </a:solidFill>
-                <a:ea typeface="宋体" panose="02010600030101010101" pitchFamily="2" charset="-122"/>
-              </a:rPr>
-              <a:t>OpenLayers</a:t>
-            </a:r>
-            <a:r>
-              <a:rPr lang="zh-CN" altLang="en-US" sz="1400" dirty="0" smtClean="0">
-                <a:solidFill>
-                  <a:schemeClr val="tx1"/>
-                </a:solidFill>
-                <a:ea typeface="宋体" panose="02010600030101010101" pitchFamily="2" charset="-122"/>
-              </a:rPr>
-              <a:t>的基础知识，实现常用</a:t>
-            </a:r>
-            <a:r>
-              <a:rPr lang="en-US" altLang="zh-CN" sz="1400" dirty="0" smtClean="0">
-                <a:solidFill>
-                  <a:schemeClr val="tx1"/>
-                </a:solidFill>
-                <a:ea typeface="宋体" panose="02010600030101010101" pitchFamily="2" charset="-122"/>
-              </a:rPr>
-              <a:t>GIS</a:t>
-            </a:r>
-            <a:r>
-              <a:rPr lang="zh-CN" altLang="en-US" sz="1400" dirty="0" smtClean="0">
-                <a:solidFill>
-                  <a:schemeClr val="tx1"/>
-                </a:solidFill>
-                <a:ea typeface="宋体" panose="02010600030101010101" pitchFamily="2" charset="-122"/>
-              </a:rPr>
-              <a:t>功能，为</a:t>
-            </a:r>
-            <a:r>
-              <a:rPr lang="en-US" altLang="zh-CN" sz="1400" dirty="0" smtClean="0">
-                <a:solidFill>
-                  <a:schemeClr val="tx1"/>
-                </a:solidFill>
-                <a:ea typeface="宋体" panose="02010600030101010101" pitchFamily="2" charset="-122"/>
-              </a:rPr>
-              <a:t>GIS</a:t>
-            </a:r>
-            <a:r>
-              <a:rPr lang="zh-CN" altLang="en-US" sz="1400" dirty="0" smtClean="0">
-                <a:solidFill>
-                  <a:schemeClr val="tx1"/>
-                </a:solidFill>
-                <a:ea typeface="宋体" panose="02010600030101010101" pitchFamily="2" charset="-122"/>
-              </a:rPr>
-              <a:t>工具的封装做准备。</a:t>
-            </a:r>
-            <a:endParaRPr lang="zh-CN" altLang="en-US" sz="1400" dirty="0" smtClean="0">
-              <a:solidFill>
-                <a:schemeClr val="tx1"/>
-              </a:solidFill>
-              <a:ea typeface="宋体" panose="02010600030101010101" pitchFamily="2" charset="-122"/>
-            </a:endParaRPr>
-          </a:p>
-          <a:p>
-            <a:pPr marL="285750" indent="-285750" fontAlgn="auto">
-              <a:lnSpc>
-                <a:spcPct val="150000"/>
-              </a:lnSpc>
-              <a:spcBef>
-                <a:spcPct val="0"/>
-              </a:spcBef>
-              <a:buClr>
-                <a:schemeClr val="accent2"/>
-              </a:buClr>
-              <a:buFont typeface="Wingdings" panose="05000000000000000000" charset="0"/>
-              <a:buChar char="l"/>
-            </a:pPr>
-            <a:r>
-              <a:rPr lang="zh-CN" altLang="en-US" sz="1400" dirty="0" smtClean="0">
-                <a:solidFill>
-                  <a:schemeClr val="tx1"/>
-                </a:solidFill>
-                <a:ea typeface="宋体" panose="02010600030101010101" pitchFamily="2" charset="-122"/>
-              </a:rPr>
-              <a:t>参与四川</a:t>
-            </a:r>
-            <a:r>
-              <a:rPr lang="en-US" altLang="zh-CN" sz="1400" dirty="0" smtClean="0">
-                <a:solidFill>
-                  <a:schemeClr val="tx1"/>
-                </a:solidFill>
-                <a:ea typeface="宋体" panose="02010600030101010101" pitchFamily="2" charset="-122"/>
-              </a:rPr>
-              <a:t>GIS</a:t>
-            </a:r>
-            <a:r>
-              <a:rPr lang="zh-CN" altLang="en-US" sz="1400" dirty="0" smtClean="0">
-                <a:solidFill>
-                  <a:schemeClr val="tx1"/>
-                </a:solidFill>
-                <a:ea typeface="宋体" panose="02010600030101010101" pitchFamily="2" charset="-122"/>
-              </a:rPr>
-              <a:t>二期的开发和与采集人员的对接等工作。</a:t>
-            </a:r>
-            <a:endParaRPr lang="zh-CN" altLang="en-US" sz="1400" dirty="0" smtClean="0">
+              <a:t>根据具体需求，实现与需求紧密关联的可视化功能。</a:t>
+            </a:r>
+            <a:endParaRPr lang="zh-CN" altLang="en-US" sz="1200" dirty="0" smtClean="0">
               <a:solidFill>
                 <a:schemeClr val="tx1"/>
               </a:solidFill>
@@ -11724,10 +9585,10 @@
           <p:cNvSpPr/>
           <p:nvPr/>
         </p:nvSpPr>
-        <p:spPr>
+        <p:spPr bwMode="auto">
           <a:xfrm>
-            <a:off x="306705" y="2178050"/>
-            <a:ext cx="11156950" cy="706755"/>
+            <a:off x="6710976" y="2148719"/>
+            <a:ext cx="4849452" cy="666909"/>
           </a:xfrm>
           <a:prstGeom prst="roundRect">
             <a:avLst/>
@@ -11748,68 +9609,47 @@
           </a:fontRef>
         </p:style>
         <p:txBody>
-          <a:bodyPr anchor="ctr"/>
+          <a:bodyPr rtlCol="0" anchor="ctr"/>
+          <a:lstStyle/>
           <a:p>
-            <a:pPr marL="285750" indent="-285750" eaLnBrk="1" hangingPunct="1">
+            <a:pPr eaLnBrk="1" hangingPunct="1">
               <a:spcBef>
                 <a:spcPct val="0"/>
               </a:spcBef>
               <a:buClr>
                 <a:schemeClr val="accent2"/>
               </a:buClr>
-              <a:buFont typeface="Wingdings" panose="05000000000000000000" charset="0"/>
-              <a:buChar char="l"/>
+              <a:buFont typeface="Wingdings" panose="05000000000000000000" pitchFamily="2" charset="2"/>
+              <a:buNone/>
             </a:pPr>
             <a:r>
-              <a:rPr lang="zh-CN" altLang="en-US" sz="1400" dirty="0" smtClean="0">
-                <a:solidFill>
-                  <a:schemeClr val="tx1"/>
-                </a:solidFill>
-                <a:ea typeface="宋体" panose="02010600030101010101" pitchFamily="2" charset="-122"/>
-                <a:sym typeface="+mn-ea"/>
-              </a:rPr>
-              <a:t>使用</a:t>
-            </a:r>
-            <a:r>
-              <a:rPr lang="en-US" altLang="zh-CN" sz="1400" dirty="0" smtClean="0">
-                <a:solidFill>
-                  <a:schemeClr val="tx1"/>
-                </a:solidFill>
-                <a:ea typeface="宋体" panose="02010600030101010101" pitchFamily="2" charset="-122"/>
-                <a:sym typeface="+mn-ea"/>
-              </a:rPr>
-              <a:t>Echarts</a:t>
-            </a:r>
-            <a:r>
-              <a:rPr lang="zh-CN" altLang="en-US" sz="1400" dirty="0" smtClean="0">
-                <a:solidFill>
-                  <a:schemeClr val="tx1"/>
-                </a:solidFill>
-                <a:ea typeface="宋体" panose="02010600030101010101" pitchFamily="2" charset="-122"/>
-                <a:sym typeface="+mn-ea"/>
-              </a:rPr>
-              <a:t>等</a:t>
-            </a:r>
-            <a:r>
-              <a:rPr lang="zh-CN" altLang="en-US" sz="1400" dirty="0" smtClean="0">
-                <a:solidFill>
-                  <a:schemeClr val="tx1"/>
-                </a:solidFill>
-                <a:ea typeface="宋体" panose="02010600030101010101" pitchFamily="2" charset="-122"/>
-                <a:sym typeface="+mn-ea"/>
-              </a:rPr>
-              <a:t>技术，</a:t>
-            </a:r>
-            <a:r>
-              <a:rPr lang="zh-CN" altLang="en-US" sz="1400" dirty="0" smtClean="0">
+              <a:rPr lang="zh-CN" altLang="en-US" sz="1200" dirty="0" smtClean="0">
                 <a:solidFill>
                   <a:schemeClr val="tx1"/>
                 </a:solidFill>
                 <a:ea typeface="宋体" panose="02010600030101010101" pitchFamily="2" charset="-122"/>
               </a:rPr>
-              <a:t>参与数据资源地图项目以及海外利益分析项目的设计和开发工作。</a:t>
-            </a:r>
-            <a:endParaRPr lang="zh-CN" altLang="en-US" sz="1400" dirty="0" smtClean="0">
+              <a:t>对可视化工具进行了版本管理，最新版本维护至</a:t>
+            </a:r>
+            <a:r>
+              <a:rPr lang="en-US" altLang="zh-CN" sz="1200" dirty="0" smtClean="0">
+                <a:solidFill>
+                  <a:schemeClr val="tx1"/>
+                </a:solidFill>
+                <a:ea typeface="宋体" panose="02010600030101010101" pitchFamily="2" charset="-122"/>
+              </a:rPr>
+              <a:t>1.1.1</a:t>
+            </a:r>
+            <a:r>
+              <a:rPr lang="zh-CN" altLang="en-US" sz="1200" dirty="0" smtClean="0">
+                <a:solidFill>
+                  <a:schemeClr val="tx1"/>
+                </a:solidFill>
+                <a:ea typeface="宋体" panose="02010600030101010101" pitchFamily="2" charset="-122"/>
+              </a:rPr>
+              <a:t>，并添加版本履历文档，对每一次版本更新的内容进行详细说明。</a:t>
+            </a:r>
+            <a:endParaRPr lang="zh-CN" altLang="en-US" sz="1200" dirty="0" smtClean="0">
               <a:solidFill>
                 <a:schemeClr val="tx1"/>
               </a:solidFill>
@@ -11824,10 +9664,10 @@
           <p:cNvSpPr/>
           <p:nvPr/>
         </p:nvSpPr>
-        <p:spPr>
+        <p:spPr bwMode="auto">
           <a:xfrm>
-            <a:off x="306705" y="3743960"/>
-            <a:ext cx="11158220" cy="995045"/>
+            <a:off x="6710976" y="3014319"/>
+            <a:ext cx="4985257" cy="695324"/>
           </a:xfrm>
           <a:prstGeom prst="roundRect">
             <a:avLst/>
@@ -11848,64 +9688,29 @@
           </a:fontRef>
         </p:style>
         <p:txBody>
-          <a:bodyPr anchor="ctr"/>
+          <a:bodyPr rtlCol="0" anchor="ctr"/>
+          <a:lstStyle/>
           <a:p>
-            <a:pPr marL="285750" indent="-285750" fontAlgn="auto">
-              <a:lnSpc>
-                <a:spcPct val="150000"/>
-              </a:lnSpc>
+            <a:pPr eaLnBrk="1" hangingPunct="1">
               <a:spcBef>
                 <a:spcPct val="0"/>
               </a:spcBef>
               <a:buClr>
                 <a:schemeClr val="accent2"/>
               </a:buClr>
-              <a:buFont typeface="Wingdings" panose="05000000000000000000" charset="0"/>
-              <a:buChar char="l"/>
+              <a:buFont typeface="Wingdings" panose="05000000000000000000" pitchFamily="2" charset="2"/>
+              <a:buNone/>
             </a:pPr>
             <a:r>
-              <a:rPr lang="zh-CN" sz="1400" dirty="0" smtClean="0">
+              <a:rPr lang="zh-CN" altLang="en-US" sz="1200" dirty="0" smtClean="0">
                 <a:solidFill>
                   <a:schemeClr val="tx1"/>
                 </a:solidFill>
                 <a:ea typeface="宋体" panose="02010600030101010101" pitchFamily="2" charset="-122"/>
-                <a:sym typeface="+mn-ea"/>
               </a:rPr>
-              <a:t>负责可视化小组成员的日报审批和相关工作分配，培养新人。</a:t>
-            </a:r>
-            <a:endParaRPr lang="zh-CN" sz="1400" dirty="0" smtClean="0">
-              <a:solidFill>
-                <a:schemeClr val="tx1"/>
-              </a:solidFill>
-              <a:ea typeface="宋体" panose="02010600030101010101" pitchFamily="2" charset="-122"/>
-              <a:sym typeface="+mn-ea"/>
-            </a:endParaRPr>
-          </a:p>
-          <a:p>
-            <a:pPr marL="285750" indent="-285750" fontAlgn="auto">
-              <a:lnSpc>
-                <a:spcPct val="150000"/>
-              </a:lnSpc>
-              <a:spcBef>
-                <a:spcPct val="0"/>
-              </a:spcBef>
-              <a:buClr>
-                <a:schemeClr val="accent2"/>
-              </a:buClr>
-              <a:buFont typeface="Wingdings" panose="05000000000000000000" charset="0"/>
-              <a:buChar char="l"/>
-            </a:pPr>
-            <a:r>
-              <a:rPr lang="zh-CN" sz="1400" dirty="0" smtClean="0">
-                <a:solidFill>
-                  <a:schemeClr val="tx1"/>
-                </a:solidFill>
-                <a:ea typeface="宋体" panose="02010600030101010101" pitchFamily="2" charset="-122"/>
-                <a:sym typeface="+mn-ea"/>
-              </a:rPr>
-              <a:t>参与部分项目的管理工作，主要是编制进度计划，监督完成状况，帮助解决问题。</a:t>
-            </a:r>
-            <a:endParaRPr lang="zh-CN" sz="1400" dirty="0" smtClean="0">
+              <a:t>编写了功能设计策划文档，方便后续编制功能研发计划，以及让产品人员更容易了解可视化的功能构成和使用方式；完善了接口设计文档，方便后续与项目中的业务功能对接。</a:t>
+            </a:r>
+            <a:endParaRPr lang="zh-CN" altLang="en-US" sz="1200" dirty="0" smtClean="0">
               <a:solidFill>
                 <a:schemeClr val="tx1"/>
               </a:solidFill>
@@ -11916,14 +9721,14 @@
       </p:sp>
       <p:sp>
         <p:nvSpPr>
-          <p:cNvPr id="15" name="圆角矩形 14"/>
+          <p:cNvPr id="17" name="圆角矩形 16"/>
           <p:cNvSpPr/>
           <p:nvPr/>
         </p:nvSpPr>
-        <p:spPr>
+        <p:spPr bwMode="auto">
           <a:xfrm>
-            <a:off x="306705" y="4739005"/>
-            <a:ext cx="11158855" cy="900430"/>
+            <a:off x="6710976" y="4003666"/>
+            <a:ext cx="4731760" cy="847436"/>
           </a:xfrm>
           <a:prstGeom prst="roundRect">
             <a:avLst/>
@@ -11944,38 +9749,486 @@
           </a:fontRef>
         </p:style>
         <p:txBody>
-          <a:bodyPr anchor="ctr"/>
+          <a:bodyPr rtlCol="0" anchor="ctr"/>
+          <a:lstStyle/>
           <a:p>
-            <a:pPr marL="285750" indent="-285750" eaLnBrk="1" hangingPunct="1">
+            <a:pPr eaLnBrk="1" hangingPunct="1">
               <a:spcBef>
                 <a:spcPct val="0"/>
               </a:spcBef>
               <a:buClr>
                 <a:schemeClr val="accent2"/>
               </a:buClr>
-              <a:buFont typeface="Wingdings" panose="05000000000000000000" charset="0"/>
-              <a:buChar char="l"/>
+              <a:buFont typeface="Wingdings" panose="05000000000000000000" pitchFamily="2" charset="2"/>
+              <a:buNone/>
             </a:pPr>
             <a:r>
-              <a:rPr lang="zh-CN" sz="1400" dirty="0" smtClean="0">
+              <a:rPr lang="zh-CN" altLang="en-US" sz="1200" dirty="0" smtClean="0">
                 <a:solidFill>
                   <a:schemeClr val="tx1"/>
                 </a:solidFill>
                 <a:ea typeface="宋体" panose="02010600030101010101" pitchFamily="2" charset="-122"/>
-                <a:sym typeface="+mn-ea"/>
               </a:rPr>
-              <a:t>其他琐碎工作。</a:t>
-            </a:r>
-            <a:endParaRPr lang="zh-CN" sz="1400" dirty="0" smtClean="0">
+              <a:t>根据可视化在项目中的实际使用效果，修改可视化工具的</a:t>
+            </a:r>
+            <a:r>
+              <a:rPr lang="en-US" altLang="zh-CN" sz="1200" dirty="0" smtClean="0">
+                <a:solidFill>
+                  <a:schemeClr val="tx1"/>
+                </a:solidFill>
+                <a:ea typeface="宋体" panose="02010600030101010101" pitchFamily="2" charset="-122"/>
+              </a:rPr>
+              <a:t>bug</a:t>
+            </a:r>
+            <a:r>
+              <a:rPr lang="zh-CN" altLang="en-US" sz="1200" dirty="0" smtClean="0">
+                <a:solidFill>
+                  <a:schemeClr val="tx1"/>
+                </a:solidFill>
+                <a:ea typeface="宋体" panose="02010600030101010101" pitchFamily="2" charset="-122"/>
+              </a:rPr>
+              <a:t>，优化部分已有功能，例如布局切换、路径分析、平行链接以及撤销恢复操作等功能。</a:t>
+            </a:r>
+            <a:endParaRPr lang="zh-CN" altLang="en-US" sz="1200" dirty="0" smtClean="0">
               <a:solidFill>
                 <a:schemeClr val="tx1"/>
               </a:solidFill>
               <a:ea typeface="宋体" panose="02010600030101010101" pitchFamily="2" charset="-122"/>
-              <a:sym typeface="+mn-ea"/>
             </a:endParaRPr>
           </a:p>
         </p:txBody>
       </p:sp>
+      <p:sp>
+        <p:nvSpPr>
+          <p:cNvPr id="18" name="圆角矩形 17"/>
+          <p:cNvSpPr/>
+          <p:nvPr/>
+        </p:nvSpPr>
+        <p:spPr bwMode="auto">
+          <a:xfrm>
+            <a:off x="6648449" y="5185042"/>
+            <a:ext cx="4914338" cy="831316"/>
+          </a:xfrm>
+          <a:prstGeom prst="roundRect">
+            <a:avLst/>
+          </a:prstGeom>
+        </p:spPr>
+        <p:style>
+          <a:lnRef idx="2">
+            <a:schemeClr val="accent5"/>
+          </a:lnRef>
+          <a:fillRef idx="1">
+            <a:schemeClr val="lt1"/>
+          </a:fillRef>
+          <a:effectRef idx="0">
+            <a:schemeClr val="accent5"/>
+          </a:effectRef>
+          <a:fontRef idx="minor">
+            <a:schemeClr val="dk1"/>
+          </a:fontRef>
+        </p:style>
+        <p:txBody>
+          <a:bodyPr rtlCol="0" anchor="ctr"/>
+          <a:lstStyle/>
+          <a:p>
+            <a:pPr eaLnBrk="1" hangingPunct="1">
+              <a:spcBef>
+                <a:spcPct val="0"/>
+              </a:spcBef>
+              <a:buClr>
+                <a:schemeClr val="accent2"/>
+              </a:buClr>
+              <a:buFont typeface="Wingdings" panose="05000000000000000000" pitchFamily="2" charset="2"/>
+              <a:buNone/>
+            </a:pPr>
+            <a:r>
+              <a:rPr lang="zh-CN" altLang="en-US" sz="1200" dirty="0" smtClean="0">
+                <a:solidFill>
+                  <a:schemeClr val="tx1"/>
+                </a:solidFill>
+                <a:ea typeface="宋体" panose="02010600030101010101" pitchFamily="2" charset="-122"/>
+              </a:rPr>
+              <a:t>根据功能研发计划和实际项目需要，增加了一系列新功能，例如环形右键菜单、环形树布局、自动寻位、自定义画板等功能。</a:t>
+            </a:r>
+            <a:endParaRPr lang="zh-CN" altLang="en-US" sz="1200" dirty="0" smtClean="0">
+              <a:solidFill>
+                <a:schemeClr val="tx1"/>
+              </a:solidFill>
+              <a:ea typeface="宋体" panose="02010600030101010101" pitchFamily="2" charset="-122"/>
+            </a:endParaRPr>
+          </a:p>
+        </p:txBody>
+      </p:sp>
+      <p:cxnSp>
+        <p:nvCxnSpPr>
+          <p:cNvPr id="19" name="直接箭头连接符 18"/>
+          <p:cNvCxnSpPr>
+            <a:stCxn id="5" idx="0"/>
+            <a:endCxn id="6" idx="1"/>
+          </p:cNvCxnSpPr>
+          <p:nvPr/>
+        </p:nvCxnSpPr>
+        <p:spPr>
+          <a:xfrm rot="5400000" flipH="1" flipV="1">
+            <a:off x="2264764" y="1026514"/>
+            <a:ext cx="964565" cy="1573458"/>
+          </a:xfrm>
+          <a:prstGeom prst="bentConnector2">
+            <a:avLst/>
+          </a:prstGeom>
+          <a:ln w="57150">
+            <a:tailEnd type="arrow"/>
+          </a:ln>
+        </p:spPr>
+        <p:style>
+          <a:lnRef idx="1">
+            <a:schemeClr val="accent1"/>
+          </a:lnRef>
+          <a:fillRef idx="0">
+            <a:schemeClr val="accent1"/>
+          </a:fillRef>
+          <a:effectRef idx="0">
+            <a:schemeClr val="accent1"/>
+          </a:effectRef>
+          <a:fontRef idx="minor">
+            <a:schemeClr val="tx1"/>
+          </a:fontRef>
+        </p:style>
+      </p:cxnSp>
+      <p:cxnSp>
+        <p:nvCxnSpPr>
+          <p:cNvPr id="22" name="直接箭头连接符 21"/>
+          <p:cNvCxnSpPr>
+            <a:stCxn id="5" idx="6"/>
+            <a:endCxn id="8" idx="1"/>
+          </p:cNvCxnSpPr>
+          <p:nvPr/>
+        </p:nvCxnSpPr>
+        <p:spPr>
+          <a:xfrm flipV="1">
+            <a:off x="3117604" y="2815628"/>
+            <a:ext cx="787646" cy="622897"/>
+          </a:xfrm>
+          <a:prstGeom prst="bentConnector3">
+            <a:avLst>
+              <a:gd name="adj1" fmla="val 50000"/>
+            </a:avLst>
+          </a:prstGeom>
+          <a:ln w="57150">
+            <a:tailEnd type="arrow"/>
+          </a:ln>
+        </p:spPr>
+        <p:style>
+          <a:lnRef idx="1">
+            <a:schemeClr val="accent1"/>
+          </a:lnRef>
+          <a:fillRef idx="0">
+            <a:schemeClr val="accent1"/>
+          </a:fillRef>
+          <a:effectRef idx="0">
+            <a:schemeClr val="accent1"/>
+          </a:effectRef>
+          <a:fontRef idx="minor">
+            <a:schemeClr val="tx1"/>
+          </a:fontRef>
+        </p:style>
+      </p:cxnSp>
+      <p:cxnSp>
+        <p:nvCxnSpPr>
+          <p:cNvPr id="25" name="直接箭头连接符 24"/>
+          <p:cNvCxnSpPr>
+            <a:stCxn id="5" idx="6"/>
+            <a:endCxn id="9" idx="1"/>
+          </p:cNvCxnSpPr>
+          <p:nvPr/>
+        </p:nvCxnSpPr>
+        <p:spPr>
+          <a:xfrm>
+            <a:off x="3117604" y="3438525"/>
+            <a:ext cx="787646" cy="776807"/>
+          </a:xfrm>
+          <a:prstGeom prst="bentConnector3">
+            <a:avLst>
+              <a:gd name="adj1" fmla="val 50000"/>
+            </a:avLst>
+          </a:prstGeom>
+          <a:ln w="57150">
+            <a:tailEnd type="arrow"/>
+          </a:ln>
+        </p:spPr>
+        <p:style>
+          <a:lnRef idx="1">
+            <a:schemeClr val="accent1"/>
+          </a:lnRef>
+          <a:fillRef idx="0">
+            <a:schemeClr val="accent1"/>
+          </a:fillRef>
+          <a:effectRef idx="0">
+            <a:schemeClr val="accent1"/>
+          </a:effectRef>
+          <a:fontRef idx="minor">
+            <a:schemeClr val="tx1"/>
+          </a:fontRef>
+        </p:style>
+      </p:cxnSp>
+      <p:cxnSp>
+        <p:nvCxnSpPr>
+          <p:cNvPr id="28" name="直接箭头连接符 27"/>
+          <p:cNvCxnSpPr>
+            <a:stCxn id="5" idx="4"/>
+            <a:endCxn id="10" idx="1"/>
+          </p:cNvCxnSpPr>
+          <p:nvPr/>
+        </p:nvCxnSpPr>
+        <p:spPr>
+          <a:xfrm rot="16200000" flipH="1">
+            <a:off x="2298056" y="4243785"/>
+            <a:ext cx="1019175" cy="1694653"/>
+          </a:xfrm>
+          <a:prstGeom prst="bentConnector2">
+            <a:avLst/>
+          </a:prstGeom>
+          <a:ln w="57150">
+            <a:tailEnd type="arrow"/>
+          </a:ln>
+        </p:spPr>
+        <p:style>
+          <a:lnRef idx="1">
+            <a:schemeClr val="accent1"/>
+          </a:lnRef>
+          <a:fillRef idx="0">
+            <a:schemeClr val="accent1"/>
+          </a:fillRef>
+          <a:effectRef idx="0">
+            <a:schemeClr val="accent1"/>
+          </a:effectRef>
+          <a:fontRef idx="minor">
+            <a:schemeClr val="tx1"/>
+          </a:fontRef>
+        </p:style>
+      </p:cxnSp>
+      <p:cxnSp>
+        <p:nvCxnSpPr>
+          <p:cNvPr id="30" name="直接箭头连接符 29"/>
+          <p:cNvCxnSpPr>
+            <a:stCxn id="6" idx="3"/>
+            <a:endCxn id="11" idx="1"/>
+          </p:cNvCxnSpPr>
+          <p:nvPr/>
+        </p:nvCxnSpPr>
+        <p:spPr>
+          <a:xfrm flipV="1">
+            <a:off x="5553075" y="1102519"/>
+            <a:ext cx="1095372" cy="228441"/>
+          </a:xfrm>
+          <a:prstGeom prst="straightConnector1">
+            <a:avLst/>
+          </a:prstGeom>
+          <a:ln w="28575">
+            <a:prstDash val="sysDash"/>
+            <a:tailEnd type="none"/>
+          </a:ln>
+        </p:spPr>
+        <p:style>
+          <a:lnRef idx="1">
+            <a:schemeClr val="accent1"/>
+          </a:lnRef>
+          <a:fillRef idx="0">
+            <a:schemeClr val="accent1"/>
+          </a:fillRef>
+          <a:effectRef idx="0">
+            <a:schemeClr val="accent1"/>
+          </a:effectRef>
+          <a:fontRef idx="minor">
+            <a:schemeClr val="tx1"/>
+          </a:fontRef>
+        </p:style>
+      </p:cxnSp>
+      <p:cxnSp>
+        <p:nvCxnSpPr>
+          <p:cNvPr id="34" name="直接箭头连接符 33"/>
+          <p:cNvCxnSpPr>
+            <a:stCxn id="6" idx="3"/>
+            <a:endCxn id="12" idx="1"/>
+          </p:cNvCxnSpPr>
+          <p:nvPr/>
+        </p:nvCxnSpPr>
+        <p:spPr>
+          <a:xfrm>
+            <a:off x="5553075" y="1330960"/>
+            <a:ext cx="1095374" cy="391756"/>
+          </a:xfrm>
+          <a:prstGeom prst="straightConnector1">
+            <a:avLst/>
+          </a:prstGeom>
+          <a:ln w="28575">
+            <a:prstDash val="sysDash"/>
+            <a:tailEnd type="none"/>
+          </a:ln>
+        </p:spPr>
+        <p:style>
+          <a:lnRef idx="1">
+            <a:schemeClr val="accent1"/>
+          </a:lnRef>
+          <a:fillRef idx="0">
+            <a:schemeClr val="accent1"/>
+          </a:fillRef>
+          <a:effectRef idx="0">
+            <a:schemeClr val="accent1"/>
+          </a:effectRef>
+          <a:fontRef idx="minor">
+            <a:schemeClr val="tx1"/>
+          </a:fontRef>
+        </p:style>
+      </p:cxnSp>
+      <p:cxnSp>
+        <p:nvCxnSpPr>
+          <p:cNvPr id="37" name="直接箭头连接符 36"/>
+          <p:cNvCxnSpPr>
+            <a:stCxn id="8" idx="3"/>
+            <a:endCxn id="13" idx="1"/>
+          </p:cNvCxnSpPr>
+          <p:nvPr/>
+        </p:nvCxnSpPr>
+        <p:spPr>
+          <a:xfrm flipV="1">
+            <a:off x="5924550" y="2482174"/>
+            <a:ext cx="786426" cy="333454"/>
+          </a:xfrm>
+          <a:prstGeom prst="straightConnector1">
+            <a:avLst/>
+          </a:prstGeom>
+          <a:ln w="28575">
+            <a:prstDash val="sysDash"/>
+            <a:tailEnd type="none"/>
+          </a:ln>
+        </p:spPr>
+        <p:style>
+          <a:lnRef idx="1">
+            <a:schemeClr val="accent1"/>
+          </a:lnRef>
+          <a:fillRef idx="0">
+            <a:schemeClr val="accent1"/>
+          </a:fillRef>
+          <a:effectRef idx="0">
+            <a:schemeClr val="accent1"/>
+          </a:effectRef>
+          <a:fontRef idx="minor">
+            <a:schemeClr val="tx1"/>
+          </a:fontRef>
+        </p:style>
+      </p:cxnSp>
+      <p:cxnSp>
+        <p:nvCxnSpPr>
+          <p:cNvPr id="40" name="直接箭头连接符 39"/>
+          <p:cNvCxnSpPr>
+            <a:stCxn id="8" idx="3"/>
+            <a:endCxn id="14" idx="1"/>
+          </p:cNvCxnSpPr>
+          <p:nvPr/>
+        </p:nvCxnSpPr>
+        <p:spPr>
+          <a:xfrm>
+            <a:off x="5924550" y="2815628"/>
+            <a:ext cx="786426" cy="546353"/>
+          </a:xfrm>
+          <a:prstGeom prst="straightConnector1">
+            <a:avLst/>
+          </a:prstGeom>
+          <a:ln w="28575">
+            <a:prstDash val="sysDash"/>
+            <a:tailEnd type="none"/>
+          </a:ln>
+        </p:spPr>
+        <p:style>
+          <a:lnRef idx="1">
+            <a:schemeClr val="accent1"/>
+          </a:lnRef>
+          <a:fillRef idx="0">
+            <a:schemeClr val="accent1"/>
+          </a:fillRef>
+          <a:effectRef idx="0">
+            <a:schemeClr val="accent1"/>
+          </a:effectRef>
+          <a:fontRef idx="minor">
+            <a:schemeClr val="tx1"/>
+          </a:fontRef>
+        </p:style>
+      </p:cxnSp>
+      <p:cxnSp>
+        <p:nvCxnSpPr>
+          <p:cNvPr id="43" name="直接箭头连接符 42"/>
+          <p:cNvCxnSpPr>
+            <a:stCxn id="9" idx="3"/>
+            <a:endCxn id="17" idx="1"/>
+          </p:cNvCxnSpPr>
+          <p:nvPr/>
+        </p:nvCxnSpPr>
+        <p:spPr>
+          <a:xfrm>
+            <a:off x="5924550" y="4215332"/>
+            <a:ext cx="786426" cy="212052"/>
+          </a:xfrm>
+          <a:prstGeom prst="straightConnector1">
+            <a:avLst/>
+          </a:prstGeom>
+          <a:ln w="28575">
+            <a:prstDash val="sysDash"/>
+            <a:tailEnd type="none"/>
+          </a:ln>
+        </p:spPr>
+        <p:style>
+          <a:lnRef idx="1">
+            <a:schemeClr val="accent1"/>
+          </a:lnRef>
+          <a:fillRef idx="0">
+            <a:schemeClr val="accent1"/>
+          </a:fillRef>
+          <a:effectRef idx="0">
+            <a:schemeClr val="accent1"/>
+          </a:effectRef>
+          <a:fontRef idx="minor">
+            <a:schemeClr val="tx1"/>
+          </a:fontRef>
+        </p:style>
+      </p:cxnSp>
+      <p:cxnSp>
+        <p:nvCxnSpPr>
+          <p:cNvPr id="46" name="直接箭头连接符 45"/>
+          <p:cNvCxnSpPr>
+            <a:stCxn id="10" idx="3"/>
+            <a:endCxn id="18" idx="1"/>
+          </p:cNvCxnSpPr>
+          <p:nvPr/>
+        </p:nvCxnSpPr>
+        <p:spPr>
+          <a:xfrm>
+            <a:off x="5674270" y="5600700"/>
+            <a:ext cx="974179" cy="0"/>
+          </a:xfrm>
+          <a:prstGeom prst="straightConnector1">
+            <a:avLst/>
+          </a:prstGeom>
+          <a:ln w="28575">
+            <a:prstDash val="sysDash"/>
+            <a:tailEnd type="none"/>
+          </a:ln>
+        </p:spPr>
+        <p:style>
+          <a:lnRef idx="1">
+            <a:schemeClr val="accent1"/>
+          </a:lnRef>
+          <a:fillRef idx="0">
+            <a:schemeClr val="accent1"/>
+          </a:fillRef>
+          <a:effectRef idx="0">
+            <a:schemeClr val="accent1"/>
+          </a:effectRef>
+          <a:fontRef idx="minor">
+            <a:schemeClr val="tx1"/>
+          </a:fontRef>
+        </p:style>
+      </p:cxnSp>
     </p:spTree>
   </p:cSld>
   <p:clrMapOvr>
@@ -12025,6 +10278,7 @@
           <a:p>
             <a:fld id="{76B1E760-ECB3-4197-9FBC-1D87FC5C6A28}" type="slidenum">
               <a:rPr kumimoji="1" lang="ja-JP" altLang="en-US" smtClean="0"/>
+              <a:t>6</a:t>
             </a:fld>
             <a:endParaRPr kumimoji="1" lang="ja-JP" altLang="en-US" dirty="0"/>
           </a:p>
@@ -12053,7 +10307,6 @@
               <a:rPr lang="zh-CN" altLang="en-US" dirty="0"/>
               <a:t>年工作总体情况分析</a:t>
             </a:r>
-            <a:endParaRPr lang="zh-CN" altLang="en-US" dirty="0"/>
           </a:p>
         </p:txBody>
       </p:sp>
@@ -12083,11 +10336,8 @@
               <a:rPr lang="zh-CN" altLang="en-US" b="1" dirty="0">
                 <a:sym typeface="+mn-ea"/>
               </a:rPr>
-              <a:t>主要贡献</a:t>
-            </a:r>
-            <a:endParaRPr lang="zh-CN" altLang="en-US" b="1" dirty="0">
-              <a:sym typeface="+mn-ea"/>
-            </a:endParaRPr>
+              <a:t>不足和改进分析</a:t>
+            </a:r>
           </a:p>
         </p:txBody>
       </p:sp>
@@ -12140,6 +10390,7 @@
           <a:p>
             <a:fld id="{76B1E760-ECB3-4197-9FBC-1D87FC5C6A28}" type="slidenum">
               <a:rPr kumimoji="1" lang="ja-JP" altLang="en-US" smtClean="0"/>
+              <a:t>7</a:t>
             </a:fld>
             <a:endParaRPr kumimoji="1" lang="ja-JP" altLang="en-US" dirty="0"/>
           </a:p>
@@ -12161,27 +10412,34 @@
           <a:lstStyle/>
           <a:p>
             <a:r>
+              <a:rPr lang="zh-CN" altLang="en-US" dirty="0" smtClean="0"/>
+              <a:t>个人</a:t>
+            </a:r>
+            <a:r>
+              <a:rPr lang="zh-CN" altLang="en-US" dirty="0"/>
+              <a:t>能力和收获分析</a:t>
+            </a:r>
+            <a:r>
               <a:rPr lang="en-US" altLang="zh-CN" dirty="0"/>
-              <a:t>2018</a:t>
-            </a:r>
-            <a:r>
-              <a:rPr lang="zh-CN" altLang="en-US" dirty="0"/>
-              <a:t>年工作总体情况分析</a:t>
-            </a:r>
+              <a:t/>
+            </a:r>
+            <a:br>
+              <a:rPr lang="en-US" altLang="zh-CN" dirty="0"/>
+            </a:br>
             <a:endParaRPr lang="zh-CN" altLang="en-US" dirty="0"/>
           </a:p>
         </p:txBody>
       </p:sp>
       <p:sp>
         <p:nvSpPr>
-          <p:cNvPr id="24" name="文本框 23"/>
+          <p:cNvPr id="5" name="文本框 4"/>
           <p:cNvSpPr txBox="1"/>
           <p:nvPr/>
         </p:nvSpPr>
         <p:spPr>
           <a:xfrm>
-            <a:off x="306705" y="530860"/>
-            <a:ext cx="5954395" cy="352425"/>
+            <a:off x="1270659" y="1745673"/>
+            <a:ext cx="6659836" cy="353943"/>
           </a:xfrm>
           <a:prstGeom prst="rect">
             <a:avLst/>
@@ -12189,20 +10447,28 @@
           <a:noFill/>
         </p:spPr>
         <p:txBody>
-          <a:bodyPr wrap="square" rtlCol="0">
+          <a:bodyPr wrap="none" rtlCol="0">
             <a:spAutoFit/>
           </a:bodyPr>
           <a:lstStyle/>
           <a:p>
             <a:r>
-              <a:rPr lang="zh-CN" altLang="en-US" b="1" dirty="0">
-                <a:sym typeface="+mn-ea"/>
-              </a:rPr>
-              <a:t>不足和改进分析</a:t>
-            </a:r>
-            <a:endParaRPr lang="zh-CN" altLang="en-US" b="1" dirty="0">
-              <a:sym typeface="+mn-ea"/>
-            </a:endParaRPr>
+              <a:rPr lang="zh-CN" altLang="en-US" dirty="0" smtClean="0"/>
+              <a:t>重点描述个人各方面能力的收获、不足和改进措施等分析，</a:t>
+            </a:r>
+            <a:r>
+              <a:rPr lang="en-US" altLang="zh-CN" dirty="0" smtClean="0"/>
+              <a:t>1-2</a:t>
+            </a:r>
+            <a:r>
+              <a:rPr lang="zh-CN" altLang="en-US" dirty="0" smtClean="0"/>
+              <a:t>页</a:t>
+            </a:r>
+            <a:r>
+              <a:rPr lang="en-US" altLang="zh-CN" dirty="0" err="1" smtClean="0"/>
+              <a:t>ppt</a:t>
+            </a:r>
+            <a:endParaRPr lang="zh-CN" altLang="en-US" dirty="0"/>
           </a:p>
         </p:txBody>
       </p:sp>
@@ -12255,6 +10521,7 @@
           <a:p>
             <a:fld id="{76B1E760-ECB3-4197-9FBC-1D87FC5C6A28}" type="slidenum">
               <a:rPr kumimoji="1" lang="ja-JP" altLang="en-US" smtClean="0"/>
+              <a:t>8</a:t>
             </a:fld>
             <a:endParaRPr kumimoji="1" lang="ja-JP" altLang="en-US" dirty="0"/>
           </a:p>
@@ -12276,12 +10543,16 @@
           <a:lstStyle/>
           <a:p>
             <a:r>
-              <a:rPr lang="zh-CN" altLang="en-US" dirty="0" smtClean="0"/>
-              <a:t>个人</a:t>
+              <a:rPr lang="en-US" altLang="zh-CN" dirty="0" smtClean="0"/>
+              <a:t>2019</a:t>
             </a:r>
             <a:r>
               <a:rPr lang="zh-CN" altLang="en-US" dirty="0"/>
-              <a:t>能力和收获分析</a:t>
+              <a:t>年工作规划和个人目标</a:t>
+            </a:r>
+            <a:r>
+              <a:rPr lang="en-US" altLang="zh-CN" dirty="0"/>
+              <a:t/>
             </a:r>
             <a:br>
               <a:rPr lang="en-US" altLang="zh-CN" dirty="0"/>
@@ -12292,14 +10563,14 @@
       </p:sp>
       <p:sp>
         <p:nvSpPr>
-          <p:cNvPr id="5" name="文本框 4"/>
+          <p:cNvPr id="6" name="文本框 5"/>
           <p:cNvSpPr txBox="1"/>
           <p:nvPr/>
         </p:nvSpPr>
         <p:spPr>
           <a:xfrm>
-            <a:off x="1270659" y="1745673"/>
-            <a:ext cx="6659836" cy="353943"/>
+            <a:off x="245966" y="2232561"/>
+            <a:ext cx="11730134" cy="353943"/>
           </a:xfrm>
           <a:prstGeom prst="rect">
             <a:avLst/>
@@ -12314,11 +10585,19 @@
           <a:p>
             <a:r>
               <a:rPr lang="zh-CN" altLang="en-US" dirty="0" smtClean="0"/>
-              <a:t>重点描述个人各方面能力的收获、不足和改进措施等分析，</a:t>
+              <a:t>重点描述</a:t>
             </a:r>
             <a:r>
               <a:rPr lang="en-US" altLang="zh-CN" dirty="0" smtClean="0"/>
-              <a:t>1-2</a:t>
+              <a:t>2019</a:t>
+            </a:r>
+            <a:r>
+              <a:rPr lang="zh-CN" altLang="en-US" dirty="0" smtClean="0"/>
+              <a:t>对个人和团队的工作规划，包括管理方面； 以及个人能力方面希望达成的目标，包括岗位方向等，</a:t>
+            </a:r>
+            <a:r>
+              <a:rPr lang="en-US" altLang="zh-CN" dirty="0" smtClean="0"/>
+              <a:t>2-5</a:t>
             </a:r>
             <a:r>
               <a:rPr lang="zh-CN" altLang="en-US" dirty="0" smtClean="0"/>
@@ -12381,6 +10660,7 @@
           <a:p>
             <a:fld id="{76B1E760-ECB3-4197-9FBC-1D87FC5C6A28}" type="slidenum">
               <a:rPr kumimoji="1" lang="ja-JP" altLang="en-US" smtClean="0"/>
+              <a:t>9</a:t>
             </a:fld>
             <a:endParaRPr kumimoji="1" lang="ja-JP" altLang="en-US" dirty="0"/>
           </a:p>
@@ -12402,15 +10682,29 @@
           <a:lstStyle/>
           <a:p>
             <a:r>
-              <a:rPr lang="en-US" altLang="zh-CN" dirty="0" smtClean="0"/>
-              <a:t>2019</a:t>
+              <a:rPr lang="zh-CN" altLang="en-US" dirty="0" smtClean="0"/>
+              <a:t>对</a:t>
             </a:r>
             <a:r>
               <a:rPr lang="zh-CN" altLang="en-US" dirty="0"/>
-              <a:t>年工作规划和个人目标</a:t>
+              <a:t>公司或团队的建议及期望</a:t>
+            </a:r>
+            <a:r>
+              <a:rPr lang="en-US" altLang="zh-CN" dirty="0">
+                <a:solidFill>
+                  <a:srgbClr val="000000"/>
+                </a:solidFill>
+                <a:ea typeface="宋体" panose="02010600030101010101" pitchFamily="2" charset="-122"/>
+              </a:rPr>
+              <a:t/>
             </a:r>
             <a:br>
-              <a:rPr lang="en-US" altLang="zh-CN" dirty="0"/>
+              <a:rPr lang="en-US" altLang="zh-CN" dirty="0">
+                <a:solidFill>
+                  <a:srgbClr val="000000"/>
+                </a:solidFill>
+                <a:ea typeface="宋体" panose="02010600030101010101" pitchFamily="2" charset="-122"/>
+              </a:rPr>
             </a:br>
             <a:endParaRPr lang="zh-CN" altLang="en-US" dirty="0"/>
           </a:p>
@@ -12418,14 +10712,14 @@
       </p:sp>
       <p:sp>
         <p:nvSpPr>
-          <p:cNvPr id="6" name="文本框 5"/>
+          <p:cNvPr id="45" name="文本框 44"/>
           <p:cNvSpPr txBox="1"/>
           <p:nvPr/>
         </p:nvSpPr>
         <p:spPr>
           <a:xfrm>
-            <a:off x="245966" y="2232561"/>
-            <a:ext cx="11730134" cy="353943"/>
+            <a:off x="1195992" y="2185059"/>
+            <a:ext cx="8250977" cy="353943"/>
           </a:xfrm>
           <a:prstGeom prst="rect">
             <a:avLst/>
@@ -12439,28 +10733,16 @@
           <a:lstStyle/>
           <a:p>
             <a:r>
+              <a:rPr lang="zh-CN" altLang="en-US" smtClean="0"/>
+              <a:t>见标题按自己的理解写，</a:t>
+            </a:r>
+            <a:r>
               <a:rPr lang="zh-CN" altLang="en-US" dirty="0" smtClean="0"/>
-              <a:t>重点描述</a:t>
-            </a:r>
-            <a:r>
-              <a:rPr lang="en-US" altLang="zh-CN" dirty="0" smtClean="0"/>
-              <a:t>2019</a:t>
-            </a:r>
-            <a:r>
-              <a:rPr lang="zh-CN" altLang="en-US" dirty="0" smtClean="0"/>
-              <a:t>对个人和团队的工作规划，包括管理方面； 以及个人能力方面希望达成的目标，包括岗位方向等，</a:t>
-            </a:r>
-            <a:r>
-              <a:rPr lang="en-US" altLang="zh-CN" dirty="0" smtClean="0"/>
-              <a:t>2-5</a:t>
-            </a:r>
-            <a:r>
-              <a:rPr lang="zh-CN" altLang="en-US" dirty="0" smtClean="0"/>
-              <a:t>页</a:t>
-            </a:r>
-            <a:r>
-              <a:rPr lang="en-US" altLang="zh-CN" dirty="0" err="1" smtClean="0"/>
-              <a:t>ppt</a:t>
+              <a:t>敢说敢提即可，不怕有问题和建议，主要</a:t>
+            </a:r>
+            <a:r>
+              <a:rPr lang="zh-CN" altLang="en-US" smtClean="0"/>
+              <a:t>看执行，页数不限</a:t>
             </a:r>
             <a:endParaRPr lang="zh-CN" altLang="en-US" dirty="0"/>
           </a:p>
@@ -12482,7 +10764,7 @@
 </file>
 
 <file path=ppt/tags/tag1.xml><?xml version="1.0" encoding="utf-8"?>
-<p:tagLst xmlns:p="http://schemas.openxmlformats.org/presentationml/2006/main">
+<p:tagLst xmlns:a="http://schemas.openxmlformats.org/drawingml/2006/main" xmlns:r="http://schemas.openxmlformats.org/officeDocument/2006/relationships" xmlns:p="http://schemas.openxmlformats.org/presentationml/2006/main">
   <p:tag name="KSO_WM_TEMPLATE_TOPIC_ID" val="2869567"/>
   <p:tag name="KSO_WM_TEMPLATE_OUTLINE_ID" val="15"/>
   <p:tag name="KSO_WM_TEMPLATE_SCENE_ID" val="1"/>
@@ -12780,9 +11062,10 @@
       </a:style>
     </a:spDef>
   </a:objectDefaults>
+  <a:extraClrSchemeLst/>
   <a:extLst>
     <a:ext uri="{05A4C25C-085E-4340-85A3-A5531E510DB2}">
-      <thm15:themeFamily xmlns:thm15="http://schemas.microsoft.com/office/thememl/2012/main" name="Office Theme" id="{62F939B6-93AF-4DB8-9C6B-D6C7DFDC589F}" vid="{4A3C46E8-61CC-4603-A589-7422A47A8E4A}"/>
+      <thm15:themeFamily xmlns:thm15="http://schemas.microsoft.com/office/thememl/2012/main" xmlns="" name="Office Theme" id="{62F939B6-93AF-4DB8-9C6B-D6C7DFDC589F}" vid="{4A3C46E8-61CC-4603-A589-7422A47A8E4A}"/>
     </a:ext>
   </a:extLst>
 </a:theme>
@@ -13068,9 +11351,11 @@
       </a:bgFillStyleLst>
     </a:fmtScheme>
   </a:themeElements>
+  <a:objectDefaults/>
+  <a:extraClrSchemeLst/>
   <a:extLst>
     <a:ext uri="{05A4C25C-085E-4340-85A3-A5531E510DB2}">
-      <thm15:themeFamily xmlns:thm15="http://schemas.microsoft.com/office/thememl/2012/main" name="Office Theme" id="{62F939B6-93AF-4DB8-9C6B-D6C7DFDC589F}" vid="{4A3C46E8-61CC-4603-A589-7422A47A8E4A}"/>
+      <thm15:themeFamily xmlns:thm15="http://schemas.microsoft.com/office/thememl/2012/main" xmlns="" name="Office Theme" id="{62F939B6-93AF-4DB8-9C6B-D6C7DFDC589F}" vid="{4A3C46E8-61CC-4603-A589-7422A47A8E4A}"/>
     </a:ext>
   </a:extLst>
 </a:theme>
@@ -13356,9 +11641,11 @@
       </a:bgFillStyleLst>
     </a:fmtScheme>
   </a:themeElements>
+  <a:objectDefaults/>
+  <a:extraClrSchemeLst/>
   <a:extLst>
     <a:ext uri="{05A4C25C-085E-4340-85A3-A5531E510DB2}">
-      <thm15:themeFamily xmlns:thm15="http://schemas.microsoft.com/office/thememl/2012/main" name="Office Theme" id="{62F939B6-93AF-4DB8-9C6B-D6C7DFDC589F}" vid="{4A3C46E8-61CC-4603-A589-7422A47A8E4A}"/>
+      <thm15:themeFamily xmlns:thm15="http://schemas.microsoft.com/office/thememl/2012/main" xmlns="" name="Office Theme" id="{62F939B6-93AF-4DB8-9C6B-D6C7DFDC589F}" vid="{4A3C46E8-61CC-4603-A589-7422A47A8E4A}"/>
     </a:ext>
   </a:extLst>
 </a:theme>

--- a/相关文档/年终总结/2018年度年终总结-研发中心_山晨.pptx
+++ b/相关文档/年终总结/2018年度年终总结-研发中心_山晨.pptx
@@ -5,24 +5,25 @@
     <p:sldMasterId id="2147483648" r:id="rId1"/>
   </p:sldMasterIdLst>
   <p:notesMasterIdLst>
-    <p:notesMasterId r:id="rId12"/>
+    <p:notesMasterId r:id="rId4"/>
   </p:notesMasterIdLst>
   <p:handoutMasterIdLst>
-    <p:handoutMasterId r:id="rId13"/>
+    <p:handoutMasterId r:id="rId15"/>
   </p:handoutMasterIdLst>
   <p:sldIdLst>
-    <p:sldId id="307" r:id="rId2"/>
-    <p:sldId id="552" r:id="rId3"/>
-    <p:sldId id="601" r:id="rId4"/>
-    <p:sldId id="716" r:id="rId5"/>
-    <p:sldId id="705" r:id="rId6"/>
-    <p:sldId id="708" r:id="rId7"/>
-    <p:sldId id="700" r:id="rId8"/>
-    <p:sldId id="701" r:id="rId9"/>
-    <p:sldId id="657" r:id="rId10"/>
-    <p:sldId id="280" r:id="rId11"/>
+    <p:sldId id="307" r:id="rId3"/>
+    <p:sldId id="552" r:id="rId5"/>
+    <p:sldId id="716" r:id="rId6"/>
+    <p:sldId id="723" r:id="rId7"/>
+    <p:sldId id="705" r:id="rId8"/>
+    <p:sldId id="724" r:id="rId9"/>
+    <p:sldId id="700" r:id="rId10"/>
+    <p:sldId id="725" r:id="rId11"/>
+    <p:sldId id="701" r:id="rId12"/>
+    <p:sldId id="657" r:id="rId13"/>
+    <p:sldId id="280" r:id="rId14"/>
   </p:sldIdLst>
-  <p:sldSz cx="12204700" cy="6859588"/>
+  <p:sldSz cx="12204700" cy="6859270"/>
   <p:notesSz cx="6858000" cy="9144000"/>
   <p:defaultTextStyle>
     <a:defPPr>
@@ -122,6 +123,952 @@
 </p:presentation>
 </file>
 
+<file path=ppt/charts/chart1.xml><?xml version="1.0" encoding="utf-8"?>
+<c:chartSpace xmlns:c="http://schemas.openxmlformats.org/drawingml/2006/chart" xmlns:a="http://schemas.openxmlformats.org/drawingml/2006/main" xmlns:r="http://schemas.openxmlformats.org/officeDocument/2006/relationships">
+  <c:date1904 val="0"/>
+  <c:lang val="zh-CN"/>
+  <c:roundedCorners val="0"/>
+  <mc:AlternateContent xmlns:mc="http://schemas.openxmlformats.org/markup-compatibility/2006">
+    <mc:Choice xmlns:c14="http://schemas.microsoft.com/office/drawing/2007/8/2/chart" Requires="c14">
+      <c14:style val="102"/>
+    </mc:Choice>
+    <mc:Fallback>
+      <c:style val="2"/>
+    </mc:Fallback>
+  </mc:AlternateContent>
+  <c:chart>
+    <c:title>
+      <c:tx>
+        <c:rich>
+          <a:bodyPr rot="0" spcFirstLastPara="0" vertOverflow="ellipsis" vert="horz" wrap="square" anchor="ctr" anchorCtr="1"/>
+          <a:lstStyle/>
+          <a:p>
+            <a:pPr defTabSz="914400">
+              <a:defRPr lang="zh-CN" sz="1400" b="0" i="0" u="none" strike="noStrike" kern="1200" spc="0" baseline="0">
+                <a:solidFill>
+                  <a:schemeClr val="tx1">
+                    <a:lumMod val="65000"/>
+                    <a:lumOff val="35000"/>
+                  </a:schemeClr>
+                </a:solidFill>
+                <a:latin typeface="+mn-lt"/>
+                <a:ea typeface="+mn-ea"/>
+                <a:cs typeface="+mn-cs"/>
+              </a:defRPr>
+            </a:pPr>
+            <a:r>
+              <a:t>个人能力状况</a:t>
+            </a:r>
+          </a:p>
+        </c:rich>
+      </c:tx>
+      <c:layout>
+        <c:manualLayout>
+          <c:xMode val="edge"/>
+          <c:yMode val="edge"/>
+          <c:x val="0.41768826619965"/>
+          <c:y val="0.0106590257879656"/>
+        </c:manualLayout>
+      </c:layout>
+      <c:overlay val="0"/>
+      <c:spPr>
+        <a:noFill/>
+        <a:ln>
+          <a:noFill/>
+        </a:ln>
+        <a:effectLst/>
+      </c:spPr>
+    </c:title>
+    <c:autoTitleDeleted val="0"/>
+    <c:plotArea>
+      <c:layout>
+        <c:manualLayout>
+          <c:layoutTarget val="inner"/>
+          <c:xMode val="edge"/>
+          <c:yMode val="edge"/>
+          <c:x val="0.225139550496205"/>
+          <c:y val="0.187347086914995"/>
+          <c:w val="0.5627"/>
+          <c:h val="0.750266666666667"/>
+        </c:manualLayout>
+      </c:layout>
+      <c:radarChart>
+        <c:radarStyle val="marker"/>
+        <c:varyColors val="0"/>
+        <c:ser>
+          <c:idx val="0"/>
+          <c:order val="0"/>
+          <c:tx>
+            <c:strRef>
+              <c:f>Sheet1!$B$1</c:f>
+              <c:strCache>
+                <c:ptCount val="1"/>
+                <c:pt idx="0">
+                  <c:v>系列 1</c:v>
+                </c:pt>
+              </c:strCache>
+            </c:strRef>
+          </c:tx>
+          <c:spPr>
+            <a:ln w="28575" cap="rnd">
+              <a:solidFill>
+                <a:schemeClr val="accent1"/>
+              </a:solidFill>
+              <a:round/>
+            </a:ln>
+            <a:effectLst/>
+          </c:spPr>
+          <c:marker>
+            <c:symbol val="none"/>
+          </c:marker>
+          <c:dLbls>
+            <c:delete val="1"/>
+          </c:dLbls>
+          <c:cat>
+            <c:numRef>
+              <c:f>Sheet1!$A$2:$A$6</c:f>
+              <c:numCache>
+                <c:formatCode>yyyy/m/d</c:formatCode>
+                <c:ptCount val="5"/>
+                <c:pt idx="0" c:formatCode="yyyy/m/d">
+                  <c:v>37261</c:v>
+                </c:pt>
+                <c:pt idx="1" c:formatCode="yyyy/m/d">
+                  <c:v>37262</c:v>
+                </c:pt>
+                <c:pt idx="2" c:formatCode="yyyy/m/d">
+                  <c:v>37263</c:v>
+                </c:pt>
+                <c:pt idx="3" c:formatCode="yyyy/m/d">
+                  <c:v>37264</c:v>
+                </c:pt>
+                <c:pt idx="4" c:formatCode="yyyy/m/d">
+                  <c:v>37265</c:v>
+                </c:pt>
+              </c:numCache>
+            </c:numRef>
+          </c:cat>
+          <c:val>
+            <c:numRef>
+              <c:f>Sheet1!$B$2:$B$6</c:f>
+              <c:numCache>
+                <c:formatCode>General</c:formatCode>
+                <c:ptCount val="5"/>
+                <c:pt idx="0">
+                  <c:v>32</c:v>
+                </c:pt>
+                <c:pt idx="1">
+                  <c:v>32</c:v>
+                </c:pt>
+                <c:pt idx="2">
+                  <c:v>28</c:v>
+                </c:pt>
+                <c:pt idx="3">
+                  <c:v>12</c:v>
+                </c:pt>
+                <c:pt idx="4">
+                  <c:v>15</c:v>
+                </c:pt>
+              </c:numCache>
+            </c:numRef>
+          </c:val>
+        </c:ser>
+        <c:ser>
+          <c:idx val="1"/>
+          <c:order val="1"/>
+          <c:tx>
+            <c:strRef>
+              <c:f>Sheet1!$C$1</c:f>
+              <c:strCache>
+                <c:ptCount val="1"/>
+                <c:pt idx="0">
+                  <c:v>系列 2</c:v>
+                </c:pt>
+              </c:strCache>
+            </c:strRef>
+          </c:tx>
+          <c:spPr>
+            <a:ln w="28575" cap="rnd">
+              <a:solidFill>
+                <a:schemeClr val="accent2"/>
+              </a:solidFill>
+              <a:round/>
+            </a:ln>
+            <a:effectLst/>
+          </c:spPr>
+          <c:marker>
+            <c:symbol val="none"/>
+          </c:marker>
+          <c:dLbls>
+            <c:delete val="1"/>
+          </c:dLbls>
+          <c:cat>
+            <c:numRef>
+              <c:f>Sheet1!$A$2:$A$6</c:f>
+              <c:numCache>
+                <c:formatCode>yyyy/m/d</c:formatCode>
+                <c:ptCount val="5"/>
+                <c:pt idx="0" c:formatCode="yyyy/m/d">
+                  <c:v>37261</c:v>
+                </c:pt>
+                <c:pt idx="1" c:formatCode="yyyy/m/d">
+                  <c:v>37262</c:v>
+                </c:pt>
+                <c:pt idx="2" c:formatCode="yyyy/m/d">
+                  <c:v>37263</c:v>
+                </c:pt>
+                <c:pt idx="3" c:formatCode="yyyy/m/d">
+                  <c:v>37264</c:v>
+                </c:pt>
+                <c:pt idx="4" c:formatCode="yyyy/m/d">
+                  <c:v>37265</c:v>
+                </c:pt>
+              </c:numCache>
+            </c:numRef>
+          </c:cat>
+          <c:val>
+            <c:numRef>
+              <c:f>Sheet1!$C$2:$C$6</c:f>
+              <c:numCache>
+                <c:formatCode>General</c:formatCode>
+                <c:ptCount val="5"/>
+                <c:pt idx="0">
+                  <c:v>12</c:v>
+                </c:pt>
+                <c:pt idx="1">
+                  <c:v>12</c:v>
+                </c:pt>
+                <c:pt idx="2">
+                  <c:v>12</c:v>
+                </c:pt>
+                <c:pt idx="3">
+                  <c:v>21</c:v>
+                </c:pt>
+                <c:pt idx="4">
+                  <c:v>28</c:v>
+                </c:pt>
+              </c:numCache>
+            </c:numRef>
+          </c:val>
+        </c:ser>
+        <c:dLbls>
+          <c:showLegendKey val="0"/>
+          <c:showVal val="0"/>
+          <c:showCatName val="0"/>
+          <c:showSerName val="0"/>
+          <c:showPercent val="0"/>
+          <c:showBubbleSize val="0"/>
+        </c:dLbls>
+        <c:axId val="596973539"/>
+        <c:axId val="981687461"/>
+      </c:radarChart>
+      <c:catAx>
+        <c:axId val="596973539"/>
+        <c:scaling>
+          <c:orientation val="minMax"/>
+        </c:scaling>
+        <c:delete val="0"/>
+        <c:axPos val="b"/>
+        <c:majorTickMark val="none"/>
+        <c:minorTickMark val="none"/>
+        <c:tickLblPos val="nextTo"/>
+        <c:spPr>
+          <a:noFill/>
+          <a:ln w="9525" cap="flat" cmpd="sng" algn="ctr">
+            <a:solidFill>
+              <a:schemeClr val="tx1">
+                <a:lumMod val="15000"/>
+                <a:lumOff val="85000"/>
+              </a:schemeClr>
+            </a:solidFill>
+            <a:round/>
+          </a:ln>
+          <a:effectLst/>
+        </c:spPr>
+        <c:txPr>
+          <a:bodyPr rot="-60000000" spcFirstLastPara="0" vertOverflow="ellipsis" vert="horz" wrap="square" anchor="ctr" anchorCtr="1"/>
+          <a:lstStyle/>
+          <a:p>
+            <a:pPr>
+              <a:defRPr lang="zh-CN" sz="900" b="0" i="0" u="none" strike="noStrike" kern="1200" baseline="0">
+                <a:solidFill>
+                  <a:schemeClr val="tx1">
+                    <a:lumMod val="65000"/>
+                    <a:lumOff val="35000"/>
+                  </a:schemeClr>
+                </a:solidFill>
+                <a:latin typeface="+mn-lt"/>
+                <a:ea typeface="+mn-ea"/>
+                <a:cs typeface="+mn-cs"/>
+              </a:defRPr>
+            </a:pPr>
+          </a:p>
+        </c:txPr>
+        <c:crossAx val="981687461"/>
+        <c:crosses val="autoZero"/>
+        <c:auto val="1"/>
+        <c:lblAlgn val="ctr"/>
+        <c:lblOffset val="100"/>
+        <c:noMultiLvlLbl val="0"/>
+      </c:catAx>
+      <c:valAx>
+        <c:axId val="981687461"/>
+        <c:scaling>
+          <c:orientation val="minMax"/>
+        </c:scaling>
+        <c:delete val="1"/>
+        <c:axPos val="l"/>
+        <c:majorGridlines>
+          <c:spPr>
+            <a:ln w="9525" cap="flat" cmpd="sng" algn="ctr">
+              <a:solidFill>
+                <a:schemeClr val="tx1">
+                  <a:lumMod val="15000"/>
+                  <a:lumOff val="85000"/>
+                </a:schemeClr>
+              </a:solidFill>
+              <a:round/>
+            </a:ln>
+            <a:effectLst/>
+          </c:spPr>
+        </c:majorGridlines>
+        <c:numFmt formatCode="General" sourceLinked="1"/>
+        <c:majorTickMark val="none"/>
+        <c:minorTickMark val="none"/>
+        <c:tickLblPos val="nextTo"/>
+        <c:txPr>
+          <a:bodyPr rot="-60000000" spcFirstLastPara="0" vertOverflow="ellipsis" vert="horz" wrap="square" anchor="ctr" anchorCtr="1"/>
+          <a:lstStyle/>
+          <a:p>
+            <a:pPr>
+              <a:defRPr lang="zh-CN" sz="900" b="0" i="0" u="none" strike="noStrike" kern="1200" baseline="0">
+                <a:solidFill>
+                  <a:schemeClr val="tx1">
+                    <a:lumMod val="65000"/>
+                    <a:lumOff val="35000"/>
+                  </a:schemeClr>
+                </a:solidFill>
+                <a:latin typeface="+mn-lt"/>
+                <a:ea typeface="+mn-ea"/>
+                <a:cs typeface="+mn-cs"/>
+              </a:defRPr>
+            </a:pPr>
+          </a:p>
+        </c:txPr>
+        <c:crossAx val="596973539"/>
+        <c:crosses val="autoZero"/>
+        <c:crossBetween val="between"/>
+      </c:valAx>
+      <c:spPr>
+        <a:noFill/>
+        <a:ln>
+          <a:noFill/>
+        </a:ln>
+        <a:effectLst/>
+      </c:spPr>
+    </c:plotArea>
+    <c:legend>
+      <c:legendPos val="t"/>
+      <c:layout/>
+      <c:overlay val="0"/>
+      <c:spPr>
+        <a:noFill/>
+        <a:ln>
+          <a:noFill/>
+        </a:ln>
+        <a:effectLst/>
+      </c:spPr>
+      <c:txPr>
+        <a:bodyPr rot="0" spcFirstLastPara="0" vertOverflow="ellipsis" vert="horz" wrap="square" anchor="ctr" anchorCtr="1"/>
+        <a:lstStyle/>
+        <a:p>
+          <a:pPr>
+            <a:defRPr lang="zh-CN" sz="900" b="0" i="0" u="none" strike="noStrike" kern="1200" baseline="0">
+              <a:solidFill>
+                <a:schemeClr val="tx1">
+                  <a:lumMod val="65000"/>
+                  <a:lumOff val="35000"/>
+                </a:schemeClr>
+              </a:solidFill>
+              <a:latin typeface="+mn-lt"/>
+              <a:ea typeface="+mn-ea"/>
+              <a:cs typeface="+mn-cs"/>
+            </a:defRPr>
+          </a:pPr>
+        </a:p>
+      </c:txPr>
+    </c:legend>
+    <c:plotVisOnly val="1"/>
+    <c:dispBlanksAs val="gap"/>
+    <c:showDLblsOverMax val="0"/>
+  </c:chart>
+  <c:spPr>
+    <a:noFill/>
+    <a:ln>
+      <a:noFill/>
+    </a:ln>
+    <a:effectLst/>
+  </c:spPr>
+  <c:txPr>
+    <a:bodyPr/>
+    <a:lstStyle/>
+    <a:p>
+      <a:pPr>
+        <a:defRPr lang="zh-CN"/>
+      </a:pPr>
+    </a:p>
+  </c:txPr>
+  <c:externalData r:id="rId1">
+    <c:autoUpdate val="0"/>
+  </c:externalData>
+</c:chartSpace>
+</file>
+
+<file path=ppt/charts/colors1.xml><?xml version="1.0" encoding="utf-8"?>
+<cs:colorStyle xmlns:cs="http://schemas.microsoft.com/office/drawing/2012/chartStyle" xmlns:a="http://schemas.openxmlformats.org/drawingml/2006/main" meth="cycle" id="10">
+  <a:schemeClr val="accent1"/>
+  <a:schemeClr val="accent2"/>
+  <a:schemeClr val="accent3"/>
+  <a:schemeClr val="accent4"/>
+  <a:schemeClr val="accent5"/>
+  <a:schemeClr val="accent6"/>
+  <cs:variation/>
+  <cs:variation>
+    <a:lumMod val="60000"/>
+  </cs:variation>
+  <cs:variation>
+    <a:lumMod val="80000"/>
+    <a:lumOff val="20000"/>
+  </cs:variation>
+  <cs:variation>
+    <a:lumMod val="80000"/>
+  </cs:variation>
+  <cs:variation>
+    <a:lumMod val="60000"/>
+    <a:lumOff val="40000"/>
+  </cs:variation>
+  <cs:variation>
+    <a:lumMod val="50000"/>
+  </cs:variation>
+  <cs:variation>
+    <a:lumMod val="70000"/>
+    <a:lumOff val="30000"/>
+  </cs:variation>
+  <cs:variation>
+    <a:lumMod val="70000"/>
+  </cs:variation>
+  <cs:variation>
+    <a:lumMod val="50000"/>
+    <a:lumOff val="50000"/>
+  </cs:variation>
+</cs:colorStyle>
+</file>
+
+<file path=ppt/charts/style1.xml><?xml version="1.0" encoding="utf-8"?>
+<cs:chartStyle xmlns:cs="http://schemas.microsoft.com/office/drawing/2012/chartStyle" xmlns:a="http://schemas.openxmlformats.org/drawingml/2006/main" id="317">
+  <cs:axisTitle>
+    <cs:lnRef idx="0"/>
+    <cs:fillRef idx="0"/>
+    <cs:effectRef idx="0"/>
+    <cs:fontRef idx="minor">
+      <a:schemeClr val="tx1">
+        <a:lumMod val="65000"/>
+        <a:lumOff val="35000"/>
+      </a:schemeClr>
+    </cs:fontRef>
+    <cs:defRPr sz="1000" kern="1200"/>
+  </cs:axisTitle>
+  <cs:categoryAxis>
+    <cs:lnRef idx="0"/>
+    <cs:fillRef idx="0"/>
+    <cs:effectRef idx="0"/>
+    <cs:fontRef idx="minor">
+      <a:schemeClr val="tx1">
+        <a:lumMod val="65000"/>
+        <a:lumOff val="35000"/>
+      </a:schemeClr>
+    </cs:fontRef>
+    <cs:spPr>
+      <a:ln w="9525" cap="flat" cmpd="sng" algn="ctr">
+        <a:solidFill>
+          <a:schemeClr val="tx1">
+            <a:lumMod val="15000"/>
+            <a:lumOff val="85000"/>
+          </a:schemeClr>
+        </a:solidFill>
+        <a:round/>
+      </a:ln>
+    </cs:spPr>
+    <cs:defRPr sz="900" kern="1200"/>
+  </cs:categoryAxis>
+  <cs:chartArea mods="allowNoFillOverride allowNoLineOverride">
+    <cs:lnRef idx="0"/>
+    <cs:fillRef idx="0"/>
+    <cs:effectRef idx="0"/>
+    <cs:fontRef idx="minor">
+      <a:schemeClr val="tx1"/>
+    </cs:fontRef>
+    <cs:spPr>
+      <a:solidFill>
+        <a:schemeClr val="bg1"/>
+      </a:solidFill>
+      <a:ln w="9525" cap="flat" cmpd="sng" algn="ctr">
+        <a:solidFill>
+          <a:schemeClr val="tx1">
+            <a:lumMod val="15000"/>
+            <a:lumOff val="85000"/>
+          </a:schemeClr>
+        </a:solidFill>
+        <a:round/>
+      </a:ln>
+    </cs:spPr>
+    <cs:defRPr sz="1000" kern="1200"/>
+  </cs:chartArea>
+  <cs:dataLabel>
+    <cs:lnRef idx="0"/>
+    <cs:fillRef idx="0"/>
+    <cs:effectRef idx="0"/>
+    <cs:fontRef idx="minor">
+      <a:schemeClr val="tx1">
+        <a:lumMod val="75000"/>
+        <a:lumOff val="25000"/>
+      </a:schemeClr>
+    </cs:fontRef>
+    <cs:defRPr sz="900" kern="1200"/>
+  </cs:dataLabel>
+  <cs:dataLabelCallout>
+    <cs:lnRef idx="0"/>
+    <cs:fillRef idx="0"/>
+    <cs:effectRef idx="0"/>
+    <cs:fontRef idx="minor">
+      <a:schemeClr val="dk1">
+        <a:lumMod val="65000"/>
+        <a:lumOff val="35000"/>
+      </a:schemeClr>
+    </cs:fontRef>
+    <cs:spPr>
+      <a:solidFill>
+        <a:schemeClr val="lt1"/>
+      </a:solidFill>
+      <a:ln>
+        <a:solidFill>
+          <a:schemeClr val="dk1">
+            <a:lumMod val="25000"/>
+            <a:lumOff val="75000"/>
+          </a:schemeClr>
+        </a:solidFill>
+      </a:ln>
+    </cs:spPr>
+    <cs:defRPr sz="900" kern="1200"/>
+    <cs:bodyPr rot="0" spcFirstLastPara="1" vertOverflow="clip" horzOverflow="clip" vert="horz" wrap="square" lIns="36576" tIns="18288" rIns="36576" bIns="18288" anchor="ctr" anchorCtr="1">
+      <a:spAutoFit/>
+    </cs:bodyPr>
+  </cs:dataLabelCallout>
+  <cs:dataPoint>
+    <cs:lnRef idx="0"/>
+    <cs:fillRef idx="1">
+      <cs:styleClr val="auto"/>
+    </cs:fillRef>
+    <cs:effectRef idx="0"/>
+    <cs:fontRef idx="minor">
+      <a:schemeClr val="tx1"/>
+    </cs:fontRef>
+  </cs:dataPoint>
+  <cs:dataPoint3D>
+    <cs:lnRef idx="0"/>
+    <cs:fillRef idx="1">
+      <cs:styleClr val="auto"/>
+    </cs:fillRef>
+    <cs:effectRef idx="0"/>
+    <cs:fontRef idx="minor">
+      <a:schemeClr val="tx1"/>
+    </cs:fontRef>
+  </cs:dataPoint3D>
+  <cs:dataPointLine>
+    <cs:lnRef idx="0">
+      <cs:styleClr val="auto"/>
+    </cs:lnRef>
+    <cs:fillRef idx="1"/>
+    <cs:effectRef idx="0"/>
+    <cs:fontRef idx="minor">
+      <a:schemeClr val="tx1"/>
+    </cs:fontRef>
+    <cs:spPr>
+      <a:ln w="28575" cap="rnd">
+        <a:solidFill>
+          <a:schemeClr val="phClr"/>
+        </a:solidFill>
+        <a:round/>
+      </a:ln>
+    </cs:spPr>
+  </cs:dataPointLine>
+  <cs:dataPointMarker>
+    <cs:lnRef idx="0">
+      <cs:styleClr val="auto"/>
+    </cs:lnRef>
+    <cs:fillRef idx="1">
+      <cs:styleClr val="auto"/>
+    </cs:fillRef>
+    <cs:effectRef idx="0"/>
+    <cs:fontRef idx="minor">
+      <a:schemeClr val="tx1"/>
+    </cs:fontRef>
+    <cs:spPr>
+      <a:ln w="9525">
+        <a:solidFill>
+          <a:schemeClr val="phClr"/>
+        </a:solidFill>
+      </a:ln>
+    </cs:spPr>
+  </cs:dataPointMarker>
+  <cs:dataPointMarkerLayout symbol="circle" size="5"/>
+  <cs:dataPointWireframe>
+    <cs:lnRef idx="0">
+      <cs:styleClr val="auto"/>
+    </cs:lnRef>
+    <cs:fillRef idx="1"/>
+    <cs:effectRef idx="0"/>
+    <cs:fontRef idx="minor">
+      <a:schemeClr val="tx1"/>
+    </cs:fontRef>
+    <cs:spPr>
+      <a:ln w="9525" cap="rnd">
+        <a:solidFill>
+          <a:schemeClr val="phClr"/>
+        </a:solidFill>
+        <a:round/>
+      </a:ln>
+    </cs:spPr>
+  </cs:dataPointWireframe>
+  <cs:dataTable>
+    <cs:lnRef idx="0"/>
+    <cs:fillRef idx="0"/>
+    <cs:effectRef idx="0"/>
+    <cs:fontRef idx="minor">
+      <a:schemeClr val="tx1">
+        <a:lumMod val="65000"/>
+        <a:lumOff val="35000"/>
+      </a:schemeClr>
+    </cs:fontRef>
+    <cs:spPr>
+      <a:noFill/>
+      <a:ln w="9525" cap="flat" cmpd="sng" algn="ctr">
+        <a:solidFill>
+          <a:schemeClr val="tx1">
+            <a:lumMod val="15000"/>
+            <a:lumOff val="85000"/>
+          </a:schemeClr>
+        </a:solidFill>
+        <a:round/>
+      </a:ln>
+    </cs:spPr>
+    <cs:defRPr sz="900" kern="1200"/>
+  </cs:dataTable>
+  <cs:downBar>
+    <cs:lnRef idx="0"/>
+    <cs:fillRef idx="0"/>
+    <cs:effectRef idx="0"/>
+    <cs:fontRef idx="minor">
+      <a:schemeClr val="tx1"/>
+    </cs:fontRef>
+    <cs:spPr>
+      <a:solidFill>
+        <a:schemeClr val="dk1">
+          <a:lumMod val="75000"/>
+          <a:lumOff val="25000"/>
+        </a:schemeClr>
+      </a:solidFill>
+      <a:ln w="9525" cap="flat" cmpd="sng" algn="ctr">
+        <a:solidFill>
+          <a:schemeClr val="tx1">
+            <a:lumMod val="65000"/>
+            <a:lumOff val="35000"/>
+          </a:schemeClr>
+        </a:solidFill>
+        <a:round/>
+      </a:ln>
+    </cs:spPr>
+  </cs:downBar>
+  <cs:dropLine>
+    <cs:lnRef idx="0"/>
+    <cs:fillRef idx="0"/>
+    <cs:effectRef idx="0"/>
+    <cs:fontRef idx="minor">
+      <a:schemeClr val="tx1"/>
+    </cs:fontRef>
+    <cs:spPr>
+      <a:ln w="9525" cap="flat" cmpd="sng" algn="ctr">
+        <a:solidFill>
+          <a:schemeClr val="tx1">
+            <a:lumMod val="35000"/>
+            <a:lumOff val="65000"/>
+          </a:schemeClr>
+        </a:solidFill>
+        <a:round/>
+      </a:ln>
+    </cs:spPr>
+  </cs:dropLine>
+  <cs:errorBar>
+    <cs:lnRef idx="0"/>
+    <cs:fillRef idx="0"/>
+    <cs:effectRef idx="0"/>
+    <cs:fontRef idx="minor">
+      <a:schemeClr val="tx1"/>
+    </cs:fontRef>
+    <cs:spPr>
+      <a:ln w="9525" cap="flat" cmpd="sng" algn="ctr">
+        <a:solidFill>
+          <a:schemeClr val="tx1">
+            <a:lumMod val="65000"/>
+            <a:lumOff val="35000"/>
+          </a:schemeClr>
+        </a:solidFill>
+        <a:round/>
+      </a:ln>
+    </cs:spPr>
+  </cs:errorBar>
+  <cs:floor>
+    <cs:lnRef idx="0"/>
+    <cs:fillRef idx="0"/>
+    <cs:effectRef idx="0"/>
+    <cs:fontRef idx="minor">
+      <a:schemeClr val="tx1"/>
+    </cs:fontRef>
+    <cs:spPr>
+      <a:noFill/>
+      <a:ln>
+        <a:noFill/>
+      </a:ln>
+    </cs:spPr>
+  </cs:floor>
+  <cs:gridlineMajor>
+    <cs:lnRef idx="0"/>
+    <cs:fillRef idx="0"/>
+    <cs:effectRef idx="0"/>
+    <cs:fontRef idx="minor">
+      <a:schemeClr val="tx1"/>
+    </cs:fontRef>
+    <cs:spPr>
+      <a:ln w="9525" cap="flat" cmpd="sng" algn="ctr">
+        <a:solidFill>
+          <a:schemeClr val="tx1">
+            <a:lumMod val="15000"/>
+            <a:lumOff val="85000"/>
+          </a:schemeClr>
+        </a:solidFill>
+        <a:round/>
+      </a:ln>
+    </cs:spPr>
+  </cs:gridlineMajor>
+  <cs:gridlineMinor>
+    <cs:lnRef idx="0"/>
+    <cs:fillRef idx="0"/>
+    <cs:effectRef idx="0"/>
+    <cs:fontRef idx="minor">
+      <a:schemeClr val="tx1"/>
+    </cs:fontRef>
+    <cs:spPr>
+      <a:ln w="9525" cap="flat" cmpd="sng" algn="ctr">
+        <a:solidFill>
+          <a:schemeClr val="tx1">
+            <a:lumMod val="5000"/>
+            <a:lumOff val="95000"/>
+          </a:schemeClr>
+        </a:solidFill>
+        <a:round/>
+      </a:ln>
+    </cs:spPr>
+  </cs:gridlineMinor>
+  <cs:hiLoLine>
+    <cs:lnRef idx="0"/>
+    <cs:fillRef idx="0"/>
+    <cs:effectRef idx="0"/>
+    <cs:fontRef idx="minor">
+      <a:schemeClr val="tx1"/>
+    </cs:fontRef>
+    <cs:spPr>
+      <a:ln w="9525" cap="flat" cmpd="sng" algn="ctr">
+        <a:solidFill>
+          <a:schemeClr val="tx1">
+            <a:lumMod val="50000"/>
+            <a:lumOff val="50000"/>
+          </a:schemeClr>
+        </a:solidFill>
+        <a:round/>
+      </a:ln>
+    </cs:spPr>
+  </cs:hiLoLine>
+  <cs:leaderLine>
+    <cs:lnRef idx="0"/>
+    <cs:fillRef idx="0"/>
+    <cs:effectRef idx="0"/>
+    <cs:fontRef idx="minor">
+      <a:schemeClr val="tx1"/>
+    </cs:fontRef>
+    <cs:spPr>
+      <a:ln w="9525" cap="flat" cmpd="sng" algn="ctr">
+        <a:solidFill>
+          <a:schemeClr val="tx1">
+            <a:lumMod val="35000"/>
+            <a:lumOff val="65000"/>
+          </a:schemeClr>
+        </a:solidFill>
+        <a:round/>
+      </a:ln>
+    </cs:spPr>
+  </cs:leaderLine>
+  <cs:legend>
+    <cs:lnRef idx="0"/>
+    <cs:fillRef idx="0"/>
+    <cs:effectRef idx="0"/>
+    <cs:fontRef idx="minor">
+      <a:schemeClr val="tx1">
+        <a:lumMod val="65000"/>
+        <a:lumOff val="35000"/>
+      </a:schemeClr>
+    </cs:fontRef>
+    <cs:defRPr sz="900" kern="1200"/>
+  </cs:legend>
+  <cs:plotArea mods="allowNoFillOverride allowNoLineOverride">
+    <cs:lnRef idx="0"/>
+    <cs:fillRef idx="0"/>
+    <cs:effectRef idx="0"/>
+    <cs:fontRef idx="minor">
+      <a:schemeClr val="tx1"/>
+    </cs:fontRef>
+  </cs:plotArea>
+  <cs:plotArea3D mods="allowNoFillOverride allowNoLineOverride">
+    <cs:lnRef idx="0"/>
+    <cs:fillRef idx="0"/>
+    <cs:effectRef idx="0"/>
+    <cs:fontRef idx="minor">
+      <a:schemeClr val="tx1"/>
+    </cs:fontRef>
+  </cs:plotArea3D>
+  <cs:seriesAxis>
+    <cs:lnRef idx="0"/>
+    <cs:fillRef idx="0"/>
+    <cs:effectRef idx="0"/>
+    <cs:fontRef idx="minor">
+      <a:schemeClr val="tx1">
+        <a:lumMod val="65000"/>
+        <a:lumOff val="35000"/>
+      </a:schemeClr>
+    </cs:fontRef>
+    <cs:defRPr sz="900" kern="1200"/>
+  </cs:seriesAxis>
+  <cs:seriesLine>
+    <cs:lnRef idx="0"/>
+    <cs:fillRef idx="0"/>
+    <cs:effectRef idx="0"/>
+    <cs:fontRef idx="minor">
+      <a:schemeClr val="tx1"/>
+    </cs:fontRef>
+    <cs:spPr>
+      <a:ln w="9525" cap="flat" cmpd="sng" algn="ctr">
+        <a:solidFill>
+          <a:schemeClr val="tx1">
+            <a:lumMod val="35000"/>
+            <a:lumOff val="65000"/>
+          </a:schemeClr>
+        </a:solidFill>
+        <a:round/>
+      </a:ln>
+    </cs:spPr>
+  </cs:seriesLine>
+  <cs:title>
+    <cs:lnRef idx="0"/>
+    <cs:fillRef idx="0"/>
+    <cs:effectRef idx="0"/>
+    <cs:fontRef idx="minor">
+      <a:schemeClr val="tx1">
+        <a:lumMod val="65000"/>
+        <a:lumOff val="35000"/>
+      </a:schemeClr>
+    </cs:fontRef>
+    <cs:defRPr sz="1400" b="0" kern="1200" spc="0" baseline="0"/>
+  </cs:title>
+  <cs:trendline>
+    <cs:lnRef idx="0">
+      <cs:styleClr val="auto"/>
+    </cs:lnRef>
+    <cs:fillRef idx="0"/>
+    <cs:effectRef idx="0"/>
+    <cs:fontRef idx="minor">
+      <a:schemeClr val="tx1"/>
+    </cs:fontRef>
+    <cs:spPr>
+      <a:ln w="19050" cap="rnd">
+        <a:solidFill>
+          <a:schemeClr val="phClr"/>
+        </a:solidFill>
+        <a:prstDash val="sysDot"/>
+      </a:ln>
+    </cs:spPr>
+  </cs:trendline>
+  <cs:trendlineLabel>
+    <cs:lnRef idx="0"/>
+    <cs:fillRef idx="0"/>
+    <cs:effectRef idx="0"/>
+    <cs:fontRef idx="minor">
+      <a:schemeClr val="tx1">
+        <a:lumMod val="65000"/>
+        <a:lumOff val="35000"/>
+      </a:schemeClr>
+    </cs:fontRef>
+    <cs:defRPr sz="900" kern="1200"/>
+  </cs:trendlineLabel>
+  <cs:upBar>
+    <cs:lnRef idx="0"/>
+    <cs:fillRef idx="0"/>
+    <cs:effectRef idx="0"/>
+    <cs:fontRef idx="minor">
+      <a:schemeClr val="tx1"/>
+    </cs:fontRef>
+    <cs:spPr>
+      <a:solidFill>
+        <a:schemeClr val="lt1"/>
+      </a:solidFill>
+      <a:ln w="9525" cap="flat" cmpd="sng" algn="ctr">
+        <a:solidFill>
+          <a:schemeClr val="tx1">
+            <a:lumMod val="65000"/>
+            <a:lumOff val="35000"/>
+          </a:schemeClr>
+        </a:solidFill>
+        <a:round/>
+      </a:ln>
+    </cs:spPr>
+  </cs:upBar>
+  <cs:valueAxis>
+    <cs:lnRef idx="0"/>
+    <cs:fillRef idx="0"/>
+    <cs:effectRef idx="0"/>
+    <cs:fontRef idx="minor">
+      <a:schemeClr val="tx1">
+        <a:lumMod val="65000"/>
+        <a:lumOff val="35000"/>
+      </a:schemeClr>
+    </cs:fontRef>
+    <cs:defRPr sz="900" kern="1200"/>
+  </cs:valueAxis>
+  <cs:wall>
+    <cs:lnRef idx="0"/>
+    <cs:fillRef idx="0"/>
+    <cs:effectRef idx="0"/>
+    <cs:fontRef idx="minor">
+      <a:schemeClr val="tx1"/>
+    </cs:fontRef>
+    <cs:spPr>
+      <a:noFill/>
+      <a:ln>
+        <a:noFill/>
+      </a:ln>
+    </cs:spPr>
+  </cs:wall>
+</cs:chartStyle>
+</file>
+
 <file path=ppt/handoutMasters/handoutMaster1.xml><?xml version="1.0" encoding="utf-8"?>
 <p:handoutMaster xmlns:a="http://schemas.openxmlformats.org/drawingml/2006/main" xmlns:r="http://schemas.openxmlformats.org/officeDocument/2006/relationships" xmlns:p="http://schemas.openxmlformats.org/presentationml/2006/main">
   <p:cSld>
@@ -204,7 +1151,6 @@
           <a:p>
             <a:fld id="{991A2014-96CE-4721-84C9-7D513E406897}" type="datetimeFigureOut">
               <a:rPr kumimoji="1" lang="ja-JP" altLang="en-US" smtClean="0"/>
-              <a:t>2019/1/3</a:t>
             </a:fld>
             <a:endParaRPr kumimoji="1" lang="ja-JP" altLang="en-US"/>
           </a:p>
@@ -270,18 +1216,12 @@
           <a:p>
             <a:fld id="{0CE70F33-C8AA-45D1-A175-D96663199F28}" type="slidenum">
               <a:rPr kumimoji="1" lang="ja-JP" altLang="en-US" smtClean="0"/>
-              <a:t>‹#›</a:t>
             </a:fld>
             <a:endParaRPr kumimoji="1" lang="ja-JP" altLang="en-US"/>
           </a:p>
         </p:txBody>
       </p:sp>
     </p:spTree>
-    <p:extLst>
-      <p:ext uri="{BB962C8B-B14F-4D97-AF65-F5344CB8AC3E}">
-        <p14:creationId xmlns:p14="http://schemas.microsoft.com/office/powerpoint/2010/main" val="4209760926"/>
-      </p:ext>
-    </p:extLst>
   </p:cSld>
   <p:clrMap bg1="lt1" tx1="dk1" bg2="lt2" tx2="dk2" accent1="accent1" accent2="accent2" accent3="accent3" accent4="accent4" accent5="accent5" accent6="accent6" hlink="hlink" folHlink="folHlink"/>
 </p:handoutMaster>
@@ -369,7 +1309,6 @@
           <a:p>
             <a:fld id="{DA4538BB-24BA-42B9-8147-243E70E4201C}" type="datetimeFigureOut">
               <a:rPr kumimoji="1" lang="ja-JP" altLang="en-US" smtClean="0"/>
-              <a:t>2019/1/3</a:t>
             </a:fld>
             <a:endParaRPr kumimoji="1" lang="ja-JP" altLang="en-US"/>
           </a:p>
@@ -436,6 +1375,7 @@
               <a:rPr kumimoji="1" lang="ja-JP" altLang="en-US" smtClean="0"/>
               <a:t>マスター テキストの書式設定</a:t>
             </a:r>
+            <a:endParaRPr kumimoji="1" lang="ja-JP" altLang="en-US" smtClean="0"/>
           </a:p>
           <a:p>
             <a:pPr lvl="1"/>
@@ -451,6 +1391,7 @@
               <a:rPr kumimoji="1" lang="ja-JP" altLang="en-US" smtClean="0"/>
               <a:t>レベル</a:t>
             </a:r>
+            <a:endParaRPr kumimoji="1" lang="ja-JP" altLang="en-US" smtClean="0"/>
           </a:p>
           <a:p>
             <a:pPr lvl="2"/>
@@ -466,6 +1407,7 @@
               <a:rPr kumimoji="1" lang="ja-JP" altLang="en-US" smtClean="0"/>
               <a:t>レベル</a:t>
             </a:r>
+            <a:endParaRPr kumimoji="1" lang="ja-JP" altLang="en-US" smtClean="0"/>
           </a:p>
           <a:p>
             <a:pPr lvl="3"/>
@@ -481,6 +1423,7 @@
               <a:rPr kumimoji="1" lang="ja-JP" altLang="en-US" smtClean="0"/>
               <a:t>レベル</a:t>
             </a:r>
+            <a:endParaRPr kumimoji="1" lang="ja-JP" altLang="en-US" smtClean="0"/>
           </a:p>
           <a:p>
             <a:pPr lvl="4"/>
@@ -560,18 +1503,12 @@
           <a:p>
             <a:fld id="{F420C424-C8B2-458D-BE4F-39DC7DBD7BA6}" type="slidenum">
               <a:rPr kumimoji="1" lang="ja-JP" altLang="en-US" smtClean="0"/>
-              <a:t>‹#›</a:t>
             </a:fld>
             <a:endParaRPr kumimoji="1" lang="ja-JP" altLang="en-US"/>
           </a:p>
         </p:txBody>
       </p:sp>
     </p:spTree>
-    <p:extLst>
-      <p:ext uri="{BB962C8B-B14F-4D97-AF65-F5344CB8AC3E}">
-        <p14:creationId xmlns:p14="http://schemas.microsoft.com/office/powerpoint/2010/main" val="1706252818"/>
-      </p:ext>
-    </p:extLst>
   </p:cSld>
   <p:clrMap bg1="lt1" tx1="dk1" bg2="lt2" tx2="dk2" accent1="accent1" accent2="accent2" accent3="accent3" accent4="accent4" accent5="accent5" accent6="accent6" hlink="hlink" folHlink="folHlink"/>
   <p:notesStyle>
@@ -739,7 +1676,6 @@
           <a:p>
             <a:fld id="{F420C424-C8B2-458D-BE4F-39DC7DBD7BA6}" type="slidenum">
               <a:rPr kumimoji="1" lang="ja-JP" altLang="en-US" smtClean="0"/>
-              <a:t>1</a:t>
             </a:fld>
             <a:endParaRPr kumimoji="1" lang="ja-JP" altLang="en-US"/>
           </a:p>
@@ -818,7 +1754,6 @@
           <a:p>
             <a:fld id="{F420C424-C8B2-458D-BE4F-39DC7DBD7BA6}" type="slidenum">
               <a:rPr kumimoji="1" lang="ja-JP" altLang="en-US" smtClean="0"/>
-              <a:t>3</a:t>
             </a:fld>
             <a:endParaRPr kumimoji="1" lang="ja-JP" altLang="en-US"/>
           </a:p>
@@ -897,7 +1832,6 @@
           <a:p>
             <a:fld id="{F420C424-C8B2-458D-BE4F-39DC7DBD7BA6}" type="slidenum">
               <a:rPr kumimoji="1" lang="ja-JP" altLang="en-US" smtClean="0"/>
-              <a:t>4</a:t>
             </a:fld>
             <a:endParaRPr kumimoji="1" lang="ja-JP" altLang="en-US"/>
           </a:p>
@@ -976,7 +1910,6 @@
           <a:p>
             <a:fld id="{F420C424-C8B2-458D-BE4F-39DC7DBD7BA6}" type="slidenum">
               <a:rPr kumimoji="1" lang="ja-JP" altLang="en-US" smtClean="0"/>
-              <a:t>5</a:t>
             </a:fld>
             <a:endParaRPr kumimoji="1" lang="ja-JP" altLang="en-US"/>
           </a:p>
@@ -1055,7 +1988,6 @@
           <a:p>
             <a:fld id="{F420C424-C8B2-458D-BE4F-39DC7DBD7BA6}" type="slidenum">
               <a:rPr kumimoji="1" lang="ja-JP" altLang="en-US" smtClean="0"/>
-              <a:t>6</a:t>
             </a:fld>
             <a:endParaRPr kumimoji="1" lang="ja-JP" altLang="en-US"/>
           </a:p>
@@ -1134,7 +2066,84 @@
           <a:p>
             <a:fld id="{F420C424-C8B2-458D-BE4F-39DC7DBD7BA6}" type="slidenum">
               <a:rPr kumimoji="1" lang="ja-JP" altLang="en-US" smtClean="0"/>
-              <a:t>7</a:t>
+            </a:fld>
+            <a:endParaRPr kumimoji="1" lang="ja-JP" altLang="en-US"/>
+          </a:p>
+        </p:txBody>
+      </p:sp>
+    </p:spTree>
+  </p:cSld>
+  <p:clrMapOvr>
+    <a:masterClrMapping/>
+  </p:clrMapOvr>
+</p:notes>
+</file>
+
+<file path=ppt/notesSlides/notesSlide7.xml><?xml version="1.0" encoding="utf-8"?>
+<p:notes xmlns:a="http://schemas.openxmlformats.org/drawingml/2006/main" xmlns:r="http://schemas.openxmlformats.org/officeDocument/2006/relationships" xmlns:p="http://schemas.openxmlformats.org/presentationml/2006/main">
+  <p:cSld>
+    <p:spTree>
+      <p:nvGrpSpPr>
+        <p:cNvPr id="1" name=""/>
+        <p:cNvGrpSpPr/>
+        <p:nvPr/>
+      </p:nvGrpSpPr>
+      <p:grpSpPr>
+        <a:xfrm>
+          <a:off x="0" y="0"/>
+          <a:ext cx="0" cy="0"/>
+          <a:chOff x="0" y="0"/>
+          <a:chExt cx="0" cy="0"/>
+        </a:xfrm>
+      </p:grpSpPr>
+      <p:sp>
+        <p:nvSpPr>
+          <p:cNvPr id="2" name="幻灯片图像占位符 1"/>
+          <p:cNvSpPr>
+            <a:spLocks noGrp="1" noRot="1" noChangeAspect="1"/>
+          </p:cNvSpPr>
+          <p:nvPr>
+            <p:ph type="sldImg"/>
+          </p:nvPr>
+        </p:nvSpPr>
+        <p:spPr/>
+      </p:sp>
+      <p:sp>
+        <p:nvSpPr>
+          <p:cNvPr id="3" name="备注占位符 2"/>
+          <p:cNvSpPr>
+            <a:spLocks noGrp="1"/>
+          </p:cNvSpPr>
+          <p:nvPr>
+            <p:ph type="body" idx="1"/>
+          </p:nvPr>
+        </p:nvSpPr>
+        <p:spPr/>
+        <p:txBody>
+          <a:bodyPr/>
+          <a:lstStyle/>
+          <a:p>
+            <a:endParaRPr lang="zh-CN" altLang="en-US" dirty="0"/>
+          </a:p>
+        </p:txBody>
+      </p:sp>
+      <p:sp>
+        <p:nvSpPr>
+          <p:cNvPr id="4" name="灯片编号占位符 3"/>
+          <p:cNvSpPr>
+            <a:spLocks noGrp="1"/>
+          </p:cNvSpPr>
+          <p:nvPr>
+            <p:ph type="sldNum" sz="quarter" idx="10"/>
+          </p:nvPr>
+        </p:nvSpPr>
+        <p:spPr/>
+        <p:txBody>
+          <a:bodyPr/>
+          <a:lstStyle/>
+          <a:p>
+            <a:fld id="{F420C424-C8B2-458D-BE4F-39DC7DBD7BA6}" type="slidenum">
+              <a:rPr kumimoji="1" lang="ja-JP" altLang="en-US" smtClean="0"/>
             </a:fld>
             <a:endParaRPr kumimoji="1" lang="ja-JP" altLang="en-US"/>
           </a:p>
@@ -1353,7 +2362,6 @@
           <a:p>
             <a:fld id="{2C795EF2-C10B-4973-A4D4-8B26E6739D57}" type="slidenum">
               <a:rPr lang="zh-CN" altLang="en-US"/>
-              <a:t>‹#›</a:t>
             </a:fld>
             <a:endParaRPr lang="zh-CN" altLang="en-US"/>
           </a:p>
@@ -1507,7 +2515,6 @@
           <a:p>
             <a:fld id="{76B1E760-ECB3-4197-9FBC-1D87FC5C6A28}" type="slidenum">
               <a:rPr kumimoji="1" lang="ja-JP" altLang="en-US" smtClean="0"/>
-              <a:t>‹#›</a:t>
             </a:fld>
             <a:endParaRPr kumimoji="1" lang="ja-JP" altLang="en-US" dirty="0"/>
           </a:p>
@@ -1750,7 +2757,6 @@
           <a:p>
             <a:fld id="{76B1E760-ECB3-4197-9FBC-1D87FC5C6A28}" type="slidenum">
               <a:rPr kumimoji="1" lang="ja-JP" altLang="en-US" smtClean="0"/>
-              <a:t>‹#›</a:t>
             </a:fld>
             <a:endParaRPr kumimoji="1" lang="ja-JP" altLang="en-US" dirty="0"/>
           </a:p>
@@ -1860,6 +2866,7 @@
               <a:rPr lang="zh-CN" altLang="en-US" dirty="0" smtClean="0"/>
               <a:t>副标题</a:t>
             </a:r>
+            <a:endParaRPr lang="zh-CN" altLang="en-US" dirty="0" smtClean="0"/>
           </a:p>
         </p:txBody>
       </p:sp>
@@ -2416,7 +3423,6 @@
           <a:p>
             <a:fld id="{76B1E760-ECB3-4197-9FBC-1D87FC5C6A28}" type="slidenum">
               <a:rPr kumimoji="1" lang="ja-JP" altLang="en-US" smtClean="0"/>
-              <a:t>‹#›</a:t>
             </a:fld>
             <a:endParaRPr kumimoji="1" lang="ja-JP" altLang="en-US" dirty="0"/>
           </a:p>
@@ -2526,6 +3532,7 @@
               <a:rPr lang="zh-CN" altLang="en-US" dirty="0" smtClean="0"/>
               <a:t>副标题</a:t>
             </a:r>
+            <a:endParaRPr lang="zh-CN" altLang="en-US" dirty="0" smtClean="0"/>
           </a:p>
         </p:txBody>
       </p:sp>
@@ -2625,11 +3632,11 @@
           <p:nvPr userDrawn="1"/>
         </p:nvPicPr>
         <p:blipFill>
-          <a:blip r:embed="rId12" cstate="print">
+          <a:blip r:embed="rId11" cstate="print">
             <a:extLst>
               <a:ext uri="{BEBA8EAE-BF5A-486C-A8C5-ECC9F3942E4B}">
                 <a14:imgProps xmlns:a14="http://schemas.microsoft.com/office/drawing/2010/main">
-                  <a14:imgLayer r:embed="rId13">
+                  <a14:imgLayer r:embed="rId12">
                     <a14:imgEffect>
                       <a14:artisticBlur/>
                     </a14:imgEffect>
@@ -2786,7 +3793,7 @@
                 <a:latin typeface="Arial" panose="020B0604020202020204"/>
                 <a:ea typeface="+mn-ea"/>
                 <a:cs typeface="Arial" panose="020B0604020202020204"/>
-                <a:hlinkClick r:id="rId14"/>
+                <a:hlinkClick r:id="rId13"/>
               </a:rPr>
               <a:t>www.bjchenrui.com</a:t>
             </a:r>
@@ -3264,57 +4271,6 @@
               </a:rPr>
               <a:t>年度年终总结汇报</a:t>
             </a:r>
-            <a:r>
-              <a:rPr lang="en-US" altLang="zh-CN" sz="4800" dirty="0">
-                <a:ln w="10541" cmpd="sng">
-                  <a:solidFill>
-                    <a:schemeClr val="accent1">
-                      <a:shade val="88000"/>
-                      <a:satMod val="110000"/>
-                    </a:schemeClr>
-                  </a:solidFill>
-                  <a:prstDash val="solid"/>
-                </a:ln>
-                <a:gradFill>
-                  <a:gsLst>
-                    <a:gs pos="0">
-                      <a:schemeClr val="accent1">
-                        <a:tint val="40000"/>
-                        <a:satMod val="250000"/>
-                      </a:schemeClr>
-                    </a:gs>
-                    <a:gs pos="9000">
-                      <a:schemeClr val="accent1">
-                        <a:tint val="52000"/>
-                        <a:satMod val="300000"/>
-                      </a:schemeClr>
-                    </a:gs>
-                    <a:gs pos="50000">
-                      <a:schemeClr val="accent1">
-                        <a:shade val="20000"/>
-                        <a:satMod val="300000"/>
-                      </a:schemeClr>
-                    </a:gs>
-                    <a:gs pos="79000">
-                      <a:schemeClr val="accent1">
-                        <a:tint val="52000"/>
-                        <a:satMod val="300000"/>
-                      </a:schemeClr>
-                    </a:gs>
-                    <a:gs pos="100000">
-                      <a:schemeClr val="accent1">
-                        <a:tint val="40000"/>
-                        <a:satMod val="250000"/>
-                      </a:schemeClr>
-                    </a:gs>
-                  </a:gsLst>
-                  <a:lin ang="5400000"/>
-                </a:gradFill>
-                <a:latin typeface="微软雅黑" panose="020B0503020204020204" pitchFamily="34" charset="-122"/>
-                <a:ea typeface="微软雅黑" panose="020B0503020204020204" pitchFamily="34" charset="-122"/>
-              </a:rPr>
-              <a:t/>
-            </a:r>
             <a:br>
               <a:rPr lang="en-US" altLang="zh-CN" sz="4800" dirty="0">
                 <a:ln w="10541" cmpd="sng">
@@ -3687,6 +4643,133 @@
       </p:grpSpPr>
       <p:sp>
         <p:nvSpPr>
+          <p:cNvPr id="2" name="灯片编号占位符 1"/>
+          <p:cNvSpPr>
+            <a:spLocks noGrp="1"/>
+          </p:cNvSpPr>
+          <p:nvPr>
+            <p:ph type="sldNum" sz="quarter" idx="10"/>
+          </p:nvPr>
+        </p:nvSpPr>
+        <p:spPr/>
+        <p:txBody>
+          <a:bodyPr/>
+          <a:lstStyle/>
+          <a:p>
+            <a:fld id="{76B1E760-ECB3-4197-9FBC-1D87FC5C6A28}" type="slidenum">
+              <a:rPr kumimoji="1" lang="ja-JP" altLang="en-US" smtClean="0"/>
+            </a:fld>
+            <a:endParaRPr kumimoji="1" lang="ja-JP" altLang="en-US" dirty="0"/>
+          </a:p>
+        </p:txBody>
+      </p:sp>
+      <p:sp>
+        <p:nvSpPr>
+          <p:cNvPr id="3" name="标题 2"/>
+          <p:cNvSpPr>
+            <a:spLocks noGrp="1"/>
+          </p:cNvSpPr>
+          <p:nvPr>
+            <p:ph type="title"/>
+          </p:nvPr>
+        </p:nvSpPr>
+        <p:spPr/>
+        <p:txBody>
+          <a:bodyPr/>
+          <a:lstStyle/>
+          <a:p>
+            <a:r>
+              <a:rPr lang="zh-CN" altLang="en-US" dirty="0" smtClean="0"/>
+              <a:t>对</a:t>
+            </a:r>
+            <a:r>
+              <a:rPr lang="zh-CN" altLang="en-US" dirty="0"/>
+              <a:t>公司或团队的建议及期望</a:t>
+            </a:r>
+            <a:br>
+              <a:rPr lang="en-US" altLang="zh-CN" dirty="0">
+                <a:solidFill>
+                  <a:srgbClr val="000000"/>
+                </a:solidFill>
+                <a:ea typeface="宋体" panose="02010600030101010101" pitchFamily="2" charset="-122"/>
+              </a:rPr>
+            </a:br>
+            <a:endParaRPr lang="zh-CN" altLang="en-US" dirty="0"/>
+          </a:p>
+        </p:txBody>
+      </p:sp>
+      <p:sp>
+        <p:nvSpPr>
+          <p:cNvPr id="45" name="文本框 44"/>
+          <p:cNvSpPr txBox="1"/>
+          <p:nvPr/>
+        </p:nvSpPr>
+        <p:spPr>
+          <a:xfrm>
+            <a:off x="1195992" y="2185059"/>
+            <a:ext cx="8250977" cy="353943"/>
+          </a:xfrm>
+          <a:prstGeom prst="rect">
+            <a:avLst/>
+          </a:prstGeom>
+          <a:noFill/>
+        </p:spPr>
+        <p:txBody>
+          <a:bodyPr wrap="none" rtlCol="0">
+            <a:spAutoFit/>
+          </a:bodyPr>
+          <a:lstStyle/>
+          <a:p>
+            <a:r>
+              <a:rPr lang="zh-CN" altLang="en-US" smtClean="0"/>
+              <a:t>见标题按自己的理解写，</a:t>
+            </a:r>
+            <a:r>
+              <a:rPr lang="zh-CN" altLang="en-US" dirty="0" smtClean="0"/>
+              <a:t>敢说敢提即可，不怕有问题和建议，主要</a:t>
+            </a:r>
+            <a:r>
+              <a:rPr lang="zh-CN" altLang="en-US" smtClean="0"/>
+              <a:t>看执行，页数不限</a:t>
+            </a:r>
+            <a:endParaRPr lang="zh-CN" altLang="en-US" dirty="0"/>
+          </a:p>
+        </p:txBody>
+      </p:sp>
+    </p:spTree>
+  </p:cSld>
+  <p:clrMapOvr>
+    <a:masterClrMapping/>
+  </p:clrMapOvr>
+  <p:timing>
+    <p:tnLst>
+      <p:par>
+        <p:cTn id="1" dur="indefinite" restart="never" nodeType="tmRoot"/>
+      </p:par>
+    </p:tnLst>
+  </p:timing>
+</p:sld>
+</file>
+
+<file path=ppt/slides/slide11.xml><?xml version="1.0" encoding="utf-8"?>
+<p:sld xmlns:a="http://schemas.openxmlformats.org/drawingml/2006/main" xmlns:r="http://schemas.openxmlformats.org/officeDocument/2006/relationships" xmlns:p="http://schemas.openxmlformats.org/presentationml/2006/main">
+  <p:cSld>
+    <p:spTree>
+      <p:nvGrpSpPr>
+        <p:cNvPr id="1" name=""/>
+        <p:cNvGrpSpPr/>
+        <p:nvPr/>
+      </p:nvGrpSpPr>
+      <p:grpSpPr>
+        <a:xfrm>
+          <a:off x="0" y="0"/>
+          <a:ext cx="0" cy="0"/>
+          <a:chOff x="0" y="0"/>
+          <a:chExt cx="0" cy="0"/>
+        </a:xfrm>
+      </p:grpSpPr>
+      <p:sp>
+        <p:nvSpPr>
           <p:cNvPr id="18" name="矩形 17"/>
           <p:cNvSpPr/>
           <p:nvPr/>
@@ -3748,6 +4831,43 @@
               </a:rPr>
               <a:t>感谢倾听与指导！</a:t>
             </a:r>
+            <a:endParaRPr lang="zh-CN" altLang="en-US" sz="5300" b="1" dirty="0">
+              <a:ln w="17780" cmpd="sng">
+                <a:solidFill>
+                  <a:schemeClr val="accent1">
+                    <a:tint val="3000"/>
+                  </a:schemeClr>
+                </a:solidFill>
+                <a:prstDash val="solid"/>
+                <a:miter lim="800000"/>
+              </a:ln>
+              <a:gradFill>
+                <a:gsLst>
+                  <a:gs pos="10000">
+                    <a:schemeClr val="accent1">
+                      <a:tint val="63000"/>
+                      <a:sat val="105000"/>
+                    </a:schemeClr>
+                  </a:gs>
+                  <a:gs pos="90000">
+                    <a:schemeClr val="accent1">
+                      <a:shade val="50000"/>
+                      <a:satMod val="100000"/>
+                    </a:schemeClr>
+                  </a:gs>
+                </a:gsLst>
+                <a:lin ang="5400000"/>
+              </a:gradFill>
+              <a:effectLst>
+                <a:outerShdw blurRad="55000" dist="50800" dir="5400000" algn="tl">
+                  <a:srgbClr val="000000">
+                    <a:alpha val="33000"/>
+                  </a:srgbClr>
+                </a:outerShdw>
+              </a:effectLst>
+              <a:latin typeface="微软雅黑" panose="020B0503020204020204" pitchFamily="34" charset="-122"/>
+              <a:ea typeface="微软雅黑" panose="020B0503020204020204" pitchFamily="34" charset="-122"/>
+            </a:endParaRPr>
           </a:p>
         </p:txBody>
       </p:sp>
@@ -3760,7 +4880,7 @@
           <p:nvPr/>
         </p:nvPicPr>
         <p:blipFill>
-          <a:blip r:embed="rId2" cstate="print"/>
+          <a:blip r:embed="rId1" cstate="print"/>
           <a:stretch>
             <a:fillRect/>
           </a:stretch>
@@ -3792,7 +4912,6 @@
           <a:p>
             <a:fld id="{76B1E760-ECB3-4197-9FBC-1D87FC5C6A28}" type="slidenum">
               <a:rPr kumimoji="1" lang="ja-JP" altLang="en-US" smtClean="0"/>
-              <a:t>10</a:t>
             </a:fld>
             <a:endParaRPr kumimoji="1" lang="ja-JP" altLang="en-US" dirty="0"/>
           </a:p>
@@ -3847,7 +4966,6 @@
           <a:p>
             <a:fld id="{76B1E760-ECB3-4197-9FBC-1D87FC5C6A28}" type="slidenum">
               <a:rPr kumimoji="1" lang="ja-JP" altLang="en-US" smtClean="0"/>
-              <a:t>2</a:t>
             </a:fld>
             <a:endParaRPr kumimoji="1" lang="ja-JP" altLang="en-US" dirty="0"/>
           </a:p>
@@ -3875,10 +4993,6 @@
             <a:r>
               <a:rPr lang="zh-CN" altLang="en-US" dirty="0" smtClean="0"/>
               <a:t>年总结目录</a:t>
-            </a:r>
-            <a:r>
-              <a:rPr lang="zh-CN" altLang="en-US" dirty="0"/>
-              <a:t/>
             </a:r>
             <a:br>
               <a:rPr lang="zh-CN" altLang="en-US" dirty="0"/>
@@ -4686,7 +5800,7 @@
           <p:nvPr/>
         </p:nvPicPr>
         <p:blipFill>
-          <a:blip r:embed="rId2">
+          <a:blip r:embed="rId1">
             <a:extLst>
               <a:ext uri="{28A0092B-C50C-407E-A947-70E740481C1C}">
                 <a14:useLocalDpi xmlns:a14="http://schemas.microsoft.com/office/drawing/2010/main" val="0"/>
@@ -4741,7 +5855,7 @@
             <p:nvPr/>
           </p:nvPicPr>
           <p:blipFill>
-            <a:blip r:embed="rId3" cstate="print">
+            <a:blip r:embed="rId2" cstate="print">
               <a:extLst>
                 <a:ext uri="{28A0092B-C50C-407E-A947-70E740481C1C}">
                   <a14:useLocalDpi xmlns:a14="http://schemas.microsoft.com/office/drawing/2010/main" val="0"/>
@@ -5486,7 +6600,7 @@
             <p:nvPr/>
           </p:nvPicPr>
           <p:blipFill>
-            <a:blip r:embed="rId4" cstate="print">
+            <a:blip r:embed="rId3" cstate="print">
               <a:extLst>
                 <a:ext uri="{28A0092B-C50C-407E-A947-70E740481C1C}">
                   <a14:useLocalDpi xmlns:a14="http://schemas.microsoft.com/office/drawing/2010/main" val="0"/>
@@ -5542,7 +6656,7 @@
             <p:nvPr/>
           </p:nvPicPr>
           <p:blipFill>
-            <a:blip r:embed="rId3" cstate="print">
+            <a:blip r:embed="rId2" cstate="print">
               <a:extLst>
                 <a:ext uri="{28A0092B-C50C-407E-A947-70E740481C1C}">
                   <a14:useLocalDpi xmlns:a14="http://schemas.microsoft.com/office/drawing/2010/main" val="0"/>
@@ -6287,7 +7401,7 @@
             <p:nvPr/>
           </p:nvPicPr>
           <p:blipFill>
-            <a:blip r:embed="rId4" cstate="print">
+            <a:blip r:embed="rId3" cstate="print">
               <a:extLst>
                 <a:ext uri="{28A0092B-C50C-407E-A947-70E740481C1C}">
                   <a14:useLocalDpi xmlns:a14="http://schemas.microsoft.com/office/drawing/2010/main" val="0"/>
@@ -6343,7 +7457,7 @@
             <p:nvPr/>
           </p:nvPicPr>
           <p:blipFill>
-            <a:blip r:embed="rId3" cstate="print">
+            <a:blip r:embed="rId2" cstate="print">
               <a:extLst>
                 <a:ext uri="{28A0092B-C50C-407E-A947-70E740481C1C}">
                   <a14:useLocalDpi xmlns:a14="http://schemas.microsoft.com/office/drawing/2010/main" val="0"/>
@@ -7088,7 +8202,7 @@
             <p:nvPr/>
           </p:nvPicPr>
           <p:blipFill>
-            <a:blip r:embed="rId4" cstate="print">
+            <a:blip r:embed="rId3" cstate="print">
               <a:extLst>
                 <a:ext uri="{28A0092B-C50C-407E-A947-70E740481C1C}">
                   <a14:useLocalDpi xmlns:a14="http://schemas.microsoft.com/office/drawing/2010/main" val="0"/>
@@ -7144,7 +8258,7 @@
             <p:nvPr/>
           </p:nvPicPr>
           <p:blipFill>
-            <a:blip r:embed="rId3" cstate="print">
+            <a:blip r:embed="rId2" cstate="print">
               <a:extLst>
                 <a:ext uri="{28A0092B-C50C-407E-A947-70E740481C1C}">
                   <a14:useLocalDpi xmlns:a14="http://schemas.microsoft.com/office/drawing/2010/main" val="0"/>
@@ -7889,7 +9003,7 @@
             <p:nvPr/>
           </p:nvPicPr>
           <p:blipFill>
-            <a:blip r:embed="rId4" cstate="print">
+            <a:blip r:embed="rId3" cstate="print">
               <a:extLst>
                 <a:ext uri="{28A0092B-C50C-407E-A947-70E740481C1C}">
                   <a14:useLocalDpi xmlns:a14="http://schemas.microsoft.com/office/drawing/2010/main" val="0"/>
@@ -7971,7 +9085,6 @@
           <a:p>
             <a:fld id="{76B1E760-ECB3-4197-9FBC-1D87FC5C6A28}" type="slidenum">
               <a:rPr kumimoji="1" lang="ja-JP" altLang="en-US" smtClean="0"/>
-              <a:t>3</a:t>
             </a:fld>
             <a:endParaRPr kumimoji="1" lang="ja-JP" altLang="en-US" dirty="0"/>
           </a:p>
@@ -8000,149 +9113,7 @@
               <a:rPr lang="zh-CN" altLang="en-US" dirty="0"/>
               <a:t>年工作总体情况分析</a:t>
             </a:r>
-            <a:endParaRPr lang="en-US" altLang="zh-CN" dirty="0"/>
-          </a:p>
-        </p:txBody>
-      </p:sp>
-      <p:sp>
-        <p:nvSpPr>
-          <p:cNvPr id="4" name="文本框 3"/>
-          <p:cNvSpPr txBox="1"/>
-          <p:nvPr/>
-        </p:nvSpPr>
-        <p:spPr>
-          <a:xfrm>
-            <a:off x="605641" y="1413163"/>
-            <a:ext cx="10867077" cy="615553"/>
-          </a:xfrm>
-          <a:prstGeom prst="rect">
-            <a:avLst/>
-          </a:prstGeom>
-          <a:noFill/>
-        </p:spPr>
-        <p:txBody>
-          <a:bodyPr wrap="none" rtlCol="0">
-            <a:spAutoFit/>
-          </a:bodyPr>
-          <a:lstStyle/>
-          <a:p>
-            <a:r>
-              <a:rPr lang="zh-CN" altLang="en-US" dirty="0" smtClean="0"/>
-              <a:t>重点梳理本年度个人或者团队的工作成果情况，包括贡献、不足和改进分析（包括对比分析，如和预期的），有</a:t>
-            </a:r>
-            <a:endParaRPr lang="en-US" altLang="zh-CN" dirty="0" smtClean="0"/>
-          </a:p>
-          <a:p>
-            <a:r>
-              <a:rPr lang="zh-CN" altLang="en-US" smtClean="0"/>
-              <a:t>团队</a:t>
-            </a:r>
-            <a:r>
-              <a:rPr lang="zh-CN" altLang="en-US" dirty="0" smtClean="0"/>
-              <a:t>的人员需要描述管理层面的</a:t>
-            </a:r>
-            <a:r>
-              <a:rPr lang="zh-CN" altLang="en-US" smtClean="0"/>
-              <a:t>内容，此</a:t>
-            </a:r>
-            <a:r>
-              <a:rPr lang="zh-CN" altLang="en-US" dirty="0" smtClean="0"/>
-              <a:t>部分页数在</a:t>
-            </a:r>
-            <a:r>
-              <a:rPr lang="en-US" altLang="zh-CN" dirty="0" smtClean="0"/>
-              <a:t>2-5</a:t>
-            </a:r>
-            <a:r>
-              <a:rPr lang="zh-CN" altLang="en-US" dirty="0" smtClean="0"/>
-              <a:t>页</a:t>
-            </a:r>
-            <a:r>
-              <a:rPr lang="en-US" altLang="zh-CN" dirty="0" err="1" smtClean="0"/>
-              <a:t>ppt</a:t>
-            </a:r>
             <a:endParaRPr lang="zh-CN" altLang="en-US" dirty="0"/>
-          </a:p>
-        </p:txBody>
-      </p:sp>
-    </p:spTree>
-  </p:cSld>
-  <p:clrMapOvr>
-    <a:masterClrMapping/>
-  </p:clrMapOvr>
-  <p:timing>
-    <p:tnLst>
-      <p:par>
-        <p:cTn id="1" dur="indefinite" restart="never" nodeType="tmRoot"/>
-      </p:par>
-    </p:tnLst>
-  </p:timing>
-</p:sld>
-</file>
-
-<file path=ppt/slides/slide4.xml><?xml version="1.0" encoding="utf-8"?>
-<p:sld xmlns:a="http://schemas.openxmlformats.org/drawingml/2006/main" xmlns:r="http://schemas.openxmlformats.org/officeDocument/2006/relationships" xmlns:p="http://schemas.openxmlformats.org/presentationml/2006/main">
-  <p:cSld>
-    <p:spTree>
-      <p:nvGrpSpPr>
-        <p:cNvPr id="1" name=""/>
-        <p:cNvGrpSpPr/>
-        <p:nvPr/>
-      </p:nvGrpSpPr>
-      <p:grpSpPr>
-        <a:xfrm>
-          <a:off x="0" y="0"/>
-          <a:ext cx="0" cy="0"/>
-          <a:chOff x="0" y="0"/>
-          <a:chExt cx="0" cy="0"/>
-        </a:xfrm>
-      </p:grpSpPr>
-      <p:sp>
-        <p:nvSpPr>
-          <p:cNvPr id="2" name="灯片编号占位符 1"/>
-          <p:cNvSpPr>
-            <a:spLocks noGrp="1"/>
-          </p:cNvSpPr>
-          <p:nvPr>
-            <p:ph type="sldNum" sz="quarter" idx="10"/>
-          </p:nvPr>
-        </p:nvSpPr>
-        <p:spPr/>
-        <p:txBody>
-          <a:bodyPr/>
-          <a:lstStyle/>
-          <a:p>
-            <a:fld id="{76B1E760-ECB3-4197-9FBC-1D87FC5C6A28}" type="slidenum">
-              <a:rPr kumimoji="1" lang="ja-JP" altLang="en-US" smtClean="0"/>
-              <a:t>4</a:t>
-            </a:fld>
-            <a:endParaRPr kumimoji="1" lang="ja-JP" altLang="en-US" dirty="0"/>
-          </a:p>
-        </p:txBody>
-      </p:sp>
-      <p:sp>
-        <p:nvSpPr>
-          <p:cNvPr id="3" name="标题 2"/>
-          <p:cNvSpPr>
-            <a:spLocks noGrp="1"/>
-          </p:cNvSpPr>
-          <p:nvPr>
-            <p:ph type="title"/>
-          </p:nvPr>
-        </p:nvSpPr>
-        <p:spPr/>
-        <p:txBody>
-          <a:bodyPr/>
-          <a:lstStyle/>
-          <a:p>
-            <a:r>
-              <a:rPr lang="en-US" altLang="zh-CN" dirty="0"/>
-              <a:t>2018</a:t>
-            </a:r>
-            <a:r>
-              <a:rPr lang="zh-CN" altLang="en-US" dirty="0"/>
-              <a:t>年工作总体情况分析</a:t>
-            </a:r>
           </a:p>
         </p:txBody>
       </p:sp>
@@ -8174,6 +9145,9 @@
               </a:rPr>
               <a:t>工作内容回顾</a:t>
             </a:r>
+            <a:endParaRPr lang="zh-CN" altLang="en-US" b="1" dirty="0">
+              <a:sym typeface="+mn-ea"/>
+            </a:endParaRPr>
           </a:p>
         </p:txBody>
       </p:sp>
@@ -8263,6 +9237,12 @@
               </a:rPr>
               <a:t>对可视化工具进行版本管理，编写和完善功能设计和完善接口设计文档，并按照技术预研计划，逐步实现相关功能。</a:t>
             </a:r>
+            <a:endParaRPr lang="zh-CN" altLang="en-US" sz="1400" dirty="0" smtClean="0">
+              <a:solidFill>
+                <a:schemeClr val="tx1"/>
+              </a:solidFill>
+              <a:sym typeface="+mn-ea"/>
+            </a:endParaRPr>
           </a:p>
           <a:p>
             <a:pPr marL="342900" indent="-342900" fontAlgn="auto">
@@ -8359,6 +9339,12 @@
               </a:rPr>
               <a:t>业务功能实现。</a:t>
             </a:r>
+            <a:endParaRPr lang="zh-CN" altLang="en-US" sz="1400" dirty="0" smtClean="0">
+              <a:solidFill>
+                <a:schemeClr val="tx1"/>
+              </a:solidFill>
+              <a:sym typeface="+mn-ea"/>
+            </a:endParaRPr>
           </a:p>
           <a:p>
             <a:pPr marL="342900" indent="-342900" fontAlgn="auto">
@@ -8402,6 +9388,12 @@
               </a:rPr>
               <a:t>，提炼出新的功能，整合进可视化工具中。</a:t>
             </a:r>
+            <a:endParaRPr lang="zh-CN" altLang="en-US" sz="1400" dirty="0" smtClean="0">
+              <a:solidFill>
+                <a:schemeClr val="tx1"/>
+              </a:solidFill>
+              <a:ea typeface="宋体" panose="02010600030101010101" pitchFamily="2" charset="-122"/>
+            </a:endParaRPr>
           </a:p>
         </p:txBody>
       </p:sp>
@@ -8563,6 +9555,12 @@
               </a:rPr>
               <a:t>工具的封装做准备。</a:t>
             </a:r>
+            <a:endParaRPr lang="zh-CN" altLang="en-US" sz="1400" dirty="0" smtClean="0">
+              <a:solidFill>
+                <a:schemeClr val="tx1"/>
+              </a:solidFill>
+              <a:ea typeface="宋体" panose="02010600030101010101" pitchFamily="2" charset="-122"/>
+            </a:endParaRPr>
           </a:p>
           <a:p>
             <a:pPr marL="285750" indent="-285750" fontAlgn="auto">
@@ -8641,6 +9639,12 @@
               </a:rPr>
               <a:t>工作。</a:t>
             </a:r>
+            <a:endParaRPr lang="zh-CN" altLang="en-US" sz="1400" dirty="0" smtClean="0">
+              <a:solidFill>
+                <a:schemeClr val="tx1"/>
+              </a:solidFill>
+              <a:ea typeface="宋体" panose="02010600030101010101" pitchFamily="2" charset="-122"/>
+            </a:endParaRPr>
           </a:p>
         </p:txBody>
       </p:sp>
@@ -8757,6 +9761,12 @@
               </a:rPr>
               <a:t>参与数据资源地图项目以及海外利益分析项目的设计和开发工作。</a:t>
             </a:r>
+            <a:endParaRPr lang="zh-CN" altLang="en-US" sz="1400" dirty="0" smtClean="0">
+              <a:solidFill>
+                <a:schemeClr val="tx1"/>
+              </a:solidFill>
+              <a:ea typeface="宋体" panose="02010600030101010101" pitchFamily="2" charset="-122"/>
+            </a:endParaRPr>
           </a:p>
         </p:txBody>
       </p:sp>
@@ -8847,6 +9857,13 @@
               </a:rPr>
               <a:t>负责可视化小组成员的日报审批和相关工作分配，培养新人。</a:t>
             </a:r>
+            <a:endParaRPr lang="zh-CN" sz="1400" dirty="0" smtClean="0">
+              <a:solidFill>
+                <a:schemeClr val="tx1"/>
+              </a:solidFill>
+              <a:ea typeface="宋体" panose="02010600030101010101" pitchFamily="2" charset="-122"/>
+              <a:sym typeface="+mn-ea"/>
+            </a:endParaRPr>
           </a:p>
           <a:p>
             <a:pPr marL="285750" indent="-285750" fontAlgn="auto">
@@ -8949,7 +9966,7 @@
 </p:sld>
 </file>
 
-<file path=ppt/slides/slide5.xml><?xml version="1.0" encoding="utf-8"?>
+<file path=ppt/slides/slide4.xml><?xml version="1.0" encoding="utf-8"?>
 <p:sld xmlns:a="http://schemas.openxmlformats.org/drawingml/2006/main" xmlns:r="http://schemas.openxmlformats.org/officeDocument/2006/relationships" xmlns:p="http://schemas.openxmlformats.org/presentationml/2006/main">
   <p:cSld>
     <p:spTree>
@@ -8983,7 +10000,6 @@
           <a:p>
             <a:fld id="{76B1E760-ECB3-4197-9FBC-1D87FC5C6A28}" type="slidenum">
               <a:rPr kumimoji="1" lang="ja-JP" altLang="en-US" smtClean="0"/>
-              <a:t>5</a:t>
             </a:fld>
             <a:endParaRPr kumimoji="1" lang="ja-JP" altLang="en-US" dirty="0"/>
           </a:p>
@@ -9012,6 +10028,7 @@
               <a:rPr lang="zh-CN" altLang="en-US" dirty="0"/>
               <a:t>年工作总体情况分析</a:t>
             </a:r>
+            <a:endParaRPr lang="zh-CN" altLang="en-US" dirty="0"/>
           </a:p>
         </p:txBody>
       </p:sp>
@@ -9057,8 +10074,8 @@
         </p:nvSpPr>
         <p:spPr bwMode="auto">
           <a:xfrm>
-            <a:off x="803029" y="2295525"/>
-            <a:ext cx="2314575" cy="2286000"/>
+            <a:off x="513715" y="2062480"/>
+            <a:ext cx="2604135" cy="2519045"/>
           </a:xfrm>
           <a:prstGeom prst="ellipse">
             <a:avLst/>
@@ -9143,29 +10160,18 @@
         </p:nvSpPr>
         <p:spPr bwMode="auto">
           <a:xfrm>
-            <a:off x="3533775" y="883285"/>
-            <a:ext cx="2019300" cy="895350"/>
+            <a:off x="3825875" y="883285"/>
+            <a:ext cx="2081530" cy="1003300"/>
           </a:xfrm>
           <a:prstGeom prst="roundRect">
             <a:avLst/>
           </a:prstGeom>
-          <a:gradFill>
-            <a:gsLst>
-              <a:gs pos="0">
-                <a:srgbClr val="5E9EFF"/>
-              </a:gs>
-              <a:gs pos="38000">
-                <a:srgbClr val="85C2FF"/>
-              </a:gs>
-              <a:gs pos="74000">
-                <a:srgbClr val="C4D6EB"/>
-              </a:gs>
-              <a:gs pos="100000">
-                <a:schemeClr val="bg1"/>
-              </a:gs>
-            </a:gsLst>
-            <a:lin ang="0" scaled="0"/>
-          </a:gradFill>
+          <a:solidFill>
+            <a:schemeClr val="accent6">
+              <a:lumMod val="60000"/>
+              <a:lumOff val="40000"/>
+            </a:schemeClr>
+          </a:solidFill>
           <a:effectLst>
             <a:outerShdw blurRad="50800" dist="50800" dir="5400000" algn="ctr" rotWithShape="0">
               <a:schemeClr val="bg1">
@@ -9228,29 +10234,18 @@
         </p:nvSpPr>
         <p:spPr bwMode="auto">
           <a:xfrm>
-            <a:off x="3905250" y="2367953"/>
-            <a:ext cx="2019300" cy="895350"/>
+            <a:off x="3905885" y="4895850"/>
+            <a:ext cx="2000250" cy="970915"/>
           </a:xfrm>
           <a:prstGeom prst="roundRect">
             <a:avLst/>
           </a:prstGeom>
-          <a:gradFill>
-            <a:gsLst>
-              <a:gs pos="0">
-                <a:srgbClr val="5E9EFF"/>
-              </a:gs>
-              <a:gs pos="38000">
-                <a:srgbClr val="85C2FF"/>
-              </a:gs>
-              <a:gs pos="74000">
-                <a:srgbClr val="C4D6EB"/>
-              </a:gs>
-              <a:gs pos="100000">
-                <a:schemeClr val="bg1"/>
-              </a:gs>
-            </a:gsLst>
-            <a:lin ang="0" scaled="0"/>
-          </a:gradFill>
+          <a:solidFill>
+            <a:schemeClr val="accent6">
+              <a:lumMod val="60000"/>
+              <a:lumOff val="40000"/>
+            </a:schemeClr>
+          </a:solidFill>
           <a:effectLst>
             <a:outerShdw blurRad="50800" dist="50800" dir="5400000" algn="ctr" rotWithShape="0">
               <a:schemeClr val="bg1">
@@ -9274,28 +10269,34 @@
           </a:fontRef>
         </p:style>
         <p:txBody>
-          <a:bodyPr rtlCol="0" anchor="ctr"/>
+          <a:bodyPr vertOverflow="overflow" horzOverflow="overflow" vert="horz" wrap="square" numCol="1" spcCol="0" rtlCol="0" fromWordArt="0" anchor="ctr" anchorCtr="0" forceAA="0" compatLnSpc="1">
+            <a:noAutofit/>
+          </a:bodyPr>
           <a:lstStyle/>
           <a:p>
-            <a:pPr algn="ctr">
-              <a:spcBef>
-                <a:spcPct val="0"/>
-              </a:spcBef>
+            <a:pPr lvl="0" algn="ctr">
               <a:buClr>
                 <a:schemeClr val="accent2"/>
               </a:buClr>
               <a:buFont typeface="Wingdings" panose="05000000000000000000" pitchFamily="2" charset="2"/>
-              <a:buNone/>
             </a:pPr>
             <a:r>
-              <a:rPr lang="zh-CN" altLang="en-US" dirty="0">
+              <a:rPr lang="zh-CN" altLang="en-US" dirty="0" smtClean="0">
                 <a:solidFill>
                   <a:schemeClr val="tx1"/>
                 </a:solidFill>
                 <a:ea typeface="宋体" panose="02010600030101010101" pitchFamily="2" charset="-122"/>
+                <a:sym typeface="+mn-ea"/>
               </a:rPr>
               <a:t>完善工具管理</a:t>
             </a:r>
+            <a:endParaRPr lang="zh-CN" altLang="en-US" dirty="0" smtClean="0">
+              <a:solidFill>
+                <a:schemeClr val="tx1"/>
+              </a:solidFill>
+              <a:ea typeface="宋体" panose="02010600030101010101" pitchFamily="2" charset="-122"/>
+              <a:sym typeface="+mn-ea"/>
+            </a:endParaRPr>
           </a:p>
         </p:txBody>
       </p:sp>
@@ -9307,29 +10308,18 @@
         </p:nvSpPr>
         <p:spPr bwMode="auto">
           <a:xfrm>
-            <a:off x="3905250" y="3767657"/>
-            <a:ext cx="2019300" cy="895350"/>
+            <a:off x="3886835" y="2242820"/>
+            <a:ext cx="2019300" cy="965835"/>
           </a:xfrm>
           <a:prstGeom prst="roundRect">
             <a:avLst/>
           </a:prstGeom>
-          <a:gradFill>
-            <a:gsLst>
-              <a:gs pos="0">
-                <a:srgbClr val="5E9EFF"/>
-              </a:gs>
-              <a:gs pos="38000">
-                <a:srgbClr val="85C2FF"/>
-              </a:gs>
-              <a:gs pos="74000">
-                <a:srgbClr val="C4D6EB"/>
-              </a:gs>
-              <a:gs pos="100000">
-                <a:schemeClr val="bg1"/>
-              </a:gs>
-            </a:gsLst>
-            <a:lin ang="0" scaled="0"/>
-          </a:gradFill>
+          <a:solidFill>
+            <a:schemeClr val="accent6">
+              <a:lumMod val="60000"/>
+              <a:lumOff val="40000"/>
+            </a:schemeClr>
+          </a:solidFill>
           <a:effectLst>
             <a:outerShdw blurRad="50800" dist="50800" dir="5400000" algn="ctr" rotWithShape="0">
               <a:schemeClr val="bg1">
@@ -9353,28 +10343,34 @@
           </a:fontRef>
         </p:style>
         <p:txBody>
-          <a:bodyPr rtlCol="0" anchor="ctr"/>
+          <a:bodyPr vertOverflow="overflow" horzOverflow="overflow" vert="horz" wrap="square" numCol="1" spcCol="0" rtlCol="0" fromWordArt="0" anchor="ctr" anchorCtr="0" forceAA="0" compatLnSpc="1">
+            <a:noAutofit/>
+          </a:bodyPr>
           <a:lstStyle/>
           <a:p>
-            <a:pPr algn="ctr">
-              <a:spcBef>
-                <a:spcPct val="0"/>
-              </a:spcBef>
+            <a:pPr lvl="0" algn="ctr">
               <a:buClr>
                 <a:schemeClr val="accent2"/>
               </a:buClr>
               <a:buFont typeface="Wingdings" panose="05000000000000000000" pitchFamily="2" charset="2"/>
-              <a:buNone/>
             </a:pPr>
             <a:r>
-              <a:rPr lang="zh-CN" altLang="en-US" dirty="0">
+              <a:rPr lang="zh-CN" altLang="en-US" dirty="0" smtClean="0">
                 <a:solidFill>
                   <a:schemeClr val="tx1"/>
                 </a:solidFill>
                 <a:ea typeface="宋体" panose="02010600030101010101" pitchFamily="2" charset="-122"/>
+                <a:sym typeface="+mn-ea"/>
               </a:rPr>
               <a:t>优化既有功能</a:t>
             </a:r>
+            <a:endParaRPr lang="zh-CN" altLang="en-US" dirty="0" smtClean="0">
+              <a:solidFill>
+                <a:schemeClr val="tx1"/>
+              </a:solidFill>
+              <a:ea typeface="宋体" panose="02010600030101010101" pitchFamily="2" charset="-122"/>
+              <a:sym typeface="+mn-ea"/>
+            </a:endParaRPr>
           </a:p>
         </p:txBody>
       </p:sp>
@@ -9386,29 +10382,18 @@
         </p:nvSpPr>
         <p:spPr bwMode="auto">
           <a:xfrm>
-            <a:off x="3654970" y="5153025"/>
-            <a:ext cx="2019300" cy="895350"/>
+            <a:off x="3886835" y="3508375"/>
+            <a:ext cx="2019300" cy="974090"/>
           </a:xfrm>
           <a:prstGeom prst="roundRect">
             <a:avLst/>
           </a:prstGeom>
-          <a:gradFill>
-            <a:gsLst>
-              <a:gs pos="0">
-                <a:srgbClr val="5E9EFF"/>
-              </a:gs>
-              <a:gs pos="38000">
-                <a:srgbClr val="85C2FF"/>
-              </a:gs>
-              <a:gs pos="74000">
-                <a:srgbClr val="C4D6EB"/>
-              </a:gs>
-              <a:gs pos="100000">
-                <a:schemeClr val="bg1"/>
-              </a:gs>
-            </a:gsLst>
-            <a:lin ang="0" scaled="0"/>
-          </a:gradFill>
+          <a:solidFill>
+            <a:schemeClr val="accent6">
+              <a:lumMod val="60000"/>
+              <a:lumOff val="40000"/>
+            </a:schemeClr>
+          </a:solidFill>
           <a:effectLst>
             <a:outerShdw blurRad="50800" dist="50800" dir="5400000" algn="ctr" rotWithShape="0">
               <a:schemeClr val="bg1">
@@ -9432,28 +10417,34 @@
           </a:fontRef>
         </p:style>
         <p:txBody>
-          <a:bodyPr rtlCol="0" anchor="ctr"/>
+          <a:bodyPr vertOverflow="overflow" horzOverflow="overflow" vert="horz" wrap="square" numCol="1" spcCol="0" rtlCol="0" fromWordArt="0" anchor="ctr" anchorCtr="0" forceAA="0" compatLnSpc="1">
+            <a:noAutofit/>
+          </a:bodyPr>
           <a:lstStyle/>
           <a:p>
-            <a:pPr algn="ctr">
-              <a:spcBef>
-                <a:spcPct val="0"/>
-              </a:spcBef>
+            <a:pPr lvl="0" algn="ctr">
               <a:buClr>
                 <a:schemeClr val="accent2"/>
               </a:buClr>
               <a:buFont typeface="Wingdings" panose="05000000000000000000" pitchFamily="2" charset="2"/>
-              <a:buNone/>
             </a:pPr>
             <a:r>
-              <a:rPr lang="zh-CN" altLang="en-US" dirty="0">
+              <a:rPr lang="zh-CN" altLang="en-US" dirty="0" smtClean="0">
                 <a:solidFill>
                   <a:schemeClr val="tx1"/>
                 </a:solidFill>
                 <a:ea typeface="宋体" panose="02010600030101010101" pitchFamily="2" charset="-122"/>
+                <a:sym typeface="+mn-ea"/>
               </a:rPr>
               <a:t>增加新功能</a:t>
             </a:r>
+            <a:endParaRPr lang="zh-CN" altLang="en-US" dirty="0" smtClean="0">
+              <a:solidFill>
+                <a:schemeClr val="tx1"/>
+              </a:solidFill>
+              <a:ea typeface="宋体" panose="02010600030101010101" pitchFamily="2" charset="-122"/>
+              <a:sym typeface="+mn-ea"/>
+            </a:endParaRPr>
           </a:p>
         </p:txBody>
       </p:sp>
@@ -9465,8 +10456,8 @@
         </p:nvSpPr>
         <p:spPr bwMode="auto">
           <a:xfrm>
-            <a:off x="6648447" y="883285"/>
-            <a:ext cx="2419353" cy="438467"/>
+            <a:off x="6823075" y="883285"/>
+            <a:ext cx="3367405" cy="400050"/>
           </a:xfrm>
           <a:prstGeom prst="roundRect">
             <a:avLst/>
@@ -9507,7 +10498,7 @@
                 </a:solidFill>
                 <a:ea typeface="宋体" panose="02010600030101010101" pitchFamily="2" charset="-122"/>
               </a:rPr>
-              <a:t>在各项目中实现可视化通用功能。</a:t>
+              <a:t>在各项目中嵌入可视化，实现可视化通用功能。</a:t>
             </a:r>
             <a:endParaRPr lang="zh-CN" altLang="en-US" sz="1200" dirty="0" smtClean="0">
               <a:solidFill>
@@ -9526,7 +10517,7 @@
         </p:nvSpPr>
         <p:spPr bwMode="auto">
           <a:xfrm>
-            <a:off x="6648449" y="1498878"/>
+            <a:off x="6823074" y="1439188"/>
             <a:ext cx="3714752" cy="447675"/>
           </a:xfrm>
           <a:prstGeom prst="roundRect">
@@ -9587,7 +10578,7 @@
         </p:nvSpPr>
         <p:spPr bwMode="auto">
           <a:xfrm>
-            <a:off x="6710976" y="2148719"/>
+            <a:off x="6687481" y="4581404"/>
             <a:ext cx="4849452" cy="666909"/>
           </a:xfrm>
           <a:prstGeom prst="roundRect">
@@ -9666,7 +10657,7 @@
         </p:nvSpPr>
         <p:spPr bwMode="auto">
           <a:xfrm>
-            <a:off x="6710976" y="3014319"/>
+            <a:off x="6655096" y="5518759"/>
             <a:ext cx="4985257" cy="695324"/>
           </a:xfrm>
           <a:prstGeom prst="roundRect">
@@ -9708,7 +10699,7 @@
                 </a:solidFill>
                 <a:ea typeface="宋体" panose="02010600030101010101" pitchFamily="2" charset="-122"/>
               </a:rPr>
-              <a:t>编写了功能设计策划文档，方便后续编制功能研发计划，以及让产品人员更容易了解可视化的功能构成和使用方式；完善了接口设计文档，方便后续与项目中的业务功能对接。</a:t>
+              <a:t>编写功能设计策划文档，方便功能研发计划编制，以及让产品人员更易于熟悉可视化的功能构成和使用方式；逐步完善接口设计文档，便于与项目中的业务功能对接。</a:t>
             </a:r>
             <a:endParaRPr lang="zh-CN" altLang="en-US" sz="1200" dirty="0" smtClean="0">
               <a:solidFill>
@@ -9727,7 +10718,7 @@
         </p:nvSpPr>
         <p:spPr bwMode="auto">
           <a:xfrm>
-            <a:off x="6710976" y="4003666"/>
+            <a:off x="6746536" y="2301866"/>
             <a:ext cx="4731760" cy="847436"/>
           </a:xfrm>
           <a:prstGeom prst="roundRect">
@@ -9806,8 +10797,8 @@
         </p:nvSpPr>
         <p:spPr bwMode="auto">
           <a:xfrm>
-            <a:off x="6648449" y="5185042"/>
-            <a:ext cx="4914338" cy="831316"/>
+            <a:off x="6746240" y="3609975"/>
+            <a:ext cx="4914265" cy="771525"/>
           </a:xfrm>
           <a:prstGeom prst="roundRect">
             <a:avLst/>
@@ -9848,7 +10839,7 @@
                 </a:solidFill>
                 <a:ea typeface="宋体" panose="02010600030101010101" pitchFamily="2" charset="-122"/>
               </a:rPr>
-              <a:t>根据功能研发计划和实际项目需要，增加了一系列新功能，例如环形右键菜单、环形树布局、自动寻位、自定义画板等功能。</a:t>
+              <a:t>根据功能研发计划和实际项目需要，增加了新功能，例如环形右键菜单、环形树布局、自动寻位、自定义画板等功能。</a:t>
             </a:r>
             <a:endParaRPr lang="zh-CN" altLang="en-US" sz="1200" dirty="0" smtClean="0">
               <a:solidFill>
@@ -9869,9 +10860,9 @@
           <p:nvPr/>
         </p:nvCxnSpPr>
         <p:spPr>
-          <a:xfrm rot="5400000" flipH="1" flipV="1">
-            <a:off x="2264764" y="1026514"/>
-            <a:ext cx="964565" cy="1573458"/>
+          <a:xfrm rot="16200000">
+            <a:off x="2482215" y="718820"/>
+            <a:ext cx="677545" cy="2009775"/>
           </a:xfrm>
           <a:prstGeom prst="bentConnector2">
             <a:avLst/>
@@ -9899,20 +10890,18 @@
         <p:nvCxnSpPr>
           <p:cNvPr id="22" name="直接箭头连接符 21"/>
           <p:cNvCxnSpPr>
-            <a:stCxn id="5" idx="6"/>
+            <a:stCxn id="5" idx="4"/>
             <a:endCxn id="8" idx="1"/>
           </p:cNvCxnSpPr>
           <p:nvPr/>
         </p:nvCxnSpPr>
         <p:spPr>
-          <a:xfrm flipV="1">
-            <a:off x="3117604" y="2815628"/>
-            <a:ext cx="787646" cy="622897"/>
+          <a:xfrm rot="5400000" flipV="1">
+            <a:off x="2460943" y="3936683"/>
+            <a:ext cx="800100" cy="2089785"/>
           </a:xfrm>
-          <a:prstGeom prst="bentConnector3">
-            <a:avLst>
-              <a:gd name="adj1" fmla="val 50000"/>
-            </a:avLst>
+          <a:prstGeom prst="bentConnector2">
+            <a:avLst/>
           </a:prstGeom>
           <a:ln w="57150">
             <a:tailEnd type="arrow"/>
@@ -9943,13 +10932,13 @@
           <p:nvPr/>
         </p:nvCxnSpPr>
         <p:spPr>
-          <a:xfrm>
-            <a:off x="3117604" y="3438525"/>
-            <a:ext cx="787646" cy="776807"/>
+          <a:xfrm flipV="1">
+            <a:off x="3117850" y="2726055"/>
+            <a:ext cx="768985" cy="596265"/>
           </a:xfrm>
           <a:prstGeom prst="bentConnector3">
             <a:avLst>
-              <a:gd name="adj1" fmla="val 50000"/>
+              <a:gd name="adj1" fmla="val 50041"/>
             </a:avLst>
           </a:prstGeom>
           <a:ln w="57150">
@@ -9975,18 +10964,20 @@
         <p:nvCxnSpPr>
           <p:cNvPr id="28" name="直接箭头连接符 27"/>
           <p:cNvCxnSpPr>
-            <a:stCxn id="5" idx="4"/>
+            <a:stCxn id="5" idx="6"/>
             <a:endCxn id="10" idx="1"/>
           </p:cNvCxnSpPr>
           <p:nvPr/>
         </p:nvCxnSpPr>
         <p:spPr>
-          <a:xfrm rot="16200000" flipH="1">
-            <a:off x="2298056" y="4243785"/>
-            <a:ext cx="1019175" cy="1694653"/>
+          <a:xfrm>
+            <a:off x="3117850" y="3322320"/>
+            <a:ext cx="768985" cy="673100"/>
           </a:xfrm>
-          <a:prstGeom prst="bentConnector2">
-            <a:avLst/>
+          <a:prstGeom prst="bentConnector3">
+            <a:avLst>
+              <a:gd name="adj1" fmla="val 50041"/>
+            </a:avLst>
           </a:prstGeom>
           <a:ln w="57150">
             <a:tailEnd type="arrow"/>
@@ -10018,8 +11009,8 @@
         </p:nvCxnSpPr>
         <p:spPr>
           <a:xfrm flipV="1">
-            <a:off x="5553075" y="1102519"/>
-            <a:ext cx="1095372" cy="228441"/>
+            <a:off x="5907405" y="1083310"/>
+            <a:ext cx="915670" cy="301625"/>
           </a:xfrm>
           <a:prstGeom prst="straightConnector1">
             <a:avLst/>
@@ -10055,8 +11046,8 @@
         </p:nvCxnSpPr>
         <p:spPr>
           <a:xfrm>
-            <a:off x="5553075" y="1330960"/>
-            <a:ext cx="1095374" cy="391756"/>
+            <a:off x="5907405" y="1384935"/>
+            <a:ext cx="915670" cy="278130"/>
           </a:xfrm>
           <a:prstGeom prst="straightConnector1">
             <a:avLst/>
@@ -10092,8 +11083,8 @@
         </p:nvCxnSpPr>
         <p:spPr>
           <a:xfrm flipV="1">
-            <a:off x="5924550" y="2482174"/>
-            <a:ext cx="786426" cy="333454"/>
+            <a:off x="5906135" y="4914938"/>
+            <a:ext cx="781050" cy="466725"/>
           </a:xfrm>
           <a:prstGeom prst="straightConnector1">
             <a:avLst/>
@@ -10129,8 +11120,8 @@
         </p:nvCxnSpPr>
         <p:spPr>
           <a:xfrm>
-            <a:off x="5924550" y="2815628"/>
-            <a:ext cx="786426" cy="546353"/>
+            <a:off x="5906135" y="5381663"/>
+            <a:ext cx="748665" cy="485140"/>
           </a:xfrm>
           <a:prstGeom prst="straightConnector1">
             <a:avLst/>
@@ -10166,8 +11157,8 @@
         </p:nvCxnSpPr>
         <p:spPr>
           <a:xfrm>
-            <a:off x="5924550" y="4215332"/>
-            <a:ext cx="786426" cy="212052"/>
+            <a:off x="5906135" y="2726257"/>
+            <a:ext cx="840105" cy="0"/>
           </a:xfrm>
           <a:prstGeom prst="straightConnector1">
             <a:avLst/>
@@ -10203,8 +11194,8 @@
         </p:nvCxnSpPr>
         <p:spPr>
           <a:xfrm>
-            <a:off x="5674270" y="5600700"/>
-            <a:ext cx="974179" cy="0"/>
+            <a:off x="5906045" y="3995420"/>
+            <a:ext cx="840105" cy="635"/>
           </a:xfrm>
           <a:prstGeom prst="straightConnector1">
             <a:avLst/>
@@ -10212,6 +11203,2751 @@
           <a:ln w="28575">
             <a:prstDash val="sysDash"/>
             <a:tailEnd type="none"/>
+          </a:ln>
+        </p:spPr>
+        <p:style>
+          <a:lnRef idx="1">
+            <a:schemeClr val="accent1"/>
+          </a:lnRef>
+          <a:fillRef idx="0">
+            <a:schemeClr val="accent1"/>
+          </a:fillRef>
+          <a:effectRef idx="0">
+            <a:schemeClr val="accent1"/>
+          </a:effectRef>
+          <a:fontRef idx="minor">
+            <a:schemeClr val="tx1"/>
+          </a:fontRef>
+        </p:style>
+      </p:cxnSp>
+    </p:spTree>
+  </p:cSld>
+  <p:clrMapOvr>
+    <a:masterClrMapping/>
+  </p:clrMapOvr>
+  <p:timing>
+    <p:tnLst>
+      <p:par>
+        <p:cTn id="1" dur="indefinite" restart="never" nodeType="tmRoot"/>
+      </p:par>
+    </p:tnLst>
+  </p:timing>
+</p:sld>
+</file>
+
+<file path=ppt/slides/slide5.xml><?xml version="1.0" encoding="utf-8"?>
+<p:sld xmlns:a="http://schemas.openxmlformats.org/drawingml/2006/main" xmlns:r="http://schemas.openxmlformats.org/officeDocument/2006/relationships" xmlns:p="http://schemas.openxmlformats.org/presentationml/2006/main">
+  <p:cSld>
+    <p:spTree>
+      <p:nvGrpSpPr>
+        <p:cNvPr id="1" name=""/>
+        <p:cNvGrpSpPr/>
+        <p:nvPr/>
+      </p:nvGrpSpPr>
+      <p:grpSpPr>
+        <a:xfrm>
+          <a:off x="0" y="0"/>
+          <a:ext cx="0" cy="0"/>
+          <a:chOff x="0" y="0"/>
+          <a:chExt cx="0" cy="0"/>
+        </a:xfrm>
+      </p:grpSpPr>
+      <p:sp>
+        <p:nvSpPr>
+          <p:cNvPr id="2" name="灯片编号占位符 1"/>
+          <p:cNvSpPr>
+            <a:spLocks noGrp="1"/>
+          </p:cNvSpPr>
+          <p:nvPr>
+            <p:ph type="sldNum" sz="quarter" idx="10"/>
+          </p:nvPr>
+        </p:nvSpPr>
+        <p:spPr/>
+        <p:txBody>
+          <a:bodyPr/>
+          <a:lstStyle/>
+          <a:p>
+            <a:fld id="{76B1E760-ECB3-4197-9FBC-1D87FC5C6A28}" type="slidenum">
+              <a:rPr kumimoji="1" lang="ja-JP" altLang="en-US" smtClean="0"/>
+            </a:fld>
+            <a:endParaRPr kumimoji="1" lang="ja-JP" altLang="en-US" dirty="0"/>
+          </a:p>
+        </p:txBody>
+      </p:sp>
+      <p:sp>
+        <p:nvSpPr>
+          <p:cNvPr id="3" name="标题 2"/>
+          <p:cNvSpPr>
+            <a:spLocks noGrp="1"/>
+          </p:cNvSpPr>
+          <p:nvPr>
+            <p:ph type="title"/>
+          </p:nvPr>
+        </p:nvSpPr>
+        <p:spPr/>
+        <p:txBody>
+          <a:bodyPr/>
+          <a:lstStyle/>
+          <a:p>
+            <a:r>
+              <a:rPr lang="en-US" altLang="zh-CN" dirty="0"/>
+              <a:t>2018</a:t>
+            </a:r>
+            <a:r>
+              <a:rPr lang="zh-CN" altLang="en-US" dirty="0"/>
+              <a:t>年工作总体情况分析</a:t>
+            </a:r>
+            <a:endParaRPr lang="zh-CN" altLang="en-US" dirty="0"/>
+          </a:p>
+        </p:txBody>
+      </p:sp>
+      <p:sp>
+        <p:nvSpPr>
+          <p:cNvPr id="24" name="文本框 23"/>
+          <p:cNvSpPr txBox="1"/>
+          <p:nvPr/>
+        </p:nvSpPr>
+        <p:spPr>
+          <a:xfrm>
+            <a:off x="306705" y="530860"/>
+            <a:ext cx="5954395" cy="352425"/>
+          </a:xfrm>
+          <a:prstGeom prst="rect">
+            <a:avLst/>
+          </a:prstGeom>
+          <a:noFill/>
+        </p:spPr>
+        <p:txBody>
+          <a:bodyPr wrap="square" rtlCol="0">
+            <a:spAutoFit/>
+          </a:bodyPr>
+          <a:lstStyle/>
+          <a:p>
+            <a:r>
+              <a:rPr lang="zh-CN" altLang="en-US" b="1" dirty="0">
+                <a:sym typeface="+mn-ea"/>
+              </a:rPr>
+              <a:t>工作不足和根本原因分析</a:t>
+            </a:r>
+            <a:endParaRPr lang="zh-CN" altLang="en-US" b="1" dirty="0">
+              <a:sym typeface="+mn-ea"/>
+            </a:endParaRPr>
+          </a:p>
+        </p:txBody>
+      </p:sp>
+      <p:sp>
+        <p:nvSpPr>
+          <p:cNvPr id="9" name="圆角矩形 8"/>
+          <p:cNvSpPr/>
+          <p:nvPr/>
+        </p:nvSpPr>
+        <p:spPr bwMode="auto">
+          <a:xfrm>
+            <a:off x="3103880" y="1223010"/>
+            <a:ext cx="1951990" cy="771525"/>
+          </a:xfrm>
+          <a:prstGeom prst="roundRect">
+            <a:avLst/>
+          </a:prstGeom>
+          <a:solidFill>
+            <a:srgbClr val="FFC000"/>
+          </a:solidFill>
+          <a:effectLst>
+            <a:outerShdw blurRad="50800" dist="50800" dir="5400000" algn="ctr" rotWithShape="0">
+              <a:schemeClr val="bg1">
+                <a:lumMod val="85000"/>
+              </a:schemeClr>
+            </a:outerShdw>
+          </a:effectLst>
+        </p:spPr>
+        <p:style>
+          <a:lnRef idx="2">
+            <a:schemeClr val="accent5"/>
+          </a:lnRef>
+          <a:fillRef idx="1">
+            <a:schemeClr val="lt1"/>
+          </a:fillRef>
+          <a:effectRef idx="0">
+            <a:schemeClr val="accent5"/>
+          </a:effectRef>
+          <a:fontRef idx="minor">
+            <a:schemeClr val="dk1"/>
+          </a:fontRef>
+        </p:style>
+        <p:txBody>
+          <a:bodyPr vertOverflow="overflow" horzOverflow="overflow" vert="horz" wrap="square" numCol="1" spcCol="0" rtlCol="0" fromWordArt="0" anchor="ctr" anchorCtr="0" forceAA="0" compatLnSpc="1">
+            <a:noAutofit/>
+          </a:bodyPr>
+          <a:lstStyle/>
+          <a:p>
+            <a:pPr lvl="0" algn="ctr">
+              <a:buClr>
+                <a:schemeClr val="accent2"/>
+              </a:buClr>
+              <a:buFont typeface="Wingdings" panose="05000000000000000000" pitchFamily="2" charset="2"/>
+            </a:pPr>
+            <a:r>
+              <a:rPr lang="zh-CN" altLang="en-US" sz="1600" dirty="0" smtClean="0">
+                <a:solidFill>
+                  <a:schemeClr val="tx1"/>
+                </a:solidFill>
+                <a:ea typeface="宋体" panose="02010600030101010101" pitchFamily="2" charset="-122"/>
+                <a:sym typeface="+mn-ea"/>
+              </a:rPr>
+              <a:t>与项目对接速度有待提升</a:t>
+            </a:r>
+            <a:endParaRPr lang="zh-CN" altLang="en-US" sz="1600" dirty="0" smtClean="0">
+              <a:solidFill>
+                <a:schemeClr val="tx1"/>
+              </a:solidFill>
+              <a:ea typeface="宋体" panose="02010600030101010101" pitchFamily="2" charset="-122"/>
+              <a:sym typeface="+mn-ea"/>
+            </a:endParaRPr>
+          </a:p>
+        </p:txBody>
+      </p:sp>
+      <p:sp>
+        <p:nvSpPr>
+          <p:cNvPr id="10" name="圆角矩形 9"/>
+          <p:cNvSpPr/>
+          <p:nvPr/>
+        </p:nvSpPr>
+        <p:spPr bwMode="auto">
+          <a:xfrm>
+            <a:off x="3070225" y="3494405"/>
+            <a:ext cx="1884680" cy="728980"/>
+          </a:xfrm>
+          <a:prstGeom prst="roundRect">
+            <a:avLst/>
+          </a:prstGeom>
+          <a:solidFill>
+            <a:srgbClr val="FFC000"/>
+          </a:solidFill>
+          <a:effectLst>
+            <a:outerShdw blurRad="50800" dist="50800" dir="5400000" algn="ctr" rotWithShape="0">
+              <a:schemeClr val="bg1">
+                <a:lumMod val="85000"/>
+              </a:schemeClr>
+            </a:outerShdw>
+          </a:effectLst>
+        </p:spPr>
+        <p:style>
+          <a:lnRef idx="2">
+            <a:schemeClr val="accent5"/>
+          </a:lnRef>
+          <a:fillRef idx="1">
+            <a:schemeClr val="lt1"/>
+          </a:fillRef>
+          <a:effectRef idx="0">
+            <a:schemeClr val="accent5"/>
+          </a:effectRef>
+          <a:fontRef idx="minor">
+            <a:schemeClr val="dk1"/>
+          </a:fontRef>
+        </p:style>
+        <p:txBody>
+          <a:bodyPr vertOverflow="overflow" horzOverflow="overflow" vert="horz" wrap="square" numCol="1" spcCol="0" rtlCol="0" fromWordArt="0" anchor="ctr" anchorCtr="0" forceAA="0" compatLnSpc="1">
+            <a:noAutofit/>
+          </a:bodyPr>
+          <a:lstStyle/>
+          <a:p>
+            <a:pPr lvl="0" algn="ctr">
+              <a:buClr>
+                <a:schemeClr val="accent2"/>
+              </a:buClr>
+              <a:buFont typeface="Wingdings" panose="05000000000000000000" pitchFamily="2" charset="2"/>
+            </a:pPr>
+            <a:r>
+              <a:rPr lang="zh-CN" altLang="en-US" sz="1600" dirty="0" smtClean="0">
+                <a:solidFill>
+                  <a:schemeClr val="tx1"/>
+                </a:solidFill>
+                <a:ea typeface="宋体" panose="02010600030101010101" pitchFamily="2" charset="-122"/>
+                <a:sym typeface="+mn-ea"/>
+              </a:rPr>
+              <a:t>通用能力有待完善</a:t>
+            </a:r>
+            <a:endParaRPr lang="zh-CN" altLang="en-US" sz="1600" dirty="0" smtClean="0">
+              <a:solidFill>
+                <a:schemeClr val="tx1"/>
+              </a:solidFill>
+              <a:ea typeface="宋体" panose="02010600030101010101" pitchFamily="2" charset="-122"/>
+              <a:sym typeface="+mn-ea"/>
+            </a:endParaRPr>
+          </a:p>
+        </p:txBody>
+      </p:sp>
+      <p:cxnSp>
+        <p:nvCxnSpPr>
+          <p:cNvPr id="25" name="直接箭头连接符 24"/>
+          <p:cNvCxnSpPr>
+            <a:stCxn id="4" idx="6"/>
+            <a:endCxn id="9" idx="1"/>
+          </p:cNvCxnSpPr>
+          <p:nvPr/>
+        </p:nvCxnSpPr>
+        <p:spPr>
+          <a:xfrm flipV="1">
+            <a:off x="2349500" y="1609090"/>
+            <a:ext cx="754380" cy="2249805"/>
+          </a:xfrm>
+          <a:prstGeom prst="bentConnector3">
+            <a:avLst>
+              <a:gd name="adj1" fmla="val 50000"/>
+            </a:avLst>
+          </a:prstGeom>
+          <a:solidFill>
+            <a:srgbClr val="FFC000"/>
+          </a:solidFill>
+          <a:ln w="57150">
+            <a:tailEnd type="arrow"/>
+          </a:ln>
+        </p:spPr>
+        <p:style>
+          <a:lnRef idx="1">
+            <a:schemeClr val="accent1"/>
+          </a:lnRef>
+          <a:fillRef idx="0">
+            <a:schemeClr val="accent1"/>
+          </a:fillRef>
+          <a:effectRef idx="0">
+            <a:schemeClr val="accent1"/>
+          </a:effectRef>
+          <a:fontRef idx="minor">
+            <a:schemeClr val="tx1"/>
+          </a:fontRef>
+        </p:style>
+      </p:cxnSp>
+      <p:cxnSp>
+        <p:nvCxnSpPr>
+          <p:cNvPr id="28" name="直接箭头连接符 27"/>
+          <p:cNvCxnSpPr>
+            <a:stCxn id="4" idx="6"/>
+            <a:endCxn id="10" idx="1"/>
+          </p:cNvCxnSpPr>
+          <p:nvPr/>
+        </p:nvCxnSpPr>
+        <p:spPr>
+          <a:xfrm>
+            <a:off x="2349500" y="3858895"/>
+            <a:ext cx="720725" cy="3175"/>
+          </a:xfrm>
+          <a:prstGeom prst="bentConnector2">
+            <a:avLst/>
+          </a:prstGeom>
+          <a:solidFill>
+            <a:srgbClr val="FFC000"/>
+          </a:solidFill>
+          <a:ln w="57150">
+            <a:tailEnd type="arrow"/>
+          </a:ln>
+        </p:spPr>
+        <p:style>
+          <a:lnRef idx="1">
+            <a:schemeClr val="accent1"/>
+          </a:lnRef>
+          <a:fillRef idx="0">
+            <a:schemeClr val="accent1"/>
+          </a:fillRef>
+          <a:effectRef idx="0">
+            <a:schemeClr val="accent1"/>
+          </a:effectRef>
+          <a:fontRef idx="minor">
+            <a:schemeClr val="tx1"/>
+          </a:fontRef>
+        </p:style>
+      </p:cxnSp>
+      <p:sp>
+        <p:nvSpPr>
+          <p:cNvPr id="4" name="椭圆 3"/>
+          <p:cNvSpPr/>
+          <p:nvPr/>
+        </p:nvSpPr>
+        <p:spPr bwMode="auto">
+          <a:xfrm>
+            <a:off x="497205" y="2992120"/>
+            <a:ext cx="1852295" cy="1732915"/>
+          </a:xfrm>
+          <a:prstGeom prst="ellipse">
+            <a:avLst/>
+          </a:prstGeom>
+          <a:gradFill>
+            <a:gsLst>
+              <a:gs pos="0">
+                <a:srgbClr val="5E9EFF"/>
+              </a:gs>
+              <a:gs pos="39999">
+                <a:srgbClr val="85C2FF"/>
+              </a:gs>
+              <a:gs pos="70000">
+                <a:srgbClr val="C4D6EB"/>
+              </a:gs>
+              <a:gs pos="100000">
+                <a:srgbClr val="FFEBFA"/>
+              </a:gs>
+            </a:gsLst>
+            <a:lin ang="0" scaled="0"/>
+          </a:gradFill>
+          <a:scene3d>
+            <a:camera prst="orthographicFront"/>
+            <a:lightRig rig="threePt" dir="t"/>
+          </a:scene3d>
+          <a:sp3d>
+            <a:bevelT/>
+            <a:bevelB w="165100" prst="coolSlant"/>
+          </a:sp3d>
+        </p:spPr>
+        <p:style>
+          <a:lnRef idx="2">
+            <a:schemeClr val="accent5"/>
+          </a:lnRef>
+          <a:fillRef idx="1">
+            <a:schemeClr val="lt1"/>
+          </a:fillRef>
+          <a:effectRef idx="0">
+            <a:schemeClr val="accent5"/>
+          </a:effectRef>
+          <a:fontRef idx="minor">
+            <a:schemeClr val="dk1"/>
+          </a:fontRef>
+        </p:style>
+        <p:txBody>
+          <a:bodyPr rtlCol="0" anchor="ctr"/>
+          <a:p>
+            <a:pPr algn="ctr" eaLnBrk="1" hangingPunct="1">
+              <a:spcBef>
+                <a:spcPct val="0"/>
+              </a:spcBef>
+              <a:buClr>
+                <a:schemeClr val="accent2"/>
+              </a:buClr>
+              <a:buFont typeface="Wingdings" panose="05000000000000000000" pitchFamily="2" charset="2"/>
+              <a:buNone/>
+            </a:pPr>
+            <a:r>
+              <a:rPr lang="zh-CN" altLang="en-US" dirty="0" smtClean="0">
+                <a:solidFill>
+                  <a:schemeClr val="tx1"/>
+                </a:solidFill>
+                <a:ea typeface="宋体" panose="02010600030101010101" pitchFamily="2" charset="-122"/>
+              </a:rPr>
+              <a:t>可视化工具</a:t>
+            </a:r>
+            <a:endParaRPr lang="zh-CN" altLang="en-US" dirty="0" smtClean="0">
+              <a:solidFill>
+                <a:schemeClr val="tx1"/>
+              </a:solidFill>
+              <a:ea typeface="宋体" panose="02010600030101010101" pitchFamily="2" charset="-122"/>
+            </a:endParaRPr>
+          </a:p>
+        </p:txBody>
+      </p:sp>
+      <p:sp>
+        <p:nvSpPr>
+          <p:cNvPr id="7" name="圆角矩形 6"/>
+          <p:cNvSpPr/>
+          <p:nvPr/>
+        </p:nvSpPr>
+        <p:spPr bwMode="auto">
+          <a:xfrm>
+            <a:off x="3070225" y="5462905"/>
+            <a:ext cx="1951990" cy="762635"/>
+          </a:xfrm>
+          <a:prstGeom prst="roundRect">
+            <a:avLst/>
+          </a:prstGeom>
+          <a:solidFill>
+            <a:srgbClr val="FFC000"/>
+          </a:solidFill>
+          <a:effectLst>
+            <a:outerShdw blurRad="50800" dist="50800" dir="5400000" algn="ctr" rotWithShape="0">
+              <a:schemeClr val="bg1">
+                <a:lumMod val="85000"/>
+              </a:schemeClr>
+            </a:outerShdw>
+          </a:effectLst>
+        </p:spPr>
+        <p:style>
+          <a:lnRef idx="2">
+            <a:schemeClr val="accent5"/>
+          </a:lnRef>
+          <a:fillRef idx="1">
+            <a:schemeClr val="lt1"/>
+          </a:fillRef>
+          <a:effectRef idx="0">
+            <a:schemeClr val="accent5"/>
+          </a:effectRef>
+          <a:fontRef idx="minor">
+            <a:schemeClr val="dk1"/>
+          </a:fontRef>
+        </p:style>
+        <p:txBody>
+          <a:bodyPr vertOverflow="overflow" horzOverflow="overflow" vert="horz" wrap="square" numCol="1" spcCol="0" rtlCol="0" fromWordArt="0" anchor="ctr" anchorCtr="0" forceAA="0" compatLnSpc="1">
+            <a:noAutofit/>
+          </a:bodyPr>
+          <a:p>
+            <a:pPr lvl="0" algn="ctr">
+              <a:buClr>
+                <a:schemeClr val="accent2"/>
+              </a:buClr>
+              <a:buFont typeface="Wingdings" panose="05000000000000000000" pitchFamily="2" charset="2"/>
+            </a:pPr>
+            <a:r>
+              <a:rPr lang="zh-CN" altLang="en-US" sz="1600" dirty="0" smtClean="0">
+                <a:solidFill>
+                  <a:schemeClr val="tx1"/>
+                </a:solidFill>
+                <a:ea typeface="宋体" panose="02010600030101010101" pitchFamily="2" charset="-122"/>
+                <a:sym typeface="+mn-ea"/>
+              </a:rPr>
+              <a:t>与业务配合使用能力有待提高</a:t>
+            </a:r>
+            <a:endParaRPr lang="zh-CN" altLang="en-US" sz="1600" dirty="0" smtClean="0">
+              <a:solidFill>
+                <a:schemeClr val="tx1"/>
+              </a:solidFill>
+              <a:ea typeface="宋体" panose="02010600030101010101" pitchFamily="2" charset="-122"/>
+              <a:sym typeface="+mn-ea"/>
+            </a:endParaRPr>
+          </a:p>
+        </p:txBody>
+      </p:sp>
+      <p:cxnSp>
+        <p:nvCxnSpPr>
+          <p:cNvPr id="15" name="直接箭头连接符 27"/>
+          <p:cNvCxnSpPr>
+            <a:stCxn id="4" idx="6"/>
+            <a:endCxn id="7" idx="1"/>
+          </p:cNvCxnSpPr>
+          <p:nvPr/>
+        </p:nvCxnSpPr>
+        <p:spPr>
+          <a:xfrm>
+            <a:off x="2349500" y="3858895"/>
+            <a:ext cx="720725" cy="1985645"/>
+          </a:xfrm>
+          <a:prstGeom prst="bentConnector3">
+            <a:avLst>
+              <a:gd name="adj1" fmla="val 50044"/>
+            </a:avLst>
+          </a:prstGeom>
+          <a:solidFill>
+            <a:srgbClr val="FFC000"/>
+          </a:solidFill>
+          <a:ln w="57150">
+            <a:tailEnd type="arrow"/>
+          </a:ln>
+        </p:spPr>
+        <p:style>
+          <a:lnRef idx="1">
+            <a:schemeClr val="accent1"/>
+          </a:lnRef>
+          <a:fillRef idx="0">
+            <a:schemeClr val="accent1"/>
+          </a:fillRef>
+          <a:effectRef idx="0">
+            <a:schemeClr val="accent1"/>
+          </a:effectRef>
+          <a:fontRef idx="minor">
+            <a:schemeClr val="tx1"/>
+          </a:fontRef>
+        </p:style>
+      </p:cxnSp>
+      <p:sp>
+        <p:nvSpPr>
+          <p:cNvPr id="16" name="圆角矩形 15"/>
+          <p:cNvSpPr/>
+          <p:nvPr/>
+        </p:nvSpPr>
+        <p:spPr bwMode="auto">
+          <a:xfrm>
+            <a:off x="5530850" y="725805"/>
+            <a:ext cx="1217295" cy="363220"/>
+          </a:xfrm>
+          <a:prstGeom prst="roundRect">
+            <a:avLst/>
+          </a:prstGeom>
+          <a:solidFill>
+            <a:srgbClr val="FFC000"/>
+          </a:solidFill>
+          <a:effectLst>
+            <a:outerShdw blurRad="50800" dist="50800" dir="5400000" algn="ctr" rotWithShape="0">
+              <a:schemeClr val="bg1">
+                <a:lumMod val="85000"/>
+              </a:schemeClr>
+            </a:outerShdw>
+          </a:effectLst>
+        </p:spPr>
+        <p:style>
+          <a:lnRef idx="2">
+            <a:schemeClr val="accent5"/>
+          </a:lnRef>
+          <a:fillRef idx="1">
+            <a:schemeClr val="lt1"/>
+          </a:fillRef>
+          <a:effectRef idx="0">
+            <a:schemeClr val="accent5"/>
+          </a:effectRef>
+          <a:fontRef idx="minor">
+            <a:schemeClr val="dk1"/>
+          </a:fontRef>
+        </p:style>
+        <p:txBody>
+          <a:bodyPr vertOverflow="overflow" horzOverflow="overflow" vert="horz" wrap="square" numCol="1" spcCol="0" rtlCol="0" fromWordArt="0" anchor="ctr" anchorCtr="0" forceAA="0" compatLnSpc="1">
+            <a:noAutofit/>
+          </a:bodyPr>
+          <a:p>
+            <a:pPr lvl="0" algn="ctr">
+              <a:buClr>
+                <a:schemeClr val="accent2"/>
+              </a:buClr>
+              <a:buFont typeface="Wingdings" panose="05000000000000000000" pitchFamily="2" charset="2"/>
+            </a:pPr>
+            <a:r>
+              <a:rPr lang="zh-CN" altLang="en-US" sz="1200" dirty="0" smtClean="0">
+                <a:solidFill>
+                  <a:schemeClr val="tx1"/>
+                </a:solidFill>
+                <a:ea typeface="宋体" panose="02010600030101010101" pitchFamily="2" charset="-122"/>
+                <a:sym typeface="+mn-ea"/>
+              </a:rPr>
+              <a:t>页面样式冲突</a:t>
+            </a:r>
+            <a:endParaRPr lang="zh-CN" altLang="en-US" sz="1200" dirty="0" smtClean="0">
+              <a:solidFill>
+                <a:schemeClr val="tx1"/>
+              </a:solidFill>
+              <a:ea typeface="宋体" panose="02010600030101010101" pitchFamily="2" charset="-122"/>
+              <a:sym typeface="+mn-ea"/>
+            </a:endParaRPr>
+          </a:p>
+        </p:txBody>
+      </p:sp>
+      <p:sp>
+        <p:nvSpPr>
+          <p:cNvPr id="20" name="圆角矩形 19"/>
+          <p:cNvSpPr/>
+          <p:nvPr/>
+        </p:nvSpPr>
+        <p:spPr bwMode="auto">
+          <a:xfrm>
+            <a:off x="5531485" y="1223010"/>
+            <a:ext cx="1444625" cy="334010"/>
+          </a:xfrm>
+          <a:prstGeom prst="roundRect">
+            <a:avLst/>
+          </a:prstGeom>
+          <a:solidFill>
+            <a:srgbClr val="FFC000"/>
+          </a:solidFill>
+          <a:effectLst>
+            <a:outerShdw blurRad="50800" dist="50800" dir="5400000" algn="ctr" rotWithShape="0">
+              <a:schemeClr val="bg1">
+                <a:lumMod val="85000"/>
+              </a:schemeClr>
+            </a:outerShdw>
+          </a:effectLst>
+        </p:spPr>
+        <p:style>
+          <a:lnRef idx="2">
+            <a:schemeClr val="accent5"/>
+          </a:lnRef>
+          <a:fillRef idx="1">
+            <a:schemeClr val="lt1"/>
+          </a:fillRef>
+          <a:effectRef idx="0">
+            <a:schemeClr val="accent5"/>
+          </a:effectRef>
+          <a:fontRef idx="minor">
+            <a:schemeClr val="dk1"/>
+          </a:fontRef>
+        </p:style>
+        <p:txBody>
+          <a:bodyPr vertOverflow="overflow" horzOverflow="overflow" vert="horz" wrap="square" numCol="1" spcCol="0" rtlCol="0" fromWordArt="0" anchor="ctr" anchorCtr="0" forceAA="0" compatLnSpc="1">
+            <a:noAutofit/>
+          </a:bodyPr>
+          <a:p>
+            <a:pPr lvl="0" algn="ctr">
+              <a:buClr>
+                <a:schemeClr val="accent2"/>
+              </a:buClr>
+              <a:buFont typeface="Wingdings" panose="05000000000000000000" pitchFamily="2" charset="2"/>
+            </a:pPr>
+            <a:r>
+              <a:rPr lang="zh-CN" altLang="en-US" sz="1200" dirty="0" smtClean="0">
+                <a:solidFill>
+                  <a:schemeClr val="tx1"/>
+                </a:solidFill>
+                <a:ea typeface="宋体" panose="02010600030101010101" pitchFamily="2" charset="-122"/>
+                <a:sym typeface="+mn-ea"/>
+              </a:rPr>
+              <a:t>工具引入过程复杂</a:t>
+            </a:r>
+            <a:endParaRPr lang="zh-CN" altLang="en-US" sz="1200" dirty="0" smtClean="0">
+              <a:solidFill>
+                <a:schemeClr val="tx1"/>
+              </a:solidFill>
+              <a:ea typeface="宋体" panose="02010600030101010101" pitchFamily="2" charset="-122"/>
+              <a:sym typeface="+mn-ea"/>
+            </a:endParaRPr>
+          </a:p>
+        </p:txBody>
+      </p:sp>
+      <p:sp>
+        <p:nvSpPr>
+          <p:cNvPr id="21" name="圆角矩形 20"/>
+          <p:cNvSpPr/>
+          <p:nvPr/>
+        </p:nvSpPr>
+        <p:spPr bwMode="auto">
+          <a:xfrm>
+            <a:off x="5531485" y="1699260"/>
+            <a:ext cx="1217930" cy="334010"/>
+          </a:xfrm>
+          <a:prstGeom prst="roundRect">
+            <a:avLst/>
+          </a:prstGeom>
+          <a:solidFill>
+            <a:srgbClr val="FFC000"/>
+          </a:solidFill>
+          <a:effectLst>
+            <a:outerShdw blurRad="50800" dist="50800" dir="5400000" algn="ctr" rotWithShape="0">
+              <a:schemeClr val="bg1">
+                <a:lumMod val="85000"/>
+              </a:schemeClr>
+            </a:outerShdw>
+          </a:effectLst>
+        </p:spPr>
+        <p:style>
+          <a:lnRef idx="2">
+            <a:schemeClr val="accent5"/>
+          </a:lnRef>
+          <a:fillRef idx="1">
+            <a:schemeClr val="lt1"/>
+          </a:fillRef>
+          <a:effectRef idx="0">
+            <a:schemeClr val="accent5"/>
+          </a:effectRef>
+          <a:fontRef idx="minor">
+            <a:schemeClr val="dk1"/>
+          </a:fontRef>
+        </p:style>
+        <p:txBody>
+          <a:bodyPr vertOverflow="overflow" horzOverflow="overflow" vert="horz" wrap="square" numCol="1" spcCol="0" rtlCol="0" fromWordArt="0" anchor="ctr" anchorCtr="0" forceAA="0" compatLnSpc="1">
+            <a:noAutofit/>
+          </a:bodyPr>
+          <a:p>
+            <a:pPr lvl="0" algn="ctr">
+              <a:buClr>
+                <a:schemeClr val="accent2"/>
+              </a:buClr>
+              <a:buFont typeface="Wingdings" panose="05000000000000000000" pitchFamily="2" charset="2"/>
+            </a:pPr>
+            <a:r>
+              <a:rPr lang="zh-CN" altLang="en-US" sz="1200" dirty="0" smtClean="0">
+                <a:solidFill>
+                  <a:schemeClr val="tx1"/>
+                </a:solidFill>
+                <a:ea typeface="宋体" panose="02010600030101010101" pitchFamily="2" charset="-122"/>
+                <a:sym typeface="+mn-ea"/>
+              </a:rPr>
+              <a:t>缺乏使用手册</a:t>
+            </a:r>
+            <a:endParaRPr lang="zh-CN" altLang="en-US" sz="1200" dirty="0" smtClean="0">
+              <a:solidFill>
+                <a:schemeClr val="tx1"/>
+              </a:solidFill>
+              <a:ea typeface="宋体" panose="02010600030101010101" pitchFamily="2" charset="-122"/>
+              <a:sym typeface="+mn-ea"/>
+            </a:endParaRPr>
+          </a:p>
+        </p:txBody>
+      </p:sp>
+      <p:sp>
+        <p:nvSpPr>
+          <p:cNvPr id="23" name="圆角矩形 22"/>
+          <p:cNvSpPr/>
+          <p:nvPr/>
+        </p:nvSpPr>
+        <p:spPr bwMode="auto">
+          <a:xfrm>
+            <a:off x="7367905" y="725805"/>
+            <a:ext cx="1842135" cy="363220"/>
+          </a:xfrm>
+          <a:prstGeom prst="roundRect">
+            <a:avLst/>
+          </a:prstGeom>
+          <a:solidFill>
+            <a:srgbClr val="FFC000"/>
+          </a:solidFill>
+          <a:effectLst>
+            <a:outerShdw blurRad="50800" dist="50800" dir="5400000" algn="ctr" rotWithShape="0">
+              <a:schemeClr val="bg1">
+                <a:lumMod val="85000"/>
+              </a:schemeClr>
+            </a:outerShdw>
+          </a:effectLst>
+        </p:spPr>
+        <p:style>
+          <a:lnRef idx="2">
+            <a:schemeClr val="accent5"/>
+          </a:lnRef>
+          <a:fillRef idx="1">
+            <a:schemeClr val="lt1"/>
+          </a:fillRef>
+          <a:effectRef idx="0">
+            <a:schemeClr val="accent5"/>
+          </a:effectRef>
+          <a:fontRef idx="minor">
+            <a:schemeClr val="dk1"/>
+          </a:fontRef>
+        </p:style>
+        <p:txBody>
+          <a:bodyPr vertOverflow="overflow" horzOverflow="overflow" vert="horz" wrap="square" numCol="1" spcCol="0" rtlCol="0" fromWordArt="0" anchor="ctr" anchorCtr="0" forceAA="0" compatLnSpc="1">
+            <a:noAutofit/>
+          </a:bodyPr>
+          <a:p>
+            <a:pPr lvl="0" algn="ctr">
+              <a:buClr>
+                <a:schemeClr val="accent2"/>
+              </a:buClr>
+              <a:buFont typeface="Wingdings" panose="05000000000000000000" pitchFamily="2" charset="2"/>
+            </a:pPr>
+            <a:r>
+              <a:rPr lang="zh-CN" altLang="en-US" sz="1200" dirty="0" smtClean="0">
+                <a:solidFill>
+                  <a:schemeClr val="tx1"/>
+                </a:solidFill>
+                <a:ea typeface="宋体" panose="02010600030101010101" pitchFamily="2" charset="-122"/>
+                <a:sym typeface="+mn-ea"/>
+              </a:rPr>
+              <a:t>缺乏独立的样式设计</a:t>
+            </a:r>
+            <a:endParaRPr lang="zh-CN" altLang="en-US" sz="1200" dirty="0" smtClean="0">
+              <a:solidFill>
+                <a:schemeClr val="tx1"/>
+              </a:solidFill>
+              <a:ea typeface="宋体" panose="02010600030101010101" pitchFamily="2" charset="-122"/>
+              <a:sym typeface="+mn-ea"/>
+            </a:endParaRPr>
+          </a:p>
+        </p:txBody>
+      </p:sp>
+      <p:sp>
+        <p:nvSpPr>
+          <p:cNvPr id="26" name="圆角矩形 25"/>
+          <p:cNvSpPr/>
+          <p:nvPr/>
+        </p:nvSpPr>
+        <p:spPr bwMode="auto">
+          <a:xfrm>
+            <a:off x="5530850" y="2658110"/>
+            <a:ext cx="1837055" cy="334010"/>
+          </a:xfrm>
+          <a:prstGeom prst="roundRect">
+            <a:avLst/>
+          </a:prstGeom>
+          <a:solidFill>
+            <a:srgbClr val="FFC000"/>
+          </a:solidFill>
+          <a:effectLst>
+            <a:outerShdw blurRad="50800" dist="50800" dir="5400000" algn="ctr" rotWithShape="0">
+              <a:schemeClr val="bg1">
+                <a:lumMod val="85000"/>
+              </a:schemeClr>
+            </a:outerShdw>
+          </a:effectLst>
+        </p:spPr>
+        <p:style>
+          <a:lnRef idx="2">
+            <a:schemeClr val="accent5"/>
+          </a:lnRef>
+          <a:fillRef idx="1">
+            <a:schemeClr val="lt1"/>
+          </a:fillRef>
+          <a:effectRef idx="0">
+            <a:schemeClr val="accent5"/>
+          </a:effectRef>
+          <a:fontRef idx="minor">
+            <a:schemeClr val="dk1"/>
+          </a:fontRef>
+        </p:style>
+        <p:txBody>
+          <a:bodyPr vertOverflow="overflow" horzOverflow="overflow" vert="horz" wrap="square" numCol="1" spcCol="0" rtlCol="0" fromWordArt="0" anchor="ctr" anchorCtr="0" forceAA="0" compatLnSpc="1">
+            <a:noAutofit/>
+          </a:bodyPr>
+          <a:p>
+            <a:pPr lvl="0" algn="ctr">
+              <a:buClr>
+                <a:schemeClr val="accent2"/>
+              </a:buClr>
+              <a:buFont typeface="Wingdings" panose="05000000000000000000" pitchFamily="2" charset="2"/>
+            </a:pPr>
+            <a:r>
+              <a:rPr lang="zh-CN" altLang="en-US" sz="1200" dirty="0" smtClean="0">
+                <a:solidFill>
+                  <a:schemeClr val="tx1"/>
+                </a:solidFill>
+                <a:ea typeface="宋体" panose="02010600030101010101" pitchFamily="2" charset="-122"/>
+                <a:sym typeface="+mn-ea"/>
+              </a:rPr>
+              <a:t>部分功能使用效果不佳</a:t>
+            </a:r>
+            <a:endParaRPr lang="zh-CN" altLang="en-US" sz="1200" dirty="0" smtClean="0">
+              <a:solidFill>
+                <a:schemeClr val="tx1"/>
+              </a:solidFill>
+              <a:ea typeface="宋体" panose="02010600030101010101" pitchFamily="2" charset="-122"/>
+              <a:sym typeface="+mn-ea"/>
+            </a:endParaRPr>
+          </a:p>
+        </p:txBody>
+      </p:sp>
+      <p:sp>
+        <p:nvSpPr>
+          <p:cNvPr id="27" name="圆角矩形 26"/>
+          <p:cNvSpPr/>
+          <p:nvPr/>
+        </p:nvSpPr>
+        <p:spPr bwMode="auto">
+          <a:xfrm>
+            <a:off x="5530850" y="3188973"/>
+            <a:ext cx="1577975" cy="305430"/>
+          </a:xfrm>
+          <a:prstGeom prst="roundRect">
+            <a:avLst/>
+          </a:prstGeom>
+          <a:solidFill>
+            <a:srgbClr val="FFC000"/>
+          </a:solidFill>
+          <a:effectLst>
+            <a:outerShdw blurRad="50800" dist="50800" dir="5400000" algn="ctr" rotWithShape="0">
+              <a:schemeClr val="bg1">
+                <a:lumMod val="85000"/>
+              </a:schemeClr>
+            </a:outerShdw>
+          </a:effectLst>
+        </p:spPr>
+        <p:style>
+          <a:lnRef idx="2">
+            <a:schemeClr val="accent5"/>
+          </a:lnRef>
+          <a:fillRef idx="1">
+            <a:schemeClr val="lt1"/>
+          </a:fillRef>
+          <a:effectRef idx="0">
+            <a:schemeClr val="accent5"/>
+          </a:effectRef>
+          <a:fontRef idx="minor">
+            <a:schemeClr val="dk1"/>
+          </a:fontRef>
+        </p:style>
+        <p:txBody>
+          <a:bodyPr vertOverflow="overflow" horzOverflow="overflow" vert="horz" wrap="square" numCol="1" spcCol="0" rtlCol="0" fromWordArt="0" anchor="ctr" anchorCtr="0" forceAA="0" compatLnSpc="1">
+            <a:spAutoFit/>
+          </a:bodyPr>
+          <a:p>
+            <a:pPr lvl="0" algn="ctr">
+              <a:buClr>
+                <a:schemeClr val="accent2"/>
+              </a:buClr>
+              <a:buFont typeface="Wingdings" panose="05000000000000000000" pitchFamily="2" charset="2"/>
+            </a:pPr>
+            <a:r>
+              <a:rPr lang="zh-CN" altLang="en-US" sz="1200" dirty="0" smtClean="0">
+                <a:solidFill>
+                  <a:schemeClr val="tx1"/>
+                </a:solidFill>
+                <a:ea typeface="宋体" panose="02010600030101010101" pitchFamily="2" charset="-122"/>
+                <a:sym typeface="+mn-ea"/>
+              </a:rPr>
+              <a:t>高级分析能力不足</a:t>
+            </a:r>
+            <a:endParaRPr lang="zh-CN" altLang="en-US" sz="1200" dirty="0" smtClean="0">
+              <a:solidFill>
+                <a:schemeClr val="tx1"/>
+              </a:solidFill>
+              <a:ea typeface="宋体" panose="02010600030101010101" pitchFamily="2" charset="-122"/>
+              <a:sym typeface="+mn-ea"/>
+            </a:endParaRPr>
+          </a:p>
+        </p:txBody>
+      </p:sp>
+      <p:sp>
+        <p:nvSpPr>
+          <p:cNvPr id="29" name="圆角矩形 28"/>
+          <p:cNvSpPr/>
+          <p:nvPr/>
+        </p:nvSpPr>
+        <p:spPr bwMode="auto">
+          <a:xfrm>
+            <a:off x="5531485" y="3691255"/>
+            <a:ext cx="1217295" cy="334010"/>
+          </a:xfrm>
+          <a:prstGeom prst="roundRect">
+            <a:avLst/>
+          </a:prstGeom>
+          <a:solidFill>
+            <a:srgbClr val="FFC000"/>
+          </a:solidFill>
+          <a:effectLst>
+            <a:outerShdw blurRad="50800" dist="50800" dir="5400000" algn="ctr" rotWithShape="0">
+              <a:schemeClr val="bg1">
+                <a:lumMod val="85000"/>
+              </a:schemeClr>
+            </a:outerShdw>
+          </a:effectLst>
+        </p:spPr>
+        <p:style>
+          <a:lnRef idx="2">
+            <a:schemeClr val="accent5"/>
+          </a:lnRef>
+          <a:fillRef idx="1">
+            <a:schemeClr val="lt1"/>
+          </a:fillRef>
+          <a:effectRef idx="0">
+            <a:schemeClr val="accent5"/>
+          </a:effectRef>
+          <a:fontRef idx="minor">
+            <a:schemeClr val="dk1"/>
+          </a:fontRef>
+        </p:style>
+        <p:txBody>
+          <a:bodyPr vertOverflow="overflow" horzOverflow="overflow" vert="horz" wrap="square" numCol="1" spcCol="0" rtlCol="0" fromWordArt="0" anchor="ctr" anchorCtr="0" forceAA="0" compatLnSpc="1">
+            <a:noAutofit/>
+          </a:bodyPr>
+          <a:p>
+            <a:pPr lvl="0" algn="ctr">
+              <a:buClr>
+                <a:schemeClr val="accent2"/>
+              </a:buClr>
+              <a:buFont typeface="Wingdings" panose="05000000000000000000" pitchFamily="2" charset="2"/>
+            </a:pPr>
+            <a:r>
+              <a:rPr lang="zh-CN" altLang="en-US" sz="1200" dirty="0" smtClean="0">
+                <a:solidFill>
+                  <a:schemeClr val="tx1"/>
+                </a:solidFill>
+                <a:ea typeface="宋体" panose="02010600030101010101" pitchFamily="2" charset="-122"/>
+                <a:sym typeface="+mn-ea"/>
+              </a:rPr>
+              <a:t>性能有待提升</a:t>
+            </a:r>
+            <a:endParaRPr lang="zh-CN" altLang="en-US" sz="1200" dirty="0" smtClean="0">
+              <a:solidFill>
+                <a:schemeClr val="tx1"/>
+              </a:solidFill>
+              <a:ea typeface="宋体" panose="02010600030101010101" pitchFamily="2" charset="-122"/>
+              <a:sym typeface="+mn-ea"/>
+            </a:endParaRPr>
+          </a:p>
+        </p:txBody>
+      </p:sp>
+      <p:sp>
+        <p:nvSpPr>
+          <p:cNvPr id="31" name="圆角矩形 30"/>
+          <p:cNvSpPr/>
+          <p:nvPr/>
+        </p:nvSpPr>
+        <p:spPr bwMode="auto">
+          <a:xfrm>
+            <a:off x="5530215" y="4223385"/>
+            <a:ext cx="1444625" cy="334010"/>
+          </a:xfrm>
+          <a:prstGeom prst="roundRect">
+            <a:avLst/>
+          </a:prstGeom>
+          <a:solidFill>
+            <a:srgbClr val="FFC000"/>
+          </a:solidFill>
+          <a:effectLst>
+            <a:outerShdw blurRad="50800" dist="50800" dir="5400000" algn="ctr" rotWithShape="0">
+              <a:schemeClr val="bg1">
+                <a:lumMod val="85000"/>
+              </a:schemeClr>
+            </a:outerShdw>
+          </a:effectLst>
+        </p:spPr>
+        <p:style>
+          <a:lnRef idx="2">
+            <a:schemeClr val="accent5"/>
+          </a:lnRef>
+          <a:fillRef idx="1">
+            <a:schemeClr val="lt1"/>
+          </a:fillRef>
+          <a:effectRef idx="0">
+            <a:schemeClr val="accent5"/>
+          </a:effectRef>
+          <a:fontRef idx="minor">
+            <a:schemeClr val="dk1"/>
+          </a:fontRef>
+        </p:style>
+        <p:txBody>
+          <a:bodyPr vertOverflow="overflow" horzOverflow="overflow" vert="horz" wrap="square" numCol="1" spcCol="0" rtlCol="0" fromWordArt="0" anchor="ctr" anchorCtr="0" forceAA="0" compatLnSpc="1">
+            <a:noAutofit/>
+          </a:bodyPr>
+          <a:p>
+            <a:pPr lvl="0" algn="ctr">
+              <a:buClr>
+                <a:schemeClr val="accent2"/>
+              </a:buClr>
+              <a:buFont typeface="Wingdings" panose="05000000000000000000" pitchFamily="2" charset="2"/>
+            </a:pPr>
+            <a:r>
+              <a:rPr lang="zh-CN" altLang="en-US" sz="1200" dirty="0" smtClean="0">
+                <a:solidFill>
+                  <a:schemeClr val="tx1"/>
+                </a:solidFill>
+                <a:ea typeface="宋体" panose="02010600030101010101" pitchFamily="2" charset="-122"/>
+                <a:sym typeface="+mn-ea"/>
+              </a:rPr>
+              <a:t>布局能力有待增强</a:t>
+            </a:r>
+            <a:endParaRPr lang="zh-CN" altLang="en-US" sz="1200" dirty="0" smtClean="0">
+              <a:solidFill>
+                <a:schemeClr val="tx1"/>
+              </a:solidFill>
+              <a:ea typeface="宋体" panose="02010600030101010101" pitchFamily="2" charset="-122"/>
+              <a:sym typeface="+mn-ea"/>
+            </a:endParaRPr>
+          </a:p>
+        </p:txBody>
+      </p:sp>
+      <p:sp>
+        <p:nvSpPr>
+          <p:cNvPr id="32" name="圆角矩形 31"/>
+          <p:cNvSpPr/>
+          <p:nvPr/>
+        </p:nvSpPr>
+        <p:spPr bwMode="auto">
+          <a:xfrm>
+            <a:off x="5530215" y="6006465"/>
+            <a:ext cx="2127250" cy="334010"/>
+          </a:xfrm>
+          <a:prstGeom prst="roundRect">
+            <a:avLst/>
+          </a:prstGeom>
+          <a:solidFill>
+            <a:srgbClr val="FFC000"/>
+          </a:solidFill>
+          <a:effectLst>
+            <a:outerShdw blurRad="50800" dist="50800" dir="5400000" algn="ctr" rotWithShape="0">
+              <a:schemeClr val="bg1">
+                <a:lumMod val="85000"/>
+              </a:schemeClr>
+            </a:outerShdw>
+          </a:effectLst>
+        </p:spPr>
+        <p:style>
+          <a:lnRef idx="2">
+            <a:schemeClr val="accent5"/>
+          </a:lnRef>
+          <a:fillRef idx="1">
+            <a:schemeClr val="lt1"/>
+          </a:fillRef>
+          <a:effectRef idx="0">
+            <a:schemeClr val="accent5"/>
+          </a:effectRef>
+          <a:fontRef idx="minor">
+            <a:schemeClr val="dk1"/>
+          </a:fontRef>
+        </p:style>
+        <p:txBody>
+          <a:bodyPr vertOverflow="overflow" horzOverflow="overflow" vert="horz" wrap="square" numCol="1" spcCol="0" rtlCol="0" fromWordArt="0" anchor="ctr" anchorCtr="0" forceAA="0" compatLnSpc="1">
+            <a:noAutofit/>
+          </a:bodyPr>
+          <a:p>
+            <a:pPr lvl="0" algn="ctr">
+              <a:buClr>
+                <a:schemeClr val="accent2"/>
+              </a:buClr>
+              <a:buFont typeface="Wingdings" panose="05000000000000000000" pitchFamily="2" charset="2"/>
+            </a:pPr>
+            <a:r>
+              <a:rPr lang="zh-CN" altLang="en-US" sz="1200" dirty="0" smtClean="0">
+                <a:solidFill>
+                  <a:schemeClr val="tx1"/>
+                </a:solidFill>
+                <a:ea typeface="宋体" panose="02010600030101010101" pitchFamily="2" charset="-122"/>
+                <a:sym typeface="+mn-ea"/>
+              </a:rPr>
+              <a:t>可视化数据封装容易出问题</a:t>
+            </a:r>
+            <a:endParaRPr lang="zh-CN" altLang="en-US" sz="1200" dirty="0" smtClean="0">
+              <a:solidFill>
+                <a:schemeClr val="tx1"/>
+              </a:solidFill>
+              <a:ea typeface="宋体" panose="02010600030101010101" pitchFamily="2" charset="-122"/>
+              <a:sym typeface="+mn-ea"/>
+            </a:endParaRPr>
+          </a:p>
+        </p:txBody>
+      </p:sp>
+      <p:sp>
+        <p:nvSpPr>
+          <p:cNvPr id="33" name="圆角矩形 32"/>
+          <p:cNvSpPr/>
+          <p:nvPr/>
+        </p:nvSpPr>
+        <p:spPr bwMode="auto">
+          <a:xfrm>
+            <a:off x="5531485" y="5351780"/>
+            <a:ext cx="1757680" cy="334010"/>
+          </a:xfrm>
+          <a:prstGeom prst="roundRect">
+            <a:avLst/>
+          </a:prstGeom>
+          <a:solidFill>
+            <a:srgbClr val="FFC000"/>
+          </a:solidFill>
+          <a:effectLst>
+            <a:outerShdw blurRad="50800" dist="50800" dir="5400000" algn="ctr" rotWithShape="0">
+              <a:schemeClr val="bg1">
+                <a:lumMod val="85000"/>
+              </a:schemeClr>
+            </a:outerShdw>
+          </a:effectLst>
+        </p:spPr>
+        <p:style>
+          <a:lnRef idx="2">
+            <a:schemeClr val="accent5"/>
+          </a:lnRef>
+          <a:fillRef idx="1">
+            <a:schemeClr val="lt1"/>
+          </a:fillRef>
+          <a:effectRef idx="0">
+            <a:schemeClr val="accent5"/>
+          </a:effectRef>
+          <a:fontRef idx="minor">
+            <a:schemeClr val="dk1"/>
+          </a:fontRef>
+        </p:style>
+        <p:txBody>
+          <a:bodyPr vertOverflow="overflow" horzOverflow="overflow" vert="horz" wrap="square" numCol="1" spcCol="0" rtlCol="0" fromWordArt="0" anchor="ctr" anchorCtr="0" forceAA="0" compatLnSpc="1">
+            <a:noAutofit/>
+          </a:bodyPr>
+          <a:p>
+            <a:pPr lvl="0" algn="ctr">
+              <a:buClr>
+                <a:schemeClr val="accent2"/>
+              </a:buClr>
+              <a:buFont typeface="Wingdings" panose="05000000000000000000" pitchFamily="2" charset="2"/>
+            </a:pPr>
+            <a:r>
+              <a:rPr lang="zh-CN" altLang="en-US" sz="1200" dirty="0" smtClean="0">
+                <a:solidFill>
+                  <a:schemeClr val="tx1"/>
+                </a:solidFill>
+                <a:ea typeface="宋体" panose="02010600030101010101" pitchFamily="2" charset="-122"/>
+                <a:sym typeface="+mn-ea"/>
+              </a:rPr>
+              <a:t>工具可扩展性待提升</a:t>
+            </a:r>
+            <a:endParaRPr lang="zh-CN" altLang="en-US" sz="1200" dirty="0" smtClean="0">
+              <a:solidFill>
+                <a:schemeClr val="tx1"/>
+              </a:solidFill>
+              <a:ea typeface="宋体" panose="02010600030101010101" pitchFamily="2" charset="-122"/>
+              <a:sym typeface="+mn-ea"/>
+            </a:endParaRPr>
+          </a:p>
+        </p:txBody>
+      </p:sp>
+      <p:sp>
+        <p:nvSpPr>
+          <p:cNvPr id="35" name="圆角矩形 34"/>
+          <p:cNvSpPr/>
+          <p:nvPr/>
+        </p:nvSpPr>
+        <p:spPr bwMode="auto">
+          <a:xfrm>
+            <a:off x="5531485" y="4781550"/>
+            <a:ext cx="2391410" cy="334010"/>
+          </a:xfrm>
+          <a:prstGeom prst="roundRect">
+            <a:avLst/>
+          </a:prstGeom>
+          <a:solidFill>
+            <a:srgbClr val="FFC000"/>
+          </a:solidFill>
+          <a:effectLst>
+            <a:outerShdw blurRad="50800" dist="50800" dir="5400000" algn="ctr" rotWithShape="0">
+              <a:schemeClr val="bg1">
+                <a:lumMod val="85000"/>
+              </a:schemeClr>
+            </a:outerShdw>
+          </a:effectLst>
+        </p:spPr>
+        <p:style>
+          <a:lnRef idx="2">
+            <a:schemeClr val="accent5"/>
+          </a:lnRef>
+          <a:fillRef idx="1">
+            <a:schemeClr val="lt1"/>
+          </a:fillRef>
+          <a:effectRef idx="0">
+            <a:schemeClr val="accent5"/>
+          </a:effectRef>
+          <a:fontRef idx="minor">
+            <a:schemeClr val="dk1"/>
+          </a:fontRef>
+        </p:style>
+        <p:txBody>
+          <a:bodyPr vertOverflow="overflow" horzOverflow="overflow" vert="horz" wrap="square" numCol="1" spcCol="0" rtlCol="0" fromWordArt="0" anchor="ctr" anchorCtr="0" forceAA="0" compatLnSpc="1">
+            <a:noAutofit/>
+          </a:bodyPr>
+          <a:p>
+            <a:pPr lvl="0" algn="ctr">
+              <a:buClr>
+                <a:schemeClr val="accent2"/>
+              </a:buClr>
+              <a:buFont typeface="Wingdings" panose="05000000000000000000" pitchFamily="2" charset="2"/>
+            </a:pPr>
+            <a:r>
+              <a:rPr lang="zh-CN" altLang="en-US" sz="1200" dirty="0" smtClean="0">
+                <a:solidFill>
+                  <a:schemeClr val="tx1"/>
+                </a:solidFill>
+                <a:ea typeface="宋体" panose="02010600030101010101" pitchFamily="2" charset="-122"/>
+                <a:sym typeface="+mn-ea"/>
+              </a:rPr>
+              <a:t>与其他前端组件的结合能力不足</a:t>
+            </a:r>
+            <a:endParaRPr lang="zh-CN" altLang="en-US" sz="1200" dirty="0" smtClean="0">
+              <a:solidFill>
+                <a:schemeClr val="tx1"/>
+              </a:solidFill>
+              <a:ea typeface="宋体" panose="02010600030101010101" pitchFamily="2" charset="-122"/>
+              <a:sym typeface="+mn-ea"/>
+            </a:endParaRPr>
+          </a:p>
+        </p:txBody>
+      </p:sp>
+      <p:cxnSp>
+        <p:nvCxnSpPr>
+          <p:cNvPr id="36" name="直接箭头连接符 24"/>
+          <p:cNvCxnSpPr>
+            <a:stCxn id="9" idx="3"/>
+            <a:endCxn id="16" idx="1"/>
+          </p:cNvCxnSpPr>
+          <p:nvPr/>
+        </p:nvCxnSpPr>
+        <p:spPr>
+          <a:xfrm flipV="1">
+            <a:off x="5055870" y="907415"/>
+            <a:ext cx="474980" cy="701675"/>
+          </a:xfrm>
+          <a:prstGeom prst="bentConnector3">
+            <a:avLst>
+              <a:gd name="adj1" fmla="val 50000"/>
+            </a:avLst>
+          </a:prstGeom>
+          <a:solidFill>
+            <a:srgbClr val="FFC000"/>
+          </a:solidFill>
+          <a:ln w="25400">
+            <a:tailEnd type="arrow"/>
+          </a:ln>
+        </p:spPr>
+        <p:style>
+          <a:lnRef idx="1">
+            <a:schemeClr val="accent1"/>
+          </a:lnRef>
+          <a:fillRef idx="0">
+            <a:schemeClr val="accent1"/>
+          </a:fillRef>
+          <a:effectRef idx="0">
+            <a:schemeClr val="accent1"/>
+          </a:effectRef>
+          <a:fontRef idx="minor">
+            <a:schemeClr val="tx1"/>
+          </a:fontRef>
+        </p:style>
+      </p:cxnSp>
+      <p:cxnSp>
+        <p:nvCxnSpPr>
+          <p:cNvPr id="38" name="直接箭头连接符 24"/>
+          <p:cNvCxnSpPr>
+            <a:stCxn id="9" idx="3"/>
+            <a:endCxn id="20" idx="1"/>
+          </p:cNvCxnSpPr>
+          <p:nvPr/>
+        </p:nvCxnSpPr>
+        <p:spPr>
+          <a:xfrm flipV="1">
+            <a:off x="5055870" y="1390015"/>
+            <a:ext cx="475615" cy="219075"/>
+          </a:xfrm>
+          <a:prstGeom prst="bentConnector3">
+            <a:avLst>
+              <a:gd name="adj1" fmla="val 50067"/>
+            </a:avLst>
+          </a:prstGeom>
+          <a:solidFill>
+            <a:srgbClr val="FFC000"/>
+          </a:solidFill>
+          <a:ln w="25400">
+            <a:tailEnd type="arrow"/>
+          </a:ln>
+        </p:spPr>
+        <p:style>
+          <a:lnRef idx="1">
+            <a:schemeClr val="accent1"/>
+          </a:lnRef>
+          <a:fillRef idx="0">
+            <a:schemeClr val="accent1"/>
+          </a:fillRef>
+          <a:effectRef idx="0">
+            <a:schemeClr val="accent1"/>
+          </a:effectRef>
+          <a:fontRef idx="minor">
+            <a:schemeClr val="tx1"/>
+          </a:fontRef>
+        </p:style>
+      </p:cxnSp>
+      <p:cxnSp>
+        <p:nvCxnSpPr>
+          <p:cNvPr id="39" name="直接箭头连接符 24"/>
+          <p:cNvCxnSpPr>
+            <a:stCxn id="9" idx="3"/>
+            <a:endCxn id="21" idx="1"/>
+          </p:cNvCxnSpPr>
+          <p:nvPr/>
+        </p:nvCxnSpPr>
+        <p:spPr>
+          <a:xfrm>
+            <a:off x="5055870" y="1609090"/>
+            <a:ext cx="475615" cy="257175"/>
+          </a:xfrm>
+          <a:prstGeom prst="bentConnector3">
+            <a:avLst>
+              <a:gd name="adj1" fmla="val 50067"/>
+            </a:avLst>
+          </a:prstGeom>
+          <a:solidFill>
+            <a:srgbClr val="FFC000"/>
+          </a:solidFill>
+          <a:ln w="25400">
+            <a:tailEnd type="arrow"/>
+          </a:ln>
+        </p:spPr>
+        <p:style>
+          <a:lnRef idx="1">
+            <a:schemeClr val="accent1"/>
+          </a:lnRef>
+          <a:fillRef idx="0">
+            <a:schemeClr val="accent1"/>
+          </a:fillRef>
+          <a:effectRef idx="0">
+            <a:schemeClr val="accent1"/>
+          </a:effectRef>
+          <a:fontRef idx="minor">
+            <a:schemeClr val="tx1"/>
+          </a:fontRef>
+        </p:style>
+      </p:cxnSp>
+      <p:cxnSp>
+        <p:nvCxnSpPr>
+          <p:cNvPr id="41" name="直接箭头连接符 24"/>
+          <p:cNvCxnSpPr>
+            <a:stCxn id="10" idx="3"/>
+            <a:endCxn id="26" idx="1"/>
+          </p:cNvCxnSpPr>
+          <p:nvPr/>
+        </p:nvCxnSpPr>
+        <p:spPr>
+          <a:xfrm flipV="1">
+            <a:off x="4954905" y="2825115"/>
+            <a:ext cx="575945" cy="1033780"/>
+          </a:xfrm>
+          <a:prstGeom prst="bentConnector3">
+            <a:avLst>
+              <a:gd name="adj1" fmla="val 50055"/>
+            </a:avLst>
+          </a:prstGeom>
+          <a:solidFill>
+            <a:srgbClr val="FFC000"/>
+          </a:solidFill>
+          <a:ln w="25400">
+            <a:tailEnd type="arrow"/>
+          </a:ln>
+        </p:spPr>
+        <p:style>
+          <a:lnRef idx="1">
+            <a:schemeClr val="accent1"/>
+          </a:lnRef>
+          <a:fillRef idx="0">
+            <a:schemeClr val="accent1"/>
+          </a:fillRef>
+          <a:effectRef idx="0">
+            <a:schemeClr val="accent1"/>
+          </a:effectRef>
+          <a:fontRef idx="minor">
+            <a:schemeClr val="tx1"/>
+          </a:fontRef>
+        </p:style>
+      </p:cxnSp>
+      <p:cxnSp>
+        <p:nvCxnSpPr>
+          <p:cNvPr id="44" name="直接箭头连接符 24"/>
+          <p:cNvCxnSpPr>
+            <a:stCxn id="10" idx="3"/>
+            <a:endCxn id="27" idx="1"/>
+          </p:cNvCxnSpPr>
+          <p:nvPr/>
+        </p:nvCxnSpPr>
+        <p:spPr>
+          <a:xfrm flipV="1">
+            <a:off x="4954905" y="3342005"/>
+            <a:ext cx="575945" cy="516890"/>
+          </a:xfrm>
+          <a:prstGeom prst="bentConnector3">
+            <a:avLst>
+              <a:gd name="adj1" fmla="val 50055"/>
+            </a:avLst>
+          </a:prstGeom>
+          <a:solidFill>
+            <a:srgbClr val="FFC000"/>
+          </a:solidFill>
+          <a:ln w="25400">
+            <a:tailEnd type="arrow"/>
+          </a:ln>
+        </p:spPr>
+        <p:style>
+          <a:lnRef idx="1">
+            <a:schemeClr val="accent1"/>
+          </a:lnRef>
+          <a:fillRef idx="0">
+            <a:schemeClr val="accent1"/>
+          </a:fillRef>
+          <a:effectRef idx="0">
+            <a:schemeClr val="accent1"/>
+          </a:effectRef>
+          <a:fontRef idx="minor">
+            <a:schemeClr val="tx1"/>
+          </a:fontRef>
+        </p:style>
+      </p:cxnSp>
+      <p:cxnSp>
+        <p:nvCxnSpPr>
+          <p:cNvPr id="45" name="直接箭头连接符 24"/>
+          <p:cNvCxnSpPr>
+            <a:stCxn id="10" idx="3"/>
+            <a:endCxn id="29" idx="1"/>
+          </p:cNvCxnSpPr>
+          <p:nvPr/>
+        </p:nvCxnSpPr>
+        <p:spPr>
+          <a:xfrm flipV="1">
+            <a:off x="4954905" y="3858260"/>
+            <a:ext cx="576580" cy="635"/>
+          </a:xfrm>
+          <a:prstGeom prst="bentConnector3">
+            <a:avLst>
+              <a:gd name="adj1" fmla="val 50000"/>
+            </a:avLst>
+          </a:prstGeom>
+          <a:solidFill>
+            <a:srgbClr val="FFC000"/>
+          </a:solidFill>
+          <a:ln w="25400">
+            <a:tailEnd type="arrow"/>
+          </a:ln>
+        </p:spPr>
+        <p:style>
+          <a:lnRef idx="1">
+            <a:schemeClr val="accent1"/>
+          </a:lnRef>
+          <a:fillRef idx="0">
+            <a:schemeClr val="accent1"/>
+          </a:fillRef>
+          <a:effectRef idx="0">
+            <a:schemeClr val="accent1"/>
+          </a:effectRef>
+          <a:fontRef idx="minor">
+            <a:schemeClr val="tx1"/>
+          </a:fontRef>
+        </p:style>
+      </p:cxnSp>
+      <p:cxnSp>
+        <p:nvCxnSpPr>
+          <p:cNvPr id="47" name="直接箭头连接符 24"/>
+          <p:cNvCxnSpPr>
+            <a:stCxn id="10" idx="3"/>
+            <a:endCxn id="31" idx="1"/>
+          </p:cNvCxnSpPr>
+          <p:nvPr/>
+        </p:nvCxnSpPr>
+        <p:spPr>
+          <a:xfrm>
+            <a:off x="4954905" y="3858895"/>
+            <a:ext cx="575310" cy="531495"/>
+          </a:xfrm>
+          <a:prstGeom prst="bentConnector3">
+            <a:avLst>
+              <a:gd name="adj1" fmla="val 50000"/>
+            </a:avLst>
+          </a:prstGeom>
+          <a:solidFill>
+            <a:srgbClr val="FFC000"/>
+          </a:solidFill>
+          <a:ln w="25400">
+            <a:tailEnd type="arrow"/>
+          </a:ln>
+        </p:spPr>
+        <p:style>
+          <a:lnRef idx="1">
+            <a:schemeClr val="accent1"/>
+          </a:lnRef>
+          <a:fillRef idx="0">
+            <a:schemeClr val="accent1"/>
+          </a:fillRef>
+          <a:effectRef idx="0">
+            <a:schemeClr val="accent1"/>
+          </a:effectRef>
+          <a:fontRef idx="minor">
+            <a:schemeClr val="tx1"/>
+          </a:fontRef>
+        </p:style>
+      </p:cxnSp>
+      <p:cxnSp>
+        <p:nvCxnSpPr>
+          <p:cNvPr id="48" name="直接箭头连接符 24"/>
+          <p:cNvCxnSpPr>
+            <a:stCxn id="10" idx="3"/>
+            <a:endCxn id="35" idx="1"/>
+          </p:cNvCxnSpPr>
+          <p:nvPr/>
+        </p:nvCxnSpPr>
+        <p:spPr>
+          <a:xfrm>
+            <a:off x="4954905" y="3858895"/>
+            <a:ext cx="576580" cy="1089660"/>
+          </a:xfrm>
+          <a:prstGeom prst="bentConnector3">
+            <a:avLst>
+              <a:gd name="adj1" fmla="val 50000"/>
+            </a:avLst>
+          </a:prstGeom>
+          <a:solidFill>
+            <a:srgbClr val="FFC000"/>
+          </a:solidFill>
+          <a:ln w="25400">
+            <a:tailEnd type="arrow"/>
+          </a:ln>
+        </p:spPr>
+        <p:style>
+          <a:lnRef idx="1">
+            <a:schemeClr val="accent1"/>
+          </a:lnRef>
+          <a:fillRef idx="0">
+            <a:schemeClr val="accent1"/>
+          </a:fillRef>
+          <a:effectRef idx="0">
+            <a:schemeClr val="accent1"/>
+          </a:effectRef>
+          <a:fontRef idx="minor">
+            <a:schemeClr val="tx1"/>
+          </a:fontRef>
+        </p:style>
+      </p:cxnSp>
+      <p:cxnSp>
+        <p:nvCxnSpPr>
+          <p:cNvPr id="49" name="直接箭头连接符 24"/>
+          <p:cNvCxnSpPr>
+            <a:stCxn id="7" idx="3"/>
+            <a:endCxn id="32" idx="1"/>
+          </p:cNvCxnSpPr>
+          <p:nvPr/>
+        </p:nvCxnSpPr>
+        <p:spPr>
+          <a:xfrm>
+            <a:off x="5022215" y="5844540"/>
+            <a:ext cx="508000" cy="328930"/>
+          </a:xfrm>
+          <a:prstGeom prst="bentConnector3">
+            <a:avLst>
+              <a:gd name="adj1" fmla="val 50000"/>
+            </a:avLst>
+          </a:prstGeom>
+          <a:solidFill>
+            <a:srgbClr val="FFC000"/>
+          </a:solidFill>
+          <a:ln w="25400">
+            <a:tailEnd type="arrow"/>
+          </a:ln>
+        </p:spPr>
+        <p:style>
+          <a:lnRef idx="1">
+            <a:schemeClr val="accent1"/>
+          </a:lnRef>
+          <a:fillRef idx="0">
+            <a:schemeClr val="accent1"/>
+          </a:fillRef>
+          <a:effectRef idx="0">
+            <a:schemeClr val="accent1"/>
+          </a:effectRef>
+          <a:fontRef idx="minor">
+            <a:schemeClr val="tx1"/>
+          </a:fontRef>
+        </p:style>
+      </p:cxnSp>
+      <p:cxnSp>
+        <p:nvCxnSpPr>
+          <p:cNvPr id="50" name="直接箭头连接符 24"/>
+          <p:cNvCxnSpPr>
+            <a:stCxn id="7" idx="3"/>
+            <a:endCxn id="33" idx="1"/>
+          </p:cNvCxnSpPr>
+          <p:nvPr/>
+        </p:nvCxnSpPr>
+        <p:spPr>
+          <a:xfrm flipV="1">
+            <a:off x="5022215" y="5518785"/>
+            <a:ext cx="509270" cy="325755"/>
+          </a:xfrm>
+          <a:prstGeom prst="bentConnector3">
+            <a:avLst>
+              <a:gd name="adj1" fmla="val 50000"/>
+            </a:avLst>
+          </a:prstGeom>
+          <a:solidFill>
+            <a:srgbClr val="FFC000"/>
+          </a:solidFill>
+          <a:ln w="25400">
+            <a:tailEnd type="arrow"/>
+          </a:ln>
+        </p:spPr>
+        <p:style>
+          <a:lnRef idx="1">
+            <a:schemeClr val="accent1"/>
+          </a:lnRef>
+          <a:fillRef idx="0">
+            <a:schemeClr val="accent1"/>
+          </a:fillRef>
+          <a:effectRef idx="0">
+            <a:schemeClr val="accent1"/>
+          </a:effectRef>
+          <a:fontRef idx="minor">
+            <a:schemeClr val="tx1"/>
+          </a:fontRef>
+        </p:style>
+      </p:cxnSp>
+      <p:cxnSp>
+        <p:nvCxnSpPr>
+          <p:cNvPr id="51" name="直接箭头连接符 24"/>
+          <p:cNvCxnSpPr>
+            <a:stCxn id="16" idx="3"/>
+            <a:endCxn id="23" idx="1"/>
+          </p:cNvCxnSpPr>
+          <p:nvPr/>
+        </p:nvCxnSpPr>
+        <p:spPr>
+          <a:xfrm>
+            <a:off x="6748145" y="907415"/>
+            <a:ext cx="619760" cy="3175"/>
+          </a:xfrm>
+          <a:prstGeom prst="bentConnector2">
+            <a:avLst/>
+          </a:prstGeom>
+          <a:solidFill>
+            <a:srgbClr val="FFC000"/>
+          </a:solidFill>
+          <a:ln w="25400">
+            <a:tailEnd type="arrow"/>
+          </a:ln>
+        </p:spPr>
+        <p:style>
+          <a:lnRef idx="1">
+            <a:schemeClr val="accent1"/>
+          </a:lnRef>
+          <a:fillRef idx="0">
+            <a:schemeClr val="accent1"/>
+          </a:fillRef>
+          <a:effectRef idx="0">
+            <a:schemeClr val="accent1"/>
+          </a:effectRef>
+          <a:fontRef idx="minor">
+            <a:schemeClr val="tx1"/>
+          </a:fontRef>
+        </p:style>
+      </p:cxnSp>
+      <p:sp>
+        <p:nvSpPr>
+          <p:cNvPr id="55" name="圆角矩形 54"/>
+          <p:cNvSpPr/>
+          <p:nvPr/>
+        </p:nvSpPr>
+        <p:spPr>
+          <a:xfrm>
+            <a:off x="10968355" y="683260"/>
+            <a:ext cx="706120" cy="1413510"/>
+          </a:xfrm>
+          <a:prstGeom prst="roundRect">
+            <a:avLst/>
+          </a:prstGeom>
+          <a:solidFill>
+            <a:schemeClr val="accent2">
+              <a:lumMod val="75000"/>
+            </a:schemeClr>
+          </a:solidFill>
+          <a:scene3d>
+            <a:camera prst="orthographicFront"/>
+            <a:lightRig rig="threePt" dir="t"/>
+          </a:scene3d>
+          <a:sp3d>
+            <a:bevelT/>
+            <a:bevelB w="165100" prst="coolSlant"/>
+          </a:sp3d>
+        </p:spPr>
+        <p:style>
+          <a:lnRef idx="2">
+            <a:schemeClr val="accent5"/>
+          </a:lnRef>
+          <a:fillRef idx="1">
+            <a:schemeClr val="lt1"/>
+          </a:fillRef>
+          <a:effectRef idx="0">
+            <a:schemeClr val="accent5"/>
+          </a:effectRef>
+          <a:fontRef idx="minor">
+            <a:schemeClr val="dk1"/>
+          </a:fontRef>
+        </p:style>
+        <p:txBody>
+          <a:bodyPr rtlCol="0" anchor="ctr"/>
+          <a:p>
+            <a:pPr algn="ctr" eaLnBrk="1" hangingPunct="1">
+              <a:spcBef>
+                <a:spcPct val="0"/>
+              </a:spcBef>
+              <a:buClr>
+                <a:schemeClr val="accent2"/>
+              </a:buClr>
+              <a:buFont typeface="Wingdings" panose="05000000000000000000" pitchFamily="2" charset="2"/>
+              <a:buNone/>
+            </a:pPr>
+            <a:r>
+              <a:rPr lang="zh-CN" altLang="en-US" dirty="0" smtClean="0">
+                <a:solidFill>
+                  <a:schemeClr val="tx1"/>
+                </a:solidFill>
+                <a:ea typeface="宋体" panose="02010600030101010101" pitchFamily="2" charset="-122"/>
+              </a:rPr>
+              <a:t>管理问题</a:t>
+            </a:r>
+            <a:endParaRPr lang="zh-CN" altLang="en-US" dirty="0" smtClean="0">
+              <a:solidFill>
+                <a:schemeClr val="tx1"/>
+              </a:solidFill>
+              <a:ea typeface="宋体" panose="02010600030101010101" pitchFamily="2" charset="-122"/>
+            </a:endParaRPr>
+          </a:p>
+        </p:txBody>
+      </p:sp>
+      <p:sp>
+        <p:nvSpPr>
+          <p:cNvPr id="56" name="圆角矩形 55"/>
+          <p:cNvSpPr/>
+          <p:nvPr/>
+        </p:nvSpPr>
+        <p:spPr>
+          <a:xfrm>
+            <a:off x="10968355" y="2722880"/>
+            <a:ext cx="706120" cy="1413510"/>
+          </a:xfrm>
+          <a:prstGeom prst="roundRect">
+            <a:avLst/>
+          </a:prstGeom>
+          <a:solidFill>
+            <a:schemeClr val="accent2">
+              <a:lumMod val="75000"/>
+            </a:schemeClr>
+          </a:solidFill>
+          <a:scene3d>
+            <a:camera prst="orthographicFront"/>
+            <a:lightRig rig="threePt" dir="t"/>
+          </a:scene3d>
+          <a:sp3d>
+            <a:bevelT/>
+            <a:bevelB w="165100" prst="coolSlant"/>
+          </a:sp3d>
+        </p:spPr>
+        <p:style>
+          <a:lnRef idx="2">
+            <a:schemeClr val="accent5"/>
+          </a:lnRef>
+          <a:fillRef idx="1">
+            <a:schemeClr val="lt1"/>
+          </a:fillRef>
+          <a:effectRef idx="0">
+            <a:schemeClr val="accent5"/>
+          </a:effectRef>
+          <a:fontRef idx="minor">
+            <a:schemeClr val="dk1"/>
+          </a:fontRef>
+        </p:style>
+        <p:txBody>
+          <a:bodyPr rtlCol="0" anchor="ctr"/>
+          <a:p>
+            <a:pPr algn="ctr" eaLnBrk="1" hangingPunct="1">
+              <a:spcBef>
+                <a:spcPct val="0"/>
+              </a:spcBef>
+              <a:buClr>
+                <a:schemeClr val="accent2"/>
+              </a:buClr>
+              <a:buFont typeface="Wingdings" panose="05000000000000000000" pitchFamily="2" charset="2"/>
+              <a:buNone/>
+            </a:pPr>
+            <a:r>
+              <a:rPr lang="zh-CN" altLang="en-US" dirty="0" smtClean="0">
+                <a:solidFill>
+                  <a:schemeClr val="tx1"/>
+                </a:solidFill>
+                <a:ea typeface="宋体" panose="02010600030101010101" pitchFamily="2" charset="-122"/>
+              </a:rPr>
+              <a:t>设计问题</a:t>
+            </a:r>
+            <a:endParaRPr lang="zh-CN" altLang="en-US" dirty="0" smtClean="0">
+              <a:solidFill>
+                <a:schemeClr val="tx1"/>
+              </a:solidFill>
+              <a:ea typeface="宋体" panose="02010600030101010101" pitchFamily="2" charset="-122"/>
+            </a:endParaRPr>
+          </a:p>
+        </p:txBody>
+      </p:sp>
+      <p:sp>
+        <p:nvSpPr>
+          <p:cNvPr id="57" name="圆角矩形 56"/>
+          <p:cNvSpPr/>
+          <p:nvPr/>
+        </p:nvSpPr>
+        <p:spPr>
+          <a:xfrm>
+            <a:off x="10968355" y="4867910"/>
+            <a:ext cx="706120" cy="1413510"/>
+          </a:xfrm>
+          <a:prstGeom prst="roundRect">
+            <a:avLst/>
+          </a:prstGeom>
+          <a:solidFill>
+            <a:schemeClr val="accent2">
+              <a:lumMod val="75000"/>
+            </a:schemeClr>
+          </a:solidFill>
+          <a:scene3d>
+            <a:camera prst="orthographicFront"/>
+            <a:lightRig rig="threePt" dir="t"/>
+          </a:scene3d>
+          <a:sp3d>
+            <a:bevelT/>
+            <a:bevelB w="165100" prst="coolSlant"/>
+          </a:sp3d>
+        </p:spPr>
+        <p:style>
+          <a:lnRef idx="2">
+            <a:schemeClr val="accent5"/>
+          </a:lnRef>
+          <a:fillRef idx="1">
+            <a:schemeClr val="lt1"/>
+          </a:fillRef>
+          <a:effectRef idx="0">
+            <a:schemeClr val="accent5"/>
+          </a:effectRef>
+          <a:fontRef idx="minor">
+            <a:schemeClr val="dk1"/>
+          </a:fontRef>
+        </p:style>
+        <p:txBody>
+          <a:bodyPr rtlCol="0" anchor="ctr"/>
+          <a:p>
+            <a:pPr algn="ctr" eaLnBrk="1" hangingPunct="1">
+              <a:spcBef>
+                <a:spcPct val="0"/>
+              </a:spcBef>
+              <a:buClr>
+                <a:schemeClr val="accent2"/>
+              </a:buClr>
+              <a:buFont typeface="Wingdings" panose="05000000000000000000" pitchFamily="2" charset="2"/>
+              <a:buNone/>
+            </a:pPr>
+            <a:r>
+              <a:rPr lang="zh-CN" altLang="en-US" dirty="0" smtClean="0">
+                <a:solidFill>
+                  <a:schemeClr val="tx1"/>
+                </a:solidFill>
+                <a:ea typeface="宋体" panose="02010600030101010101" pitchFamily="2" charset="-122"/>
+              </a:rPr>
+              <a:t>技术问题</a:t>
+            </a:r>
+            <a:endParaRPr lang="zh-CN" altLang="en-US" dirty="0" smtClean="0">
+              <a:solidFill>
+                <a:schemeClr val="tx1"/>
+              </a:solidFill>
+              <a:ea typeface="宋体" panose="02010600030101010101" pitchFamily="2" charset="-122"/>
+            </a:endParaRPr>
+          </a:p>
+        </p:txBody>
+      </p:sp>
+      <p:cxnSp>
+        <p:nvCxnSpPr>
+          <p:cNvPr id="58" name="直接箭头连接符 57"/>
+          <p:cNvCxnSpPr>
+            <a:stCxn id="23" idx="3"/>
+            <a:endCxn id="56" idx="1"/>
+          </p:cNvCxnSpPr>
+          <p:nvPr/>
+        </p:nvCxnSpPr>
+        <p:spPr>
+          <a:xfrm>
+            <a:off x="9210040" y="907415"/>
+            <a:ext cx="1758315" cy="2522220"/>
+          </a:xfrm>
+          <a:prstGeom prst="straightConnector1">
+            <a:avLst/>
+          </a:prstGeom>
+          <a:ln w="28575">
+            <a:prstDash val="sysDash"/>
+            <a:tailEnd type="none"/>
+          </a:ln>
+        </p:spPr>
+        <p:style>
+          <a:lnRef idx="1">
+            <a:schemeClr val="accent1"/>
+          </a:lnRef>
+          <a:fillRef idx="0">
+            <a:schemeClr val="accent1"/>
+          </a:fillRef>
+          <a:effectRef idx="0">
+            <a:schemeClr val="accent1"/>
+          </a:effectRef>
+          <a:fontRef idx="minor">
+            <a:schemeClr val="tx1"/>
+          </a:fontRef>
+        </p:style>
+      </p:cxnSp>
+      <p:cxnSp>
+        <p:nvCxnSpPr>
+          <p:cNvPr id="59" name="直接箭头连接符 58"/>
+          <p:cNvCxnSpPr>
+            <a:stCxn id="20" idx="3"/>
+            <a:endCxn id="56" idx="1"/>
+          </p:cNvCxnSpPr>
+          <p:nvPr/>
+        </p:nvCxnSpPr>
+        <p:spPr>
+          <a:xfrm>
+            <a:off x="6976110" y="1390015"/>
+            <a:ext cx="3992245" cy="2039620"/>
+          </a:xfrm>
+          <a:prstGeom prst="straightConnector1">
+            <a:avLst/>
+          </a:prstGeom>
+          <a:ln w="28575">
+            <a:prstDash val="sysDash"/>
+            <a:tailEnd type="none"/>
+          </a:ln>
+        </p:spPr>
+        <p:style>
+          <a:lnRef idx="1">
+            <a:schemeClr val="accent1"/>
+          </a:lnRef>
+          <a:fillRef idx="0">
+            <a:schemeClr val="accent1"/>
+          </a:fillRef>
+          <a:effectRef idx="0">
+            <a:schemeClr val="accent1"/>
+          </a:effectRef>
+          <a:fontRef idx="minor">
+            <a:schemeClr val="tx1"/>
+          </a:fontRef>
+        </p:style>
+      </p:cxnSp>
+      <p:cxnSp>
+        <p:nvCxnSpPr>
+          <p:cNvPr id="60" name="直接箭头连接符 59"/>
+          <p:cNvCxnSpPr>
+            <a:stCxn id="26" idx="3"/>
+            <a:endCxn id="56" idx="1"/>
+          </p:cNvCxnSpPr>
+          <p:nvPr/>
+        </p:nvCxnSpPr>
+        <p:spPr>
+          <a:xfrm>
+            <a:off x="7367905" y="2825115"/>
+            <a:ext cx="3600450" cy="604520"/>
+          </a:xfrm>
+          <a:prstGeom prst="straightConnector1">
+            <a:avLst/>
+          </a:prstGeom>
+          <a:ln w="28575">
+            <a:prstDash val="sysDash"/>
+            <a:tailEnd type="none"/>
+          </a:ln>
+        </p:spPr>
+        <p:style>
+          <a:lnRef idx="1">
+            <a:schemeClr val="accent1"/>
+          </a:lnRef>
+          <a:fillRef idx="0">
+            <a:schemeClr val="accent1"/>
+          </a:fillRef>
+          <a:effectRef idx="0">
+            <a:schemeClr val="accent1"/>
+          </a:effectRef>
+          <a:fontRef idx="minor">
+            <a:schemeClr val="tx1"/>
+          </a:fontRef>
+        </p:style>
+      </p:cxnSp>
+      <p:cxnSp>
+        <p:nvCxnSpPr>
+          <p:cNvPr id="61" name="直接箭头连接符 60"/>
+          <p:cNvCxnSpPr>
+            <a:stCxn id="26" idx="3"/>
+            <a:endCxn id="57" idx="1"/>
+          </p:cNvCxnSpPr>
+          <p:nvPr/>
+        </p:nvCxnSpPr>
+        <p:spPr>
+          <a:xfrm>
+            <a:off x="7367905" y="2825115"/>
+            <a:ext cx="3600450" cy="2749550"/>
+          </a:xfrm>
+          <a:prstGeom prst="straightConnector1">
+            <a:avLst/>
+          </a:prstGeom>
+          <a:ln w="28575">
+            <a:prstDash val="sysDash"/>
+            <a:tailEnd type="none"/>
+          </a:ln>
+        </p:spPr>
+        <p:style>
+          <a:lnRef idx="1">
+            <a:schemeClr val="accent1"/>
+          </a:lnRef>
+          <a:fillRef idx="0">
+            <a:schemeClr val="accent1"/>
+          </a:fillRef>
+          <a:effectRef idx="0">
+            <a:schemeClr val="accent1"/>
+          </a:effectRef>
+          <a:fontRef idx="minor">
+            <a:schemeClr val="tx1"/>
+          </a:fontRef>
+        </p:style>
+      </p:cxnSp>
+      <p:cxnSp>
+        <p:nvCxnSpPr>
+          <p:cNvPr id="62" name="直接箭头连接符 61"/>
+          <p:cNvCxnSpPr>
+            <a:stCxn id="27" idx="3"/>
+            <a:endCxn id="56" idx="1"/>
+          </p:cNvCxnSpPr>
+          <p:nvPr/>
+        </p:nvCxnSpPr>
+        <p:spPr>
+          <a:xfrm>
+            <a:off x="7108825" y="3342005"/>
+            <a:ext cx="3859530" cy="87630"/>
+          </a:xfrm>
+          <a:prstGeom prst="straightConnector1">
+            <a:avLst/>
+          </a:prstGeom>
+          <a:ln w="28575">
+            <a:prstDash val="sysDash"/>
+            <a:tailEnd type="none"/>
+          </a:ln>
+        </p:spPr>
+        <p:style>
+          <a:lnRef idx="1">
+            <a:schemeClr val="accent1"/>
+          </a:lnRef>
+          <a:fillRef idx="0">
+            <a:schemeClr val="accent1"/>
+          </a:fillRef>
+          <a:effectRef idx="0">
+            <a:schemeClr val="accent1"/>
+          </a:effectRef>
+          <a:fontRef idx="minor">
+            <a:schemeClr val="tx1"/>
+          </a:fontRef>
+        </p:style>
+      </p:cxnSp>
+      <p:cxnSp>
+        <p:nvCxnSpPr>
+          <p:cNvPr id="63" name="直接箭头连接符 62"/>
+          <p:cNvCxnSpPr>
+            <a:stCxn id="27" idx="3"/>
+            <a:endCxn id="57" idx="1"/>
+          </p:cNvCxnSpPr>
+          <p:nvPr/>
+        </p:nvCxnSpPr>
+        <p:spPr>
+          <a:xfrm>
+            <a:off x="7108825" y="3342005"/>
+            <a:ext cx="3859530" cy="2232660"/>
+          </a:xfrm>
+          <a:prstGeom prst="straightConnector1">
+            <a:avLst/>
+          </a:prstGeom>
+          <a:ln w="28575">
+            <a:prstDash val="sysDash"/>
+            <a:tailEnd type="none"/>
+          </a:ln>
+        </p:spPr>
+        <p:style>
+          <a:lnRef idx="1">
+            <a:schemeClr val="accent1"/>
+          </a:lnRef>
+          <a:fillRef idx="0">
+            <a:schemeClr val="accent1"/>
+          </a:fillRef>
+          <a:effectRef idx="0">
+            <a:schemeClr val="accent1"/>
+          </a:effectRef>
+          <a:fontRef idx="minor">
+            <a:schemeClr val="tx1"/>
+          </a:fontRef>
+        </p:style>
+      </p:cxnSp>
+      <p:cxnSp>
+        <p:nvCxnSpPr>
+          <p:cNvPr id="64" name="直接箭头连接符 63"/>
+          <p:cNvCxnSpPr>
+            <a:stCxn id="29" idx="3"/>
+            <a:endCxn id="56" idx="1"/>
+          </p:cNvCxnSpPr>
+          <p:nvPr/>
+        </p:nvCxnSpPr>
+        <p:spPr>
+          <a:xfrm flipV="1">
+            <a:off x="6748780" y="3429635"/>
+            <a:ext cx="4219575" cy="428625"/>
+          </a:xfrm>
+          <a:prstGeom prst="straightConnector1">
+            <a:avLst/>
+          </a:prstGeom>
+          <a:ln w="28575">
+            <a:prstDash val="sysDash"/>
+            <a:tailEnd type="none"/>
+          </a:ln>
+        </p:spPr>
+        <p:style>
+          <a:lnRef idx="1">
+            <a:schemeClr val="accent1"/>
+          </a:lnRef>
+          <a:fillRef idx="0">
+            <a:schemeClr val="accent1"/>
+          </a:fillRef>
+          <a:effectRef idx="0">
+            <a:schemeClr val="accent1"/>
+          </a:effectRef>
+          <a:fontRef idx="minor">
+            <a:schemeClr val="tx1"/>
+          </a:fontRef>
+        </p:style>
+      </p:cxnSp>
+      <p:cxnSp>
+        <p:nvCxnSpPr>
+          <p:cNvPr id="65" name="直接箭头连接符 64"/>
+          <p:cNvCxnSpPr>
+            <a:stCxn id="29" idx="3"/>
+            <a:endCxn id="57" idx="1"/>
+          </p:cNvCxnSpPr>
+          <p:nvPr/>
+        </p:nvCxnSpPr>
+        <p:spPr>
+          <a:xfrm>
+            <a:off x="6748780" y="3858260"/>
+            <a:ext cx="4219575" cy="1716405"/>
+          </a:xfrm>
+          <a:prstGeom prst="straightConnector1">
+            <a:avLst/>
+          </a:prstGeom>
+          <a:ln w="28575">
+            <a:prstDash val="sysDash"/>
+            <a:tailEnd type="none"/>
+          </a:ln>
+        </p:spPr>
+        <p:style>
+          <a:lnRef idx="1">
+            <a:schemeClr val="accent1"/>
+          </a:lnRef>
+          <a:fillRef idx="0">
+            <a:schemeClr val="accent1"/>
+          </a:fillRef>
+          <a:effectRef idx="0">
+            <a:schemeClr val="accent1"/>
+          </a:effectRef>
+          <a:fontRef idx="minor">
+            <a:schemeClr val="tx1"/>
+          </a:fontRef>
+        </p:style>
+      </p:cxnSp>
+      <p:cxnSp>
+        <p:nvCxnSpPr>
+          <p:cNvPr id="66" name="直接箭头连接符 65"/>
+          <p:cNvCxnSpPr>
+            <a:stCxn id="31" idx="3"/>
+            <a:endCxn id="57" idx="1"/>
+          </p:cNvCxnSpPr>
+          <p:nvPr/>
+        </p:nvCxnSpPr>
+        <p:spPr>
+          <a:xfrm>
+            <a:off x="6974840" y="4390390"/>
+            <a:ext cx="3993515" cy="1184275"/>
+          </a:xfrm>
+          <a:prstGeom prst="straightConnector1">
+            <a:avLst/>
+          </a:prstGeom>
+          <a:ln w="28575">
+            <a:prstDash val="sysDash"/>
+            <a:tailEnd type="none"/>
+          </a:ln>
+        </p:spPr>
+        <p:style>
+          <a:lnRef idx="1">
+            <a:schemeClr val="accent1"/>
+          </a:lnRef>
+          <a:fillRef idx="0">
+            <a:schemeClr val="accent1"/>
+          </a:fillRef>
+          <a:effectRef idx="0">
+            <a:schemeClr val="accent1"/>
+          </a:effectRef>
+          <a:fontRef idx="minor">
+            <a:schemeClr val="tx1"/>
+          </a:fontRef>
+        </p:style>
+      </p:cxnSp>
+      <p:cxnSp>
+        <p:nvCxnSpPr>
+          <p:cNvPr id="67" name="直接箭头连接符 66"/>
+          <p:cNvCxnSpPr>
+            <a:stCxn id="35" idx="3"/>
+          </p:cNvCxnSpPr>
+          <p:nvPr/>
+        </p:nvCxnSpPr>
+        <p:spPr>
+          <a:xfrm flipV="1">
+            <a:off x="7922895" y="3416935"/>
+            <a:ext cx="2979420" cy="1531620"/>
+          </a:xfrm>
+          <a:prstGeom prst="straightConnector1">
+            <a:avLst/>
+          </a:prstGeom>
+          <a:ln w="28575">
+            <a:prstDash val="sysDash"/>
+            <a:tailEnd type="none"/>
+          </a:ln>
+        </p:spPr>
+        <p:style>
+          <a:lnRef idx="1">
+            <a:schemeClr val="accent1"/>
+          </a:lnRef>
+          <a:fillRef idx="0">
+            <a:schemeClr val="accent1"/>
+          </a:fillRef>
+          <a:effectRef idx="0">
+            <a:schemeClr val="accent1"/>
+          </a:effectRef>
+          <a:fontRef idx="minor">
+            <a:schemeClr val="tx1"/>
+          </a:fontRef>
+        </p:style>
+      </p:cxnSp>
+      <p:cxnSp>
+        <p:nvCxnSpPr>
+          <p:cNvPr id="68" name="直接箭头连接符 67"/>
+          <p:cNvCxnSpPr>
+            <a:stCxn id="75" idx="3"/>
+            <a:endCxn id="56" idx="1"/>
+          </p:cNvCxnSpPr>
+          <p:nvPr/>
+        </p:nvCxnSpPr>
+        <p:spPr>
+          <a:xfrm flipV="1">
+            <a:off x="10062210" y="3429635"/>
+            <a:ext cx="906145" cy="2743835"/>
+          </a:xfrm>
+          <a:prstGeom prst="straightConnector1">
+            <a:avLst/>
+          </a:prstGeom>
+          <a:ln w="28575">
+            <a:prstDash val="sysDash"/>
+            <a:tailEnd type="none"/>
+          </a:ln>
+        </p:spPr>
+        <p:style>
+          <a:lnRef idx="1">
+            <a:schemeClr val="accent1"/>
+          </a:lnRef>
+          <a:fillRef idx="0">
+            <a:schemeClr val="accent1"/>
+          </a:fillRef>
+          <a:effectRef idx="0">
+            <a:schemeClr val="accent1"/>
+          </a:effectRef>
+          <a:fontRef idx="minor">
+            <a:schemeClr val="tx1"/>
+          </a:fontRef>
+        </p:style>
+      </p:cxnSp>
+      <p:cxnSp>
+        <p:nvCxnSpPr>
+          <p:cNvPr id="69" name="直接箭头连接符 68"/>
+          <p:cNvCxnSpPr>
+            <a:stCxn id="33" idx="3"/>
+            <a:endCxn id="56" idx="1"/>
+          </p:cNvCxnSpPr>
+          <p:nvPr/>
+        </p:nvCxnSpPr>
+        <p:spPr>
+          <a:xfrm flipV="1">
+            <a:off x="7289165" y="3429635"/>
+            <a:ext cx="3679190" cy="2089150"/>
+          </a:xfrm>
+          <a:prstGeom prst="straightConnector1">
+            <a:avLst/>
+          </a:prstGeom>
+          <a:ln w="28575">
+            <a:prstDash val="sysDash"/>
+            <a:tailEnd type="none"/>
+          </a:ln>
+        </p:spPr>
+        <p:style>
+          <a:lnRef idx="1">
+            <a:schemeClr val="accent1"/>
+          </a:lnRef>
+          <a:fillRef idx="0">
+            <a:schemeClr val="accent1"/>
+          </a:fillRef>
+          <a:effectRef idx="0">
+            <a:schemeClr val="accent1"/>
+          </a:effectRef>
+          <a:fontRef idx="minor">
+            <a:schemeClr val="tx1"/>
+          </a:fontRef>
+        </p:style>
+      </p:cxnSp>
+      <p:cxnSp>
+        <p:nvCxnSpPr>
+          <p:cNvPr id="70" name="直接箭头连接符 69"/>
+          <p:cNvCxnSpPr>
+            <a:stCxn id="21" idx="3"/>
+            <a:endCxn id="55" idx="1"/>
+          </p:cNvCxnSpPr>
+          <p:nvPr/>
+        </p:nvCxnSpPr>
+        <p:spPr>
+          <a:xfrm flipV="1">
+            <a:off x="6749415" y="1390015"/>
+            <a:ext cx="4218940" cy="476250"/>
+          </a:xfrm>
+          <a:prstGeom prst="straightConnector1">
+            <a:avLst/>
+          </a:prstGeom>
+          <a:ln w="28575">
+            <a:prstDash val="sysDash"/>
+            <a:tailEnd type="none"/>
+          </a:ln>
+        </p:spPr>
+        <p:style>
+          <a:lnRef idx="1">
+            <a:schemeClr val="accent1"/>
+          </a:lnRef>
+          <a:fillRef idx="0">
+            <a:schemeClr val="accent1"/>
+          </a:fillRef>
+          <a:effectRef idx="0">
+            <a:schemeClr val="accent1"/>
+          </a:effectRef>
+          <a:fontRef idx="minor">
+            <a:schemeClr val="tx1"/>
+          </a:fontRef>
+        </p:style>
+      </p:cxnSp>
+      <p:cxnSp>
+        <p:nvCxnSpPr>
+          <p:cNvPr id="71" name="直接箭头连接符 70"/>
+          <p:cNvCxnSpPr>
+            <a:stCxn id="35" idx="3"/>
+            <a:endCxn id="57" idx="1"/>
+          </p:cNvCxnSpPr>
+          <p:nvPr/>
+        </p:nvCxnSpPr>
+        <p:spPr>
+          <a:xfrm>
+            <a:off x="7922895" y="4948555"/>
+            <a:ext cx="3045460" cy="626110"/>
+          </a:xfrm>
+          <a:prstGeom prst="straightConnector1">
+            <a:avLst/>
+          </a:prstGeom>
+          <a:ln w="28575">
+            <a:prstDash val="sysDash"/>
+            <a:tailEnd type="none"/>
+          </a:ln>
+        </p:spPr>
+        <p:style>
+          <a:lnRef idx="1">
+            <a:schemeClr val="accent1"/>
+          </a:lnRef>
+          <a:fillRef idx="0">
+            <a:schemeClr val="accent1"/>
+          </a:fillRef>
+          <a:effectRef idx="0">
+            <a:schemeClr val="accent1"/>
+          </a:effectRef>
+          <a:fontRef idx="minor">
+            <a:schemeClr val="tx1"/>
+          </a:fontRef>
+        </p:style>
+      </p:cxnSp>
+      <p:sp>
+        <p:nvSpPr>
+          <p:cNvPr id="72" name="圆角矩形 71"/>
+          <p:cNvSpPr/>
+          <p:nvPr/>
+        </p:nvSpPr>
+        <p:spPr bwMode="auto">
+          <a:xfrm>
+            <a:off x="5531485" y="2155825"/>
+            <a:ext cx="1837055" cy="334010"/>
+          </a:xfrm>
+          <a:prstGeom prst="roundRect">
+            <a:avLst/>
+          </a:prstGeom>
+          <a:solidFill>
+            <a:srgbClr val="FFC000"/>
+          </a:solidFill>
+          <a:effectLst>
+            <a:outerShdw blurRad="50800" dist="50800" dir="5400000" algn="ctr" rotWithShape="0">
+              <a:schemeClr val="bg1">
+                <a:lumMod val="85000"/>
+              </a:schemeClr>
+            </a:outerShdw>
+          </a:effectLst>
+        </p:spPr>
+        <p:style>
+          <a:lnRef idx="2">
+            <a:schemeClr val="accent5"/>
+          </a:lnRef>
+          <a:fillRef idx="1">
+            <a:schemeClr val="lt1"/>
+          </a:fillRef>
+          <a:effectRef idx="0">
+            <a:schemeClr val="accent5"/>
+          </a:effectRef>
+          <a:fontRef idx="minor">
+            <a:schemeClr val="dk1"/>
+          </a:fontRef>
+        </p:style>
+        <p:txBody>
+          <a:bodyPr vertOverflow="overflow" horzOverflow="overflow" vert="horz" wrap="square" numCol="1" spcCol="0" rtlCol="0" fromWordArt="0" anchor="ctr" anchorCtr="0" forceAA="0" compatLnSpc="1">
+            <a:noAutofit/>
+          </a:bodyPr>
+          <a:p>
+            <a:pPr lvl="0" algn="ctr">
+              <a:buClr>
+                <a:schemeClr val="accent2"/>
+              </a:buClr>
+              <a:buFont typeface="Wingdings" panose="05000000000000000000" pitchFamily="2" charset="2"/>
+            </a:pPr>
+            <a:r>
+              <a:rPr lang="zh-CN" altLang="en-US" sz="1200" dirty="0" smtClean="0">
+                <a:solidFill>
+                  <a:schemeClr val="tx1"/>
+                </a:solidFill>
+                <a:ea typeface="宋体" panose="02010600030101010101" pitchFamily="2" charset="-122"/>
+                <a:sym typeface="+mn-ea"/>
+              </a:rPr>
+              <a:t>对可视化成员培训不足</a:t>
+            </a:r>
+            <a:endParaRPr lang="zh-CN" altLang="en-US" sz="1200" dirty="0" smtClean="0">
+              <a:solidFill>
+                <a:schemeClr val="tx1"/>
+              </a:solidFill>
+              <a:ea typeface="宋体" panose="02010600030101010101" pitchFamily="2" charset="-122"/>
+              <a:sym typeface="+mn-ea"/>
+            </a:endParaRPr>
+          </a:p>
+        </p:txBody>
+      </p:sp>
+      <p:cxnSp>
+        <p:nvCxnSpPr>
+          <p:cNvPr id="73" name="直接箭头连接符 24"/>
+          <p:cNvCxnSpPr>
+            <a:stCxn id="9" idx="3"/>
+            <a:endCxn id="72" idx="1"/>
+          </p:cNvCxnSpPr>
+          <p:nvPr/>
+        </p:nvCxnSpPr>
+        <p:spPr>
+          <a:xfrm>
+            <a:off x="5055870" y="1609090"/>
+            <a:ext cx="475615" cy="713740"/>
+          </a:xfrm>
+          <a:prstGeom prst="bentConnector3">
+            <a:avLst>
+              <a:gd name="adj1" fmla="val 50067"/>
+            </a:avLst>
+          </a:prstGeom>
+          <a:solidFill>
+            <a:srgbClr val="FFC000"/>
+          </a:solidFill>
+          <a:ln w="25400">
+            <a:tailEnd type="arrow"/>
+          </a:ln>
+        </p:spPr>
+        <p:style>
+          <a:lnRef idx="1">
+            <a:schemeClr val="accent1"/>
+          </a:lnRef>
+          <a:fillRef idx="0">
+            <a:schemeClr val="accent1"/>
+          </a:fillRef>
+          <a:effectRef idx="0">
+            <a:schemeClr val="accent1"/>
+          </a:effectRef>
+          <a:fontRef idx="minor">
+            <a:schemeClr val="tx1"/>
+          </a:fontRef>
+        </p:style>
+      </p:cxnSp>
+      <p:cxnSp>
+        <p:nvCxnSpPr>
+          <p:cNvPr id="74" name="直接箭头连接符 73"/>
+          <p:cNvCxnSpPr>
+            <a:stCxn id="72" idx="3"/>
+            <a:endCxn id="55" idx="1"/>
+          </p:cNvCxnSpPr>
+          <p:nvPr/>
+        </p:nvCxnSpPr>
+        <p:spPr>
+          <a:xfrm flipV="1">
+            <a:off x="7368540" y="1390015"/>
+            <a:ext cx="3599815" cy="932815"/>
+          </a:xfrm>
+          <a:prstGeom prst="straightConnector1">
+            <a:avLst/>
+          </a:prstGeom>
+          <a:ln w="28575">
+            <a:prstDash val="sysDash"/>
+            <a:tailEnd type="none"/>
+          </a:ln>
+        </p:spPr>
+        <p:style>
+          <a:lnRef idx="1">
+            <a:schemeClr val="accent1"/>
+          </a:lnRef>
+          <a:fillRef idx="0">
+            <a:schemeClr val="accent1"/>
+          </a:fillRef>
+          <a:effectRef idx="0">
+            <a:schemeClr val="accent1"/>
+          </a:effectRef>
+          <a:fontRef idx="minor">
+            <a:schemeClr val="tx1"/>
+          </a:fontRef>
+        </p:style>
+      </p:cxnSp>
+      <p:sp>
+        <p:nvSpPr>
+          <p:cNvPr id="75" name="圆角矩形 74"/>
+          <p:cNvSpPr/>
+          <p:nvPr/>
+        </p:nvSpPr>
+        <p:spPr bwMode="auto">
+          <a:xfrm>
+            <a:off x="8038465" y="6006465"/>
+            <a:ext cx="2023745" cy="334010"/>
+          </a:xfrm>
+          <a:prstGeom prst="roundRect">
+            <a:avLst/>
+          </a:prstGeom>
+          <a:solidFill>
+            <a:srgbClr val="FFC000"/>
+          </a:solidFill>
+          <a:effectLst>
+            <a:outerShdw blurRad="50800" dist="50800" dir="5400000" algn="ctr" rotWithShape="0">
+              <a:schemeClr val="bg1">
+                <a:lumMod val="85000"/>
+              </a:schemeClr>
+            </a:outerShdw>
+          </a:effectLst>
+        </p:spPr>
+        <p:style>
+          <a:lnRef idx="2">
+            <a:schemeClr val="accent5"/>
+          </a:lnRef>
+          <a:fillRef idx="1">
+            <a:schemeClr val="lt1"/>
+          </a:fillRef>
+          <a:effectRef idx="0">
+            <a:schemeClr val="accent5"/>
+          </a:effectRef>
+          <a:fontRef idx="minor">
+            <a:schemeClr val="dk1"/>
+          </a:fontRef>
+        </p:style>
+        <p:txBody>
+          <a:bodyPr vertOverflow="overflow" horzOverflow="overflow" vert="horz" wrap="square" numCol="1" spcCol="0" rtlCol="0" fromWordArt="0" anchor="ctr" anchorCtr="0" forceAA="0" compatLnSpc="1">
+            <a:noAutofit/>
+          </a:bodyPr>
+          <a:p>
+            <a:pPr lvl="0" algn="ctr">
+              <a:buClr>
+                <a:schemeClr val="accent2"/>
+              </a:buClr>
+              <a:buFont typeface="Wingdings" panose="05000000000000000000" pitchFamily="2" charset="2"/>
+            </a:pPr>
+            <a:r>
+              <a:rPr lang="zh-CN" altLang="en-US" sz="1200" dirty="0" smtClean="0">
+                <a:solidFill>
+                  <a:schemeClr val="tx1"/>
+                </a:solidFill>
+                <a:ea typeface="宋体" panose="02010600030101010101" pitchFamily="2" charset="-122"/>
+                <a:sym typeface="+mn-ea"/>
+              </a:rPr>
+              <a:t>缺乏通用的数据封装方式</a:t>
+            </a:r>
+            <a:endParaRPr lang="zh-CN" altLang="en-US" sz="1200" dirty="0" smtClean="0">
+              <a:solidFill>
+                <a:schemeClr val="tx1"/>
+              </a:solidFill>
+              <a:ea typeface="宋体" panose="02010600030101010101" pitchFamily="2" charset="-122"/>
+              <a:sym typeface="+mn-ea"/>
+            </a:endParaRPr>
+          </a:p>
+        </p:txBody>
+      </p:sp>
+      <p:cxnSp>
+        <p:nvCxnSpPr>
+          <p:cNvPr id="76" name="直接箭头连接符 24"/>
+          <p:cNvCxnSpPr>
+            <a:stCxn id="32" idx="3"/>
+            <a:endCxn id="75" idx="1"/>
+          </p:cNvCxnSpPr>
+          <p:nvPr/>
+        </p:nvCxnSpPr>
+        <p:spPr>
+          <a:xfrm>
+            <a:off x="7657465" y="6173470"/>
+            <a:ext cx="381000" cy="3175"/>
+          </a:xfrm>
+          <a:prstGeom prst="bentConnector2">
+            <a:avLst/>
+          </a:prstGeom>
+          <a:solidFill>
+            <a:srgbClr val="FFC000"/>
+          </a:solidFill>
+          <a:ln w="25400">
+            <a:tailEnd type="arrow"/>
           </a:ln>
         </p:spPr>
         <p:style>
@@ -10278,7 +14014,6 @@
           <a:p>
             <a:fld id="{76B1E760-ECB3-4197-9FBC-1D87FC5C6A28}" type="slidenum">
               <a:rPr kumimoji="1" lang="ja-JP" altLang="en-US" smtClean="0"/>
-              <a:t>6</a:t>
             </a:fld>
             <a:endParaRPr kumimoji="1" lang="ja-JP" altLang="en-US" dirty="0"/>
           </a:p>
@@ -10307,6 +14042,7 @@
               <a:rPr lang="zh-CN" altLang="en-US" dirty="0"/>
               <a:t>年工作总体情况分析</a:t>
             </a:r>
+            <a:endParaRPr lang="zh-CN" altLang="en-US" dirty="0"/>
           </a:p>
         </p:txBody>
       </p:sp>
@@ -10336,8 +14072,293 @@
               <a:rPr lang="zh-CN" altLang="en-US" b="1" dirty="0">
                 <a:sym typeface="+mn-ea"/>
               </a:rPr>
-              <a:t>不足和改进分析</a:t>
+              <a:t>改进分析</a:t>
             </a:r>
+            <a:endParaRPr lang="zh-CN" altLang="en-US" b="1" dirty="0">
+              <a:sym typeface="+mn-ea"/>
+            </a:endParaRPr>
+          </a:p>
+        </p:txBody>
+      </p:sp>
+      <p:sp>
+        <p:nvSpPr>
+          <p:cNvPr id="11" name="圆角矩形 10"/>
+          <p:cNvSpPr/>
+          <p:nvPr/>
+        </p:nvSpPr>
+        <p:spPr>
+          <a:xfrm>
+            <a:off x="2104390" y="1962150"/>
+            <a:ext cx="1971040" cy="1260475"/>
+          </a:xfrm>
+          <a:prstGeom prst="roundRect">
+            <a:avLst/>
+          </a:prstGeom>
+          <a:gradFill flip="none" rotWithShape="1">
+            <a:gsLst>
+              <a:gs pos="0">
+                <a:schemeClr val="accent1">
+                  <a:tint val="66000"/>
+                  <a:satMod val="160000"/>
+                </a:schemeClr>
+              </a:gs>
+              <a:gs pos="50000">
+                <a:schemeClr val="accent1">
+                  <a:tint val="44500"/>
+                  <a:satMod val="160000"/>
+                </a:schemeClr>
+              </a:gs>
+              <a:gs pos="100000">
+                <a:schemeClr val="accent1">
+                  <a:tint val="23500"/>
+                  <a:satMod val="160000"/>
+                </a:schemeClr>
+              </a:gs>
+            </a:gsLst>
+            <a:lin ang="0" scaled="1"/>
+            <a:tileRect/>
+          </a:gradFill>
+          <a:effectLst>
+            <a:outerShdw blurRad="50800" dist="38100" dir="2700000" algn="tl" rotWithShape="0">
+              <a:prstClr val="black">
+                <a:alpha val="40000"/>
+              </a:prstClr>
+            </a:outerShdw>
+          </a:effectLst>
+        </p:spPr>
+        <p:style>
+          <a:lnRef idx="2">
+            <a:schemeClr val="accent5"/>
+          </a:lnRef>
+          <a:fillRef idx="1">
+            <a:schemeClr val="lt1"/>
+          </a:fillRef>
+          <a:effectRef idx="0">
+            <a:schemeClr val="accent5"/>
+          </a:effectRef>
+          <a:fontRef idx="minor">
+            <a:schemeClr val="dk1"/>
+          </a:fontRef>
+        </p:style>
+        <p:txBody>
+          <a:bodyPr anchor="ctr"/>
+          <a:p>
+            <a:pPr indent="0" fontAlgn="auto">
+              <a:lnSpc>
+                <a:spcPct val="150000"/>
+              </a:lnSpc>
+              <a:spcBef>
+                <a:spcPct val="0"/>
+              </a:spcBef>
+              <a:buClr>
+                <a:schemeClr val="accent2"/>
+              </a:buClr>
+              <a:buFont typeface="Wingdings" panose="05000000000000000000" charset="0"/>
+              <a:buNone/>
+            </a:pPr>
+            <a:r>
+              <a:rPr lang="zh-CN" altLang="en-US" sz="1400" dirty="0" smtClean="0">
+                <a:solidFill>
+                  <a:schemeClr val="tx1"/>
+                </a:solidFill>
+                <a:ea typeface="宋体" panose="02010600030101010101" pitchFamily="2" charset="-122"/>
+              </a:rPr>
+              <a:t>尽快解决设计问题</a:t>
+            </a:r>
+            <a:endParaRPr lang="zh-CN" altLang="en-US" sz="1400" dirty="0" smtClean="0">
+              <a:solidFill>
+                <a:schemeClr val="tx1"/>
+              </a:solidFill>
+              <a:ea typeface="宋体" panose="02010600030101010101" pitchFamily="2" charset="-122"/>
+            </a:endParaRPr>
+          </a:p>
+        </p:txBody>
+      </p:sp>
+      <p:sp>
+        <p:nvSpPr>
+          <p:cNvPr id="5" name="圆角矩形 4"/>
+          <p:cNvSpPr/>
+          <p:nvPr/>
+        </p:nvSpPr>
+        <p:spPr>
+          <a:xfrm>
+            <a:off x="4096385" y="2664460"/>
+            <a:ext cx="1971040" cy="1260475"/>
+          </a:xfrm>
+          <a:prstGeom prst="roundRect">
+            <a:avLst/>
+          </a:prstGeom>
+          <a:gradFill flip="none" rotWithShape="1">
+            <a:gsLst>
+              <a:gs pos="0">
+                <a:schemeClr val="accent1">
+                  <a:tint val="66000"/>
+                  <a:satMod val="160000"/>
+                </a:schemeClr>
+              </a:gs>
+              <a:gs pos="50000">
+                <a:schemeClr val="accent1">
+                  <a:tint val="44500"/>
+                  <a:satMod val="160000"/>
+                </a:schemeClr>
+              </a:gs>
+              <a:gs pos="100000">
+                <a:schemeClr val="accent1">
+                  <a:tint val="23500"/>
+                  <a:satMod val="160000"/>
+                </a:schemeClr>
+              </a:gs>
+            </a:gsLst>
+            <a:lin ang="0" scaled="1"/>
+            <a:tileRect/>
+          </a:gradFill>
+          <a:effectLst>
+            <a:outerShdw blurRad="50800" dist="38100" dir="2700000" algn="tl" rotWithShape="0">
+              <a:prstClr val="black">
+                <a:alpha val="40000"/>
+              </a:prstClr>
+            </a:outerShdw>
+          </a:effectLst>
+        </p:spPr>
+        <p:style>
+          <a:lnRef idx="2">
+            <a:schemeClr val="accent5"/>
+          </a:lnRef>
+          <a:fillRef idx="1">
+            <a:schemeClr val="lt1"/>
+          </a:fillRef>
+          <a:effectRef idx="0">
+            <a:schemeClr val="accent5"/>
+          </a:effectRef>
+          <a:fontRef idx="minor">
+            <a:schemeClr val="dk1"/>
+          </a:fontRef>
+        </p:style>
+        <p:txBody>
+          <a:bodyPr anchor="ctr"/>
+          <a:p>
+            <a:pPr indent="0" fontAlgn="auto">
+              <a:lnSpc>
+                <a:spcPct val="150000"/>
+              </a:lnSpc>
+              <a:spcBef>
+                <a:spcPct val="0"/>
+              </a:spcBef>
+              <a:buClr>
+                <a:schemeClr val="accent2"/>
+              </a:buClr>
+              <a:buFont typeface="Wingdings" panose="05000000000000000000" charset="0"/>
+              <a:buNone/>
+            </a:pPr>
+            <a:r>
+              <a:rPr lang="zh-CN" altLang="en-US" sz="1400" dirty="0" smtClean="0">
+                <a:solidFill>
+                  <a:schemeClr val="tx1"/>
+                </a:solidFill>
+                <a:ea typeface="宋体" panose="02010600030101010101" pitchFamily="2" charset="-122"/>
+              </a:rPr>
+              <a:t>共同解决技术问题</a:t>
+            </a:r>
+            <a:endParaRPr lang="zh-CN" altLang="en-US" sz="1400" dirty="0" smtClean="0">
+              <a:solidFill>
+                <a:schemeClr val="tx1"/>
+              </a:solidFill>
+              <a:ea typeface="宋体" panose="02010600030101010101" pitchFamily="2" charset="-122"/>
+            </a:endParaRPr>
+          </a:p>
+        </p:txBody>
+      </p:sp>
+      <p:sp>
+        <p:nvSpPr>
+          <p:cNvPr id="6" name="圆角矩形 5"/>
+          <p:cNvSpPr/>
+          <p:nvPr/>
+        </p:nvSpPr>
+        <p:spPr>
+          <a:xfrm>
+            <a:off x="6067425" y="3368675"/>
+            <a:ext cx="1971040" cy="1260475"/>
+          </a:xfrm>
+          <a:prstGeom prst="roundRect">
+            <a:avLst/>
+          </a:prstGeom>
+          <a:gradFill flip="none" rotWithShape="1">
+            <a:gsLst>
+              <a:gs pos="0">
+                <a:schemeClr val="accent1">
+                  <a:tint val="66000"/>
+                  <a:satMod val="160000"/>
+                </a:schemeClr>
+              </a:gs>
+              <a:gs pos="50000">
+                <a:schemeClr val="accent1">
+                  <a:tint val="44500"/>
+                  <a:satMod val="160000"/>
+                </a:schemeClr>
+              </a:gs>
+              <a:gs pos="100000">
+                <a:schemeClr val="accent1">
+                  <a:tint val="23500"/>
+                  <a:satMod val="160000"/>
+                </a:schemeClr>
+              </a:gs>
+            </a:gsLst>
+            <a:lin ang="0" scaled="1"/>
+            <a:tileRect/>
+          </a:gradFill>
+          <a:effectLst>
+            <a:outerShdw blurRad="50800" dist="38100" dir="2700000" algn="tl" rotWithShape="0">
+              <a:prstClr val="black">
+                <a:alpha val="40000"/>
+              </a:prstClr>
+            </a:outerShdw>
+          </a:effectLst>
+        </p:spPr>
+        <p:style>
+          <a:lnRef idx="2">
+            <a:schemeClr val="accent5"/>
+          </a:lnRef>
+          <a:fillRef idx="1">
+            <a:schemeClr val="lt1"/>
+          </a:fillRef>
+          <a:effectRef idx="0">
+            <a:schemeClr val="accent5"/>
+          </a:effectRef>
+          <a:fontRef idx="minor">
+            <a:schemeClr val="dk1"/>
+          </a:fontRef>
+        </p:style>
+        <p:txBody>
+          <a:bodyPr anchor="ctr"/>
+          <a:p>
+            <a:pPr indent="0" fontAlgn="auto">
+              <a:lnSpc>
+                <a:spcPct val="150000"/>
+              </a:lnSpc>
+              <a:spcBef>
+                <a:spcPct val="0"/>
+              </a:spcBef>
+              <a:buClr>
+                <a:schemeClr val="accent2"/>
+              </a:buClr>
+              <a:buFont typeface="Wingdings" panose="05000000000000000000" charset="0"/>
+              <a:buNone/>
+            </a:pPr>
+            <a:r>
+              <a:rPr lang="zh-CN" altLang="en-US" sz="1400" dirty="0" smtClean="0">
+                <a:solidFill>
+                  <a:schemeClr val="tx1"/>
+                </a:solidFill>
+                <a:ea typeface="宋体" panose="02010600030101010101" pitchFamily="2" charset="-122"/>
+              </a:rPr>
+              <a:t>定期培训对接问题</a:t>
+            </a:r>
+            <a:endParaRPr lang="zh-CN" altLang="en-US" sz="1400" dirty="0" smtClean="0">
+              <a:solidFill>
+                <a:schemeClr val="tx1"/>
+              </a:solidFill>
+              <a:ea typeface="宋体" panose="02010600030101010101" pitchFamily="2" charset="-122"/>
+            </a:endParaRPr>
           </a:p>
         </p:txBody>
       </p:sp>
@@ -10390,7 +14411,6 @@
           <a:p>
             <a:fld id="{76B1E760-ECB3-4197-9FBC-1D87FC5C6A28}" type="slidenum">
               <a:rPr kumimoji="1" lang="ja-JP" altLang="en-US" smtClean="0"/>
-              <a:t>7</a:t>
             </a:fld>
             <a:endParaRPr kumimoji="1" lang="ja-JP" altLang="en-US" dirty="0"/>
           </a:p>
@@ -10418,10 +14438,6 @@
             <a:r>
               <a:rPr lang="zh-CN" altLang="en-US" dirty="0"/>
               <a:t>能力和收获分析</a:t>
-            </a:r>
-            <a:r>
-              <a:rPr lang="en-US" altLang="zh-CN" dirty="0"/>
-              <a:t/>
             </a:r>
             <a:br>
               <a:rPr lang="en-US" altLang="zh-CN" dirty="0"/>
@@ -10521,7 +14537,139 @@
           <a:p>
             <a:fld id="{76B1E760-ECB3-4197-9FBC-1D87FC5C6A28}" type="slidenum">
               <a:rPr kumimoji="1" lang="ja-JP" altLang="en-US" smtClean="0"/>
-              <a:t>8</a:t>
+            </a:fld>
+            <a:endParaRPr kumimoji="1" lang="ja-JP" altLang="en-US" dirty="0"/>
+          </a:p>
+        </p:txBody>
+      </p:sp>
+      <p:sp>
+        <p:nvSpPr>
+          <p:cNvPr id="3" name="标题 2"/>
+          <p:cNvSpPr>
+            <a:spLocks noGrp="1"/>
+          </p:cNvSpPr>
+          <p:nvPr>
+            <p:ph type="title"/>
+          </p:nvPr>
+        </p:nvSpPr>
+        <p:spPr/>
+        <p:txBody>
+          <a:bodyPr/>
+          <a:lstStyle/>
+          <a:p>
+            <a:r>
+              <a:rPr lang="zh-CN" altLang="en-US" dirty="0" smtClean="0"/>
+              <a:t>个人</a:t>
+            </a:r>
+            <a:r>
+              <a:rPr lang="zh-CN" altLang="en-US" dirty="0"/>
+              <a:t>能力和收获分析</a:t>
+            </a:r>
+            <a:br>
+              <a:rPr lang="en-US" altLang="zh-CN" dirty="0"/>
+            </a:br>
+            <a:endParaRPr lang="zh-CN" altLang="en-US" dirty="0"/>
+          </a:p>
+        </p:txBody>
+      </p:sp>
+      <p:sp>
+        <p:nvSpPr>
+          <p:cNvPr id="24" name="文本框 23"/>
+          <p:cNvSpPr txBox="1"/>
+          <p:nvPr/>
+        </p:nvSpPr>
+        <p:spPr>
+          <a:xfrm>
+            <a:off x="306705" y="530860"/>
+            <a:ext cx="5954395" cy="352425"/>
+          </a:xfrm>
+          <a:prstGeom prst="rect">
+            <a:avLst/>
+          </a:prstGeom>
+          <a:noFill/>
+        </p:spPr>
+        <p:txBody>
+          <a:bodyPr wrap="square" rtlCol="0">
+            <a:spAutoFit/>
+          </a:bodyPr>
+          <a:p>
+            <a:r>
+              <a:rPr lang="zh-CN" altLang="en-US" b="1" dirty="0">
+                <a:sym typeface="+mn-ea"/>
+              </a:rPr>
+              <a:t>能力和收获</a:t>
+            </a:r>
+            <a:endParaRPr lang="zh-CN" altLang="en-US" b="1" dirty="0">
+              <a:sym typeface="+mn-ea"/>
+            </a:endParaRPr>
+          </a:p>
+        </p:txBody>
+      </p:sp>
+      <p:graphicFrame>
+        <p:nvGraphicFramePr>
+          <p:cNvPr id="4" name="图表 3"/>
+          <p:cNvGraphicFramePr/>
+          <p:nvPr/>
+        </p:nvGraphicFramePr>
+        <p:xfrm>
+          <a:off x="1622425" y="883285"/>
+          <a:ext cx="9064625" cy="5540375"/>
+        </p:xfrm>
+        <a:graphic>
+          <a:graphicData uri="http://schemas.openxmlformats.org/drawingml/2006/chart">
+            <c:chart xmlns:c="http://schemas.openxmlformats.org/drawingml/2006/chart" xmlns:r="http://schemas.openxmlformats.org/officeDocument/2006/relationships" r:id="rId1"/>
+          </a:graphicData>
+        </a:graphic>
+      </p:graphicFrame>
+    </p:spTree>
+  </p:cSld>
+  <p:clrMapOvr>
+    <a:masterClrMapping/>
+  </p:clrMapOvr>
+  <p:timing>
+    <p:tnLst>
+      <p:par>
+        <p:cTn id="1" dur="indefinite" restart="never" nodeType="tmRoot"/>
+      </p:par>
+    </p:tnLst>
+  </p:timing>
+</p:sld>
+</file>
+
+<file path=ppt/slides/slide9.xml><?xml version="1.0" encoding="utf-8"?>
+<p:sld xmlns:a="http://schemas.openxmlformats.org/drawingml/2006/main" xmlns:r="http://schemas.openxmlformats.org/officeDocument/2006/relationships" xmlns:p="http://schemas.openxmlformats.org/presentationml/2006/main">
+  <p:cSld>
+    <p:spTree>
+      <p:nvGrpSpPr>
+        <p:cNvPr id="1" name=""/>
+        <p:cNvGrpSpPr/>
+        <p:nvPr/>
+      </p:nvGrpSpPr>
+      <p:grpSpPr>
+        <a:xfrm>
+          <a:off x="0" y="0"/>
+          <a:ext cx="0" cy="0"/>
+          <a:chOff x="0" y="0"/>
+          <a:chExt cx="0" cy="0"/>
+        </a:xfrm>
+      </p:grpSpPr>
+      <p:sp>
+        <p:nvSpPr>
+          <p:cNvPr id="2" name="灯片编号占位符 1"/>
+          <p:cNvSpPr>
+            <a:spLocks noGrp="1"/>
+          </p:cNvSpPr>
+          <p:nvPr>
+            <p:ph type="sldNum" sz="quarter" idx="10"/>
+          </p:nvPr>
+        </p:nvSpPr>
+        <p:spPr/>
+        <p:txBody>
+          <a:bodyPr/>
+          <a:lstStyle/>
+          <a:p>
+            <a:fld id="{76B1E760-ECB3-4197-9FBC-1D87FC5C6A28}" type="slidenum">
+              <a:rPr kumimoji="1" lang="ja-JP" altLang="en-US" smtClean="0"/>
             </a:fld>
             <a:endParaRPr kumimoji="1" lang="ja-JP" altLang="en-US" dirty="0"/>
           </a:p>
@@ -10549,10 +14697,6 @@
             <a:r>
               <a:rPr lang="zh-CN" altLang="en-US" dirty="0"/>
               <a:t>年工作规划和个人目标</a:t>
-            </a:r>
-            <a:r>
-              <a:rPr lang="en-US" altLang="zh-CN" dirty="0"/>
-              <a:t/>
             </a:r>
             <a:br>
               <a:rPr lang="en-US" altLang="zh-CN" dirty="0"/>
@@ -10626,145 +14770,8 @@
 </p:sld>
 </file>
 
-<file path=ppt/slides/slide9.xml><?xml version="1.0" encoding="utf-8"?>
-<p:sld xmlns:a="http://schemas.openxmlformats.org/drawingml/2006/main" xmlns:r="http://schemas.openxmlformats.org/officeDocument/2006/relationships" xmlns:p="http://schemas.openxmlformats.org/presentationml/2006/main">
-  <p:cSld>
-    <p:spTree>
-      <p:nvGrpSpPr>
-        <p:cNvPr id="1" name=""/>
-        <p:cNvGrpSpPr/>
-        <p:nvPr/>
-      </p:nvGrpSpPr>
-      <p:grpSpPr>
-        <a:xfrm>
-          <a:off x="0" y="0"/>
-          <a:ext cx="0" cy="0"/>
-          <a:chOff x="0" y="0"/>
-          <a:chExt cx="0" cy="0"/>
-        </a:xfrm>
-      </p:grpSpPr>
-      <p:sp>
-        <p:nvSpPr>
-          <p:cNvPr id="2" name="灯片编号占位符 1"/>
-          <p:cNvSpPr>
-            <a:spLocks noGrp="1"/>
-          </p:cNvSpPr>
-          <p:nvPr>
-            <p:ph type="sldNum" sz="quarter" idx="10"/>
-          </p:nvPr>
-        </p:nvSpPr>
-        <p:spPr/>
-        <p:txBody>
-          <a:bodyPr/>
-          <a:lstStyle/>
-          <a:p>
-            <a:fld id="{76B1E760-ECB3-4197-9FBC-1D87FC5C6A28}" type="slidenum">
-              <a:rPr kumimoji="1" lang="ja-JP" altLang="en-US" smtClean="0"/>
-              <a:t>9</a:t>
-            </a:fld>
-            <a:endParaRPr kumimoji="1" lang="ja-JP" altLang="en-US" dirty="0"/>
-          </a:p>
-        </p:txBody>
-      </p:sp>
-      <p:sp>
-        <p:nvSpPr>
-          <p:cNvPr id="3" name="标题 2"/>
-          <p:cNvSpPr>
-            <a:spLocks noGrp="1"/>
-          </p:cNvSpPr>
-          <p:nvPr>
-            <p:ph type="title"/>
-          </p:nvPr>
-        </p:nvSpPr>
-        <p:spPr/>
-        <p:txBody>
-          <a:bodyPr/>
-          <a:lstStyle/>
-          <a:p>
-            <a:r>
-              <a:rPr lang="zh-CN" altLang="en-US" dirty="0" smtClean="0"/>
-              <a:t>对</a:t>
-            </a:r>
-            <a:r>
-              <a:rPr lang="zh-CN" altLang="en-US" dirty="0"/>
-              <a:t>公司或团队的建议及期望</a:t>
-            </a:r>
-            <a:r>
-              <a:rPr lang="en-US" altLang="zh-CN" dirty="0">
-                <a:solidFill>
-                  <a:srgbClr val="000000"/>
-                </a:solidFill>
-                <a:ea typeface="宋体" panose="02010600030101010101" pitchFamily="2" charset="-122"/>
-              </a:rPr>
-              <a:t/>
-            </a:r>
-            <a:br>
-              <a:rPr lang="en-US" altLang="zh-CN" dirty="0">
-                <a:solidFill>
-                  <a:srgbClr val="000000"/>
-                </a:solidFill>
-                <a:ea typeface="宋体" panose="02010600030101010101" pitchFamily="2" charset="-122"/>
-              </a:rPr>
-            </a:br>
-            <a:endParaRPr lang="zh-CN" altLang="en-US" dirty="0"/>
-          </a:p>
-        </p:txBody>
-      </p:sp>
-      <p:sp>
-        <p:nvSpPr>
-          <p:cNvPr id="45" name="文本框 44"/>
-          <p:cNvSpPr txBox="1"/>
-          <p:nvPr/>
-        </p:nvSpPr>
-        <p:spPr>
-          <a:xfrm>
-            <a:off x="1195992" y="2185059"/>
-            <a:ext cx="8250977" cy="353943"/>
-          </a:xfrm>
-          <a:prstGeom prst="rect">
-            <a:avLst/>
-          </a:prstGeom>
-          <a:noFill/>
-        </p:spPr>
-        <p:txBody>
-          <a:bodyPr wrap="none" rtlCol="0">
-            <a:spAutoFit/>
-          </a:bodyPr>
-          <a:lstStyle/>
-          <a:p>
-            <a:r>
-              <a:rPr lang="zh-CN" altLang="en-US" smtClean="0"/>
-              <a:t>见标题按自己的理解写，</a:t>
-            </a:r>
-            <a:r>
-              <a:rPr lang="zh-CN" altLang="en-US" dirty="0" smtClean="0"/>
-              <a:t>敢说敢提即可，不怕有问题和建议，主要</a:t>
-            </a:r>
-            <a:r>
-              <a:rPr lang="zh-CN" altLang="en-US" smtClean="0"/>
-              <a:t>看执行，页数不限</a:t>
-            </a:r>
-            <a:endParaRPr lang="zh-CN" altLang="en-US" dirty="0"/>
-          </a:p>
-        </p:txBody>
-      </p:sp>
-    </p:spTree>
-  </p:cSld>
-  <p:clrMapOvr>
-    <a:masterClrMapping/>
-  </p:clrMapOvr>
-  <p:timing>
-    <p:tnLst>
-      <p:par>
-        <p:cTn id="1" dur="indefinite" restart="never" nodeType="tmRoot"/>
-      </p:par>
-    </p:tnLst>
-  </p:timing>
-</p:sld>
-</file>
-
 <file path=ppt/tags/tag1.xml><?xml version="1.0" encoding="utf-8"?>
-<p:tagLst xmlns:a="http://schemas.openxmlformats.org/drawingml/2006/main" xmlns:r="http://schemas.openxmlformats.org/officeDocument/2006/relationships" xmlns:p="http://schemas.openxmlformats.org/presentationml/2006/main">
+<p:tagLst xmlns:p="http://schemas.openxmlformats.org/presentationml/2006/main">
   <p:tag name="KSO_WM_TEMPLATE_TOPIC_ID" val="2869567"/>
   <p:tag name="KSO_WM_TEMPLATE_OUTLINE_ID" val="15"/>
   <p:tag name="KSO_WM_TEMPLATE_SCENE_ID" val="1"/>
@@ -11026,10 +15033,36 @@
   </a:themeElements>
   <a:objectDefaults>
     <a:spDef>
-      <a:spPr bwMode="auto"/>
-      <a:bodyPr anchor="ctr"/>
+      <a:spPr>
+        <a:gradFill>
+          <a:gsLst>
+            <a:gs pos="0">
+              <a:srgbClr val="5E9EFF"/>
+            </a:gs>
+            <a:gs pos="39999">
+              <a:srgbClr val="85C2FF"/>
+            </a:gs>
+            <a:gs pos="70000">
+              <a:srgbClr val="C4D6EB"/>
+            </a:gs>
+            <a:gs pos="100000">
+              <a:srgbClr val="FFEBFA"/>
+            </a:gs>
+          </a:gsLst>
+          <a:lin ang="0" scaled="0"/>
+        </a:gradFill>
+        <a:scene3d>
+          <a:camera prst="orthographicFront"/>
+          <a:lightRig rig="threePt" dir="t"/>
+        </a:scene3d>
+        <a:sp3d>
+          <a:bevelT/>
+          <a:bevelB w="165100" prst="coolSlant"/>
+        </a:sp3d>
+      </a:spPr>
+      <a:bodyPr rtlCol="0" anchor="ctr"/>
       <a:lstStyle>
-        <a:defPPr eaLnBrk="1" hangingPunct="1">
+        <a:defPPr algn="ctr" eaLnBrk="1" hangingPunct="1">
           <a:spcBef>
             <a:spcPct val="0"/>
           </a:spcBef>
@@ -11038,9 +15071,9 @@
           </a:buClr>
           <a:buFont typeface="Wingdings" panose="05000000000000000000" pitchFamily="2" charset="2"/>
           <a:buNone/>
-          <a:defRPr b="1" dirty="0" smtClean="0">
+          <a:defRPr lang="zh-CN" altLang="en-US" dirty="0" smtClean="0">
             <a:solidFill>
-              <a:srgbClr val="FF0000"/>
+              <a:schemeClr val="tx1"/>
             </a:solidFill>
             <a:ea typeface="宋体" panose="02010600030101010101" pitchFamily="2" charset="-122"/>
           </a:defRPr>
@@ -11062,10 +15095,9 @@
       </a:style>
     </a:spDef>
   </a:objectDefaults>
-  <a:extraClrSchemeLst/>
   <a:extLst>
     <a:ext uri="{05A4C25C-085E-4340-85A3-A5531E510DB2}">
-      <thm15:themeFamily xmlns:thm15="http://schemas.microsoft.com/office/thememl/2012/main" xmlns="" name="Office Theme" id="{62F939B6-93AF-4DB8-9C6B-D6C7DFDC589F}" vid="{4A3C46E8-61CC-4603-A589-7422A47A8E4A}"/>
+      <thm15:themeFamily xmlns:thm15="http://schemas.microsoft.com/office/thememl/2012/main" name="Office Theme" id="{62F939B6-93AF-4DB8-9C6B-D6C7DFDC589F}" vid="{4A3C46E8-61CC-4603-A589-7422A47A8E4A}"/>
     </a:ext>
   </a:extLst>
 </a:theme>
@@ -11351,11 +15383,9 @@
       </a:bgFillStyleLst>
     </a:fmtScheme>
   </a:themeElements>
-  <a:objectDefaults/>
-  <a:extraClrSchemeLst/>
   <a:extLst>
     <a:ext uri="{05A4C25C-085E-4340-85A3-A5531E510DB2}">
-      <thm15:themeFamily xmlns:thm15="http://schemas.microsoft.com/office/thememl/2012/main" xmlns="" name="Office Theme" id="{62F939B6-93AF-4DB8-9C6B-D6C7DFDC589F}" vid="{4A3C46E8-61CC-4603-A589-7422A47A8E4A}"/>
+      <thm15:themeFamily xmlns:thm15="http://schemas.microsoft.com/office/thememl/2012/main" name="Office Theme" id="{62F939B6-93AF-4DB8-9C6B-D6C7DFDC589F}" vid="{4A3C46E8-61CC-4603-A589-7422A47A8E4A}"/>
     </a:ext>
   </a:extLst>
 </a:theme>
@@ -11641,11 +15671,9 @@
       </a:bgFillStyleLst>
     </a:fmtScheme>
   </a:themeElements>
-  <a:objectDefaults/>
-  <a:extraClrSchemeLst/>
   <a:extLst>
     <a:ext uri="{05A4C25C-085E-4340-85A3-A5531E510DB2}">
-      <thm15:themeFamily xmlns:thm15="http://schemas.microsoft.com/office/thememl/2012/main" xmlns="" name="Office Theme" id="{62F939B6-93AF-4DB8-9C6B-D6C7DFDC589F}" vid="{4A3C46E8-61CC-4603-A589-7422A47A8E4A}"/>
+      <thm15:themeFamily xmlns:thm15="http://schemas.microsoft.com/office/thememl/2012/main" name="Office Theme" id="{62F939B6-93AF-4DB8-9C6B-D6C7DFDC589F}" vid="{4A3C46E8-61CC-4603-A589-7422A47A8E4A}"/>
     </a:ext>
   </a:extLst>
 </a:theme>

--- a/相关文档/年终总结/2018年度年终总结-研发中心_山晨.pptx
+++ b/相关文档/年终总结/2018年度年终总结-研发中心_山晨.pptx
@@ -5,25 +5,28 @@
     <p:sldMasterId id="2147483648" r:id="rId1"/>
   </p:sldMasterIdLst>
   <p:notesMasterIdLst>
-    <p:notesMasterId r:id="rId4"/>
+    <p:notesMasterId r:id="rId16"/>
   </p:notesMasterIdLst>
   <p:handoutMasterIdLst>
-    <p:handoutMasterId r:id="rId15"/>
+    <p:handoutMasterId r:id="rId17"/>
   </p:handoutMasterIdLst>
   <p:sldIdLst>
-    <p:sldId id="307" r:id="rId3"/>
-    <p:sldId id="552" r:id="rId5"/>
-    <p:sldId id="716" r:id="rId6"/>
-    <p:sldId id="723" r:id="rId7"/>
-    <p:sldId id="705" r:id="rId8"/>
-    <p:sldId id="724" r:id="rId9"/>
-    <p:sldId id="700" r:id="rId10"/>
-    <p:sldId id="725" r:id="rId11"/>
-    <p:sldId id="701" r:id="rId12"/>
+    <p:sldId id="307" r:id="rId2"/>
+    <p:sldId id="552" r:id="rId3"/>
+    <p:sldId id="716" r:id="rId4"/>
+    <p:sldId id="723" r:id="rId5"/>
+    <p:sldId id="705" r:id="rId6"/>
+    <p:sldId id="724" r:id="rId7"/>
+    <p:sldId id="725" r:id="rId8"/>
+    <p:sldId id="726" r:id="rId9"/>
+    <p:sldId id="701" r:id="rId10"/>
+    <p:sldId id="729" r:id="rId11"/>
+    <p:sldId id="727" r:id="rId12"/>
     <p:sldId id="657" r:id="rId13"/>
-    <p:sldId id="280" r:id="rId14"/>
+    <p:sldId id="728" r:id="rId14"/>
+    <p:sldId id="280" r:id="rId15"/>
   </p:sldIdLst>
-  <p:sldSz cx="12204700" cy="6859270"/>
+  <p:sldSz cx="12204700" cy="6859588"/>
   <p:notesSz cx="6858000" cy="9144000"/>
   <p:defaultTextStyle>
     <a:defPPr>
@@ -157,19 +160,13 @@
               </a:defRPr>
             </a:pPr>
             <a:r>
+              <a:rPr lang="zh-CN" altLang="en-US"/>
               <a:t>个人能力状况</a:t>
             </a:r>
           </a:p>
         </c:rich>
       </c:tx>
-      <c:layout>
-        <c:manualLayout>
-          <c:xMode val="edge"/>
-          <c:yMode val="edge"/>
-          <c:x val="0.41768826619965"/>
-          <c:y val="0.0106590257879656"/>
-        </c:manualLayout>
-      </c:layout>
+      <c:layout/>
       <c:overlay val="0"/>
       <c:spPr>
         <a:noFill/>
@@ -181,17 +178,7 @@
     </c:title>
     <c:autoTitleDeleted val="0"/>
     <c:plotArea>
-      <c:layout>
-        <c:manualLayout>
-          <c:layoutTarget val="inner"/>
-          <c:xMode val="edge"/>
-          <c:yMode val="edge"/>
-          <c:x val="0.225139550496205"/>
-          <c:y val="0.187347086914995"/>
-          <c:w val="0.5627"/>
-          <c:h val="0.750266666666667"/>
-        </c:manualLayout>
-      </c:layout>
+      <c:layout/>
       <c:radarChart>
         <c:radarStyle val="marker"/>
         <c:varyColors val="0"/>
@@ -204,7 +191,7 @@
               <c:strCache>
                 <c:ptCount val="1"/>
                 <c:pt idx="0">
-                  <c:v>系列 1</c:v>
+                  <c:v>2017年底</c:v>
                 </c:pt>
               </c:strCache>
             </c:strRef>
@@ -222,52 +209,153 @@
             <c:symbol val="none"/>
           </c:marker>
           <c:dLbls>
-            <c:delete val="1"/>
+            <c:dLbl>
+              <c:idx val="0"/>
+              <c:layout>
+                <c:manualLayout>
+                  <c:x val="0"/>
+                  <c:y val="5.501432664756447E-2"/>
+                </c:manualLayout>
+              </c:layout>
+              <c:showLegendKey val="0"/>
+              <c:showVal val="1"/>
+              <c:showCatName val="0"/>
+              <c:showSerName val="0"/>
+              <c:showPercent val="0"/>
+              <c:showBubbleSize val="0"/>
+            </c:dLbl>
+            <c:dLbl>
+              <c:idx val="1"/>
+              <c:layout>
+                <c:manualLayout>
+                  <c:x val="-2.2416812609457094E-2"/>
+                  <c:y val="1.8338108882521489E-2"/>
+                </c:manualLayout>
+              </c:layout>
+              <c:showLegendKey val="0"/>
+              <c:showVal val="1"/>
+              <c:showCatName val="0"/>
+              <c:showSerName val="0"/>
+              <c:showPercent val="0"/>
+              <c:showBubbleSize val="0"/>
+            </c:dLbl>
+            <c:dLbl>
+              <c:idx val="2"/>
+              <c:layout>
+                <c:manualLayout>
+                  <c:x val="-2.3817863397548163E-2"/>
+                  <c:y val="-3.2091690544412604E-2"/>
+                </c:manualLayout>
+              </c:layout>
+              <c:showLegendKey val="0"/>
+              <c:showVal val="1"/>
+              <c:showCatName val="0"/>
+              <c:showSerName val="0"/>
+              <c:showPercent val="0"/>
+              <c:showBubbleSize val="0"/>
+            </c:dLbl>
+            <c:dLbl>
+              <c:idx val="3"/>
+              <c:layout>
+                <c:manualLayout>
+                  <c:x val="0"/>
+                  <c:y val="-5.7306590257879743E-2"/>
+                </c:manualLayout>
+              </c:layout>
+              <c:showLegendKey val="0"/>
+              <c:showVal val="1"/>
+              <c:showCatName val="0"/>
+              <c:showSerName val="0"/>
+              <c:showPercent val="0"/>
+              <c:showBubbleSize val="0"/>
+            </c:dLbl>
+            <c:dLbl>
+              <c:idx val="4"/>
+              <c:layout>
+                <c:manualLayout>
+                  <c:x val="2.6619964973730349E-2"/>
+                  <c:y val="-2.0630372492836762E-2"/>
+                </c:manualLayout>
+              </c:layout>
+              <c:showLegendKey val="0"/>
+              <c:showVal val="1"/>
+              <c:showCatName val="0"/>
+              <c:showSerName val="0"/>
+              <c:showPercent val="0"/>
+              <c:showBubbleSize val="0"/>
+            </c:dLbl>
+            <c:dLbl>
+              <c:idx val="5"/>
+              <c:layout>
+                <c:manualLayout>
+                  <c:x val="2.6619964973730349E-2"/>
+                  <c:y val="2.5214899713467048E-2"/>
+                </c:manualLayout>
+              </c:layout>
+              <c:showLegendKey val="0"/>
+              <c:showVal val="1"/>
+              <c:showCatName val="0"/>
+              <c:showSerName val="0"/>
+              <c:showPercent val="0"/>
+              <c:showBubbleSize val="0"/>
+            </c:dLbl>
+            <c:showLegendKey val="0"/>
+            <c:showVal val="1"/>
+            <c:showCatName val="0"/>
+            <c:showSerName val="0"/>
+            <c:showPercent val="0"/>
+            <c:showBubbleSize val="0"/>
+            <c:showLeaderLines val="0"/>
           </c:dLbls>
           <c:cat>
-            <c:numRef>
-              <c:f>Sheet1!$A$2:$A$6</c:f>
-              <c:numCache>
-                <c:formatCode>yyyy/m/d</c:formatCode>
-                <c:ptCount val="5"/>
-                <c:pt idx="0" c:formatCode="yyyy/m/d">
-                  <c:v>37261</c:v>
+            <c:strRef>
+              <c:f>Sheet1!$A$2:$A$7</c:f>
+              <c:strCache>
+                <c:ptCount val="6"/>
+                <c:pt idx="0">
+                  <c:v>关系可视化</c:v>
                 </c:pt>
-                <c:pt idx="1" c:formatCode="yyyy/m/d">
-                  <c:v>37262</c:v>
+                <c:pt idx="1">
+                  <c:v>GIS技术</c:v>
                 </c:pt>
-                <c:pt idx="2" c:formatCode="yyyy/m/d">
-                  <c:v>37263</c:v>
+                <c:pt idx="2">
+                  <c:v>其他前端技术</c:v>
                 </c:pt>
-                <c:pt idx="3" c:formatCode="yyyy/m/d">
-                  <c:v>37264</c:v>
+                <c:pt idx="3">
+                  <c:v>Java技术</c:v>
                 </c:pt>
-                <c:pt idx="4" c:formatCode="yyyy/m/d">
-                  <c:v>37265</c:v>
+                <c:pt idx="4">
+                  <c:v>可视化团队管理</c:v>
                 </c:pt>
-              </c:numCache>
-            </c:numRef>
+                <c:pt idx="5">
+                  <c:v>项目管理</c:v>
+                </c:pt>
+              </c:strCache>
+            </c:strRef>
           </c:cat>
           <c:val>
             <c:numRef>
-              <c:f>Sheet1!$B$2:$B$6</c:f>
+              <c:f>Sheet1!$B$2:$B$7</c:f>
               <c:numCache>
                 <c:formatCode>General</c:formatCode>
-                <c:ptCount val="5"/>
+                <c:ptCount val="6"/>
                 <c:pt idx="0">
-                  <c:v>32</c:v>
+                  <c:v>60</c:v>
                 </c:pt>
                 <c:pt idx="1">
-                  <c:v>32</c:v>
+                  <c:v>10</c:v>
                 </c:pt>
                 <c:pt idx="2">
-                  <c:v>28</c:v>
+                  <c:v>20</c:v>
                 </c:pt>
                 <c:pt idx="3">
-                  <c:v>12</c:v>
+                  <c:v>30</c:v>
                 </c:pt>
                 <c:pt idx="4">
-                  <c:v>15</c:v>
+                  <c:v>20</c:v>
+                </c:pt>
+                <c:pt idx="5">
+                  <c:v>20</c:v>
                 </c:pt>
               </c:numCache>
             </c:numRef>
@@ -282,7 +370,7 @@
               <c:strCache>
                 <c:ptCount val="1"/>
                 <c:pt idx="0">
-                  <c:v>系列 2</c:v>
+                  <c:v>2018年底</c:v>
                 </c:pt>
               </c:strCache>
             </c:strRef>
@@ -300,52 +388,153 @@
             <c:symbol val="none"/>
           </c:marker>
           <c:dLbls>
-            <c:delete val="1"/>
+            <c:dLbl>
+              <c:idx val="0"/>
+              <c:layout>
+                <c:manualLayout>
+                  <c:x val="0"/>
+                  <c:y val="5.501432664756447E-2"/>
+                </c:manualLayout>
+              </c:layout>
+              <c:showLegendKey val="0"/>
+              <c:showVal val="1"/>
+              <c:showCatName val="0"/>
+              <c:showSerName val="0"/>
+              <c:showPercent val="0"/>
+              <c:showBubbleSize val="0"/>
+            </c:dLbl>
+            <c:dLbl>
+              <c:idx val="1"/>
+              <c:layout>
+                <c:manualLayout>
+                  <c:x val="-2.6619964973730297E-2"/>
+                  <c:y val="3.2091690544412604E-2"/>
+                </c:manualLayout>
+              </c:layout>
+              <c:showLegendKey val="0"/>
+              <c:showVal val="1"/>
+              <c:showCatName val="0"/>
+              <c:showSerName val="0"/>
+              <c:showPercent val="0"/>
+              <c:showBubbleSize val="0"/>
+            </c:dLbl>
+            <c:dLbl>
+              <c:idx val="2"/>
+              <c:layout>
+                <c:manualLayout>
+                  <c:x val="-2.6619964973730297E-2"/>
+                  <c:y val="-2.7507163323782235E-2"/>
+                </c:manualLayout>
+              </c:layout>
+              <c:showLegendKey val="0"/>
+              <c:showVal val="1"/>
+              <c:showCatName val="0"/>
+              <c:showSerName val="0"/>
+              <c:showPercent val="0"/>
+              <c:showBubbleSize val="0"/>
+            </c:dLbl>
+            <c:dLbl>
+              <c:idx val="3"/>
+              <c:layout>
+                <c:manualLayout>
+                  <c:x val="0"/>
+                  <c:y val="-5.501432664756447E-2"/>
+                </c:manualLayout>
+              </c:layout>
+              <c:showLegendKey val="0"/>
+              <c:showVal val="1"/>
+              <c:showCatName val="0"/>
+              <c:showSerName val="0"/>
+              <c:showPercent val="0"/>
+              <c:showBubbleSize val="0"/>
+            </c:dLbl>
+            <c:dLbl>
+              <c:idx val="4"/>
+              <c:layout>
+                <c:manualLayout>
+                  <c:x val="2.6619964973730245E-2"/>
+                  <c:y val="-2.7507163323782318E-2"/>
+                </c:manualLayout>
+              </c:layout>
+              <c:showLegendKey val="0"/>
+              <c:showVal val="1"/>
+              <c:showCatName val="0"/>
+              <c:showSerName val="0"/>
+              <c:showPercent val="0"/>
+              <c:showBubbleSize val="0"/>
+            </c:dLbl>
+            <c:dLbl>
+              <c:idx val="5"/>
+              <c:layout>
+                <c:manualLayout>
+                  <c:x val="2.3817863397548163E-2"/>
+                  <c:y val="2.5214899713467048E-2"/>
+                </c:manualLayout>
+              </c:layout>
+              <c:showLegendKey val="0"/>
+              <c:showVal val="1"/>
+              <c:showCatName val="0"/>
+              <c:showSerName val="0"/>
+              <c:showPercent val="0"/>
+              <c:showBubbleSize val="0"/>
+            </c:dLbl>
+            <c:showLegendKey val="0"/>
+            <c:showVal val="1"/>
+            <c:showCatName val="0"/>
+            <c:showSerName val="0"/>
+            <c:showPercent val="0"/>
+            <c:showBubbleSize val="0"/>
+            <c:showLeaderLines val="0"/>
           </c:dLbls>
           <c:cat>
-            <c:numRef>
-              <c:f>Sheet1!$A$2:$A$6</c:f>
-              <c:numCache>
-                <c:formatCode>yyyy/m/d</c:formatCode>
-                <c:ptCount val="5"/>
-                <c:pt idx="0" c:formatCode="yyyy/m/d">
-                  <c:v>37261</c:v>
+            <c:strRef>
+              <c:f>Sheet1!$A$2:$A$7</c:f>
+              <c:strCache>
+                <c:ptCount val="6"/>
+                <c:pt idx="0">
+                  <c:v>关系可视化</c:v>
                 </c:pt>
-                <c:pt idx="1" c:formatCode="yyyy/m/d">
-                  <c:v>37262</c:v>
+                <c:pt idx="1">
+                  <c:v>GIS技术</c:v>
                 </c:pt>
-                <c:pt idx="2" c:formatCode="yyyy/m/d">
-                  <c:v>37263</c:v>
+                <c:pt idx="2">
+                  <c:v>其他前端技术</c:v>
                 </c:pt>
-                <c:pt idx="3" c:formatCode="yyyy/m/d">
-                  <c:v>37264</c:v>
+                <c:pt idx="3">
+                  <c:v>Java技术</c:v>
                 </c:pt>
-                <c:pt idx="4" c:formatCode="yyyy/m/d">
-                  <c:v>37265</c:v>
+                <c:pt idx="4">
+                  <c:v>可视化团队管理</c:v>
                 </c:pt>
-              </c:numCache>
-            </c:numRef>
+                <c:pt idx="5">
+                  <c:v>项目管理</c:v>
+                </c:pt>
+              </c:strCache>
+            </c:strRef>
           </c:cat>
           <c:val>
             <c:numRef>
-              <c:f>Sheet1!$C$2:$C$6</c:f>
+              <c:f>Sheet1!$C$2:$C$7</c:f>
               <c:numCache>
                 <c:formatCode>General</c:formatCode>
-                <c:ptCount val="5"/>
+                <c:ptCount val="6"/>
                 <c:pt idx="0">
-                  <c:v>12</c:v>
+                  <c:v>80</c:v>
                 </c:pt>
                 <c:pt idx="1">
-                  <c:v>12</c:v>
+                  <c:v>50</c:v>
                 </c:pt>
                 <c:pt idx="2">
-                  <c:v>12</c:v>
+                  <c:v>50</c:v>
                 </c:pt>
                 <c:pt idx="3">
-                  <c:v>21</c:v>
+                  <c:v>65</c:v>
                 </c:pt>
                 <c:pt idx="4">
-                  <c:v>28</c:v>
+                  <c:v>45</c:v>
+                </c:pt>
+                <c:pt idx="5">
+                  <c:v>40</c:v>
                 </c:pt>
               </c:numCache>
             </c:numRef>
@@ -353,58 +542,42 @@
         </c:ser>
         <c:dLbls>
           <c:showLegendKey val="0"/>
-          <c:showVal val="0"/>
+          <c:showVal val="1"/>
           <c:showCatName val="0"/>
           <c:showSerName val="0"/>
           <c:showPercent val="0"/>
           <c:showBubbleSize val="0"/>
         </c:dLbls>
-        <c:axId val="596973539"/>
-        <c:axId val="981687461"/>
+        <c:axId val="32515200"/>
+        <c:axId val="44622208"/>
       </c:radarChart>
       <c:catAx>
-        <c:axId val="596973539"/>
+        <c:axId val="32515200"/>
         <c:scaling>
           <c:orientation val="minMax"/>
         </c:scaling>
         <c:delete val="0"/>
         <c:axPos val="b"/>
+        <c:numFmt formatCode="m/d/yyyy" sourceLinked="1"/>
         <c:majorTickMark val="none"/>
         <c:minorTickMark val="none"/>
         <c:tickLblPos val="nextTo"/>
         <c:spPr>
-          <a:noFill/>
-          <a:ln w="9525" cap="flat" cmpd="sng" algn="ctr">
-            <a:solidFill>
-              <a:schemeClr val="tx1">
-                <a:lumMod val="15000"/>
-                <a:lumOff val="85000"/>
-              </a:schemeClr>
-            </a:solidFill>
-            <a:round/>
+          <a:ln w="6350">
+            <a:noFill/>
           </a:ln>
-          <a:effectLst/>
         </c:spPr>
         <c:txPr>
-          <a:bodyPr rot="-60000000" spcFirstLastPara="0" vertOverflow="ellipsis" vert="horz" wrap="square" anchor="ctr" anchorCtr="1"/>
+          <a:bodyPr rot="-60000000" vert="horz"/>
           <a:lstStyle/>
           <a:p>
             <a:pPr>
-              <a:defRPr lang="zh-CN" sz="900" b="0" i="0" u="none" strike="noStrike" kern="1200" baseline="0">
-                <a:solidFill>
-                  <a:schemeClr val="tx1">
-                    <a:lumMod val="65000"/>
-                    <a:lumOff val="35000"/>
-                  </a:schemeClr>
-                </a:solidFill>
-                <a:latin typeface="+mn-lt"/>
-                <a:ea typeface="+mn-ea"/>
-                <a:cs typeface="+mn-cs"/>
-              </a:defRPr>
+              <a:defRPr sz="1100" b="1" baseline="0"/>
             </a:pPr>
+            <a:endParaRPr lang="zh-CN"/>
           </a:p>
         </c:txPr>
-        <c:crossAx val="981687461"/>
+        <c:crossAx val="44622208"/>
         <c:crosses val="autoZero"/>
         <c:auto val="1"/>
         <c:lblAlgn val="ctr"/>
@@ -412,9 +585,11 @@
         <c:noMultiLvlLbl val="0"/>
       </c:catAx>
       <c:valAx>
-        <c:axId val="981687461"/>
+        <c:axId val="44622208"/>
         <c:scaling>
           <c:orientation val="minMax"/>
+          <c:max val="100"/>
+          <c:min val="0"/>
         </c:scaling>
         <c:delete val="1"/>
         <c:axPos val="l"/>
@@ -422,9 +597,8 @@
           <c:spPr>
             <a:ln w="9525" cap="flat" cmpd="sng" algn="ctr">
               <a:solidFill>
-                <a:schemeClr val="tx1">
-                  <a:lumMod val="15000"/>
-                  <a:lumOff val="85000"/>
+                <a:schemeClr val="bg1">
+                  <a:lumMod val="75000"/>
                 </a:schemeClr>
               </a:solidFill>
               <a:round/>
@@ -436,26 +610,7 @@
         <c:majorTickMark val="none"/>
         <c:minorTickMark val="none"/>
         <c:tickLblPos val="nextTo"/>
-        <c:txPr>
-          <a:bodyPr rot="-60000000" spcFirstLastPara="0" vertOverflow="ellipsis" vert="horz" wrap="square" anchor="ctr" anchorCtr="1"/>
-          <a:lstStyle/>
-          <a:p>
-            <a:pPr>
-              <a:defRPr lang="zh-CN" sz="900" b="0" i="0" u="none" strike="noStrike" kern="1200" baseline="0">
-                <a:solidFill>
-                  <a:schemeClr val="tx1">
-                    <a:lumMod val="65000"/>
-                    <a:lumOff val="35000"/>
-                  </a:schemeClr>
-                </a:solidFill>
-                <a:latin typeface="+mn-lt"/>
-                <a:ea typeface="+mn-ea"/>
-                <a:cs typeface="+mn-cs"/>
-              </a:defRPr>
-            </a:pPr>
-          </a:p>
-        </c:txPr>
-        <c:crossAx val="596973539"/>
+        <c:crossAx val="32515200"/>
         <c:crosses val="autoZero"/>
         <c:crossBetween val="between"/>
       </c:valAx>
@@ -483,7 +638,7 @@
         <a:lstStyle/>
         <a:p>
           <a:pPr>
-            <a:defRPr lang="zh-CN" sz="900" b="0" i="0" u="none" strike="noStrike" kern="1200" baseline="0">
+            <a:defRPr lang="zh-CN" sz="1200" b="0" i="0" u="none" strike="noStrike" kern="1200" baseline="0">
               <a:solidFill>
                 <a:schemeClr val="tx1">
                   <a:lumMod val="65000"/>
@@ -495,6 +650,7 @@
               <a:cs typeface="+mn-cs"/>
             </a:defRPr>
           </a:pPr>
+          <a:endParaRPr lang="zh-CN"/>
         </a:p>
       </c:txPr>
     </c:legend>
@@ -516,6 +672,7 @@
       <a:pPr>
         <a:defRPr lang="zh-CN"/>
       </a:pPr>
+      <a:endParaRPr lang="zh-CN"/>
     </a:p>
   </c:txPr>
   <c:externalData r:id="rId1">
@@ -1151,6 +1308,7 @@
           <a:p>
             <a:fld id="{991A2014-96CE-4721-84C9-7D513E406897}" type="datetimeFigureOut">
               <a:rPr kumimoji="1" lang="ja-JP" altLang="en-US" smtClean="0"/>
+              <a:t>2019/1/4</a:t>
             </a:fld>
             <a:endParaRPr kumimoji="1" lang="ja-JP" altLang="en-US"/>
           </a:p>
@@ -1216,12 +1374,18 @@
           <a:p>
             <a:fld id="{0CE70F33-C8AA-45D1-A175-D96663199F28}" type="slidenum">
               <a:rPr kumimoji="1" lang="ja-JP" altLang="en-US" smtClean="0"/>
+              <a:t>‹#›</a:t>
             </a:fld>
             <a:endParaRPr kumimoji="1" lang="ja-JP" altLang="en-US"/>
           </a:p>
         </p:txBody>
       </p:sp>
     </p:spTree>
+    <p:extLst>
+      <p:ext uri="{BB962C8B-B14F-4D97-AF65-F5344CB8AC3E}">
+        <p14:creationId xmlns:p14="http://schemas.microsoft.com/office/powerpoint/2010/main" val="3103685698"/>
+      </p:ext>
+    </p:extLst>
   </p:cSld>
   <p:clrMap bg1="lt1" tx1="dk1" bg2="lt2" tx2="dk2" accent1="accent1" accent2="accent2" accent3="accent3" accent4="accent4" accent5="accent5" accent6="accent6" hlink="hlink" folHlink="folHlink"/>
 </p:handoutMaster>
@@ -1309,6 +1473,7 @@
           <a:p>
             <a:fld id="{DA4538BB-24BA-42B9-8147-243E70E4201C}" type="datetimeFigureOut">
               <a:rPr kumimoji="1" lang="ja-JP" altLang="en-US" smtClean="0"/>
+              <a:t>2019/1/4</a:t>
             </a:fld>
             <a:endParaRPr kumimoji="1" lang="ja-JP" altLang="en-US"/>
           </a:p>
@@ -1375,7 +1540,6 @@
               <a:rPr kumimoji="1" lang="ja-JP" altLang="en-US" smtClean="0"/>
               <a:t>マスター テキストの書式設定</a:t>
             </a:r>
-            <a:endParaRPr kumimoji="1" lang="ja-JP" altLang="en-US" smtClean="0"/>
           </a:p>
           <a:p>
             <a:pPr lvl="1"/>
@@ -1391,7 +1555,6 @@
               <a:rPr kumimoji="1" lang="ja-JP" altLang="en-US" smtClean="0"/>
               <a:t>レベル</a:t>
             </a:r>
-            <a:endParaRPr kumimoji="1" lang="ja-JP" altLang="en-US" smtClean="0"/>
           </a:p>
           <a:p>
             <a:pPr lvl="2"/>
@@ -1407,7 +1570,6 @@
               <a:rPr kumimoji="1" lang="ja-JP" altLang="en-US" smtClean="0"/>
               <a:t>レベル</a:t>
             </a:r>
-            <a:endParaRPr kumimoji="1" lang="ja-JP" altLang="en-US" smtClean="0"/>
           </a:p>
           <a:p>
             <a:pPr lvl="3"/>
@@ -1423,7 +1585,6 @@
               <a:rPr kumimoji="1" lang="ja-JP" altLang="en-US" smtClean="0"/>
               <a:t>レベル</a:t>
             </a:r>
-            <a:endParaRPr kumimoji="1" lang="ja-JP" altLang="en-US" smtClean="0"/>
           </a:p>
           <a:p>
             <a:pPr lvl="4"/>
@@ -1503,12 +1664,18 @@
           <a:p>
             <a:fld id="{F420C424-C8B2-458D-BE4F-39DC7DBD7BA6}" type="slidenum">
               <a:rPr kumimoji="1" lang="ja-JP" altLang="en-US" smtClean="0"/>
+              <a:t>‹#›</a:t>
             </a:fld>
             <a:endParaRPr kumimoji="1" lang="ja-JP" altLang="en-US"/>
           </a:p>
         </p:txBody>
       </p:sp>
     </p:spTree>
+    <p:extLst>
+      <p:ext uri="{BB962C8B-B14F-4D97-AF65-F5344CB8AC3E}">
+        <p14:creationId xmlns:p14="http://schemas.microsoft.com/office/powerpoint/2010/main" val="2721530821"/>
+      </p:ext>
+    </p:extLst>
   </p:cSld>
   <p:clrMap bg1="lt1" tx1="dk1" bg2="lt2" tx2="dk2" accent1="accent1" accent2="accent2" accent3="accent3" accent4="accent4" accent5="accent5" accent6="accent6" hlink="hlink" folHlink="folHlink"/>
   <p:notesStyle>
@@ -1676,6 +1843,7 @@
           <a:p>
             <a:fld id="{F420C424-C8B2-458D-BE4F-39DC7DBD7BA6}" type="slidenum">
               <a:rPr kumimoji="1" lang="ja-JP" altLang="en-US" smtClean="0"/>
+              <a:t>1</a:t>
             </a:fld>
             <a:endParaRPr kumimoji="1" lang="ja-JP" altLang="en-US"/>
           </a:p>
@@ -1754,6 +1922,7 @@
           <a:p>
             <a:fld id="{F420C424-C8B2-458D-BE4F-39DC7DBD7BA6}" type="slidenum">
               <a:rPr kumimoji="1" lang="ja-JP" altLang="en-US" smtClean="0"/>
+              <a:t>3</a:t>
             </a:fld>
             <a:endParaRPr kumimoji="1" lang="ja-JP" altLang="en-US"/>
           </a:p>
@@ -1832,6 +2001,7 @@
           <a:p>
             <a:fld id="{F420C424-C8B2-458D-BE4F-39DC7DBD7BA6}" type="slidenum">
               <a:rPr kumimoji="1" lang="ja-JP" altLang="en-US" smtClean="0"/>
+              <a:t>4</a:t>
             </a:fld>
             <a:endParaRPr kumimoji="1" lang="ja-JP" altLang="en-US"/>
           </a:p>
@@ -1910,6 +2080,7 @@
           <a:p>
             <a:fld id="{F420C424-C8B2-458D-BE4F-39DC7DBD7BA6}" type="slidenum">
               <a:rPr kumimoji="1" lang="ja-JP" altLang="en-US" smtClean="0"/>
+              <a:t>5</a:t>
             </a:fld>
             <a:endParaRPr kumimoji="1" lang="ja-JP" altLang="en-US"/>
           </a:p>
@@ -1988,6 +2159,7 @@
           <a:p>
             <a:fld id="{F420C424-C8B2-458D-BE4F-39DC7DBD7BA6}" type="slidenum">
               <a:rPr kumimoji="1" lang="ja-JP" altLang="en-US" smtClean="0"/>
+              <a:t>6</a:t>
             </a:fld>
             <a:endParaRPr kumimoji="1" lang="ja-JP" altLang="en-US"/>
           </a:p>
@@ -2066,6 +2238,7 @@
           <a:p>
             <a:fld id="{F420C424-C8B2-458D-BE4F-39DC7DBD7BA6}" type="slidenum">
               <a:rPr kumimoji="1" lang="ja-JP" altLang="en-US" smtClean="0"/>
+              <a:t>7</a:t>
             </a:fld>
             <a:endParaRPr kumimoji="1" lang="ja-JP" altLang="en-US"/>
           </a:p>
@@ -2144,6 +2317,7 @@
           <a:p>
             <a:fld id="{F420C424-C8B2-458D-BE4F-39DC7DBD7BA6}" type="slidenum">
               <a:rPr kumimoji="1" lang="ja-JP" altLang="en-US" smtClean="0"/>
+              <a:t>8</a:t>
             </a:fld>
             <a:endParaRPr kumimoji="1" lang="ja-JP" altLang="en-US"/>
           </a:p>
@@ -2362,6 +2536,7 @@
           <a:p>
             <a:fld id="{2C795EF2-C10B-4973-A4D4-8B26E6739D57}" type="slidenum">
               <a:rPr lang="zh-CN" altLang="en-US"/>
+              <a:t>‹#›</a:t>
             </a:fld>
             <a:endParaRPr lang="zh-CN" altLang="en-US"/>
           </a:p>
@@ -2515,6 +2690,7 @@
           <a:p>
             <a:fld id="{76B1E760-ECB3-4197-9FBC-1D87FC5C6A28}" type="slidenum">
               <a:rPr kumimoji="1" lang="ja-JP" altLang="en-US" smtClean="0"/>
+              <a:t>‹#›</a:t>
             </a:fld>
             <a:endParaRPr kumimoji="1" lang="ja-JP" altLang="en-US" dirty="0"/>
           </a:p>
@@ -2757,6 +2933,7 @@
           <a:p>
             <a:fld id="{76B1E760-ECB3-4197-9FBC-1D87FC5C6A28}" type="slidenum">
               <a:rPr kumimoji="1" lang="ja-JP" altLang="en-US" smtClean="0"/>
+              <a:t>‹#›</a:t>
             </a:fld>
             <a:endParaRPr kumimoji="1" lang="ja-JP" altLang="en-US" dirty="0"/>
           </a:p>
@@ -2866,7 +3043,6 @@
               <a:rPr lang="zh-CN" altLang="en-US" dirty="0" smtClean="0"/>
               <a:t>副标题</a:t>
             </a:r>
-            <a:endParaRPr lang="zh-CN" altLang="en-US" dirty="0" smtClean="0"/>
           </a:p>
         </p:txBody>
       </p:sp>
@@ -3423,6 +3599,7 @@
           <a:p>
             <a:fld id="{76B1E760-ECB3-4197-9FBC-1D87FC5C6A28}" type="slidenum">
               <a:rPr kumimoji="1" lang="ja-JP" altLang="en-US" smtClean="0"/>
+              <a:t>‹#›</a:t>
             </a:fld>
             <a:endParaRPr kumimoji="1" lang="ja-JP" altLang="en-US" dirty="0"/>
           </a:p>
@@ -3532,7 +3709,6 @@
               <a:rPr lang="zh-CN" altLang="en-US" dirty="0" smtClean="0"/>
               <a:t>副标题</a:t>
             </a:r>
-            <a:endParaRPr lang="zh-CN" altLang="en-US" dirty="0" smtClean="0"/>
           </a:p>
         </p:txBody>
       </p:sp>
@@ -3632,11 +3808,11 @@
           <p:nvPr userDrawn="1"/>
         </p:nvPicPr>
         <p:blipFill>
-          <a:blip r:embed="rId11" cstate="print">
+          <a:blip r:embed="rId12" cstate="print">
             <a:extLst>
               <a:ext uri="{BEBA8EAE-BF5A-486C-A8C5-ECC9F3942E4B}">
                 <a14:imgProps xmlns:a14="http://schemas.microsoft.com/office/drawing/2010/main">
-                  <a14:imgLayer r:embed="rId12">
+                  <a14:imgLayer r:embed="rId13">
                     <a14:imgEffect>
                       <a14:artisticBlur/>
                     </a14:imgEffect>
@@ -3793,7 +3969,7 @@
                 <a:latin typeface="Arial" panose="020B0604020202020204"/>
                 <a:ea typeface="+mn-ea"/>
                 <a:cs typeface="Arial" panose="020B0604020202020204"/>
-                <a:hlinkClick r:id="rId13"/>
+                <a:hlinkClick r:id="rId14"/>
               </a:rPr>
               <a:t>www.bjchenrui.com</a:t>
             </a:r>
@@ -4271,6 +4447,57 @@
               </a:rPr>
               <a:t>年度年终总结汇报</a:t>
             </a:r>
+            <a:r>
+              <a:rPr lang="en-US" altLang="zh-CN" sz="4800" dirty="0">
+                <a:ln w="10541" cmpd="sng">
+                  <a:solidFill>
+                    <a:schemeClr val="accent1">
+                      <a:shade val="88000"/>
+                      <a:satMod val="110000"/>
+                    </a:schemeClr>
+                  </a:solidFill>
+                  <a:prstDash val="solid"/>
+                </a:ln>
+                <a:gradFill>
+                  <a:gsLst>
+                    <a:gs pos="0">
+                      <a:schemeClr val="accent1">
+                        <a:tint val="40000"/>
+                        <a:satMod val="250000"/>
+                      </a:schemeClr>
+                    </a:gs>
+                    <a:gs pos="9000">
+                      <a:schemeClr val="accent1">
+                        <a:tint val="52000"/>
+                        <a:satMod val="300000"/>
+                      </a:schemeClr>
+                    </a:gs>
+                    <a:gs pos="50000">
+                      <a:schemeClr val="accent1">
+                        <a:shade val="20000"/>
+                        <a:satMod val="300000"/>
+                      </a:schemeClr>
+                    </a:gs>
+                    <a:gs pos="79000">
+                      <a:schemeClr val="accent1">
+                        <a:tint val="52000"/>
+                        <a:satMod val="300000"/>
+                      </a:schemeClr>
+                    </a:gs>
+                    <a:gs pos="100000">
+                      <a:schemeClr val="accent1">
+                        <a:tint val="40000"/>
+                        <a:satMod val="250000"/>
+                      </a:schemeClr>
+                    </a:gs>
+                  </a:gsLst>
+                  <a:lin ang="5400000"/>
+                </a:gradFill>
+                <a:latin typeface="微软雅黑" panose="020B0503020204020204" pitchFamily="34" charset="-122"/>
+                <a:ea typeface="微软雅黑" panose="020B0503020204020204" pitchFamily="34" charset="-122"/>
+              </a:rPr>
+              <a:t/>
+            </a:r>
             <a:br>
               <a:rPr lang="en-US" altLang="zh-CN" sz="4800" dirty="0">
                 <a:ln w="10541" cmpd="sng">
@@ -4658,6 +4885,7 @@
           <a:p>
             <a:fld id="{76B1E760-ECB3-4197-9FBC-1D87FC5C6A28}" type="slidenum">
               <a:rPr kumimoji="1" lang="ja-JP" altLang="en-US" smtClean="0"/>
+              <a:t>10</a:t>
             </a:fld>
             <a:endParaRPr kumimoji="1" lang="ja-JP" altLang="en-US" dirty="0"/>
           </a:p>
@@ -4679,12 +4907,5577 @@
           <a:lstStyle/>
           <a:p>
             <a:r>
+              <a:rPr lang="en-US" altLang="zh-CN" dirty="0" smtClean="0"/>
+              <a:t>2019</a:t>
+            </a:r>
+            <a:r>
+              <a:rPr lang="zh-CN" altLang="en-US" dirty="0"/>
+              <a:t>年工作规划和个人目标</a:t>
+            </a:r>
+            <a:r>
+              <a:rPr lang="en-US" altLang="zh-CN" dirty="0"/>
+              <a:t/>
+            </a:r>
+            <a:br>
+              <a:rPr lang="en-US" altLang="zh-CN" dirty="0"/>
+            </a:br>
+            <a:endParaRPr lang="zh-CN" altLang="en-US" dirty="0"/>
+          </a:p>
+        </p:txBody>
+      </p:sp>
+      <p:sp>
+        <p:nvSpPr>
+          <p:cNvPr id="5" name="文本框 23"/>
+          <p:cNvSpPr txBox="1"/>
+          <p:nvPr/>
+        </p:nvSpPr>
+        <p:spPr>
+          <a:xfrm>
+            <a:off x="306705" y="530860"/>
+            <a:ext cx="5954395" cy="352425"/>
+          </a:xfrm>
+          <a:prstGeom prst="rect">
+            <a:avLst/>
+          </a:prstGeom>
+          <a:noFill/>
+        </p:spPr>
+        <p:txBody>
+          <a:bodyPr wrap="square" rtlCol="0">
+            <a:spAutoFit/>
+          </a:bodyPr>
+          <a:lstStyle/>
+          <a:p>
+            <a:r>
+              <a:rPr lang="zh-CN" altLang="en-US" b="1" dirty="0" smtClean="0">
+                <a:sym typeface="+mn-ea"/>
+              </a:rPr>
+              <a:t>整体工作规划</a:t>
+            </a:r>
+            <a:endParaRPr lang="zh-CN" altLang="en-US" b="1" dirty="0">
+              <a:sym typeface="+mn-ea"/>
+            </a:endParaRPr>
+          </a:p>
+        </p:txBody>
+      </p:sp>
+      <p:sp>
+        <p:nvSpPr>
+          <p:cNvPr id="4" name="圆角矩形 3"/>
+          <p:cNvSpPr/>
+          <p:nvPr/>
+        </p:nvSpPr>
+        <p:spPr>
+          <a:xfrm>
+            <a:off x="1074855" y="1244279"/>
+            <a:ext cx="4764630" cy="1743365"/>
+          </a:xfrm>
+          <a:prstGeom prst="roundRect">
+            <a:avLst/>
+          </a:prstGeom>
+          <a:gradFill flip="none" rotWithShape="1">
+            <a:gsLst>
+              <a:gs pos="0">
+                <a:schemeClr val="accent1">
+                  <a:tint val="66000"/>
+                  <a:satMod val="160000"/>
+                </a:schemeClr>
+              </a:gs>
+              <a:gs pos="50000">
+                <a:schemeClr val="accent1">
+                  <a:tint val="44500"/>
+                  <a:satMod val="160000"/>
+                </a:schemeClr>
+              </a:gs>
+              <a:gs pos="100000">
+                <a:schemeClr val="accent1">
+                  <a:tint val="23500"/>
+                  <a:satMod val="160000"/>
+                </a:schemeClr>
+              </a:gs>
+            </a:gsLst>
+            <a:lin ang="0" scaled="1"/>
+            <a:tileRect/>
+          </a:gradFill>
+          <a:effectLst>
+            <a:outerShdw blurRad="50800" dist="38100" dir="2700000" algn="tl" rotWithShape="0">
+              <a:prstClr val="black">
+                <a:alpha val="40000"/>
+              </a:prstClr>
+            </a:outerShdw>
+          </a:effectLst>
+        </p:spPr>
+        <p:style>
+          <a:lnRef idx="2">
+            <a:schemeClr val="accent5"/>
+          </a:lnRef>
+          <a:fillRef idx="1">
+            <a:schemeClr val="lt1"/>
+          </a:fillRef>
+          <a:effectRef idx="0">
+            <a:schemeClr val="accent5"/>
+          </a:effectRef>
+          <a:fontRef idx="minor">
+            <a:schemeClr val="dk1"/>
+          </a:fontRef>
+        </p:style>
+        <p:txBody>
+          <a:bodyPr rtlCol="0" anchor="ctr"/>
+          <a:lstStyle/>
+          <a:p>
+            <a:pPr>
+              <a:spcBef>
+                <a:spcPct val="0"/>
+              </a:spcBef>
+              <a:buClr>
+                <a:schemeClr val="accent2"/>
+              </a:buClr>
+            </a:pPr>
+            <a:r>
+              <a:rPr lang="zh-CN" altLang="en-US" sz="1800" b="1" dirty="0" smtClean="0">
+                <a:solidFill>
+                  <a:schemeClr val="tx1"/>
+                </a:solidFill>
+                <a:latin typeface="宋体" panose="02010600030101010101" pitchFamily="2" charset="-122"/>
+                <a:ea typeface="宋体" panose="02010600030101010101" pitchFamily="2" charset="-122"/>
+              </a:rPr>
+              <a:t>可视化</a:t>
+            </a:r>
+            <a:r>
+              <a:rPr lang="zh-CN" altLang="en-US" sz="1800" b="1" dirty="0">
+                <a:solidFill>
+                  <a:schemeClr val="tx1"/>
+                </a:solidFill>
+                <a:latin typeface="宋体" panose="02010600030101010101" pitchFamily="2" charset="-122"/>
+                <a:ea typeface="宋体" panose="02010600030101010101" pitchFamily="2" charset="-122"/>
+              </a:rPr>
+              <a:t>工具的升级</a:t>
+            </a:r>
+            <a:r>
+              <a:rPr lang="zh-CN" altLang="en-US" sz="1800" b="1" dirty="0" smtClean="0">
+                <a:solidFill>
+                  <a:schemeClr val="tx1"/>
+                </a:solidFill>
+                <a:latin typeface="宋体" panose="02010600030101010101" pitchFamily="2" charset="-122"/>
+                <a:ea typeface="宋体" panose="02010600030101010101" pitchFamily="2" charset="-122"/>
+              </a:rPr>
+              <a:t>改造</a:t>
+            </a:r>
+            <a:endParaRPr lang="en-US" altLang="zh-CN" sz="1800" b="1" dirty="0" smtClean="0">
+              <a:solidFill>
+                <a:schemeClr val="tx1"/>
+              </a:solidFill>
+              <a:latin typeface="宋体" panose="02010600030101010101" pitchFamily="2" charset="-122"/>
+              <a:ea typeface="宋体" panose="02010600030101010101" pitchFamily="2" charset="-122"/>
+            </a:endParaRPr>
+          </a:p>
+          <a:p>
+            <a:pPr marL="285750" indent="-285750">
+              <a:spcBef>
+                <a:spcPct val="0"/>
+              </a:spcBef>
+              <a:buClr>
+                <a:schemeClr val="accent2"/>
+              </a:buClr>
+              <a:buFont typeface="Wingdings" panose="05000000000000000000" pitchFamily="2" charset="2"/>
+              <a:buChar char="l"/>
+            </a:pPr>
+            <a:r>
+              <a:rPr lang="zh-CN" altLang="en-US" sz="1400" dirty="0" smtClean="0">
+                <a:solidFill>
+                  <a:schemeClr val="tx1"/>
+                </a:solidFill>
+                <a:latin typeface="宋体" panose="02010600030101010101" pitchFamily="2" charset="-122"/>
+                <a:ea typeface="宋体" panose="02010600030101010101" pitchFamily="2" charset="-122"/>
+              </a:rPr>
+              <a:t>对团队成员进行</a:t>
+            </a:r>
+            <a:r>
+              <a:rPr lang="en-US" altLang="zh-CN" sz="1400" dirty="0" err="1" smtClean="0">
+                <a:solidFill>
+                  <a:schemeClr val="tx1"/>
+                </a:solidFill>
+                <a:latin typeface="宋体" panose="02010600030101010101" pitchFamily="2" charset="-122"/>
+                <a:ea typeface="宋体" panose="02010600030101010101" pitchFamily="2" charset="-122"/>
+              </a:rPr>
+              <a:t>GoJS</a:t>
+            </a:r>
+            <a:r>
+              <a:rPr lang="zh-CN" altLang="en-US" sz="1400" dirty="0" smtClean="0">
+                <a:solidFill>
+                  <a:schemeClr val="tx1"/>
+                </a:solidFill>
+                <a:latin typeface="宋体" panose="02010600030101010101" pitchFamily="2" charset="-122"/>
+                <a:ea typeface="宋体" panose="02010600030101010101" pitchFamily="2" charset="-122"/>
+              </a:rPr>
+              <a:t>技术的深入讲解，并督促练习；</a:t>
+            </a:r>
+            <a:endParaRPr lang="en-US" altLang="zh-CN" sz="1400" dirty="0" smtClean="0">
+              <a:solidFill>
+                <a:schemeClr val="tx1"/>
+              </a:solidFill>
+              <a:latin typeface="宋体" panose="02010600030101010101" pitchFamily="2" charset="-122"/>
+              <a:ea typeface="宋体" panose="02010600030101010101" pitchFamily="2" charset="-122"/>
+            </a:endParaRPr>
+          </a:p>
+          <a:p>
+            <a:pPr marL="285750" indent="-285750">
+              <a:spcBef>
+                <a:spcPct val="0"/>
+              </a:spcBef>
+              <a:buClr>
+                <a:schemeClr val="accent2"/>
+              </a:buClr>
+              <a:buFont typeface="Wingdings" panose="05000000000000000000" pitchFamily="2" charset="2"/>
+              <a:buChar char="l"/>
+            </a:pPr>
+            <a:r>
+              <a:rPr lang="zh-CN" altLang="en-US" sz="1400" dirty="0">
+                <a:solidFill>
+                  <a:schemeClr val="tx1"/>
+                </a:solidFill>
+                <a:latin typeface="宋体" panose="02010600030101010101" pitchFamily="2" charset="-122"/>
+                <a:ea typeface="宋体" panose="02010600030101010101" pitchFamily="2" charset="-122"/>
+              </a:rPr>
+              <a:t>团队整体提升前端框架技术的应用熟练度</a:t>
+            </a:r>
+            <a:r>
+              <a:rPr lang="zh-CN" altLang="en-US" sz="1400" dirty="0" smtClean="0">
+                <a:solidFill>
+                  <a:schemeClr val="tx1"/>
+                </a:solidFill>
+                <a:latin typeface="宋体" panose="02010600030101010101" pitchFamily="2" charset="-122"/>
+                <a:ea typeface="宋体" panose="02010600030101010101" pitchFamily="2" charset="-122"/>
+              </a:rPr>
+              <a:t>；</a:t>
+            </a:r>
+            <a:endParaRPr lang="en-US" altLang="zh-CN" sz="1400" dirty="0" smtClean="0">
+              <a:solidFill>
+                <a:schemeClr val="tx1"/>
+              </a:solidFill>
+              <a:latin typeface="宋体" panose="02010600030101010101" pitchFamily="2" charset="-122"/>
+              <a:ea typeface="宋体" panose="02010600030101010101" pitchFamily="2" charset="-122"/>
+            </a:endParaRPr>
+          </a:p>
+          <a:p>
+            <a:pPr marL="285750" indent="-285750">
+              <a:spcBef>
+                <a:spcPct val="0"/>
+              </a:spcBef>
+              <a:buClr>
+                <a:schemeClr val="accent2"/>
+              </a:buClr>
+              <a:buFont typeface="Wingdings" panose="05000000000000000000" pitchFamily="2" charset="2"/>
+              <a:buChar char="l"/>
+            </a:pPr>
+            <a:r>
+              <a:rPr lang="zh-CN" altLang="en-US" sz="1400" dirty="0" smtClean="0">
+                <a:solidFill>
+                  <a:schemeClr val="tx1"/>
+                </a:solidFill>
+                <a:latin typeface="宋体" panose="02010600030101010101" pitchFamily="2" charset="-122"/>
+                <a:ea typeface="宋体" panose="02010600030101010101" pitchFamily="2" charset="-122"/>
+              </a:rPr>
+              <a:t>团队内部探讨设计模式和升级内容；</a:t>
+            </a:r>
+            <a:endParaRPr lang="en-US" altLang="zh-CN" sz="1400" dirty="0" smtClean="0">
+              <a:solidFill>
+                <a:schemeClr val="tx1"/>
+              </a:solidFill>
+              <a:latin typeface="宋体" panose="02010600030101010101" pitchFamily="2" charset="-122"/>
+              <a:ea typeface="宋体" panose="02010600030101010101" pitchFamily="2" charset="-122"/>
+            </a:endParaRPr>
+          </a:p>
+          <a:p>
+            <a:pPr marL="285750" indent="-285750">
+              <a:spcBef>
+                <a:spcPct val="0"/>
+              </a:spcBef>
+              <a:buClr>
+                <a:schemeClr val="accent2"/>
+              </a:buClr>
+              <a:buFont typeface="Wingdings" panose="05000000000000000000" pitchFamily="2" charset="2"/>
+              <a:buChar char="l"/>
+            </a:pPr>
+            <a:r>
+              <a:rPr lang="zh-CN" altLang="en-US" sz="1400" dirty="0" smtClean="0">
+                <a:solidFill>
+                  <a:schemeClr val="tx1"/>
+                </a:solidFill>
+                <a:latin typeface="宋体" panose="02010600030101010101" pitchFamily="2" charset="-122"/>
+                <a:ea typeface="宋体" panose="02010600030101010101" pitchFamily="2" charset="-122"/>
+              </a:rPr>
+              <a:t>编制升级改造计划；</a:t>
+            </a:r>
+            <a:endParaRPr lang="en-US" altLang="zh-CN" sz="1400" dirty="0" smtClean="0">
+              <a:solidFill>
+                <a:schemeClr val="tx1"/>
+              </a:solidFill>
+              <a:latin typeface="宋体" panose="02010600030101010101" pitchFamily="2" charset="-122"/>
+              <a:ea typeface="宋体" panose="02010600030101010101" pitchFamily="2" charset="-122"/>
+            </a:endParaRPr>
+          </a:p>
+          <a:p>
+            <a:pPr marL="285750" indent="-285750">
+              <a:spcBef>
+                <a:spcPct val="0"/>
+              </a:spcBef>
+              <a:buClr>
+                <a:schemeClr val="accent2"/>
+              </a:buClr>
+              <a:buFont typeface="Wingdings" panose="05000000000000000000" pitchFamily="2" charset="2"/>
+              <a:buChar char="l"/>
+            </a:pPr>
+            <a:r>
+              <a:rPr lang="zh-CN" altLang="en-US" sz="1400" dirty="0" smtClean="0">
+                <a:solidFill>
+                  <a:schemeClr val="tx1"/>
+                </a:solidFill>
+                <a:latin typeface="宋体" panose="02010600030101010101" pitchFamily="2" charset="-122"/>
+                <a:ea typeface="宋体" panose="02010600030101010101" pitchFamily="2" charset="-122"/>
+              </a:rPr>
+              <a:t>分工协作完成升级改造工作。</a:t>
+            </a:r>
+            <a:endParaRPr lang="en-US" altLang="zh-CN" sz="1400" dirty="0" smtClean="0">
+              <a:solidFill>
+                <a:schemeClr val="tx1"/>
+              </a:solidFill>
+              <a:latin typeface="宋体" panose="02010600030101010101" pitchFamily="2" charset="-122"/>
+              <a:ea typeface="宋体" panose="02010600030101010101" pitchFamily="2" charset="-122"/>
+            </a:endParaRPr>
+          </a:p>
+        </p:txBody>
+      </p:sp>
+      <p:sp>
+        <p:nvSpPr>
+          <p:cNvPr id="17" name="圆角矩形 16"/>
+          <p:cNvSpPr/>
+          <p:nvPr/>
+        </p:nvSpPr>
+        <p:spPr>
+          <a:xfrm>
+            <a:off x="5977306" y="1244280"/>
+            <a:ext cx="4950227" cy="1743364"/>
+          </a:xfrm>
+          <a:prstGeom prst="roundRect">
+            <a:avLst/>
+          </a:prstGeom>
+          <a:gradFill flip="none" rotWithShape="1">
+            <a:gsLst>
+              <a:gs pos="0">
+                <a:schemeClr val="accent1">
+                  <a:tint val="66000"/>
+                  <a:satMod val="160000"/>
+                </a:schemeClr>
+              </a:gs>
+              <a:gs pos="50000">
+                <a:schemeClr val="accent1">
+                  <a:tint val="44500"/>
+                  <a:satMod val="160000"/>
+                </a:schemeClr>
+              </a:gs>
+              <a:gs pos="100000">
+                <a:schemeClr val="accent1">
+                  <a:tint val="23500"/>
+                  <a:satMod val="160000"/>
+                </a:schemeClr>
+              </a:gs>
+            </a:gsLst>
+            <a:lin ang="0" scaled="1"/>
+            <a:tileRect/>
+          </a:gradFill>
+          <a:effectLst>
+            <a:outerShdw blurRad="50800" dist="38100" dir="2700000" algn="tl" rotWithShape="0">
+              <a:prstClr val="black">
+                <a:alpha val="40000"/>
+              </a:prstClr>
+            </a:outerShdw>
+          </a:effectLst>
+        </p:spPr>
+        <p:style>
+          <a:lnRef idx="2">
+            <a:schemeClr val="accent5"/>
+          </a:lnRef>
+          <a:fillRef idx="1">
+            <a:schemeClr val="lt1"/>
+          </a:fillRef>
+          <a:effectRef idx="0">
+            <a:schemeClr val="accent5"/>
+          </a:effectRef>
+          <a:fontRef idx="minor">
+            <a:schemeClr val="dk1"/>
+          </a:fontRef>
+        </p:style>
+        <p:txBody>
+          <a:bodyPr rtlCol="0" anchor="ctr"/>
+          <a:lstStyle/>
+          <a:p>
+            <a:pPr>
+              <a:spcBef>
+                <a:spcPct val="0"/>
+              </a:spcBef>
+              <a:buClr>
+                <a:schemeClr val="accent2"/>
+              </a:buClr>
+            </a:pPr>
+            <a:r>
+              <a:rPr lang="en-US" altLang="zh-CN" sz="1800" b="1" dirty="0" smtClean="0">
+                <a:solidFill>
+                  <a:schemeClr val="tx1"/>
+                </a:solidFill>
+                <a:latin typeface="宋体" panose="02010600030101010101" pitchFamily="2" charset="-122"/>
+                <a:ea typeface="宋体" panose="02010600030101010101" pitchFamily="2" charset="-122"/>
+              </a:rPr>
+              <a:t>GIS</a:t>
+            </a:r>
+            <a:r>
+              <a:rPr lang="zh-CN" altLang="en-US" sz="1800" b="1" dirty="0" smtClean="0">
+                <a:solidFill>
+                  <a:schemeClr val="tx1"/>
+                </a:solidFill>
+                <a:latin typeface="宋体" panose="02010600030101010101" pitchFamily="2" charset="-122"/>
+                <a:ea typeface="宋体" panose="02010600030101010101" pitchFamily="2" charset="-122"/>
+              </a:rPr>
+              <a:t>工具的封装</a:t>
+            </a:r>
+            <a:endParaRPr lang="en-US" altLang="zh-CN" sz="1800" b="1" dirty="0" smtClean="0">
+              <a:solidFill>
+                <a:schemeClr val="tx1"/>
+              </a:solidFill>
+              <a:latin typeface="宋体" panose="02010600030101010101" pitchFamily="2" charset="-122"/>
+              <a:ea typeface="宋体" panose="02010600030101010101" pitchFamily="2" charset="-122"/>
+            </a:endParaRPr>
+          </a:p>
+          <a:p>
+            <a:pPr marL="285750" indent="-285750">
+              <a:spcBef>
+                <a:spcPct val="0"/>
+              </a:spcBef>
+              <a:buClr>
+                <a:schemeClr val="accent2"/>
+              </a:buClr>
+              <a:buFont typeface="Wingdings" panose="05000000000000000000" pitchFamily="2" charset="2"/>
+              <a:buChar char="l"/>
+            </a:pPr>
+            <a:r>
+              <a:rPr lang="zh-CN" altLang="en-US" sz="1400" dirty="0" smtClean="0">
+                <a:solidFill>
+                  <a:schemeClr val="tx1"/>
+                </a:solidFill>
+                <a:latin typeface="宋体" panose="02010600030101010101" pitchFamily="2" charset="-122"/>
+                <a:ea typeface="宋体" panose="02010600030101010101" pitchFamily="2" charset="-122"/>
+              </a:rPr>
+              <a:t>团队整体提升</a:t>
+            </a:r>
+            <a:r>
+              <a:rPr lang="en-US" altLang="zh-CN" sz="1400" dirty="0" err="1" smtClean="0">
+                <a:solidFill>
+                  <a:schemeClr val="tx1"/>
+                </a:solidFill>
+                <a:latin typeface="宋体" panose="02010600030101010101" pitchFamily="2" charset="-122"/>
+                <a:ea typeface="宋体" panose="02010600030101010101" pitchFamily="2" charset="-122"/>
+              </a:rPr>
+              <a:t>Openlayers</a:t>
+            </a:r>
+            <a:r>
+              <a:rPr lang="zh-CN" altLang="en-US" sz="1400" dirty="0" smtClean="0">
+                <a:solidFill>
+                  <a:schemeClr val="tx1"/>
+                </a:solidFill>
+                <a:latin typeface="宋体" panose="02010600030101010101" pitchFamily="2" charset="-122"/>
+                <a:ea typeface="宋体" panose="02010600030101010101" pitchFamily="2" charset="-122"/>
+              </a:rPr>
+              <a:t>的技术熟练度，</a:t>
+            </a:r>
+            <a:r>
+              <a:rPr lang="zh-CN" altLang="en-US" sz="1400" dirty="0">
+                <a:solidFill>
+                  <a:schemeClr val="tx1"/>
+                </a:solidFill>
+                <a:latin typeface="宋体" panose="02010600030101010101" pitchFamily="2" charset="-122"/>
+                <a:ea typeface="宋体" panose="02010600030101010101" pitchFamily="2" charset="-122"/>
+              </a:rPr>
+              <a:t>并督促练习</a:t>
+            </a:r>
+            <a:r>
+              <a:rPr lang="zh-CN" altLang="en-US" sz="1400" dirty="0" smtClean="0">
+                <a:solidFill>
+                  <a:schemeClr val="tx1"/>
+                </a:solidFill>
+                <a:latin typeface="宋体" panose="02010600030101010101" pitchFamily="2" charset="-122"/>
+                <a:ea typeface="宋体" panose="02010600030101010101" pitchFamily="2" charset="-122"/>
+              </a:rPr>
+              <a:t>；</a:t>
+            </a:r>
+            <a:endParaRPr lang="en-US" altLang="zh-CN" sz="1400" dirty="0" smtClean="0">
+              <a:solidFill>
+                <a:schemeClr val="tx1"/>
+              </a:solidFill>
+              <a:latin typeface="宋体" panose="02010600030101010101" pitchFamily="2" charset="-122"/>
+              <a:ea typeface="宋体" panose="02010600030101010101" pitchFamily="2" charset="-122"/>
+            </a:endParaRPr>
+          </a:p>
+          <a:p>
+            <a:pPr marL="285750" indent="-285750">
+              <a:spcBef>
+                <a:spcPct val="0"/>
+              </a:spcBef>
+              <a:buClr>
+                <a:schemeClr val="accent2"/>
+              </a:buClr>
+              <a:buFont typeface="Wingdings" panose="05000000000000000000" pitchFamily="2" charset="2"/>
+              <a:buChar char="l"/>
+            </a:pPr>
+            <a:r>
+              <a:rPr lang="zh-CN" altLang="en-US" sz="1400" dirty="0">
+                <a:solidFill>
+                  <a:schemeClr val="tx1"/>
+                </a:solidFill>
+                <a:latin typeface="宋体" panose="02010600030101010101" pitchFamily="2" charset="-122"/>
+                <a:ea typeface="宋体" panose="02010600030101010101" pitchFamily="2" charset="-122"/>
+              </a:rPr>
+              <a:t>团队内部</a:t>
+            </a:r>
+            <a:r>
+              <a:rPr lang="zh-CN" altLang="en-US" sz="1400" dirty="0" smtClean="0">
+                <a:solidFill>
+                  <a:schemeClr val="tx1"/>
+                </a:solidFill>
+                <a:latin typeface="宋体" panose="02010600030101010101" pitchFamily="2" charset="-122"/>
+                <a:ea typeface="宋体" panose="02010600030101010101" pitchFamily="2" charset="-122"/>
+              </a:rPr>
+              <a:t>探讨工具的实现</a:t>
+            </a:r>
+            <a:r>
+              <a:rPr lang="zh-CN" altLang="en-US" sz="1400" dirty="0">
+                <a:solidFill>
+                  <a:schemeClr val="tx1"/>
+                </a:solidFill>
+                <a:latin typeface="宋体" panose="02010600030101010101" pitchFamily="2" charset="-122"/>
+                <a:ea typeface="宋体" panose="02010600030101010101" pitchFamily="2" charset="-122"/>
+              </a:rPr>
+              <a:t>内容和工作分工</a:t>
+            </a:r>
+            <a:r>
+              <a:rPr lang="zh-CN" altLang="en-US" sz="1400" dirty="0" smtClean="0">
+                <a:solidFill>
+                  <a:schemeClr val="tx1"/>
+                </a:solidFill>
+                <a:latin typeface="宋体" panose="02010600030101010101" pitchFamily="2" charset="-122"/>
+                <a:ea typeface="宋体" panose="02010600030101010101" pitchFamily="2" charset="-122"/>
+              </a:rPr>
+              <a:t>；</a:t>
+            </a:r>
+            <a:endParaRPr lang="en-US" altLang="zh-CN" sz="1400" dirty="0">
+              <a:solidFill>
+                <a:schemeClr val="tx1"/>
+              </a:solidFill>
+              <a:latin typeface="宋体" panose="02010600030101010101" pitchFamily="2" charset="-122"/>
+              <a:ea typeface="宋体" panose="02010600030101010101" pitchFamily="2" charset="-122"/>
+            </a:endParaRPr>
+          </a:p>
+          <a:p>
+            <a:pPr marL="285750" indent="-285750">
+              <a:spcBef>
+                <a:spcPct val="0"/>
+              </a:spcBef>
+              <a:buClr>
+                <a:schemeClr val="accent2"/>
+              </a:buClr>
+              <a:buFont typeface="Wingdings" panose="05000000000000000000" pitchFamily="2" charset="2"/>
+              <a:buChar char="l"/>
+            </a:pPr>
+            <a:r>
+              <a:rPr lang="zh-CN" altLang="en-US" sz="1400" dirty="0" smtClean="0">
+                <a:solidFill>
+                  <a:schemeClr val="tx1"/>
+                </a:solidFill>
+                <a:latin typeface="宋体" panose="02010600030101010101" pitchFamily="2" charset="-122"/>
+                <a:ea typeface="宋体" panose="02010600030101010101" pitchFamily="2" charset="-122"/>
+              </a:rPr>
+              <a:t>编制工具的封装计划；</a:t>
+            </a:r>
+            <a:endParaRPr lang="en-US" altLang="zh-CN" sz="1400" dirty="0">
+              <a:solidFill>
+                <a:schemeClr val="tx1"/>
+              </a:solidFill>
+              <a:latin typeface="宋体" panose="02010600030101010101" pitchFamily="2" charset="-122"/>
+              <a:ea typeface="宋体" panose="02010600030101010101" pitchFamily="2" charset="-122"/>
+            </a:endParaRPr>
+          </a:p>
+          <a:p>
+            <a:pPr marL="285750" indent="-285750">
+              <a:spcBef>
+                <a:spcPct val="0"/>
+              </a:spcBef>
+              <a:buClr>
+                <a:schemeClr val="accent2"/>
+              </a:buClr>
+              <a:buFont typeface="Wingdings" panose="05000000000000000000" pitchFamily="2" charset="2"/>
+              <a:buChar char="l"/>
+            </a:pPr>
+            <a:r>
+              <a:rPr lang="zh-CN" altLang="en-US" sz="1400" dirty="0">
+                <a:solidFill>
+                  <a:schemeClr val="tx1"/>
+                </a:solidFill>
+                <a:latin typeface="宋体" panose="02010600030101010101" pitchFamily="2" charset="-122"/>
+                <a:ea typeface="宋体" panose="02010600030101010101" pitchFamily="2" charset="-122"/>
+              </a:rPr>
+              <a:t>分工协作完成升级改造任务。</a:t>
+            </a:r>
+            <a:endParaRPr lang="en-US" altLang="zh-CN" sz="1400" dirty="0">
+              <a:solidFill>
+                <a:schemeClr val="tx1"/>
+              </a:solidFill>
+              <a:latin typeface="宋体" panose="02010600030101010101" pitchFamily="2" charset="-122"/>
+              <a:ea typeface="宋体" panose="02010600030101010101" pitchFamily="2" charset="-122"/>
+            </a:endParaRPr>
+          </a:p>
+        </p:txBody>
+      </p:sp>
+      <p:sp>
+        <p:nvSpPr>
+          <p:cNvPr id="18" name="圆角矩形 17"/>
+          <p:cNvSpPr/>
+          <p:nvPr/>
+        </p:nvSpPr>
+        <p:spPr>
+          <a:xfrm>
+            <a:off x="3113135" y="3305649"/>
+            <a:ext cx="6456377" cy="2778279"/>
+          </a:xfrm>
+          <a:prstGeom prst="roundRect">
+            <a:avLst/>
+          </a:prstGeom>
+          <a:gradFill flip="none" rotWithShape="1">
+            <a:gsLst>
+              <a:gs pos="0">
+                <a:schemeClr val="accent1">
+                  <a:tint val="66000"/>
+                  <a:satMod val="160000"/>
+                </a:schemeClr>
+              </a:gs>
+              <a:gs pos="50000">
+                <a:schemeClr val="accent1">
+                  <a:tint val="44500"/>
+                  <a:satMod val="160000"/>
+                </a:schemeClr>
+              </a:gs>
+              <a:gs pos="100000">
+                <a:schemeClr val="accent1">
+                  <a:tint val="23500"/>
+                  <a:satMod val="160000"/>
+                </a:schemeClr>
+              </a:gs>
+            </a:gsLst>
+            <a:lin ang="0" scaled="1"/>
+            <a:tileRect/>
+          </a:gradFill>
+          <a:effectLst>
+            <a:outerShdw blurRad="50800" dist="38100" dir="2700000" algn="tl" rotWithShape="0">
+              <a:prstClr val="black">
+                <a:alpha val="40000"/>
+              </a:prstClr>
+            </a:outerShdw>
+          </a:effectLst>
+        </p:spPr>
+        <p:style>
+          <a:lnRef idx="2">
+            <a:schemeClr val="accent5"/>
+          </a:lnRef>
+          <a:fillRef idx="1">
+            <a:schemeClr val="lt1"/>
+          </a:fillRef>
+          <a:effectRef idx="0">
+            <a:schemeClr val="accent5"/>
+          </a:effectRef>
+          <a:fontRef idx="minor">
+            <a:schemeClr val="dk1"/>
+          </a:fontRef>
+        </p:style>
+        <p:txBody>
+          <a:bodyPr rtlCol="0" anchor="ctr"/>
+          <a:lstStyle/>
+          <a:p>
+            <a:pPr>
+              <a:lnSpc>
+                <a:spcPct val="150000"/>
+              </a:lnSpc>
+              <a:spcBef>
+                <a:spcPct val="0"/>
+              </a:spcBef>
+              <a:buClr>
+                <a:schemeClr val="accent2"/>
+              </a:buClr>
+            </a:pPr>
+            <a:r>
+              <a:rPr lang="zh-CN" altLang="en-US" sz="1800" b="1" dirty="0">
+                <a:solidFill>
+                  <a:schemeClr val="tx1"/>
+                </a:solidFill>
+                <a:latin typeface="宋体" panose="02010600030101010101" pitchFamily="2" charset="-122"/>
+                <a:ea typeface="宋体" panose="02010600030101010101" pitchFamily="2" charset="-122"/>
+              </a:rPr>
+              <a:t>可视化</a:t>
+            </a:r>
+            <a:r>
+              <a:rPr lang="zh-CN" altLang="en-US" sz="1800" b="1" dirty="0">
+                <a:solidFill>
+                  <a:schemeClr val="tx1"/>
+                </a:solidFill>
+                <a:latin typeface="宋体" panose="02010600030101010101" pitchFamily="2" charset="-122"/>
+                <a:ea typeface="宋体" panose="02010600030101010101" pitchFamily="2" charset="-122"/>
+              </a:rPr>
+              <a:t>团队</a:t>
+            </a:r>
+            <a:r>
+              <a:rPr lang="zh-CN" altLang="en-US" sz="1800" b="1" dirty="0">
+                <a:solidFill>
+                  <a:schemeClr val="tx1"/>
+                </a:solidFill>
+                <a:latin typeface="宋体" panose="02010600030101010101" pitchFamily="2" charset="-122"/>
+                <a:ea typeface="宋体" panose="02010600030101010101" pitchFamily="2" charset="-122"/>
+              </a:rPr>
+              <a:t>成员能力的</a:t>
+            </a:r>
+            <a:r>
+              <a:rPr lang="zh-CN" altLang="en-US" sz="1800" b="1" dirty="0" smtClean="0">
+                <a:solidFill>
+                  <a:schemeClr val="tx1"/>
+                </a:solidFill>
+                <a:latin typeface="宋体" panose="02010600030101010101" pitchFamily="2" charset="-122"/>
+                <a:ea typeface="宋体" panose="02010600030101010101" pitchFamily="2" charset="-122"/>
+              </a:rPr>
+              <a:t>培养</a:t>
+            </a:r>
+            <a:endParaRPr lang="en-US" altLang="zh-CN" sz="1800" b="1" dirty="0" smtClean="0">
+              <a:solidFill>
+                <a:schemeClr val="tx1"/>
+              </a:solidFill>
+              <a:latin typeface="宋体" panose="02010600030101010101" pitchFamily="2" charset="-122"/>
+              <a:ea typeface="宋体" panose="02010600030101010101" pitchFamily="2" charset="-122"/>
+            </a:endParaRPr>
+          </a:p>
+          <a:p>
+            <a:pPr marL="285750" lvl="0" indent="-285750">
+              <a:spcBef>
+                <a:spcPct val="0"/>
+              </a:spcBef>
+              <a:buClr>
+                <a:srgbClr val="ED7D31"/>
+              </a:buClr>
+              <a:buFont typeface="Wingdings" panose="05000000000000000000" pitchFamily="2" charset="2"/>
+              <a:buChar char="l"/>
+            </a:pPr>
+            <a:r>
+              <a:rPr lang="zh-CN" altLang="en-US" sz="1400" dirty="0" smtClean="0">
+                <a:solidFill>
+                  <a:prstClr val="black"/>
+                </a:solidFill>
+                <a:latin typeface="宋体" panose="02010600030101010101" pitchFamily="2" charset="-122"/>
+                <a:ea typeface="宋体" panose="02010600030101010101" pitchFamily="2" charset="-122"/>
+              </a:rPr>
+              <a:t>督促团队成员利用业务时间学习</a:t>
+            </a:r>
+            <a:r>
+              <a:rPr lang="en-US" altLang="zh-CN" sz="1400" dirty="0" smtClean="0">
+                <a:solidFill>
+                  <a:prstClr val="black"/>
+                </a:solidFill>
+                <a:latin typeface="宋体" panose="02010600030101010101" pitchFamily="2" charset="-122"/>
+                <a:ea typeface="宋体" panose="02010600030101010101" pitchFamily="2" charset="-122"/>
+              </a:rPr>
+              <a:t>JS</a:t>
+            </a:r>
+            <a:r>
+              <a:rPr lang="zh-CN" altLang="en-US" sz="1400" dirty="0" smtClean="0">
+                <a:solidFill>
+                  <a:prstClr val="black"/>
+                </a:solidFill>
+                <a:latin typeface="宋体" panose="02010600030101010101" pitchFamily="2" charset="-122"/>
+                <a:ea typeface="宋体" panose="02010600030101010101" pitchFamily="2" charset="-122"/>
+              </a:rPr>
+              <a:t>基础知识和面向对象开发模式，并检查学习结果；</a:t>
+            </a:r>
+            <a:endParaRPr lang="en-US" altLang="zh-CN" sz="1800" b="1" dirty="0" smtClean="0">
+              <a:solidFill>
+                <a:schemeClr val="tx1"/>
+              </a:solidFill>
+              <a:latin typeface="宋体" panose="02010600030101010101" pitchFamily="2" charset="-122"/>
+              <a:ea typeface="宋体" panose="02010600030101010101" pitchFamily="2" charset="-122"/>
+            </a:endParaRPr>
+          </a:p>
+          <a:p>
+            <a:pPr marL="285750" lvl="0" indent="-285750">
+              <a:spcBef>
+                <a:spcPct val="0"/>
+              </a:spcBef>
+              <a:buClr>
+                <a:srgbClr val="ED7D31"/>
+              </a:buClr>
+              <a:buFont typeface="Wingdings" panose="05000000000000000000" pitchFamily="2" charset="2"/>
+              <a:buChar char="l"/>
+            </a:pPr>
+            <a:r>
+              <a:rPr lang="zh-CN" altLang="en-US" sz="1400" dirty="0" smtClean="0">
+                <a:solidFill>
+                  <a:prstClr val="black"/>
+                </a:solidFill>
+                <a:latin typeface="宋体" panose="02010600030101010101" pitchFamily="2" charset="-122"/>
+                <a:ea typeface="宋体" panose="02010600030101010101" pitchFamily="2" charset="-122"/>
+              </a:rPr>
+              <a:t>对团队成员进行可视化技术的不定期培训，</a:t>
+            </a:r>
+            <a:r>
+              <a:rPr lang="zh-CN" altLang="en-US" sz="1400" dirty="0">
+                <a:solidFill>
+                  <a:schemeClr val="tx1"/>
+                </a:solidFill>
+                <a:latin typeface="宋体" panose="02010600030101010101" pitchFamily="2" charset="-122"/>
+                <a:ea typeface="宋体" panose="02010600030101010101" pitchFamily="2" charset="-122"/>
+              </a:rPr>
+              <a:t>并督促</a:t>
+            </a:r>
+            <a:r>
+              <a:rPr lang="zh-CN" altLang="en-US" sz="1400" dirty="0" smtClean="0">
+                <a:solidFill>
+                  <a:schemeClr val="tx1"/>
+                </a:solidFill>
+                <a:latin typeface="宋体" panose="02010600030101010101" pitchFamily="2" charset="-122"/>
+                <a:ea typeface="宋体" panose="02010600030101010101" pitchFamily="2" charset="-122"/>
+              </a:rPr>
+              <a:t>练习，提升熟练度</a:t>
+            </a:r>
+            <a:r>
+              <a:rPr lang="zh-CN" altLang="en-US" sz="1400" dirty="0" smtClean="0">
+                <a:solidFill>
+                  <a:prstClr val="black"/>
+                </a:solidFill>
+                <a:latin typeface="宋体" panose="02010600030101010101" pitchFamily="2" charset="-122"/>
+                <a:ea typeface="宋体" panose="02010600030101010101" pitchFamily="2" charset="-122"/>
+              </a:rPr>
+              <a:t>；</a:t>
+            </a:r>
+            <a:endParaRPr lang="en-US" altLang="zh-CN" sz="1400" dirty="0" smtClean="0">
+              <a:solidFill>
+                <a:prstClr val="black"/>
+              </a:solidFill>
+              <a:latin typeface="宋体" panose="02010600030101010101" pitchFamily="2" charset="-122"/>
+              <a:ea typeface="宋体" panose="02010600030101010101" pitchFamily="2" charset="-122"/>
+            </a:endParaRPr>
+          </a:p>
+          <a:p>
+            <a:pPr marL="285750" lvl="0" indent="-285750">
+              <a:spcBef>
+                <a:spcPct val="0"/>
+              </a:spcBef>
+              <a:buClr>
+                <a:srgbClr val="ED7D31"/>
+              </a:buClr>
+              <a:buFont typeface="Wingdings" panose="05000000000000000000" pitchFamily="2" charset="2"/>
+              <a:buChar char="l"/>
+            </a:pPr>
+            <a:r>
+              <a:rPr lang="zh-CN" altLang="en-US" sz="1400" dirty="0" smtClean="0">
+                <a:solidFill>
+                  <a:prstClr val="black"/>
+                </a:solidFill>
+                <a:latin typeface="宋体" panose="02010600030101010101" pitchFamily="2" charset="-122"/>
+                <a:ea typeface="宋体" panose="02010600030101010101" pitchFamily="2" charset="-122"/>
+              </a:rPr>
+              <a:t>给团队成员分配项目中部分的可视化工作，并检查工作结果，督促修改编码规范，帮助解决技术问题；</a:t>
+            </a:r>
+            <a:endParaRPr lang="en-US" altLang="zh-CN" sz="1400" dirty="0" smtClean="0">
+              <a:solidFill>
+                <a:prstClr val="black"/>
+              </a:solidFill>
+              <a:latin typeface="宋体" panose="02010600030101010101" pitchFamily="2" charset="-122"/>
+              <a:ea typeface="宋体" panose="02010600030101010101" pitchFamily="2" charset="-122"/>
+            </a:endParaRPr>
+          </a:p>
+          <a:p>
+            <a:pPr marL="285750" lvl="0" indent="-285750">
+              <a:spcBef>
+                <a:spcPct val="0"/>
+              </a:spcBef>
+              <a:buClr>
+                <a:srgbClr val="ED7D31"/>
+              </a:buClr>
+              <a:buFont typeface="Wingdings" panose="05000000000000000000" pitchFamily="2" charset="2"/>
+              <a:buChar char="l"/>
+            </a:pPr>
+            <a:r>
+              <a:rPr lang="zh-CN" altLang="en-US" sz="1400" dirty="0">
+                <a:solidFill>
+                  <a:prstClr val="black"/>
+                </a:solidFill>
+                <a:latin typeface="宋体" panose="02010600030101010101" pitchFamily="2" charset="-122"/>
+                <a:ea typeface="宋体" panose="02010600030101010101" pitchFamily="2" charset="-122"/>
+              </a:rPr>
+              <a:t>团队</a:t>
+            </a:r>
+            <a:r>
+              <a:rPr lang="zh-CN" altLang="en-US" sz="1400" dirty="0" smtClean="0">
+                <a:solidFill>
+                  <a:prstClr val="black"/>
+                </a:solidFill>
+                <a:latin typeface="宋体" panose="02010600030101010101" pitchFamily="2" charset="-122"/>
+                <a:ea typeface="宋体" panose="02010600030101010101" pitchFamily="2" charset="-122"/>
+              </a:rPr>
+              <a:t>成员参与的项目结束后，要求总结项目收获和不足之处，帮助其逐步提升工作效率。</a:t>
+            </a:r>
+            <a:endParaRPr lang="en-US" altLang="zh-CN" sz="1400" dirty="0" smtClean="0">
+              <a:solidFill>
+                <a:prstClr val="black"/>
+              </a:solidFill>
+              <a:latin typeface="宋体" panose="02010600030101010101" pitchFamily="2" charset="-122"/>
+              <a:ea typeface="宋体" panose="02010600030101010101" pitchFamily="2" charset="-122"/>
+            </a:endParaRPr>
+          </a:p>
+          <a:p>
+            <a:pPr marL="285750" lvl="0" indent="-285750">
+              <a:spcBef>
+                <a:spcPct val="0"/>
+              </a:spcBef>
+              <a:buClr>
+                <a:srgbClr val="ED7D31"/>
+              </a:buClr>
+              <a:buFont typeface="Wingdings" panose="05000000000000000000" pitchFamily="2" charset="2"/>
+              <a:buChar char="l"/>
+            </a:pPr>
+            <a:r>
+              <a:rPr lang="zh-CN" altLang="en-US" sz="1400" dirty="0" smtClean="0">
+                <a:solidFill>
+                  <a:prstClr val="black"/>
+                </a:solidFill>
+                <a:latin typeface="宋体" panose="02010600030101010101" pitchFamily="2" charset="-122"/>
+                <a:ea typeface="宋体" panose="02010600030101010101" pitchFamily="2" charset="-122"/>
+              </a:rPr>
+              <a:t>待团队成员技术熟练后，让其独立对接项目工作，或是独立设计和实现项目中的可视化功能。</a:t>
+            </a:r>
+            <a:endParaRPr lang="en-US" altLang="zh-CN" sz="1400" dirty="0">
+              <a:solidFill>
+                <a:prstClr val="black"/>
+              </a:solidFill>
+              <a:latin typeface="宋体" panose="02010600030101010101" pitchFamily="2" charset="-122"/>
+              <a:ea typeface="宋体" panose="02010600030101010101" pitchFamily="2" charset="-122"/>
+            </a:endParaRPr>
+          </a:p>
+        </p:txBody>
+      </p:sp>
+    </p:spTree>
+    <p:extLst>
+      <p:ext uri="{BB962C8B-B14F-4D97-AF65-F5344CB8AC3E}">
+        <p14:creationId xmlns:p14="http://schemas.microsoft.com/office/powerpoint/2010/main" val="2562317294"/>
+      </p:ext>
+    </p:extLst>
+  </p:cSld>
+  <p:clrMapOvr>
+    <a:masterClrMapping/>
+  </p:clrMapOvr>
+  <p:timing>
+    <p:tnLst>
+      <p:par>
+        <p:cTn id="1" dur="indefinite" restart="never" nodeType="tmRoot"/>
+      </p:par>
+    </p:tnLst>
+  </p:timing>
+</p:sld>
+</file>
+
+<file path=ppt/slides/slide11.xml><?xml version="1.0" encoding="utf-8"?>
+<p:sld xmlns:a="http://schemas.openxmlformats.org/drawingml/2006/main" xmlns:r="http://schemas.openxmlformats.org/officeDocument/2006/relationships" xmlns:p="http://schemas.openxmlformats.org/presentationml/2006/main">
+  <p:cSld>
+    <p:spTree>
+      <p:nvGrpSpPr>
+        <p:cNvPr id="1" name=""/>
+        <p:cNvGrpSpPr/>
+        <p:nvPr/>
+      </p:nvGrpSpPr>
+      <p:grpSpPr>
+        <a:xfrm>
+          <a:off x="0" y="0"/>
+          <a:ext cx="0" cy="0"/>
+          <a:chOff x="0" y="0"/>
+          <a:chExt cx="0" cy="0"/>
+        </a:xfrm>
+      </p:grpSpPr>
+      <p:sp>
+        <p:nvSpPr>
+          <p:cNvPr id="2" name="灯片编号占位符 1"/>
+          <p:cNvSpPr>
+            <a:spLocks noGrp="1"/>
+          </p:cNvSpPr>
+          <p:nvPr>
+            <p:ph type="sldNum" sz="quarter" idx="10"/>
+          </p:nvPr>
+        </p:nvSpPr>
+        <p:spPr/>
+        <p:txBody>
+          <a:bodyPr/>
+          <a:lstStyle/>
+          <a:p>
+            <a:fld id="{76B1E760-ECB3-4197-9FBC-1D87FC5C6A28}" type="slidenum">
+              <a:rPr kumimoji="1" lang="ja-JP" altLang="en-US" smtClean="0"/>
+              <a:t>11</a:t>
+            </a:fld>
+            <a:endParaRPr kumimoji="1" lang="ja-JP" altLang="en-US" dirty="0"/>
+          </a:p>
+        </p:txBody>
+      </p:sp>
+      <p:sp>
+        <p:nvSpPr>
+          <p:cNvPr id="3" name="标题 2"/>
+          <p:cNvSpPr>
+            <a:spLocks noGrp="1"/>
+          </p:cNvSpPr>
+          <p:nvPr>
+            <p:ph type="title"/>
+          </p:nvPr>
+        </p:nvSpPr>
+        <p:spPr/>
+        <p:txBody>
+          <a:bodyPr/>
+          <a:lstStyle/>
+          <a:p>
+            <a:r>
+              <a:rPr lang="en-US" altLang="zh-CN" dirty="0" smtClean="0"/>
+              <a:t>2019</a:t>
+            </a:r>
+            <a:r>
+              <a:rPr lang="zh-CN" altLang="en-US" dirty="0"/>
+              <a:t>年工作规划和个人目标</a:t>
+            </a:r>
+            <a:r>
+              <a:rPr lang="en-US" altLang="zh-CN" dirty="0"/>
+              <a:t/>
+            </a:r>
+            <a:br>
+              <a:rPr lang="en-US" altLang="zh-CN" dirty="0"/>
+            </a:br>
+            <a:endParaRPr lang="zh-CN" altLang="en-US" dirty="0"/>
+          </a:p>
+        </p:txBody>
+      </p:sp>
+      <p:sp>
+        <p:nvSpPr>
+          <p:cNvPr id="5" name="文本框 23"/>
+          <p:cNvSpPr txBox="1"/>
+          <p:nvPr/>
+        </p:nvSpPr>
+        <p:spPr>
+          <a:xfrm>
+            <a:off x="306705" y="530860"/>
+            <a:ext cx="5954395" cy="352425"/>
+          </a:xfrm>
+          <a:prstGeom prst="rect">
+            <a:avLst/>
+          </a:prstGeom>
+          <a:noFill/>
+        </p:spPr>
+        <p:txBody>
+          <a:bodyPr wrap="square" rtlCol="0">
+            <a:spAutoFit/>
+          </a:bodyPr>
+          <a:lstStyle/>
+          <a:p>
+            <a:r>
+              <a:rPr lang="zh-CN" altLang="en-US" b="1" dirty="0" smtClean="0">
+                <a:sym typeface="+mn-ea"/>
+              </a:rPr>
+              <a:t>可视化工具升级改造目标</a:t>
+            </a:r>
+            <a:endParaRPr lang="zh-CN" altLang="en-US" b="1" dirty="0">
+              <a:sym typeface="+mn-ea"/>
+            </a:endParaRPr>
+          </a:p>
+        </p:txBody>
+      </p:sp>
+      <p:sp>
+        <p:nvSpPr>
+          <p:cNvPr id="16" name="椭圆 15"/>
+          <p:cNvSpPr/>
+          <p:nvPr/>
+        </p:nvSpPr>
+        <p:spPr bwMode="auto">
+          <a:xfrm>
+            <a:off x="433454" y="2804177"/>
+            <a:ext cx="1852295" cy="1732915"/>
+          </a:xfrm>
+          <a:prstGeom prst="ellipse">
+            <a:avLst/>
+          </a:prstGeom>
+          <a:gradFill>
+            <a:gsLst>
+              <a:gs pos="0">
+                <a:srgbClr val="5E9EFF"/>
+              </a:gs>
+              <a:gs pos="39999">
+                <a:srgbClr val="85C2FF"/>
+              </a:gs>
+              <a:gs pos="70000">
+                <a:srgbClr val="C4D6EB"/>
+              </a:gs>
+              <a:gs pos="100000">
+                <a:srgbClr val="FFEBFA"/>
+              </a:gs>
+            </a:gsLst>
+            <a:lin ang="0" scaled="0"/>
+          </a:gradFill>
+          <a:scene3d>
+            <a:camera prst="orthographicFront"/>
+            <a:lightRig rig="threePt" dir="t"/>
+          </a:scene3d>
+          <a:sp3d>
+            <a:bevelT/>
+            <a:bevelB w="165100" prst="coolSlant"/>
+          </a:sp3d>
+        </p:spPr>
+        <p:style>
+          <a:lnRef idx="2">
+            <a:schemeClr val="accent5"/>
+          </a:lnRef>
+          <a:fillRef idx="1">
+            <a:schemeClr val="lt1"/>
+          </a:fillRef>
+          <a:effectRef idx="0">
+            <a:schemeClr val="accent5"/>
+          </a:effectRef>
+          <a:fontRef idx="minor">
+            <a:schemeClr val="dk1"/>
+          </a:fontRef>
+        </p:style>
+        <p:txBody>
+          <a:bodyPr rtlCol="0" anchor="ctr"/>
+          <a:lstStyle/>
+          <a:p>
+            <a:pPr algn="ctr" eaLnBrk="1" hangingPunct="1">
+              <a:spcBef>
+                <a:spcPct val="0"/>
+              </a:spcBef>
+              <a:buClr>
+                <a:schemeClr val="accent2"/>
+              </a:buClr>
+              <a:buFont typeface="Wingdings" panose="05000000000000000000" pitchFamily="2" charset="2"/>
+              <a:buNone/>
+            </a:pPr>
+            <a:r>
+              <a:rPr lang="zh-CN" altLang="en-US" dirty="0" smtClean="0">
+                <a:solidFill>
+                  <a:schemeClr val="tx1"/>
+                </a:solidFill>
+                <a:ea typeface="宋体" panose="02010600030101010101" pitchFamily="2" charset="-122"/>
+              </a:rPr>
+              <a:t>可视化工具</a:t>
+            </a:r>
+          </a:p>
+        </p:txBody>
+      </p:sp>
+      <p:sp>
+        <p:nvSpPr>
+          <p:cNvPr id="17" name="圆角矩形 16"/>
+          <p:cNvSpPr/>
+          <p:nvPr/>
+        </p:nvSpPr>
+        <p:spPr>
+          <a:xfrm>
+            <a:off x="3290065" y="1359346"/>
+            <a:ext cx="1028438" cy="551738"/>
+          </a:xfrm>
+          <a:prstGeom prst="roundRect">
+            <a:avLst/>
+          </a:prstGeom>
+          <a:gradFill flip="none" rotWithShape="1">
+            <a:gsLst>
+              <a:gs pos="0">
+                <a:schemeClr val="accent1">
+                  <a:tint val="66000"/>
+                  <a:satMod val="160000"/>
+                </a:schemeClr>
+              </a:gs>
+              <a:gs pos="50000">
+                <a:schemeClr val="accent1">
+                  <a:tint val="44500"/>
+                  <a:satMod val="160000"/>
+                </a:schemeClr>
+              </a:gs>
+              <a:gs pos="100000">
+                <a:schemeClr val="accent1">
+                  <a:tint val="23500"/>
+                  <a:satMod val="160000"/>
+                </a:schemeClr>
+              </a:gs>
+            </a:gsLst>
+            <a:lin ang="0" scaled="1"/>
+            <a:tileRect/>
+          </a:gradFill>
+          <a:effectLst>
+            <a:outerShdw blurRad="50800" dist="38100" dir="2700000" algn="tl" rotWithShape="0">
+              <a:prstClr val="black">
+                <a:alpha val="40000"/>
+              </a:prstClr>
+            </a:outerShdw>
+          </a:effectLst>
+        </p:spPr>
+        <p:style>
+          <a:lnRef idx="2">
+            <a:schemeClr val="accent5"/>
+          </a:lnRef>
+          <a:fillRef idx="1">
+            <a:schemeClr val="lt1"/>
+          </a:fillRef>
+          <a:effectRef idx="0">
+            <a:schemeClr val="accent5"/>
+          </a:effectRef>
+          <a:fontRef idx="minor">
+            <a:schemeClr val="dk1"/>
+          </a:fontRef>
+        </p:style>
+        <p:txBody>
+          <a:bodyPr anchor="ctr"/>
+          <a:lstStyle/>
+          <a:p>
+            <a:pPr fontAlgn="auto">
+              <a:lnSpc>
+                <a:spcPct val="150000"/>
+              </a:lnSpc>
+              <a:spcBef>
+                <a:spcPct val="0"/>
+              </a:spcBef>
+              <a:buClr>
+                <a:schemeClr val="accent2"/>
+              </a:buClr>
+            </a:pPr>
+            <a:r>
+              <a:rPr lang="zh-CN" altLang="en-US" sz="1200" dirty="0" smtClean="0">
+                <a:solidFill>
+                  <a:schemeClr val="tx1"/>
+                </a:solidFill>
+                <a:ea typeface="宋体" panose="02010600030101010101" pitchFamily="2" charset="-122"/>
+              </a:rPr>
+              <a:t>工具栏样式</a:t>
+            </a:r>
+            <a:endParaRPr lang="zh-CN" altLang="en-US" sz="1200" dirty="0" smtClean="0">
+              <a:solidFill>
+                <a:schemeClr val="tx1"/>
+              </a:solidFill>
+              <a:ea typeface="宋体" panose="02010600030101010101" pitchFamily="2" charset="-122"/>
+            </a:endParaRPr>
+          </a:p>
+        </p:txBody>
+      </p:sp>
+      <p:sp>
+        <p:nvSpPr>
+          <p:cNvPr id="18" name="圆角矩形 17"/>
+          <p:cNvSpPr/>
+          <p:nvPr/>
+        </p:nvSpPr>
+        <p:spPr>
+          <a:xfrm>
+            <a:off x="3296227" y="4500025"/>
+            <a:ext cx="868368" cy="551738"/>
+          </a:xfrm>
+          <a:prstGeom prst="roundRect">
+            <a:avLst/>
+          </a:prstGeom>
+          <a:gradFill flip="none" rotWithShape="1">
+            <a:gsLst>
+              <a:gs pos="0">
+                <a:schemeClr val="accent1">
+                  <a:tint val="66000"/>
+                  <a:satMod val="160000"/>
+                </a:schemeClr>
+              </a:gs>
+              <a:gs pos="50000">
+                <a:schemeClr val="accent1">
+                  <a:tint val="44500"/>
+                  <a:satMod val="160000"/>
+                </a:schemeClr>
+              </a:gs>
+              <a:gs pos="100000">
+                <a:schemeClr val="accent1">
+                  <a:tint val="23500"/>
+                  <a:satMod val="160000"/>
+                </a:schemeClr>
+              </a:gs>
+            </a:gsLst>
+            <a:lin ang="0" scaled="1"/>
+            <a:tileRect/>
+          </a:gradFill>
+          <a:effectLst>
+            <a:outerShdw blurRad="50800" dist="38100" dir="2700000" algn="tl" rotWithShape="0">
+              <a:prstClr val="black">
+                <a:alpha val="40000"/>
+              </a:prstClr>
+            </a:outerShdw>
+          </a:effectLst>
+        </p:spPr>
+        <p:style>
+          <a:lnRef idx="2">
+            <a:schemeClr val="accent5"/>
+          </a:lnRef>
+          <a:fillRef idx="1">
+            <a:schemeClr val="lt1"/>
+          </a:fillRef>
+          <a:effectRef idx="0">
+            <a:schemeClr val="accent5"/>
+          </a:effectRef>
+          <a:fontRef idx="minor">
+            <a:schemeClr val="dk1"/>
+          </a:fontRef>
+        </p:style>
+        <p:txBody>
+          <a:bodyPr anchor="ctr"/>
+          <a:lstStyle/>
+          <a:p>
+            <a:pPr fontAlgn="auto">
+              <a:lnSpc>
+                <a:spcPct val="150000"/>
+              </a:lnSpc>
+              <a:spcBef>
+                <a:spcPct val="0"/>
+              </a:spcBef>
+              <a:buClr>
+                <a:schemeClr val="accent2"/>
+              </a:buClr>
+            </a:pPr>
+            <a:r>
+              <a:rPr lang="zh-CN" altLang="en-US" sz="1200" dirty="0" smtClean="0">
+                <a:solidFill>
+                  <a:schemeClr val="tx1"/>
+                </a:solidFill>
+                <a:ea typeface="宋体" panose="02010600030101010101" pitchFamily="2" charset="-122"/>
+              </a:rPr>
+              <a:t>功能设计</a:t>
+            </a:r>
+            <a:endParaRPr lang="zh-CN" altLang="en-US" sz="1200" dirty="0" smtClean="0">
+              <a:solidFill>
+                <a:schemeClr val="tx1"/>
+              </a:solidFill>
+              <a:ea typeface="宋体" panose="02010600030101010101" pitchFamily="2" charset="-122"/>
+            </a:endParaRPr>
+          </a:p>
+        </p:txBody>
+      </p:sp>
+      <p:sp>
+        <p:nvSpPr>
+          <p:cNvPr id="19" name="圆角矩形 18"/>
+          <p:cNvSpPr/>
+          <p:nvPr/>
+        </p:nvSpPr>
+        <p:spPr>
+          <a:xfrm>
+            <a:off x="3302388" y="5484859"/>
+            <a:ext cx="862207" cy="551738"/>
+          </a:xfrm>
+          <a:prstGeom prst="roundRect">
+            <a:avLst/>
+          </a:prstGeom>
+          <a:gradFill flip="none" rotWithShape="1">
+            <a:gsLst>
+              <a:gs pos="0">
+                <a:schemeClr val="accent1">
+                  <a:tint val="66000"/>
+                  <a:satMod val="160000"/>
+                </a:schemeClr>
+              </a:gs>
+              <a:gs pos="50000">
+                <a:schemeClr val="accent1">
+                  <a:tint val="44500"/>
+                  <a:satMod val="160000"/>
+                </a:schemeClr>
+              </a:gs>
+              <a:gs pos="100000">
+                <a:schemeClr val="accent1">
+                  <a:tint val="23500"/>
+                  <a:satMod val="160000"/>
+                </a:schemeClr>
+              </a:gs>
+            </a:gsLst>
+            <a:lin ang="0" scaled="1"/>
+            <a:tileRect/>
+          </a:gradFill>
+          <a:effectLst>
+            <a:outerShdw blurRad="50800" dist="38100" dir="2700000" algn="tl" rotWithShape="0">
+              <a:prstClr val="black">
+                <a:alpha val="40000"/>
+              </a:prstClr>
+            </a:outerShdw>
+          </a:effectLst>
+        </p:spPr>
+        <p:style>
+          <a:lnRef idx="2">
+            <a:schemeClr val="accent5"/>
+          </a:lnRef>
+          <a:fillRef idx="1">
+            <a:schemeClr val="lt1"/>
+          </a:fillRef>
+          <a:effectRef idx="0">
+            <a:schemeClr val="accent5"/>
+          </a:effectRef>
+          <a:fontRef idx="minor">
+            <a:schemeClr val="dk1"/>
+          </a:fontRef>
+        </p:style>
+        <p:txBody>
+          <a:bodyPr anchor="ctr"/>
+          <a:lstStyle/>
+          <a:p>
+            <a:pPr fontAlgn="auto">
+              <a:lnSpc>
+                <a:spcPct val="150000"/>
+              </a:lnSpc>
+              <a:spcBef>
+                <a:spcPct val="0"/>
+              </a:spcBef>
+              <a:buClr>
+                <a:schemeClr val="accent2"/>
+              </a:buClr>
+            </a:pPr>
+            <a:r>
+              <a:rPr lang="zh-CN" altLang="en-US" sz="1200" dirty="0" smtClean="0">
+                <a:solidFill>
+                  <a:schemeClr val="tx1"/>
+                </a:solidFill>
+                <a:ea typeface="宋体" panose="02010600030101010101" pitchFamily="2" charset="-122"/>
+              </a:rPr>
+              <a:t>代码架构</a:t>
+            </a:r>
+            <a:endParaRPr lang="zh-CN" altLang="en-US" sz="1200" dirty="0" smtClean="0">
+              <a:solidFill>
+                <a:schemeClr val="tx1"/>
+              </a:solidFill>
+              <a:ea typeface="宋体" panose="02010600030101010101" pitchFamily="2" charset="-122"/>
+            </a:endParaRPr>
+          </a:p>
+        </p:txBody>
+      </p:sp>
+      <p:sp>
+        <p:nvSpPr>
+          <p:cNvPr id="20" name="圆角矩形 19"/>
+          <p:cNvSpPr/>
+          <p:nvPr/>
+        </p:nvSpPr>
+        <p:spPr>
+          <a:xfrm>
+            <a:off x="3290066" y="2359180"/>
+            <a:ext cx="1176564" cy="551738"/>
+          </a:xfrm>
+          <a:prstGeom prst="roundRect">
+            <a:avLst/>
+          </a:prstGeom>
+          <a:gradFill flip="none" rotWithShape="1">
+            <a:gsLst>
+              <a:gs pos="0">
+                <a:schemeClr val="accent1">
+                  <a:tint val="66000"/>
+                  <a:satMod val="160000"/>
+                </a:schemeClr>
+              </a:gs>
+              <a:gs pos="50000">
+                <a:schemeClr val="accent1">
+                  <a:tint val="44500"/>
+                  <a:satMod val="160000"/>
+                </a:schemeClr>
+              </a:gs>
+              <a:gs pos="100000">
+                <a:schemeClr val="accent1">
+                  <a:tint val="23500"/>
+                  <a:satMod val="160000"/>
+                </a:schemeClr>
+              </a:gs>
+            </a:gsLst>
+            <a:lin ang="0" scaled="1"/>
+            <a:tileRect/>
+          </a:gradFill>
+          <a:effectLst>
+            <a:outerShdw blurRad="50800" dist="38100" dir="2700000" algn="tl" rotWithShape="0">
+              <a:prstClr val="black">
+                <a:alpha val="40000"/>
+              </a:prstClr>
+            </a:outerShdw>
+          </a:effectLst>
+        </p:spPr>
+        <p:style>
+          <a:lnRef idx="2">
+            <a:schemeClr val="accent5"/>
+          </a:lnRef>
+          <a:fillRef idx="1">
+            <a:schemeClr val="lt1"/>
+          </a:fillRef>
+          <a:effectRef idx="0">
+            <a:schemeClr val="accent5"/>
+          </a:effectRef>
+          <a:fontRef idx="minor">
+            <a:schemeClr val="dk1"/>
+          </a:fontRef>
+        </p:style>
+        <p:txBody>
+          <a:bodyPr anchor="ctr"/>
+          <a:lstStyle/>
+          <a:p>
+            <a:pPr fontAlgn="auto">
+              <a:lnSpc>
+                <a:spcPct val="150000"/>
+              </a:lnSpc>
+              <a:spcBef>
+                <a:spcPct val="0"/>
+              </a:spcBef>
+              <a:buClr>
+                <a:schemeClr val="accent2"/>
+              </a:buClr>
+            </a:pPr>
+            <a:r>
+              <a:rPr lang="zh-CN" altLang="en-US" sz="1200" dirty="0" smtClean="0">
+                <a:solidFill>
+                  <a:schemeClr val="tx1"/>
+                </a:solidFill>
+                <a:ea typeface="宋体" panose="02010600030101010101" pitchFamily="2" charset="-122"/>
+              </a:rPr>
+              <a:t>引入项目方式</a:t>
+            </a:r>
+            <a:endParaRPr lang="zh-CN" altLang="en-US" sz="1200" dirty="0" smtClean="0">
+              <a:solidFill>
+                <a:schemeClr val="tx1"/>
+              </a:solidFill>
+              <a:ea typeface="宋体" panose="02010600030101010101" pitchFamily="2" charset="-122"/>
+            </a:endParaRPr>
+          </a:p>
+        </p:txBody>
+      </p:sp>
+      <p:sp>
+        <p:nvSpPr>
+          <p:cNvPr id="21" name="圆角矩形 20"/>
+          <p:cNvSpPr/>
+          <p:nvPr/>
+        </p:nvSpPr>
+        <p:spPr>
+          <a:xfrm>
+            <a:off x="3318346" y="3394767"/>
+            <a:ext cx="1236186" cy="551738"/>
+          </a:xfrm>
+          <a:prstGeom prst="roundRect">
+            <a:avLst/>
+          </a:prstGeom>
+          <a:gradFill flip="none" rotWithShape="1">
+            <a:gsLst>
+              <a:gs pos="0">
+                <a:schemeClr val="accent1">
+                  <a:tint val="66000"/>
+                  <a:satMod val="160000"/>
+                </a:schemeClr>
+              </a:gs>
+              <a:gs pos="50000">
+                <a:schemeClr val="accent1">
+                  <a:tint val="44500"/>
+                  <a:satMod val="160000"/>
+                </a:schemeClr>
+              </a:gs>
+              <a:gs pos="100000">
+                <a:schemeClr val="accent1">
+                  <a:tint val="23500"/>
+                  <a:satMod val="160000"/>
+                </a:schemeClr>
+              </a:gs>
+            </a:gsLst>
+            <a:lin ang="0" scaled="1"/>
+            <a:tileRect/>
+          </a:gradFill>
+          <a:effectLst>
+            <a:outerShdw blurRad="50800" dist="38100" dir="2700000" algn="tl" rotWithShape="0">
+              <a:prstClr val="black">
+                <a:alpha val="40000"/>
+              </a:prstClr>
+            </a:outerShdw>
+          </a:effectLst>
+        </p:spPr>
+        <p:style>
+          <a:lnRef idx="2">
+            <a:schemeClr val="accent5"/>
+          </a:lnRef>
+          <a:fillRef idx="1">
+            <a:schemeClr val="lt1"/>
+          </a:fillRef>
+          <a:effectRef idx="0">
+            <a:schemeClr val="accent5"/>
+          </a:effectRef>
+          <a:fontRef idx="minor">
+            <a:schemeClr val="dk1"/>
+          </a:fontRef>
+        </p:style>
+        <p:txBody>
+          <a:bodyPr anchor="ctr"/>
+          <a:lstStyle/>
+          <a:p>
+            <a:pPr fontAlgn="auto">
+              <a:lnSpc>
+                <a:spcPct val="150000"/>
+              </a:lnSpc>
+              <a:spcBef>
+                <a:spcPct val="0"/>
+              </a:spcBef>
+              <a:buClr>
+                <a:schemeClr val="accent2"/>
+              </a:buClr>
+            </a:pPr>
+            <a:r>
+              <a:rPr lang="zh-CN" altLang="en-US" sz="1200" dirty="0" smtClean="0">
+                <a:solidFill>
+                  <a:schemeClr val="tx1"/>
+                </a:solidFill>
+                <a:ea typeface="宋体" panose="02010600030101010101" pitchFamily="2" charset="-122"/>
+              </a:rPr>
+              <a:t>项目业务结合</a:t>
+            </a:r>
+            <a:endParaRPr lang="zh-CN" altLang="en-US" sz="1200" dirty="0" smtClean="0">
+              <a:solidFill>
+                <a:schemeClr val="tx1"/>
+              </a:solidFill>
+              <a:ea typeface="宋体" panose="02010600030101010101" pitchFamily="2" charset="-122"/>
+            </a:endParaRPr>
+          </a:p>
+        </p:txBody>
+      </p:sp>
+      <p:sp>
+        <p:nvSpPr>
+          <p:cNvPr id="22" name="右箭头 21"/>
+          <p:cNvSpPr/>
+          <p:nvPr/>
+        </p:nvSpPr>
+        <p:spPr>
+          <a:xfrm>
+            <a:off x="4502651" y="1514056"/>
+            <a:ext cx="1933423" cy="242316"/>
+          </a:xfrm>
+          <a:prstGeom prst="rightArrow">
+            <a:avLst/>
+          </a:prstGeom>
+          <a:gradFill flip="none" rotWithShape="1">
+            <a:gsLst>
+              <a:gs pos="0">
+                <a:schemeClr val="accent1">
+                  <a:tint val="66000"/>
+                  <a:satMod val="160000"/>
+                </a:schemeClr>
+              </a:gs>
+              <a:gs pos="50000">
+                <a:schemeClr val="accent1">
+                  <a:tint val="44500"/>
+                  <a:satMod val="160000"/>
+                </a:schemeClr>
+              </a:gs>
+              <a:gs pos="100000">
+                <a:schemeClr val="accent1">
+                  <a:tint val="23500"/>
+                  <a:satMod val="160000"/>
+                </a:schemeClr>
+              </a:gs>
+            </a:gsLst>
+            <a:lin ang="0" scaled="1"/>
+            <a:tileRect/>
+          </a:gradFill>
+          <a:effectLst>
+            <a:outerShdw blurRad="50800" dist="38100" dir="2700000" algn="tl" rotWithShape="0">
+              <a:prstClr val="black">
+                <a:alpha val="40000"/>
+              </a:prstClr>
+            </a:outerShdw>
+          </a:effectLst>
+        </p:spPr>
+        <p:style>
+          <a:lnRef idx="2">
+            <a:schemeClr val="accent5"/>
+          </a:lnRef>
+          <a:fillRef idx="1">
+            <a:schemeClr val="lt1"/>
+          </a:fillRef>
+          <a:effectRef idx="0">
+            <a:schemeClr val="accent5"/>
+          </a:effectRef>
+          <a:fontRef idx="minor">
+            <a:schemeClr val="dk1"/>
+          </a:fontRef>
+        </p:style>
+        <p:txBody>
+          <a:bodyPr rtlCol="0" anchor="ctr"/>
+          <a:lstStyle/>
+          <a:p>
+            <a:pPr algn="ctr" eaLnBrk="1" hangingPunct="1">
+              <a:spcBef>
+                <a:spcPct val="0"/>
+              </a:spcBef>
+              <a:buClr>
+                <a:schemeClr val="accent2"/>
+              </a:buClr>
+            </a:pPr>
+            <a:endParaRPr lang="zh-CN" altLang="en-US" sz="1200" dirty="0" smtClean="0">
+              <a:solidFill>
+                <a:schemeClr val="tx1"/>
+              </a:solidFill>
+              <a:ea typeface="宋体" panose="02010600030101010101" pitchFamily="2" charset="-122"/>
+            </a:endParaRPr>
+          </a:p>
+        </p:txBody>
+      </p:sp>
+      <p:sp>
+        <p:nvSpPr>
+          <p:cNvPr id="23" name="圆角矩形 22"/>
+          <p:cNvSpPr/>
+          <p:nvPr/>
+        </p:nvSpPr>
+        <p:spPr>
+          <a:xfrm>
+            <a:off x="10096190" y="1387534"/>
+            <a:ext cx="1088235" cy="551738"/>
+          </a:xfrm>
+          <a:prstGeom prst="roundRect">
+            <a:avLst/>
+          </a:prstGeom>
+          <a:gradFill flip="none" rotWithShape="1">
+            <a:gsLst>
+              <a:gs pos="0">
+                <a:schemeClr val="accent1">
+                  <a:tint val="66000"/>
+                  <a:satMod val="160000"/>
+                </a:schemeClr>
+              </a:gs>
+              <a:gs pos="50000">
+                <a:schemeClr val="accent1">
+                  <a:tint val="44500"/>
+                  <a:satMod val="160000"/>
+                </a:schemeClr>
+              </a:gs>
+              <a:gs pos="100000">
+                <a:schemeClr val="accent1">
+                  <a:tint val="23500"/>
+                  <a:satMod val="160000"/>
+                </a:schemeClr>
+              </a:gs>
+            </a:gsLst>
+            <a:lin ang="0" scaled="1"/>
+            <a:tileRect/>
+          </a:gradFill>
+          <a:effectLst>
+            <a:outerShdw blurRad="50800" dist="38100" dir="2700000" algn="tl" rotWithShape="0">
+              <a:prstClr val="black">
+                <a:alpha val="40000"/>
+              </a:prstClr>
+            </a:outerShdw>
+          </a:effectLst>
+        </p:spPr>
+        <p:style>
+          <a:lnRef idx="2">
+            <a:schemeClr val="accent5"/>
+          </a:lnRef>
+          <a:fillRef idx="1">
+            <a:schemeClr val="lt1"/>
+          </a:fillRef>
+          <a:effectRef idx="0">
+            <a:schemeClr val="accent5"/>
+          </a:effectRef>
+          <a:fontRef idx="minor">
+            <a:schemeClr val="dk1"/>
+          </a:fontRef>
+        </p:style>
+        <p:txBody>
+          <a:bodyPr anchor="ctr"/>
+          <a:lstStyle/>
+          <a:p>
+            <a:pPr fontAlgn="auto">
+              <a:lnSpc>
+                <a:spcPct val="150000"/>
+              </a:lnSpc>
+              <a:spcBef>
+                <a:spcPct val="0"/>
+              </a:spcBef>
+              <a:buClr>
+                <a:schemeClr val="accent2"/>
+              </a:buClr>
+            </a:pPr>
+            <a:r>
+              <a:rPr lang="en-US" altLang="zh-CN" sz="1200" dirty="0" smtClean="0">
+                <a:solidFill>
+                  <a:schemeClr val="tx1"/>
+                </a:solidFill>
+                <a:ea typeface="宋体" panose="02010600030101010101" pitchFamily="2" charset="-122"/>
+              </a:rPr>
+              <a:t>Office</a:t>
+            </a:r>
+            <a:r>
+              <a:rPr lang="zh-CN" altLang="en-US" sz="1200" dirty="0" smtClean="0">
+                <a:solidFill>
+                  <a:schemeClr val="tx1"/>
+                </a:solidFill>
+                <a:ea typeface="宋体" panose="02010600030101010101" pitchFamily="2" charset="-122"/>
+              </a:rPr>
+              <a:t>工具栏</a:t>
+            </a:r>
+            <a:endParaRPr lang="zh-CN" altLang="en-US" sz="1200" dirty="0" smtClean="0">
+              <a:solidFill>
+                <a:schemeClr val="tx1"/>
+              </a:solidFill>
+              <a:ea typeface="宋体" panose="02010600030101010101" pitchFamily="2" charset="-122"/>
+            </a:endParaRPr>
+          </a:p>
+        </p:txBody>
+      </p:sp>
+      <p:sp>
+        <p:nvSpPr>
+          <p:cNvPr id="24" name="圆角矩形 23"/>
+          <p:cNvSpPr/>
+          <p:nvPr/>
+        </p:nvSpPr>
+        <p:spPr>
+          <a:xfrm>
+            <a:off x="10096758" y="2327144"/>
+            <a:ext cx="1378631" cy="551738"/>
+          </a:xfrm>
+          <a:prstGeom prst="roundRect">
+            <a:avLst/>
+          </a:prstGeom>
+          <a:gradFill flip="none" rotWithShape="1">
+            <a:gsLst>
+              <a:gs pos="0">
+                <a:schemeClr val="accent1">
+                  <a:tint val="66000"/>
+                  <a:satMod val="160000"/>
+                </a:schemeClr>
+              </a:gs>
+              <a:gs pos="50000">
+                <a:schemeClr val="accent1">
+                  <a:tint val="44500"/>
+                  <a:satMod val="160000"/>
+                </a:schemeClr>
+              </a:gs>
+              <a:gs pos="100000">
+                <a:schemeClr val="accent1">
+                  <a:tint val="23500"/>
+                  <a:satMod val="160000"/>
+                </a:schemeClr>
+              </a:gs>
+            </a:gsLst>
+            <a:lin ang="0" scaled="1"/>
+            <a:tileRect/>
+          </a:gradFill>
+          <a:effectLst>
+            <a:outerShdw blurRad="50800" dist="38100" dir="2700000" algn="tl" rotWithShape="0">
+              <a:prstClr val="black">
+                <a:alpha val="40000"/>
+              </a:prstClr>
+            </a:outerShdw>
+          </a:effectLst>
+        </p:spPr>
+        <p:style>
+          <a:lnRef idx="2">
+            <a:schemeClr val="accent5"/>
+          </a:lnRef>
+          <a:fillRef idx="1">
+            <a:schemeClr val="lt1"/>
+          </a:fillRef>
+          <a:effectRef idx="0">
+            <a:schemeClr val="accent5"/>
+          </a:effectRef>
+          <a:fontRef idx="minor">
+            <a:schemeClr val="dk1"/>
+          </a:fontRef>
+        </p:style>
+        <p:txBody>
+          <a:bodyPr anchor="ctr"/>
+          <a:lstStyle/>
+          <a:p>
+            <a:pPr>
+              <a:lnSpc>
+                <a:spcPct val="150000"/>
+              </a:lnSpc>
+              <a:spcBef>
+                <a:spcPct val="0"/>
+              </a:spcBef>
+              <a:buClr>
+                <a:schemeClr val="accent2"/>
+              </a:buClr>
+            </a:pPr>
+            <a:r>
+              <a:rPr lang="en-US" altLang="zh-CN" sz="1200" dirty="0" err="1" smtClean="0">
+                <a:solidFill>
+                  <a:schemeClr val="tx1"/>
+                </a:solidFill>
+                <a:ea typeface="宋体" panose="02010600030101010101" pitchFamily="2" charset="-122"/>
+              </a:rPr>
+              <a:t>Echarts</a:t>
+            </a:r>
+            <a:r>
+              <a:rPr lang="zh-CN" altLang="en-US" sz="1200" dirty="0" smtClean="0">
+                <a:solidFill>
+                  <a:schemeClr val="tx1"/>
+                </a:solidFill>
+                <a:ea typeface="宋体" panose="02010600030101010101" pitchFamily="2" charset="-122"/>
+              </a:rPr>
+              <a:t>插件</a:t>
+            </a:r>
+            <a:endParaRPr lang="zh-CN" altLang="en-US" sz="1200" dirty="0">
+              <a:solidFill>
+                <a:schemeClr val="tx1"/>
+              </a:solidFill>
+              <a:ea typeface="宋体" panose="02010600030101010101" pitchFamily="2" charset="-122"/>
+            </a:endParaRPr>
+          </a:p>
+        </p:txBody>
+      </p:sp>
+      <p:sp>
+        <p:nvSpPr>
+          <p:cNvPr id="25" name="圆角矩形 24"/>
+          <p:cNvSpPr/>
+          <p:nvPr/>
+        </p:nvSpPr>
+        <p:spPr>
+          <a:xfrm>
+            <a:off x="10074688" y="3369911"/>
+            <a:ext cx="1182726" cy="551738"/>
+          </a:xfrm>
+          <a:prstGeom prst="roundRect">
+            <a:avLst/>
+          </a:prstGeom>
+          <a:gradFill flip="none" rotWithShape="1">
+            <a:gsLst>
+              <a:gs pos="0">
+                <a:schemeClr val="accent1">
+                  <a:tint val="66000"/>
+                  <a:satMod val="160000"/>
+                </a:schemeClr>
+              </a:gs>
+              <a:gs pos="50000">
+                <a:schemeClr val="accent1">
+                  <a:tint val="44500"/>
+                  <a:satMod val="160000"/>
+                </a:schemeClr>
+              </a:gs>
+              <a:gs pos="100000">
+                <a:schemeClr val="accent1">
+                  <a:tint val="23500"/>
+                  <a:satMod val="160000"/>
+                </a:schemeClr>
+              </a:gs>
+            </a:gsLst>
+            <a:lin ang="0" scaled="1"/>
+            <a:tileRect/>
+          </a:gradFill>
+          <a:effectLst>
+            <a:outerShdw blurRad="50800" dist="38100" dir="2700000" algn="tl" rotWithShape="0">
+              <a:prstClr val="black">
+                <a:alpha val="40000"/>
+              </a:prstClr>
+            </a:outerShdw>
+          </a:effectLst>
+        </p:spPr>
+        <p:style>
+          <a:lnRef idx="2">
+            <a:schemeClr val="accent5"/>
+          </a:lnRef>
+          <a:fillRef idx="1">
+            <a:schemeClr val="lt1"/>
+          </a:fillRef>
+          <a:effectRef idx="0">
+            <a:schemeClr val="accent5"/>
+          </a:effectRef>
+          <a:fontRef idx="minor">
+            <a:schemeClr val="dk1"/>
+          </a:fontRef>
+        </p:style>
+        <p:txBody>
+          <a:bodyPr anchor="ctr"/>
+          <a:lstStyle/>
+          <a:p>
+            <a:pPr fontAlgn="auto">
+              <a:lnSpc>
+                <a:spcPct val="150000"/>
+              </a:lnSpc>
+              <a:spcBef>
+                <a:spcPct val="0"/>
+              </a:spcBef>
+              <a:buClr>
+                <a:schemeClr val="accent2"/>
+              </a:buClr>
+            </a:pPr>
+            <a:r>
+              <a:rPr lang="en-US" altLang="zh-CN" sz="1200" dirty="0" err="1">
+                <a:solidFill>
+                  <a:schemeClr val="tx1"/>
+                </a:solidFill>
+                <a:ea typeface="宋体" panose="02010600030101010101" pitchFamily="2" charset="-122"/>
+              </a:rPr>
+              <a:t>ZTree</a:t>
+            </a:r>
+            <a:r>
+              <a:rPr lang="zh-CN" altLang="en-US" sz="1200" dirty="0">
+                <a:solidFill>
+                  <a:schemeClr val="tx1"/>
+                </a:solidFill>
+                <a:ea typeface="宋体" panose="02010600030101010101" pitchFamily="2" charset="-122"/>
+              </a:rPr>
+              <a:t>、百度富文本编辑器</a:t>
+            </a:r>
+            <a:endParaRPr lang="zh-CN" altLang="en-US" sz="1200" dirty="0" smtClean="0">
+              <a:solidFill>
+                <a:schemeClr val="tx1"/>
+              </a:solidFill>
+              <a:ea typeface="宋体" panose="02010600030101010101" pitchFamily="2" charset="-122"/>
+            </a:endParaRPr>
+          </a:p>
+        </p:txBody>
+      </p:sp>
+      <p:sp>
+        <p:nvSpPr>
+          <p:cNvPr id="26" name="圆角矩形 25"/>
+          <p:cNvSpPr/>
+          <p:nvPr/>
+        </p:nvSpPr>
+        <p:spPr>
+          <a:xfrm>
+            <a:off x="10054316" y="4439811"/>
+            <a:ext cx="1365179" cy="551738"/>
+          </a:xfrm>
+          <a:prstGeom prst="roundRect">
+            <a:avLst/>
+          </a:prstGeom>
+          <a:gradFill flip="none" rotWithShape="1">
+            <a:gsLst>
+              <a:gs pos="0">
+                <a:schemeClr val="accent1">
+                  <a:tint val="66000"/>
+                  <a:satMod val="160000"/>
+                </a:schemeClr>
+              </a:gs>
+              <a:gs pos="50000">
+                <a:schemeClr val="accent1">
+                  <a:tint val="44500"/>
+                  <a:satMod val="160000"/>
+                </a:schemeClr>
+              </a:gs>
+              <a:gs pos="100000">
+                <a:schemeClr val="accent1">
+                  <a:tint val="23500"/>
+                  <a:satMod val="160000"/>
+                </a:schemeClr>
+              </a:gs>
+            </a:gsLst>
+            <a:lin ang="0" scaled="1"/>
+            <a:tileRect/>
+          </a:gradFill>
+          <a:effectLst>
+            <a:outerShdw blurRad="50800" dist="38100" dir="2700000" algn="tl" rotWithShape="0">
+              <a:prstClr val="black">
+                <a:alpha val="40000"/>
+              </a:prstClr>
+            </a:outerShdw>
+          </a:effectLst>
+        </p:spPr>
+        <p:style>
+          <a:lnRef idx="2">
+            <a:schemeClr val="accent5"/>
+          </a:lnRef>
+          <a:fillRef idx="1">
+            <a:schemeClr val="lt1"/>
+          </a:fillRef>
+          <a:effectRef idx="0">
+            <a:schemeClr val="accent5"/>
+          </a:effectRef>
+          <a:fontRef idx="minor">
+            <a:schemeClr val="dk1"/>
+          </a:fontRef>
+        </p:style>
+        <p:txBody>
+          <a:bodyPr anchor="ctr"/>
+          <a:lstStyle/>
+          <a:p>
+            <a:pPr fontAlgn="auto">
+              <a:lnSpc>
+                <a:spcPct val="150000"/>
+              </a:lnSpc>
+              <a:spcBef>
+                <a:spcPct val="0"/>
+              </a:spcBef>
+              <a:buClr>
+                <a:schemeClr val="accent2"/>
+              </a:buClr>
+            </a:pPr>
+            <a:r>
+              <a:rPr lang="zh-CN" altLang="en-US" sz="1200" dirty="0" smtClean="0">
+                <a:solidFill>
+                  <a:schemeClr val="tx1"/>
+                </a:solidFill>
+                <a:ea typeface="宋体" panose="02010600030101010101" pitchFamily="2" charset="-122"/>
+              </a:rPr>
+              <a:t>火眼金睛软件</a:t>
+            </a:r>
+            <a:endParaRPr lang="zh-CN" altLang="en-US" sz="1200" dirty="0" smtClean="0">
+              <a:solidFill>
+                <a:schemeClr val="tx1"/>
+              </a:solidFill>
+              <a:ea typeface="宋体" panose="02010600030101010101" pitchFamily="2" charset="-122"/>
+            </a:endParaRPr>
+          </a:p>
+        </p:txBody>
+      </p:sp>
+      <p:sp>
+        <p:nvSpPr>
+          <p:cNvPr id="28" name="圆角矩形 27"/>
+          <p:cNvSpPr/>
+          <p:nvPr/>
+        </p:nvSpPr>
+        <p:spPr>
+          <a:xfrm>
+            <a:off x="10096758" y="5606016"/>
+            <a:ext cx="1265333" cy="551738"/>
+          </a:xfrm>
+          <a:prstGeom prst="roundRect">
+            <a:avLst/>
+          </a:prstGeom>
+          <a:gradFill flip="none" rotWithShape="1">
+            <a:gsLst>
+              <a:gs pos="0">
+                <a:schemeClr val="accent1">
+                  <a:tint val="66000"/>
+                  <a:satMod val="160000"/>
+                </a:schemeClr>
+              </a:gs>
+              <a:gs pos="50000">
+                <a:schemeClr val="accent1">
+                  <a:tint val="44500"/>
+                  <a:satMod val="160000"/>
+                </a:schemeClr>
+              </a:gs>
+              <a:gs pos="100000">
+                <a:schemeClr val="accent1">
+                  <a:tint val="23500"/>
+                  <a:satMod val="160000"/>
+                </a:schemeClr>
+              </a:gs>
+            </a:gsLst>
+            <a:lin ang="0" scaled="1"/>
+            <a:tileRect/>
+          </a:gradFill>
+          <a:effectLst>
+            <a:outerShdw blurRad="50800" dist="38100" dir="2700000" algn="tl" rotWithShape="0">
+              <a:prstClr val="black">
+                <a:alpha val="40000"/>
+              </a:prstClr>
+            </a:outerShdw>
+          </a:effectLst>
+        </p:spPr>
+        <p:style>
+          <a:lnRef idx="2">
+            <a:schemeClr val="accent5"/>
+          </a:lnRef>
+          <a:fillRef idx="1">
+            <a:schemeClr val="lt1"/>
+          </a:fillRef>
+          <a:effectRef idx="0">
+            <a:schemeClr val="accent5"/>
+          </a:effectRef>
+          <a:fontRef idx="minor">
+            <a:schemeClr val="dk1"/>
+          </a:fontRef>
+        </p:style>
+        <p:txBody>
+          <a:bodyPr anchor="ctr"/>
+          <a:lstStyle/>
+          <a:p>
+            <a:pPr fontAlgn="auto">
+              <a:lnSpc>
+                <a:spcPct val="150000"/>
+              </a:lnSpc>
+              <a:spcBef>
+                <a:spcPct val="0"/>
+              </a:spcBef>
+              <a:buClr>
+                <a:schemeClr val="accent2"/>
+              </a:buClr>
+            </a:pPr>
+            <a:r>
+              <a:rPr lang="zh-CN" altLang="en-US" sz="1200" dirty="0" smtClean="0">
+                <a:solidFill>
+                  <a:schemeClr val="tx1"/>
+                </a:solidFill>
+                <a:ea typeface="宋体" panose="02010600030101010101" pitchFamily="2" charset="-122"/>
+              </a:rPr>
+              <a:t>四川</a:t>
+            </a:r>
+            <a:r>
+              <a:rPr lang="en-US" altLang="zh-CN" sz="1200" dirty="0" smtClean="0">
+                <a:solidFill>
+                  <a:schemeClr val="tx1"/>
+                </a:solidFill>
+                <a:ea typeface="宋体" panose="02010600030101010101" pitchFamily="2" charset="-122"/>
+              </a:rPr>
+              <a:t>GIS</a:t>
+            </a:r>
+            <a:r>
+              <a:rPr lang="zh-CN" altLang="en-US" sz="1200" dirty="0" smtClean="0">
+                <a:solidFill>
+                  <a:schemeClr val="tx1"/>
+                </a:solidFill>
+                <a:ea typeface="宋体" panose="02010600030101010101" pitchFamily="2" charset="-122"/>
+              </a:rPr>
+              <a:t>项目</a:t>
+            </a:r>
+            <a:endParaRPr lang="zh-CN" altLang="en-US" sz="1200" dirty="0" smtClean="0">
+              <a:solidFill>
+                <a:schemeClr val="tx1"/>
+              </a:solidFill>
+              <a:ea typeface="宋体" panose="02010600030101010101" pitchFamily="2" charset="-122"/>
+            </a:endParaRPr>
+          </a:p>
+        </p:txBody>
+      </p:sp>
+      <p:sp>
+        <p:nvSpPr>
+          <p:cNvPr id="29" name="右箭头 28"/>
+          <p:cNvSpPr/>
+          <p:nvPr/>
+        </p:nvSpPr>
+        <p:spPr>
+          <a:xfrm>
+            <a:off x="4634438" y="2513890"/>
+            <a:ext cx="1801638" cy="242316"/>
+          </a:xfrm>
+          <a:prstGeom prst="rightArrow">
+            <a:avLst/>
+          </a:prstGeom>
+          <a:gradFill flip="none" rotWithShape="1">
+            <a:gsLst>
+              <a:gs pos="0">
+                <a:schemeClr val="accent1">
+                  <a:tint val="66000"/>
+                  <a:satMod val="160000"/>
+                </a:schemeClr>
+              </a:gs>
+              <a:gs pos="50000">
+                <a:schemeClr val="accent1">
+                  <a:tint val="44500"/>
+                  <a:satMod val="160000"/>
+                </a:schemeClr>
+              </a:gs>
+              <a:gs pos="100000">
+                <a:schemeClr val="accent1">
+                  <a:tint val="23500"/>
+                  <a:satMod val="160000"/>
+                </a:schemeClr>
+              </a:gs>
+            </a:gsLst>
+            <a:lin ang="0" scaled="1"/>
+            <a:tileRect/>
+          </a:gradFill>
+          <a:effectLst>
+            <a:outerShdw blurRad="50800" dist="38100" dir="2700000" algn="tl" rotWithShape="0">
+              <a:prstClr val="black">
+                <a:alpha val="40000"/>
+              </a:prstClr>
+            </a:outerShdw>
+          </a:effectLst>
+        </p:spPr>
+        <p:style>
+          <a:lnRef idx="2">
+            <a:schemeClr val="accent5"/>
+          </a:lnRef>
+          <a:fillRef idx="1">
+            <a:schemeClr val="lt1"/>
+          </a:fillRef>
+          <a:effectRef idx="0">
+            <a:schemeClr val="accent5"/>
+          </a:effectRef>
+          <a:fontRef idx="minor">
+            <a:schemeClr val="dk1"/>
+          </a:fontRef>
+        </p:style>
+        <p:txBody>
+          <a:bodyPr rtlCol="0" anchor="ctr"/>
+          <a:lstStyle/>
+          <a:p>
+            <a:pPr algn="ctr" eaLnBrk="1" hangingPunct="1">
+              <a:spcBef>
+                <a:spcPct val="0"/>
+              </a:spcBef>
+              <a:buClr>
+                <a:schemeClr val="accent2"/>
+              </a:buClr>
+            </a:pPr>
+            <a:endParaRPr lang="zh-CN" altLang="en-US" sz="1200" dirty="0" smtClean="0">
+              <a:solidFill>
+                <a:schemeClr val="tx1"/>
+              </a:solidFill>
+              <a:ea typeface="宋体" panose="02010600030101010101" pitchFamily="2" charset="-122"/>
+            </a:endParaRPr>
+          </a:p>
+        </p:txBody>
+      </p:sp>
+      <p:sp>
+        <p:nvSpPr>
+          <p:cNvPr id="30" name="右箭头 29"/>
+          <p:cNvSpPr/>
+          <p:nvPr/>
+        </p:nvSpPr>
+        <p:spPr>
+          <a:xfrm>
+            <a:off x="4634438" y="3549477"/>
+            <a:ext cx="1801638" cy="242316"/>
+          </a:xfrm>
+          <a:prstGeom prst="rightArrow">
+            <a:avLst/>
+          </a:prstGeom>
+          <a:gradFill flip="none" rotWithShape="1">
+            <a:gsLst>
+              <a:gs pos="0">
+                <a:schemeClr val="accent1">
+                  <a:tint val="66000"/>
+                  <a:satMod val="160000"/>
+                </a:schemeClr>
+              </a:gs>
+              <a:gs pos="50000">
+                <a:schemeClr val="accent1">
+                  <a:tint val="44500"/>
+                  <a:satMod val="160000"/>
+                </a:schemeClr>
+              </a:gs>
+              <a:gs pos="100000">
+                <a:schemeClr val="accent1">
+                  <a:tint val="23500"/>
+                  <a:satMod val="160000"/>
+                </a:schemeClr>
+              </a:gs>
+            </a:gsLst>
+            <a:lin ang="0" scaled="1"/>
+            <a:tileRect/>
+          </a:gradFill>
+          <a:effectLst>
+            <a:outerShdw blurRad="50800" dist="38100" dir="2700000" algn="tl" rotWithShape="0">
+              <a:prstClr val="black">
+                <a:alpha val="40000"/>
+              </a:prstClr>
+            </a:outerShdw>
+          </a:effectLst>
+        </p:spPr>
+        <p:style>
+          <a:lnRef idx="2">
+            <a:schemeClr val="accent5"/>
+          </a:lnRef>
+          <a:fillRef idx="1">
+            <a:schemeClr val="lt1"/>
+          </a:fillRef>
+          <a:effectRef idx="0">
+            <a:schemeClr val="accent5"/>
+          </a:effectRef>
+          <a:fontRef idx="minor">
+            <a:schemeClr val="dk1"/>
+          </a:fontRef>
+        </p:style>
+        <p:txBody>
+          <a:bodyPr rtlCol="0" anchor="ctr"/>
+          <a:lstStyle/>
+          <a:p>
+            <a:pPr algn="ctr" eaLnBrk="1" hangingPunct="1">
+              <a:spcBef>
+                <a:spcPct val="0"/>
+              </a:spcBef>
+              <a:buClr>
+                <a:schemeClr val="accent2"/>
+              </a:buClr>
+            </a:pPr>
+            <a:endParaRPr lang="zh-CN" altLang="en-US" sz="1200" dirty="0" smtClean="0">
+              <a:solidFill>
+                <a:schemeClr val="tx1"/>
+              </a:solidFill>
+              <a:ea typeface="宋体" panose="02010600030101010101" pitchFamily="2" charset="-122"/>
+            </a:endParaRPr>
+          </a:p>
+        </p:txBody>
+      </p:sp>
+      <p:sp>
+        <p:nvSpPr>
+          <p:cNvPr id="31" name="右箭头 30"/>
+          <p:cNvSpPr/>
+          <p:nvPr/>
+        </p:nvSpPr>
+        <p:spPr>
+          <a:xfrm>
+            <a:off x="4370378" y="4654735"/>
+            <a:ext cx="2065697" cy="242316"/>
+          </a:xfrm>
+          <a:prstGeom prst="rightArrow">
+            <a:avLst/>
+          </a:prstGeom>
+          <a:gradFill flip="none" rotWithShape="1">
+            <a:gsLst>
+              <a:gs pos="0">
+                <a:schemeClr val="accent1">
+                  <a:tint val="66000"/>
+                  <a:satMod val="160000"/>
+                </a:schemeClr>
+              </a:gs>
+              <a:gs pos="50000">
+                <a:schemeClr val="accent1">
+                  <a:tint val="44500"/>
+                  <a:satMod val="160000"/>
+                </a:schemeClr>
+              </a:gs>
+              <a:gs pos="100000">
+                <a:schemeClr val="accent1">
+                  <a:tint val="23500"/>
+                  <a:satMod val="160000"/>
+                </a:schemeClr>
+              </a:gs>
+            </a:gsLst>
+            <a:lin ang="0" scaled="1"/>
+            <a:tileRect/>
+          </a:gradFill>
+          <a:effectLst>
+            <a:outerShdw blurRad="50800" dist="38100" dir="2700000" algn="tl" rotWithShape="0">
+              <a:prstClr val="black">
+                <a:alpha val="40000"/>
+              </a:prstClr>
+            </a:outerShdw>
+          </a:effectLst>
+        </p:spPr>
+        <p:style>
+          <a:lnRef idx="2">
+            <a:schemeClr val="accent5"/>
+          </a:lnRef>
+          <a:fillRef idx="1">
+            <a:schemeClr val="lt1"/>
+          </a:fillRef>
+          <a:effectRef idx="0">
+            <a:schemeClr val="accent5"/>
+          </a:effectRef>
+          <a:fontRef idx="minor">
+            <a:schemeClr val="dk1"/>
+          </a:fontRef>
+        </p:style>
+        <p:txBody>
+          <a:bodyPr rtlCol="0" anchor="ctr"/>
+          <a:lstStyle/>
+          <a:p>
+            <a:pPr algn="ctr" eaLnBrk="1" hangingPunct="1">
+              <a:spcBef>
+                <a:spcPct val="0"/>
+              </a:spcBef>
+              <a:buClr>
+                <a:schemeClr val="accent2"/>
+              </a:buClr>
+            </a:pPr>
+            <a:endParaRPr lang="zh-CN" altLang="en-US" sz="1200" dirty="0" smtClean="0">
+              <a:solidFill>
+                <a:schemeClr val="tx1"/>
+              </a:solidFill>
+              <a:ea typeface="宋体" panose="02010600030101010101" pitchFamily="2" charset="-122"/>
+            </a:endParaRPr>
+          </a:p>
+        </p:txBody>
+      </p:sp>
+      <p:sp>
+        <p:nvSpPr>
+          <p:cNvPr id="32" name="右箭头 31"/>
+          <p:cNvSpPr/>
+          <p:nvPr/>
+        </p:nvSpPr>
+        <p:spPr>
+          <a:xfrm>
+            <a:off x="4370378" y="5639569"/>
+            <a:ext cx="2065698" cy="242316"/>
+          </a:xfrm>
+          <a:prstGeom prst="rightArrow">
+            <a:avLst/>
+          </a:prstGeom>
+          <a:gradFill flip="none" rotWithShape="1">
+            <a:gsLst>
+              <a:gs pos="0">
+                <a:schemeClr val="accent1">
+                  <a:tint val="66000"/>
+                  <a:satMod val="160000"/>
+                </a:schemeClr>
+              </a:gs>
+              <a:gs pos="50000">
+                <a:schemeClr val="accent1">
+                  <a:tint val="44500"/>
+                  <a:satMod val="160000"/>
+                </a:schemeClr>
+              </a:gs>
+              <a:gs pos="100000">
+                <a:schemeClr val="accent1">
+                  <a:tint val="23500"/>
+                  <a:satMod val="160000"/>
+                </a:schemeClr>
+              </a:gs>
+            </a:gsLst>
+            <a:lin ang="0" scaled="1"/>
+            <a:tileRect/>
+          </a:gradFill>
+          <a:effectLst>
+            <a:outerShdw blurRad="50800" dist="38100" dir="2700000" algn="tl" rotWithShape="0">
+              <a:prstClr val="black">
+                <a:alpha val="40000"/>
+              </a:prstClr>
+            </a:outerShdw>
+          </a:effectLst>
+        </p:spPr>
+        <p:style>
+          <a:lnRef idx="2">
+            <a:schemeClr val="accent5"/>
+          </a:lnRef>
+          <a:fillRef idx="1">
+            <a:schemeClr val="lt1"/>
+          </a:fillRef>
+          <a:effectRef idx="0">
+            <a:schemeClr val="accent5"/>
+          </a:effectRef>
+          <a:fontRef idx="minor">
+            <a:schemeClr val="dk1"/>
+          </a:fontRef>
+        </p:style>
+        <p:txBody>
+          <a:bodyPr rtlCol="0" anchor="ctr"/>
+          <a:lstStyle/>
+          <a:p>
+            <a:pPr algn="ctr" eaLnBrk="1" hangingPunct="1">
+              <a:spcBef>
+                <a:spcPct val="0"/>
+              </a:spcBef>
+              <a:buClr>
+                <a:schemeClr val="accent2"/>
+              </a:buClr>
+            </a:pPr>
+            <a:endParaRPr lang="zh-CN" altLang="en-US" sz="1200" dirty="0" smtClean="0">
+              <a:solidFill>
+                <a:schemeClr val="tx1"/>
+              </a:solidFill>
+              <a:ea typeface="宋体" panose="02010600030101010101" pitchFamily="2" charset="-122"/>
+            </a:endParaRPr>
+          </a:p>
+        </p:txBody>
+      </p:sp>
+      <p:cxnSp>
+        <p:nvCxnSpPr>
+          <p:cNvPr id="35" name="直接箭头连接符 18"/>
+          <p:cNvCxnSpPr>
+            <a:stCxn id="16" idx="6"/>
+            <a:endCxn id="17" idx="1"/>
+          </p:cNvCxnSpPr>
+          <p:nvPr/>
+        </p:nvCxnSpPr>
+        <p:spPr>
+          <a:xfrm flipV="1">
+            <a:off x="2285749" y="1635215"/>
+            <a:ext cx="1004316" cy="2035420"/>
+          </a:xfrm>
+          <a:prstGeom prst="bentConnector3">
+            <a:avLst>
+              <a:gd name="adj1" fmla="val 50000"/>
+            </a:avLst>
+          </a:prstGeom>
+          <a:ln w="57150">
+            <a:tailEnd type="arrow"/>
+          </a:ln>
+        </p:spPr>
+        <p:style>
+          <a:lnRef idx="1">
+            <a:schemeClr val="accent1"/>
+          </a:lnRef>
+          <a:fillRef idx="0">
+            <a:schemeClr val="accent1"/>
+          </a:fillRef>
+          <a:effectRef idx="0">
+            <a:schemeClr val="accent1"/>
+          </a:effectRef>
+          <a:fontRef idx="minor">
+            <a:schemeClr val="tx1"/>
+          </a:fontRef>
+        </p:style>
+      </p:cxnSp>
+      <p:cxnSp>
+        <p:nvCxnSpPr>
+          <p:cNvPr id="38" name="直接箭头连接符 18"/>
+          <p:cNvCxnSpPr>
+            <a:stCxn id="16" idx="6"/>
+            <a:endCxn id="20" idx="1"/>
+          </p:cNvCxnSpPr>
+          <p:nvPr/>
+        </p:nvCxnSpPr>
+        <p:spPr>
+          <a:xfrm flipV="1">
+            <a:off x="2285749" y="2635049"/>
+            <a:ext cx="1004317" cy="1035586"/>
+          </a:xfrm>
+          <a:prstGeom prst="bentConnector3">
+            <a:avLst>
+              <a:gd name="adj1" fmla="val 50000"/>
+            </a:avLst>
+          </a:prstGeom>
+          <a:ln w="57150">
+            <a:tailEnd type="arrow"/>
+          </a:ln>
+        </p:spPr>
+        <p:style>
+          <a:lnRef idx="1">
+            <a:schemeClr val="accent1"/>
+          </a:lnRef>
+          <a:fillRef idx="0">
+            <a:schemeClr val="accent1"/>
+          </a:fillRef>
+          <a:effectRef idx="0">
+            <a:schemeClr val="accent1"/>
+          </a:effectRef>
+          <a:fontRef idx="minor">
+            <a:schemeClr val="tx1"/>
+          </a:fontRef>
+        </p:style>
+      </p:cxnSp>
+      <p:cxnSp>
+        <p:nvCxnSpPr>
+          <p:cNvPr id="45" name="直接箭头连接符 18"/>
+          <p:cNvCxnSpPr>
+            <a:stCxn id="16" idx="6"/>
+            <a:endCxn id="21" idx="1"/>
+          </p:cNvCxnSpPr>
+          <p:nvPr/>
+        </p:nvCxnSpPr>
+        <p:spPr>
+          <a:xfrm>
+            <a:off x="2285749" y="3670635"/>
+            <a:ext cx="1032597" cy="1"/>
+          </a:xfrm>
+          <a:prstGeom prst="bentConnector3">
+            <a:avLst>
+              <a:gd name="adj1" fmla="val 50000"/>
+            </a:avLst>
+          </a:prstGeom>
+          <a:ln w="57150">
+            <a:tailEnd type="arrow"/>
+          </a:ln>
+        </p:spPr>
+        <p:style>
+          <a:lnRef idx="1">
+            <a:schemeClr val="accent1"/>
+          </a:lnRef>
+          <a:fillRef idx="0">
+            <a:schemeClr val="accent1"/>
+          </a:fillRef>
+          <a:effectRef idx="0">
+            <a:schemeClr val="accent1"/>
+          </a:effectRef>
+          <a:fontRef idx="minor">
+            <a:schemeClr val="tx1"/>
+          </a:fontRef>
+        </p:style>
+      </p:cxnSp>
+      <p:cxnSp>
+        <p:nvCxnSpPr>
+          <p:cNvPr id="55" name="直接箭头连接符 18"/>
+          <p:cNvCxnSpPr>
+            <a:stCxn id="16" idx="6"/>
+            <a:endCxn id="18" idx="1"/>
+          </p:cNvCxnSpPr>
+          <p:nvPr/>
+        </p:nvCxnSpPr>
+        <p:spPr>
+          <a:xfrm>
+            <a:off x="2285749" y="3670635"/>
+            <a:ext cx="1010478" cy="1105259"/>
+          </a:xfrm>
+          <a:prstGeom prst="bentConnector3">
+            <a:avLst>
+              <a:gd name="adj1" fmla="val 50000"/>
+            </a:avLst>
+          </a:prstGeom>
+          <a:ln w="57150">
+            <a:tailEnd type="arrow"/>
+          </a:ln>
+        </p:spPr>
+        <p:style>
+          <a:lnRef idx="1">
+            <a:schemeClr val="accent1"/>
+          </a:lnRef>
+          <a:fillRef idx="0">
+            <a:schemeClr val="accent1"/>
+          </a:fillRef>
+          <a:effectRef idx="0">
+            <a:schemeClr val="accent1"/>
+          </a:effectRef>
+          <a:fontRef idx="minor">
+            <a:schemeClr val="tx1"/>
+          </a:fontRef>
+        </p:style>
+      </p:cxnSp>
+      <p:cxnSp>
+        <p:nvCxnSpPr>
+          <p:cNvPr id="58" name="直接箭头连接符 18"/>
+          <p:cNvCxnSpPr>
+            <a:stCxn id="16" idx="6"/>
+            <a:endCxn id="19" idx="1"/>
+          </p:cNvCxnSpPr>
+          <p:nvPr/>
+        </p:nvCxnSpPr>
+        <p:spPr>
+          <a:xfrm>
+            <a:off x="2285749" y="3670635"/>
+            <a:ext cx="1016639" cy="2090093"/>
+          </a:xfrm>
+          <a:prstGeom prst="bentConnector3">
+            <a:avLst>
+              <a:gd name="adj1" fmla="val 50000"/>
+            </a:avLst>
+          </a:prstGeom>
+          <a:ln w="57150">
+            <a:tailEnd type="arrow"/>
+          </a:ln>
+        </p:spPr>
+        <p:style>
+          <a:lnRef idx="1">
+            <a:schemeClr val="accent1"/>
+          </a:lnRef>
+          <a:fillRef idx="0">
+            <a:schemeClr val="accent1"/>
+          </a:fillRef>
+          <a:effectRef idx="0">
+            <a:schemeClr val="accent1"/>
+          </a:effectRef>
+          <a:fontRef idx="minor">
+            <a:schemeClr val="tx1"/>
+          </a:fontRef>
+        </p:style>
+      </p:cxnSp>
+      <p:sp>
+        <p:nvSpPr>
+          <p:cNvPr id="61" name="圆角矩形 60"/>
+          <p:cNvSpPr/>
+          <p:nvPr/>
+        </p:nvSpPr>
+        <p:spPr>
+          <a:xfrm>
+            <a:off x="6589980" y="1291831"/>
+            <a:ext cx="1805657" cy="743144"/>
+          </a:xfrm>
+          <a:prstGeom prst="roundRect">
+            <a:avLst/>
+          </a:prstGeom>
+          <a:gradFill flip="none" rotWithShape="1">
+            <a:gsLst>
+              <a:gs pos="0">
+                <a:schemeClr val="accent1">
+                  <a:tint val="66000"/>
+                  <a:satMod val="160000"/>
+                </a:schemeClr>
+              </a:gs>
+              <a:gs pos="50000">
+                <a:schemeClr val="accent1">
+                  <a:tint val="44500"/>
+                  <a:satMod val="160000"/>
+                </a:schemeClr>
+              </a:gs>
+              <a:gs pos="100000">
+                <a:schemeClr val="accent1">
+                  <a:tint val="23500"/>
+                  <a:satMod val="160000"/>
+                </a:schemeClr>
+              </a:gs>
+            </a:gsLst>
+            <a:lin ang="0" scaled="1"/>
+            <a:tileRect/>
+          </a:gradFill>
+          <a:effectLst>
+            <a:outerShdw blurRad="50800" dist="38100" dir="2700000" algn="tl" rotWithShape="0">
+              <a:prstClr val="black">
+                <a:alpha val="40000"/>
+              </a:prstClr>
+            </a:outerShdw>
+          </a:effectLst>
+        </p:spPr>
+        <p:style>
+          <a:lnRef idx="2">
+            <a:schemeClr val="accent5"/>
+          </a:lnRef>
+          <a:fillRef idx="1">
+            <a:schemeClr val="lt1"/>
+          </a:fillRef>
+          <a:effectRef idx="0">
+            <a:schemeClr val="accent5"/>
+          </a:effectRef>
+          <a:fontRef idx="minor">
+            <a:schemeClr val="dk1"/>
+          </a:fontRef>
+        </p:style>
+        <p:txBody>
+          <a:bodyPr anchor="ctr"/>
+          <a:lstStyle/>
+          <a:p>
+            <a:pPr fontAlgn="auto">
+              <a:lnSpc>
+                <a:spcPct val="150000"/>
+              </a:lnSpc>
+              <a:spcBef>
+                <a:spcPct val="0"/>
+              </a:spcBef>
+              <a:buClr>
+                <a:schemeClr val="accent2"/>
+              </a:buClr>
+            </a:pPr>
+            <a:r>
+              <a:rPr lang="zh-CN" altLang="en-US" sz="1200" dirty="0" smtClean="0">
+                <a:solidFill>
+                  <a:schemeClr val="tx1"/>
+                </a:solidFill>
+                <a:ea typeface="宋体" panose="02010600030101010101" pitchFamily="2" charset="-122"/>
+              </a:rPr>
+              <a:t>美观、易于使用、自适应屏幕分辨率</a:t>
+            </a:r>
+            <a:endParaRPr lang="zh-CN" altLang="en-US" sz="1200" dirty="0" smtClean="0">
+              <a:solidFill>
+                <a:schemeClr val="tx1"/>
+              </a:solidFill>
+              <a:ea typeface="宋体" panose="02010600030101010101" pitchFamily="2" charset="-122"/>
+            </a:endParaRPr>
+          </a:p>
+        </p:txBody>
+      </p:sp>
+      <p:sp>
+        <p:nvSpPr>
+          <p:cNvPr id="62" name="圆角矩形 61"/>
+          <p:cNvSpPr/>
+          <p:nvPr/>
+        </p:nvSpPr>
+        <p:spPr>
+          <a:xfrm>
+            <a:off x="6589981" y="2327144"/>
+            <a:ext cx="1805657" cy="687659"/>
+          </a:xfrm>
+          <a:prstGeom prst="roundRect">
+            <a:avLst/>
+          </a:prstGeom>
+          <a:gradFill flip="none" rotWithShape="1">
+            <a:gsLst>
+              <a:gs pos="0">
+                <a:schemeClr val="accent1">
+                  <a:tint val="66000"/>
+                  <a:satMod val="160000"/>
+                </a:schemeClr>
+              </a:gs>
+              <a:gs pos="50000">
+                <a:schemeClr val="accent1">
+                  <a:tint val="44500"/>
+                  <a:satMod val="160000"/>
+                </a:schemeClr>
+              </a:gs>
+              <a:gs pos="100000">
+                <a:schemeClr val="accent1">
+                  <a:tint val="23500"/>
+                  <a:satMod val="160000"/>
+                </a:schemeClr>
+              </a:gs>
+            </a:gsLst>
+            <a:lin ang="0" scaled="1"/>
+            <a:tileRect/>
+          </a:gradFill>
+          <a:effectLst>
+            <a:outerShdw blurRad="50800" dist="38100" dir="2700000" algn="tl" rotWithShape="0">
+              <a:prstClr val="black">
+                <a:alpha val="40000"/>
+              </a:prstClr>
+            </a:outerShdw>
+          </a:effectLst>
+        </p:spPr>
+        <p:style>
+          <a:lnRef idx="2">
+            <a:schemeClr val="accent5"/>
+          </a:lnRef>
+          <a:fillRef idx="1">
+            <a:schemeClr val="lt1"/>
+          </a:fillRef>
+          <a:effectRef idx="0">
+            <a:schemeClr val="accent5"/>
+          </a:effectRef>
+          <a:fontRef idx="minor">
+            <a:schemeClr val="dk1"/>
+          </a:fontRef>
+        </p:style>
+        <p:txBody>
+          <a:bodyPr anchor="ctr"/>
+          <a:lstStyle/>
+          <a:p>
+            <a:pPr fontAlgn="auto">
+              <a:lnSpc>
+                <a:spcPct val="150000"/>
+              </a:lnSpc>
+              <a:spcBef>
+                <a:spcPct val="0"/>
+              </a:spcBef>
+              <a:buClr>
+                <a:schemeClr val="accent2"/>
+              </a:buClr>
+            </a:pPr>
+            <a:r>
+              <a:rPr lang="zh-CN" altLang="en-US" sz="1200" dirty="0" smtClean="0">
+                <a:solidFill>
+                  <a:schemeClr val="tx1"/>
+                </a:solidFill>
+                <a:ea typeface="宋体" panose="02010600030101010101" pitchFamily="2" charset="-122"/>
+              </a:rPr>
+              <a:t>引入方便，</a:t>
+            </a:r>
+            <a:r>
+              <a:rPr lang="zh-CN" altLang="en-US" sz="1200" dirty="0">
+                <a:solidFill>
+                  <a:schemeClr val="tx1"/>
+                </a:solidFill>
+                <a:ea typeface="宋体" panose="02010600030101010101" pitchFamily="2" charset="-122"/>
+              </a:rPr>
+              <a:t>自主</a:t>
+            </a:r>
+            <a:r>
+              <a:rPr lang="zh-CN" altLang="en-US" sz="1200" dirty="0" smtClean="0">
+                <a:solidFill>
+                  <a:schemeClr val="tx1"/>
+                </a:solidFill>
+                <a:ea typeface="宋体" panose="02010600030101010101" pitchFamily="2" charset="-122"/>
+              </a:rPr>
+              <a:t>配置，操作步骤简单</a:t>
+            </a:r>
+            <a:endParaRPr lang="zh-CN" altLang="en-US" sz="1200" dirty="0" smtClean="0">
+              <a:solidFill>
+                <a:schemeClr val="tx1"/>
+              </a:solidFill>
+              <a:ea typeface="宋体" panose="02010600030101010101" pitchFamily="2" charset="-122"/>
+            </a:endParaRPr>
+          </a:p>
+        </p:txBody>
+      </p:sp>
+      <p:sp>
+        <p:nvSpPr>
+          <p:cNvPr id="63" name="圆角矩形 62"/>
+          <p:cNvSpPr/>
+          <p:nvPr/>
+        </p:nvSpPr>
+        <p:spPr>
+          <a:xfrm>
+            <a:off x="6589980" y="3256385"/>
+            <a:ext cx="1986727" cy="828498"/>
+          </a:xfrm>
+          <a:prstGeom prst="roundRect">
+            <a:avLst/>
+          </a:prstGeom>
+          <a:gradFill flip="none" rotWithShape="1">
+            <a:gsLst>
+              <a:gs pos="0">
+                <a:schemeClr val="accent1">
+                  <a:tint val="66000"/>
+                  <a:satMod val="160000"/>
+                </a:schemeClr>
+              </a:gs>
+              <a:gs pos="50000">
+                <a:schemeClr val="accent1">
+                  <a:tint val="44500"/>
+                  <a:satMod val="160000"/>
+                </a:schemeClr>
+              </a:gs>
+              <a:gs pos="100000">
+                <a:schemeClr val="accent1">
+                  <a:tint val="23500"/>
+                  <a:satMod val="160000"/>
+                </a:schemeClr>
+              </a:gs>
+            </a:gsLst>
+            <a:lin ang="0" scaled="1"/>
+            <a:tileRect/>
+          </a:gradFill>
+          <a:effectLst>
+            <a:outerShdw blurRad="50800" dist="38100" dir="2700000" algn="tl" rotWithShape="0">
+              <a:prstClr val="black">
+                <a:alpha val="40000"/>
+              </a:prstClr>
+            </a:outerShdw>
+          </a:effectLst>
+        </p:spPr>
+        <p:style>
+          <a:lnRef idx="2">
+            <a:schemeClr val="accent5"/>
+          </a:lnRef>
+          <a:fillRef idx="1">
+            <a:schemeClr val="lt1"/>
+          </a:fillRef>
+          <a:effectRef idx="0">
+            <a:schemeClr val="accent5"/>
+          </a:effectRef>
+          <a:fontRef idx="minor">
+            <a:schemeClr val="dk1"/>
+          </a:fontRef>
+        </p:style>
+        <p:txBody>
+          <a:bodyPr anchor="ctr"/>
+          <a:lstStyle/>
+          <a:p>
+            <a:pPr fontAlgn="auto">
+              <a:lnSpc>
+                <a:spcPct val="150000"/>
+              </a:lnSpc>
+              <a:spcBef>
+                <a:spcPct val="0"/>
+              </a:spcBef>
+              <a:buClr>
+                <a:schemeClr val="accent2"/>
+              </a:buClr>
+            </a:pPr>
+            <a:r>
+              <a:rPr lang="zh-CN" altLang="en-US" sz="1200" dirty="0" smtClean="0">
+                <a:solidFill>
+                  <a:schemeClr val="tx1"/>
+                </a:solidFill>
+                <a:ea typeface="宋体" panose="02010600030101010101" pitchFamily="2" charset="-122"/>
+              </a:rPr>
+              <a:t>二次开发能力强，标准化与业务功能的结合</a:t>
+            </a:r>
+            <a:endParaRPr lang="zh-CN" altLang="en-US" sz="1200" dirty="0" smtClean="0">
+              <a:solidFill>
+                <a:schemeClr val="tx1"/>
+              </a:solidFill>
+              <a:ea typeface="宋体" panose="02010600030101010101" pitchFamily="2" charset="-122"/>
+            </a:endParaRPr>
+          </a:p>
+        </p:txBody>
+      </p:sp>
+      <p:sp>
+        <p:nvSpPr>
+          <p:cNvPr id="64" name="圆角矩形 63"/>
+          <p:cNvSpPr/>
+          <p:nvPr/>
+        </p:nvSpPr>
+        <p:spPr>
+          <a:xfrm>
+            <a:off x="6589982" y="4317230"/>
+            <a:ext cx="2122530" cy="917327"/>
+          </a:xfrm>
+          <a:prstGeom prst="roundRect">
+            <a:avLst/>
+          </a:prstGeom>
+          <a:gradFill flip="none" rotWithShape="1">
+            <a:gsLst>
+              <a:gs pos="0">
+                <a:schemeClr val="accent1">
+                  <a:tint val="66000"/>
+                  <a:satMod val="160000"/>
+                </a:schemeClr>
+              </a:gs>
+              <a:gs pos="50000">
+                <a:schemeClr val="accent1">
+                  <a:tint val="44500"/>
+                  <a:satMod val="160000"/>
+                </a:schemeClr>
+              </a:gs>
+              <a:gs pos="100000">
+                <a:schemeClr val="accent1">
+                  <a:tint val="23500"/>
+                  <a:satMod val="160000"/>
+                </a:schemeClr>
+              </a:gs>
+            </a:gsLst>
+            <a:lin ang="0" scaled="1"/>
+            <a:tileRect/>
+          </a:gradFill>
+          <a:effectLst>
+            <a:outerShdw blurRad="50800" dist="38100" dir="2700000" algn="tl" rotWithShape="0">
+              <a:prstClr val="black">
+                <a:alpha val="40000"/>
+              </a:prstClr>
+            </a:outerShdw>
+          </a:effectLst>
+        </p:spPr>
+        <p:style>
+          <a:lnRef idx="2">
+            <a:schemeClr val="accent5"/>
+          </a:lnRef>
+          <a:fillRef idx="1">
+            <a:schemeClr val="lt1"/>
+          </a:fillRef>
+          <a:effectRef idx="0">
+            <a:schemeClr val="accent5"/>
+          </a:effectRef>
+          <a:fontRef idx="minor">
+            <a:schemeClr val="dk1"/>
+          </a:fontRef>
+        </p:style>
+        <p:txBody>
+          <a:bodyPr anchor="ctr"/>
+          <a:lstStyle/>
+          <a:p>
+            <a:pPr fontAlgn="auto">
+              <a:lnSpc>
+                <a:spcPct val="150000"/>
+              </a:lnSpc>
+              <a:spcBef>
+                <a:spcPct val="0"/>
+              </a:spcBef>
+              <a:buClr>
+                <a:schemeClr val="accent2"/>
+              </a:buClr>
+            </a:pPr>
+            <a:r>
+              <a:rPr lang="zh-CN" altLang="en-US" sz="1200" dirty="0" smtClean="0">
+                <a:solidFill>
+                  <a:schemeClr val="tx1"/>
+                </a:solidFill>
+                <a:ea typeface="宋体" panose="02010600030101010101" pitchFamily="2" charset="-122"/>
+              </a:rPr>
+              <a:t>功能操作简单，功能涵盖全面，性能良好，易于用户自主配置分析</a:t>
+            </a:r>
+            <a:endParaRPr lang="zh-CN" altLang="en-US" sz="1200" dirty="0" smtClean="0">
+              <a:solidFill>
+                <a:schemeClr val="tx1"/>
+              </a:solidFill>
+              <a:ea typeface="宋体" panose="02010600030101010101" pitchFamily="2" charset="-122"/>
+            </a:endParaRPr>
+          </a:p>
+        </p:txBody>
+      </p:sp>
+      <p:sp>
+        <p:nvSpPr>
+          <p:cNvPr id="65" name="圆角矩形 64"/>
+          <p:cNvSpPr/>
+          <p:nvPr/>
+        </p:nvSpPr>
+        <p:spPr>
+          <a:xfrm>
+            <a:off x="6589982" y="5484858"/>
+            <a:ext cx="2122530" cy="917327"/>
+          </a:xfrm>
+          <a:prstGeom prst="roundRect">
+            <a:avLst/>
+          </a:prstGeom>
+          <a:gradFill flip="none" rotWithShape="1">
+            <a:gsLst>
+              <a:gs pos="0">
+                <a:schemeClr val="accent1">
+                  <a:tint val="66000"/>
+                  <a:satMod val="160000"/>
+                </a:schemeClr>
+              </a:gs>
+              <a:gs pos="50000">
+                <a:schemeClr val="accent1">
+                  <a:tint val="44500"/>
+                  <a:satMod val="160000"/>
+                </a:schemeClr>
+              </a:gs>
+              <a:gs pos="100000">
+                <a:schemeClr val="accent1">
+                  <a:tint val="23500"/>
+                  <a:satMod val="160000"/>
+                </a:schemeClr>
+              </a:gs>
+            </a:gsLst>
+            <a:lin ang="0" scaled="1"/>
+            <a:tileRect/>
+          </a:gradFill>
+          <a:effectLst>
+            <a:outerShdw blurRad="50800" dist="38100" dir="2700000" algn="tl" rotWithShape="0">
+              <a:prstClr val="black">
+                <a:alpha val="40000"/>
+              </a:prstClr>
+            </a:outerShdw>
+          </a:effectLst>
+        </p:spPr>
+        <p:style>
+          <a:lnRef idx="2">
+            <a:schemeClr val="accent5"/>
+          </a:lnRef>
+          <a:fillRef idx="1">
+            <a:schemeClr val="lt1"/>
+          </a:fillRef>
+          <a:effectRef idx="0">
+            <a:schemeClr val="accent5"/>
+          </a:effectRef>
+          <a:fontRef idx="minor">
+            <a:schemeClr val="dk1"/>
+          </a:fontRef>
+        </p:style>
+        <p:txBody>
+          <a:bodyPr anchor="ctr"/>
+          <a:lstStyle/>
+          <a:p>
+            <a:pPr fontAlgn="auto">
+              <a:lnSpc>
+                <a:spcPct val="150000"/>
+              </a:lnSpc>
+              <a:spcBef>
+                <a:spcPct val="0"/>
+              </a:spcBef>
+              <a:buClr>
+                <a:schemeClr val="accent2"/>
+              </a:buClr>
+            </a:pPr>
+            <a:r>
+              <a:rPr lang="en-US" altLang="zh-CN" sz="1200" dirty="0" smtClean="0">
+                <a:solidFill>
+                  <a:schemeClr val="tx1"/>
+                </a:solidFill>
+                <a:ea typeface="宋体" panose="02010600030101010101" pitchFamily="2" charset="-122"/>
+              </a:rPr>
+              <a:t>MVC+MVVM</a:t>
+            </a:r>
+            <a:r>
+              <a:rPr lang="zh-CN" altLang="en-US" sz="1200" dirty="0" smtClean="0">
+                <a:solidFill>
+                  <a:schemeClr val="tx1"/>
+                </a:solidFill>
+                <a:ea typeface="宋体" panose="02010600030101010101" pitchFamily="2" charset="-122"/>
+              </a:rPr>
+              <a:t>，业务与数据分离，耦合性低，模块化开发，易于多人协同工作</a:t>
+            </a:r>
+            <a:endParaRPr lang="zh-CN" altLang="en-US" sz="1200" dirty="0" smtClean="0">
+              <a:solidFill>
+                <a:schemeClr val="tx1"/>
+              </a:solidFill>
+              <a:ea typeface="宋体" panose="02010600030101010101" pitchFamily="2" charset="-122"/>
+            </a:endParaRPr>
+          </a:p>
+        </p:txBody>
+      </p:sp>
+      <p:sp>
+        <p:nvSpPr>
+          <p:cNvPr id="77" name="右箭头 76"/>
+          <p:cNvSpPr/>
+          <p:nvPr/>
+        </p:nvSpPr>
+        <p:spPr>
+          <a:xfrm>
+            <a:off x="8598210" y="1542245"/>
+            <a:ext cx="1345888" cy="242316"/>
+          </a:xfrm>
+          <a:prstGeom prst="rightArrow">
+            <a:avLst/>
+          </a:prstGeom>
+          <a:gradFill flip="none" rotWithShape="1">
+            <a:gsLst>
+              <a:gs pos="0">
+                <a:schemeClr val="accent1">
+                  <a:tint val="66000"/>
+                  <a:satMod val="160000"/>
+                </a:schemeClr>
+              </a:gs>
+              <a:gs pos="50000">
+                <a:schemeClr val="accent1">
+                  <a:tint val="44500"/>
+                  <a:satMod val="160000"/>
+                </a:schemeClr>
+              </a:gs>
+              <a:gs pos="100000">
+                <a:schemeClr val="accent1">
+                  <a:tint val="23500"/>
+                  <a:satMod val="160000"/>
+                </a:schemeClr>
+              </a:gs>
+            </a:gsLst>
+            <a:lin ang="0" scaled="1"/>
+            <a:tileRect/>
+          </a:gradFill>
+          <a:effectLst>
+            <a:outerShdw blurRad="50800" dist="38100" dir="2700000" algn="tl" rotWithShape="0">
+              <a:prstClr val="black">
+                <a:alpha val="40000"/>
+              </a:prstClr>
+            </a:outerShdw>
+          </a:effectLst>
+        </p:spPr>
+        <p:style>
+          <a:lnRef idx="2">
+            <a:schemeClr val="accent5"/>
+          </a:lnRef>
+          <a:fillRef idx="1">
+            <a:schemeClr val="lt1"/>
+          </a:fillRef>
+          <a:effectRef idx="0">
+            <a:schemeClr val="accent5"/>
+          </a:effectRef>
+          <a:fontRef idx="minor">
+            <a:schemeClr val="dk1"/>
+          </a:fontRef>
+        </p:style>
+        <p:txBody>
+          <a:bodyPr rtlCol="0" anchor="ctr"/>
+          <a:lstStyle/>
+          <a:p>
+            <a:pPr algn="ctr" eaLnBrk="1" hangingPunct="1">
+              <a:spcBef>
+                <a:spcPct val="0"/>
+              </a:spcBef>
+              <a:buClr>
+                <a:schemeClr val="accent2"/>
+              </a:buClr>
+            </a:pPr>
+            <a:endParaRPr lang="zh-CN" altLang="en-US" sz="1200" dirty="0" smtClean="0">
+              <a:solidFill>
+                <a:schemeClr val="tx1"/>
+              </a:solidFill>
+              <a:ea typeface="宋体" panose="02010600030101010101" pitchFamily="2" charset="-122"/>
+            </a:endParaRPr>
+          </a:p>
+        </p:txBody>
+      </p:sp>
+      <p:sp>
+        <p:nvSpPr>
+          <p:cNvPr id="78" name="右箭头 77"/>
+          <p:cNvSpPr/>
+          <p:nvPr/>
+        </p:nvSpPr>
+        <p:spPr>
+          <a:xfrm>
+            <a:off x="8576707" y="2481855"/>
+            <a:ext cx="1367391" cy="242316"/>
+          </a:xfrm>
+          <a:prstGeom prst="rightArrow">
+            <a:avLst/>
+          </a:prstGeom>
+          <a:gradFill flip="none" rotWithShape="1">
+            <a:gsLst>
+              <a:gs pos="0">
+                <a:schemeClr val="accent1">
+                  <a:tint val="66000"/>
+                  <a:satMod val="160000"/>
+                </a:schemeClr>
+              </a:gs>
+              <a:gs pos="50000">
+                <a:schemeClr val="accent1">
+                  <a:tint val="44500"/>
+                  <a:satMod val="160000"/>
+                </a:schemeClr>
+              </a:gs>
+              <a:gs pos="100000">
+                <a:schemeClr val="accent1">
+                  <a:tint val="23500"/>
+                  <a:satMod val="160000"/>
+                </a:schemeClr>
+              </a:gs>
+            </a:gsLst>
+            <a:lin ang="0" scaled="1"/>
+            <a:tileRect/>
+          </a:gradFill>
+          <a:effectLst>
+            <a:outerShdw blurRad="50800" dist="38100" dir="2700000" algn="tl" rotWithShape="0">
+              <a:prstClr val="black">
+                <a:alpha val="40000"/>
+              </a:prstClr>
+            </a:outerShdw>
+          </a:effectLst>
+        </p:spPr>
+        <p:style>
+          <a:lnRef idx="2">
+            <a:schemeClr val="accent5"/>
+          </a:lnRef>
+          <a:fillRef idx="1">
+            <a:schemeClr val="lt1"/>
+          </a:fillRef>
+          <a:effectRef idx="0">
+            <a:schemeClr val="accent5"/>
+          </a:effectRef>
+          <a:fontRef idx="minor">
+            <a:schemeClr val="dk1"/>
+          </a:fontRef>
+        </p:style>
+        <p:txBody>
+          <a:bodyPr rtlCol="0" anchor="ctr"/>
+          <a:lstStyle/>
+          <a:p>
+            <a:pPr algn="ctr" eaLnBrk="1" hangingPunct="1">
+              <a:spcBef>
+                <a:spcPct val="0"/>
+              </a:spcBef>
+              <a:buClr>
+                <a:schemeClr val="accent2"/>
+              </a:buClr>
+            </a:pPr>
+            <a:endParaRPr lang="zh-CN" altLang="en-US" sz="1200" dirty="0" smtClean="0">
+              <a:solidFill>
+                <a:schemeClr val="tx1"/>
+              </a:solidFill>
+              <a:ea typeface="宋体" panose="02010600030101010101" pitchFamily="2" charset="-122"/>
+            </a:endParaRPr>
+          </a:p>
+        </p:txBody>
+      </p:sp>
+      <p:sp>
+        <p:nvSpPr>
+          <p:cNvPr id="79" name="右箭头 78"/>
+          <p:cNvSpPr/>
+          <p:nvPr/>
+        </p:nvSpPr>
+        <p:spPr>
+          <a:xfrm>
+            <a:off x="8691011" y="3563144"/>
+            <a:ext cx="1321123" cy="242316"/>
+          </a:xfrm>
+          <a:prstGeom prst="rightArrow">
+            <a:avLst/>
+          </a:prstGeom>
+          <a:gradFill flip="none" rotWithShape="1">
+            <a:gsLst>
+              <a:gs pos="0">
+                <a:schemeClr val="accent1">
+                  <a:tint val="66000"/>
+                  <a:satMod val="160000"/>
+                </a:schemeClr>
+              </a:gs>
+              <a:gs pos="50000">
+                <a:schemeClr val="accent1">
+                  <a:tint val="44500"/>
+                  <a:satMod val="160000"/>
+                </a:schemeClr>
+              </a:gs>
+              <a:gs pos="100000">
+                <a:schemeClr val="accent1">
+                  <a:tint val="23500"/>
+                  <a:satMod val="160000"/>
+                </a:schemeClr>
+              </a:gs>
+            </a:gsLst>
+            <a:lin ang="0" scaled="1"/>
+            <a:tileRect/>
+          </a:gradFill>
+          <a:effectLst>
+            <a:outerShdw blurRad="50800" dist="38100" dir="2700000" algn="tl" rotWithShape="0">
+              <a:prstClr val="black">
+                <a:alpha val="40000"/>
+              </a:prstClr>
+            </a:outerShdw>
+          </a:effectLst>
+        </p:spPr>
+        <p:style>
+          <a:lnRef idx="2">
+            <a:schemeClr val="accent5"/>
+          </a:lnRef>
+          <a:fillRef idx="1">
+            <a:schemeClr val="lt1"/>
+          </a:fillRef>
+          <a:effectRef idx="0">
+            <a:schemeClr val="accent5"/>
+          </a:effectRef>
+          <a:fontRef idx="minor">
+            <a:schemeClr val="dk1"/>
+          </a:fontRef>
+        </p:style>
+        <p:txBody>
+          <a:bodyPr rtlCol="0" anchor="ctr"/>
+          <a:lstStyle/>
+          <a:p>
+            <a:pPr algn="ctr" eaLnBrk="1" hangingPunct="1">
+              <a:spcBef>
+                <a:spcPct val="0"/>
+              </a:spcBef>
+              <a:buClr>
+                <a:schemeClr val="accent2"/>
+              </a:buClr>
+            </a:pPr>
+            <a:endParaRPr lang="zh-CN" altLang="en-US" sz="1200" dirty="0" smtClean="0">
+              <a:solidFill>
+                <a:schemeClr val="tx1"/>
+              </a:solidFill>
+              <a:ea typeface="宋体" panose="02010600030101010101" pitchFamily="2" charset="-122"/>
+            </a:endParaRPr>
+          </a:p>
+        </p:txBody>
+      </p:sp>
+      <p:sp>
+        <p:nvSpPr>
+          <p:cNvPr id="80" name="右箭头 79"/>
+          <p:cNvSpPr/>
+          <p:nvPr/>
+        </p:nvSpPr>
+        <p:spPr>
+          <a:xfrm>
+            <a:off x="8805134" y="4654735"/>
+            <a:ext cx="1207001" cy="242316"/>
+          </a:xfrm>
+          <a:prstGeom prst="rightArrow">
+            <a:avLst/>
+          </a:prstGeom>
+          <a:gradFill flip="none" rotWithShape="1">
+            <a:gsLst>
+              <a:gs pos="0">
+                <a:schemeClr val="accent1">
+                  <a:tint val="66000"/>
+                  <a:satMod val="160000"/>
+                </a:schemeClr>
+              </a:gs>
+              <a:gs pos="50000">
+                <a:schemeClr val="accent1">
+                  <a:tint val="44500"/>
+                  <a:satMod val="160000"/>
+                </a:schemeClr>
+              </a:gs>
+              <a:gs pos="100000">
+                <a:schemeClr val="accent1">
+                  <a:tint val="23500"/>
+                  <a:satMod val="160000"/>
+                </a:schemeClr>
+              </a:gs>
+            </a:gsLst>
+            <a:lin ang="0" scaled="1"/>
+            <a:tileRect/>
+          </a:gradFill>
+          <a:effectLst>
+            <a:outerShdw blurRad="50800" dist="38100" dir="2700000" algn="tl" rotWithShape="0">
+              <a:prstClr val="black">
+                <a:alpha val="40000"/>
+              </a:prstClr>
+            </a:outerShdw>
+          </a:effectLst>
+        </p:spPr>
+        <p:style>
+          <a:lnRef idx="2">
+            <a:schemeClr val="accent5"/>
+          </a:lnRef>
+          <a:fillRef idx="1">
+            <a:schemeClr val="lt1"/>
+          </a:fillRef>
+          <a:effectRef idx="0">
+            <a:schemeClr val="accent5"/>
+          </a:effectRef>
+          <a:fontRef idx="minor">
+            <a:schemeClr val="dk1"/>
+          </a:fontRef>
+        </p:style>
+        <p:txBody>
+          <a:bodyPr rtlCol="0" anchor="ctr"/>
+          <a:lstStyle/>
+          <a:p>
+            <a:pPr algn="ctr" eaLnBrk="1" hangingPunct="1">
+              <a:spcBef>
+                <a:spcPct val="0"/>
+              </a:spcBef>
+              <a:buClr>
+                <a:schemeClr val="accent2"/>
+              </a:buClr>
+            </a:pPr>
+            <a:endParaRPr lang="zh-CN" altLang="en-US" sz="1200" dirty="0" smtClean="0">
+              <a:solidFill>
+                <a:schemeClr val="tx1"/>
+              </a:solidFill>
+              <a:ea typeface="宋体" panose="02010600030101010101" pitchFamily="2" charset="-122"/>
+            </a:endParaRPr>
+          </a:p>
+        </p:txBody>
+      </p:sp>
+      <p:sp>
+        <p:nvSpPr>
+          <p:cNvPr id="81" name="右箭头 80"/>
+          <p:cNvSpPr/>
+          <p:nvPr/>
+        </p:nvSpPr>
+        <p:spPr>
+          <a:xfrm>
+            <a:off x="8805133" y="5760727"/>
+            <a:ext cx="1207001" cy="242316"/>
+          </a:xfrm>
+          <a:prstGeom prst="rightArrow">
+            <a:avLst/>
+          </a:prstGeom>
+          <a:gradFill flip="none" rotWithShape="1">
+            <a:gsLst>
+              <a:gs pos="0">
+                <a:schemeClr val="accent1">
+                  <a:tint val="66000"/>
+                  <a:satMod val="160000"/>
+                </a:schemeClr>
+              </a:gs>
+              <a:gs pos="50000">
+                <a:schemeClr val="accent1">
+                  <a:tint val="44500"/>
+                  <a:satMod val="160000"/>
+                </a:schemeClr>
+              </a:gs>
+              <a:gs pos="100000">
+                <a:schemeClr val="accent1">
+                  <a:tint val="23500"/>
+                  <a:satMod val="160000"/>
+                </a:schemeClr>
+              </a:gs>
+            </a:gsLst>
+            <a:lin ang="0" scaled="1"/>
+            <a:tileRect/>
+          </a:gradFill>
+          <a:effectLst>
+            <a:outerShdw blurRad="50800" dist="38100" dir="2700000" algn="tl" rotWithShape="0">
+              <a:prstClr val="black">
+                <a:alpha val="40000"/>
+              </a:prstClr>
+            </a:outerShdw>
+          </a:effectLst>
+        </p:spPr>
+        <p:style>
+          <a:lnRef idx="2">
+            <a:schemeClr val="accent5"/>
+          </a:lnRef>
+          <a:fillRef idx="1">
+            <a:schemeClr val="lt1"/>
+          </a:fillRef>
+          <a:effectRef idx="0">
+            <a:schemeClr val="accent5"/>
+          </a:effectRef>
+          <a:fontRef idx="minor">
+            <a:schemeClr val="dk1"/>
+          </a:fontRef>
+        </p:style>
+        <p:txBody>
+          <a:bodyPr rtlCol="0" anchor="ctr"/>
+          <a:lstStyle/>
+          <a:p>
+            <a:pPr algn="ctr" eaLnBrk="1" hangingPunct="1">
+              <a:spcBef>
+                <a:spcPct val="0"/>
+              </a:spcBef>
+              <a:buClr>
+                <a:schemeClr val="accent2"/>
+              </a:buClr>
+            </a:pPr>
+            <a:endParaRPr lang="zh-CN" altLang="en-US" sz="1200" dirty="0" smtClean="0">
+              <a:solidFill>
+                <a:schemeClr val="tx1"/>
+              </a:solidFill>
+              <a:ea typeface="宋体" panose="02010600030101010101" pitchFamily="2" charset="-122"/>
+            </a:endParaRPr>
+          </a:p>
+        </p:txBody>
+      </p:sp>
+      <p:sp>
+        <p:nvSpPr>
+          <p:cNvPr id="82" name="椭圆 81"/>
+          <p:cNvSpPr/>
+          <p:nvPr/>
+        </p:nvSpPr>
+        <p:spPr>
+          <a:xfrm>
+            <a:off x="3283902" y="707072"/>
+            <a:ext cx="1144646" cy="424611"/>
+          </a:xfrm>
+          <a:prstGeom prst="ellipse">
+            <a:avLst/>
+          </a:prstGeom>
+          <a:solidFill>
+            <a:srgbClr val="FFFF00"/>
+          </a:solidFill>
+          <a:effectLst>
+            <a:outerShdw blurRad="50800" dist="38100" dir="2700000" algn="tl" rotWithShape="0">
+              <a:prstClr val="black">
+                <a:alpha val="40000"/>
+              </a:prstClr>
+            </a:outerShdw>
+          </a:effectLst>
+        </p:spPr>
+        <p:style>
+          <a:lnRef idx="2">
+            <a:schemeClr val="accent5"/>
+          </a:lnRef>
+          <a:fillRef idx="1">
+            <a:schemeClr val="lt1"/>
+          </a:fillRef>
+          <a:effectRef idx="0">
+            <a:schemeClr val="accent5"/>
+          </a:effectRef>
+          <a:fontRef idx="minor">
+            <a:schemeClr val="dk1"/>
+          </a:fontRef>
+        </p:style>
+        <p:txBody>
+          <a:bodyPr rtlCol="0" anchor="ctr"/>
+          <a:lstStyle/>
+          <a:p>
+            <a:pPr algn="ctr" eaLnBrk="1" hangingPunct="1">
+              <a:spcBef>
+                <a:spcPct val="0"/>
+              </a:spcBef>
+              <a:buClr>
+                <a:schemeClr val="accent2"/>
+              </a:buClr>
+            </a:pPr>
+            <a:r>
+              <a:rPr lang="zh-CN" altLang="en-US" sz="1400" b="1" dirty="0" smtClean="0">
+                <a:solidFill>
+                  <a:schemeClr val="tx1"/>
+                </a:solidFill>
+                <a:ea typeface="宋体" panose="02010600030101010101" pitchFamily="2" charset="-122"/>
+              </a:rPr>
+              <a:t>改造方向</a:t>
+            </a:r>
+          </a:p>
+        </p:txBody>
+      </p:sp>
+      <p:sp>
+        <p:nvSpPr>
+          <p:cNvPr id="83" name="椭圆 82"/>
+          <p:cNvSpPr/>
+          <p:nvPr/>
+        </p:nvSpPr>
+        <p:spPr>
+          <a:xfrm>
+            <a:off x="6826313" y="707072"/>
+            <a:ext cx="1249273" cy="424611"/>
+          </a:xfrm>
+          <a:prstGeom prst="ellipse">
+            <a:avLst/>
+          </a:prstGeom>
+          <a:solidFill>
+            <a:srgbClr val="FFFF00"/>
+          </a:solidFill>
+          <a:effectLst>
+            <a:outerShdw blurRad="50800" dist="38100" dir="2700000" algn="tl" rotWithShape="0">
+              <a:prstClr val="black">
+                <a:alpha val="40000"/>
+              </a:prstClr>
+            </a:outerShdw>
+          </a:effectLst>
+        </p:spPr>
+        <p:style>
+          <a:lnRef idx="2">
+            <a:schemeClr val="accent5"/>
+          </a:lnRef>
+          <a:fillRef idx="1">
+            <a:schemeClr val="lt1"/>
+          </a:fillRef>
+          <a:effectRef idx="0">
+            <a:schemeClr val="accent5"/>
+          </a:effectRef>
+          <a:fontRef idx="minor">
+            <a:schemeClr val="dk1"/>
+          </a:fontRef>
+        </p:style>
+        <p:txBody>
+          <a:bodyPr rtlCol="0" anchor="ctr"/>
+          <a:lstStyle/>
+          <a:p>
+            <a:pPr algn="ctr" eaLnBrk="1" hangingPunct="1">
+              <a:spcBef>
+                <a:spcPct val="0"/>
+              </a:spcBef>
+              <a:buClr>
+                <a:schemeClr val="accent2"/>
+              </a:buClr>
+            </a:pPr>
+            <a:r>
+              <a:rPr lang="zh-CN" altLang="en-US" sz="1400" b="1" dirty="0" smtClean="0">
+                <a:solidFill>
+                  <a:schemeClr val="tx1"/>
+                </a:solidFill>
+                <a:ea typeface="宋体" panose="02010600030101010101" pitchFamily="2" charset="-122"/>
+              </a:rPr>
+              <a:t>改造目标</a:t>
+            </a:r>
+          </a:p>
+        </p:txBody>
+      </p:sp>
+      <p:sp>
+        <p:nvSpPr>
+          <p:cNvPr id="91" name="椭圆 90"/>
+          <p:cNvSpPr/>
+          <p:nvPr/>
+        </p:nvSpPr>
+        <p:spPr>
+          <a:xfrm>
+            <a:off x="10054316" y="707072"/>
+            <a:ext cx="1177896" cy="432155"/>
+          </a:xfrm>
+          <a:prstGeom prst="ellipse">
+            <a:avLst/>
+          </a:prstGeom>
+          <a:solidFill>
+            <a:srgbClr val="FFFF00"/>
+          </a:solidFill>
+          <a:effectLst>
+            <a:outerShdw blurRad="50800" dist="38100" dir="2700000" algn="tl" rotWithShape="0">
+              <a:prstClr val="black">
+                <a:alpha val="40000"/>
+              </a:prstClr>
+            </a:outerShdw>
+          </a:effectLst>
+        </p:spPr>
+        <p:style>
+          <a:lnRef idx="2">
+            <a:schemeClr val="accent5"/>
+          </a:lnRef>
+          <a:fillRef idx="1">
+            <a:schemeClr val="lt1"/>
+          </a:fillRef>
+          <a:effectRef idx="0">
+            <a:schemeClr val="accent5"/>
+          </a:effectRef>
+          <a:fontRef idx="minor">
+            <a:schemeClr val="dk1"/>
+          </a:fontRef>
+        </p:style>
+        <p:txBody>
+          <a:bodyPr rtlCol="0" anchor="ctr"/>
+          <a:lstStyle/>
+          <a:p>
+            <a:pPr algn="ctr" eaLnBrk="1" hangingPunct="1">
+              <a:spcBef>
+                <a:spcPct val="0"/>
+              </a:spcBef>
+              <a:buClr>
+                <a:schemeClr val="accent2"/>
+              </a:buClr>
+            </a:pPr>
+            <a:r>
+              <a:rPr lang="zh-CN" altLang="en-US" sz="1400" b="1" dirty="0" smtClean="0">
+                <a:solidFill>
+                  <a:schemeClr val="tx1"/>
+                </a:solidFill>
+                <a:ea typeface="宋体" panose="02010600030101010101" pitchFamily="2" charset="-122"/>
+              </a:rPr>
+              <a:t>改造参考项</a:t>
+            </a:r>
+          </a:p>
+        </p:txBody>
+      </p:sp>
+    </p:spTree>
+    <p:extLst>
+      <p:ext uri="{BB962C8B-B14F-4D97-AF65-F5344CB8AC3E}">
+        <p14:creationId xmlns:p14="http://schemas.microsoft.com/office/powerpoint/2010/main" val="2308851637"/>
+      </p:ext>
+    </p:extLst>
+  </p:cSld>
+  <p:clrMapOvr>
+    <a:masterClrMapping/>
+  </p:clrMapOvr>
+  <p:timing>
+    <p:tnLst>
+      <p:par>
+        <p:cTn id="1" dur="indefinite" restart="never" nodeType="tmRoot"/>
+      </p:par>
+    </p:tnLst>
+  </p:timing>
+</p:sld>
+</file>
+
+<file path=ppt/slides/slide12.xml><?xml version="1.0" encoding="utf-8"?>
+<p:sld xmlns:a="http://schemas.openxmlformats.org/drawingml/2006/main" xmlns:r="http://schemas.openxmlformats.org/officeDocument/2006/relationships" xmlns:p="http://schemas.openxmlformats.org/presentationml/2006/main">
+  <p:cSld>
+    <p:spTree>
+      <p:nvGrpSpPr>
+        <p:cNvPr id="1" name=""/>
+        <p:cNvGrpSpPr/>
+        <p:nvPr/>
+      </p:nvGrpSpPr>
+      <p:grpSpPr>
+        <a:xfrm>
+          <a:off x="0" y="0"/>
+          <a:ext cx="0" cy="0"/>
+          <a:chOff x="0" y="0"/>
+          <a:chExt cx="0" cy="0"/>
+        </a:xfrm>
+      </p:grpSpPr>
+      <p:sp>
+        <p:nvSpPr>
+          <p:cNvPr id="2" name="灯片编号占位符 1"/>
+          <p:cNvSpPr>
+            <a:spLocks noGrp="1"/>
+          </p:cNvSpPr>
+          <p:nvPr>
+            <p:ph type="sldNum" sz="quarter" idx="10"/>
+          </p:nvPr>
+        </p:nvSpPr>
+        <p:spPr/>
+        <p:txBody>
+          <a:bodyPr/>
+          <a:lstStyle/>
+          <a:p>
+            <a:fld id="{76B1E760-ECB3-4197-9FBC-1D87FC5C6A28}" type="slidenum">
+              <a:rPr kumimoji="1" lang="ja-JP" altLang="en-US" smtClean="0"/>
+              <a:t>12</a:t>
+            </a:fld>
+            <a:endParaRPr kumimoji="1" lang="ja-JP" altLang="en-US" dirty="0"/>
+          </a:p>
+        </p:txBody>
+      </p:sp>
+      <p:sp>
+        <p:nvSpPr>
+          <p:cNvPr id="3" name="标题 2"/>
+          <p:cNvSpPr>
+            <a:spLocks noGrp="1"/>
+          </p:cNvSpPr>
+          <p:nvPr>
+            <p:ph type="title"/>
+          </p:nvPr>
+        </p:nvSpPr>
+        <p:spPr/>
+        <p:txBody>
+          <a:bodyPr/>
+          <a:lstStyle/>
+          <a:p>
+            <a:r>
+              <a:rPr lang="en-US" altLang="zh-CN" dirty="0"/>
+              <a:t>2019</a:t>
+            </a:r>
+            <a:r>
+              <a:rPr lang="zh-CN" altLang="en-US" dirty="0"/>
+              <a:t>年工作规划和个人目标</a:t>
+            </a:r>
+            <a:r>
+              <a:rPr lang="en-US" altLang="zh-CN" dirty="0">
+                <a:solidFill>
+                  <a:srgbClr val="000000"/>
+                </a:solidFill>
+                <a:ea typeface="宋体" panose="02010600030101010101" pitchFamily="2" charset="-122"/>
+              </a:rPr>
+              <a:t/>
+            </a:r>
+            <a:br>
+              <a:rPr lang="en-US" altLang="zh-CN" dirty="0">
+                <a:solidFill>
+                  <a:srgbClr val="000000"/>
+                </a:solidFill>
+                <a:ea typeface="宋体" panose="02010600030101010101" pitchFamily="2" charset="-122"/>
+              </a:rPr>
+            </a:br>
+            <a:endParaRPr lang="zh-CN" altLang="en-US" dirty="0"/>
+          </a:p>
+        </p:txBody>
+      </p:sp>
+      <p:sp>
+        <p:nvSpPr>
+          <p:cNvPr id="5" name="文本框 23"/>
+          <p:cNvSpPr txBox="1"/>
+          <p:nvPr/>
+        </p:nvSpPr>
+        <p:spPr>
+          <a:xfrm>
+            <a:off x="306705" y="530860"/>
+            <a:ext cx="5954395" cy="352425"/>
+          </a:xfrm>
+          <a:prstGeom prst="rect">
+            <a:avLst/>
+          </a:prstGeom>
+          <a:noFill/>
+        </p:spPr>
+        <p:txBody>
+          <a:bodyPr wrap="square" rtlCol="0">
+            <a:spAutoFit/>
+          </a:bodyPr>
+          <a:lstStyle/>
+          <a:p>
+            <a:r>
+              <a:rPr lang="zh-CN" altLang="en-US" b="1" dirty="0" smtClean="0">
+                <a:sym typeface="+mn-ea"/>
+              </a:rPr>
+              <a:t>可视化工具升级改造方案</a:t>
+            </a:r>
+            <a:endParaRPr lang="zh-CN" altLang="en-US" b="1" dirty="0">
+              <a:sym typeface="+mn-ea"/>
+            </a:endParaRPr>
+          </a:p>
+        </p:txBody>
+      </p:sp>
+      <p:sp>
+        <p:nvSpPr>
+          <p:cNvPr id="6" name="圆角矩形 5"/>
+          <p:cNvSpPr/>
+          <p:nvPr/>
+        </p:nvSpPr>
+        <p:spPr>
+          <a:xfrm>
+            <a:off x="1207286" y="1404738"/>
+            <a:ext cx="951924" cy="416547"/>
+          </a:xfrm>
+          <a:prstGeom prst="roundRect">
+            <a:avLst/>
+          </a:prstGeom>
+          <a:gradFill flip="none" rotWithShape="1">
+            <a:gsLst>
+              <a:gs pos="0">
+                <a:schemeClr val="accent1">
+                  <a:tint val="66000"/>
+                  <a:satMod val="160000"/>
+                </a:schemeClr>
+              </a:gs>
+              <a:gs pos="50000">
+                <a:schemeClr val="accent1">
+                  <a:tint val="44500"/>
+                  <a:satMod val="160000"/>
+                </a:schemeClr>
+              </a:gs>
+              <a:gs pos="100000">
+                <a:schemeClr val="accent1">
+                  <a:tint val="23500"/>
+                  <a:satMod val="160000"/>
+                </a:schemeClr>
+              </a:gs>
+            </a:gsLst>
+            <a:lin ang="0" scaled="1"/>
+            <a:tileRect/>
+          </a:gradFill>
+          <a:effectLst>
+            <a:outerShdw blurRad="50800" dist="38100" dir="2700000" algn="tl" rotWithShape="0">
+              <a:prstClr val="black">
+                <a:alpha val="40000"/>
+              </a:prstClr>
+            </a:outerShdw>
+          </a:effectLst>
+        </p:spPr>
+        <p:style>
+          <a:lnRef idx="2">
+            <a:schemeClr val="accent5"/>
+          </a:lnRef>
+          <a:fillRef idx="1">
+            <a:schemeClr val="lt1"/>
+          </a:fillRef>
+          <a:effectRef idx="0">
+            <a:schemeClr val="accent5"/>
+          </a:effectRef>
+          <a:fontRef idx="minor">
+            <a:schemeClr val="dk1"/>
+          </a:fontRef>
+        </p:style>
+        <p:txBody>
+          <a:bodyPr anchor="ctr"/>
+          <a:lstStyle/>
+          <a:p>
+            <a:pPr algn="ctr" fontAlgn="auto">
+              <a:lnSpc>
+                <a:spcPct val="150000"/>
+              </a:lnSpc>
+              <a:spcBef>
+                <a:spcPct val="0"/>
+              </a:spcBef>
+              <a:buClr>
+                <a:schemeClr val="accent2"/>
+              </a:buClr>
+            </a:pPr>
+            <a:r>
+              <a:rPr lang="zh-CN" altLang="en-US" sz="1000" dirty="0" smtClean="0">
+                <a:solidFill>
+                  <a:schemeClr val="tx1"/>
+                </a:solidFill>
+                <a:latin typeface="宋体" panose="02010600030101010101" pitchFamily="2" charset="-122"/>
+                <a:ea typeface="宋体" panose="02010600030101010101" pitchFamily="2" charset="-122"/>
+              </a:rPr>
+              <a:t>项目页面</a:t>
+            </a:r>
+            <a:endParaRPr lang="zh-CN" altLang="en-US" sz="1000" dirty="0" smtClean="0">
+              <a:solidFill>
+                <a:schemeClr val="tx1"/>
+              </a:solidFill>
+              <a:latin typeface="宋体" panose="02010600030101010101" pitchFamily="2" charset="-122"/>
+              <a:ea typeface="宋体" panose="02010600030101010101" pitchFamily="2" charset="-122"/>
+            </a:endParaRPr>
+          </a:p>
+        </p:txBody>
+      </p:sp>
+      <p:sp>
+        <p:nvSpPr>
+          <p:cNvPr id="8" name="圆角矩形 7"/>
+          <p:cNvSpPr/>
+          <p:nvPr/>
+        </p:nvSpPr>
+        <p:spPr>
+          <a:xfrm>
+            <a:off x="1109168" y="2992410"/>
+            <a:ext cx="1148159" cy="416547"/>
+          </a:xfrm>
+          <a:prstGeom prst="roundRect">
+            <a:avLst/>
+          </a:prstGeom>
+          <a:gradFill flip="none" rotWithShape="1">
+            <a:gsLst>
+              <a:gs pos="0">
+                <a:schemeClr val="accent1">
+                  <a:tint val="66000"/>
+                  <a:satMod val="160000"/>
+                </a:schemeClr>
+              </a:gs>
+              <a:gs pos="50000">
+                <a:schemeClr val="accent1">
+                  <a:tint val="44500"/>
+                  <a:satMod val="160000"/>
+                </a:schemeClr>
+              </a:gs>
+              <a:gs pos="100000">
+                <a:schemeClr val="accent1">
+                  <a:tint val="23500"/>
+                  <a:satMod val="160000"/>
+                </a:schemeClr>
+              </a:gs>
+            </a:gsLst>
+            <a:lin ang="0" scaled="1"/>
+            <a:tileRect/>
+          </a:gradFill>
+          <a:effectLst>
+            <a:outerShdw blurRad="50800" dist="38100" dir="2700000" algn="tl" rotWithShape="0">
+              <a:prstClr val="black">
+                <a:alpha val="40000"/>
+              </a:prstClr>
+            </a:outerShdw>
+          </a:effectLst>
+        </p:spPr>
+        <p:style>
+          <a:lnRef idx="2">
+            <a:schemeClr val="accent5"/>
+          </a:lnRef>
+          <a:fillRef idx="1">
+            <a:schemeClr val="lt1"/>
+          </a:fillRef>
+          <a:effectRef idx="0">
+            <a:schemeClr val="accent5"/>
+          </a:effectRef>
+          <a:fontRef idx="minor">
+            <a:schemeClr val="dk1"/>
+          </a:fontRef>
+        </p:style>
+        <p:txBody>
+          <a:bodyPr anchor="ctr"/>
+          <a:lstStyle/>
+          <a:p>
+            <a:pPr algn="ctr" fontAlgn="auto">
+              <a:lnSpc>
+                <a:spcPct val="150000"/>
+              </a:lnSpc>
+              <a:spcBef>
+                <a:spcPct val="0"/>
+              </a:spcBef>
+              <a:buClr>
+                <a:schemeClr val="accent2"/>
+              </a:buClr>
+            </a:pPr>
+            <a:r>
+              <a:rPr lang="zh-CN" altLang="en-US" sz="1000" dirty="0" smtClean="0">
+                <a:solidFill>
+                  <a:schemeClr val="tx1"/>
+                </a:solidFill>
+                <a:latin typeface="宋体" panose="02010600030101010101" pitchFamily="2" charset="-122"/>
+                <a:ea typeface="宋体" panose="02010600030101010101" pitchFamily="2" charset="-122"/>
+              </a:rPr>
+              <a:t>可视化接口脚本</a:t>
+            </a:r>
+            <a:endParaRPr lang="zh-CN" altLang="en-US" sz="1000" dirty="0" smtClean="0">
+              <a:solidFill>
+                <a:schemeClr val="tx1"/>
+              </a:solidFill>
+              <a:latin typeface="宋体" panose="02010600030101010101" pitchFamily="2" charset="-122"/>
+              <a:ea typeface="宋体" panose="02010600030101010101" pitchFamily="2" charset="-122"/>
+            </a:endParaRPr>
+          </a:p>
+        </p:txBody>
+      </p:sp>
+      <p:sp>
+        <p:nvSpPr>
+          <p:cNvPr id="10" name="圆角矩形 9"/>
+          <p:cNvSpPr/>
+          <p:nvPr/>
+        </p:nvSpPr>
+        <p:spPr>
+          <a:xfrm>
+            <a:off x="2272928" y="4746959"/>
+            <a:ext cx="1113068" cy="416547"/>
+          </a:xfrm>
+          <a:prstGeom prst="roundRect">
+            <a:avLst/>
+          </a:prstGeom>
+          <a:gradFill flip="none" rotWithShape="1">
+            <a:gsLst>
+              <a:gs pos="0">
+                <a:schemeClr val="accent1">
+                  <a:tint val="66000"/>
+                  <a:satMod val="160000"/>
+                </a:schemeClr>
+              </a:gs>
+              <a:gs pos="50000">
+                <a:schemeClr val="accent1">
+                  <a:tint val="44500"/>
+                  <a:satMod val="160000"/>
+                </a:schemeClr>
+              </a:gs>
+              <a:gs pos="100000">
+                <a:schemeClr val="accent1">
+                  <a:tint val="23500"/>
+                  <a:satMod val="160000"/>
+                </a:schemeClr>
+              </a:gs>
+            </a:gsLst>
+            <a:lin ang="0" scaled="1"/>
+            <a:tileRect/>
+          </a:gradFill>
+          <a:effectLst>
+            <a:outerShdw blurRad="50800" dist="38100" dir="2700000" algn="tl" rotWithShape="0">
+              <a:prstClr val="black">
+                <a:alpha val="40000"/>
+              </a:prstClr>
+            </a:outerShdw>
+          </a:effectLst>
+        </p:spPr>
+        <p:style>
+          <a:lnRef idx="2">
+            <a:schemeClr val="accent5"/>
+          </a:lnRef>
+          <a:fillRef idx="1">
+            <a:schemeClr val="lt1"/>
+          </a:fillRef>
+          <a:effectRef idx="0">
+            <a:schemeClr val="accent5"/>
+          </a:effectRef>
+          <a:fontRef idx="minor">
+            <a:schemeClr val="dk1"/>
+          </a:fontRef>
+        </p:style>
+        <p:txBody>
+          <a:bodyPr anchor="ctr"/>
+          <a:lstStyle/>
+          <a:p>
+            <a:pPr algn="ctr" fontAlgn="auto">
+              <a:lnSpc>
+                <a:spcPct val="150000"/>
+              </a:lnSpc>
+              <a:spcBef>
+                <a:spcPct val="0"/>
+              </a:spcBef>
+              <a:buClr>
+                <a:schemeClr val="accent2"/>
+              </a:buClr>
+            </a:pPr>
+            <a:r>
+              <a:rPr lang="zh-CN" altLang="en-US" sz="1000" dirty="0">
+                <a:solidFill>
+                  <a:schemeClr val="tx1"/>
+                </a:solidFill>
+                <a:latin typeface="宋体" panose="02010600030101010101" pitchFamily="2" charset="-122"/>
+                <a:ea typeface="宋体" panose="02010600030101010101" pitchFamily="2" charset="-122"/>
+              </a:rPr>
+              <a:t>自定义</a:t>
+            </a:r>
+            <a:r>
+              <a:rPr lang="zh-CN" altLang="en-US" sz="1000" dirty="0" smtClean="0">
+                <a:solidFill>
+                  <a:schemeClr val="tx1"/>
+                </a:solidFill>
+                <a:latin typeface="宋体" panose="02010600030101010101" pitchFamily="2" charset="-122"/>
+                <a:ea typeface="宋体" panose="02010600030101010101" pitchFamily="2" charset="-122"/>
+              </a:rPr>
+              <a:t>配置项</a:t>
+            </a:r>
+            <a:endParaRPr lang="zh-CN" altLang="en-US" sz="1000" dirty="0" smtClean="0">
+              <a:solidFill>
+                <a:schemeClr val="tx1"/>
+              </a:solidFill>
+              <a:latin typeface="宋体" panose="02010600030101010101" pitchFamily="2" charset="-122"/>
+              <a:ea typeface="宋体" panose="02010600030101010101" pitchFamily="2" charset="-122"/>
+            </a:endParaRPr>
+          </a:p>
+        </p:txBody>
+      </p:sp>
+      <p:sp>
+        <p:nvSpPr>
+          <p:cNvPr id="11" name="圆角矩形 10"/>
+          <p:cNvSpPr/>
+          <p:nvPr/>
+        </p:nvSpPr>
+        <p:spPr>
+          <a:xfrm>
+            <a:off x="2827696" y="3648799"/>
+            <a:ext cx="986705" cy="416547"/>
+          </a:xfrm>
+          <a:prstGeom prst="roundRect">
+            <a:avLst/>
+          </a:prstGeom>
+          <a:gradFill flip="none" rotWithShape="1">
+            <a:gsLst>
+              <a:gs pos="0">
+                <a:schemeClr val="accent1">
+                  <a:tint val="66000"/>
+                  <a:satMod val="160000"/>
+                </a:schemeClr>
+              </a:gs>
+              <a:gs pos="50000">
+                <a:schemeClr val="accent1">
+                  <a:tint val="44500"/>
+                  <a:satMod val="160000"/>
+                </a:schemeClr>
+              </a:gs>
+              <a:gs pos="100000">
+                <a:schemeClr val="accent1">
+                  <a:tint val="23500"/>
+                  <a:satMod val="160000"/>
+                </a:schemeClr>
+              </a:gs>
+            </a:gsLst>
+            <a:lin ang="0" scaled="1"/>
+            <a:tileRect/>
+          </a:gradFill>
+          <a:effectLst>
+            <a:outerShdw blurRad="50800" dist="38100" dir="2700000" algn="tl" rotWithShape="0">
+              <a:prstClr val="black">
+                <a:alpha val="40000"/>
+              </a:prstClr>
+            </a:outerShdw>
+          </a:effectLst>
+        </p:spPr>
+        <p:style>
+          <a:lnRef idx="2">
+            <a:schemeClr val="accent5"/>
+          </a:lnRef>
+          <a:fillRef idx="1">
+            <a:schemeClr val="lt1"/>
+          </a:fillRef>
+          <a:effectRef idx="0">
+            <a:schemeClr val="accent5"/>
+          </a:effectRef>
+          <a:fontRef idx="minor">
+            <a:schemeClr val="dk1"/>
+          </a:fontRef>
+        </p:style>
+        <p:txBody>
+          <a:bodyPr anchor="ctr"/>
+          <a:lstStyle/>
+          <a:p>
+            <a:pPr algn="ctr" fontAlgn="auto">
+              <a:lnSpc>
+                <a:spcPct val="150000"/>
+              </a:lnSpc>
+              <a:spcBef>
+                <a:spcPct val="0"/>
+              </a:spcBef>
+              <a:buClr>
+                <a:schemeClr val="accent2"/>
+              </a:buClr>
+            </a:pPr>
+            <a:r>
+              <a:rPr lang="zh-CN" altLang="en-US" sz="1000" dirty="0" smtClean="0">
+                <a:solidFill>
+                  <a:schemeClr val="tx1"/>
+                </a:solidFill>
+                <a:latin typeface="宋体" panose="02010600030101010101" pitchFamily="2" charset="-122"/>
+                <a:ea typeface="宋体" panose="02010600030101010101" pitchFamily="2" charset="-122"/>
+              </a:rPr>
+              <a:t>默认配置项</a:t>
+            </a:r>
+            <a:endParaRPr lang="zh-CN" altLang="en-US" sz="1000" dirty="0" smtClean="0">
+              <a:solidFill>
+                <a:schemeClr val="tx1"/>
+              </a:solidFill>
+              <a:latin typeface="宋体" panose="02010600030101010101" pitchFamily="2" charset="-122"/>
+              <a:ea typeface="宋体" panose="02010600030101010101" pitchFamily="2" charset="-122"/>
+            </a:endParaRPr>
+          </a:p>
+        </p:txBody>
+      </p:sp>
+      <p:sp>
+        <p:nvSpPr>
+          <p:cNvPr id="12" name="圆角矩形 11"/>
+          <p:cNvSpPr/>
+          <p:nvPr/>
+        </p:nvSpPr>
+        <p:spPr>
+          <a:xfrm>
+            <a:off x="5015260" y="2471161"/>
+            <a:ext cx="888628" cy="416547"/>
+          </a:xfrm>
+          <a:prstGeom prst="roundRect">
+            <a:avLst/>
+          </a:prstGeom>
+          <a:gradFill flip="none" rotWithShape="1">
+            <a:gsLst>
+              <a:gs pos="0">
+                <a:schemeClr val="accent1">
+                  <a:tint val="66000"/>
+                  <a:satMod val="160000"/>
+                </a:schemeClr>
+              </a:gs>
+              <a:gs pos="50000">
+                <a:schemeClr val="accent1">
+                  <a:tint val="44500"/>
+                  <a:satMod val="160000"/>
+                </a:schemeClr>
+              </a:gs>
+              <a:gs pos="100000">
+                <a:schemeClr val="accent1">
+                  <a:tint val="23500"/>
+                  <a:satMod val="160000"/>
+                </a:schemeClr>
+              </a:gs>
+            </a:gsLst>
+            <a:lin ang="0" scaled="1"/>
+            <a:tileRect/>
+          </a:gradFill>
+          <a:effectLst>
+            <a:outerShdw blurRad="50800" dist="38100" dir="2700000" algn="tl" rotWithShape="0">
+              <a:prstClr val="black">
+                <a:alpha val="40000"/>
+              </a:prstClr>
+            </a:outerShdw>
+          </a:effectLst>
+        </p:spPr>
+        <p:style>
+          <a:lnRef idx="2">
+            <a:schemeClr val="accent5"/>
+          </a:lnRef>
+          <a:fillRef idx="1">
+            <a:schemeClr val="lt1"/>
+          </a:fillRef>
+          <a:effectRef idx="0">
+            <a:schemeClr val="accent5"/>
+          </a:effectRef>
+          <a:fontRef idx="minor">
+            <a:schemeClr val="dk1"/>
+          </a:fontRef>
+        </p:style>
+        <p:txBody>
+          <a:bodyPr anchor="ctr"/>
+          <a:lstStyle/>
+          <a:p>
+            <a:pPr algn="ctr" fontAlgn="auto">
+              <a:lnSpc>
+                <a:spcPct val="150000"/>
+              </a:lnSpc>
+              <a:spcBef>
+                <a:spcPct val="0"/>
+              </a:spcBef>
+              <a:buClr>
+                <a:schemeClr val="accent2"/>
+              </a:buClr>
+            </a:pPr>
+            <a:r>
+              <a:rPr lang="zh-CN" altLang="en-US" sz="1000" dirty="0" smtClean="0">
+                <a:solidFill>
+                  <a:schemeClr val="tx1"/>
+                </a:solidFill>
+                <a:latin typeface="宋体" panose="02010600030101010101" pitchFamily="2" charset="-122"/>
+                <a:ea typeface="宋体" panose="02010600030101010101" pitchFamily="2" charset="-122"/>
+              </a:rPr>
+              <a:t>页面部件</a:t>
+            </a:r>
+            <a:endParaRPr lang="zh-CN" altLang="en-US" sz="1000" dirty="0" smtClean="0">
+              <a:solidFill>
+                <a:schemeClr val="tx1"/>
+              </a:solidFill>
+              <a:latin typeface="宋体" panose="02010600030101010101" pitchFamily="2" charset="-122"/>
+              <a:ea typeface="宋体" panose="02010600030101010101" pitchFamily="2" charset="-122"/>
+            </a:endParaRPr>
+          </a:p>
+        </p:txBody>
+      </p:sp>
+      <p:sp>
+        <p:nvSpPr>
+          <p:cNvPr id="18" name="圆角矩形 17"/>
+          <p:cNvSpPr/>
+          <p:nvPr/>
+        </p:nvSpPr>
+        <p:spPr>
+          <a:xfrm>
+            <a:off x="7299869" y="3200683"/>
+            <a:ext cx="888628" cy="416547"/>
+          </a:xfrm>
+          <a:prstGeom prst="roundRect">
+            <a:avLst/>
+          </a:prstGeom>
+          <a:gradFill flip="none" rotWithShape="1">
+            <a:gsLst>
+              <a:gs pos="0">
+                <a:schemeClr val="accent1">
+                  <a:tint val="66000"/>
+                  <a:satMod val="160000"/>
+                </a:schemeClr>
+              </a:gs>
+              <a:gs pos="50000">
+                <a:schemeClr val="accent1">
+                  <a:tint val="44500"/>
+                  <a:satMod val="160000"/>
+                </a:schemeClr>
+              </a:gs>
+              <a:gs pos="100000">
+                <a:schemeClr val="accent1">
+                  <a:tint val="23500"/>
+                  <a:satMod val="160000"/>
+                </a:schemeClr>
+              </a:gs>
+            </a:gsLst>
+            <a:lin ang="0" scaled="1"/>
+            <a:tileRect/>
+          </a:gradFill>
+          <a:effectLst>
+            <a:outerShdw blurRad="50800" dist="38100" dir="2700000" algn="tl" rotWithShape="0">
+              <a:prstClr val="black">
+                <a:alpha val="40000"/>
+              </a:prstClr>
+            </a:outerShdw>
+          </a:effectLst>
+        </p:spPr>
+        <p:style>
+          <a:lnRef idx="2">
+            <a:schemeClr val="accent5"/>
+          </a:lnRef>
+          <a:fillRef idx="1">
+            <a:schemeClr val="lt1"/>
+          </a:fillRef>
+          <a:effectRef idx="0">
+            <a:schemeClr val="accent5"/>
+          </a:effectRef>
+          <a:fontRef idx="minor">
+            <a:schemeClr val="dk1"/>
+          </a:fontRef>
+        </p:style>
+        <p:txBody>
+          <a:bodyPr anchor="ctr"/>
+          <a:lstStyle/>
+          <a:p>
+            <a:pPr algn="ctr" fontAlgn="auto">
+              <a:lnSpc>
+                <a:spcPct val="150000"/>
+              </a:lnSpc>
+              <a:spcBef>
+                <a:spcPct val="0"/>
+              </a:spcBef>
+              <a:buClr>
+                <a:schemeClr val="accent2"/>
+              </a:buClr>
+            </a:pPr>
+            <a:r>
+              <a:rPr lang="zh-CN" altLang="en-US" sz="1000" dirty="0" smtClean="0">
+                <a:solidFill>
+                  <a:schemeClr val="tx1"/>
+                </a:solidFill>
+                <a:latin typeface="宋体" panose="02010600030101010101" pitchFamily="2" charset="-122"/>
+                <a:ea typeface="宋体" panose="02010600030101010101" pitchFamily="2" charset="-122"/>
+              </a:rPr>
+              <a:t>控制器</a:t>
+            </a:r>
+            <a:endParaRPr lang="zh-CN" altLang="en-US" sz="1000" dirty="0">
+              <a:solidFill>
+                <a:schemeClr val="tx1"/>
+              </a:solidFill>
+              <a:latin typeface="宋体" panose="02010600030101010101" pitchFamily="2" charset="-122"/>
+              <a:ea typeface="宋体" panose="02010600030101010101" pitchFamily="2" charset="-122"/>
+            </a:endParaRPr>
+          </a:p>
+        </p:txBody>
+      </p:sp>
+      <p:sp>
+        <p:nvSpPr>
+          <p:cNvPr id="20" name="圆角矩形 19"/>
+          <p:cNvSpPr/>
+          <p:nvPr/>
+        </p:nvSpPr>
+        <p:spPr>
+          <a:xfrm>
+            <a:off x="7191228" y="1846341"/>
+            <a:ext cx="1105910" cy="416547"/>
+          </a:xfrm>
+          <a:prstGeom prst="roundRect">
+            <a:avLst/>
+          </a:prstGeom>
+          <a:gradFill flip="none" rotWithShape="1">
+            <a:gsLst>
+              <a:gs pos="0">
+                <a:schemeClr val="accent1">
+                  <a:tint val="66000"/>
+                  <a:satMod val="160000"/>
+                </a:schemeClr>
+              </a:gs>
+              <a:gs pos="50000">
+                <a:schemeClr val="accent1">
+                  <a:tint val="44500"/>
+                  <a:satMod val="160000"/>
+                </a:schemeClr>
+              </a:gs>
+              <a:gs pos="100000">
+                <a:schemeClr val="accent1">
+                  <a:tint val="23500"/>
+                  <a:satMod val="160000"/>
+                </a:schemeClr>
+              </a:gs>
+            </a:gsLst>
+            <a:lin ang="0" scaled="1"/>
+            <a:tileRect/>
+          </a:gradFill>
+          <a:effectLst>
+            <a:outerShdw blurRad="50800" dist="38100" dir="2700000" algn="tl" rotWithShape="0">
+              <a:prstClr val="black">
+                <a:alpha val="40000"/>
+              </a:prstClr>
+            </a:outerShdw>
+          </a:effectLst>
+        </p:spPr>
+        <p:style>
+          <a:lnRef idx="2">
+            <a:schemeClr val="accent5"/>
+          </a:lnRef>
+          <a:fillRef idx="1">
+            <a:schemeClr val="lt1"/>
+          </a:fillRef>
+          <a:effectRef idx="0">
+            <a:schemeClr val="accent5"/>
+          </a:effectRef>
+          <a:fontRef idx="minor">
+            <a:schemeClr val="dk1"/>
+          </a:fontRef>
+        </p:style>
+        <p:txBody>
+          <a:bodyPr anchor="ctr"/>
+          <a:lstStyle/>
+          <a:p>
+            <a:pPr algn="ctr" fontAlgn="auto">
+              <a:lnSpc>
+                <a:spcPct val="150000"/>
+              </a:lnSpc>
+              <a:spcBef>
+                <a:spcPct val="0"/>
+              </a:spcBef>
+              <a:buClr>
+                <a:schemeClr val="accent2"/>
+              </a:buClr>
+            </a:pPr>
+            <a:r>
+              <a:rPr lang="zh-CN" altLang="en-US" sz="1000" dirty="0" smtClean="0">
+                <a:solidFill>
+                  <a:schemeClr val="tx1"/>
+                </a:solidFill>
+                <a:latin typeface="宋体" panose="02010600030101010101" pitchFamily="2" charset="-122"/>
+                <a:ea typeface="宋体" panose="02010600030101010101" pitchFamily="2" charset="-122"/>
+              </a:rPr>
+              <a:t>视图数据模型</a:t>
+            </a:r>
+            <a:endParaRPr lang="zh-CN" altLang="en-US" sz="1000" dirty="0" smtClean="0">
+              <a:solidFill>
+                <a:schemeClr val="tx1"/>
+              </a:solidFill>
+              <a:latin typeface="宋体" panose="02010600030101010101" pitchFamily="2" charset="-122"/>
+              <a:ea typeface="宋体" panose="02010600030101010101" pitchFamily="2" charset="-122"/>
+            </a:endParaRPr>
+          </a:p>
+        </p:txBody>
+      </p:sp>
+      <p:sp>
+        <p:nvSpPr>
+          <p:cNvPr id="22" name="圆角矩形 21"/>
+          <p:cNvSpPr/>
+          <p:nvPr/>
+        </p:nvSpPr>
+        <p:spPr>
+          <a:xfrm>
+            <a:off x="9262268" y="1846341"/>
+            <a:ext cx="1105910" cy="416547"/>
+          </a:xfrm>
+          <a:prstGeom prst="roundRect">
+            <a:avLst/>
+          </a:prstGeom>
+          <a:gradFill flip="none" rotWithShape="1">
+            <a:gsLst>
+              <a:gs pos="0">
+                <a:schemeClr val="accent1">
+                  <a:tint val="66000"/>
+                  <a:satMod val="160000"/>
+                </a:schemeClr>
+              </a:gs>
+              <a:gs pos="50000">
+                <a:schemeClr val="accent1">
+                  <a:tint val="44500"/>
+                  <a:satMod val="160000"/>
+                </a:schemeClr>
+              </a:gs>
+              <a:gs pos="100000">
+                <a:schemeClr val="accent1">
+                  <a:tint val="23500"/>
+                  <a:satMod val="160000"/>
+                </a:schemeClr>
+              </a:gs>
+            </a:gsLst>
+            <a:lin ang="0" scaled="1"/>
+            <a:tileRect/>
+          </a:gradFill>
+          <a:effectLst>
+            <a:outerShdw blurRad="50800" dist="38100" dir="2700000" algn="tl" rotWithShape="0">
+              <a:prstClr val="black">
+                <a:alpha val="40000"/>
+              </a:prstClr>
+            </a:outerShdw>
+          </a:effectLst>
+        </p:spPr>
+        <p:style>
+          <a:lnRef idx="2">
+            <a:schemeClr val="accent5"/>
+          </a:lnRef>
+          <a:fillRef idx="1">
+            <a:schemeClr val="lt1"/>
+          </a:fillRef>
+          <a:effectRef idx="0">
+            <a:schemeClr val="accent5"/>
+          </a:effectRef>
+          <a:fontRef idx="minor">
+            <a:schemeClr val="dk1"/>
+          </a:fontRef>
+        </p:style>
+        <p:txBody>
+          <a:bodyPr anchor="ctr"/>
+          <a:lstStyle/>
+          <a:p>
+            <a:pPr algn="ctr" fontAlgn="auto">
+              <a:lnSpc>
+                <a:spcPct val="150000"/>
+              </a:lnSpc>
+              <a:spcBef>
+                <a:spcPct val="0"/>
+              </a:spcBef>
+              <a:buClr>
+                <a:schemeClr val="accent2"/>
+              </a:buClr>
+            </a:pPr>
+            <a:r>
+              <a:rPr lang="zh-CN" altLang="en-US" sz="1000" dirty="0" smtClean="0">
+                <a:solidFill>
+                  <a:schemeClr val="tx1"/>
+                </a:solidFill>
+                <a:latin typeface="宋体" panose="02010600030101010101" pitchFamily="2" charset="-122"/>
+                <a:ea typeface="宋体" panose="02010600030101010101" pitchFamily="2" charset="-122"/>
+              </a:rPr>
+              <a:t>数据模型</a:t>
+            </a:r>
+            <a:endParaRPr lang="zh-CN" altLang="en-US" sz="1000" dirty="0" smtClean="0">
+              <a:solidFill>
+                <a:schemeClr val="tx1"/>
+              </a:solidFill>
+              <a:latin typeface="宋体" panose="02010600030101010101" pitchFamily="2" charset="-122"/>
+              <a:ea typeface="宋体" panose="02010600030101010101" pitchFamily="2" charset="-122"/>
+            </a:endParaRPr>
+          </a:p>
+        </p:txBody>
+      </p:sp>
+      <p:sp>
+        <p:nvSpPr>
+          <p:cNvPr id="24" name="圆角矩形 23"/>
+          <p:cNvSpPr/>
+          <p:nvPr/>
+        </p:nvSpPr>
+        <p:spPr>
+          <a:xfrm>
+            <a:off x="8249095" y="4141197"/>
+            <a:ext cx="1013173" cy="416547"/>
+          </a:xfrm>
+          <a:prstGeom prst="roundRect">
+            <a:avLst/>
+          </a:prstGeom>
+          <a:gradFill flip="none" rotWithShape="1">
+            <a:gsLst>
+              <a:gs pos="0">
+                <a:schemeClr val="accent1">
+                  <a:tint val="66000"/>
+                  <a:satMod val="160000"/>
+                </a:schemeClr>
+              </a:gs>
+              <a:gs pos="50000">
+                <a:schemeClr val="accent1">
+                  <a:tint val="44500"/>
+                  <a:satMod val="160000"/>
+                </a:schemeClr>
+              </a:gs>
+              <a:gs pos="100000">
+                <a:schemeClr val="accent1">
+                  <a:tint val="23500"/>
+                  <a:satMod val="160000"/>
+                </a:schemeClr>
+              </a:gs>
+            </a:gsLst>
+            <a:lin ang="0" scaled="1"/>
+            <a:tileRect/>
+          </a:gradFill>
+          <a:effectLst>
+            <a:outerShdw blurRad="50800" dist="38100" dir="2700000" algn="tl" rotWithShape="0">
+              <a:prstClr val="black">
+                <a:alpha val="40000"/>
+              </a:prstClr>
+            </a:outerShdw>
+          </a:effectLst>
+        </p:spPr>
+        <p:style>
+          <a:lnRef idx="2">
+            <a:schemeClr val="accent5"/>
+          </a:lnRef>
+          <a:fillRef idx="1">
+            <a:schemeClr val="lt1"/>
+          </a:fillRef>
+          <a:effectRef idx="0">
+            <a:schemeClr val="accent5"/>
+          </a:effectRef>
+          <a:fontRef idx="minor">
+            <a:schemeClr val="dk1"/>
+          </a:fontRef>
+        </p:style>
+        <p:txBody>
+          <a:bodyPr anchor="ctr"/>
+          <a:lstStyle/>
+          <a:p>
+            <a:pPr algn="ctr" fontAlgn="auto">
+              <a:lnSpc>
+                <a:spcPct val="150000"/>
+              </a:lnSpc>
+              <a:spcBef>
+                <a:spcPct val="0"/>
+              </a:spcBef>
+              <a:buClr>
+                <a:schemeClr val="accent2"/>
+              </a:buClr>
+            </a:pPr>
+            <a:r>
+              <a:rPr lang="zh-CN" altLang="en-US" sz="1000" dirty="0" smtClean="0">
+                <a:solidFill>
+                  <a:schemeClr val="tx1"/>
+                </a:solidFill>
+                <a:latin typeface="宋体" panose="02010600030101010101" pitchFamily="2" charset="-122"/>
+                <a:ea typeface="宋体" panose="02010600030101010101" pitchFamily="2" charset="-122"/>
+              </a:rPr>
+              <a:t>后台交互接口</a:t>
+            </a:r>
+            <a:endParaRPr lang="zh-CN" altLang="en-US" sz="1000" dirty="0">
+              <a:solidFill>
+                <a:schemeClr val="tx1"/>
+              </a:solidFill>
+              <a:latin typeface="宋体" panose="02010600030101010101" pitchFamily="2" charset="-122"/>
+              <a:ea typeface="宋体" panose="02010600030101010101" pitchFamily="2" charset="-122"/>
+            </a:endParaRPr>
+          </a:p>
+        </p:txBody>
+      </p:sp>
+      <p:sp>
+        <p:nvSpPr>
+          <p:cNvPr id="25" name="圆角矩形 24"/>
+          <p:cNvSpPr/>
+          <p:nvPr/>
+        </p:nvSpPr>
+        <p:spPr>
+          <a:xfrm>
+            <a:off x="7649362" y="5011120"/>
+            <a:ext cx="997269" cy="416547"/>
+          </a:xfrm>
+          <a:prstGeom prst="roundRect">
+            <a:avLst/>
+          </a:prstGeom>
+          <a:gradFill flip="none" rotWithShape="1">
+            <a:gsLst>
+              <a:gs pos="0">
+                <a:schemeClr val="accent1">
+                  <a:tint val="66000"/>
+                  <a:satMod val="160000"/>
+                </a:schemeClr>
+              </a:gs>
+              <a:gs pos="50000">
+                <a:schemeClr val="accent1">
+                  <a:tint val="44500"/>
+                  <a:satMod val="160000"/>
+                </a:schemeClr>
+              </a:gs>
+              <a:gs pos="100000">
+                <a:schemeClr val="accent1">
+                  <a:tint val="23500"/>
+                  <a:satMod val="160000"/>
+                </a:schemeClr>
+              </a:gs>
+            </a:gsLst>
+            <a:lin ang="0" scaled="1"/>
+            <a:tileRect/>
+          </a:gradFill>
+          <a:effectLst>
+            <a:outerShdw blurRad="50800" dist="38100" dir="2700000" algn="tl" rotWithShape="0">
+              <a:prstClr val="black">
+                <a:alpha val="40000"/>
+              </a:prstClr>
+            </a:outerShdw>
+          </a:effectLst>
+        </p:spPr>
+        <p:style>
+          <a:lnRef idx="2">
+            <a:schemeClr val="accent5"/>
+          </a:lnRef>
+          <a:fillRef idx="1">
+            <a:schemeClr val="lt1"/>
+          </a:fillRef>
+          <a:effectRef idx="0">
+            <a:schemeClr val="accent5"/>
+          </a:effectRef>
+          <a:fontRef idx="minor">
+            <a:schemeClr val="dk1"/>
+          </a:fontRef>
+        </p:style>
+        <p:txBody>
+          <a:bodyPr anchor="ctr"/>
+          <a:lstStyle/>
+          <a:p>
+            <a:pPr algn="ctr" fontAlgn="auto">
+              <a:lnSpc>
+                <a:spcPct val="150000"/>
+              </a:lnSpc>
+              <a:spcBef>
+                <a:spcPct val="0"/>
+              </a:spcBef>
+              <a:buClr>
+                <a:schemeClr val="accent2"/>
+              </a:buClr>
+            </a:pPr>
+            <a:r>
+              <a:rPr lang="zh-CN" altLang="en-US" sz="1000" dirty="0" smtClean="0">
+                <a:solidFill>
+                  <a:schemeClr val="tx1"/>
+                </a:solidFill>
+                <a:latin typeface="宋体" panose="02010600030101010101" pitchFamily="2" charset="-122"/>
+                <a:ea typeface="宋体" panose="02010600030101010101" pitchFamily="2" charset="-122"/>
+              </a:rPr>
+              <a:t>可视化主视图</a:t>
+            </a:r>
+            <a:endParaRPr lang="zh-CN" altLang="en-US" sz="1000" dirty="0">
+              <a:solidFill>
+                <a:schemeClr val="tx1"/>
+              </a:solidFill>
+              <a:latin typeface="宋体" panose="02010600030101010101" pitchFamily="2" charset="-122"/>
+              <a:ea typeface="宋体" panose="02010600030101010101" pitchFamily="2" charset="-122"/>
+            </a:endParaRPr>
+          </a:p>
+        </p:txBody>
+      </p:sp>
+      <p:sp>
+        <p:nvSpPr>
+          <p:cNvPr id="26" name="圆角矩形 25"/>
+          <p:cNvSpPr/>
+          <p:nvPr/>
+        </p:nvSpPr>
+        <p:spPr>
+          <a:xfrm>
+            <a:off x="6219731" y="5219393"/>
+            <a:ext cx="997269" cy="416547"/>
+          </a:xfrm>
+          <a:prstGeom prst="roundRect">
+            <a:avLst/>
+          </a:prstGeom>
+          <a:gradFill flip="none" rotWithShape="1">
+            <a:gsLst>
+              <a:gs pos="0">
+                <a:schemeClr val="accent1">
+                  <a:tint val="66000"/>
+                  <a:satMod val="160000"/>
+                </a:schemeClr>
+              </a:gs>
+              <a:gs pos="50000">
+                <a:schemeClr val="accent1">
+                  <a:tint val="44500"/>
+                  <a:satMod val="160000"/>
+                </a:schemeClr>
+              </a:gs>
+              <a:gs pos="100000">
+                <a:schemeClr val="accent1">
+                  <a:tint val="23500"/>
+                  <a:satMod val="160000"/>
+                </a:schemeClr>
+              </a:gs>
+            </a:gsLst>
+            <a:lin ang="0" scaled="1"/>
+            <a:tileRect/>
+          </a:gradFill>
+          <a:effectLst>
+            <a:outerShdw blurRad="50800" dist="38100" dir="2700000" algn="tl" rotWithShape="0">
+              <a:prstClr val="black">
+                <a:alpha val="40000"/>
+              </a:prstClr>
+            </a:outerShdw>
+          </a:effectLst>
+        </p:spPr>
+        <p:style>
+          <a:lnRef idx="2">
+            <a:schemeClr val="accent5"/>
+          </a:lnRef>
+          <a:fillRef idx="1">
+            <a:schemeClr val="lt1"/>
+          </a:fillRef>
+          <a:effectRef idx="0">
+            <a:schemeClr val="accent5"/>
+          </a:effectRef>
+          <a:fontRef idx="minor">
+            <a:schemeClr val="dk1"/>
+          </a:fontRef>
+        </p:style>
+        <p:txBody>
+          <a:bodyPr anchor="ctr"/>
+          <a:lstStyle/>
+          <a:p>
+            <a:pPr algn="ctr" fontAlgn="auto">
+              <a:lnSpc>
+                <a:spcPct val="150000"/>
+              </a:lnSpc>
+              <a:spcBef>
+                <a:spcPct val="0"/>
+              </a:spcBef>
+              <a:buClr>
+                <a:schemeClr val="accent2"/>
+              </a:buClr>
+            </a:pPr>
+            <a:r>
+              <a:rPr lang="zh-CN" altLang="en-US" sz="1000" dirty="0" smtClean="0">
+                <a:solidFill>
+                  <a:schemeClr val="tx1"/>
+                </a:solidFill>
+                <a:latin typeface="宋体" panose="02010600030101010101" pitchFamily="2" charset="-122"/>
+                <a:ea typeface="宋体" panose="02010600030101010101" pitchFamily="2" charset="-122"/>
+              </a:rPr>
+              <a:t>外部</a:t>
+            </a:r>
+            <a:r>
+              <a:rPr lang="en-US" altLang="zh-CN" sz="1000" dirty="0" smtClean="0">
+                <a:solidFill>
+                  <a:schemeClr val="tx1"/>
+                </a:solidFill>
+                <a:latin typeface="宋体" panose="02010600030101010101" pitchFamily="2" charset="-122"/>
+                <a:ea typeface="宋体" panose="02010600030101010101" pitchFamily="2" charset="-122"/>
+              </a:rPr>
+              <a:t>JS</a:t>
+            </a:r>
+            <a:r>
+              <a:rPr lang="zh-CN" altLang="en-US" sz="1000" dirty="0" smtClean="0">
+                <a:solidFill>
+                  <a:schemeClr val="tx1"/>
+                </a:solidFill>
+                <a:latin typeface="宋体" panose="02010600030101010101" pitchFamily="2" charset="-122"/>
+                <a:ea typeface="宋体" panose="02010600030101010101" pitchFamily="2" charset="-122"/>
+              </a:rPr>
+              <a:t>组件</a:t>
+            </a:r>
+            <a:endParaRPr lang="zh-CN" altLang="en-US" sz="1000" dirty="0">
+              <a:solidFill>
+                <a:schemeClr val="tx1"/>
+              </a:solidFill>
+              <a:latin typeface="宋体" panose="02010600030101010101" pitchFamily="2" charset="-122"/>
+              <a:ea typeface="宋体" panose="02010600030101010101" pitchFamily="2" charset="-122"/>
+            </a:endParaRPr>
+          </a:p>
+        </p:txBody>
+      </p:sp>
+      <p:sp>
+        <p:nvSpPr>
+          <p:cNvPr id="27" name="圆角矩形 26"/>
+          <p:cNvSpPr/>
+          <p:nvPr/>
+        </p:nvSpPr>
+        <p:spPr>
+          <a:xfrm>
+            <a:off x="7613965" y="5656389"/>
+            <a:ext cx="997269" cy="416547"/>
+          </a:xfrm>
+          <a:prstGeom prst="roundRect">
+            <a:avLst/>
+          </a:prstGeom>
+          <a:gradFill flip="none" rotWithShape="1">
+            <a:gsLst>
+              <a:gs pos="0">
+                <a:schemeClr val="accent1">
+                  <a:tint val="66000"/>
+                  <a:satMod val="160000"/>
+                </a:schemeClr>
+              </a:gs>
+              <a:gs pos="50000">
+                <a:schemeClr val="accent1">
+                  <a:tint val="44500"/>
+                  <a:satMod val="160000"/>
+                </a:schemeClr>
+              </a:gs>
+              <a:gs pos="100000">
+                <a:schemeClr val="accent1">
+                  <a:tint val="23500"/>
+                  <a:satMod val="160000"/>
+                </a:schemeClr>
+              </a:gs>
+            </a:gsLst>
+            <a:lin ang="0" scaled="1"/>
+            <a:tileRect/>
+          </a:gradFill>
+          <a:effectLst>
+            <a:outerShdw blurRad="50800" dist="38100" dir="2700000" algn="tl" rotWithShape="0">
+              <a:prstClr val="black">
+                <a:alpha val="40000"/>
+              </a:prstClr>
+            </a:outerShdw>
+          </a:effectLst>
+        </p:spPr>
+        <p:style>
+          <a:lnRef idx="2">
+            <a:schemeClr val="accent5"/>
+          </a:lnRef>
+          <a:fillRef idx="1">
+            <a:schemeClr val="lt1"/>
+          </a:fillRef>
+          <a:effectRef idx="0">
+            <a:schemeClr val="accent5"/>
+          </a:effectRef>
+          <a:fontRef idx="minor">
+            <a:schemeClr val="dk1"/>
+          </a:fontRef>
+        </p:style>
+        <p:txBody>
+          <a:bodyPr anchor="ctr"/>
+          <a:lstStyle/>
+          <a:p>
+            <a:pPr algn="ctr" fontAlgn="auto">
+              <a:lnSpc>
+                <a:spcPct val="150000"/>
+              </a:lnSpc>
+              <a:spcBef>
+                <a:spcPct val="0"/>
+              </a:spcBef>
+              <a:buClr>
+                <a:schemeClr val="accent2"/>
+              </a:buClr>
+            </a:pPr>
+            <a:r>
+              <a:rPr lang="zh-CN" altLang="en-US" sz="1000" dirty="0">
+                <a:solidFill>
+                  <a:schemeClr val="tx1"/>
+                </a:solidFill>
+                <a:latin typeface="宋体" panose="02010600030101010101" pitchFamily="2" charset="-122"/>
+                <a:ea typeface="宋体" panose="02010600030101010101" pitchFamily="2" charset="-122"/>
+              </a:rPr>
+              <a:t>页面</a:t>
+            </a:r>
+            <a:r>
+              <a:rPr lang="zh-CN" altLang="en-US" sz="1000" dirty="0" smtClean="0">
+                <a:solidFill>
+                  <a:schemeClr val="tx1"/>
+                </a:solidFill>
+                <a:latin typeface="宋体" panose="02010600030101010101" pitchFamily="2" charset="-122"/>
+                <a:ea typeface="宋体" panose="02010600030101010101" pitchFamily="2" charset="-122"/>
+              </a:rPr>
+              <a:t>样式</a:t>
+            </a:r>
+            <a:endParaRPr lang="zh-CN" altLang="en-US" sz="1000" dirty="0">
+              <a:solidFill>
+                <a:schemeClr val="tx1"/>
+              </a:solidFill>
+              <a:latin typeface="宋体" panose="02010600030101010101" pitchFamily="2" charset="-122"/>
+              <a:ea typeface="宋体" panose="02010600030101010101" pitchFamily="2" charset="-122"/>
+            </a:endParaRPr>
+          </a:p>
+        </p:txBody>
+      </p:sp>
+      <p:sp>
+        <p:nvSpPr>
+          <p:cNvPr id="28" name="圆角矩形 27"/>
+          <p:cNvSpPr/>
+          <p:nvPr/>
+        </p:nvSpPr>
+        <p:spPr>
+          <a:xfrm>
+            <a:off x="8763634" y="5680101"/>
+            <a:ext cx="997269" cy="416547"/>
+          </a:xfrm>
+          <a:prstGeom prst="roundRect">
+            <a:avLst/>
+          </a:prstGeom>
+          <a:gradFill flip="none" rotWithShape="1">
+            <a:gsLst>
+              <a:gs pos="0">
+                <a:schemeClr val="accent1">
+                  <a:tint val="66000"/>
+                  <a:satMod val="160000"/>
+                </a:schemeClr>
+              </a:gs>
+              <a:gs pos="50000">
+                <a:schemeClr val="accent1">
+                  <a:tint val="44500"/>
+                  <a:satMod val="160000"/>
+                </a:schemeClr>
+              </a:gs>
+              <a:gs pos="100000">
+                <a:schemeClr val="accent1">
+                  <a:tint val="23500"/>
+                  <a:satMod val="160000"/>
+                </a:schemeClr>
+              </a:gs>
+            </a:gsLst>
+            <a:lin ang="0" scaled="1"/>
+            <a:tileRect/>
+          </a:gradFill>
+          <a:effectLst>
+            <a:outerShdw blurRad="50800" dist="38100" dir="2700000" algn="tl" rotWithShape="0">
+              <a:prstClr val="black">
+                <a:alpha val="40000"/>
+              </a:prstClr>
+            </a:outerShdw>
+          </a:effectLst>
+        </p:spPr>
+        <p:style>
+          <a:lnRef idx="2">
+            <a:schemeClr val="accent5"/>
+          </a:lnRef>
+          <a:fillRef idx="1">
+            <a:schemeClr val="lt1"/>
+          </a:fillRef>
+          <a:effectRef idx="0">
+            <a:schemeClr val="accent5"/>
+          </a:effectRef>
+          <a:fontRef idx="minor">
+            <a:schemeClr val="dk1"/>
+          </a:fontRef>
+        </p:style>
+        <p:txBody>
+          <a:bodyPr anchor="ctr"/>
+          <a:lstStyle/>
+          <a:p>
+            <a:pPr algn="ctr" fontAlgn="auto">
+              <a:lnSpc>
+                <a:spcPct val="150000"/>
+              </a:lnSpc>
+              <a:spcBef>
+                <a:spcPct val="0"/>
+              </a:spcBef>
+              <a:buClr>
+                <a:schemeClr val="accent2"/>
+              </a:buClr>
+            </a:pPr>
+            <a:r>
+              <a:rPr lang="zh-CN" altLang="en-US" sz="1000" dirty="0" smtClean="0">
+                <a:solidFill>
+                  <a:schemeClr val="tx1"/>
+                </a:solidFill>
+                <a:latin typeface="宋体" panose="02010600030101010101" pitchFamily="2" charset="-122"/>
+                <a:ea typeface="宋体" panose="02010600030101010101" pitchFamily="2" charset="-122"/>
+              </a:rPr>
+              <a:t>功能图标</a:t>
+            </a:r>
+            <a:endParaRPr lang="zh-CN" altLang="en-US" sz="1000" dirty="0">
+              <a:solidFill>
+                <a:schemeClr val="tx1"/>
+              </a:solidFill>
+              <a:latin typeface="宋体" panose="02010600030101010101" pitchFamily="2" charset="-122"/>
+              <a:ea typeface="宋体" panose="02010600030101010101" pitchFamily="2" charset="-122"/>
+            </a:endParaRPr>
+          </a:p>
+        </p:txBody>
+      </p:sp>
+      <p:sp>
+        <p:nvSpPr>
+          <p:cNvPr id="29" name="圆角矩形 28"/>
+          <p:cNvSpPr/>
+          <p:nvPr/>
+        </p:nvSpPr>
+        <p:spPr>
+          <a:xfrm>
+            <a:off x="6283801" y="5836783"/>
+            <a:ext cx="997269" cy="416547"/>
+          </a:xfrm>
+          <a:prstGeom prst="roundRect">
+            <a:avLst/>
+          </a:prstGeom>
+          <a:gradFill flip="none" rotWithShape="1">
+            <a:gsLst>
+              <a:gs pos="0">
+                <a:schemeClr val="accent1">
+                  <a:tint val="66000"/>
+                  <a:satMod val="160000"/>
+                </a:schemeClr>
+              </a:gs>
+              <a:gs pos="50000">
+                <a:schemeClr val="accent1">
+                  <a:tint val="44500"/>
+                  <a:satMod val="160000"/>
+                </a:schemeClr>
+              </a:gs>
+              <a:gs pos="100000">
+                <a:schemeClr val="accent1">
+                  <a:tint val="23500"/>
+                  <a:satMod val="160000"/>
+                </a:schemeClr>
+              </a:gs>
+            </a:gsLst>
+            <a:lin ang="0" scaled="1"/>
+            <a:tileRect/>
+          </a:gradFill>
+          <a:effectLst>
+            <a:outerShdw blurRad="50800" dist="38100" dir="2700000" algn="tl" rotWithShape="0">
+              <a:prstClr val="black">
+                <a:alpha val="40000"/>
+              </a:prstClr>
+            </a:outerShdw>
+          </a:effectLst>
+        </p:spPr>
+        <p:style>
+          <a:lnRef idx="2">
+            <a:schemeClr val="accent5"/>
+          </a:lnRef>
+          <a:fillRef idx="1">
+            <a:schemeClr val="lt1"/>
+          </a:fillRef>
+          <a:effectRef idx="0">
+            <a:schemeClr val="accent5"/>
+          </a:effectRef>
+          <a:fontRef idx="minor">
+            <a:schemeClr val="dk1"/>
+          </a:fontRef>
+        </p:style>
+        <p:txBody>
+          <a:bodyPr anchor="ctr"/>
+          <a:lstStyle/>
+          <a:p>
+            <a:pPr algn="ctr" fontAlgn="auto">
+              <a:lnSpc>
+                <a:spcPct val="150000"/>
+              </a:lnSpc>
+              <a:spcBef>
+                <a:spcPct val="0"/>
+              </a:spcBef>
+              <a:buClr>
+                <a:schemeClr val="accent2"/>
+              </a:buClr>
+            </a:pPr>
+            <a:r>
+              <a:rPr lang="zh-CN" altLang="en-US" sz="1000" dirty="0" smtClean="0">
+                <a:solidFill>
+                  <a:schemeClr val="tx1"/>
+                </a:solidFill>
+                <a:latin typeface="宋体" panose="02010600030101010101" pitchFamily="2" charset="-122"/>
+                <a:ea typeface="宋体" panose="02010600030101010101" pitchFamily="2" charset="-122"/>
+              </a:rPr>
+              <a:t>其他配置项</a:t>
+            </a:r>
+            <a:endParaRPr lang="zh-CN" altLang="en-US" sz="1000" dirty="0">
+              <a:solidFill>
+                <a:schemeClr val="tx1"/>
+              </a:solidFill>
+              <a:latin typeface="宋体" panose="02010600030101010101" pitchFamily="2" charset="-122"/>
+              <a:ea typeface="宋体" panose="02010600030101010101" pitchFamily="2" charset="-122"/>
+            </a:endParaRPr>
+          </a:p>
+        </p:txBody>
+      </p:sp>
+      <p:cxnSp>
+        <p:nvCxnSpPr>
+          <p:cNvPr id="34" name="直接箭头连接符 24"/>
+          <p:cNvCxnSpPr>
+            <a:stCxn id="12" idx="3"/>
+            <a:endCxn id="20" idx="1"/>
+          </p:cNvCxnSpPr>
+          <p:nvPr/>
+        </p:nvCxnSpPr>
+        <p:spPr>
+          <a:xfrm flipV="1">
+            <a:off x="5903888" y="2054615"/>
+            <a:ext cx="1287340" cy="624820"/>
+          </a:xfrm>
+          <a:prstGeom prst="straightConnector1">
+            <a:avLst/>
+          </a:prstGeom>
+          <a:solidFill>
+            <a:srgbClr val="FFC000"/>
+          </a:solidFill>
+          <a:ln w="25400">
+            <a:tailEnd type="arrow"/>
+          </a:ln>
+        </p:spPr>
+        <p:style>
+          <a:lnRef idx="1">
+            <a:schemeClr val="accent1"/>
+          </a:lnRef>
+          <a:fillRef idx="0">
+            <a:schemeClr val="accent1"/>
+          </a:fillRef>
+          <a:effectRef idx="0">
+            <a:schemeClr val="accent1"/>
+          </a:effectRef>
+          <a:fontRef idx="minor">
+            <a:schemeClr val="tx1"/>
+          </a:fontRef>
+        </p:style>
+      </p:cxnSp>
+      <p:cxnSp>
+        <p:nvCxnSpPr>
+          <p:cNvPr id="40" name="直接箭头连接符 24"/>
+          <p:cNvCxnSpPr>
+            <a:stCxn id="18" idx="1"/>
+            <a:endCxn id="12" idx="3"/>
+          </p:cNvCxnSpPr>
+          <p:nvPr/>
+        </p:nvCxnSpPr>
+        <p:spPr>
+          <a:xfrm flipH="1" flipV="1">
+            <a:off x="5903888" y="2679435"/>
+            <a:ext cx="1395981" cy="729522"/>
+          </a:xfrm>
+          <a:prstGeom prst="straightConnector1">
+            <a:avLst/>
+          </a:prstGeom>
+          <a:solidFill>
+            <a:srgbClr val="FFC000"/>
+          </a:solidFill>
+          <a:ln w="25400">
+            <a:tailEnd type="arrow"/>
+          </a:ln>
+        </p:spPr>
+        <p:style>
+          <a:lnRef idx="1">
+            <a:schemeClr val="accent1"/>
+          </a:lnRef>
+          <a:fillRef idx="0">
+            <a:schemeClr val="accent1"/>
+          </a:fillRef>
+          <a:effectRef idx="0">
+            <a:schemeClr val="accent1"/>
+          </a:effectRef>
+          <a:fontRef idx="minor">
+            <a:schemeClr val="tx1"/>
+          </a:fontRef>
+        </p:style>
+      </p:cxnSp>
+      <p:cxnSp>
+        <p:nvCxnSpPr>
+          <p:cNvPr id="43" name="直接箭头连接符 24"/>
+          <p:cNvCxnSpPr>
+            <a:stCxn id="18" idx="0"/>
+            <a:endCxn id="20" idx="2"/>
+          </p:cNvCxnSpPr>
+          <p:nvPr/>
+        </p:nvCxnSpPr>
+        <p:spPr>
+          <a:xfrm flipV="1">
+            <a:off x="7744183" y="2262888"/>
+            <a:ext cx="0" cy="937795"/>
+          </a:xfrm>
+          <a:prstGeom prst="straightConnector1">
+            <a:avLst/>
+          </a:prstGeom>
+          <a:solidFill>
+            <a:srgbClr val="FFC000"/>
+          </a:solidFill>
+          <a:ln w="25400">
+            <a:tailEnd type="arrow"/>
+          </a:ln>
+        </p:spPr>
+        <p:style>
+          <a:lnRef idx="1">
+            <a:schemeClr val="accent1"/>
+          </a:lnRef>
+          <a:fillRef idx="0">
+            <a:schemeClr val="accent1"/>
+          </a:fillRef>
+          <a:effectRef idx="0">
+            <a:schemeClr val="accent1"/>
+          </a:effectRef>
+          <a:fontRef idx="minor">
+            <a:schemeClr val="tx1"/>
+          </a:fontRef>
+        </p:style>
+      </p:cxnSp>
+      <p:cxnSp>
+        <p:nvCxnSpPr>
+          <p:cNvPr id="61" name="直接箭头连接符 24"/>
+          <p:cNvCxnSpPr>
+            <a:stCxn id="22" idx="1"/>
+            <a:endCxn id="20" idx="3"/>
+          </p:cNvCxnSpPr>
+          <p:nvPr/>
+        </p:nvCxnSpPr>
+        <p:spPr>
+          <a:xfrm flipH="1">
+            <a:off x="8297138" y="2054615"/>
+            <a:ext cx="965130" cy="0"/>
+          </a:xfrm>
+          <a:prstGeom prst="straightConnector1">
+            <a:avLst/>
+          </a:prstGeom>
+          <a:solidFill>
+            <a:srgbClr val="FFC000"/>
+          </a:solidFill>
+          <a:ln w="25400">
+            <a:tailEnd type="arrow"/>
+          </a:ln>
+        </p:spPr>
+        <p:style>
+          <a:lnRef idx="1">
+            <a:schemeClr val="accent1"/>
+          </a:lnRef>
+          <a:fillRef idx="0">
+            <a:schemeClr val="accent1"/>
+          </a:fillRef>
+          <a:effectRef idx="0">
+            <a:schemeClr val="accent1"/>
+          </a:effectRef>
+          <a:fontRef idx="minor">
+            <a:schemeClr val="tx1"/>
+          </a:fontRef>
+        </p:style>
+      </p:cxnSp>
+    </p:spTree>
+  </p:cSld>
+  <p:clrMapOvr>
+    <a:masterClrMapping/>
+  </p:clrMapOvr>
+  <p:timing>
+    <p:tnLst>
+      <p:par>
+        <p:cTn id="1" dur="indefinite" restart="never" nodeType="tmRoot"/>
+      </p:par>
+    </p:tnLst>
+  </p:timing>
+</p:sld>
+</file>
+
+<file path=ppt/slides/slide13.xml><?xml version="1.0" encoding="utf-8"?>
+<p:sld xmlns:a="http://schemas.openxmlformats.org/drawingml/2006/main" xmlns:r="http://schemas.openxmlformats.org/officeDocument/2006/relationships" xmlns:p="http://schemas.openxmlformats.org/presentationml/2006/main">
+  <p:cSld>
+    <p:spTree>
+      <p:nvGrpSpPr>
+        <p:cNvPr id="1" name=""/>
+        <p:cNvGrpSpPr/>
+        <p:nvPr/>
+      </p:nvGrpSpPr>
+      <p:grpSpPr>
+        <a:xfrm>
+          <a:off x="0" y="0"/>
+          <a:ext cx="0" cy="0"/>
+          <a:chOff x="0" y="0"/>
+          <a:chExt cx="0" cy="0"/>
+        </a:xfrm>
+      </p:grpSpPr>
+      <p:sp>
+        <p:nvSpPr>
+          <p:cNvPr id="2" name="灯片编号占位符 1"/>
+          <p:cNvSpPr>
+            <a:spLocks noGrp="1"/>
+          </p:cNvSpPr>
+          <p:nvPr>
+            <p:ph type="sldNum" sz="quarter" idx="10"/>
+          </p:nvPr>
+        </p:nvSpPr>
+        <p:spPr/>
+        <p:txBody>
+          <a:bodyPr/>
+          <a:lstStyle/>
+          <a:p>
+            <a:fld id="{76B1E760-ECB3-4197-9FBC-1D87FC5C6A28}" type="slidenum">
+              <a:rPr kumimoji="1" lang="ja-JP" altLang="en-US" smtClean="0"/>
+              <a:t>13</a:t>
+            </a:fld>
+            <a:endParaRPr kumimoji="1" lang="ja-JP" altLang="en-US" dirty="0"/>
+          </a:p>
+        </p:txBody>
+      </p:sp>
+      <p:sp>
+        <p:nvSpPr>
+          <p:cNvPr id="3" name="标题 2"/>
+          <p:cNvSpPr>
+            <a:spLocks noGrp="1"/>
+          </p:cNvSpPr>
+          <p:nvPr>
+            <p:ph type="title"/>
+          </p:nvPr>
+        </p:nvSpPr>
+        <p:spPr/>
+        <p:txBody>
+          <a:bodyPr/>
+          <a:lstStyle/>
+          <a:p>
+            <a:r>
               <a:rPr lang="zh-CN" altLang="en-US" dirty="0" smtClean="0"/>
               <a:t>对</a:t>
             </a:r>
             <a:r>
               <a:rPr lang="zh-CN" altLang="en-US" dirty="0"/>
               <a:t>公司或团队的建议及期望</a:t>
+            </a:r>
+            <a:r>
+              <a:rPr lang="en-US" altLang="zh-CN" dirty="0">
+                <a:solidFill>
+                  <a:srgbClr val="000000"/>
+                </a:solidFill>
+                <a:ea typeface="宋体" panose="02010600030101010101" pitchFamily="2" charset="-122"/>
+              </a:rPr>
+              <a:t/>
             </a:r>
             <a:br>
               <a:rPr lang="en-US" altLang="zh-CN" dirty="0">
@@ -4737,6 +10530,11 @@
         </p:txBody>
       </p:sp>
     </p:spTree>
+    <p:extLst>
+      <p:ext uri="{BB962C8B-B14F-4D97-AF65-F5344CB8AC3E}">
+        <p14:creationId xmlns:p14="http://schemas.microsoft.com/office/powerpoint/2010/main" val="4120313784"/>
+      </p:ext>
+    </p:extLst>
   </p:cSld>
   <p:clrMapOvr>
     <a:masterClrMapping/>
@@ -4751,7 +10549,7 @@
 </p:sld>
 </file>
 
-<file path=ppt/slides/slide11.xml><?xml version="1.0" encoding="utf-8"?>
+<file path=ppt/slides/slide14.xml><?xml version="1.0" encoding="utf-8"?>
 <p:sld xmlns:a="http://schemas.openxmlformats.org/drawingml/2006/main" xmlns:r="http://schemas.openxmlformats.org/officeDocument/2006/relationships" xmlns:p="http://schemas.openxmlformats.org/presentationml/2006/main">
   <p:cSld>
     <p:spTree>
@@ -4831,43 +10629,6 @@
               </a:rPr>
               <a:t>感谢倾听与指导！</a:t>
             </a:r>
-            <a:endParaRPr lang="zh-CN" altLang="en-US" sz="5300" b="1" dirty="0">
-              <a:ln w="17780" cmpd="sng">
-                <a:solidFill>
-                  <a:schemeClr val="accent1">
-                    <a:tint val="3000"/>
-                  </a:schemeClr>
-                </a:solidFill>
-                <a:prstDash val="solid"/>
-                <a:miter lim="800000"/>
-              </a:ln>
-              <a:gradFill>
-                <a:gsLst>
-                  <a:gs pos="10000">
-                    <a:schemeClr val="accent1">
-                      <a:tint val="63000"/>
-                      <a:sat val="105000"/>
-                    </a:schemeClr>
-                  </a:gs>
-                  <a:gs pos="90000">
-                    <a:schemeClr val="accent1">
-                      <a:shade val="50000"/>
-                      <a:satMod val="100000"/>
-                    </a:schemeClr>
-                  </a:gs>
-                </a:gsLst>
-                <a:lin ang="5400000"/>
-              </a:gradFill>
-              <a:effectLst>
-                <a:outerShdw blurRad="55000" dist="50800" dir="5400000" algn="tl">
-                  <a:srgbClr val="000000">
-                    <a:alpha val="33000"/>
-                  </a:srgbClr>
-                </a:outerShdw>
-              </a:effectLst>
-              <a:latin typeface="微软雅黑" panose="020B0503020204020204" pitchFamily="34" charset="-122"/>
-              <a:ea typeface="微软雅黑" panose="020B0503020204020204" pitchFamily="34" charset="-122"/>
-            </a:endParaRPr>
           </a:p>
         </p:txBody>
       </p:sp>
@@ -4880,7 +10641,7 @@
           <p:nvPr/>
         </p:nvPicPr>
         <p:blipFill>
-          <a:blip r:embed="rId1" cstate="print"/>
+          <a:blip r:embed="rId2" cstate="print"/>
           <a:stretch>
             <a:fillRect/>
           </a:stretch>
@@ -4912,6 +10673,7 @@
           <a:p>
             <a:fld id="{76B1E760-ECB3-4197-9FBC-1D87FC5C6A28}" type="slidenum">
               <a:rPr kumimoji="1" lang="ja-JP" altLang="en-US" smtClean="0"/>
+              <a:t>14</a:t>
             </a:fld>
             <a:endParaRPr kumimoji="1" lang="ja-JP" altLang="en-US" dirty="0"/>
           </a:p>
@@ -4966,6 +10728,7 @@
           <a:p>
             <a:fld id="{76B1E760-ECB3-4197-9FBC-1D87FC5C6A28}" type="slidenum">
               <a:rPr kumimoji="1" lang="ja-JP" altLang="en-US" smtClean="0"/>
+              <a:t>2</a:t>
             </a:fld>
             <a:endParaRPr kumimoji="1" lang="ja-JP" altLang="en-US" dirty="0"/>
           </a:p>
@@ -4993,6 +10756,10 @@
             <a:r>
               <a:rPr lang="zh-CN" altLang="en-US" dirty="0" smtClean="0"/>
               <a:t>年总结目录</a:t>
+            </a:r>
+            <a:r>
+              <a:rPr lang="zh-CN" altLang="en-US" dirty="0"/>
+              <a:t/>
             </a:r>
             <a:br>
               <a:rPr lang="zh-CN" altLang="en-US" dirty="0"/>
@@ -5800,7 +11567,7 @@
           <p:nvPr/>
         </p:nvPicPr>
         <p:blipFill>
-          <a:blip r:embed="rId1">
+          <a:blip r:embed="rId2">
             <a:extLst>
               <a:ext uri="{28A0092B-C50C-407E-A947-70E740481C1C}">
                 <a14:useLocalDpi xmlns:a14="http://schemas.microsoft.com/office/drawing/2010/main" val="0"/>
@@ -5855,7 +11622,7 @@
             <p:nvPr/>
           </p:nvPicPr>
           <p:blipFill>
-            <a:blip r:embed="rId2" cstate="print">
+            <a:blip r:embed="rId3" cstate="print">
               <a:extLst>
                 <a:ext uri="{28A0092B-C50C-407E-A947-70E740481C1C}">
                   <a14:useLocalDpi xmlns:a14="http://schemas.microsoft.com/office/drawing/2010/main" val="0"/>
@@ -6600,7 +12367,7 @@
             <p:nvPr/>
           </p:nvPicPr>
           <p:blipFill>
-            <a:blip r:embed="rId3" cstate="print">
+            <a:blip r:embed="rId4" cstate="print">
               <a:extLst>
                 <a:ext uri="{28A0092B-C50C-407E-A947-70E740481C1C}">
                   <a14:useLocalDpi xmlns:a14="http://schemas.microsoft.com/office/drawing/2010/main" val="0"/>
@@ -6656,7 +12423,7 @@
             <p:nvPr/>
           </p:nvPicPr>
           <p:blipFill>
-            <a:blip r:embed="rId2" cstate="print">
+            <a:blip r:embed="rId3" cstate="print">
               <a:extLst>
                 <a:ext uri="{28A0092B-C50C-407E-A947-70E740481C1C}">
                   <a14:useLocalDpi xmlns:a14="http://schemas.microsoft.com/office/drawing/2010/main" val="0"/>
@@ -7401,7 +13168,7 @@
             <p:nvPr/>
           </p:nvPicPr>
           <p:blipFill>
-            <a:blip r:embed="rId3" cstate="print">
+            <a:blip r:embed="rId4" cstate="print">
               <a:extLst>
                 <a:ext uri="{28A0092B-C50C-407E-A947-70E740481C1C}">
                   <a14:useLocalDpi xmlns:a14="http://schemas.microsoft.com/office/drawing/2010/main" val="0"/>
@@ -7457,7 +13224,7 @@
             <p:nvPr/>
           </p:nvPicPr>
           <p:blipFill>
-            <a:blip r:embed="rId2" cstate="print">
+            <a:blip r:embed="rId3" cstate="print">
               <a:extLst>
                 <a:ext uri="{28A0092B-C50C-407E-A947-70E740481C1C}">
                   <a14:useLocalDpi xmlns:a14="http://schemas.microsoft.com/office/drawing/2010/main" val="0"/>
@@ -8202,7 +13969,7 @@
             <p:nvPr/>
           </p:nvPicPr>
           <p:blipFill>
-            <a:blip r:embed="rId3" cstate="print">
+            <a:blip r:embed="rId4" cstate="print">
               <a:extLst>
                 <a:ext uri="{28A0092B-C50C-407E-A947-70E740481C1C}">
                   <a14:useLocalDpi xmlns:a14="http://schemas.microsoft.com/office/drawing/2010/main" val="0"/>
@@ -8258,7 +14025,7 @@
             <p:nvPr/>
           </p:nvPicPr>
           <p:blipFill>
-            <a:blip r:embed="rId2" cstate="print">
+            <a:blip r:embed="rId3" cstate="print">
               <a:extLst>
                 <a:ext uri="{28A0092B-C50C-407E-A947-70E740481C1C}">
                   <a14:useLocalDpi xmlns:a14="http://schemas.microsoft.com/office/drawing/2010/main" val="0"/>
@@ -9003,7 +14770,7 @@
             <p:nvPr/>
           </p:nvPicPr>
           <p:blipFill>
-            <a:blip r:embed="rId3" cstate="print">
+            <a:blip r:embed="rId4" cstate="print">
               <a:extLst>
                 <a:ext uri="{28A0092B-C50C-407E-A947-70E740481C1C}">
                   <a14:useLocalDpi xmlns:a14="http://schemas.microsoft.com/office/drawing/2010/main" val="0"/>
@@ -9085,6 +14852,7 @@
           <a:p>
             <a:fld id="{76B1E760-ECB3-4197-9FBC-1D87FC5C6A28}" type="slidenum">
               <a:rPr kumimoji="1" lang="ja-JP" altLang="en-US" smtClean="0"/>
+              <a:t>3</a:t>
             </a:fld>
             <a:endParaRPr kumimoji="1" lang="ja-JP" altLang="en-US" dirty="0"/>
           </a:p>
@@ -9113,7 +14881,6 @@
               <a:rPr lang="zh-CN" altLang="en-US" dirty="0"/>
               <a:t>年工作总体情况分析</a:t>
             </a:r>
-            <a:endParaRPr lang="zh-CN" altLang="en-US" dirty="0"/>
           </a:p>
         </p:txBody>
       </p:sp>
@@ -9145,9 +14912,6 @@
               </a:rPr>
               <a:t>工作内容回顾</a:t>
             </a:r>
-            <a:endParaRPr lang="zh-CN" altLang="en-US" b="1" dirty="0">
-              <a:sym typeface="+mn-ea"/>
-            </a:endParaRPr>
           </a:p>
         </p:txBody>
       </p:sp>
@@ -9237,12 +15001,6 @@
               </a:rPr>
               <a:t>对可视化工具进行版本管理，编写和完善功能设计和完善接口设计文档，并按照技术预研计划，逐步实现相关功能。</a:t>
             </a:r>
-            <a:endParaRPr lang="zh-CN" altLang="en-US" sz="1400" dirty="0" smtClean="0">
-              <a:solidFill>
-                <a:schemeClr val="tx1"/>
-              </a:solidFill>
-              <a:sym typeface="+mn-ea"/>
-            </a:endParaRPr>
           </a:p>
           <a:p>
             <a:pPr marL="342900" indent="-342900" fontAlgn="auto">
@@ -9339,12 +15097,6 @@
               </a:rPr>
               <a:t>业务功能实现。</a:t>
             </a:r>
-            <a:endParaRPr lang="zh-CN" altLang="en-US" sz="1400" dirty="0" smtClean="0">
-              <a:solidFill>
-                <a:schemeClr val="tx1"/>
-              </a:solidFill>
-              <a:sym typeface="+mn-ea"/>
-            </a:endParaRPr>
           </a:p>
           <a:p>
             <a:pPr marL="342900" indent="-342900" fontAlgn="auto">
@@ -9388,12 +15140,6 @@
               </a:rPr>
               <a:t>，提炼出新的功能，整合进可视化工具中。</a:t>
             </a:r>
-            <a:endParaRPr lang="zh-CN" altLang="en-US" sz="1400" dirty="0" smtClean="0">
-              <a:solidFill>
-                <a:schemeClr val="tx1"/>
-              </a:solidFill>
-              <a:ea typeface="宋体" panose="02010600030101010101" pitchFamily="2" charset="-122"/>
-            </a:endParaRPr>
           </a:p>
         </p:txBody>
       </p:sp>
@@ -9555,12 +15301,6 @@
               </a:rPr>
               <a:t>工具的封装做准备。</a:t>
             </a:r>
-            <a:endParaRPr lang="zh-CN" altLang="en-US" sz="1400" dirty="0" smtClean="0">
-              <a:solidFill>
-                <a:schemeClr val="tx1"/>
-              </a:solidFill>
-              <a:ea typeface="宋体" panose="02010600030101010101" pitchFamily="2" charset="-122"/>
-            </a:endParaRPr>
           </a:p>
           <a:p>
             <a:pPr marL="285750" indent="-285750" fontAlgn="auto">
@@ -9601,50 +15341,8 @@
                 </a:solidFill>
                 <a:ea typeface="宋体" panose="02010600030101010101" pitchFamily="2" charset="-122"/>
               </a:rPr>
-              <a:t>二期的</a:t>
-            </a:r>
-            <a:r>
-              <a:rPr lang="zh-CN" altLang="en-US" sz="1400" dirty="0" smtClean="0">
-                <a:solidFill>
-                  <a:schemeClr val="tx1"/>
-                </a:solidFill>
-                <a:ea typeface="宋体" panose="02010600030101010101" pitchFamily="2" charset="-122"/>
-              </a:rPr>
-              <a:t>开发、与</a:t>
-            </a:r>
-            <a:r>
-              <a:rPr lang="zh-CN" altLang="en-US" sz="1400" dirty="0" smtClean="0">
-                <a:solidFill>
-                  <a:schemeClr val="tx1"/>
-                </a:solidFill>
-                <a:ea typeface="宋体" panose="02010600030101010101" pitchFamily="2" charset="-122"/>
-              </a:rPr>
-              <a:t>采集</a:t>
-            </a:r>
-            <a:r>
-              <a:rPr lang="zh-CN" altLang="en-US" sz="1400" dirty="0" smtClean="0">
-                <a:solidFill>
-                  <a:schemeClr val="tx1"/>
-                </a:solidFill>
-                <a:ea typeface="宋体" panose="02010600030101010101" pitchFamily="2" charset="-122"/>
-              </a:rPr>
-              <a:t>人员对接、导入数据等</a:t>
-            </a:r>
-            <a:r>
-              <a:rPr lang="zh-CN" altLang="en-US" sz="1400" dirty="0" smtClean="0">
-                <a:solidFill>
-                  <a:schemeClr val="tx1"/>
-                </a:solidFill>
-                <a:ea typeface="宋体" panose="02010600030101010101" pitchFamily="2" charset="-122"/>
-              </a:rPr>
-              <a:t>工作。</a:t>
-            </a:r>
-            <a:endParaRPr lang="zh-CN" altLang="en-US" sz="1400" dirty="0" smtClean="0">
-              <a:solidFill>
-                <a:schemeClr val="tx1"/>
-              </a:solidFill>
-              <a:ea typeface="宋体" panose="02010600030101010101" pitchFamily="2" charset="-122"/>
-            </a:endParaRPr>
+              <a:t>二期的开发、与采集人员对接、导入数据等工作。</a:t>
+            </a:r>
           </a:p>
         </p:txBody>
       </p:sp>
@@ -9761,12 +15459,6 @@
               </a:rPr>
               <a:t>参与数据资源地图项目以及海外利益分析项目的设计和开发工作。</a:t>
             </a:r>
-            <a:endParaRPr lang="zh-CN" altLang="en-US" sz="1400" dirty="0" smtClean="0">
-              <a:solidFill>
-                <a:schemeClr val="tx1"/>
-              </a:solidFill>
-              <a:ea typeface="宋体" panose="02010600030101010101" pitchFamily="2" charset="-122"/>
-            </a:endParaRPr>
           </a:p>
         </p:txBody>
       </p:sp>
@@ -9857,13 +15549,6 @@
               </a:rPr>
               <a:t>负责可视化小组成员的日报审批和相关工作分配，培养新人。</a:t>
             </a:r>
-            <a:endParaRPr lang="zh-CN" sz="1400" dirty="0" smtClean="0">
-              <a:solidFill>
-                <a:schemeClr val="tx1"/>
-              </a:solidFill>
-              <a:ea typeface="宋体" panose="02010600030101010101" pitchFamily="2" charset="-122"/>
-              <a:sym typeface="+mn-ea"/>
-            </a:endParaRPr>
           </a:p>
           <a:p>
             <a:pPr marL="285750" indent="-285750" fontAlgn="auto">
@@ -9887,17 +15572,7 @@
                 <a:ea typeface="宋体" panose="02010600030101010101" pitchFamily="2" charset="-122"/>
                 <a:sym typeface="+mn-ea"/>
               </a:rPr>
-              <a:t>参与部分项目的管理工作，主要是编制进度计划，监督完成状况，帮助解决问题</a:t>
-            </a:r>
-            <a:r>
-              <a:rPr lang="zh-CN" sz="1400" dirty="0" smtClean="0">
-                <a:solidFill>
-                  <a:schemeClr val="tx1"/>
-                </a:solidFill>
-                <a:ea typeface="宋体" panose="02010600030101010101" pitchFamily="2" charset="-122"/>
-                <a:sym typeface="+mn-ea"/>
-              </a:rPr>
-              <a:t>。</a:t>
+              <a:t>参与部分项目的管理工作，主要是编制进度计划，监督完成状况，帮助解决问题。</a:t>
             </a:r>
             <a:endParaRPr lang="en-US" altLang="zh-CN" sz="1400" dirty="0" smtClean="0">
               <a:solidFill>
@@ -10000,6 +15675,7 @@
           <a:p>
             <a:fld id="{76B1E760-ECB3-4197-9FBC-1D87FC5C6A28}" type="slidenum">
               <a:rPr kumimoji="1" lang="ja-JP" altLang="en-US" smtClean="0"/>
+              <a:t>4</a:t>
             </a:fld>
             <a:endParaRPr kumimoji="1" lang="ja-JP" altLang="en-US" dirty="0"/>
           </a:p>
@@ -10028,7 +15704,6 @@
               <a:rPr lang="zh-CN" altLang="en-US" dirty="0"/>
               <a:t>年工作总体情况分析</a:t>
             </a:r>
-            <a:endParaRPr lang="zh-CN" altLang="en-US" dirty="0"/>
           </a:p>
         </p:txBody>
       </p:sp>
@@ -10143,12 +15818,6 @@
               </a:rPr>
               <a:t>可视化工具</a:t>
             </a:r>
-            <a:endParaRPr lang="zh-CN" altLang="en-US" dirty="0" smtClean="0">
-              <a:solidFill>
-                <a:schemeClr val="tx1"/>
-              </a:solidFill>
-              <a:ea typeface="宋体" panose="02010600030101010101" pitchFamily="2" charset="-122"/>
-            </a:endParaRPr>
           </a:p>
         </p:txBody>
       </p:sp>
@@ -10217,12 +15886,6 @@
               </a:rPr>
               <a:t>与具体项目对接</a:t>
             </a:r>
-            <a:endParaRPr lang="zh-CN" altLang="en-US" dirty="0" smtClean="0">
-              <a:solidFill>
-                <a:schemeClr val="tx1"/>
-              </a:solidFill>
-              <a:ea typeface="宋体" panose="02010600030101010101" pitchFamily="2" charset="-122"/>
-            </a:endParaRPr>
           </a:p>
         </p:txBody>
       </p:sp>
@@ -10290,13 +15953,6 @@
               </a:rPr>
               <a:t>完善工具管理</a:t>
             </a:r>
-            <a:endParaRPr lang="zh-CN" altLang="en-US" dirty="0" smtClean="0">
-              <a:solidFill>
-                <a:schemeClr val="tx1"/>
-              </a:solidFill>
-              <a:ea typeface="宋体" panose="02010600030101010101" pitchFamily="2" charset="-122"/>
-              <a:sym typeface="+mn-ea"/>
-            </a:endParaRPr>
           </a:p>
         </p:txBody>
       </p:sp>
@@ -10364,13 +16020,6 @@
               </a:rPr>
               <a:t>优化既有功能</a:t>
             </a:r>
-            <a:endParaRPr lang="zh-CN" altLang="en-US" dirty="0" smtClean="0">
-              <a:solidFill>
-                <a:schemeClr val="tx1"/>
-              </a:solidFill>
-              <a:ea typeface="宋体" panose="02010600030101010101" pitchFamily="2" charset="-122"/>
-              <a:sym typeface="+mn-ea"/>
-            </a:endParaRPr>
           </a:p>
         </p:txBody>
       </p:sp>
@@ -10438,13 +16087,6 @@
               </a:rPr>
               <a:t>增加新功能</a:t>
             </a:r>
-            <a:endParaRPr lang="zh-CN" altLang="en-US" dirty="0" smtClean="0">
-              <a:solidFill>
-                <a:schemeClr val="tx1"/>
-              </a:solidFill>
-              <a:ea typeface="宋体" panose="02010600030101010101" pitchFamily="2" charset="-122"/>
-              <a:sym typeface="+mn-ea"/>
-            </a:endParaRPr>
           </a:p>
         </p:txBody>
       </p:sp>
@@ -10498,14 +16140,35 @@
                 </a:solidFill>
                 <a:ea typeface="宋体" panose="02010600030101010101" pitchFamily="2" charset="-122"/>
               </a:rPr>
-              <a:t>在各项目中嵌入可视化，实现可视化通用功能。</a:t>
-            </a:r>
-            <a:endParaRPr lang="zh-CN" altLang="en-US" sz="1200" dirty="0" smtClean="0">
-              <a:solidFill>
-                <a:schemeClr val="tx1"/>
-              </a:solidFill>
-              <a:ea typeface="宋体" panose="02010600030101010101" pitchFamily="2" charset="-122"/>
-            </a:endParaRPr>
+              <a:t>在</a:t>
+            </a:r>
+            <a:r>
+              <a:rPr lang="en-US" altLang="zh-CN" sz="1200" dirty="0" smtClean="0">
+                <a:solidFill>
+                  <a:schemeClr val="tx1"/>
+                </a:solidFill>
+                <a:ea typeface="宋体" panose="02010600030101010101" pitchFamily="2" charset="-122"/>
+              </a:rPr>
+              <a:t>6</a:t>
+            </a:r>
+            <a:r>
+              <a:rPr lang="zh-CN" altLang="en-US" sz="1200" dirty="0" smtClean="0">
+                <a:solidFill>
+                  <a:schemeClr val="tx1"/>
+                </a:solidFill>
+                <a:ea typeface="宋体" panose="02010600030101010101" pitchFamily="2" charset="-122"/>
+              </a:rPr>
+              <a:t>个项目</a:t>
+            </a:r>
+            <a:r>
+              <a:rPr lang="zh-CN" altLang="en-US" sz="1200" dirty="0" smtClean="0">
+                <a:solidFill>
+                  <a:schemeClr val="tx1"/>
+                </a:solidFill>
+                <a:ea typeface="宋体" panose="02010600030101010101" pitchFamily="2" charset="-122"/>
+              </a:rPr>
+              <a:t>中嵌入可视化，实现可视化通用功能。</a:t>
+            </a:r>
           </a:p>
         </p:txBody>
       </p:sp>
@@ -10559,14 +16222,26 @@
                 </a:solidFill>
                 <a:ea typeface="宋体" panose="02010600030101010101" pitchFamily="2" charset="-122"/>
               </a:rPr>
-              <a:t>根据具体需求，实现与需求紧密关联的可视化功能。</a:t>
-            </a:r>
-            <a:endParaRPr lang="zh-CN" altLang="en-US" sz="1200" dirty="0" smtClean="0">
-              <a:solidFill>
-                <a:schemeClr val="tx1"/>
-              </a:solidFill>
-              <a:ea typeface="宋体" panose="02010600030101010101" pitchFamily="2" charset="-122"/>
-            </a:endParaRPr>
+              <a:t>根据具体需求，实现</a:t>
+            </a:r>
+            <a:r>
+              <a:rPr lang="zh-CN" altLang="en-US" sz="1200" dirty="0" smtClean="0">
+                <a:solidFill>
+                  <a:schemeClr val="tx1"/>
+                </a:solidFill>
+                <a:ea typeface="宋体" panose="02010600030101010101" pitchFamily="2" charset="-122"/>
+              </a:rPr>
+              <a:t>与业务紧密</a:t>
+            </a:r>
+            <a:r>
+              <a:rPr lang="zh-CN" altLang="en-US" sz="1200" dirty="0" smtClean="0">
+                <a:solidFill>
+                  <a:schemeClr val="tx1"/>
+                </a:solidFill>
+                <a:ea typeface="宋体" panose="02010600030101010101" pitchFamily="2" charset="-122"/>
+              </a:rPr>
+              <a:t>关联的可视化功能。</a:t>
+            </a:r>
           </a:p>
         </p:txBody>
       </p:sp>
@@ -10640,12 +16315,6 @@
               </a:rPr>
               <a:t>，并添加版本履历文档，对每一次版本更新的内容进行详细说明。</a:t>
             </a:r>
-            <a:endParaRPr lang="zh-CN" altLang="en-US" sz="1200" dirty="0" smtClean="0">
-              <a:solidFill>
-                <a:schemeClr val="tx1"/>
-              </a:solidFill>
-              <a:ea typeface="宋体" panose="02010600030101010101" pitchFamily="2" charset="-122"/>
-            </a:endParaRPr>
           </a:p>
         </p:txBody>
       </p:sp>
@@ -10701,12 +16370,6 @@
               </a:rPr>
               <a:t>编写功能设计策划文档，方便功能研发计划编制，以及让产品人员更易于熟悉可视化的功能构成和使用方式；逐步完善接口设计文档，便于与项目中的业务功能对接。</a:t>
             </a:r>
-            <a:endParaRPr lang="zh-CN" altLang="en-US" sz="1200" dirty="0" smtClean="0">
-              <a:solidFill>
-                <a:schemeClr val="tx1"/>
-              </a:solidFill>
-              <a:ea typeface="宋体" panose="02010600030101010101" pitchFamily="2" charset="-122"/>
-            </a:endParaRPr>
           </a:p>
         </p:txBody>
       </p:sp>
@@ -10743,15 +16406,13 @@
           <a:bodyPr rtlCol="0" anchor="ctr"/>
           <a:lstStyle/>
           <a:p>
-            <a:pPr eaLnBrk="1" hangingPunct="1">
+            <a:pPr>
               <a:spcBef>
                 <a:spcPct val="0"/>
               </a:spcBef>
               <a:buClr>
                 <a:schemeClr val="accent2"/>
               </a:buClr>
-              <a:buFont typeface="Wingdings" panose="05000000000000000000" pitchFamily="2" charset="2"/>
-              <a:buNone/>
             </a:pPr>
             <a:r>
               <a:rPr lang="zh-CN" altLang="en-US" sz="1200" dirty="0" smtClean="0">
@@ -10778,14 +16439,44 @@
                 </a:solidFill>
                 <a:ea typeface="宋体" panose="02010600030101010101" pitchFamily="2" charset="-122"/>
               </a:rPr>
-              <a:t>，优化部分已有功能，例如布局切换、路径分析、平行链接以及撤销恢复操作等功能。</a:t>
-            </a:r>
-            <a:endParaRPr lang="zh-CN" altLang="en-US" sz="1200" dirty="0" smtClean="0">
-              <a:solidFill>
-                <a:schemeClr val="tx1"/>
-              </a:solidFill>
-              <a:ea typeface="宋体" panose="02010600030101010101" pitchFamily="2" charset="-122"/>
-            </a:endParaRPr>
+              <a:t>，优化部分已有</a:t>
+            </a:r>
+            <a:r>
+              <a:rPr lang="zh-CN" altLang="en-US" sz="1200" dirty="0" smtClean="0">
+                <a:solidFill>
+                  <a:schemeClr val="tx1"/>
+                </a:solidFill>
+                <a:ea typeface="宋体" panose="02010600030101010101" pitchFamily="2" charset="-122"/>
+              </a:rPr>
+              <a:t>功能</a:t>
+            </a:r>
+            <a:r>
+              <a:rPr lang="en-US" altLang="zh-CN" sz="1200" dirty="0" smtClean="0">
+                <a:solidFill>
+                  <a:schemeClr val="tx1"/>
+                </a:solidFill>
+                <a:ea typeface="宋体" panose="02010600030101010101" pitchFamily="2" charset="-122"/>
+              </a:rPr>
+              <a:t>20</a:t>
+            </a:r>
+            <a:r>
+              <a:rPr lang="zh-CN" altLang="en-US" sz="1200" dirty="0" smtClean="0">
+                <a:solidFill>
+                  <a:schemeClr val="tx1"/>
+                </a:solidFill>
+                <a:ea typeface="宋体" panose="02010600030101010101" pitchFamily="2" charset="-122"/>
+              </a:rPr>
+              <a:t>多处，</a:t>
+            </a:r>
+            <a:r>
+              <a:rPr lang="zh-CN" altLang="en-US" sz="1200" dirty="0" smtClean="0">
+                <a:solidFill>
+                  <a:schemeClr val="tx1"/>
+                </a:solidFill>
+                <a:ea typeface="宋体" panose="02010600030101010101" pitchFamily="2" charset="-122"/>
+              </a:rPr>
+              <a:t>例如布局切换、路径分析、平行链接以及撤销恢复操作等功能。</a:t>
+            </a:r>
           </a:p>
         </p:txBody>
       </p:sp>
@@ -10839,14 +16530,44 @@
                 </a:solidFill>
                 <a:ea typeface="宋体" panose="02010600030101010101" pitchFamily="2" charset="-122"/>
               </a:rPr>
-              <a:t>根据功能研发计划和实际项目需要，增加了新功能，例如环形右键菜单、环形树布局、自动寻位、自定义画板等功能。</a:t>
-            </a:r>
-            <a:endParaRPr lang="zh-CN" altLang="en-US" sz="1200" dirty="0" smtClean="0">
-              <a:solidFill>
-                <a:schemeClr val="tx1"/>
-              </a:solidFill>
-              <a:ea typeface="宋体" panose="02010600030101010101" pitchFamily="2" charset="-122"/>
-            </a:endParaRPr>
+              <a:t>根据功能研发计划和实际项目需要，增加了新</a:t>
+            </a:r>
+            <a:r>
+              <a:rPr lang="zh-CN" altLang="en-US" sz="1200" dirty="0" smtClean="0">
+                <a:solidFill>
+                  <a:schemeClr val="tx1"/>
+                </a:solidFill>
+                <a:ea typeface="宋体" panose="02010600030101010101" pitchFamily="2" charset="-122"/>
+              </a:rPr>
+              <a:t>功能</a:t>
+            </a:r>
+            <a:r>
+              <a:rPr lang="en-US" altLang="zh-CN" sz="1200" dirty="0" smtClean="0">
+                <a:solidFill>
+                  <a:schemeClr val="tx1"/>
+                </a:solidFill>
+                <a:ea typeface="宋体" panose="02010600030101010101" pitchFamily="2" charset="-122"/>
+              </a:rPr>
+              <a:t>10</a:t>
+            </a:r>
+            <a:r>
+              <a:rPr lang="zh-CN" altLang="en-US" sz="1200" dirty="0" smtClean="0">
+                <a:solidFill>
+                  <a:schemeClr val="tx1"/>
+                </a:solidFill>
+                <a:ea typeface="宋体" panose="02010600030101010101" pitchFamily="2" charset="-122"/>
+              </a:rPr>
+              <a:t>多项，</a:t>
+            </a:r>
+            <a:r>
+              <a:rPr lang="zh-CN" altLang="en-US" sz="1200" dirty="0" smtClean="0">
+                <a:solidFill>
+                  <a:schemeClr val="tx1"/>
+                </a:solidFill>
+                <a:ea typeface="宋体" panose="02010600030101010101" pitchFamily="2" charset="-122"/>
+              </a:rPr>
+              <a:t>例如环形右键菜单、环形树布局、自动寻位、自定义画板等功能。</a:t>
+            </a:r>
           </a:p>
         </p:txBody>
       </p:sp>
@@ -11269,6 +16990,7 @@
           <a:p>
             <a:fld id="{76B1E760-ECB3-4197-9FBC-1D87FC5C6A28}" type="slidenum">
               <a:rPr kumimoji="1" lang="ja-JP" altLang="en-US" smtClean="0"/>
+              <a:t>5</a:t>
             </a:fld>
             <a:endParaRPr kumimoji="1" lang="ja-JP" altLang="en-US" dirty="0"/>
           </a:p>
@@ -11297,7 +17019,6 @@
               <a:rPr lang="zh-CN" altLang="en-US" dirty="0"/>
               <a:t>年工作总体情况分析</a:t>
             </a:r>
-            <a:endParaRPr lang="zh-CN" altLang="en-US" dirty="0"/>
           </a:p>
         </p:txBody>
       </p:sp>
@@ -11324,14 +17045,17 @@
           <a:lstStyle/>
           <a:p>
             <a:r>
+              <a:rPr lang="zh-CN" altLang="en-US" b="1" dirty="0" smtClean="0">
+                <a:sym typeface="+mn-ea"/>
+              </a:rPr>
+              <a:t>可视化能力不足部分和</a:t>
+            </a:r>
+            <a:r>
               <a:rPr lang="zh-CN" altLang="en-US" b="1" dirty="0">
                 <a:sym typeface="+mn-ea"/>
               </a:rPr>
-              <a:t>工作不足和根本原因分析</a:t>
-            </a:r>
-            <a:endParaRPr lang="zh-CN" altLang="en-US" b="1" dirty="0">
-              <a:sym typeface="+mn-ea"/>
-            </a:endParaRPr>
+              <a:t>根本原因分析</a:t>
+            </a:r>
           </a:p>
         </p:txBody>
       </p:sp>
@@ -11396,13 +17120,6 @@
               </a:rPr>
               <a:t>与项目对接速度有待提升</a:t>
             </a:r>
-            <a:endParaRPr lang="zh-CN" altLang="en-US" sz="1600" dirty="0" smtClean="0">
-              <a:solidFill>
-                <a:schemeClr val="tx1"/>
-              </a:solidFill>
-              <a:ea typeface="宋体" panose="02010600030101010101" pitchFamily="2" charset="-122"/>
-              <a:sym typeface="+mn-ea"/>
-            </a:endParaRPr>
           </a:p>
         </p:txBody>
       </p:sp>
@@ -11467,13 +17184,6 @@
               </a:rPr>
               <a:t>通用能力有待完善</a:t>
             </a:r>
-            <a:endParaRPr lang="zh-CN" altLang="en-US" sz="1600" dirty="0" smtClean="0">
-              <a:solidFill>
-                <a:schemeClr val="tx1"/>
-              </a:solidFill>
-              <a:ea typeface="宋体" panose="02010600030101010101" pitchFamily="2" charset="-122"/>
-              <a:sym typeface="+mn-ea"/>
-            </a:endParaRPr>
           </a:p>
         </p:txBody>
       </p:sp>
@@ -11613,6 +17323,7 @@
         </p:style>
         <p:txBody>
           <a:bodyPr rtlCol="0" anchor="ctr"/>
+          <a:lstStyle/>
           <a:p>
             <a:pPr algn="ctr" eaLnBrk="1" hangingPunct="1">
               <a:spcBef>
@@ -11633,12 +17344,6 @@
               </a:rPr>
               <a:t>可视化工具</a:t>
             </a:r>
-            <a:endParaRPr lang="zh-CN" altLang="en-US" dirty="0" smtClean="0">
-              <a:solidFill>
-                <a:schemeClr val="tx1"/>
-              </a:solidFill>
-              <a:ea typeface="宋体" panose="02010600030101010101" pitchFamily="2" charset="-122"/>
-            </a:endParaRPr>
           </a:p>
         </p:txBody>
       </p:sp>
@@ -11685,6 +17390,7 @@
           <a:bodyPr vertOverflow="overflow" horzOverflow="overflow" vert="horz" wrap="square" numCol="1" spcCol="0" rtlCol="0" fromWordArt="0" anchor="ctr" anchorCtr="0" forceAA="0" compatLnSpc="1">
             <a:noAutofit/>
           </a:bodyPr>
+          <a:lstStyle/>
           <a:p>
             <a:pPr lvl="0" algn="ctr">
               <a:buClr>
@@ -11702,13 +17408,6 @@
               </a:rPr>
               <a:t>与业务配合使用能力有待提高</a:t>
             </a:r>
-            <a:endParaRPr lang="zh-CN" altLang="en-US" sz="1600" dirty="0" smtClean="0">
-              <a:solidFill>
-                <a:schemeClr val="tx1"/>
-              </a:solidFill>
-              <a:ea typeface="宋体" panose="02010600030101010101" pitchFamily="2" charset="-122"/>
-              <a:sym typeface="+mn-ea"/>
-            </a:endParaRPr>
           </a:p>
         </p:txBody>
       </p:sp>
@@ -11796,6 +17495,7 @@
           <a:bodyPr vertOverflow="overflow" horzOverflow="overflow" vert="horz" wrap="square" numCol="1" spcCol="0" rtlCol="0" fromWordArt="0" anchor="ctr" anchorCtr="0" forceAA="0" compatLnSpc="1">
             <a:noAutofit/>
           </a:bodyPr>
+          <a:lstStyle/>
           <a:p>
             <a:pPr lvl="0" algn="ctr">
               <a:buClr>
@@ -11813,13 +17513,6 @@
               </a:rPr>
               <a:t>页面样式冲突</a:t>
             </a:r>
-            <a:endParaRPr lang="zh-CN" altLang="en-US" sz="1200" dirty="0" smtClean="0">
-              <a:solidFill>
-                <a:schemeClr val="tx1"/>
-              </a:solidFill>
-              <a:ea typeface="宋体" panose="02010600030101010101" pitchFamily="2" charset="-122"/>
-              <a:sym typeface="+mn-ea"/>
-            </a:endParaRPr>
           </a:p>
         </p:txBody>
       </p:sp>
@@ -11866,6 +17559,7 @@
           <a:bodyPr vertOverflow="overflow" horzOverflow="overflow" vert="horz" wrap="square" numCol="1" spcCol="0" rtlCol="0" fromWordArt="0" anchor="ctr" anchorCtr="0" forceAA="0" compatLnSpc="1">
             <a:noAutofit/>
           </a:bodyPr>
+          <a:lstStyle/>
           <a:p>
             <a:pPr lvl="0" algn="ctr">
               <a:buClr>
@@ -11883,13 +17577,6 @@
               </a:rPr>
               <a:t>工具引入过程复杂</a:t>
             </a:r>
-            <a:endParaRPr lang="zh-CN" altLang="en-US" sz="1200" dirty="0" smtClean="0">
-              <a:solidFill>
-                <a:schemeClr val="tx1"/>
-              </a:solidFill>
-              <a:ea typeface="宋体" panose="02010600030101010101" pitchFamily="2" charset="-122"/>
-              <a:sym typeface="+mn-ea"/>
-            </a:endParaRPr>
           </a:p>
         </p:txBody>
       </p:sp>
@@ -11936,6 +17623,7 @@
           <a:bodyPr vertOverflow="overflow" horzOverflow="overflow" vert="horz" wrap="square" numCol="1" spcCol="0" rtlCol="0" fromWordArt="0" anchor="ctr" anchorCtr="0" forceAA="0" compatLnSpc="1">
             <a:noAutofit/>
           </a:bodyPr>
+          <a:lstStyle/>
           <a:p>
             <a:pPr lvl="0" algn="ctr">
               <a:buClr>
@@ -11953,13 +17641,6 @@
               </a:rPr>
               <a:t>缺乏使用手册</a:t>
             </a:r>
-            <a:endParaRPr lang="zh-CN" altLang="en-US" sz="1200" dirty="0" smtClean="0">
-              <a:solidFill>
-                <a:schemeClr val="tx1"/>
-              </a:solidFill>
-              <a:ea typeface="宋体" panose="02010600030101010101" pitchFamily="2" charset="-122"/>
-              <a:sym typeface="+mn-ea"/>
-            </a:endParaRPr>
           </a:p>
         </p:txBody>
       </p:sp>
@@ -12006,6 +17687,7 @@
           <a:bodyPr vertOverflow="overflow" horzOverflow="overflow" vert="horz" wrap="square" numCol="1" spcCol="0" rtlCol="0" fromWordArt="0" anchor="ctr" anchorCtr="0" forceAA="0" compatLnSpc="1">
             <a:noAutofit/>
           </a:bodyPr>
+          <a:lstStyle/>
           <a:p>
             <a:pPr lvl="0" algn="ctr">
               <a:buClr>
@@ -12023,13 +17705,6 @@
               </a:rPr>
               <a:t>缺乏独立的样式设计</a:t>
             </a:r>
-            <a:endParaRPr lang="zh-CN" altLang="en-US" sz="1200" dirty="0" smtClean="0">
-              <a:solidFill>
-                <a:schemeClr val="tx1"/>
-              </a:solidFill>
-              <a:ea typeface="宋体" panose="02010600030101010101" pitchFamily="2" charset="-122"/>
-              <a:sym typeface="+mn-ea"/>
-            </a:endParaRPr>
           </a:p>
         </p:txBody>
       </p:sp>
@@ -12076,6 +17751,7 @@
           <a:bodyPr vertOverflow="overflow" horzOverflow="overflow" vert="horz" wrap="square" numCol="1" spcCol="0" rtlCol="0" fromWordArt="0" anchor="ctr" anchorCtr="0" forceAA="0" compatLnSpc="1">
             <a:noAutofit/>
           </a:bodyPr>
+          <a:lstStyle/>
           <a:p>
             <a:pPr lvl="0" algn="ctr">
               <a:buClr>
@@ -12093,13 +17769,6 @@
               </a:rPr>
               <a:t>部分功能使用效果不佳</a:t>
             </a:r>
-            <a:endParaRPr lang="zh-CN" altLang="en-US" sz="1200" dirty="0" smtClean="0">
-              <a:solidFill>
-                <a:schemeClr val="tx1"/>
-              </a:solidFill>
-              <a:ea typeface="宋体" panose="02010600030101010101" pitchFamily="2" charset="-122"/>
-              <a:sym typeface="+mn-ea"/>
-            </a:endParaRPr>
           </a:p>
         </p:txBody>
       </p:sp>
@@ -12146,6 +17815,7 @@
           <a:bodyPr vertOverflow="overflow" horzOverflow="overflow" vert="horz" wrap="square" numCol="1" spcCol="0" rtlCol="0" fromWordArt="0" anchor="ctr" anchorCtr="0" forceAA="0" compatLnSpc="1">
             <a:spAutoFit/>
           </a:bodyPr>
+          <a:lstStyle/>
           <a:p>
             <a:pPr lvl="0" algn="ctr">
               <a:buClr>
@@ -12163,13 +17833,6 @@
               </a:rPr>
               <a:t>高级分析能力不足</a:t>
             </a:r>
-            <a:endParaRPr lang="zh-CN" altLang="en-US" sz="1200" dirty="0" smtClean="0">
-              <a:solidFill>
-                <a:schemeClr val="tx1"/>
-              </a:solidFill>
-              <a:ea typeface="宋体" panose="02010600030101010101" pitchFamily="2" charset="-122"/>
-              <a:sym typeface="+mn-ea"/>
-            </a:endParaRPr>
           </a:p>
         </p:txBody>
       </p:sp>
@@ -12216,6 +17879,7 @@
           <a:bodyPr vertOverflow="overflow" horzOverflow="overflow" vert="horz" wrap="square" numCol="1" spcCol="0" rtlCol="0" fromWordArt="0" anchor="ctr" anchorCtr="0" forceAA="0" compatLnSpc="1">
             <a:noAutofit/>
           </a:bodyPr>
+          <a:lstStyle/>
           <a:p>
             <a:pPr lvl="0" algn="ctr">
               <a:buClr>
@@ -12233,13 +17897,6 @@
               </a:rPr>
               <a:t>性能有待提升</a:t>
             </a:r>
-            <a:endParaRPr lang="zh-CN" altLang="en-US" sz="1200" dirty="0" smtClean="0">
-              <a:solidFill>
-                <a:schemeClr val="tx1"/>
-              </a:solidFill>
-              <a:ea typeface="宋体" panose="02010600030101010101" pitchFamily="2" charset="-122"/>
-              <a:sym typeface="+mn-ea"/>
-            </a:endParaRPr>
           </a:p>
         </p:txBody>
       </p:sp>
@@ -12286,6 +17943,7 @@
           <a:bodyPr vertOverflow="overflow" horzOverflow="overflow" vert="horz" wrap="square" numCol="1" spcCol="0" rtlCol="0" fromWordArt="0" anchor="ctr" anchorCtr="0" forceAA="0" compatLnSpc="1">
             <a:noAutofit/>
           </a:bodyPr>
+          <a:lstStyle/>
           <a:p>
             <a:pPr lvl="0" algn="ctr">
               <a:buClr>
@@ -12303,13 +17961,6 @@
               </a:rPr>
               <a:t>布局能力有待增强</a:t>
             </a:r>
-            <a:endParaRPr lang="zh-CN" altLang="en-US" sz="1200" dirty="0" smtClean="0">
-              <a:solidFill>
-                <a:schemeClr val="tx1"/>
-              </a:solidFill>
-              <a:ea typeface="宋体" panose="02010600030101010101" pitchFamily="2" charset="-122"/>
-              <a:sym typeface="+mn-ea"/>
-            </a:endParaRPr>
           </a:p>
         </p:txBody>
       </p:sp>
@@ -12356,6 +18007,7 @@
           <a:bodyPr vertOverflow="overflow" horzOverflow="overflow" vert="horz" wrap="square" numCol="1" spcCol="0" rtlCol="0" fromWordArt="0" anchor="ctr" anchorCtr="0" forceAA="0" compatLnSpc="1">
             <a:noAutofit/>
           </a:bodyPr>
+          <a:lstStyle/>
           <a:p>
             <a:pPr lvl="0" algn="ctr">
               <a:buClr>
@@ -12373,13 +18025,6 @@
               </a:rPr>
               <a:t>可视化数据封装容易出问题</a:t>
             </a:r>
-            <a:endParaRPr lang="zh-CN" altLang="en-US" sz="1200" dirty="0" smtClean="0">
-              <a:solidFill>
-                <a:schemeClr val="tx1"/>
-              </a:solidFill>
-              <a:ea typeface="宋体" panose="02010600030101010101" pitchFamily="2" charset="-122"/>
-              <a:sym typeface="+mn-ea"/>
-            </a:endParaRPr>
           </a:p>
         </p:txBody>
       </p:sp>
@@ -12426,6 +18071,7 @@
           <a:bodyPr vertOverflow="overflow" horzOverflow="overflow" vert="horz" wrap="square" numCol="1" spcCol="0" rtlCol="0" fromWordArt="0" anchor="ctr" anchorCtr="0" forceAA="0" compatLnSpc="1">
             <a:noAutofit/>
           </a:bodyPr>
+          <a:lstStyle/>
           <a:p>
             <a:pPr lvl="0" algn="ctr">
               <a:buClr>
@@ -12441,15 +18087,8 @@
                 <a:ea typeface="宋体" panose="02010600030101010101" pitchFamily="2" charset="-122"/>
                 <a:sym typeface="+mn-ea"/>
               </a:rPr>
-              <a:t>工具可扩展性待提升</a:t>
-            </a:r>
-            <a:endParaRPr lang="zh-CN" altLang="en-US" sz="1200" dirty="0" smtClean="0">
-              <a:solidFill>
-                <a:schemeClr val="tx1"/>
-              </a:solidFill>
-              <a:ea typeface="宋体" panose="02010600030101010101" pitchFamily="2" charset="-122"/>
-              <a:sym typeface="+mn-ea"/>
-            </a:endParaRPr>
+              <a:t>部分业务功能实现困难</a:t>
+            </a:r>
           </a:p>
         </p:txBody>
       </p:sp>
@@ -12496,6 +18135,7 @@
           <a:bodyPr vertOverflow="overflow" horzOverflow="overflow" vert="horz" wrap="square" numCol="1" spcCol="0" rtlCol="0" fromWordArt="0" anchor="ctr" anchorCtr="0" forceAA="0" compatLnSpc="1">
             <a:noAutofit/>
           </a:bodyPr>
+          <a:lstStyle/>
           <a:p>
             <a:pPr lvl="0" algn="ctr">
               <a:buClr>
@@ -12513,13 +18153,6 @@
               </a:rPr>
               <a:t>与其他前端组件的结合能力不足</a:t>
             </a:r>
-            <a:endParaRPr lang="zh-CN" altLang="en-US" sz="1200" dirty="0" smtClean="0">
-              <a:solidFill>
-                <a:schemeClr val="tx1"/>
-              </a:solidFill>
-              <a:ea typeface="宋体" panose="02010600030101010101" pitchFamily="2" charset="-122"/>
-              <a:sym typeface="+mn-ea"/>
-            </a:endParaRPr>
           </a:p>
         </p:txBody>
       </p:sp>
@@ -13016,6 +18649,7 @@
         </p:style>
         <p:txBody>
           <a:bodyPr rtlCol="0" anchor="ctr"/>
+          <a:lstStyle/>
           <a:p>
             <a:pPr algn="ctr" eaLnBrk="1" hangingPunct="1">
               <a:spcBef>
@@ -13036,12 +18670,6 @@
               </a:rPr>
               <a:t>管理问题</a:t>
             </a:r>
-            <a:endParaRPr lang="zh-CN" altLang="en-US" dirty="0" smtClean="0">
-              <a:solidFill>
-                <a:schemeClr val="tx1"/>
-              </a:solidFill>
-              <a:ea typeface="宋体" panose="02010600030101010101" pitchFamily="2" charset="-122"/>
-            </a:endParaRPr>
           </a:p>
         </p:txBody>
       </p:sp>
@@ -13089,6 +18717,7 @@
         </p:style>
         <p:txBody>
           <a:bodyPr rtlCol="0" anchor="ctr"/>
+          <a:lstStyle/>
           <a:p>
             <a:pPr algn="ctr" eaLnBrk="1" hangingPunct="1">
               <a:spcBef>
@@ -13109,12 +18738,6 @@
               </a:rPr>
               <a:t>设计问题</a:t>
             </a:r>
-            <a:endParaRPr lang="zh-CN" altLang="en-US" dirty="0" smtClean="0">
-              <a:solidFill>
-                <a:schemeClr val="tx1"/>
-              </a:solidFill>
-              <a:ea typeface="宋体" panose="02010600030101010101" pitchFamily="2" charset="-122"/>
-            </a:endParaRPr>
           </a:p>
         </p:txBody>
       </p:sp>
@@ -13162,6 +18785,7 @@
         </p:style>
         <p:txBody>
           <a:bodyPr rtlCol="0" anchor="ctr"/>
+          <a:lstStyle/>
           <a:p>
             <a:pPr algn="ctr" eaLnBrk="1" hangingPunct="1">
               <a:spcBef>
@@ -13182,12 +18806,6 @@
               </a:rPr>
               <a:t>技术问题</a:t>
             </a:r>
-            <a:endParaRPr lang="zh-CN" altLang="en-US" dirty="0" smtClean="0">
-              <a:solidFill>
-                <a:schemeClr val="tx1"/>
-              </a:solidFill>
-              <a:ea typeface="宋体" panose="02010600030101010101" pitchFamily="2" charset="-122"/>
-            </a:endParaRPr>
           </a:p>
         </p:txBody>
       </p:sp>
@@ -13529,13 +19147,14 @@
           <p:cNvPr id="67" name="直接箭头连接符 66"/>
           <p:cNvCxnSpPr>
             <a:stCxn id="35" idx="3"/>
+            <a:endCxn id="56" idx="1"/>
           </p:cNvCxnSpPr>
           <p:nvPr/>
         </p:nvCxnSpPr>
         <p:spPr>
           <a:xfrm flipV="1">
-            <a:off x="7922895" y="3416935"/>
-            <a:ext cx="2979420" cy="1531620"/>
+            <a:off x="7922895" y="3429635"/>
+            <a:ext cx="3045460" cy="1518920"/>
           </a:xfrm>
           <a:prstGeom prst="straightConnector1">
             <a:avLst/>
@@ -13601,15 +19220,15 @@
         <p:nvCxnSpPr>
           <p:cNvPr id="69" name="直接箭头连接符 68"/>
           <p:cNvCxnSpPr>
-            <a:stCxn id="33" idx="3"/>
+            <a:stCxn id="77" idx="3"/>
             <a:endCxn id="56" idx="1"/>
           </p:cNvCxnSpPr>
           <p:nvPr/>
         </p:nvCxnSpPr>
         <p:spPr>
           <a:xfrm flipV="1">
-            <a:off x="7289165" y="3429635"/>
-            <a:ext cx="3679190" cy="2089150"/>
+            <a:off x="8972232" y="3429635"/>
+            <a:ext cx="1996123" cy="2087086"/>
           </a:xfrm>
           <a:prstGeom prst="straightConnector1">
             <a:avLst/>
@@ -13751,6 +19370,7 @@
           <a:bodyPr vertOverflow="overflow" horzOverflow="overflow" vert="horz" wrap="square" numCol="1" spcCol="0" rtlCol="0" fromWordArt="0" anchor="ctr" anchorCtr="0" forceAA="0" compatLnSpc="1">
             <a:noAutofit/>
           </a:bodyPr>
+          <a:lstStyle/>
           <a:p>
             <a:pPr lvl="0" algn="ctr">
               <a:buClr>
@@ -13768,13 +19388,6 @@
               </a:rPr>
               <a:t>对可视化成员培训不足</a:t>
             </a:r>
-            <a:endParaRPr lang="zh-CN" altLang="en-US" sz="1200" dirty="0" smtClean="0">
-              <a:solidFill>
-                <a:schemeClr val="tx1"/>
-              </a:solidFill>
-              <a:ea typeface="宋体" panose="02010600030101010101" pitchFamily="2" charset="-122"/>
-              <a:sym typeface="+mn-ea"/>
-            </a:endParaRPr>
           </a:p>
         </p:txBody>
       </p:sp>
@@ -13899,6 +19512,7 @@
           <a:bodyPr vertOverflow="overflow" horzOverflow="overflow" vert="horz" wrap="square" numCol="1" spcCol="0" rtlCol="0" fromWordArt="0" anchor="ctr" anchorCtr="0" forceAA="0" compatLnSpc="1">
             <a:noAutofit/>
           </a:bodyPr>
+          <a:lstStyle/>
           <a:p>
             <a:pPr lvl="0" algn="ctr">
               <a:buClr>
@@ -13916,13 +19530,6 @@
               </a:rPr>
               <a:t>缺乏通用的数据封装方式</a:t>
             </a:r>
-            <a:endParaRPr lang="zh-CN" altLang="en-US" sz="1200" dirty="0" smtClean="0">
-              <a:solidFill>
-                <a:schemeClr val="tx1"/>
-              </a:solidFill>
-              <a:ea typeface="宋体" panose="02010600030101010101" pitchFamily="2" charset="-122"/>
-              <a:sym typeface="+mn-ea"/>
-            </a:endParaRPr>
           </a:p>
         </p:txBody>
       </p:sp>
@@ -13942,6 +19549,111 @@
           </a:xfrm>
           <a:prstGeom prst="bentConnector2">
             <a:avLst/>
+          </a:prstGeom>
+          <a:solidFill>
+            <a:srgbClr val="FFC000"/>
+          </a:solidFill>
+          <a:ln w="25400">
+            <a:tailEnd type="arrow"/>
+          </a:ln>
+        </p:spPr>
+        <p:style>
+          <a:lnRef idx="1">
+            <a:schemeClr val="accent1"/>
+          </a:lnRef>
+          <a:fillRef idx="0">
+            <a:schemeClr val="accent1"/>
+          </a:fillRef>
+          <a:effectRef idx="0">
+            <a:schemeClr val="accent1"/>
+          </a:effectRef>
+          <a:fontRef idx="minor">
+            <a:schemeClr val="tx1"/>
+          </a:fontRef>
+        </p:style>
+      </p:cxnSp>
+      <p:sp>
+        <p:nvSpPr>
+          <p:cNvPr id="77" name="圆角矩形 76"/>
+          <p:cNvSpPr/>
+          <p:nvPr/>
+        </p:nvSpPr>
+        <p:spPr bwMode="auto">
+          <a:xfrm>
+            <a:off x="7767873" y="5351780"/>
+            <a:ext cx="1204359" cy="329882"/>
+          </a:xfrm>
+          <a:prstGeom prst="roundRect">
+            <a:avLst/>
+          </a:prstGeom>
+          <a:solidFill>
+            <a:srgbClr val="FFC000"/>
+          </a:solidFill>
+          <a:effectLst>
+            <a:outerShdw blurRad="50800" dist="50800" dir="5400000" algn="ctr" rotWithShape="0">
+              <a:schemeClr val="bg1">
+                <a:lumMod val="85000"/>
+              </a:schemeClr>
+            </a:outerShdw>
+          </a:effectLst>
+        </p:spPr>
+        <p:style>
+          <a:lnRef idx="2">
+            <a:schemeClr val="accent5"/>
+          </a:lnRef>
+          <a:fillRef idx="1">
+            <a:schemeClr val="lt1"/>
+          </a:fillRef>
+          <a:effectRef idx="0">
+            <a:schemeClr val="accent5"/>
+          </a:effectRef>
+          <a:fontRef idx="minor">
+            <a:schemeClr val="dk1"/>
+          </a:fontRef>
+        </p:style>
+        <p:txBody>
+          <a:bodyPr vertOverflow="overflow" horzOverflow="overflow" vert="horz" wrap="square" numCol="1" spcCol="0" rtlCol="0" fromWordArt="0" anchor="ctr" anchorCtr="0" forceAA="0" compatLnSpc="1">
+            <a:noAutofit/>
+          </a:bodyPr>
+          <a:lstStyle/>
+          <a:p>
+            <a:pPr lvl="0" algn="ctr">
+              <a:buClr>
+                <a:schemeClr val="accent2"/>
+              </a:buClr>
+              <a:buFont typeface="Wingdings" panose="05000000000000000000" pitchFamily="2" charset="2"/>
+            </a:pPr>
+            <a:r>
+              <a:rPr lang="zh-CN" altLang="en-US" sz="1200" dirty="0" smtClean="0">
+                <a:solidFill>
+                  <a:schemeClr val="tx1"/>
+                </a:solidFill>
+                <a:ea typeface="宋体" panose="02010600030101010101" pitchFamily="2" charset="-122"/>
+                <a:sym typeface="+mn-ea"/>
+              </a:rPr>
+              <a:t>可扩展性不足</a:t>
+            </a:r>
+          </a:p>
+        </p:txBody>
+      </p:sp>
+      <p:cxnSp>
+        <p:nvCxnSpPr>
+          <p:cNvPr id="79" name="直接箭头连接符 24"/>
+          <p:cNvCxnSpPr>
+            <a:stCxn id="33" idx="3"/>
+            <a:endCxn id="77" idx="1"/>
+          </p:cNvCxnSpPr>
+          <p:nvPr/>
+        </p:nvCxnSpPr>
+        <p:spPr>
+          <a:xfrm flipV="1">
+            <a:off x="7289165" y="5516721"/>
+            <a:ext cx="478708" cy="2064"/>
+          </a:xfrm>
+          <a:prstGeom prst="bentConnector3">
+            <a:avLst>
+              <a:gd name="adj1" fmla="val 50000"/>
+            </a:avLst>
           </a:prstGeom>
           <a:solidFill>
             <a:srgbClr val="FFC000"/>
@@ -14014,6 +19726,7 @@
           <a:p>
             <a:fld id="{76B1E760-ECB3-4197-9FBC-1D87FC5C6A28}" type="slidenum">
               <a:rPr kumimoji="1" lang="ja-JP" altLang="en-US" smtClean="0"/>
+              <a:t>6</a:t>
             </a:fld>
             <a:endParaRPr kumimoji="1" lang="ja-JP" altLang="en-US" dirty="0"/>
           </a:p>
@@ -14042,7 +19755,6 @@
               <a:rPr lang="zh-CN" altLang="en-US" dirty="0"/>
               <a:t>年工作总体情况分析</a:t>
             </a:r>
-            <a:endParaRPr lang="zh-CN" altLang="en-US" dirty="0"/>
           </a:p>
         </p:txBody>
       </p:sp>
@@ -14069,29 +19781,32 @@
           <a:lstStyle/>
           <a:p>
             <a:r>
+              <a:rPr lang="zh-CN" altLang="en-US" b="1" dirty="0" smtClean="0">
+                <a:sym typeface="+mn-ea"/>
+              </a:rPr>
+              <a:t>可视化功能改进</a:t>
+            </a:r>
+            <a:r>
               <a:rPr lang="zh-CN" altLang="en-US" b="1" dirty="0">
                 <a:sym typeface="+mn-ea"/>
               </a:rPr>
-              <a:t>改进分析</a:t>
-            </a:r>
-            <a:endParaRPr lang="zh-CN" altLang="en-US" b="1" dirty="0">
-              <a:sym typeface="+mn-ea"/>
-            </a:endParaRPr>
+              <a:t>分析</a:t>
+            </a:r>
           </a:p>
         </p:txBody>
       </p:sp>
       <p:sp>
         <p:nvSpPr>
-          <p:cNvPr id="11" name="圆角矩形 10"/>
+          <p:cNvPr id="46" name="椭圆 45"/>
           <p:cNvSpPr/>
           <p:nvPr/>
         </p:nvSpPr>
         <p:spPr>
           <a:xfrm>
-            <a:off x="2104390" y="1962150"/>
-            <a:ext cx="1971040" cy="1260475"/>
+            <a:off x="3283902" y="3161467"/>
+            <a:ext cx="2314196" cy="2241670"/>
           </a:xfrm>
-          <a:prstGeom prst="roundRect">
+          <a:prstGeom prst="ellipse">
             <a:avLst/>
           </a:prstGeom>
           <a:gradFill flip="none" rotWithShape="1">
@@ -14142,8 +19857,9 @@
         </p:style>
         <p:txBody>
           <a:bodyPr anchor="ctr"/>
+          <a:lstStyle/>
           <a:p>
-            <a:pPr indent="0" fontAlgn="auto">
+            <a:pPr>
               <a:lnSpc>
                 <a:spcPct val="150000"/>
               </a:lnSpc>
@@ -14153,8 +19869,6 @@
               <a:buClr>
                 <a:schemeClr val="accent2"/>
               </a:buClr>
-              <a:buFont typeface="Wingdings" panose="05000000000000000000" charset="0"/>
-              <a:buNone/>
             </a:pPr>
             <a:r>
               <a:rPr lang="zh-CN" altLang="en-US" sz="1400" dirty="0" smtClean="0">
@@ -14163,9 +19877,27 @@
                 </a:solidFill>
                 <a:ea typeface="宋体" panose="02010600030101010101" pitchFamily="2" charset="-122"/>
               </a:rPr>
-              <a:t>尽快解决设计问题</a:t>
-            </a:r>
-            <a:endParaRPr lang="zh-CN" altLang="en-US" sz="1400" dirty="0" smtClean="0">
+              <a:t>可视化组内分工协作，共同</a:t>
+            </a:r>
+            <a:r>
+              <a:rPr lang="zh-CN" altLang="en-US" sz="1400" dirty="0">
+                <a:solidFill>
+                  <a:schemeClr val="tx1"/>
+                </a:solidFill>
+                <a:ea typeface="宋体" panose="02010600030101010101" pitchFamily="2" charset="-122"/>
+              </a:rPr>
+              <a:t>解决技术</a:t>
+            </a:r>
+            <a:r>
+              <a:rPr lang="zh-CN" altLang="en-US" sz="1400" dirty="0" smtClean="0">
+                <a:solidFill>
+                  <a:schemeClr val="tx1"/>
+                </a:solidFill>
+                <a:ea typeface="宋体" panose="02010600030101010101" pitchFamily="2" charset="-122"/>
+              </a:rPr>
+              <a:t>问题</a:t>
+            </a:r>
+            <a:endParaRPr lang="zh-CN" altLang="en-US" sz="1400" dirty="0">
               <a:solidFill>
                 <a:schemeClr val="tx1"/>
               </a:solidFill>
@@ -14176,16 +19908,16 @@
       </p:sp>
       <p:sp>
         <p:nvSpPr>
-          <p:cNvPr id="5" name="圆角矩形 4"/>
+          <p:cNvPr id="47" name="椭圆 46"/>
           <p:cNvSpPr/>
           <p:nvPr/>
         </p:nvSpPr>
         <p:spPr>
           <a:xfrm>
-            <a:off x="4096385" y="2664460"/>
-            <a:ext cx="1971040" cy="1260475"/>
+            <a:off x="5598098" y="3201843"/>
+            <a:ext cx="2314196" cy="2241670"/>
           </a:xfrm>
-          <a:prstGeom prst="roundRect">
+          <a:prstGeom prst="ellipse">
             <a:avLst/>
           </a:prstGeom>
           <a:gradFill flip="none" rotWithShape="1">
@@ -14236,8 +19968,9 @@
         </p:style>
         <p:txBody>
           <a:bodyPr anchor="ctr"/>
+          <a:lstStyle/>
           <a:p>
-            <a:pPr indent="0" fontAlgn="auto">
+            <a:pPr>
               <a:lnSpc>
                 <a:spcPct val="150000"/>
               </a:lnSpc>
@@ -14247,8 +19980,6 @@
               <a:buClr>
                 <a:schemeClr val="accent2"/>
               </a:buClr>
-              <a:buFont typeface="Wingdings" panose="05000000000000000000" charset="0"/>
-              <a:buNone/>
             </a:pPr>
             <a:r>
               <a:rPr lang="zh-CN" altLang="en-US" sz="1400" dirty="0" smtClean="0">
@@ -14257,9 +19988,45 @@
                 </a:solidFill>
                 <a:ea typeface="宋体" panose="02010600030101010101" pitchFamily="2" charset="-122"/>
               </a:rPr>
-              <a:t>共同解决技术问题</a:t>
-            </a:r>
-            <a:endParaRPr lang="zh-CN" altLang="en-US" sz="1400" dirty="0" smtClean="0">
+              <a:t>定期进行</a:t>
+            </a:r>
+            <a:r>
+              <a:rPr lang="zh-CN" altLang="en-US" sz="1400" dirty="0">
+                <a:solidFill>
+                  <a:schemeClr val="tx1"/>
+                </a:solidFill>
+                <a:ea typeface="宋体" panose="02010600030101010101" pitchFamily="2" charset="-122"/>
+              </a:rPr>
+              <a:t>技术</a:t>
+            </a:r>
+            <a:r>
+              <a:rPr lang="zh-CN" altLang="en-US" sz="1400" dirty="0" smtClean="0">
+                <a:solidFill>
+                  <a:schemeClr val="tx1"/>
+                </a:solidFill>
+                <a:ea typeface="宋体" panose="02010600030101010101" pitchFamily="2" charset="-122"/>
+              </a:rPr>
+              <a:t>培训以及完善</a:t>
+            </a:r>
+            <a:r>
+              <a:rPr lang="zh-CN" altLang="en-US" sz="1400" dirty="0">
+                <a:solidFill>
+                  <a:schemeClr val="tx1"/>
+                </a:solidFill>
+                <a:ea typeface="宋体" panose="02010600030101010101" pitchFamily="2" charset="-122"/>
+              </a:rPr>
+              <a:t>维护</a:t>
+            </a:r>
+            <a:r>
+              <a:rPr lang="zh-CN" altLang="en-US" sz="1400" dirty="0" smtClean="0">
+                <a:solidFill>
+                  <a:schemeClr val="tx1"/>
+                </a:solidFill>
+                <a:ea typeface="宋体" panose="02010600030101010101" pitchFamily="2" charset="-122"/>
+              </a:rPr>
+              <a:t>文档</a:t>
+            </a:r>
+            <a:endParaRPr lang="zh-CN" altLang="en-US" sz="1400" dirty="0">
               <a:solidFill>
                 <a:schemeClr val="tx1"/>
               </a:solidFill>
@@ -14270,16 +20037,16 @@
       </p:sp>
       <p:sp>
         <p:nvSpPr>
-          <p:cNvPr id="6" name="圆角矩形 5"/>
+          <p:cNvPr id="45" name="椭圆 44"/>
           <p:cNvSpPr/>
           <p:nvPr/>
         </p:nvSpPr>
         <p:spPr>
           <a:xfrm>
-            <a:off x="6067425" y="3368675"/>
-            <a:ext cx="1971040" cy="1260475"/>
+            <a:off x="4441000" y="1253767"/>
+            <a:ext cx="2314196" cy="2241670"/>
           </a:xfrm>
-          <a:prstGeom prst="roundRect">
+          <a:prstGeom prst="ellipse">
             <a:avLst/>
           </a:prstGeom>
           <a:gradFill flip="none" rotWithShape="1">
@@ -14330,8 +20097,9 @@
         </p:style>
         <p:txBody>
           <a:bodyPr anchor="ctr"/>
+          <a:lstStyle/>
           <a:p>
-            <a:pPr indent="0" fontAlgn="auto">
+            <a:pPr>
               <a:lnSpc>
                 <a:spcPct val="150000"/>
               </a:lnSpc>
@@ -14341,19 +20109,26 @@
               <a:buClr>
                 <a:schemeClr val="accent2"/>
               </a:buClr>
-              <a:buFont typeface="Wingdings" panose="05000000000000000000" charset="0"/>
-              <a:buNone/>
             </a:pPr>
             <a:r>
+              <a:rPr lang="zh-CN" altLang="en-US" sz="1400" dirty="0">
+                <a:solidFill>
+                  <a:schemeClr val="tx1"/>
+                </a:solidFill>
+                <a:ea typeface="宋体" panose="02010600030101010101" pitchFamily="2" charset="-122"/>
+              </a:rPr>
+              <a:t>优先解决设计</a:t>
+            </a:r>
+            <a:r>
               <a:rPr lang="zh-CN" altLang="en-US" sz="1400" dirty="0" smtClean="0">
                 <a:solidFill>
                   <a:schemeClr val="tx1"/>
                 </a:solidFill>
                 <a:ea typeface="宋体" panose="02010600030101010101" pitchFamily="2" charset="-122"/>
               </a:rPr>
-              <a:t>定期培训对接问题</a:t>
-            </a:r>
-            <a:endParaRPr lang="zh-CN" altLang="en-US" sz="1400" dirty="0" smtClean="0">
+              <a:t>问题</a:t>
+            </a:r>
+            <a:endParaRPr lang="zh-CN" altLang="en-US" sz="1400" dirty="0">
               <a:solidFill>
                 <a:schemeClr val="tx1"/>
               </a:solidFill>
@@ -14411,6 +20186,7 @@
           <a:p>
             <a:fld id="{76B1E760-ECB3-4197-9FBC-1D87FC5C6A28}" type="slidenum">
               <a:rPr kumimoji="1" lang="ja-JP" altLang="en-US" smtClean="0"/>
+              <a:t>7</a:t>
             </a:fld>
             <a:endParaRPr kumimoji="1" lang="ja-JP" altLang="en-US" dirty="0"/>
           </a:p>
@@ -14439,6 +20215,10 @@
               <a:rPr lang="zh-CN" altLang="en-US" dirty="0"/>
               <a:t>能力和收获分析</a:t>
             </a:r>
+            <a:r>
+              <a:rPr lang="en-US" altLang="zh-CN" dirty="0"/>
+              <a:t/>
+            </a:r>
             <a:br>
               <a:rPr lang="en-US" altLang="zh-CN" dirty="0"/>
             </a:br>
@@ -14448,14 +20228,14 @@
       </p:sp>
       <p:sp>
         <p:nvSpPr>
-          <p:cNvPr id="5" name="文本框 4"/>
+          <p:cNvPr id="24" name="文本框 23"/>
           <p:cNvSpPr txBox="1"/>
           <p:nvPr/>
         </p:nvSpPr>
         <p:spPr>
           <a:xfrm>
-            <a:off x="1270659" y="1745673"/>
-            <a:ext cx="6659836" cy="353943"/>
+            <a:off x="306705" y="530860"/>
+            <a:ext cx="5954395" cy="352425"/>
           </a:xfrm>
           <a:prstGeom prst="rect">
             <a:avLst/>
@@ -14463,28 +20243,1026 @@
           <a:noFill/>
         </p:spPr>
         <p:txBody>
-          <a:bodyPr wrap="none" rtlCol="0">
+          <a:bodyPr wrap="square" rtlCol="0">
             <a:spAutoFit/>
           </a:bodyPr>
           <a:lstStyle/>
           <a:p>
             <a:r>
-              <a:rPr lang="zh-CN" altLang="en-US" dirty="0" smtClean="0"/>
-              <a:t>重点描述个人各方面能力的收获、不足和改进措施等分析，</a:t>
-            </a:r>
-            <a:r>
-              <a:rPr lang="en-US" altLang="zh-CN" dirty="0" smtClean="0"/>
-              <a:t>1-2</a:t>
-            </a:r>
-            <a:r>
-              <a:rPr lang="zh-CN" altLang="en-US" dirty="0" smtClean="0"/>
-              <a:t>页</a:t>
-            </a:r>
-            <a:r>
-              <a:rPr lang="en-US" altLang="zh-CN" dirty="0" err="1" smtClean="0"/>
-              <a:t>ppt</a:t>
-            </a:r>
-            <a:endParaRPr lang="zh-CN" altLang="en-US" dirty="0"/>
+              <a:rPr lang="zh-CN" altLang="en-US" b="1" dirty="0" smtClean="0">
+                <a:sym typeface="+mn-ea"/>
+              </a:rPr>
+              <a:t>能力收获和不足分析</a:t>
+            </a:r>
+            <a:endParaRPr lang="zh-CN" altLang="en-US" b="1" dirty="0">
+              <a:sym typeface="+mn-ea"/>
+            </a:endParaRPr>
+          </a:p>
+        </p:txBody>
+      </p:sp>
+      <p:graphicFrame>
+        <p:nvGraphicFramePr>
+          <p:cNvPr id="4" name="图表 3"/>
+          <p:cNvGraphicFramePr/>
+          <p:nvPr>
+            <p:extLst>
+              <p:ext uri="{D42A27DB-BD31-4B8C-83A1-F6EECF244321}">
+                <p14:modId xmlns:p14="http://schemas.microsoft.com/office/powerpoint/2010/main" val="4052370422"/>
+              </p:ext>
+            </p:extLst>
+          </p:nvPr>
+        </p:nvGraphicFramePr>
+        <p:xfrm>
+          <a:off x="1622425" y="883285"/>
+          <a:ext cx="9064625" cy="5540375"/>
+        </p:xfrm>
+        <a:graphic>
+          <a:graphicData uri="http://schemas.openxmlformats.org/drawingml/2006/chart">
+            <c:chart xmlns:c="http://schemas.openxmlformats.org/drawingml/2006/chart" xmlns:r="http://schemas.openxmlformats.org/officeDocument/2006/relationships" r:id="rId3"/>
+          </a:graphicData>
+        </a:graphic>
+      </p:graphicFrame>
+      <p:sp>
+        <p:nvSpPr>
+          <p:cNvPr id="5" name="线形标注 1 4"/>
+          <p:cNvSpPr/>
+          <p:nvPr/>
+        </p:nvSpPr>
+        <p:spPr>
+          <a:xfrm>
+            <a:off x="742385" y="1068307"/>
+            <a:ext cx="2181884" cy="1013989"/>
+          </a:xfrm>
+          <a:prstGeom prst="borderCallout1">
+            <a:avLst>
+              <a:gd name="adj1" fmla="val 48582"/>
+              <a:gd name="adj2" fmla="val 100040"/>
+              <a:gd name="adj3" fmla="val 59452"/>
+              <a:gd name="adj4" fmla="val 230129"/>
+            </a:avLst>
+          </a:prstGeom>
+          <a:gradFill flip="none" rotWithShape="1">
+            <a:gsLst>
+              <a:gs pos="0">
+                <a:schemeClr val="accent1">
+                  <a:tint val="66000"/>
+                  <a:satMod val="160000"/>
+                </a:schemeClr>
+              </a:gs>
+              <a:gs pos="50000">
+                <a:schemeClr val="accent1">
+                  <a:tint val="44500"/>
+                  <a:satMod val="160000"/>
+                </a:schemeClr>
+              </a:gs>
+              <a:gs pos="100000">
+                <a:schemeClr val="accent1">
+                  <a:tint val="23500"/>
+                  <a:satMod val="160000"/>
+                </a:schemeClr>
+              </a:gs>
+            </a:gsLst>
+            <a:lin ang="0" scaled="1"/>
+            <a:tileRect/>
+          </a:gradFill>
+          <a:effectLst>
+            <a:outerShdw blurRad="50800" dist="38100" dir="2700000" algn="tl" rotWithShape="0">
+              <a:prstClr val="black">
+                <a:alpha val="40000"/>
+              </a:prstClr>
+            </a:outerShdw>
+          </a:effectLst>
+        </p:spPr>
+        <p:style>
+          <a:lnRef idx="2">
+            <a:schemeClr val="accent5"/>
+          </a:lnRef>
+          <a:fillRef idx="1">
+            <a:schemeClr val="lt1"/>
+          </a:fillRef>
+          <a:effectRef idx="0">
+            <a:schemeClr val="accent5"/>
+          </a:effectRef>
+          <a:fontRef idx="minor">
+            <a:schemeClr val="dk1"/>
+          </a:fontRef>
+        </p:style>
+        <p:txBody>
+          <a:bodyPr anchor="ctr"/>
+          <a:lstStyle/>
+          <a:p>
+            <a:pPr marL="171450" indent="-171450">
+              <a:lnSpc>
+                <a:spcPct val="150000"/>
+              </a:lnSpc>
+              <a:spcBef>
+                <a:spcPct val="0"/>
+              </a:spcBef>
+              <a:buClr>
+                <a:srgbClr val="00B050"/>
+              </a:buClr>
+              <a:buSzPct val="150000"/>
+              <a:buFont typeface="Wingdings" panose="05000000000000000000" pitchFamily="2" charset="2"/>
+              <a:buChar char="l"/>
+            </a:pPr>
+            <a:r>
+              <a:rPr lang="en-US" altLang="zh-CN" sz="1000" dirty="0" err="1" smtClean="0">
+                <a:solidFill>
+                  <a:schemeClr val="tx1"/>
+                </a:solidFill>
+                <a:ea typeface="宋体" panose="02010600030101010101" pitchFamily="2" charset="-122"/>
+              </a:rPr>
+              <a:t>GoJS</a:t>
+            </a:r>
+            <a:r>
+              <a:rPr lang="zh-CN" altLang="en-US" sz="1000" dirty="0" smtClean="0">
+                <a:solidFill>
+                  <a:schemeClr val="tx1"/>
+                </a:solidFill>
+                <a:ea typeface="宋体" panose="02010600030101010101" pitchFamily="2" charset="-122"/>
+              </a:rPr>
+              <a:t>技术的使用更加熟练。</a:t>
+            </a:r>
+            <a:endParaRPr lang="en-US" altLang="zh-CN" sz="1000" dirty="0" smtClean="0">
+              <a:solidFill>
+                <a:schemeClr val="tx1"/>
+              </a:solidFill>
+              <a:ea typeface="宋体" panose="02010600030101010101" pitchFamily="2" charset="-122"/>
+            </a:endParaRPr>
+          </a:p>
+          <a:p>
+            <a:pPr marL="171450" indent="-171450">
+              <a:lnSpc>
+                <a:spcPct val="150000"/>
+              </a:lnSpc>
+              <a:spcBef>
+                <a:spcPct val="0"/>
+              </a:spcBef>
+              <a:buClr>
+                <a:schemeClr val="accent4">
+                  <a:lumMod val="75000"/>
+                </a:schemeClr>
+              </a:buClr>
+              <a:buSzPct val="150000"/>
+              <a:buFont typeface="Wingdings" panose="05000000000000000000" pitchFamily="2" charset="2"/>
+              <a:buChar char="l"/>
+            </a:pPr>
+            <a:r>
+              <a:rPr lang="zh-CN" altLang="en-US" sz="1000" dirty="0" smtClean="0">
+                <a:solidFill>
+                  <a:schemeClr val="tx1"/>
+                </a:solidFill>
+                <a:ea typeface="宋体" panose="02010600030101010101" pitchFamily="2" charset="-122"/>
+              </a:rPr>
+              <a:t>整体架构设计能力有待提升，布局算法能力需要加强。</a:t>
+            </a:r>
+            <a:endParaRPr lang="zh-CN" altLang="en-US" sz="1000" dirty="0">
+              <a:solidFill>
+                <a:schemeClr val="tx1"/>
+              </a:solidFill>
+              <a:ea typeface="宋体" panose="02010600030101010101" pitchFamily="2" charset="-122"/>
+            </a:endParaRPr>
+          </a:p>
+        </p:txBody>
+      </p:sp>
+      <p:sp>
+        <p:nvSpPr>
+          <p:cNvPr id="7" name="线形标注 1 6"/>
+          <p:cNvSpPr/>
+          <p:nvPr/>
+        </p:nvSpPr>
+        <p:spPr>
+          <a:xfrm>
+            <a:off x="561316" y="2694910"/>
+            <a:ext cx="2181884" cy="1013989"/>
+          </a:xfrm>
+          <a:prstGeom prst="borderCallout1">
+            <a:avLst>
+              <a:gd name="adj1" fmla="val 51261"/>
+              <a:gd name="adj2" fmla="val 100040"/>
+              <a:gd name="adj3" fmla="val 22844"/>
+              <a:gd name="adj4" fmla="val 139068"/>
+            </a:avLst>
+          </a:prstGeom>
+          <a:gradFill flip="none" rotWithShape="1">
+            <a:gsLst>
+              <a:gs pos="0">
+                <a:schemeClr val="accent1">
+                  <a:tint val="66000"/>
+                  <a:satMod val="160000"/>
+                </a:schemeClr>
+              </a:gs>
+              <a:gs pos="50000">
+                <a:schemeClr val="accent1">
+                  <a:tint val="44500"/>
+                  <a:satMod val="160000"/>
+                </a:schemeClr>
+              </a:gs>
+              <a:gs pos="100000">
+                <a:schemeClr val="accent1">
+                  <a:tint val="23500"/>
+                  <a:satMod val="160000"/>
+                </a:schemeClr>
+              </a:gs>
+            </a:gsLst>
+            <a:lin ang="0" scaled="1"/>
+            <a:tileRect/>
+          </a:gradFill>
+          <a:effectLst>
+            <a:outerShdw blurRad="50800" dist="38100" dir="2700000" algn="tl" rotWithShape="0">
+              <a:prstClr val="black">
+                <a:alpha val="40000"/>
+              </a:prstClr>
+            </a:outerShdw>
+          </a:effectLst>
+        </p:spPr>
+        <p:style>
+          <a:lnRef idx="2">
+            <a:schemeClr val="accent5"/>
+          </a:lnRef>
+          <a:fillRef idx="1">
+            <a:schemeClr val="lt1"/>
+          </a:fillRef>
+          <a:effectRef idx="0">
+            <a:schemeClr val="accent5"/>
+          </a:effectRef>
+          <a:fontRef idx="minor">
+            <a:schemeClr val="dk1"/>
+          </a:fontRef>
+        </p:style>
+        <p:txBody>
+          <a:bodyPr anchor="ctr"/>
+          <a:lstStyle/>
+          <a:p>
+            <a:pPr marL="171450" indent="-171450">
+              <a:lnSpc>
+                <a:spcPct val="150000"/>
+              </a:lnSpc>
+              <a:spcBef>
+                <a:spcPct val="0"/>
+              </a:spcBef>
+              <a:buClr>
+                <a:srgbClr val="00B050"/>
+              </a:buClr>
+              <a:buSzPct val="150000"/>
+              <a:buFont typeface="Wingdings" panose="05000000000000000000" pitchFamily="2" charset="2"/>
+              <a:buChar char="l"/>
+            </a:pPr>
+            <a:r>
+              <a:rPr lang="zh-CN" altLang="en-US" sz="1000" dirty="0" smtClean="0">
+                <a:solidFill>
+                  <a:schemeClr val="tx1"/>
+                </a:solidFill>
+                <a:ea typeface="宋体" panose="02010600030101010101" pitchFamily="2" charset="-122"/>
+              </a:rPr>
+              <a:t>参与部分项目管理工作，参加软考培训并通过考试。</a:t>
+            </a:r>
+            <a:endParaRPr lang="en-US" altLang="zh-CN" sz="1000" dirty="0" smtClean="0">
+              <a:solidFill>
+                <a:schemeClr val="tx1"/>
+              </a:solidFill>
+              <a:ea typeface="宋体" panose="02010600030101010101" pitchFamily="2" charset="-122"/>
+            </a:endParaRPr>
+          </a:p>
+          <a:p>
+            <a:pPr marL="171450" indent="-171450">
+              <a:lnSpc>
+                <a:spcPct val="150000"/>
+              </a:lnSpc>
+              <a:spcBef>
+                <a:spcPct val="0"/>
+              </a:spcBef>
+              <a:buClr>
+                <a:schemeClr val="accent4">
+                  <a:lumMod val="75000"/>
+                </a:schemeClr>
+              </a:buClr>
+              <a:buSzPct val="150000"/>
+              <a:buFont typeface="Wingdings" panose="05000000000000000000" pitchFamily="2" charset="2"/>
+              <a:buChar char="l"/>
+            </a:pPr>
+            <a:r>
+              <a:rPr lang="zh-CN" altLang="en-US" sz="1000" dirty="0" smtClean="0">
+                <a:solidFill>
+                  <a:schemeClr val="tx1"/>
+                </a:solidFill>
+                <a:ea typeface="宋体" panose="02010600030101010101" pitchFamily="2" charset="-122"/>
+              </a:rPr>
+              <a:t>项目经验依旧不足，进度把控能力有待加强。</a:t>
+            </a:r>
+            <a:endParaRPr lang="zh-CN" altLang="en-US" sz="1000" dirty="0">
+              <a:solidFill>
+                <a:schemeClr val="tx1"/>
+              </a:solidFill>
+              <a:ea typeface="宋体" panose="02010600030101010101" pitchFamily="2" charset="-122"/>
+            </a:endParaRPr>
+          </a:p>
+        </p:txBody>
+      </p:sp>
+      <p:sp>
+        <p:nvSpPr>
+          <p:cNvPr id="8" name="线形标注 1 7"/>
+          <p:cNvSpPr/>
+          <p:nvPr/>
+        </p:nvSpPr>
+        <p:spPr>
+          <a:xfrm>
+            <a:off x="561316" y="4578025"/>
+            <a:ext cx="2181884" cy="1013989"/>
+          </a:xfrm>
+          <a:prstGeom prst="borderCallout1">
+            <a:avLst>
+              <a:gd name="adj1" fmla="val 49475"/>
+              <a:gd name="adj2" fmla="val 100040"/>
+              <a:gd name="adj3" fmla="val 49631"/>
+              <a:gd name="adj4" fmla="val 122471"/>
+            </a:avLst>
+          </a:prstGeom>
+          <a:gradFill flip="none" rotWithShape="1">
+            <a:gsLst>
+              <a:gs pos="0">
+                <a:schemeClr val="accent1">
+                  <a:tint val="66000"/>
+                  <a:satMod val="160000"/>
+                </a:schemeClr>
+              </a:gs>
+              <a:gs pos="50000">
+                <a:schemeClr val="accent1">
+                  <a:tint val="44500"/>
+                  <a:satMod val="160000"/>
+                </a:schemeClr>
+              </a:gs>
+              <a:gs pos="100000">
+                <a:schemeClr val="accent1">
+                  <a:tint val="23500"/>
+                  <a:satMod val="160000"/>
+                </a:schemeClr>
+              </a:gs>
+            </a:gsLst>
+            <a:lin ang="0" scaled="1"/>
+            <a:tileRect/>
+          </a:gradFill>
+          <a:effectLst>
+            <a:outerShdw blurRad="50800" dist="38100" dir="2700000" algn="tl" rotWithShape="0">
+              <a:prstClr val="black">
+                <a:alpha val="40000"/>
+              </a:prstClr>
+            </a:outerShdw>
+          </a:effectLst>
+        </p:spPr>
+        <p:style>
+          <a:lnRef idx="2">
+            <a:schemeClr val="accent5"/>
+          </a:lnRef>
+          <a:fillRef idx="1">
+            <a:schemeClr val="lt1"/>
+          </a:fillRef>
+          <a:effectRef idx="0">
+            <a:schemeClr val="accent5"/>
+          </a:effectRef>
+          <a:fontRef idx="minor">
+            <a:schemeClr val="dk1"/>
+          </a:fontRef>
+        </p:style>
+        <p:txBody>
+          <a:bodyPr anchor="ctr"/>
+          <a:lstStyle/>
+          <a:p>
+            <a:pPr marL="171450" indent="-171450">
+              <a:lnSpc>
+                <a:spcPct val="150000"/>
+              </a:lnSpc>
+              <a:spcBef>
+                <a:spcPct val="0"/>
+              </a:spcBef>
+              <a:buClr>
+                <a:srgbClr val="00B050"/>
+              </a:buClr>
+              <a:buSzPct val="150000"/>
+              <a:buFont typeface="Wingdings" panose="05000000000000000000" pitchFamily="2" charset="2"/>
+              <a:buChar char="l"/>
+            </a:pPr>
+            <a:r>
+              <a:rPr lang="zh-CN" altLang="en-US" sz="1000" dirty="0" smtClean="0">
+                <a:solidFill>
+                  <a:schemeClr val="tx1"/>
+                </a:solidFill>
+                <a:ea typeface="宋体" panose="02010600030101010101" pitchFamily="2" charset="-122"/>
+              </a:rPr>
+              <a:t>能够让组员协助完成部分工作。</a:t>
+            </a:r>
+            <a:endParaRPr lang="en-US" altLang="zh-CN" sz="1000" dirty="0" smtClean="0">
+              <a:solidFill>
+                <a:schemeClr val="tx1"/>
+              </a:solidFill>
+              <a:ea typeface="宋体" panose="02010600030101010101" pitchFamily="2" charset="-122"/>
+            </a:endParaRPr>
+          </a:p>
+          <a:p>
+            <a:pPr marL="171450" indent="-171450">
+              <a:lnSpc>
+                <a:spcPct val="150000"/>
+              </a:lnSpc>
+              <a:spcBef>
+                <a:spcPct val="0"/>
+              </a:spcBef>
+              <a:buClr>
+                <a:schemeClr val="accent4">
+                  <a:lumMod val="75000"/>
+                </a:schemeClr>
+              </a:buClr>
+              <a:buSzPct val="150000"/>
+              <a:buFont typeface="Wingdings" panose="05000000000000000000" pitchFamily="2" charset="2"/>
+              <a:buChar char="l"/>
+            </a:pPr>
+            <a:r>
+              <a:rPr lang="zh-CN" altLang="en-US" sz="1000" dirty="0" smtClean="0">
+                <a:solidFill>
+                  <a:schemeClr val="tx1"/>
+                </a:solidFill>
+                <a:ea typeface="宋体" panose="02010600030101010101" pitchFamily="2" charset="-122"/>
+              </a:rPr>
+              <a:t>对组员的技术引导不足，培训过少，对组员的学习成果缺乏监督。</a:t>
+            </a:r>
+            <a:endParaRPr lang="zh-CN" altLang="en-US" sz="1000" dirty="0">
+              <a:solidFill>
+                <a:schemeClr val="tx1"/>
+              </a:solidFill>
+              <a:ea typeface="宋体" panose="02010600030101010101" pitchFamily="2" charset="-122"/>
+            </a:endParaRPr>
+          </a:p>
+        </p:txBody>
+      </p:sp>
+      <p:sp>
+        <p:nvSpPr>
+          <p:cNvPr id="9" name="线形标注 1 8"/>
+          <p:cNvSpPr/>
+          <p:nvPr/>
+        </p:nvSpPr>
+        <p:spPr>
+          <a:xfrm>
+            <a:off x="8979529" y="925532"/>
+            <a:ext cx="2181884" cy="1013989"/>
+          </a:xfrm>
+          <a:prstGeom prst="borderCallout1">
+            <a:avLst>
+              <a:gd name="adj1" fmla="val 50368"/>
+              <a:gd name="adj2" fmla="val -790"/>
+              <a:gd name="adj3" fmla="val 183559"/>
+              <a:gd name="adj4" fmla="val -31472"/>
+            </a:avLst>
+          </a:prstGeom>
+          <a:gradFill flip="none" rotWithShape="1">
+            <a:gsLst>
+              <a:gs pos="0">
+                <a:schemeClr val="accent1">
+                  <a:tint val="66000"/>
+                  <a:satMod val="160000"/>
+                </a:schemeClr>
+              </a:gs>
+              <a:gs pos="50000">
+                <a:schemeClr val="accent1">
+                  <a:tint val="44500"/>
+                  <a:satMod val="160000"/>
+                </a:schemeClr>
+              </a:gs>
+              <a:gs pos="100000">
+                <a:schemeClr val="accent1">
+                  <a:tint val="23500"/>
+                  <a:satMod val="160000"/>
+                </a:schemeClr>
+              </a:gs>
+            </a:gsLst>
+            <a:lin ang="0" scaled="1"/>
+            <a:tileRect/>
+          </a:gradFill>
+          <a:effectLst>
+            <a:outerShdw blurRad="50800" dist="38100" dir="2700000" algn="tl" rotWithShape="0">
+              <a:prstClr val="black">
+                <a:alpha val="40000"/>
+              </a:prstClr>
+            </a:outerShdw>
+          </a:effectLst>
+        </p:spPr>
+        <p:style>
+          <a:lnRef idx="2">
+            <a:schemeClr val="accent5"/>
+          </a:lnRef>
+          <a:fillRef idx="1">
+            <a:schemeClr val="lt1"/>
+          </a:fillRef>
+          <a:effectRef idx="0">
+            <a:schemeClr val="accent5"/>
+          </a:effectRef>
+          <a:fontRef idx="minor">
+            <a:schemeClr val="dk1"/>
+          </a:fontRef>
+        </p:style>
+        <p:txBody>
+          <a:bodyPr anchor="ctr"/>
+          <a:lstStyle/>
+          <a:p>
+            <a:pPr marL="171450" indent="-171450">
+              <a:lnSpc>
+                <a:spcPct val="150000"/>
+              </a:lnSpc>
+              <a:spcBef>
+                <a:spcPct val="0"/>
+              </a:spcBef>
+              <a:buClr>
+                <a:srgbClr val="00B050"/>
+              </a:buClr>
+              <a:buSzPct val="150000"/>
+              <a:buFont typeface="Wingdings" panose="05000000000000000000" pitchFamily="2" charset="2"/>
+              <a:buChar char="l"/>
+            </a:pPr>
+            <a:r>
+              <a:rPr lang="zh-CN" altLang="en-US" sz="1000" dirty="0" smtClean="0">
+                <a:solidFill>
+                  <a:schemeClr val="tx1"/>
+                </a:solidFill>
+                <a:ea typeface="宋体" panose="02010600030101010101" pitchFamily="2" charset="-122"/>
+              </a:rPr>
+              <a:t>学习了</a:t>
+            </a:r>
+            <a:r>
+              <a:rPr lang="en-US" altLang="zh-CN" sz="1000" dirty="0" err="1" smtClean="0">
+                <a:solidFill>
+                  <a:schemeClr val="tx1"/>
+                </a:solidFill>
+                <a:ea typeface="宋体" panose="02010600030101010101" pitchFamily="2" charset="-122"/>
+              </a:rPr>
+              <a:t>Openlayers</a:t>
+            </a:r>
+            <a:r>
+              <a:rPr lang="zh-CN" altLang="en-US" sz="1000" dirty="0" smtClean="0">
+                <a:solidFill>
+                  <a:schemeClr val="tx1"/>
+                </a:solidFill>
+                <a:ea typeface="宋体" panose="02010600030101010101" pitchFamily="2" charset="-122"/>
+              </a:rPr>
+              <a:t>技术的基础使用方式，对</a:t>
+            </a:r>
+            <a:r>
+              <a:rPr lang="en-US" altLang="zh-CN" sz="1000" dirty="0" smtClean="0">
+                <a:solidFill>
+                  <a:schemeClr val="tx1"/>
+                </a:solidFill>
+                <a:ea typeface="宋体" panose="02010600030101010101" pitchFamily="2" charset="-122"/>
+              </a:rPr>
+              <a:t>GIS</a:t>
+            </a:r>
+            <a:r>
+              <a:rPr lang="zh-CN" altLang="en-US" sz="1000" dirty="0" smtClean="0">
+                <a:solidFill>
+                  <a:schemeClr val="tx1"/>
+                </a:solidFill>
+                <a:ea typeface="宋体" panose="02010600030101010101" pitchFamily="2" charset="-122"/>
+              </a:rPr>
+              <a:t>项目有一定认知。</a:t>
+            </a:r>
+            <a:endParaRPr lang="en-US" altLang="zh-CN" sz="1000" dirty="0" smtClean="0">
+              <a:solidFill>
+                <a:schemeClr val="tx1"/>
+              </a:solidFill>
+              <a:ea typeface="宋体" panose="02010600030101010101" pitchFamily="2" charset="-122"/>
+            </a:endParaRPr>
+          </a:p>
+          <a:p>
+            <a:pPr marL="171450" indent="-171450">
+              <a:lnSpc>
+                <a:spcPct val="150000"/>
+              </a:lnSpc>
+              <a:spcBef>
+                <a:spcPct val="0"/>
+              </a:spcBef>
+              <a:buClr>
+                <a:schemeClr val="accent4">
+                  <a:lumMod val="75000"/>
+                </a:schemeClr>
+              </a:buClr>
+              <a:buSzPct val="150000"/>
+              <a:buFont typeface="Wingdings" panose="05000000000000000000" pitchFamily="2" charset="2"/>
+              <a:buChar char="l"/>
+            </a:pPr>
+            <a:r>
+              <a:rPr lang="en-US" altLang="zh-CN" sz="1000" dirty="0" smtClean="0">
+                <a:solidFill>
+                  <a:schemeClr val="tx1"/>
+                </a:solidFill>
+                <a:ea typeface="宋体" panose="02010600030101010101" pitchFamily="2" charset="-122"/>
+              </a:rPr>
+              <a:t>GIS</a:t>
+            </a:r>
+            <a:r>
+              <a:rPr lang="zh-CN" altLang="en-US" sz="1000" dirty="0" smtClean="0">
+                <a:solidFill>
+                  <a:schemeClr val="tx1"/>
+                </a:solidFill>
+                <a:ea typeface="宋体" panose="02010600030101010101" pitchFamily="2" charset="-122"/>
+              </a:rPr>
+              <a:t>能力有待继续提升，</a:t>
+            </a:r>
+            <a:r>
+              <a:rPr lang="en-US" altLang="zh-CN" sz="1000" dirty="0" smtClean="0">
+                <a:solidFill>
+                  <a:schemeClr val="tx1"/>
+                </a:solidFill>
+                <a:ea typeface="宋体" panose="02010600030101010101" pitchFamily="2" charset="-122"/>
+              </a:rPr>
+              <a:t>GIS</a:t>
+            </a:r>
+            <a:r>
+              <a:rPr lang="zh-CN" altLang="en-US" sz="1000" dirty="0" smtClean="0">
+                <a:solidFill>
+                  <a:schemeClr val="tx1"/>
+                </a:solidFill>
+                <a:ea typeface="宋体" panose="02010600030101010101" pitchFamily="2" charset="-122"/>
+              </a:rPr>
+              <a:t>组件的封装工作尚未完成。</a:t>
+            </a:r>
+            <a:endParaRPr lang="zh-CN" altLang="en-US" sz="1000" dirty="0">
+              <a:solidFill>
+                <a:schemeClr val="tx1"/>
+              </a:solidFill>
+              <a:ea typeface="宋体" panose="02010600030101010101" pitchFamily="2" charset="-122"/>
+            </a:endParaRPr>
+          </a:p>
+        </p:txBody>
+      </p:sp>
+      <p:sp>
+        <p:nvSpPr>
+          <p:cNvPr id="10" name="线形标注 1 9"/>
+          <p:cNvSpPr/>
+          <p:nvPr/>
+        </p:nvSpPr>
+        <p:spPr>
+          <a:xfrm>
+            <a:off x="9086661" y="2937847"/>
+            <a:ext cx="2628523" cy="1326335"/>
+          </a:xfrm>
+          <a:prstGeom prst="borderCallout1">
+            <a:avLst>
+              <a:gd name="adj1" fmla="val 50368"/>
+              <a:gd name="adj2" fmla="val -790"/>
+              <a:gd name="adj3" fmla="val 154788"/>
+              <a:gd name="adj4" fmla="val -25893"/>
+            </a:avLst>
+          </a:prstGeom>
+          <a:gradFill flip="none" rotWithShape="1">
+            <a:gsLst>
+              <a:gs pos="0">
+                <a:schemeClr val="accent1">
+                  <a:tint val="66000"/>
+                  <a:satMod val="160000"/>
+                </a:schemeClr>
+              </a:gs>
+              <a:gs pos="50000">
+                <a:schemeClr val="accent1">
+                  <a:tint val="44500"/>
+                  <a:satMod val="160000"/>
+                </a:schemeClr>
+              </a:gs>
+              <a:gs pos="100000">
+                <a:schemeClr val="accent1">
+                  <a:tint val="23500"/>
+                  <a:satMod val="160000"/>
+                </a:schemeClr>
+              </a:gs>
+            </a:gsLst>
+            <a:lin ang="0" scaled="1"/>
+            <a:tileRect/>
+          </a:gradFill>
+          <a:effectLst>
+            <a:outerShdw blurRad="50800" dist="38100" dir="2700000" algn="tl" rotWithShape="0">
+              <a:prstClr val="black">
+                <a:alpha val="40000"/>
+              </a:prstClr>
+            </a:outerShdw>
+          </a:effectLst>
+        </p:spPr>
+        <p:style>
+          <a:lnRef idx="2">
+            <a:schemeClr val="accent5"/>
+          </a:lnRef>
+          <a:fillRef idx="1">
+            <a:schemeClr val="lt1"/>
+          </a:fillRef>
+          <a:effectRef idx="0">
+            <a:schemeClr val="accent5"/>
+          </a:effectRef>
+          <a:fontRef idx="minor">
+            <a:schemeClr val="dk1"/>
+          </a:fontRef>
+        </p:style>
+        <p:txBody>
+          <a:bodyPr anchor="ctr"/>
+          <a:lstStyle/>
+          <a:p>
+            <a:pPr marL="171450" indent="-171450">
+              <a:lnSpc>
+                <a:spcPct val="150000"/>
+              </a:lnSpc>
+              <a:spcBef>
+                <a:spcPct val="0"/>
+              </a:spcBef>
+              <a:buClr>
+                <a:srgbClr val="00B050"/>
+              </a:buClr>
+              <a:buSzPct val="150000"/>
+              <a:buFont typeface="Wingdings" panose="05000000000000000000" pitchFamily="2" charset="2"/>
+              <a:buChar char="l"/>
+            </a:pPr>
+            <a:r>
+              <a:rPr lang="zh-CN" altLang="en-US" sz="1000" dirty="0" smtClean="0">
+                <a:solidFill>
+                  <a:schemeClr val="tx1"/>
+                </a:solidFill>
+                <a:ea typeface="宋体" panose="02010600030101010101" pitchFamily="2" charset="-122"/>
+              </a:rPr>
+              <a:t>对项目常用</a:t>
+            </a:r>
+            <a:r>
+              <a:rPr lang="en-US" altLang="zh-CN" sz="1000" dirty="0" smtClean="0">
+                <a:solidFill>
+                  <a:schemeClr val="tx1"/>
+                </a:solidFill>
+                <a:ea typeface="宋体" panose="02010600030101010101" pitchFamily="2" charset="-122"/>
+              </a:rPr>
+              <a:t>JS</a:t>
+            </a:r>
+            <a:r>
+              <a:rPr lang="zh-CN" altLang="en-US" sz="1000" dirty="0" smtClean="0">
+                <a:solidFill>
+                  <a:schemeClr val="tx1"/>
+                </a:solidFill>
+                <a:ea typeface="宋体" panose="02010600030101010101" pitchFamily="2" charset="-122"/>
+              </a:rPr>
+              <a:t>插件的使用更加熟练，对</a:t>
+            </a:r>
+            <a:r>
+              <a:rPr lang="en-US" altLang="zh-CN" sz="1000" dirty="0" err="1" smtClean="0">
+                <a:solidFill>
+                  <a:schemeClr val="tx1"/>
+                </a:solidFill>
+                <a:ea typeface="宋体" panose="02010600030101010101" pitchFamily="2" charset="-122"/>
+              </a:rPr>
+              <a:t>KnockoutJS</a:t>
+            </a:r>
+            <a:r>
+              <a:rPr lang="zh-CN" altLang="en-US" sz="1000" dirty="0" smtClean="0">
+                <a:solidFill>
+                  <a:schemeClr val="tx1"/>
+                </a:solidFill>
+                <a:ea typeface="宋体" panose="02010600030101010101" pitchFamily="2" charset="-122"/>
+              </a:rPr>
+              <a:t>、</a:t>
+            </a:r>
+            <a:r>
+              <a:rPr lang="en-US" altLang="zh-CN" sz="1000" dirty="0" err="1" smtClean="0">
+                <a:solidFill>
+                  <a:schemeClr val="tx1"/>
+                </a:solidFill>
+                <a:ea typeface="宋体" panose="02010600030101010101" pitchFamily="2" charset="-122"/>
+              </a:rPr>
+              <a:t>RequireJS</a:t>
+            </a:r>
+            <a:r>
+              <a:rPr lang="zh-CN" altLang="en-US" sz="1000" dirty="0" smtClean="0">
+                <a:solidFill>
+                  <a:schemeClr val="tx1"/>
+                </a:solidFill>
+                <a:ea typeface="宋体" panose="02010600030101010101" pitchFamily="2" charset="-122"/>
+              </a:rPr>
+              <a:t>、</a:t>
+            </a:r>
+            <a:r>
+              <a:rPr lang="en-US" altLang="zh-CN" sz="1000" dirty="0" smtClean="0">
+                <a:solidFill>
+                  <a:schemeClr val="tx1"/>
+                </a:solidFill>
+                <a:ea typeface="宋体" panose="02010600030101010101" pitchFamily="2" charset="-122"/>
+              </a:rPr>
+              <a:t>AngularJS</a:t>
+            </a:r>
+            <a:r>
+              <a:rPr lang="zh-CN" altLang="en-US" sz="1000" dirty="0" smtClean="0">
+                <a:solidFill>
+                  <a:schemeClr val="tx1"/>
+                </a:solidFill>
+                <a:ea typeface="宋体" panose="02010600030101010101" pitchFamily="2" charset="-122"/>
+              </a:rPr>
+              <a:t>、</a:t>
+            </a:r>
+            <a:r>
+              <a:rPr lang="en-US" altLang="zh-CN" sz="1000" dirty="0" err="1" smtClean="0">
+                <a:solidFill>
+                  <a:schemeClr val="tx1"/>
+                </a:solidFill>
+                <a:ea typeface="宋体" panose="02010600030101010101" pitchFamily="2" charset="-122"/>
+              </a:rPr>
+              <a:t>ViewJS</a:t>
+            </a:r>
+            <a:r>
+              <a:rPr lang="zh-CN" altLang="en-US" sz="1000" dirty="0" smtClean="0">
+                <a:solidFill>
+                  <a:schemeClr val="tx1"/>
+                </a:solidFill>
+                <a:ea typeface="宋体" panose="02010600030101010101" pitchFamily="2" charset="-122"/>
+              </a:rPr>
+              <a:t>等框架技术有了一定了解。</a:t>
+            </a:r>
+            <a:endParaRPr lang="en-US" altLang="zh-CN" sz="1000" dirty="0" smtClean="0">
+              <a:solidFill>
+                <a:schemeClr val="tx1"/>
+              </a:solidFill>
+              <a:ea typeface="宋体" panose="02010600030101010101" pitchFamily="2" charset="-122"/>
+            </a:endParaRPr>
+          </a:p>
+          <a:p>
+            <a:pPr marL="171450" indent="-171450">
+              <a:lnSpc>
+                <a:spcPct val="150000"/>
+              </a:lnSpc>
+              <a:spcBef>
+                <a:spcPct val="0"/>
+              </a:spcBef>
+              <a:buClr>
+                <a:schemeClr val="accent4">
+                  <a:lumMod val="75000"/>
+                </a:schemeClr>
+              </a:buClr>
+              <a:buSzPct val="150000"/>
+              <a:buFont typeface="Wingdings" panose="05000000000000000000" pitchFamily="2" charset="2"/>
+              <a:buChar char="l"/>
+            </a:pPr>
+            <a:r>
+              <a:rPr lang="zh-CN" altLang="en-US" sz="1000" dirty="0" smtClean="0">
+                <a:solidFill>
+                  <a:schemeClr val="tx1"/>
+                </a:solidFill>
+                <a:ea typeface="宋体" panose="02010600030101010101" pitchFamily="2" charset="-122"/>
+              </a:rPr>
+              <a:t>对框架技术的使用熟练度不足，实战经验不足。</a:t>
+            </a:r>
+            <a:endParaRPr lang="zh-CN" altLang="en-US" sz="1000" dirty="0">
+              <a:solidFill>
+                <a:schemeClr val="tx1"/>
+              </a:solidFill>
+              <a:ea typeface="宋体" panose="02010600030101010101" pitchFamily="2" charset="-122"/>
+            </a:endParaRPr>
+          </a:p>
+        </p:txBody>
+      </p:sp>
+      <p:sp>
+        <p:nvSpPr>
+          <p:cNvPr id="11" name="线形标注 1 10"/>
+          <p:cNvSpPr/>
+          <p:nvPr/>
+        </p:nvSpPr>
+        <p:spPr>
+          <a:xfrm>
+            <a:off x="9180213" y="5112180"/>
+            <a:ext cx="2598345" cy="1044177"/>
+          </a:xfrm>
+          <a:prstGeom prst="borderCallout1">
+            <a:avLst>
+              <a:gd name="adj1" fmla="val 50368"/>
+              <a:gd name="adj2" fmla="val -790"/>
+              <a:gd name="adj3" fmla="val 112577"/>
+              <a:gd name="adj4" fmla="val -106410"/>
+            </a:avLst>
+          </a:prstGeom>
+          <a:gradFill flip="none" rotWithShape="1">
+            <a:gsLst>
+              <a:gs pos="0">
+                <a:schemeClr val="accent1">
+                  <a:tint val="66000"/>
+                  <a:satMod val="160000"/>
+                </a:schemeClr>
+              </a:gs>
+              <a:gs pos="50000">
+                <a:schemeClr val="accent1">
+                  <a:tint val="44500"/>
+                  <a:satMod val="160000"/>
+                </a:schemeClr>
+              </a:gs>
+              <a:gs pos="100000">
+                <a:schemeClr val="accent1">
+                  <a:tint val="23500"/>
+                  <a:satMod val="160000"/>
+                </a:schemeClr>
+              </a:gs>
+            </a:gsLst>
+            <a:lin ang="0" scaled="1"/>
+            <a:tileRect/>
+          </a:gradFill>
+          <a:effectLst>
+            <a:outerShdw blurRad="50800" dist="38100" dir="2700000" algn="tl" rotWithShape="0">
+              <a:prstClr val="black">
+                <a:alpha val="40000"/>
+              </a:prstClr>
+            </a:outerShdw>
+          </a:effectLst>
+        </p:spPr>
+        <p:style>
+          <a:lnRef idx="2">
+            <a:schemeClr val="accent5"/>
+          </a:lnRef>
+          <a:fillRef idx="1">
+            <a:schemeClr val="lt1"/>
+          </a:fillRef>
+          <a:effectRef idx="0">
+            <a:schemeClr val="accent5"/>
+          </a:effectRef>
+          <a:fontRef idx="minor">
+            <a:schemeClr val="dk1"/>
+          </a:fontRef>
+        </p:style>
+        <p:txBody>
+          <a:bodyPr anchor="ctr"/>
+          <a:lstStyle/>
+          <a:p>
+            <a:pPr marL="171450" indent="-171450">
+              <a:lnSpc>
+                <a:spcPct val="150000"/>
+              </a:lnSpc>
+              <a:spcBef>
+                <a:spcPct val="0"/>
+              </a:spcBef>
+              <a:buClr>
+                <a:srgbClr val="00B050"/>
+              </a:buClr>
+              <a:buSzPct val="150000"/>
+              <a:buFont typeface="Wingdings" panose="05000000000000000000" pitchFamily="2" charset="2"/>
+              <a:buChar char="l"/>
+            </a:pPr>
+            <a:r>
+              <a:rPr lang="zh-CN" altLang="en-US" sz="1000" dirty="0" smtClean="0">
+                <a:solidFill>
+                  <a:schemeClr val="tx1"/>
+                </a:solidFill>
+                <a:ea typeface="宋体" panose="02010600030101010101" pitchFamily="2" charset="-122"/>
+              </a:rPr>
+              <a:t>能够熟练完成项目中常有的编码工作。</a:t>
+            </a:r>
+            <a:endParaRPr lang="en-US" altLang="zh-CN" sz="1000" dirty="0" smtClean="0">
+              <a:solidFill>
+                <a:schemeClr val="tx1"/>
+              </a:solidFill>
+              <a:ea typeface="宋体" panose="02010600030101010101" pitchFamily="2" charset="-122"/>
+            </a:endParaRPr>
+          </a:p>
+          <a:p>
+            <a:pPr marL="171450" indent="-171450">
+              <a:lnSpc>
+                <a:spcPct val="150000"/>
+              </a:lnSpc>
+              <a:spcBef>
+                <a:spcPct val="0"/>
+              </a:spcBef>
+              <a:buClr>
+                <a:schemeClr val="accent4">
+                  <a:lumMod val="75000"/>
+                </a:schemeClr>
+              </a:buClr>
+              <a:buSzPct val="150000"/>
+              <a:buFont typeface="Wingdings" panose="05000000000000000000" pitchFamily="2" charset="2"/>
+              <a:buChar char="l"/>
+            </a:pPr>
+            <a:r>
+              <a:rPr lang="zh-CN" altLang="en-US" sz="1000" dirty="0" smtClean="0">
+                <a:solidFill>
+                  <a:schemeClr val="tx1"/>
+                </a:solidFill>
+                <a:ea typeface="宋体" panose="02010600030101010101" pitchFamily="2" charset="-122"/>
+              </a:rPr>
+              <a:t>对整个</a:t>
+            </a:r>
+            <a:r>
+              <a:rPr lang="en-US" altLang="zh-CN" sz="1000" dirty="0" smtClean="0">
+                <a:solidFill>
+                  <a:schemeClr val="tx1"/>
+                </a:solidFill>
+                <a:ea typeface="宋体" panose="02010600030101010101" pitchFamily="2" charset="-122"/>
+              </a:rPr>
+              <a:t>Java</a:t>
+            </a:r>
+            <a:r>
+              <a:rPr lang="zh-CN" altLang="en-US" sz="1000" dirty="0" smtClean="0">
+                <a:solidFill>
+                  <a:schemeClr val="tx1"/>
+                </a:solidFill>
+                <a:ea typeface="宋体" panose="02010600030101010101" pitchFamily="2" charset="-122"/>
+              </a:rPr>
+              <a:t>框架技术的认知度不够，有待进一步学习提升</a:t>
+            </a:r>
+            <a:endParaRPr lang="zh-CN" altLang="en-US" sz="1000" dirty="0">
+              <a:solidFill>
+                <a:schemeClr val="tx1"/>
+              </a:solidFill>
+              <a:ea typeface="宋体" panose="02010600030101010101" pitchFamily="2" charset="-122"/>
+            </a:endParaRPr>
           </a:p>
         </p:txBody>
       </p:sp>
@@ -14537,6 +21315,7 @@
           <a:p>
             <a:fld id="{76B1E760-ECB3-4197-9FBC-1D87FC5C6A28}" type="slidenum">
               <a:rPr kumimoji="1" lang="ja-JP" altLang="en-US" smtClean="0"/>
+              <a:t>8</a:t>
             </a:fld>
             <a:endParaRPr kumimoji="1" lang="ja-JP" altLang="en-US" dirty="0"/>
           </a:p>
@@ -14565,6 +21344,10 @@
               <a:rPr lang="zh-CN" altLang="en-US" dirty="0"/>
               <a:t>能力和收获分析</a:t>
             </a:r>
+            <a:r>
+              <a:rPr lang="en-US" altLang="zh-CN" dirty="0"/>
+              <a:t/>
+            </a:r>
             <a:br>
               <a:rPr lang="en-US" altLang="zh-CN" dirty="0"/>
             </a:br>
@@ -14574,7 +21357,220 @@
       </p:sp>
       <p:sp>
         <p:nvSpPr>
-          <p:cNvPr id="24" name="文本框 23"/>
+          <p:cNvPr id="6" name="椭圆 5"/>
+          <p:cNvSpPr/>
+          <p:nvPr/>
+        </p:nvSpPr>
+        <p:spPr>
+          <a:xfrm>
+            <a:off x="3179090" y="1223904"/>
+            <a:ext cx="2457355" cy="2368421"/>
+          </a:xfrm>
+          <a:prstGeom prst="ellipse">
+            <a:avLst/>
+          </a:prstGeom>
+          <a:gradFill flip="none" rotWithShape="1">
+            <a:gsLst>
+              <a:gs pos="0">
+                <a:schemeClr val="accent1">
+                  <a:tint val="66000"/>
+                  <a:satMod val="160000"/>
+                </a:schemeClr>
+              </a:gs>
+              <a:gs pos="50000">
+                <a:schemeClr val="accent1">
+                  <a:tint val="44500"/>
+                  <a:satMod val="160000"/>
+                </a:schemeClr>
+              </a:gs>
+              <a:gs pos="100000">
+                <a:schemeClr val="accent1">
+                  <a:tint val="23500"/>
+                  <a:satMod val="160000"/>
+                </a:schemeClr>
+              </a:gs>
+            </a:gsLst>
+            <a:lin ang="0" scaled="1"/>
+            <a:tileRect/>
+          </a:gradFill>
+          <a:effectLst>
+            <a:outerShdw blurRad="50800" dist="38100" dir="2700000" algn="tl" rotWithShape="0">
+              <a:prstClr val="black">
+                <a:alpha val="40000"/>
+              </a:prstClr>
+            </a:outerShdw>
+          </a:effectLst>
+        </p:spPr>
+        <p:style>
+          <a:lnRef idx="2">
+            <a:schemeClr val="accent5"/>
+          </a:lnRef>
+          <a:fillRef idx="1">
+            <a:schemeClr val="lt1"/>
+          </a:fillRef>
+          <a:effectRef idx="0">
+            <a:schemeClr val="accent5"/>
+          </a:effectRef>
+          <a:fontRef idx="minor">
+            <a:schemeClr val="dk1"/>
+          </a:fontRef>
+        </p:style>
+        <p:txBody>
+          <a:bodyPr anchor="ctr"/>
+          <a:lstStyle/>
+          <a:p>
+            <a:pPr>
+              <a:lnSpc>
+                <a:spcPct val="150000"/>
+              </a:lnSpc>
+              <a:spcBef>
+                <a:spcPct val="0"/>
+              </a:spcBef>
+              <a:buClr>
+                <a:schemeClr val="accent2"/>
+              </a:buClr>
+            </a:pPr>
+            <a:r>
+              <a:rPr lang="zh-CN" altLang="en-US" sz="1400" dirty="0" smtClean="0">
+                <a:solidFill>
+                  <a:schemeClr val="tx1"/>
+                </a:solidFill>
+                <a:ea typeface="宋体" panose="02010600030101010101" pitchFamily="2" charset="-122"/>
+              </a:rPr>
+              <a:t>着重提升组件</a:t>
+            </a:r>
+            <a:r>
+              <a:rPr lang="zh-CN" altLang="en-US" sz="1400" dirty="0">
+                <a:solidFill>
+                  <a:schemeClr val="tx1"/>
+                </a:solidFill>
+                <a:ea typeface="宋体" panose="02010600030101010101" pitchFamily="2" charset="-122"/>
+              </a:rPr>
+              <a:t>的整体</a:t>
+            </a:r>
+            <a:r>
+              <a:rPr lang="zh-CN" altLang="en-US" sz="1400" dirty="0" smtClean="0">
+                <a:solidFill>
+                  <a:schemeClr val="tx1"/>
+                </a:solidFill>
+                <a:ea typeface="宋体" panose="02010600030101010101" pitchFamily="2" charset="-122"/>
+              </a:rPr>
+              <a:t>架构设计</a:t>
+            </a:r>
+            <a:r>
+              <a:rPr lang="zh-CN" altLang="en-US" sz="1400" dirty="0" smtClean="0">
+                <a:solidFill>
+                  <a:schemeClr val="tx1"/>
+                </a:solidFill>
+                <a:ea typeface="宋体" panose="02010600030101010101" pitchFamily="2" charset="-122"/>
+              </a:rPr>
+              <a:t>能力</a:t>
+            </a:r>
+            <a:endParaRPr lang="zh-CN" altLang="en-US" sz="1400" dirty="0">
+              <a:solidFill>
+                <a:schemeClr val="tx1"/>
+              </a:solidFill>
+              <a:ea typeface="宋体" panose="02010600030101010101" pitchFamily="2" charset="-122"/>
+            </a:endParaRPr>
+          </a:p>
+        </p:txBody>
+      </p:sp>
+      <p:sp>
+        <p:nvSpPr>
+          <p:cNvPr id="7" name="椭圆 6"/>
+          <p:cNvSpPr/>
+          <p:nvPr/>
+        </p:nvSpPr>
+        <p:spPr>
+          <a:xfrm>
+            <a:off x="4407767" y="3289995"/>
+            <a:ext cx="2457355" cy="2368421"/>
+          </a:xfrm>
+          <a:prstGeom prst="ellipse">
+            <a:avLst/>
+          </a:prstGeom>
+          <a:gradFill flip="none" rotWithShape="1">
+            <a:gsLst>
+              <a:gs pos="0">
+                <a:schemeClr val="accent1">
+                  <a:tint val="66000"/>
+                  <a:satMod val="160000"/>
+                </a:schemeClr>
+              </a:gs>
+              <a:gs pos="50000">
+                <a:schemeClr val="accent1">
+                  <a:tint val="44500"/>
+                  <a:satMod val="160000"/>
+                </a:schemeClr>
+              </a:gs>
+              <a:gs pos="100000">
+                <a:schemeClr val="accent1">
+                  <a:tint val="23500"/>
+                  <a:satMod val="160000"/>
+                </a:schemeClr>
+              </a:gs>
+            </a:gsLst>
+            <a:lin ang="0" scaled="1"/>
+            <a:tileRect/>
+          </a:gradFill>
+          <a:effectLst>
+            <a:outerShdw blurRad="50800" dist="38100" dir="2700000" algn="tl" rotWithShape="0">
+              <a:prstClr val="black">
+                <a:alpha val="40000"/>
+              </a:prstClr>
+            </a:outerShdw>
+          </a:effectLst>
+        </p:spPr>
+        <p:style>
+          <a:lnRef idx="2">
+            <a:schemeClr val="accent5"/>
+          </a:lnRef>
+          <a:fillRef idx="1">
+            <a:schemeClr val="lt1"/>
+          </a:fillRef>
+          <a:effectRef idx="0">
+            <a:schemeClr val="accent5"/>
+          </a:effectRef>
+          <a:fontRef idx="minor">
+            <a:schemeClr val="dk1"/>
+          </a:fontRef>
+        </p:style>
+        <p:txBody>
+          <a:bodyPr anchor="ctr"/>
+          <a:lstStyle/>
+          <a:p>
+            <a:pPr>
+              <a:lnSpc>
+                <a:spcPct val="150000"/>
+              </a:lnSpc>
+              <a:spcBef>
+                <a:spcPct val="0"/>
+              </a:spcBef>
+              <a:buClr>
+                <a:schemeClr val="accent2"/>
+              </a:buClr>
+            </a:pPr>
+            <a:r>
+              <a:rPr lang="zh-CN" altLang="en-US" sz="1400" dirty="0" smtClean="0">
+                <a:solidFill>
+                  <a:schemeClr val="tx1"/>
+                </a:solidFill>
+                <a:ea typeface="宋体" panose="02010600030101010101" pitchFamily="2" charset="-122"/>
+              </a:rPr>
+              <a:t>重视对团队内部的培养，共同成长</a:t>
+            </a:r>
+            <a:endParaRPr lang="zh-CN" altLang="en-US" sz="1400" dirty="0">
+              <a:solidFill>
+                <a:schemeClr val="tx1"/>
+              </a:solidFill>
+              <a:ea typeface="宋体" panose="02010600030101010101" pitchFamily="2" charset="-122"/>
+            </a:endParaRPr>
+          </a:p>
+        </p:txBody>
+      </p:sp>
+      <p:sp>
+        <p:nvSpPr>
+          <p:cNvPr id="9" name="文本框 23"/>
           <p:cNvSpPr txBox="1"/>
           <p:nvPr/>
         </p:nvSpPr>
@@ -14592,36 +21588,122 @@
           <a:bodyPr wrap="square" rtlCol="0">
             <a:spAutoFit/>
           </a:bodyPr>
+          <a:lstStyle/>
           <a:p>
+            <a:r>
+              <a:rPr lang="zh-CN" altLang="en-US" b="1" dirty="0" smtClean="0">
+                <a:sym typeface="+mn-ea"/>
+              </a:rPr>
+              <a:t>个人能力重点改进</a:t>
+            </a:r>
             <a:r>
               <a:rPr lang="zh-CN" altLang="en-US" b="1" dirty="0">
                 <a:sym typeface="+mn-ea"/>
               </a:rPr>
-              <a:t>能力和收获</a:t>
-            </a:r>
-            <a:endParaRPr lang="zh-CN" altLang="en-US" b="1" dirty="0">
-              <a:sym typeface="+mn-ea"/>
+              <a:t>分析</a:t>
+            </a:r>
+          </a:p>
+        </p:txBody>
+      </p:sp>
+      <p:sp>
+        <p:nvSpPr>
+          <p:cNvPr id="10" name="椭圆 9"/>
+          <p:cNvSpPr/>
+          <p:nvPr/>
+        </p:nvSpPr>
+        <p:spPr>
+          <a:xfrm>
+            <a:off x="5636445" y="1223903"/>
+            <a:ext cx="2457355" cy="2368421"/>
+          </a:xfrm>
+          <a:prstGeom prst="ellipse">
+            <a:avLst/>
+          </a:prstGeom>
+          <a:gradFill flip="none" rotWithShape="1">
+            <a:gsLst>
+              <a:gs pos="0">
+                <a:schemeClr val="accent1">
+                  <a:tint val="66000"/>
+                  <a:satMod val="160000"/>
+                </a:schemeClr>
+              </a:gs>
+              <a:gs pos="50000">
+                <a:schemeClr val="accent1">
+                  <a:tint val="44500"/>
+                  <a:satMod val="160000"/>
+                </a:schemeClr>
+              </a:gs>
+              <a:gs pos="100000">
+                <a:schemeClr val="accent1">
+                  <a:tint val="23500"/>
+                  <a:satMod val="160000"/>
+                </a:schemeClr>
+              </a:gs>
+            </a:gsLst>
+            <a:lin ang="0" scaled="1"/>
+            <a:tileRect/>
+          </a:gradFill>
+          <a:effectLst>
+            <a:outerShdw blurRad="50800" dist="38100" dir="2700000" algn="tl" rotWithShape="0">
+              <a:prstClr val="black">
+                <a:alpha val="40000"/>
+              </a:prstClr>
+            </a:outerShdw>
+          </a:effectLst>
+        </p:spPr>
+        <p:style>
+          <a:lnRef idx="2">
+            <a:schemeClr val="accent5"/>
+          </a:lnRef>
+          <a:fillRef idx="1">
+            <a:schemeClr val="lt1"/>
+          </a:fillRef>
+          <a:effectRef idx="0">
+            <a:schemeClr val="accent5"/>
+          </a:effectRef>
+          <a:fontRef idx="minor">
+            <a:schemeClr val="dk1"/>
+          </a:fontRef>
+        </p:style>
+        <p:txBody>
+          <a:bodyPr anchor="ctr"/>
+          <a:lstStyle/>
+          <a:p>
+            <a:pPr>
+              <a:lnSpc>
+                <a:spcPct val="150000"/>
+              </a:lnSpc>
+              <a:spcBef>
+                <a:spcPct val="0"/>
+              </a:spcBef>
+              <a:buClr>
+                <a:schemeClr val="accent2"/>
+              </a:buClr>
+            </a:pPr>
+            <a:r>
+              <a:rPr lang="zh-CN" altLang="en-US" sz="1400" dirty="0" smtClean="0">
+                <a:solidFill>
+                  <a:schemeClr val="tx1"/>
+                </a:solidFill>
+                <a:ea typeface="宋体" panose="02010600030101010101" pitchFamily="2" charset="-122"/>
+              </a:rPr>
+              <a:t>熟练掌握前端常用插件以及框架技术</a:t>
+            </a:r>
+            <a:endParaRPr lang="zh-CN" altLang="en-US" sz="1400" dirty="0">
+              <a:solidFill>
+                <a:schemeClr val="tx1"/>
+              </a:solidFill>
+              <a:ea typeface="宋体" panose="02010600030101010101" pitchFamily="2" charset="-122"/>
             </a:endParaRPr>
           </a:p>
         </p:txBody>
       </p:sp>
-      <p:graphicFrame>
-        <p:nvGraphicFramePr>
-          <p:cNvPr id="4" name="图表 3"/>
-          <p:cNvGraphicFramePr/>
-          <p:nvPr/>
-        </p:nvGraphicFramePr>
-        <p:xfrm>
-          <a:off x="1622425" y="883285"/>
-          <a:ext cx="9064625" cy="5540375"/>
-        </p:xfrm>
-        <a:graphic>
-          <a:graphicData uri="http://schemas.openxmlformats.org/drawingml/2006/chart">
-            <c:chart xmlns:c="http://schemas.openxmlformats.org/drawingml/2006/chart" xmlns:r="http://schemas.openxmlformats.org/officeDocument/2006/relationships" r:id="rId1"/>
-          </a:graphicData>
-        </a:graphic>
-      </p:graphicFrame>
     </p:spTree>
+    <p:extLst>
+      <p:ext uri="{BB962C8B-B14F-4D97-AF65-F5344CB8AC3E}">
+        <p14:creationId xmlns:p14="http://schemas.microsoft.com/office/powerpoint/2010/main" val="3632769365"/>
+      </p:ext>
+    </p:extLst>
   </p:cSld>
   <p:clrMapOvr>
     <a:masterClrMapping/>
@@ -14670,6 +21752,7 @@
           <a:p>
             <a:fld id="{76B1E760-ECB3-4197-9FBC-1D87FC5C6A28}" type="slidenum">
               <a:rPr kumimoji="1" lang="ja-JP" altLang="en-US" smtClean="0"/>
+              <a:t>9</a:t>
             </a:fld>
             <a:endParaRPr kumimoji="1" lang="ja-JP" altLang="en-US" dirty="0"/>
           </a:p>
@@ -14697,6 +21780,10 @@
             <a:r>
               <a:rPr lang="zh-CN" altLang="en-US" dirty="0"/>
               <a:t>年工作规划和个人目标</a:t>
+            </a:r>
+            <a:r>
+              <a:rPr lang="en-US" altLang="zh-CN" dirty="0"/>
+              <a:t/>
             </a:r>
             <a:br>
               <a:rPr lang="en-US" altLang="zh-CN" dirty="0"/>
@@ -14771,7 +21858,7 @@
 </file>
 
 <file path=ppt/tags/tag1.xml><?xml version="1.0" encoding="utf-8"?>
-<p:tagLst xmlns:p="http://schemas.openxmlformats.org/presentationml/2006/main">
+<p:tagLst xmlns:a="http://schemas.openxmlformats.org/drawingml/2006/main" xmlns:r="http://schemas.openxmlformats.org/officeDocument/2006/relationships" xmlns:p="http://schemas.openxmlformats.org/presentationml/2006/main">
   <p:tag name="KSO_WM_TEMPLATE_TOPIC_ID" val="2869567"/>
   <p:tag name="KSO_WM_TEMPLATE_OUTLINE_ID" val="15"/>
   <p:tag name="KSO_WM_TEMPLATE_SCENE_ID" val="1"/>
@@ -15034,44 +22121,48 @@
   <a:objectDefaults>
     <a:spDef>
       <a:spPr>
-        <a:gradFill>
+        <a:gradFill flip="none" rotWithShape="1">
           <a:gsLst>
             <a:gs pos="0">
-              <a:srgbClr val="5E9EFF"/>
+              <a:schemeClr val="accent1">
+                <a:tint val="66000"/>
+                <a:satMod val="160000"/>
+              </a:schemeClr>
             </a:gs>
-            <a:gs pos="39999">
-              <a:srgbClr val="85C2FF"/>
-            </a:gs>
-            <a:gs pos="70000">
-              <a:srgbClr val="C4D6EB"/>
+            <a:gs pos="50000">
+              <a:schemeClr val="accent1">
+                <a:tint val="44500"/>
+                <a:satMod val="160000"/>
+              </a:schemeClr>
             </a:gs>
             <a:gs pos="100000">
-              <a:srgbClr val="FFEBFA"/>
+              <a:schemeClr val="accent1">
+                <a:tint val="23500"/>
+                <a:satMod val="160000"/>
+              </a:schemeClr>
             </a:gs>
           </a:gsLst>
-          <a:lin ang="0" scaled="0"/>
+          <a:lin ang="0" scaled="1"/>
+          <a:tileRect/>
         </a:gradFill>
-        <a:scene3d>
-          <a:camera prst="orthographicFront"/>
-          <a:lightRig rig="threePt" dir="t"/>
-        </a:scene3d>
-        <a:sp3d>
-          <a:bevelT/>
-          <a:bevelB w="165100" prst="coolSlant"/>
-        </a:sp3d>
+        <a:effectLst>
+          <a:outerShdw blurRad="50800" dist="38100" dir="2700000" algn="tl" rotWithShape="0">
+            <a:prstClr val="black">
+              <a:alpha val="40000"/>
+            </a:prstClr>
+          </a:outerShdw>
+        </a:effectLst>
       </a:spPr>
-      <a:bodyPr rtlCol="0" anchor="ctr"/>
+      <a:bodyPr anchor="ctr"/>
       <a:lstStyle>
-        <a:defPPr algn="ctr" eaLnBrk="1" hangingPunct="1">
+        <a:defPPr eaLnBrk="1" hangingPunct="1">
           <a:spcBef>
             <a:spcPct val="0"/>
           </a:spcBef>
           <a:buClr>
             <a:schemeClr val="accent2"/>
           </a:buClr>
-          <a:buFont typeface="Wingdings" panose="05000000000000000000" pitchFamily="2" charset="2"/>
-          <a:buNone/>
-          <a:defRPr lang="zh-CN" altLang="en-US" dirty="0" smtClean="0">
+          <a:defRPr sz="1200" dirty="0" smtClean="0">
             <a:solidFill>
               <a:schemeClr val="tx1"/>
             </a:solidFill>
@@ -15095,9 +22186,10 @@
       </a:style>
     </a:spDef>
   </a:objectDefaults>
+  <a:extraClrSchemeLst/>
   <a:extLst>
     <a:ext uri="{05A4C25C-085E-4340-85A3-A5531E510DB2}">
-      <thm15:themeFamily xmlns:thm15="http://schemas.microsoft.com/office/thememl/2012/main" name="Office Theme" id="{62F939B6-93AF-4DB8-9C6B-D6C7DFDC589F}" vid="{4A3C46E8-61CC-4603-A589-7422A47A8E4A}"/>
+      <thm15:themeFamily xmlns="" xmlns:thm15="http://schemas.microsoft.com/office/thememl/2012/main" name="Office Theme" id="{62F939B6-93AF-4DB8-9C6B-D6C7DFDC589F}" vid="{4A3C46E8-61CC-4603-A589-7422A47A8E4A}"/>
     </a:ext>
   </a:extLst>
 </a:theme>
@@ -15383,9 +22475,11 @@
       </a:bgFillStyleLst>
     </a:fmtScheme>
   </a:themeElements>
+  <a:objectDefaults/>
+  <a:extraClrSchemeLst/>
   <a:extLst>
     <a:ext uri="{05A4C25C-085E-4340-85A3-A5531E510DB2}">
-      <thm15:themeFamily xmlns:thm15="http://schemas.microsoft.com/office/thememl/2012/main" name="Office Theme" id="{62F939B6-93AF-4DB8-9C6B-D6C7DFDC589F}" vid="{4A3C46E8-61CC-4603-A589-7422A47A8E4A}"/>
+      <thm15:themeFamily xmlns="" xmlns:thm15="http://schemas.microsoft.com/office/thememl/2012/main" name="Office Theme" id="{62F939B6-93AF-4DB8-9C6B-D6C7DFDC589F}" vid="{4A3C46E8-61CC-4603-A589-7422A47A8E4A}"/>
     </a:ext>
   </a:extLst>
 </a:theme>
@@ -15671,9 +22765,11 @@
       </a:bgFillStyleLst>
     </a:fmtScheme>
   </a:themeElements>
+  <a:objectDefaults/>
+  <a:extraClrSchemeLst/>
   <a:extLst>
     <a:ext uri="{05A4C25C-085E-4340-85A3-A5531E510DB2}">
-      <thm15:themeFamily xmlns:thm15="http://schemas.microsoft.com/office/thememl/2012/main" name="Office Theme" id="{62F939B6-93AF-4DB8-9C6B-D6C7DFDC589F}" vid="{4A3C46E8-61CC-4603-A589-7422A47A8E4A}"/>
+      <thm15:themeFamily xmlns="" xmlns:thm15="http://schemas.microsoft.com/office/thememl/2012/main" name="Office Theme" id="{62F939B6-93AF-4DB8-9C6B-D6C7DFDC589F}" vid="{4A3C46E8-61CC-4603-A589-7422A47A8E4A}"/>
     </a:ext>
   </a:extLst>
 </a:theme>

--- a/相关文档/年终总结/2018年度年终总结-研发中心_山晨.pptx
+++ b/相关文档/年终总结/2018年度年终总结-研发中心_山晨.pptx
@@ -5,10 +5,10 @@
     <p:sldMasterId id="2147483648" r:id="rId1"/>
   </p:sldMasterIdLst>
   <p:notesMasterIdLst>
-    <p:notesMasterId r:id="rId16"/>
+    <p:notesMasterId r:id="rId17"/>
   </p:notesMasterIdLst>
   <p:handoutMasterIdLst>
-    <p:handoutMasterId r:id="rId17"/>
+    <p:handoutMasterId r:id="rId18"/>
   </p:handoutMasterIdLst>
   <p:sldIdLst>
     <p:sldId id="307" r:id="rId2"/>
@@ -23,8 +23,9 @@
     <p:sldId id="729" r:id="rId11"/>
     <p:sldId id="727" r:id="rId12"/>
     <p:sldId id="657" r:id="rId13"/>
-    <p:sldId id="728" r:id="rId14"/>
-    <p:sldId id="280" r:id="rId15"/>
+    <p:sldId id="730" r:id="rId14"/>
+    <p:sldId id="728" r:id="rId15"/>
+    <p:sldId id="280" r:id="rId16"/>
   </p:sldIdLst>
   <p:sldSz cx="12204700" cy="6859588"/>
   <p:notesSz cx="6858000" cy="9144000"/>
@@ -548,11 +549,11 @@
           <c:showPercent val="0"/>
           <c:showBubbleSize val="0"/>
         </c:dLbls>
-        <c:axId val="32515200"/>
-        <c:axId val="44622208"/>
+        <c:axId val="167354752"/>
+        <c:axId val="167356288"/>
       </c:radarChart>
       <c:catAx>
-        <c:axId val="32515200"/>
+        <c:axId val="167354752"/>
         <c:scaling>
           <c:orientation val="minMax"/>
         </c:scaling>
@@ -577,7 +578,7 @@
             <a:endParaRPr lang="zh-CN"/>
           </a:p>
         </c:txPr>
-        <c:crossAx val="44622208"/>
+        <c:crossAx val="167356288"/>
         <c:crosses val="autoZero"/>
         <c:auto val="1"/>
         <c:lblAlgn val="ctr"/>
@@ -585,7 +586,7 @@
         <c:noMultiLvlLbl val="0"/>
       </c:catAx>
       <c:valAx>
-        <c:axId val="44622208"/>
+        <c:axId val="167356288"/>
         <c:scaling>
           <c:orientation val="minMax"/>
           <c:max val="100"/>
@@ -610,7 +611,7 @@
         <c:majorTickMark val="none"/>
         <c:minorTickMark val="none"/>
         <c:tickLblPos val="nextTo"/>
-        <c:crossAx val="32515200"/>
+        <c:crossAx val="167354752"/>
         <c:crosses val="autoZero"/>
         <c:crossBetween val="between"/>
       </c:valAx>
@@ -4967,7 +4968,7 @@
         </p:nvSpPr>
         <p:spPr>
           <a:xfrm>
-            <a:off x="1074855" y="1244279"/>
+            <a:off x="640289" y="3905997"/>
             <a:ext cx="4764630" cy="1743365"/>
           </a:xfrm>
           <a:prstGeom prst="roundRect">
@@ -5234,7 +5235,17 @@
                 <a:latin typeface="宋体" panose="02010600030101010101" pitchFamily="2" charset="-122"/>
                 <a:ea typeface="宋体" panose="02010600030101010101" pitchFamily="2" charset="-122"/>
               </a:rPr>
-              <a:t>分工协作完成升级改造工作。</a:t>
+              <a:t>按计划协作</a:t>
+            </a:r>
+            <a:r>
+              <a:rPr lang="zh-CN" altLang="en-US" sz="1400" dirty="0" smtClean="0">
+                <a:solidFill>
+                  <a:schemeClr val="tx1"/>
+                </a:solidFill>
+                <a:latin typeface="宋体" panose="02010600030101010101" pitchFamily="2" charset="-122"/>
+                <a:ea typeface="宋体" panose="02010600030101010101" pitchFamily="2" charset="-122"/>
+              </a:rPr>
+              <a:t>完成升级改造工作。</a:t>
             </a:r>
             <a:endParaRPr lang="en-US" altLang="zh-CN" sz="1400" dirty="0" smtClean="0">
               <a:solidFill>
@@ -5254,7 +5265,7 @@
         </p:nvSpPr>
         <p:spPr>
           <a:xfrm>
-            <a:off x="5977306" y="1244280"/>
+            <a:off x="6701583" y="3905999"/>
             <a:ext cx="4950227" cy="1743364"/>
           </a:xfrm>
           <a:prstGeom prst="roundRect">
@@ -5336,7 +5347,17 @@
                 <a:latin typeface="宋体" panose="02010600030101010101" pitchFamily="2" charset="-122"/>
                 <a:ea typeface="宋体" panose="02010600030101010101" pitchFamily="2" charset="-122"/>
               </a:rPr>
-              <a:t>工具的封装</a:t>
+              <a:t>工具的</a:t>
+            </a:r>
+            <a:r>
+              <a:rPr lang="zh-CN" altLang="en-US" sz="1800" b="1" dirty="0" smtClean="0">
+                <a:solidFill>
+                  <a:schemeClr val="tx1"/>
+                </a:solidFill>
+                <a:latin typeface="宋体" panose="02010600030101010101" pitchFamily="2" charset="-122"/>
+                <a:ea typeface="宋体" panose="02010600030101010101" pitchFamily="2" charset="-122"/>
+              </a:rPr>
+              <a:t>封装</a:t>
             </a:r>
             <a:endParaRPr lang="en-US" altLang="zh-CN" sz="1800" b="1" dirty="0" smtClean="0">
               <a:solidFill>
@@ -5447,24 +5468,14 @@
               <a:t>探讨工具的实现</a:t>
             </a:r>
             <a:r>
-              <a:rPr lang="zh-CN" altLang="en-US" sz="1400" dirty="0">
+              <a:rPr lang="zh-CN" altLang="en-US" sz="1400" dirty="0" smtClean="0">
                 <a:solidFill>
                   <a:schemeClr val="tx1"/>
                 </a:solidFill>
                 <a:latin typeface="宋体" panose="02010600030101010101" pitchFamily="2" charset="-122"/>
                 <a:ea typeface="宋体" panose="02010600030101010101" pitchFamily="2" charset="-122"/>
               </a:rPr>
-              <a:t>内容和工作分工</a:t>
-            </a:r>
-            <a:r>
-              <a:rPr lang="zh-CN" altLang="en-US" sz="1400" dirty="0" smtClean="0">
-                <a:solidFill>
-                  <a:schemeClr val="tx1"/>
-                </a:solidFill>
-                <a:latin typeface="宋体" panose="02010600030101010101" pitchFamily="2" charset="-122"/>
-                <a:ea typeface="宋体" panose="02010600030101010101" pitchFamily="2" charset="-122"/>
-              </a:rPr>
-              <a:t>；</a:t>
+              <a:t>内容；</a:t>
             </a:r>
             <a:endParaRPr lang="en-US" altLang="zh-CN" sz="1400" dirty="0">
               <a:solidFill>
@@ -5515,6 +5526,36 @@
               <a:buChar char="l"/>
             </a:pPr>
             <a:r>
+              <a:rPr lang="zh-CN" altLang="en-US" sz="1400" dirty="0" smtClean="0">
+                <a:solidFill>
+                  <a:schemeClr val="tx1"/>
+                </a:solidFill>
+                <a:latin typeface="宋体" panose="02010600030101010101" pitchFamily="2" charset="-122"/>
+                <a:ea typeface="宋体" panose="02010600030101010101" pitchFamily="2" charset="-122"/>
+              </a:rPr>
+              <a:t>待可视化工具升级完成后，按计划协作完成</a:t>
+            </a:r>
+            <a:r>
+              <a:rPr lang="en-US" altLang="zh-CN" sz="1400" dirty="0" smtClean="0">
+                <a:solidFill>
+                  <a:schemeClr val="tx1"/>
+                </a:solidFill>
+                <a:latin typeface="宋体" panose="02010600030101010101" pitchFamily="2" charset="-122"/>
+                <a:ea typeface="宋体" panose="02010600030101010101" pitchFamily="2" charset="-122"/>
+              </a:rPr>
+              <a:t>GIS</a:t>
+            </a:r>
+            <a:r>
+              <a:rPr lang="zh-CN" altLang="en-US" sz="1400" dirty="0" smtClean="0">
+                <a:solidFill>
+                  <a:schemeClr val="tx1"/>
+                </a:solidFill>
+                <a:latin typeface="宋体" panose="02010600030101010101" pitchFamily="2" charset="-122"/>
+                <a:ea typeface="宋体" panose="02010600030101010101" pitchFamily="2" charset="-122"/>
+              </a:rPr>
+              <a:t>工具的封装任务</a:t>
+            </a:r>
+            <a:r>
               <a:rPr lang="zh-CN" altLang="en-US" sz="1400" dirty="0">
                 <a:solidFill>
                   <a:schemeClr val="tx1"/>
@@ -5522,7 +5563,7 @@
                 <a:latin typeface="宋体" panose="02010600030101010101" pitchFamily="2" charset="-122"/>
                 <a:ea typeface="宋体" panose="02010600030101010101" pitchFamily="2" charset="-122"/>
               </a:rPr>
-              <a:t>分工协作完成升级改造任务。</a:t>
+              <a:t>。</a:t>
             </a:r>
             <a:endParaRPr lang="en-US" altLang="zh-CN" sz="1400" dirty="0">
               <a:solidFill>
@@ -5542,7 +5583,7 @@
         </p:nvSpPr>
         <p:spPr>
           <a:xfrm>
-            <a:off x="3113135" y="3305649"/>
+            <a:off x="2434127" y="883285"/>
             <a:ext cx="6456377" cy="2778279"/>
           </a:xfrm>
           <a:prstGeom prst="roundRect">
@@ -5617,27 +5658,7 @@
                 <a:latin typeface="宋体" panose="02010600030101010101" pitchFamily="2" charset="-122"/>
                 <a:ea typeface="宋体" panose="02010600030101010101" pitchFamily="2" charset="-122"/>
               </a:rPr>
-              <a:t>可视化</a:t>
-            </a:r>
-            <a:r>
-              <a:rPr lang="zh-CN" altLang="en-US" sz="1800" b="1" dirty="0">
-                <a:solidFill>
-                  <a:schemeClr val="tx1"/>
-                </a:solidFill>
-                <a:latin typeface="宋体" panose="02010600030101010101" pitchFamily="2" charset="-122"/>
-                <a:ea typeface="宋体" panose="02010600030101010101" pitchFamily="2" charset="-122"/>
-              </a:rPr>
-              <a:t>团队</a:t>
-            </a:r>
-            <a:r>
-              <a:rPr lang="zh-CN" altLang="en-US" sz="1800" b="1" dirty="0">
-                <a:solidFill>
-                  <a:schemeClr val="tx1"/>
-                </a:solidFill>
-                <a:latin typeface="宋体" panose="02010600030101010101" pitchFamily="2" charset="-122"/>
-                <a:ea typeface="宋体" panose="02010600030101010101" pitchFamily="2" charset="-122"/>
-              </a:rPr>
-              <a:t>成员能力的</a:t>
+              <a:t>可视化团队成员能力的</a:t>
             </a:r>
             <a:r>
               <a:rPr lang="zh-CN" altLang="en-US" sz="1800" b="1" dirty="0" smtClean="0">
@@ -6156,12 +6177,6 @@
               </a:rPr>
               <a:t>工具栏样式</a:t>
             </a:r>
-            <a:endParaRPr lang="zh-CN" altLang="en-US" sz="1200" dirty="0" smtClean="0">
-              <a:solidFill>
-                <a:schemeClr val="tx1"/>
-              </a:solidFill>
-              <a:ea typeface="宋体" panose="02010600030101010101" pitchFamily="2" charset="-122"/>
-            </a:endParaRPr>
           </a:p>
         </p:txBody>
       </p:sp>
@@ -6249,12 +6264,6 @@
               </a:rPr>
               <a:t>功能设计</a:t>
             </a:r>
-            <a:endParaRPr lang="zh-CN" altLang="en-US" sz="1200" dirty="0" smtClean="0">
-              <a:solidFill>
-                <a:schemeClr val="tx1"/>
-              </a:solidFill>
-              <a:ea typeface="宋体" panose="02010600030101010101" pitchFamily="2" charset="-122"/>
-            </a:endParaRPr>
           </a:p>
         </p:txBody>
       </p:sp>
@@ -6342,12 +6351,6 @@
               </a:rPr>
               <a:t>代码架构</a:t>
             </a:r>
-            <a:endParaRPr lang="zh-CN" altLang="en-US" sz="1200" dirty="0" smtClean="0">
-              <a:solidFill>
-                <a:schemeClr val="tx1"/>
-              </a:solidFill>
-              <a:ea typeface="宋体" panose="02010600030101010101" pitchFamily="2" charset="-122"/>
-            </a:endParaRPr>
           </a:p>
         </p:txBody>
       </p:sp>
@@ -6435,12 +6438,6 @@
               </a:rPr>
               <a:t>引入项目方式</a:t>
             </a:r>
-            <a:endParaRPr lang="zh-CN" altLang="en-US" sz="1200" dirty="0" smtClean="0">
-              <a:solidFill>
-                <a:schemeClr val="tx1"/>
-              </a:solidFill>
-              <a:ea typeface="宋体" panose="02010600030101010101" pitchFamily="2" charset="-122"/>
-            </a:endParaRPr>
           </a:p>
         </p:txBody>
       </p:sp>
@@ -6528,12 +6525,6 @@
               </a:rPr>
               <a:t>项目业务结合</a:t>
             </a:r>
-            <a:endParaRPr lang="zh-CN" altLang="en-US" sz="1200" dirty="0" smtClean="0">
-              <a:solidFill>
-                <a:schemeClr val="tx1"/>
-              </a:solidFill>
-              <a:ea typeface="宋体" panose="02010600030101010101" pitchFamily="2" charset="-122"/>
-            </a:endParaRPr>
           </a:p>
         </p:txBody>
       </p:sp>
@@ -6711,12 +6702,6 @@
               </a:rPr>
               <a:t>工具栏</a:t>
             </a:r>
-            <a:endParaRPr lang="zh-CN" altLang="en-US" sz="1200" dirty="0" smtClean="0">
-              <a:solidFill>
-                <a:schemeClr val="tx1"/>
-              </a:solidFill>
-              <a:ea typeface="宋体" panose="02010600030101010101" pitchFamily="2" charset="-122"/>
-            </a:endParaRPr>
           </a:p>
         </p:txBody>
       </p:sp>
@@ -7008,12 +6993,6 @@
               </a:rPr>
               <a:t>火眼金睛软件</a:t>
             </a:r>
-            <a:endParaRPr lang="zh-CN" altLang="en-US" sz="1200" dirty="0" smtClean="0">
-              <a:solidFill>
-                <a:schemeClr val="tx1"/>
-              </a:solidFill>
-              <a:ea typeface="宋体" panose="02010600030101010101" pitchFamily="2" charset="-122"/>
-            </a:endParaRPr>
           </a:p>
         </p:txBody>
       </p:sp>
@@ -7119,12 +7098,6 @@
               </a:rPr>
               <a:t>项目</a:t>
             </a:r>
-            <a:endParaRPr lang="zh-CN" altLang="en-US" sz="1200" dirty="0" smtClean="0">
-              <a:solidFill>
-                <a:schemeClr val="tx1"/>
-              </a:solidFill>
-              <a:ea typeface="宋体" panose="02010600030101010101" pitchFamily="2" charset="-122"/>
-            </a:endParaRPr>
           </a:p>
         </p:txBody>
       </p:sp>
@@ -7726,12 +7699,6 @@
               </a:rPr>
               <a:t>美观、易于使用、自适应屏幕分辨率</a:t>
             </a:r>
-            <a:endParaRPr lang="zh-CN" altLang="en-US" sz="1200" dirty="0" smtClean="0">
-              <a:solidFill>
-                <a:schemeClr val="tx1"/>
-              </a:solidFill>
-              <a:ea typeface="宋体" panose="02010600030101010101" pitchFamily="2" charset="-122"/>
-            </a:endParaRPr>
           </a:p>
         </p:txBody>
       </p:sp>
@@ -7837,12 +7804,6 @@
               </a:rPr>
               <a:t>配置，操作步骤简单</a:t>
             </a:r>
-            <a:endParaRPr lang="zh-CN" altLang="en-US" sz="1200" dirty="0" smtClean="0">
-              <a:solidFill>
-                <a:schemeClr val="tx1"/>
-              </a:solidFill>
-              <a:ea typeface="宋体" panose="02010600030101010101" pitchFamily="2" charset="-122"/>
-            </a:endParaRPr>
           </a:p>
         </p:txBody>
       </p:sp>
@@ -7930,12 +7891,6 @@
               </a:rPr>
               <a:t>二次开发能力强，标准化与业务功能的结合</a:t>
             </a:r>
-            <a:endParaRPr lang="zh-CN" altLang="en-US" sz="1200" dirty="0" smtClean="0">
-              <a:solidFill>
-                <a:schemeClr val="tx1"/>
-              </a:solidFill>
-              <a:ea typeface="宋体" panose="02010600030101010101" pitchFamily="2" charset="-122"/>
-            </a:endParaRPr>
           </a:p>
         </p:txBody>
       </p:sp>
@@ -8023,12 +7978,6 @@
               </a:rPr>
               <a:t>功能操作简单，功能涵盖全面，性能良好，易于用户自主配置分析</a:t>
             </a:r>
-            <a:endParaRPr lang="zh-CN" altLang="en-US" sz="1200" dirty="0" smtClean="0">
-              <a:solidFill>
-                <a:schemeClr val="tx1"/>
-              </a:solidFill>
-              <a:ea typeface="宋体" panose="02010600030101010101" pitchFamily="2" charset="-122"/>
-            </a:endParaRPr>
           </a:p>
         </p:txBody>
       </p:sp>
@@ -8125,12 +8074,6 @@
               </a:rPr>
               <a:t>，业务与数据分离，耦合性低，模块化开发，易于多人协同工作</a:t>
             </a:r>
-            <a:endParaRPr lang="zh-CN" altLang="en-US" sz="1200" dirty="0" smtClean="0">
-              <a:solidFill>
-                <a:schemeClr val="tx1"/>
-              </a:solidFill>
-              <a:ea typeface="宋体" panose="02010600030101010101" pitchFamily="2" charset="-122"/>
-            </a:endParaRPr>
           </a:p>
         </p:txBody>
       </p:sp>
@@ -8858,7 +8801,7 @@
               <a:rPr lang="zh-CN" altLang="en-US" b="1" dirty="0" smtClean="0">
                 <a:sym typeface="+mn-ea"/>
               </a:rPr>
-              <a:t>可视化工具升级改造方案</a:t>
+              <a:t>可视化团队成员培养目标</a:t>
             </a:r>
             <a:endParaRPr lang="zh-CN" altLang="en-US" b="1" dirty="0">
               <a:sym typeface="+mn-ea"/>
@@ -8868,14 +8811,86 @@
       </p:sp>
       <p:sp>
         <p:nvSpPr>
-          <p:cNvPr id="6" name="圆角矩形 5"/>
+          <p:cNvPr id="4" name="椭圆 3"/>
           <p:cNvSpPr/>
           <p:nvPr/>
         </p:nvSpPr>
         <p:spPr>
           <a:xfrm>
-            <a:off x="1207286" y="1404738"/>
-            <a:ext cx="951924" cy="416547"/>
+            <a:off x="932502" y="2833089"/>
+            <a:ext cx="1059255" cy="1004934"/>
+          </a:xfrm>
+          <a:prstGeom prst="ellipse">
+            <a:avLst/>
+          </a:prstGeom>
+          <a:solidFill>
+            <a:schemeClr val="accent6">
+              <a:lumMod val="60000"/>
+              <a:lumOff val="40000"/>
+            </a:schemeClr>
+          </a:solidFill>
+          <a:effectLst>
+            <a:outerShdw blurRad="50800" dist="38100" dir="2700000" algn="tl" rotWithShape="0">
+              <a:prstClr val="black">
+                <a:alpha val="40000"/>
+              </a:prstClr>
+            </a:outerShdw>
+          </a:effectLst>
+        </p:spPr>
+        <p:style>
+          <a:lnRef idx="2">
+            <a:schemeClr val="accent5"/>
+          </a:lnRef>
+          <a:fillRef idx="1">
+            <a:schemeClr val="lt1"/>
+          </a:fillRef>
+          <a:effectRef idx="0">
+            <a:schemeClr val="accent5"/>
+          </a:effectRef>
+          <a:fontRef idx="minor">
+            <a:schemeClr val="dk1"/>
+          </a:fontRef>
+        </p:style>
+        <p:txBody>
+          <a:bodyPr rtlCol="0" anchor="ctr"/>
+          <a:lstStyle/>
+          <a:p>
+            <a:pPr algn="ctr" eaLnBrk="1" hangingPunct="1">
+              <a:spcBef>
+                <a:spcPct val="0"/>
+              </a:spcBef>
+              <a:buClr>
+                <a:schemeClr val="accent2"/>
+              </a:buClr>
+            </a:pPr>
+            <a:r>
+              <a:rPr lang="zh-CN" altLang="en-US" sz="1200" dirty="0" smtClean="0">
+                <a:solidFill>
+                  <a:schemeClr val="tx1"/>
+                </a:solidFill>
+                <a:ea typeface="宋体" panose="02010600030101010101" pitchFamily="2" charset="-122"/>
+              </a:rPr>
+              <a:t>张卫兵</a:t>
+            </a:r>
+            <a:endParaRPr lang="zh-CN" altLang="en-US" sz="1200" dirty="0" smtClean="0">
+              <a:solidFill>
+                <a:schemeClr val="tx1"/>
+              </a:solidFill>
+              <a:ea typeface="宋体" panose="02010600030101010101" pitchFamily="2" charset="-122"/>
+            </a:endParaRPr>
+          </a:p>
+        </p:txBody>
+      </p:sp>
+      <p:sp>
+        <p:nvSpPr>
+          <p:cNvPr id="30" name="圆角矩形 29"/>
+          <p:cNvSpPr/>
+          <p:nvPr/>
+        </p:nvSpPr>
+        <p:spPr>
+          <a:xfrm>
+            <a:off x="2810228" y="2224213"/>
+            <a:ext cx="2504153" cy="551738"/>
           </a:xfrm>
           <a:prstGeom prst="roundRect">
             <a:avLst/>
@@ -8930,7 +8945,7 @@
           <a:bodyPr anchor="ctr"/>
           <a:lstStyle/>
           <a:p>
-            <a:pPr algn="ctr" fontAlgn="auto">
+            <a:pPr fontAlgn="auto">
               <a:lnSpc>
                 <a:spcPct val="150000"/>
               </a:lnSpc>
@@ -8942,20 +8957,18 @@
               </a:buClr>
             </a:pPr>
             <a:r>
-              <a:rPr lang="zh-CN" altLang="en-US" sz="1000" dirty="0" smtClean="0">
+              <a:rPr lang="zh-CN" altLang="en-US" sz="1200" dirty="0" smtClean="0">
                 <a:solidFill>
                   <a:schemeClr val="tx1"/>
                 </a:solidFill>
-                <a:latin typeface="宋体" panose="02010600030101010101" pitchFamily="2" charset="-122"/>
-                <a:ea typeface="宋体" panose="02010600030101010101" pitchFamily="2" charset="-122"/>
-              </a:rPr>
-              <a:t>项目页面</a:t>
-            </a:r>
-            <a:endParaRPr lang="zh-CN" altLang="en-US" sz="1000" dirty="0" smtClean="0">
+                <a:ea typeface="宋体" panose="02010600030101010101" pitchFamily="2" charset="-122"/>
+              </a:rPr>
+              <a:t>养成良好的编码习惯，重视自测工作，并减少低级错误。</a:t>
+            </a:r>
+            <a:endParaRPr lang="zh-CN" altLang="en-US" sz="1200" dirty="0" smtClean="0">
               <a:solidFill>
                 <a:schemeClr val="tx1"/>
               </a:solidFill>
-              <a:latin typeface="宋体" panose="02010600030101010101" pitchFamily="2" charset="-122"/>
               <a:ea typeface="宋体" panose="02010600030101010101" pitchFamily="2" charset="-122"/>
             </a:endParaRPr>
           </a:p>
@@ -8963,14 +8976,14 @@
       </p:sp>
       <p:sp>
         <p:nvSpPr>
-          <p:cNvPr id="8" name="圆角矩形 7"/>
+          <p:cNvPr id="31" name="圆角矩形 30"/>
           <p:cNvSpPr/>
           <p:nvPr/>
         </p:nvSpPr>
         <p:spPr>
           <a:xfrm>
-            <a:off x="1109168" y="2992410"/>
-            <a:ext cx="1148159" cy="416547"/>
+            <a:off x="2810229" y="1176950"/>
+            <a:ext cx="2504153" cy="551738"/>
           </a:xfrm>
           <a:prstGeom prst="roundRect">
             <a:avLst/>
@@ -9025,7 +9038,7 @@
           <a:bodyPr anchor="ctr"/>
           <a:lstStyle/>
           <a:p>
-            <a:pPr algn="ctr" fontAlgn="auto">
+            <a:pPr fontAlgn="auto">
               <a:lnSpc>
                 <a:spcPct val="150000"/>
               </a:lnSpc>
@@ -9037,20 +9050,54 @@
               </a:buClr>
             </a:pPr>
             <a:r>
-              <a:rPr lang="zh-CN" altLang="en-US" sz="1000" dirty="0" smtClean="0">
+              <a:rPr lang="zh-CN" altLang="en-US" sz="1200" dirty="0" smtClean="0">
                 <a:solidFill>
                   <a:schemeClr val="tx1"/>
                 </a:solidFill>
-                <a:latin typeface="宋体" panose="02010600030101010101" pitchFamily="2" charset="-122"/>
-                <a:ea typeface="宋体" panose="02010600030101010101" pitchFamily="2" charset="-122"/>
-              </a:rPr>
-              <a:t>可视化接口脚本</a:t>
-            </a:r>
-            <a:endParaRPr lang="zh-CN" altLang="en-US" sz="1000" dirty="0" smtClean="0">
+                <a:ea typeface="宋体" panose="02010600030101010101" pitchFamily="2" charset="-122"/>
+              </a:rPr>
+              <a:t>熟练使用项目</a:t>
+            </a:r>
+            <a:r>
+              <a:rPr lang="zh-CN" altLang="en-US" sz="1200" dirty="0" smtClean="0">
+                <a:solidFill>
+                  <a:schemeClr val="tx1"/>
+                </a:solidFill>
+                <a:ea typeface="宋体" panose="02010600030101010101" pitchFamily="2" charset="-122"/>
+              </a:rPr>
+              <a:t>中常用的前端技术</a:t>
+            </a:r>
+            <a:r>
+              <a:rPr lang="zh-CN" altLang="en-US" sz="1200" dirty="0" smtClean="0">
+                <a:solidFill>
+                  <a:schemeClr val="tx1"/>
+                </a:solidFill>
+                <a:ea typeface="宋体" panose="02010600030101010101" pitchFamily="2" charset="-122"/>
+              </a:rPr>
+              <a:t>，</a:t>
+            </a:r>
+            <a:r>
+              <a:rPr lang="zh-CN" altLang="en-US" sz="1200" dirty="0">
+                <a:solidFill>
+                  <a:schemeClr val="tx1"/>
+                </a:solidFill>
+                <a:ea typeface="宋体" panose="02010600030101010101" pitchFamily="2" charset="-122"/>
+              </a:rPr>
+              <a:t>高效率完成项目</a:t>
+            </a:r>
+            <a:r>
+              <a:rPr lang="zh-CN" altLang="en-US" sz="1200" dirty="0" smtClean="0">
+                <a:solidFill>
+                  <a:schemeClr val="tx1"/>
+                </a:solidFill>
+                <a:ea typeface="宋体" panose="02010600030101010101" pitchFamily="2" charset="-122"/>
+              </a:rPr>
+              <a:t>工作。</a:t>
+            </a:r>
+            <a:endParaRPr lang="zh-CN" altLang="en-US" sz="1200" dirty="0" smtClean="0">
               <a:solidFill>
                 <a:schemeClr val="tx1"/>
               </a:solidFill>
-              <a:latin typeface="宋体" panose="02010600030101010101" pitchFamily="2" charset="-122"/>
               <a:ea typeface="宋体" panose="02010600030101010101" pitchFamily="2" charset="-122"/>
             </a:endParaRPr>
           </a:p>
@@ -9058,14 +9105,14 @@
       </p:sp>
       <p:sp>
         <p:nvSpPr>
-          <p:cNvPr id="10" name="圆角矩形 9"/>
+          <p:cNvPr id="32" name="圆角矩形 31"/>
           <p:cNvSpPr/>
           <p:nvPr/>
         </p:nvSpPr>
         <p:spPr>
           <a:xfrm>
-            <a:off x="2272928" y="4746959"/>
-            <a:ext cx="1113068" cy="416547"/>
+            <a:off x="2810228" y="3195611"/>
+            <a:ext cx="2848185" cy="796549"/>
           </a:xfrm>
           <a:prstGeom prst="roundRect">
             <a:avLst/>
@@ -9120,7 +9167,7 @@
           <a:bodyPr anchor="ctr"/>
           <a:lstStyle/>
           <a:p>
-            <a:pPr algn="ctr" fontAlgn="auto">
+            <a:pPr fontAlgn="auto">
               <a:lnSpc>
                 <a:spcPct val="150000"/>
               </a:lnSpc>
@@ -9132,30 +9179,72 @@
               </a:buClr>
             </a:pPr>
             <a:r>
-              <a:rPr lang="zh-CN" altLang="en-US" sz="1000" dirty="0">
+              <a:rPr lang="zh-CN" altLang="en-US" sz="1200" dirty="0" smtClean="0">
                 <a:solidFill>
                   <a:schemeClr val="tx1"/>
                 </a:solidFill>
-                <a:latin typeface="宋体" panose="02010600030101010101" pitchFamily="2" charset="-122"/>
-                <a:ea typeface="宋体" panose="02010600030101010101" pitchFamily="2" charset="-122"/>
-              </a:rPr>
-              <a:t>自定义</a:t>
-            </a:r>
-            <a:r>
-              <a:rPr lang="zh-CN" altLang="en-US" sz="1000" dirty="0" smtClean="0">
+                <a:ea typeface="宋体" panose="02010600030101010101" pitchFamily="2" charset="-122"/>
+              </a:rPr>
+              <a:t>熟练应用</a:t>
+            </a:r>
+            <a:r>
+              <a:rPr lang="en-US" altLang="zh-CN" sz="1200" dirty="0" err="1" smtClean="0">
                 <a:solidFill>
                   <a:schemeClr val="tx1"/>
                 </a:solidFill>
-                <a:latin typeface="宋体" panose="02010600030101010101" pitchFamily="2" charset="-122"/>
-                <a:ea typeface="宋体" panose="02010600030101010101" pitchFamily="2" charset="-122"/>
-              </a:rPr>
-              <a:t>配置项</a:t>
-            </a:r>
-            <a:endParaRPr lang="zh-CN" altLang="en-US" sz="1000" dirty="0" smtClean="0">
+                <a:ea typeface="宋体" panose="02010600030101010101" pitchFamily="2" charset="-122"/>
+              </a:rPr>
+              <a:t>GoJS</a:t>
+            </a:r>
+            <a:r>
+              <a:rPr lang="zh-CN" altLang="en-US" sz="1200" dirty="0" smtClean="0">
+                <a:solidFill>
+                  <a:schemeClr val="tx1"/>
+                </a:solidFill>
+                <a:ea typeface="宋体" panose="02010600030101010101" pitchFamily="2" charset="-122"/>
+              </a:rPr>
+              <a:t>技术和可视化工具代码，</a:t>
+            </a:r>
+            <a:r>
+              <a:rPr lang="zh-CN" altLang="en-US" sz="1200" dirty="0">
+                <a:solidFill>
+                  <a:schemeClr val="tx1"/>
+                </a:solidFill>
+                <a:ea typeface="宋体" panose="02010600030101010101" pitchFamily="2" charset="-122"/>
+              </a:rPr>
+              <a:t>能够独立对接</a:t>
+            </a:r>
+            <a:r>
+              <a:rPr lang="zh-CN" altLang="en-US" sz="1200" dirty="0" smtClean="0">
+                <a:solidFill>
+                  <a:schemeClr val="tx1"/>
+                </a:solidFill>
+                <a:ea typeface="宋体" panose="02010600030101010101" pitchFamily="2" charset="-122"/>
+              </a:rPr>
+              <a:t>项目的可视</a:t>
+            </a:r>
+            <a:r>
+              <a:rPr lang="zh-CN" altLang="en-US" sz="1200" dirty="0">
+                <a:solidFill>
+                  <a:schemeClr val="tx1"/>
+                </a:solidFill>
+                <a:ea typeface="宋体" panose="02010600030101010101" pitchFamily="2" charset="-122"/>
+              </a:rPr>
+              <a:t>化工</a:t>
+            </a:r>
+            <a:r>
+              <a:rPr lang="zh-CN" altLang="en-US" sz="1200" dirty="0" smtClean="0">
+                <a:solidFill>
+                  <a:schemeClr val="tx1"/>
+                </a:solidFill>
+                <a:ea typeface="宋体" panose="02010600030101010101" pitchFamily="2" charset="-122"/>
+              </a:rPr>
+              <a:t>作。</a:t>
+            </a:r>
+            <a:endParaRPr lang="zh-CN" altLang="en-US" sz="1200" dirty="0" smtClean="0">
               <a:solidFill>
                 <a:schemeClr val="tx1"/>
               </a:solidFill>
-              <a:latin typeface="宋体" panose="02010600030101010101" pitchFamily="2" charset="-122"/>
               <a:ea typeface="宋体" panose="02010600030101010101" pitchFamily="2" charset="-122"/>
             </a:endParaRPr>
           </a:p>
@@ -9163,14 +9252,14 @@
       </p:sp>
       <p:sp>
         <p:nvSpPr>
-          <p:cNvPr id="11" name="圆角矩形 10"/>
+          <p:cNvPr id="33" name="圆角矩形 32"/>
           <p:cNvSpPr/>
           <p:nvPr/>
         </p:nvSpPr>
         <p:spPr>
           <a:xfrm>
-            <a:off x="2827696" y="3648799"/>
-            <a:ext cx="986705" cy="416547"/>
+            <a:off x="2810229" y="4421001"/>
+            <a:ext cx="2848185" cy="734685"/>
           </a:xfrm>
           <a:prstGeom prst="roundRect">
             <a:avLst/>
@@ -9225,7 +9314,7 @@
           <a:bodyPr anchor="ctr"/>
           <a:lstStyle/>
           <a:p>
-            <a:pPr algn="ctr" fontAlgn="auto">
+            <a:pPr fontAlgn="auto">
               <a:lnSpc>
                 <a:spcPct val="150000"/>
               </a:lnSpc>
@@ -9237,20 +9326,278 @@
               </a:buClr>
             </a:pPr>
             <a:r>
-              <a:rPr lang="zh-CN" altLang="en-US" sz="1000" dirty="0" smtClean="0">
+              <a:rPr lang="zh-CN" altLang="en-US" sz="1200" dirty="0" smtClean="0">
                 <a:solidFill>
                   <a:schemeClr val="tx1"/>
                 </a:solidFill>
-                <a:latin typeface="宋体" panose="02010600030101010101" pitchFamily="2" charset="-122"/>
-                <a:ea typeface="宋体" panose="02010600030101010101" pitchFamily="2" charset="-122"/>
-              </a:rPr>
-              <a:t>默认配置项</a:t>
-            </a:r>
-            <a:endParaRPr lang="zh-CN" altLang="en-US" sz="1000" dirty="0" smtClean="0">
+                <a:ea typeface="宋体" panose="02010600030101010101" pitchFamily="2" charset="-122"/>
+              </a:rPr>
+              <a:t>熟练应用</a:t>
+            </a:r>
+            <a:r>
+              <a:rPr lang="en-US" altLang="zh-CN" sz="1200" dirty="0" err="1" smtClean="0">
+                <a:solidFill>
+                  <a:schemeClr val="tx1"/>
+                </a:solidFill>
+                <a:ea typeface="宋体" panose="02010600030101010101" pitchFamily="2" charset="-122"/>
+              </a:rPr>
+              <a:t>Openlayers</a:t>
+            </a:r>
+            <a:r>
+              <a:rPr lang="zh-CN" altLang="en-US" sz="1200" dirty="0" smtClean="0">
+                <a:solidFill>
+                  <a:schemeClr val="tx1"/>
+                </a:solidFill>
+                <a:ea typeface="宋体" panose="02010600030101010101" pitchFamily="2" charset="-122"/>
+              </a:rPr>
+              <a:t>技术，能够参与</a:t>
+            </a:r>
+            <a:r>
+              <a:rPr lang="en-US" altLang="zh-CN" sz="1200" dirty="0" smtClean="0">
+                <a:solidFill>
+                  <a:schemeClr val="tx1"/>
+                </a:solidFill>
+                <a:ea typeface="宋体" panose="02010600030101010101" pitchFamily="2" charset="-122"/>
+              </a:rPr>
+              <a:t>GIS</a:t>
+            </a:r>
+            <a:r>
+              <a:rPr lang="zh-CN" altLang="en-US" sz="1200" dirty="0" smtClean="0">
+                <a:solidFill>
+                  <a:schemeClr val="tx1"/>
+                </a:solidFill>
+                <a:ea typeface="宋体" panose="02010600030101010101" pitchFamily="2" charset="-122"/>
+              </a:rPr>
+              <a:t>工具的封装工作。</a:t>
+            </a:r>
+            <a:endParaRPr lang="zh-CN" altLang="en-US" sz="1200" dirty="0" smtClean="0">
               <a:solidFill>
                 <a:schemeClr val="tx1"/>
               </a:solidFill>
-              <a:latin typeface="宋体" panose="02010600030101010101" pitchFamily="2" charset="-122"/>
+              <a:ea typeface="宋体" panose="02010600030101010101" pitchFamily="2" charset="-122"/>
+            </a:endParaRPr>
+          </a:p>
+        </p:txBody>
+      </p:sp>
+      <p:cxnSp>
+        <p:nvCxnSpPr>
+          <p:cNvPr id="35" name="直接箭头连接符 18"/>
+          <p:cNvCxnSpPr>
+            <a:stCxn id="4" idx="6"/>
+            <a:endCxn id="31" idx="1"/>
+          </p:cNvCxnSpPr>
+          <p:nvPr/>
+        </p:nvCxnSpPr>
+        <p:spPr>
+          <a:xfrm flipV="1">
+            <a:off x="1991757" y="1452819"/>
+            <a:ext cx="818472" cy="1882737"/>
+          </a:xfrm>
+          <a:prstGeom prst="bentConnector3">
+            <a:avLst>
+              <a:gd name="adj1" fmla="val 50000"/>
+            </a:avLst>
+          </a:prstGeom>
+          <a:ln w="57150">
+            <a:tailEnd type="arrow"/>
+          </a:ln>
+        </p:spPr>
+        <p:style>
+          <a:lnRef idx="1">
+            <a:schemeClr val="accent1"/>
+          </a:lnRef>
+          <a:fillRef idx="0">
+            <a:schemeClr val="accent1"/>
+          </a:fillRef>
+          <a:effectRef idx="0">
+            <a:schemeClr val="accent1"/>
+          </a:effectRef>
+          <a:fontRef idx="minor">
+            <a:schemeClr val="tx1"/>
+          </a:fontRef>
+        </p:style>
+      </p:cxnSp>
+      <p:cxnSp>
+        <p:nvCxnSpPr>
+          <p:cNvPr id="36" name="直接箭头连接符 18"/>
+          <p:cNvCxnSpPr>
+            <a:stCxn id="4" idx="6"/>
+            <a:endCxn id="30" idx="1"/>
+          </p:cNvCxnSpPr>
+          <p:nvPr/>
+        </p:nvCxnSpPr>
+        <p:spPr>
+          <a:xfrm flipV="1">
+            <a:off x="1991757" y="2500082"/>
+            <a:ext cx="818471" cy="835474"/>
+          </a:xfrm>
+          <a:prstGeom prst="bentConnector3">
+            <a:avLst>
+              <a:gd name="adj1" fmla="val 50000"/>
+            </a:avLst>
+          </a:prstGeom>
+          <a:ln w="57150">
+            <a:tailEnd type="arrow"/>
+          </a:ln>
+        </p:spPr>
+        <p:style>
+          <a:lnRef idx="1">
+            <a:schemeClr val="accent1"/>
+          </a:lnRef>
+          <a:fillRef idx="0">
+            <a:schemeClr val="accent1"/>
+          </a:fillRef>
+          <a:effectRef idx="0">
+            <a:schemeClr val="accent1"/>
+          </a:effectRef>
+          <a:fontRef idx="minor">
+            <a:schemeClr val="tx1"/>
+          </a:fontRef>
+        </p:style>
+      </p:cxnSp>
+      <p:cxnSp>
+        <p:nvCxnSpPr>
+          <p:cNvPr id="37" name="直接箭头连接符 18"/>
+          <p:cNvCxnSpPr>
+            <a:stCxn id="4" idx="6"/>
+            <a:endCxn id="32" idx="1"/>
+          </p:cNvCxnSpPr>
+          <p:nvPr/>
+        </p:nvCxnSpPr>
+        <p:spPr>
+          <a:xfrm>
+            <a:off x="1991757" y="3335556"/>
+            <a:ext cx="818471" cy="258330"/>
+          </a:xfrm>
+          <a:prstGeom prst="bentConnector3">
+            <a:avLst>
+              <a:gd name="adj1" fmla="val 50000"/>
+            </a:avLst>
+          </a:prstGeom>
+          <a:ln w="57150">
+            <a:tailEnd type="arrow"/>
+          </a:ln>
+        </p:spPr>
+        <p:style>
+          <a:lnRef idx="1">
+            <a:schemeClr val="accent1"/>
+          </a:lnRef>
+          <a:fillRef idx="0">
+            <a:schemeClr val="accent1"/>
+          </a:fillRef>
+          <a:effectRef idx="0">
+            <a:schemeClr val="accent1"/>
+          </a:effectRef>
+          <a:fontRef idx="minor">
+            <a:schemeClr val="tx1"/>
+          </a:fontRef>
+        </p:style>
+      </p:cxnSp>
+      <p:cxnSp>
+        <p:nvCxnSpPr>
+          <p:cNvPr id="38" name="直接箭头连接符 18"/>
+          <p:cNvCxnSpPr>
+            <a:stCxn id="4" idx="6"/>
+            <a:endCxn id="33" idx="1"/>
+          </p:cNvCxnSpPr>
+          <p:nvPr/>
+        </p:nvCxnSpPr>
+        <p:spPr>
+          <a:xfrm>
+            <a:off x="1991757" y="3335556"/>
+            <a:ext cx="818472" cy="1452788"/>
+          </a:xfrm>
+          <a:prstGeom prst="bentConnector3">
+            <a:avLst>
+              <a:gd name="adj1" fmla="val 50000"/>
+            </a:avLst>
+          </a:prstGeom>
+          <a:ln w="57150">
+            <a:tailEnd type="arrow"/>
+          </a:ln>
+        </p:spPr>
+        <p:style>
+          <a:lnRef idx="1">
+            <a:schemeClr val="accent1"/>
+          </a:lnRef>
+          <a:fillRef idx="0">
+            <a:schemeClr val="accent1"/>
+          </a:fillRef>
+          <a:effectRef idx="0">
+            <a:schemeClr val="accent1"/>
+          </a:effectRef>
+          <a:fontRef idx="minor">
+            <a:schemeClr val="tx1"/>
+          </a:fontRef>
+        </p:style>
+      </p:cxnSp>
+      <p:sp>
+        <p:nvSpPr>
+          <p:cNvPr id="41" name="椭圆 40"/>
+          <p:cNvSpPr/>
+          <p:nvPr/>
+        </p:nvSpPr>
+        <p:spPr>
+          <a:xfrm>
+            <a:off x="6261100" y="3005566"/>
+            <a:ext cx="1059255" cy="1004934"/>
+          </a:xfrm>
+          <a:prstGeom prst="ellipse">
+            <a:avLst/>
+          </a:prstGeom>
+          <a:solidFill>
+            <a:schemeClr val="accent4">
+              <a:lumMod val="60000"/>
+              <a:lumOff val="40000"/>
+            </a:schemeClr>
+          </a:solidFill>
+          <a:effectLst>
+            <a:outerShdw blurRad="50800" dist="38100" dir="2700000" algn="tl" rotWithShape="0">
+              <a:prstClr val="black">
+                <a:alpha val="40000"/>
+              </a:prstClr>
+            </a:outerShdw>
+          </a:effectLst>
+        </p:spPr>
+        <p:style>
+          <a:lnRef idx="2">
+            <a:schemeClr val="accent5"/>
+          </a:lnRef>
+          <a:fillRef idx="1">
+            <a:schemeClr val="lt1"/>
+          </a:fillRef>
+          <a:effectRef idx="0">
+            <a:schemeClr val="accent5"/>
+          </a:effectRef>
+          <a:fontRef idx="minor">
+            <a:schemeClr val="dk1"/>
+          </a:fontRef>
+        </p:style>
+        <p:txBody>
+          <a:bodyPr rtlCol="0" anchor="ctr"/>
+          <a:lstStyle/>
+          <a:p>
+            <a:pPr algn="ctr" eaLnBrk="1" hangingPunct="1">
+              <a:spcBef>
+                <a:spcPct val="0"/>
+              </a:spcBef>
+              <a:buClr>
+                <a:schemeClr val="accent2"/>
+              </a:buClr>
+            </a:pPr>
+            <a:r>
+              <a:rPr lang="zh-CN" altLang="en-US" sz="1200" dirty="0" smtClean="0">
+                <a:solidFill>
+                  <a:schemeClr val="tx1"/>
+                </a:solidFill>
+                <a:ea typeface="宋体" panose="02010600030101010101" pitchFamily="2" charset="-122"/>
+              </a:rPr>
+              <a:t>王恒</a:t>
+            </a:r>
+            <a:endParaRPr lang="zh-CN" altLang="en-US" sz="1200" dirty="0" smtClean="0">
+              <a:solidFill>
+                <a:schemeClr val="tx1"/>
+              </a:solidFill>
               <a:ea typeface="宋体" panose="02010600030101010101" pitchFamily="2" charset="-122"/>
             </a:endParaRPr>
           </a:p>
@@ -9258,14 +9605,14 @@
       </p:sp>
       <p:sp>
         <p:nvSpPr>
-          <p:cNvPr id="12" name="圆角矩形 11"/>
+          <p:cNvPr id="42" name="圆角矩形 41"/>
           <p:cNvSpPr/>
           <p:nvPr/>
         </p:nvSpPr>
         <p:spPr>
           <a:xfrm>
-            <a:off x="5015260" y="2471161"/>
-            <a:ext cx="888628" cy="416547"/>
+            <a:off x="8104559" y="2783818"/>
+            <a:ext cx="2504153" cy="551738"/>
           </a:xfrm>
           <a:prstGeom prst="roundRect">
             <a:avLst/>
@@ -9320,7 +9667,7 @@
           <a:bodyPr anchor="ctr"/>
           <a:lstStyle/>
           <a:p>
-            <a:pPr algn="ctr" fontAlgn="auto">
+            <a:pPr fontAlgn="auto">
               <a:lnSpc>
                 <a:spcPct val="150000"/>
               </a:lnSpc>
@@ -9332,20 +9679,36 @@
               </a:buClr>
             </a:pPr>
             <a:r>
-              <a:rPr lang="zh-CN" altLang="en-US" sz="1000" dirty="0" smtClean="0">
+              <a:rPr lang="zh-CN" altLang="en-US" sz="1200" dirty="0" smtClean="0">
                 <a:solidFill>
                   <a:schemeClr val="tx1"/>
                 </a:solidFill>
-                <a:latin typeface="宋体" panose="02010600030101010101" pitchFamily="2" charset="-122"/>
-                <a:ea typeface="宋体" panose="02010600030101010101" pitchFamily="2" charset="-122"/>
-              </a:rPr>
-              <a:t>页面部件</a:t>
-            </a:r>
-            <a:endParaRPr lang="zh-CN" altLang="en-US" sz="1000" dirty="0" smtClean="0">
+                <a:ea typeface="宋体" panose="02010600030101010101" pitchFamily="2" charset="-122"/>
+              </a:rPr>
+              <a:t>进一步熟练</a:t>
+            </a:r>
+            <a:r>
+              <a:rPr lang="en-US" altLang="zh-CN" sz="1200" dirty="0" smtClean="0">
+                <a:solidFill>
+                  <a:schemeClr val="tx1"/>
+                </a:solidFill>
+                <a:ea typeface="宋体" panose="02010600030101010101" pitchFamily="2" charset="-122"/>
+              </a:rPr>
+              <a:t>Java</a:t>
+            </a:r>
+            <a:r>
+              <a:rPr lang="zh-CN" altLang="en-US" sz="1200" dirty="0" smtClean="0">
+                <a:solidFill>
+                  <a:schemeClr val="tx1"/>
+                </a:solidFill>
+                <a:ea typeface="宋体" panose="02010600030101010101" pitchFamily="2" charset="-122"/>
+              </a:rPr>
+              <a:t>技术，并完成项目中相关功能的设计和实现。</a:t>
+            </a:r>
+            <a:endParaRPr lang="zh-CN" altLang="en-US" sz="1200" dirty="0" smtClean="0">
               <a:solidFill>
                 <a:schemeClr val="tx1"/>
               </a:solidFill>
-              <a:latin typeface="宋体" panose="02010600030101010101" pitchFamily="2" charset="-122"/>
               <a:ea typeface="宋体" panose="02010600030101010101" pitchFamily="2" charset="-122"/>
             </a:endParaRPr>
           </a:p>
@@ -9353,14 +9716,14 @@
       </p:sp>
       <p:sp>
         <p:nvSpPr>
-          <p:cNvPr id="18" name="圆角矩形 17"/>
+          <p:cNvPr id="44" name="圆角矩形 43"/>
           <p:cNvSpPr/>
           <p:nvPr/>
         </p:nvSpPr>
         <p:spPr>
           <a:xfrm>
-            <a:off x="7299869" y="3200683"/>
-            <a:ext cx="888628" cy="416547"/>
+            <a:off x="8104560" y="1736555"/>
+            <a:ext cx="2504153" cy="551738"/>
           </a:xfrm>
           <a:prstGeom prst="roundRect">
             <a:avLst/>
@@ -9415,7 +9778,7 @@
           <a:bodyPr anchor="ctr"/>
           <a:lstStyle/>
           <a:p>
-            <a:pPr algn="ctr" fontAlgn="auto">
+            <a:pPr fontAlgn="auto">
               <a:lnSpc>
                 <a:spcPct val="150000"/>
               </a:lnSpc>
@@ -9427,35 +9790,27 @@
               </a:buClr>
             </a:pPr>
             <a:r>
-              <a:rPr lang="zh-CN" altLang="en-US" sz="1000" dirty="0" smtClean="0">
+              <a:rPr lang="zh-CN" altLang="en-US" sz="1200" dirty="0">
                 <a:solidFill>
                   <a:schemeClr val="tx1"/>
                 </a:solidFill>
-                <a:latin typeface="宋体" panose="02010600030101010101" pitchFamily="2" charset="-122"/>
-                <a:ea typeface="宋体" panose="02010600030101010101" pitchFamily="2" charset="-122"/>
-              </a:rPr>
-              <a:t>控制器</a:t>
-            </a:r>
-            <a:endParaRPr lang="zh-CN" altLang="en-US" sz="1000" dirty="0">
-              <a:solidFill>
-                <a:schemeClr val="tx1"/>
-              </a:solidFill>
-              <a:latin typeface="宋体" panose="02010600030101010101" pitchFamily="2" charset="-122"/>
-              <a:ea typeface="宋体" panose="02010600030101010101" pitchFamily="2" charset="-122"/>
-            </a:endParaRPr>
+                <a:ea typeface="宋体" panose="02010600030101010101" pitchFamily="2" charset="-122"/>
+              </a:rPr>
+              <a:t>熟练使用项目中常用的前端技术，高效率完成项目工作。</a:t>
+            </a:r>
           </a:p>
         </p:txBody>
       </p:sp>
       <p:sp>
         <p:nvSpPr>
-          <p:cNvPr id="20" name="圆角矩形 19"/>
+          <p:cNvPr id="45" name="圆角矩形 44"/>
           <p:cNvSpPr/>
           <p:nvPr/>
         </p:nvSpPr>
         <p:spPr>
           <a:xfrm>
-            <a:off x="7191228" y="1846341"/>
-            <a:ext cx="1105910" cy="416547"/>
+            <a:off x="8104559" y="3741923"/>
+            <a:ext cx="2848185" cy="796549"/>
           </a:xfrm>
           <a:prstGeom prst="roundRect">
             <a:avLst/>
@@ -9510,7 +9865,7 @@
           <a:bodyPr anchor="ctr"/>
           <a:lstStyle/>
           <a:p>
-            <a:pPr algn="ctr" fontAlgn="auto">
+            <a:pPr fontAlgn="auto">
               <a:lnSpc>
                 <a:spcPct val="150000"/>
               </a:lnSpc>
@@ -9522,35 +9877,192 @@
               </a:buClr>
             </a:pPr>
             <a:r>
-              <a:rPr lang="zh-CN" altLang="en-US" sz="1000" dirty="0" smtClean="0">
+              <a:rPr lang="zh-CN" altLang="en-US" sz="1200" dirty="0" smtClean="0">
                 <a:solidFill>
                   <a:schemeClr val="tx1"/>
                 </a:solidFill>
-                <a:latin typeface="宋体" panose="02010600030101010101" pitchFamily="2" charset="-122"/>
-                <a:ea typeface="宋体" panose="02010600030101010101" pitchFamily="2" charset="-122"/>
-              </a:rPr>
-              <a:t>视图数据模型</a:t>
-            </a:r>
-            <a:endParaRPr lang="zh-CN" altLang="en-US" sz="1000" dirty="0" smtClean="0">
+                <a:ea typeface="宋体" panose="02010600030101010101" pitchFamily="2" charset="-122"/>
+              </a:rPr>
+              <a:t>熟练应用</a:t>
+            </a:r>
+            <a:r>
+              <a:rPr lang="en-US" altLang="zh-CN" sz="1200" dirty="0" err="1" smtClean="0">
+                <a:solidFill>
+                  <a:schemeClr val="tx1"/>
+                </a:solidFill>
+                <a:ea typeface="宋体" panose="02010600030101010101" pitchFamily="2" charset="-122"/>
+              </a:rPr>
+              <a:t>GoJS</a:t>
+            </a:r>
+            <a:r>
+              <a:rPr lang="zh-CN" altLang="en-US" sz="1200" dirty="0" smtClean="0">
+                <a:solidFill>
+                  <a:schemeClr val="tx1"/>
+                </a:solidFill>
+                <a:ea typeface="宋体" panose="02010600030101010101" pitchFamily="2" charset="-122"/>
+              </a:rPr>
+              <a:t>技术和</a:t>
+            </a:r>
+            <a:r>
+              <a:rPr lang="en-US" altLang="zh-CN" sz="1200" dirty="0" err="1" smtClean="0">
+                <a:solidFill>
+                  <a:schemeClr val="tx1"/>
+                </a:solidFill>
+                <a:ea typeface="宋体" panose="02010600030101010101" pitchFamily="2" charset="-122"/>
+              </a:rPr>
+              <a:t>Openlayers</a:t>
+            </a:r>
+            <a:r>
+              <a:rPr lang="zh-CN" altLang="en-US" sz="1200" dirty="0">
+                <a:solidFill>
+                  <a:schemeClr val="tx1"/>
+                </a:solidFill>
+                <a:ea typeface="宋体" panose="02010600030101010101" pitchFamily="2" charset="-122"/>
+              </a:rPr>
+              <a:t>技术</a:t>
+            </a:r>
+            <a:r>
+              <a:rPr lang="zh-CN" altLang="en-US" sz="1200" dirty="0" smtClean="0">
+                <a:solidFill>
+                  <a:schemeClr val="tx1"/>
+                </a:solidFill>
+                <a:ea typeface="宋体" panose="02010600030101010101" pitchFamily="2" charset="-122"/>
+              </a:rPr>
+              <a:t>，能够完成项目中部分的可视化工作。</a:t>
+            </a:r>
+            <a:endParaRPr lang="zh-CN" altLang="en-US" sz="1200" dirty="0" smtClean="0">
               <a:solidFill>
                 <a:schemeClr val="tx1"/>
               </a:solidFill>
-              <a:latin typeface="宋体" panose="02010600030101010101" pitchFamily="2" charset="-122"/>
               <a:ea typeface="宋体" panose="02010600030101010101" pitchFamily="2" charset="-122"/>
             </a:endParaRPr>
           </a:p>
         </p:txBody>
       </p:sp>
+      <p:cxnSp>
+        <p:nvCxnSpPr>
+          <p:cNvPr id="47" name="直接箭头连接符 18"/>
+          <p:cNvCxnSpPr>
+            <a:stCxn id="41" idx="6"/>
+            <a:endCxn id="44" idx="1"/>
+          </p:cNvCxnSpPr>
+          <p:nvPr/>
+        </p:nvCxnSpPr>
+        <p:spPr>
+          <a:xfrm flipV="1">
+            <a:off x="7320355" y="2012424"/>
+            <a:ext cx="784205" cy="1495609"/>
+          </a:xfrm>
+          <a:prstGeom prst="bentConnector3">
+            <a:avLst>
+              <a:gd name="adj1" fmla="val 50000"/>
+            </a:avLst>
+          </a:prstGeom>
+          <a:ln w="57150">
+            <a:tailEnd type="arrow"/>
+          </a:ln>
+        </p:spPr>
+        <p:style>
+          <a:lnRef idx="1">
+            <a:schemeClr val="accent1"/>
+          </a:lnRef>
+          <a:fillRef idx="0">
+            <a:schemeClr val="accent1"/>
+          </a:fillRef>
+          <a:effectRef idx="0">
+            <a:schemeClr val="accent1"/>
+          </a:effectRef>
+          <a:fontRef idx="minor">
+            <a:schemeClr val="tx1"/>
+          </a:fontRef>
+        </p:style>
+      </p:cxnSp>
+      <p:cxnSp>
+        <p:nvCxnSpPr>
+          <p:cNvPr id="48" name="直接箭头连接符 18"/>
+          <p:cNvCxnSpPr>
+            <a:stCxn id="41" idx="6"/>
+            <a:endCxn id="42" idx="1"/>
+          </p:cNvCxnSpPr>
+          <p:nvPr/>
+        </p:nvCxnSpPr>
+        <p:spPr>
+          <a:xfrm flipV="1">
+            <a:off x="7320355" y="3059687"/>
+            <a:ext cx="784204" cy="448346"/>
+          </a:xfrm>
+          <a:prstGeom prst="bentConnector3">
+            <a:avLst>
+              <a:gd name="adj1" fmla="val 50000"/>
+            </a:avLst>
+          </a:prstGeom>
+          <a:ln w="57150">
+            <a:tailEnd type="arrow"/>
+          </a:ln>
+        </p:spPr>
+        <p:style>
+          <a:lnRef idx="1">
+            <a:schemeClr val="accent1"/>
+          </a:lnRef>
+          <a:fillRef idx="0">
+            <a:schemeClr val="accent1"/>
+          </a:fillRef>
+          <a:effectRef idx="0">
+            <a:schemeClr val="accent1"/>
+          </a:effectRef>
+          <a:fontRef idx="minor">
+            <a:schemeClr val="tx1"/>
+          </a:fontRef>
+        </p:style>
+      </p:cxnSp>
+      <p:cxnSp>
+        <p:nvCxnSpPr>
+          <p:cNvPr id="49" name="直接箭头连接符 18"/>
+          <p:cNvCxnSpPr>
+            <a:stCxn id="41" idx="6"/>
+            <a:endCxn id="45" idx="1"/>
+          </p:cNvCxnSpPr>
+          <p:nvPr/>
+        </p:nvCxnSpPr>
+        <p:spPr>
+          <a:xfrm>
+            <a:off x="7320355" y="3508033"/>
+            <a:ext cx="784204" cy="632165"/>
+          </a:xfrm>
+          <a:prstGeom prst="bentConnector3">
+            <a:avLst>
+              <a:gd name="adj1" fmla="val 50000"/>
+            </a:avLst>
+          </a:prstGeom>
+          <a:ln w="57150">
+            <a:tailEnd type="arrow"/>
+          </a:ln>
+        </p:spPr>
+        <p:style>
+          <a:lnRef idx="1">
+            <a:schemeClr val="accent1"/>
+          </a:lnRef>
+          <a:fillRef idx="0">
+            <a:schemeClr val="accent1"/>
+          </a:fillRef>
+          <a:effectRef idx="0">
+            <a:schemeClr val="accent1"/>
+          </a:effectRef>
+          <a:fontRef idx="minor">
+            <a:schemeClr val="tx1"/>
+          </a:fontRef>
+        </p:style>
+      </p:cxnSp>
       <p:sp>
         <p:nvSpPr>
-          <p:cNvPr id="22" name="圆角矩形 21"/>
+          <p:cNvPr id="54" name="圆角矩形 53"/>
           <p:cNvSpPr/>
           <p:nvPr/>
         </p:nvSpPr>
         <p:spPr>
           <a:xfrm>
-            <a:off x="9262268" y="1846341"/>
-            <a:ext cx="1105910" cy="416547"/>
+            <a:off x="2810227" y="5448415"/>
+            <a:ext cx="2848185" cy="796549"/>
           </a:xfrm>
           <a:prstGeom prst="roundRect">
             <a:avLst/>
@@ -9605,7 +10117,7 @@
           <a:bodyPr anchor="ctr"/>
           <a:lstStyle/>
           <a:p>
-            <a:pPr algn="ctr" fontAlgn="auto">
+            <a:pPr fontAlgn="auto">
               <a:lnSpc>
                 <a:spcPct val="150000"/>
               </a:lnSpc>
@@ -9617,35 +10129,107 @@
               </a:buClr>
             </a:pPr>
             <a:r>
-              <a:rPr lang="zh-CN" altLang="en-US" sz="1000" dirty="0" smtClean="0">
+              <a:rPr lang="zh-CN" altLang="en-US" sz="1200" dirty="0" smtClean="0">
                 <a:solidFill>
                   <a:schemeClr val="tx1"/>
                 </a:solidFill>
-                <a:latin typeface="宋体" panose="02010600030101010101" pitchFamily="2" charset="-122"/>
-                <a:ea typeface="宋体" panose="02010600030101010101" pitchFamily="2" charset="-122"/>
-              </a:rPr>
-              <a:t>数据模型</a:t>
-            </a:r>
-            <a:endParaRPr lang="zh-CN" altLang="en-US" sz="1000" dirty="0" smtClean="0">
+                <a:ea typeface="宋体" panose="02010600030101010101" pitchFamily="2" charset="-122"/>
+              </a:rPr>
+              <a:t>对</a:t>
+            </a:r>
+            <a:r>
+              <a:rPr lang="en-US" altLang="zh-CN" sz="1200" dirty="0" smtClean="0">
+                <a:solidFill>
+                  <a:schemeClr val="tx1"/>
+                </a:solidFill>
+                <a:ea typeface="宋体" panose="02010600030101010101" pitchFamily="2" charset="-122"/>
+              </a:rPr>
+              <a:t>HTML5</a:t>
+            </a:r>
+            <a:r>
+              <a:rPr lang="zh-CN" altLang="en-US" sz="1200" dirty="0" smtClean="0">
+                <a:solidFill>
+                  <a:schemeClr val="tx1"/>
+                </a:solidFill>
+                <a:ea typeface="宋体" panose="02010600030101010101" pitchFamily="2" charset="-122"/>
+              </a:rPr>
+              <a:t>和</a:t>
+            </a:r>
+            <a:r>
+              <a:rPr lang="en-US" altLang="zh-CN" sz="1200" dirty="0" smtClean="0">
+                <a:solidFill>
+                  <a:schemeClr val="tx1"/>
+                </a:solidFill>
+                <a:ea typeface="宋体" panose="02010600030101010101" pitchFamily="2" charset="-122"/>
+              </a:rPr>
+              <a:t>CSS3</a:t>
+            </a:r>
+            <a:r>
+              <a:rPr lang="zh-CN" altLang="en-US" sz="1200" dirty="0" smtClean="0">
+                <a:solidFill>
+                  <a:schemeClr val="tx1"/>
+                </a:solidFill>
+                <a:ea typeface="宋体" panose="02010600030101010101" pitchFamily="2" charset="-122"/>
+              </a:rPr>
+              <a:t>的熟练度有一定提升，能够自己进行页面样式调优。</a:t>
+            </a:r>
+            <a:endParaRPr lang="zh-CN" altLang="en-US" sz="1200" dirty="0" smtClean="0">
               <a:solidFill>
                 <a:schemeClr val="tx1"/>
               </a:solidFill>
-              <a:latin typeface="宋体" panose="02010600030101010101" pitchFamily="2" charset="-122"/>
               <a:ea typeface="宋体" panose="02010600030101010101" pitchFamily="2" charset="-122"/>
             </a:endParaRPr>
           </a:p>
         </p:txBody>
       </p:sp>
+      <p:cxnSp>
+        <p:nvCxnSpPr>
+          <p:cNvPr id="55" name="直接箭头连接符 18"/>
+          <p:cNvCxnSpPr>
+            <a:stCxn id="4" idx="6"/>
+            <a:endCxn id="54" idx="1"/>
+          </p:cNvCxnSpPr>
+          <p:nvPr/>
+        </p:nvCxnSpPr>
+        <p:spPr>
+          <a:xfrm>
+            <a:off x="1991757" y="3335556"/>
+            <a:ext cx="818470" cy="2511134"/>
+          </a:xfrm>
+          <a:prstGeom prst="bentConnector3">
+            <a:avLst>
+              <a:gd name="adj1" fmla="val 50000"/>
+            </a:avLst>
+          </a:prstGeom>
+          <a:ln w="57150">
+            <a:tailEnd type="arrow"/>
+          </a:ln>
+        </p:spPr>
+        <p:style>
+          <a:lnRef idx="1">
+            <a:schemeClr val="accent1"/>
+          </a:lnRef>
+          <a:fillRef idx="0">
+            <a:schemeClr val="accent1"/>
+          </a:fillRef>
+          <a:effectRef idx="0">
+            <a:schemeClr val="accent1"/>
+          </a:effectRef>
+          <a:fontRef idx="minor">
+            <a:schemeClr val="tx1"/>
+          </a:fontRef>
+        </p:style>
+      </p:cxnSp>
       <p:sp>
         <p:nvSpPr>
-          <p:cNvPr id="24" name="圆角矩形 23"/>
+          <p:cNvPr id="62" name="圆角矩形 61"/>
           <p:cNvSpPr/>
           <p:nvPr/>
         </p:nvSpPr>
         <p:spPr>
           <a:xfrm>
-            <a:off x="8249095" y="4141197"/>
-            <a:ext cx="1013173" cy="416547"/>
+            <a:off x="8138825" y="4896677"/>
+            <a:ext cx="2779652" cy="551738"/>
           </a:xfrm>
           <a:prstGeom prst="roundRect">
             <a:avLst/>
@@ -9700,7 +10284,7 @@
           <a:bodyPr anchor="ctr"/>
           <a:lstStyle/>
           <a:p>
-            <a:pPr algn="ctr" fontAlgn="auto">
+            <a:pPr fontAlgn="auto">
               <a:lnSpc>
                 <a:spcPct val="150000"/>
               </a:lnSpc>
@@ -9712,525 +10296,45 @@
               </a:buClr>
             </a:pPr>
             <a:r>
-              <a:rPr lang="zh-CN" altLang="en-US" sz="1000" dirty="0" smtClean="0">
+              <a:rPr lang="zh-CN" altLang="en-US" sz="1200" dirty="0" smtClean="0">
                 <a:solidFill>
                   <a:schemeClr val="tx1"/>
                 </a:solidFill>
-                <a:latin typeface="宋体" panose="02010600030101010101" pitchFamily="2" charset="-122"/>
-                <a:ea typeface="宋体" panose="02010600030101010101" pitchFamily="2" charset="-122"/>
-              </a:rPr>
-              <a:t>后台交互接口</a:t>
-            </a:r>
-            <a:endParaRPr lang="zh-CN" altLang="en-US" sz="1000" dirty="0">
+                <a:ea typeface="宋体" panose="02010600030101010101" pitchFamily="2" charset="-122"/>
+              </a:rPr>
+              <a:t>负责项目后台的</a:t>
+            </a:r>
+            <a:r>
+              <a:rPr lang="zh-CN" altLang="en-US" sz="1200" dirty="0">
+                <a:solidFill>
+                  <a:schemeClr val="tx1"/>
+                </a:solidFill>
+                <a:ea typeface="宋体" panose="02010600030101010101" pitchFamily="2" charset="-122"/>
+              </a:rPr>
+              <a:t>可视化</a:t>
+            </a:r>
+            <a:r>
+              <a:rPr lang="zh-CN" altLang="en-US" sz="1200" dirty="0" smtClean="0">
+                <a:solidFill>
+                  <a:schemeClr val="tx1"/>
+                </a:solidFill>
+                <a:ea typeface="宋体" panose="02010600030101010101" pitchFamily="2" charset="-122"/>
+              </a:rPr>
+              <a:t>数据封装的</a:t>
+            </a:r>
+            <a:r>
+              <a:rPr lang="zh-CN" altLang="en-US" sz="1200" dirty="0" smtClean="0">
+                <a:solidFill>
+                  <a:schemeClr val="tx1"/>
+                </a:solidFill>
+                <a:ea typeface="宋体" panose="02010600030101010101" pitchFamily="2" charset="-122"/>
+              </a:rPr>
+              <a:t>通用功能的实现。</a:t>
+            </a:r>
+            <a:endParaRPr lang="zh-CN" altLang="en-US" sz="1200" dirty="0" smtClean="0">
               <a:solidFill>
                 <a:schemeClr val="tx1"/>
               </a:solidFill>
-              <a:latin typeface="宋体" panose="02010600030101010101" pitchFamily="2" charset="-122"/>
-              <a:ea typeface="宋体" panose="02010600030101010101" pitchFamily="2" charset="-122"/>
-            </a:endParaRPr>
-          </a:p>
-        </p:txBody>
-      </p:sp>
-      <p:sp>
-        <p:nvSpPr>
-          <p:cNvPr id="25" name="圆角矩形 24"/>
-          <p:cNvSpPr/>
-          <p:nvPr/>
-        </p:nvSpPr>
-        <p:spPr>
-          <a:xfrm>
-            <a:off x="7649362" y="5011120"/>
-            <a:ext cx="997269" cy="416547"/>
-          </a:xfrm>
-          <a:prstGeom prst="roundRect">
-            <a:avLst/>
-          </a:prstGeom>
-          <a:gradFill flip="none" rotWithShape="1">
-            <a:gsLst>
-              <a:gs pos="0">
-                <a:schemeClr val="accent1">
-                  <a:tint val="66000"/>
-                  <a:satMod val="160000"/>
-                </a:schemeClr>
-              </a:gs>
-              <a:gs pos="50000">
-                <a:schemeClr val="accent1">
-                  <a:tint val="44500"/>
-                  <a:satMod val="160000"/>
-                </a:schemeClr>
-              </a:gs>
-              <a:gs pos="100000">
-                <a:schemeClr val="accent1">
-                  <a:tint val="23500"/>
-                  <a:satMod val="160000"/>
-                </a:schemeClr>
-              </a:gs>
-            </a:gsLst>
-            <a:lin ang="0" scaled="1"/>
-            <a:tileRect/>
-          </a:gradFill>
-          <a:effectLst>
-            <a:outerShdw blurRad="50800" dist="38100" dir="2700000" algn="tl" rotWithShape="0">
-              <a:prstClr val="black">
-                <a:alpha val="40000"/>
-              </a:prstClr>
-            </a:outerShdw>
-          </a:effectLst>
-        </p:spPr>
-        <p:style>
-          <a:lnRef idx="2">
-            <a:schemeClr val="accent5"/>
-          </a:lnRef>
-          <a:fillRef idx="1">
-            <a:schemeClr val="lt1"/>
-          </a:fillRef>
-          <a:effectRef idx="0">
-            <a:schemeClr val="accent5"/>
-          </a:effectRef>
-          <a:fontRef idx="minor">
-            <a:schemeClr val="dk1"/>
-          </a:fontRef>
-        </p:style>
-        <p:txBody>
-          <a:bodyPr anchor="ctr"/>
-          <a:lstStyle/>
-          <a:p>
-            <a:pPr algn="ctr" fontAlgn="auto">
-              <a:lnSpc>
-                <a:spcPct val="150000"/>
-              </a:lnSpc>
-              <a:spcBef>
-                <a:spcPct val="0"/>
-              </a:spcBef>
-              <a:buClr>
-                <a:schemeClr val="accent2"/>
-              </a:buClr>
-            </a:pPr>
-            <a:r>
-              <a:rPr lang="zh-CN" altLang="en-US" sz="1000" dirty="0" smtClean="0">
-                <a:solidFill>
-                  <a:schemeClr val="tx1"/>
-                </a:solidFill>
-                <a:latin typeface="宋体" panose="02010600030101010101" pitchFamily="2" charset="-122"/>
-                <a:ea typeface="宋体" panose="02010600030101010101" pitchFamily="2" charset="-122"/>
-              </a:rPr>
-              <a:t>可视化主视图</a:t>
-            </a:r>
-            <a:endParaRPr lang="zh-CN" altLang="en-US" sz="1000" dirty="0">
-              <a:solidFill>
-                <a:schemeClr val="tx1"/>
-              </a:solidFill>
-              <a:latin typeface="宋体" panose="02010600030101010101" pitchFamily="2" charset="-122"/>
-              <a:ea typeface="宋体" panose="02010600030101010101" pitchFamily="2" charset="-122"/>
-            </a:endParaRPr>
-          </a:p>
-        </p:txBody>
-      </p:sp>
-      <p:sp>
-        <p:nvSpPr>
-          <p:cNvPr id="26" name="圆角矩形 25"/>
-          <p:cNvSpPr/>
-          <p:nvPr/>
-        </p:nvSpPr>
-        <p:spPr>
-          <a:xfrm>
-            <a:off x="6219731" y="5219393"/>
-            <a:ext cx="997269" cy="416547"/>
-          </a:xfrm>
-          <a:prstGeom prst="roundRect">
-            <a:avLst/>
-          </a:prstGeom>
-          <a:gradFill flip="none" rotWithShape="1">
-            <a:gsLst>
-              <a:gs pos="0">
-                <a:schemeClr val="accent1">
-                  <a:tint val="66000"/>
-                  <a:satMod val="160000"/>
-                </a:schemeClr>
-              </a:gs>
-              <a:gs pos="50000">
-                <a:schemeClr val="accent1">
-                  <a:tint val="44500"/>
-                  <a:satMod val="160000"/>
-                </a:schemeClr>
-              </a:gs>
-              <a:gs pos="100000">
-                <a:schemeClr val="accent1">
-                  <a:tint val="23500"/>
-                  <a:satMod val="160000"/>
-                </a:schemeClr>
-              </a:gs>
-            </a:gsLst>
-            <a:lin ang="0" scaled="1"/>
-            <a:tileRect/>
-          </a:gradFill>
-          <a:effectLst>
-            <a:outerShdw blurRad="50800" dist="38100" dir="2700000" algn="tl" rotWithShape="0">
-              <a:prstClr val="black">
-                <a:alpha val="40000"/>
-              </a:prstClr>
-            </a:outerShdw>
-          </a:effectLst>
-        </p:spPr>
-        <p:style>
-          <a:lnRef idx="2">
-            <a:schemeClr val="accent5"/>
-          </a:lnRef>
-          <a:fillRef idx="1">
-            <a:schemeClr val="lt1"/>
-          </a:fillRef>
-          <a:effectRef idx="0">
-            <a:schemeClr val="accent5"/>
-          </a:effectRef>
-          <a:fontRef idx="minor">
-            <a:schemeClr val="dk1"/>
-          </a:fontRef>
-        </p:style>
-        <p:txBody>
-          <a:bodyPr anchor="ctr"/>
-          <a:lstStyle/>
-          <a:p>
-            <a:pPr algn="ctr" fontAlgn="auto">
-              <a:lnSpc>
-                <a:spcPct val="150000"/>
-              </a:lnSpc>
-              <a:spcBef>
-                <a:spcPct val="0"/>
-              </a:spcBef>
-              <a:buClr>
-                <a:schemeClr val="accent2"/>
-              </a:buClr>
-            </a:pPr>
-            <a:r>
-              <a:rPr lang="zh-CN" altLang="en-US" sz="1000" dirty="0" smtClean="0">
-                <a:solidFill>
-                  <a:schemeClr val="tx1"/>
-                </a:solidFill>
-                <a:latin typeface="宋体" panose="02010600030101010101" pitchFamily="2" charset="-122"/>
-                <a:ea typeface="宋体" panose="02010600030101010101" pitchFamily="2" charset="-122"/>
-              </a:rPr>
-              <a:t>外部</a:t>
-            </a:r>
-            <a:r>
-              <a:rPr lang="en-US" altLang="zh-CN" sz="1000" dirty="0" smtClean="0">
-                <a:solidFill>
-                  <a:schemeClr val="tx1"/>
-                </a:solidFill>
-                <a:latin typeface="宋体" panose="02010600030101010101" pitchFamily="2" charset="-122"/>
-                <a:ea typeface="宋体" panose="02010600030101010101" pitchFamily="2" charset="-122"/>
-              </a:rPr>
-              <a:t>JS</a:t>
-            </a:r>
-            <a:r>
-              <a:rPr lang="zh-CN" altLang="en-US" sz="1000" dirty="0" smtClean="0">
-                <a:solidFill>
-                  <a:schemeClr val="tx1"/>
-                </a:solidFill>
-                <a:latin typeface="宋体" panose="02010600030101010101" pitchFamily="2" charset="-122"/>
-                <a:ea typeface="宋体" panose="02010600030101010101" pitchFamily="2" charset="-122"/>
-              </a:rPr>
-              <a:t>组件</a:t>
-            </a:r>
-            <a:endParaRPr lang="zh-CN" altLang="en-US" sz="1000" dirty="0">
-              <a:solidFill>
-                <a:schemeClr val="tx1"/>
-              </a:solidFill>
-              <a:latin typeface="宋体" panose="02010600030101010101" pitchFamily="2" charset="-122"/>
-              <a:ea typeface="宋体" panose="02010600030101010101" pitchFamily="2" charset="-122"/>
-            </a:endParaRPr>
-          </a:p>
-        </p:txBody>
-      </p:sp>
-      <p:sp>
-        <p:nvSpPr>
-          <p:cNvPr id="27" name="圆角矩形 26"/>
-          <p:cNvSpPr/>
-          <p:nvPr/>
-        </p:nvSpPr>
-        <p:spPr>
-          <a:xfrm>
-            <a:off x="7613965" y="5656389"/>
-            <a:ext cx="997269" cy="416547"/>
-          </a:xfrm>
-          <a:prstGeom prst="roundRect">
-            <a:avLst/>
-          </a:prstGeom>
-          <a:gradFill flip="none" rotWithShape="1">
-            <a:gsLst>
-              <a:gs pos="0">
-                <a:schemeClr val="accent1">
-                  <a:tint val="66000"/>
-                  <a:satMod val="160000"/>
-                </a:schemeClr>
-              </a:gs>
-              <a:gs pos="50000">
-                <a:schemeClr val="accent1">
-                  <a:tint val="44500"/>
-                  <a:satMod val="160000"/>
-                </a:schemeClr>
-              </a:gs>
-              <a:gs pos="100000">
-                <a:schemeClr val="accent1">
-                  <a:tint val="23500"/>
-                  <a:satMod val="160000"/>
-                </a:schemeClr>
-              </a:gs>
-            </a:gsLst>
-            <a:lin ang="0" scaled="1"/>
-            <a:tileRect/>
-          </a:gradFill>
-          <a:effectLst>
-            <a:outerShdw blurRad="50800" dist="38100" dir="2700000" algn="tl" rotWithShape="0">
-              <a:prstClr val="black">
-                <a:alpha val="40000"/>
-              </a:prstClr>
-            </a:outerShdw>
-          </a:effectLst>
-        </p:spPr>
-        <p:style>
-          <a:lnRef idx="2">
-            <a:schemeClr val="accent5"/>
-          </a:lnRef>
-          <a:fillRef idx="1">
-            <a:schemeClr val="lt1"/>
-          </a:fillRef>
-          <a:effectRef idx="0">
-            <a:schemeClr val="accent5"/>
-          </a:effectRef>
-          <a:fontRef idx="minor">
-            <a:schemeClr val="dk1"/>
-          </a:fontRef>
-        </p:style>
-        <p:txBody>
-          <a:bodyPr anchor="ctr"/>
-          <a:lstStyle/>
-          <a:p>
-            <a:pPr algn="ctr" fontAlgn="auto">
-              <a:lnSpc>
-                <a:spcPct val="150000"/>
-              </a:lnSpc>
-              <a:spcBef>
-                <a:spcPct val="0"/>
-              </a:spcBef>
-              <a:buClr>
-                <a:schemeClr val="accent2"/>
-              </a:buClr>
-            </a:pPr>
-            <a:r>
-              <a:rPr lang="zh-CN" altLang="en-US" sz="1000" dirty="0">
-                <a:solidFill>
-                  <a:schemeClr val="tx1"/>
-                </a:solidFill>
-                <a:latin typeface="宋体" panose="02010600030101010101" pitchFamily="2" charset="-122"/>
-                <a:ea typeface="宋体" panose="02010600030101010101" pitchFamily="2" charset="-122"/>
-              </a:rPr>
-              <a:t>页面</a:t>
-            </a:r>
-            <a:r>
-              <a:rPr lang="zh-CN" altLang="en-US" sz="1000" dirty="0" smtClean="0">
-                <a:solidFill>
-                  <a:schemeClr val="tx1"/>
-                </a:solidFill>
-                <a:latin typeface="宋体" panose="02010600030101010101" pitchFamily="2" charset="-122"/>
-                <a:ea typeface="宋体" panose="02010600030101010101" pitchFamily="2" charset="-122"/>
-              </a:rPr>
-              <a:t>样式</a:t>
-            </a:r>
-            <a:endParaRPr lang="zh-CN" altLang="en-US" sz="1000" dirty="0">
-              <a:solidFill>
-                <a:schemeClr val="tx1"/>
-              </a:solidFill>
-              <a:latin typeface="宋体" panose="02010600030101010101" pitchFamily="2" charset="-122"/>
-              <a:ea typeface="宋体" panose="02010600030101010101" pitchFamily="2" charset="-122"/>
-            </a:endParaRPr>
-          </a:p>
-        </p:txBody>
-      </p:sp>
-      <p:sp>
-        <p:nvSpPr>
-          <p:cNvPr id="28" name="圆角矩形 27"/>
-          <p:cNvSpPr/>
-          <p:nvPr/>
-        </p:nvSpPr>
-        <p:spPr>
-          <a:xfrm>
-            <a:off x="8763634" y="5680101"/>
-            <a:ext cx="997269" cy="416547"/>
-          </a:xfrm>
-          <a:prstGeom prst="roundRect">
-            <a:avLst/>
-          </a:prstGeom>
-          <a:gradFill flip="none" rotWithShape="1">
-            <a:gsLst>
-              <a:gs pos="0">
-                <a:schemeClr val="accent1">
-                  <a:tint val="66000"/>
-                  <a:satMod val="160000"/>
-                </a:schemeClr>
-              </a:gs>
-              <a:gs pos="50000">
-                <a:schemeClr val="accent1">
-                  <a:tint val="44500"/>
-                  <a:satMod val="160000"/>
-                </a:schemeClr>
-              </a:gs>
-              <a:gs pos="100000">
-                <a:schemeClr val="accent1">
-                  <a:tint val="23500"/>
-                  <a:satMod val="160000"/>
-                </a:schemeClr>
-              </a:gs>
-            </a:gsLst>
-            <a:lin ang="0" scaled="1"/>
-            <a:tileRect/>
-          </a:gradFill>
-          <a:effectLst>
-            <a:outerShdw blurRad="50800" dist="38100" dir="2700000" algn="tl" rotWithShape="0">
-              <a:prstClr val="black">
-                <a:alpha val="40000"/>
-              </a:prstClr>
-            </a:outerShdw>
-          </a:effectLst>
-        </p:spPr>
-        <p:style>
-          <a:lnRef idx="2">
-            <a:schemeClr val="accent5"/>
-          </a:lnRef>
-          <a:fillRef idx="1">
-            <a:schemeClr val="lt1"/>
-          </a:fillRef>
-          <a:effectRef idx="0">
-            <a:schemeClr val="accent5"/>
-          </a:effectRef>
-          <a:fontRef idx="minor">
-            <a:schemeClr val="dk1"/>
-          </a:fontRef>
-        </p:style>
-        <p:txBody>
-          <a:bodyPr anchor="ctr"/>
-          <a:lstStyle/>
-          <a:p>
-            <a:pPr algn="ctr" fontAlgn="auto">
-              <a:lnSpc>
-                <a:spcPct val="150000"/>
-              </a:lnSpc>
-              <a:spcBef>
-                <a:spcPct val="0"/>
-              </a:spcBef>
-              <a:buClr>
-                <a:schemeClr val="accent2"/>
-              </a:buClr>
-            </a:pPr>
-            <a:r>
-              <a:rPr lang="zh-CN" altLang="en-US" sz="1000" dirty="0" smtClean="0">
-                <a:solidFill>
-                  <a:schemeClr val="tx1"/>
-                </a:solidFill>
-                <a:latin typeface="宋体" panose="02010600030101010101" pitchFamily="2" charset="-122"/>
-                <a:ea typeface="宋体" panose="02010600030101010101" pitchFamily="2" charset="-122"/>
-              </a:rPr>
-              <a:t>功能图标</a:t>
-            </a:r>
-            <a:endParaRPr lang="zh-CN" altLang="en-US" sz="1000" dirty="0">
-              <a:solidFill>
-                <a:schemeClr val="tx1"/>
-              </a:solidFill>
-              <a:latin typeface="宋体" panose="02010600030101010101" pitchFamily="2" charset="-122"/>
-              <a:ea typeface="宋体" panose="02010600030101010101" pitchFamily="2" charset="-122"/>
-            </a:endParaRPr>
-          </a:p>
-        </p:txBody>
-      </p:sp>
-      <p:sp>
-        <p:nvSpPr>
-          <p:cNvPr id="29" name="圆角矩形 28"/>
-          <p:cNvSpPr/>
-          <p:nvPr/>
-        </p:nvSpPr>
-        <p:spPr>
-          <a:xfrm>
-            <a:off x="6283801" y="5836783"/>
-            <a:ext cx="997269" cy="416547"/>
-          </a:xfrm>
-          <a:prstGeom prst="roundRect">
-            <a:avLst/>
-          </a:prstGeom>
-          <a:gradFill flip="none" rotWithShape="1">
-            <a:gsLst>
-              <a:gs pos="0">
-                <a:schemeClr val="accent1">
-                  <a:tint val="66000"/>
-                  <a:satMod val="160000"/>
-                </a:schemeClr>
-              </a:gs>
-              <a:gs pos="50000">
-                <a:schemeClr val="accent1">
-                  <a:tint val="44500"/>
-                  <a:satMod val="160000"/>
-                </a:schemeClr>
-              </a:gs>
-              <a:gs pos="100000">
-                <a:schemeClr val="accent1">
-                  <a:tint val="23500"/>
-                  <a:satMod val="160000"/>
-                </a:schemeClr>
-              </a:gs>
-            </a:gsLst>
-            <a:lin ang="0" scaled="1"/>
-            <a:tileRect/>
-          </a:gradFill>
-          <a:effectLst>
-            <a:outerShdw blurRad="50800" dist="38100" dir="2700000" algn="tl" rotWithShape="0">
-              <a:prstClr val="black">
-                <a:alpha val="40000"/>
-              </a:prstClr>
-            </a:outerShdw>
-          </a:effectLst>
-        </p:spPr>
-        <p:style>
-          <a:lnRef idx="2">
-            <a:schemeClr val="accent5"/>
-          </a:lnRef>
-          <a:fillRef idx="1">
-            <a:schemeClr val="lt1"/>
-          </a:fillRef>
-          <a:effectRef idx="0">
-            <a:schemeClr val="accent5"/>
-          </a:effectRef>
-          <a:fontRef idx="minor">
-            <a:schemeClr val="dk1"/>
-          </a:fontRef>
-        </p:style>
-        <p:txBody>
-          <a:bodyPr anchor="ctr"/>
-          <a:lstStyle/>
-          <a:p>
-            <a:pPr algn="ctr" fontAlgn="auto">
-              <a:lnSpc>
-                <a:spcPct val="150000"/>
-              </a:lnSpc>
-              <a:spcBef>
-                <a:spcPct val="0"/>
-              </a:spcBef>
-              <a:buClr>
-                <a:schemeClr val="accent2"/>
-              </a:buClr>
-            </a:pPr>
-            <a:r>
-              <a:rPr lang="zh-CN" altLang="en-US" sz="1000" dirty="0" smtClean="0">
-                <a:solidFill>
-                  <a:schemeClr val="tx1"/>
-                </a:solidFill>
-                <a:latin typeface="宋体" panose="02010600030101010101" pitchFamily="2" charset="-122"/>
-                <a:ea typeface="宋体" panose="02010600030101010101" pitchFamily="2" charset="-122"/>
-              </a:rPr>
-              <a:t>其他配置项</a:t>
-            </a:r>
-            <a:endParaRPr lang="zh-CN" altLang="en-US" sz="1000" dirty="0">
-              <a:solidFill>
-                <a:schemeClr val="tx1"/>
-              </a:solidFill>
-              <a:latin typeface="宋体" panose="02010600030101010101" pitchFamily="2" charset="-122"/>
               <a:ea typeface="宋体" panose="02010600030101010101" pitchFamily="2" charset="-122"/>
             </a:endParaRPr>
           </a:p>
@@ -10238,142 +10342,24 @@
       </p:sp>
       <p:cxnSp>
         <p:nvCxnSpPr>
-          <p:cNvPr id="34" name="直接箭头连接符 24"/>
+          <p:cNvPr id="63" name="直接箭头连接符 18"/>
           <p:cNvCxnSpPr>
-            <a:stCxn id="12" idx="3"/>
-            <a:endCxn id="20" idx="1"/>
+            <a:stCxn id="41" idx="6"/>
+            <a:endCxn id="62" idx="1"/>
           </p:cNvCxnSpPr>
           <p:nvPr/>
         </p:nvCxnSpPr>
         <p:spPr>
-          <a:xfrm flipV="1">
-            <a:off x="5903888" y="2054615"/>
-            <a:ext cx="1287340" cy="624820"/>
+          <a:xfrm>
+            <a:off x="7320355" y="3508033"/>
+            <a:ext cx="818470" cy="1664513"/>
           </a:xfrm>
-          <a:prstGeom prst="straightConnector1">
-            <a:avLst/>
+          <a:prstGeom prst="bentConnector3">
+            <a:avLst>
+              <a:gd name="adj1" fmla="val 50000"/>
+            </a:avLst>
           </a:prstGeom>
-          <a:solidFill>
-            <a:srgbClr val="FFC000"/>
-          </a:solidFill>
-          <a:ln w="25400">
-            <a:tailEnd type="arrow"/>
-          </a:ln>
-        </p:spPr>
-        <p:style>
-          <a:lnRef idx="1">
-            <a:schemeClr val="accent1"/>
-          </a:lnRef>
-          <a:fillRef idx="0">
-            <a:schemeClr val="accent1"/>
-          </a:fillRef>
-          <a:effectRef idx="0">
-            <a:schemeClr val="accent1"/>
-          </a:effectRef>
-          <a:fontRef idx="minor">
-            <a:schemeClr val="tx1"/>
-          </a:fontRef>
-        </p:style>
-      </p:cxnSp>
-      <p:cxnSp>
-        <p:nvCxnSpPr>
-          <p:cNvPr id="40" name="直接箭头连接符 24"/>
-          <p:cNvCxnSpPr>
-            <a:stCxn id="18" idx="1"/>
-            <a:endCxn id="12" idx="3"/>
-          </p:cNvCxnSpPr>
-          <p:nvPr/>
-        </p:nvCxnSpPr>
-        <p:spPr>
-          <a:xfrm flipH="1" flipV="1">
-            <a:off x="5903888" y="2679435"/>
-            <a:ext cx="1395981" cy="729522"/>
-          </a:xfrm>
-          <a:prstGeom prst="straightConnector1">
-            <a:avLst/>
-          </a:prstGeom>
-          <a:solidFill>
-            <a:srgbClr val="FFC000"/>
-          </a:solidFill>
-          <a:ln w="25400">
-            <a:tailEnd type="arrow"/>
-          </a:ln>
-        </p:spPr>
-        <p:style>
-          <a:lnRef idx="1">
-            <a:schemeClr val="accent1"/>
-          </a:lnRef>
-          <a:fillRef idx="0">
-            <a:schemeClr val="accent1"/>
-          </a:fillRef>
-          <a:effectRef idx="0">
-            <a:schemeClr val="accent1"/>
-          </a:effectRef>
-          <a:fontRef idx="minor">
-            <a:schemeClr val="tx1"/>
-          </a:fontRef>
-        </p:style>
-      </p:cxnSp>
-      <p:cxnSp>
-        <p:nvCxnSpPr>
-          <p:cNvPr id="43" name="直接箭头连接符 24"/>
-          <p:cNvCxnSpPr>
-            <a:stCxn id="18" idx="0"/>
-            <a:endCxn id="20" idx="2"/>
-          </p:cNvCxnSpPr>
-          <p:nvPr/>
-        </p:nvCxnSpPr>
-        <p:spPr>
-          <a:xfrm flipV="1">
-            <a:off x="7744183" y="2262888"/>
-            <a:ext cx="0" cy="937795"/>
-          </a:xfrm>
-          <a:prstGeom prst="straightConnector1">
-            <a:avLst/>
-          </a:prstGeom>
-          <a:solidFill>
-            <a:srgbClr val="FFC000"/>
-          </a:solidFill>
-          <a:ln w="25400">
-            <a:tailEnd type="arrow"/>
-          </a:ln>
-        </p:spPr>
-        <p:style>
-          <a:lnRef idx="1">
-            <a:schemeClr val="accent1"/>
-          </a:lnRef>
-          <a:fillRef idx="0">
-            <a:schemeClr val="accent1"/>
-          </a:fillRef>
-          <a:effectRef idx="0">
-            <a:schemeClr val="accent1"/>
-          </a:effectRef>
-          <a:fontRef idx="minor">
-            <a:schemeClr val="tx1"/>
-          </a:fontRef>
-        </p:style>
-      </p:cxnSp>
-      <p:cxnSp>
-        <p:nvCxnSpPr>
-          <p:cNvPr id="61" name="直接箭头连接符 24"/>
-          <p:cNvCxnSpPr>
-            <a:stCxn id="22" idx="1"/>
-            <a:endCxn id="20" idx="3"/>
-          </p:cNvCxnSpPr>
-          <p:nvPr/>
-        </p:nvCxnSpPr>
-        <p:spPr>
-          <a:xfrm flipH="1">
-            <a:off x="8297138" y="2054615"/>
-            <a:ext cx="965130" cy="0"/>
-          </a:xfrm>
-          <a:prstGeom prst="straightConnector1">
-            <a:avLst/>
-          </a:prstGeom>
-          <a:solidFill>
-            <a:srgbClr val="FFC000"/>
-          </a:solidFill>
-          <a:ln w="25400">
+          <a:ln w="57150">
             <a:tailEnd type="arrow"/>
           </a:ln>
         </p:spPr>
@@ -10463,6 +10449,144 @@
           <a:lstStyle/>
           <a:p>
             <a:r>
+              <a:rPr lang="en-US" altLang="zh-CN" dirty="0"/>
+              <a:t>2019</a:t>
+            </a:r>
+            <a:r>
+              <a:rPr lang="zh-CN" altLang="en-US" dirty="0"/>
+              <a:t>年工作规划和个人目标</a:t>
+            </a:r>
+            <a:r>
+              <a:rPr lang="en-US" altLang="zh-CN" dirty="0">
+                <a:solidFill>
+                  <a:srgbClr val="000000"/>
+                </a:solidFill>
+                <a:ea typeface="宋体" panose="02010600030101010101" pitchFamily="2" charset="-122"/>
+              </a:rPr>
+              <a:t/>
+            </a:r>
+            <a:br>
+              <a:rPr lang="en-US" altLang="zh-CN" dirty="0">
+                <a:solidFill>
+                  <a:srgbClr val="000000"/>
+                </a:solidFill>
+                <a:ea typeface="宋体" panose="02010600030101010101" pitchFamily="2" charset="-122"/>
+              </a:rPr>
+            </a:br>
+            <a:endParaRPr lang="zh-CN" altLang="en-US" dirty="0"/>
+          </a:p>
+        </p:txBody>
+      </p:sp>
+      <p:sp>
+        <p:nvSpPr>
+          <p:cNvPr id="5" name="文本框 23"/>
+          <p:cNvSpPr txBox="1"/>
+          <p:nvPr/>
+        </p:nvSpPr>
+        <p:spPr>
+          <a:xfrm>
+            <a:off x="306705" y="530860"/>
+            <a:ext cx="5954395" cy="352425"/>
+          </a:xfrm>
+          <a:prstGeom prst="rect">
+            <a:avLst/>
+          </a:prstGeom>
+          <a:noFill/>
+        </p:spPr>
+        <p:txBody>
+          <a:bodyPr wrap="square" rtlCol="0">
+            <a:spAutoFit/>
+          </a:bodyPr>
+          <a:lstStyle/>
+          <a:p>
+            <a:r>
+              <a:rPr lang="zh-CN" altLang="en-US" b="1" dirty="0" smtClean="0">
+                <a:sym typeface="+mn-ea"/>
+              </a:rPr>
+              <a:t>个人目标</a:t>
+            </a:r>
+            <a:endParaRPr lang="zh-CN" altLang="en-US" b="1" dirty="0">
+              <a:sym typeface="+mn-ea"/>
+            </a:endParaRPr>
+          </a:p>
+        </p:txBody>
+      </p:sp>
+    </p:spTree>
+    <p:extLst>
+      <p:ext uri="{BB962C8B-B14F-4D97-AF65-F5344CB8AC3E}">
+        <p14:creationId xmlns:p14="http://schemas.microsoft.com/office/powerpoint/2010/main" val="3428071566"/>
+      </p:ext>
+    </p:extLst>
+  </p:cSld>
+  <p:clrMapOvr>
+    <a:masterClrMapping/>
+  </p:clrMapOvr>
+  <p:timing>
+    <p:tnLst>
+      <p:par>
+        <p:cTn id="1" dur="indefinite" restart="never" nodeType="tmRoot"/>
+      </p:par>
+    </p:tnLst>
+  </p:timing>
+</p:sld>
+</file>
+
+<file path=ppt/slides/slide14.xml><?xml version="1.0" encoding="utf-8"?>
+<p:sld xmlns:a="http://schemas.openxmlformats.org/drawingml/2006/main" xmlns:r="http://schemas.openxmlformats.org/officeDocument/2006/relationships" xmlns:p="http://schemas.openxmlformats.org/presentationml/2006/main">
+  <p:cSld>
+    <p:spTree>
+      <p:nvGrpSpPr>
+        <p:cNvPr id="1" name=""/>
+        <p:cNvGrpSpPr/>
+        <p:nvPr/>
+      </p:nvGrpSpPr>
+      <p:grpSpPr>
+        <a:xfrm>
+          <a:off x="0" y="0"/>
+          <a:ext cx="0" cy="0"/>
+          <a:chOff x="0" y="0"/>
+          <a:chExt cx="0" cy="0"/>
+        </a:xfrm>
+      </p:grpSpPr>
+      <p:sp>
+        <p:nvSpPr>
+          <p:cNvPr id="2" name="灯片编号占位符 1"/>
+          <p:cNvSpPr>
+            <a:spLocks noGrp="1"/>
+          </p:cNvSpPr>
+          <p:nvPr>
+            <p:ph type="sldNum" sz="quarter" idx="10"/>
+          </p:nvPr>
+        </p:nvSpPr>
+        <p:spPr/>
+        <p:txBody>
+          <a:bodyPr/>
+          <a:lstStyle/>
+          <a:p>
+            <a:fld id="{76B1E760-ECB3-4197-9FBC-1D87FC5C6A28}" type="slidenum">
+              <a:rPr kumimoji="1" lang="ja-JP" altLang="en-US" smtClean="0"/>
+              <a:t>14</a:t>
+            </a:fld>
+            <a:endParaRPr kumimoji="1" lang="ja-JP" altLang="en-US" dirty="0"/>
+          </a:p>
+        </p:txBody>
+      </p:sp>
+      <p:sp>
+        <p:nvSpPr>
+          <p:cNvPr id="3" name="标题 2"/>
+          <p:cNvSpPr>
+            <a:spLocks noGrp="1"/>
+          </p:cNvSpPr>
+          <p:nvPr>
+            <p:ph type="title"/>
+          </p:nvPr>
+        </p:nvSpPr>
+        <p:spPr/>
+        <p:txBody>
+          <a:bodyPr/>
+          <a:lstStyle/>
+          <a:p>
+            <a:r>
               <a:rPr lang="zh-CN" altLang="en-US" dirty="0" smtClean="0"/>
               <a:t>对</a:t>
             </a:r>
@@ -10549,7 +10673,7 @@
 </p:sld>
 </file>
 
-<file path=ppt/slides/slide14.xml><?xml version="1.0" encoding="utf-8"?>
+<file path=ppt/slides/slide15.xml><?xml version="1.0" encoding="utf-8"?>
 <p:sld xmlns:a="http://schemas.openxmlformats.org/drawingml/2006/main" xmlns:r="http://schemas.openxmlformats.org/officeDocument/2006/relationships" xmlns:p="http://schemas.openxmlformats.org/presentationml/2006/main">
   <p:cSld>
     <p:spTree>
@@ -10673,7 +10797,7 @@
           <a:p>
             <a:fld id="{76B1E760-ECB3-4197-9FBC-1D87FC5C6A28}" type="slidenum">
               <a:rPr kumimoji="1" lang="ja-JP" altLang="en-US" smtClean="0"/>
-              <a:t>14</a:t>
+              <a:t>15</a:t>
             </a:fld>
             <a:endParaRPr kumimoji="1" lang="ja-JP" altLang="en-US" dirty="0"/>
           </a:p>
@@ -16158,16 +16282,7 @@
                 </a:solidFill>
                 <a:ea typeface="宋体" panose="02010600030101010101" pitchFamily="2" charset="-122"/>
               </a:rPr>
-              <a:t>个项目</a:t>
-            </a:r>
-            <a:r>
-              <a:rPr lang="zh-CN" altLang="en-US" sz="1200" dirty="0" smtClean="0">
-                <a:solidFill>
-                  <a:schemeClr val="tx1"/>
-                </a:solidFill>
-                <a:ea typeface="宋体" panose="02010600030101010101" pitchFamily="2" charset="-122"/>
-              </a:rPr>
-              <a:t>中嵌入可视化，实现可视化通用功能。</a:t>
+              <a:t>个项目中嵌入可视化，实现可视化通用功能。</a:t>
             </a:r>
           </a:p>
         </p:txBody>
@@ -16222,25 +16337,7 @@
                 </a:solidFill>
                 <a:ea typeface="宋体" panose="02010600030101010101" pitchFamily="2" charset="-122"/>
               </a:rPr>
-              <a:t>根据具体需求，实现</a:t>
-            </a:r>
-            <a:r>
-              <a:rPr lang="zh-CN" altLang="en-US" sz="1200" dirty="0" smtClean="0">
-                <a:solidFill>
-                  <a:schemeClr val="tx1"/>
-                </a:solidFill>
-                <a:ea typeface="宋体" panose="02010600030101010101" pitchFamily="2" charset="-122"/>
-              </a:rPr>
-              <a:t>与业务紧密</a:t>
-            </a:r>
-            <a:r>
-              <a:rPr lang="zh-CN" altLang="en-US" sz="1200" dirty="0" smtClean="0">
-                <a:solidFill>
-                  <a:schemeClr val="tx1"/>
-                </a:solidFill>
-                <a:ea typeface="宋体" panose="02010600030101010101" pitchFamily="2" charset="-122"/>
-              </a:rPr>
-              <a:t>关联的可视化功能。</a:t>
+              <a:t>根据具体需求，实现与业务紧密关联的可视化功能。</a:t>
             </a:r>
           </a:p>
         </p:txBody>
@@ -16439,7 +16536,16 @@
                 </a:solidFill>
                 <a:ea typeface="宋体" panose="02010600030101010101" pitchFamily="2" charset="-122"/>
               </a:rPr>
-              <a:t>，优化部分已有</a:t>
+              <a:t>，优化部分已有功能</a:t>
+            </a:r>
+            <a:r>
+              <a:rPr lang="en-US" altLang="zh-CN" sz="1200" dirty="0" smtClean="0">
+                <a:solidFill>
+                  <a:schemeClr val="tx1"/>
+                </a:solidFill>
+                <a:ea typeface="宋体" panose="02010600030101010101" pitchFamily="2" charset="-122"/>
+              </a:rPr>
+              <a:t>20</a:t>
             </a:r>
             <a:r>
               <a:rPr lang="zh-CN" altLang="en-US" sz="1200" dirty="0" smtClean="0">
@@ -16448,34 +16554,7 @@
                 </a:solidFill>
                 <a:ea typeface="宋体" panose="02010600030101010101" pitchFamily="2" charset="-122"/>
               </a:rPr>
-              <a:t>功能</a:t>
-            </a:r>
-            <a:r>
-              <a:rPr lang="en-US" altLang="zh-CN" sz="1200" dirty="0" smtClean="0">
-                <a:solidFill>
-                  <a:schemeClr val="tx1"/>
-                </a:solidFill>
-                <a:ea typeface="宋体" panose="02010600030101010101" pitchFamily="2" charset="-122"/>
-              </a:rPr>
-              <a:t>20</a:t>
-            </a:r>
-            <a:r>
-              <a:rPr lang="zh-CN" altLang="en-US" sz="1200" dirty="0" smtClean="0">
-                <a:solidFill>
-                  <a:schemeClr val="tx1"/>
-                </a:solidFill>
-                <a:ea typeface="宋体" panose="02010600030101010101" pitchFamily="2" charset="-122"/>
-              </a:rPr>
-              <a:t>多处，</a:t>
-            </a:r>
-            <a:r>
-              <a:rPr lang="zh-CN" altLang="en-US" sz="1200" dirty="0" smtClean="0">
-                <a:solidFill>
-                  <a:schemeClr val="tx1"/>
-                </a:solidFill>
-                <a:ea typeface="宋体" panose="02010600030101010101" pitchFamily="2" charset="-122"/>
-              </a:rPr>
-              <a:t>例如布局切换、路径分析、平行链接以及撤销恢复操作等功能。</a:t>
+              <a:t>多处，例如布局切换、路径分析、平行链接以及撤销恢复操作等功能。</a:t>
             </a:r>
           </a:p>
         </p:txBody>
@@ -16530,7 +16609,16 @@
                 </a:solidFill>
                 <a:ea typeface="宋体" panose="02010600030101010101" pitchFamily="2" charset="-122"/>
               </a:rPr>
-              <a:t>根据功能研发计划和实际项目需要，增加了新</a:t>
+              <a:t>根据功能研发计划和实际项目需要，增加了新功能</a:t>
+            </a:r>
+            <a:r>
+              <a:rPr lang="en-US" altLang="zh-CN" sz="1200" dirty="0" smtClean="0">
+                <a:solidFill>
+                  <a:schemeClr val="tx1"/>
+                </a:solidFill>
+                <a:ea typeface="宋体" panose="02010600030101010101" pitchFamily="2" charset="-122"/>
+              </a:rPr>
+              <a:t>10</a:t>
             </a:r>
             <a:r>
               <a:rPr lang="zh-CN" altLang="en-US" sz="1200" dirty="0" smtClean="0">
@@ -16539,34 +16627,7 @@
                 </a:solidFill>
                 <a:ea typeface="宋体" panose="02010600030101010101" pitchFamily="2" charset="-122"/>
               </a:rPr>
-              <a:t>功能</a:t>
-            </a:r>
-            <a:r>
-              <a:rPr lang="en-US" altLang="zh-CN" sz="1200" dirty="0" smtClean="0">
-                <a:solidFill>
-                  <a:schemeClr val="tx1"/>
-                </a:solidFill>
-                <a:ea typeface="宋体" panose="02010600030101010101" pitchFamily="2" charset="-122"/>
-              </a:rPr>
-              <a:t>10</a:t>
-            </a:r>
-            <a:r>
-              <a:rPr lang="zh-CN" altLang="en-US" sz="1200" dirty="0" smtClean="0">
-                <a:solidFill>
-                  <a:schemeClr val="tx1"/>
-                </a:solidFill>
-                <a:ea typeface="宋体" panose="02010600030101010101" pitchFamily="2" charset="-122"/>
-              </a:rPr>
-              <a:t>多项，</a:t>
-            </a:r>
-            <a:r>
-              <a:rPr lang="zh-CN" altLang="en-US" sz="1200" dirty="0" smtClean="0">
-                <a:solidFill>
-                  <a:schemeClr val="tx1"/>
-                </a:solidFill>
-                <a:ea typeface="宋体" panose="02010600030101010101" pitchFamily="2" charset="-122"/>
-              </a:rPr>
-              <a:t>例如环形右键菜单、环形树布局、自动寻位、自定义画板等功能。</a:t>
+              <a:t>多项，例如环形右键菜单、环形树布局、自动寻位、自定义画板等功能。</a:t>
             </a:r>
           </a:p>
         </p:txBody>
@@ -21455,16 +21516,7 @@
                 </a:solidFill>
                 <a:ea typeface="宋体" panose="02010600030101010101" pitchFamily="2" charset="-122"/>
               </a:rPr>
-              <a:t>架构设计</a:t>
-            </a:r>
-            <a:r>
-              <a:rPr lang="zh-CN" altLang="en-US" sz="1400" dirty="0" smtClean="0">
-                <a:solidFill>
-                  <a:schemeClr val="tx1"/>
-                </a:solidFill>
-                <a:ea typeface="宋体" panose="02010600030101010101" pitchFamily="2" charset="-122"/>
-              </a:rPr>
-              <a:t>能力</a:t>
+              <a:t>架构设计能力</a:t>
             </a:r>
             <a:endParaRPr lang="zh-CN" altLang="en-US" sz="1400" dirty="0">
               <a:solidFill>
@@ -22189,7 +22241,7 @@
   <a:extraClrSchemeLst/>
   <a:extLst>
     <a:ext uri="{05A4C25C-085E-4340-85A3-A5531E510DB2}">
-      <thm15:themeFamily xmlns="" xmlns:thm15="http://schemas.microsoft.com/office/thememl/2012/main" name="Office Theme" id="{62F939B6-93AF-4DB8-9C6B-D6C7DFDC589F}" vid="{4A3C46E8-61CC-4603-A589-7422A47A8E4A}"/>
+      <thm15:themeFamily xmlns:thm15="http://schemas.microsoft.com/office/thememl/2012/main" xmlns="" name="Office Theme" id="{62F939B6-93AF-4DB8-9C6B-D6C7DFDC589F}" vid="{4A3C46E8-61CC-4603-A589-7422A47A8E4A}"/>
     </a:ext>
   </a:extLst>
 </a:theme>
@@ -22479,7 +22531,7 @@
   <a:extraClrSchemeLst/>
   <a:extLst>
     <a:ext uri="{05A4C25C-085E-4340-85A3-A5531E510DB2}">
-      <thm15:themeFamily xmlns="" xmlns:thm15="http://schemas.microsoft.com/office/thememl/2012/main" name="Office Theme" id="{62F939B6-93AF-4DB8-9C6B-D6C7DFDC589F}" vid="{4A3C46E8-61CC-4603-A589-7422A47A8E4A}"/>
+      <thm15:themeFamily xmlns:thm15="http://schemas.microsoft.com/office/thememl/2012/main" xmlns="" name="Office Theme" id="{62F939B6-93AF-4DB8-9C6B-D6C7DFDC589F}" vid="{4A3C46E8-61CC-4603-A589-7422A47A8E4A}"/>
     </a:ext>
   </a:extLst>
 </a:theme>
@@ -22769,7 +22821,7 @@
   <a:extraClrSchemeLst/>
   <a:extLst>
     <a:ext uri="{05A4C25C-085E-4340-85A3-A5531E510DB2}">
-      <thm15:themeFamily xmlns="" xmlns:thm15="http://schemas.microsoft.com/office/thememl/2012/main" name="Office Theme" id="{62F939B6-93AF-4DB8-9C6B-D6C7DFDC589F}" vid="{4A3C46E8-61CC-4603-A589-7422A47A8E4A}"/>
+      <thm15:themeFamily xmlns:thm15="http://schemas.microsoft.com/office/thememl/2012/main" xmlns="" name="Office Theme" id="{62F939B6-93AF-4DB8-9C6B-D6C7DFDC589F}" vid="{4A3C46E8-61CC-4603-A589-7422A47A8E4A}"/>
     </a:ext>
   </a:extLst>
 </a:theme>

--- a/相关文档/年终总结/2018年度年终总结-研发中心_山晨.pptx
+++ b/相关文档/年终总结/2018年度年终总结-研发中心_山晨.pptx
@@ -5,29 +5,28 @@
     <p:sldMasterId id="2147483648" r:id="rId1"/>
   </p:sldMasterIdLst>
   <p:notesMasterIdLst>
-    <p:notesMasterId r:id="rId17"/>
+    <p:notesMasterId r:id="rId4"/>
   </p:notesMasterIdLst>
   <p:handoutMasterIdLst>
     <p:handoutMasterId r:id="rId18"/>
   </p:handoutMasterIdLst>
   <p:sldIdLst>
-    <p:sldId id="307" r:id="rId2"/>
-    <p:sldId id="552" r:id="rId3"/>
-    <p:sldId id="716" r:id="rId4"/>
-    <p:sldId id="723" r:id="rId5"/>
-    <p:sldId id="705" r:id="rId6"/>
-    <p:sldId id="724" r:id="rId7"/>
-    <p:sldId id="725" r:id="rId8"/>
-    <p:sldId id="726" r:id="rId9"/>
-    <p:sldId id="701" r:id="rId10"/>
-    <p:sldId id="729" r:id="rId11"/>
-    <p:sldId id="727" r:id="rId12"/>
-    <p:sldId id="657" r:id="rId13"/>
-    <p:sldId id="730" r:id="rId14"/>
-    <p:sldId id="728" r:id="rId15"/>
-    <p:sldId id="280" r:id="rId16"/>
+    <p:sldId id="307" r:id="rId3"/>
+    <p:sldId id="552" r:id="rId5"/>
+    <p:sldId id="716" r:id="rId6"/>
+    <p:sldId id="723" r:id="rId7"/>
+    <p:sldId id="705" r:id="rId8"/>
+    <p:sldId id="724" r:id="rId9"/>
+    <p:sldId id="725" r:id="rId10"/>
+    <p:sldId id="726" r:id="rId11"/>
+    <p:sldId id="729" r:id="rId12"/>
+    <p:sldId id="727" r:id="rId13"/>
+    <p:sldId id="657" r:id="rId14"/>
+    <p:sldId id="730" r:id="rId15"/>
+    <p:sldId id="728" r:id="rId16"/>
+    <p:sldId id="280" r:id="rId17"/>
   </p:sldIdLst>
-  <p:sldSz cx="12204700" cy="6859588"/>
+  <p:sldSz cx="12204700" cy="6859270"/>
   <p:notesSz cx="6858000" cy="9144000"/>
   <p:defaultTextStyle>
     <a:defPPr>
@@ -164,6 +163,7 @@
               <a:rPr lang="zh-CN" altLang="en-US"/>
               <a:t>个人能力状况</a:t>
             </a:r>
+            <a:endParaRPr lang="zh-CN" altLang="en-US"/>
           </a:p>
         </c:rich>
       </c:tx>
@@ -198,10 +198,11 @@
             </c:strRef>
           </c:tx>
           <c:spPr>
-            <a:ln w="28575" cap="rnd">
+            <a:ln w="28575" cap="rnd" cmpd="sng" algn="ctr">
               <a:solidFill>
                 <a:schemeClr val="accent1"/>
               </a:solidFill>
+              <a:prstDash val="solid"/>
               <a:round/>
             </a:ln>
             <a:effectLst/>
@@ -215,7 +216,7 @@
               <c:layout>
                 <c:manualLayout>
                   <c:x val="0"/>
-                  <c:y val="5.501432664756447E-2"/>
+                  <c:y val="0.0550143266475645"/>
                 </c:manualLayout>
               </c:layout>
               <c:showLegendKey val="0"/>
@@ -224,13 +225,18 @@
               <c:showSerName val="0"/>
               <c:showPercent val="0"/>
               <c:showBubbleSize val="0"/>
+              <c:extLst>
+                <c:ext xmlns:c15="http://schemas.microsoft.com/office/drawing/2012/chart" uri="{CE6537A1-D6FC-4f65-9D91-7224C49458BB}">
+                  <c15:layout/>
+                </c:ext>
+              </c:extLst>
             </c:dLbl>
             <c:dLbl>
               <c:idx val="1"/>
               <c:layout>
                 <c:manualLayout>
-                  <c:x val="-2.2416812609457094E-2"/>
-                  <c:y val="1.8338108882521489E-2"/>
+                  <c:x val="-0.0224168126094571"/>
+                  <c:y val="0.0183381088825215"/>
                 </c:manualLayout>
               </c:layout>
               <c:showLegendKey val="0"/>
@@ -239,13 +245,18 @@
               <c:showSerName val="0"/>
               <c:showPercent val="0"/>
               <c:showBubbleSize val="0"/>
+              <c:extLst>
+                <c:ext xmlns:c15="http://schemas.microsoft.com/office/drawing/2012/chart" uri="{CE6537A1-D6FC-4f65-9D91-7224C49458BB}">
+                  <c15:layout/>
+                </c:ext>
+              </c:extLst>
             </c:dLbl>
             <c:dLbl>
               <c:idx val="2"/>
               <c:layout>
                 <c:manualLayout>
-                  <c:x val="-2.3817863397548163E-2"/>
-                  <c:y val="-3.2091690544412604E-2"/>
+                  <c:x val="-0.0238178633975482"/>
+                  <c:y val="-0.0320916905444126"/>
                 </c:manualLayout>
               </c:layout>
               <c:showLegendKey val="0"/>
@@ -254,13 +265,18 @@
               <c:showSerName val="0"/>
               <c:showPercent val="0"/>
               <c:showBubbleSize val="0"/>
+              <c:extLst>
+                <c:ext xmlns:c15="http://schemas.microsoft.com/office/drawing/2012/chart" uri="{CE6537A1-D6FC-4f65-9D91-7224C49458BB}">
+                  <c15:layout/>
+                </c:ext>
+              </c:extLst>
             </c:dLbl>
             <c:dLbl>
               <c:idx val="3"/>
               <c:layout>
                 <c:manualLayout>
                   <c:x val="0"/>
-                  <c:y val="-5.7306590257879743E-2"/>
+                  <c:y val="-0.0573065902578797"/>
                 </c:manualLayout>
               </c:layout>
               <c:showLegendKey val="0"/>
@@ -269,13 +285,18 @@
               <c:showSerName val="0"/>
               <c:showPercent val="0"/>
               <c:showBubbleSize val="0"/>
+              <c:extLst>
+                <c:ext xmlns:c15="http://schemas.microsoft.com/office/drawing/2012/chart" uri="{CE6537A1-D6FC-4f65-9D91-7224C49458BB}">
+                  <c15:layout/>
+                </c:ext>
+              </c:extLst>
             </c:dLbl>
             <c:dLbl>
               <c:idx val="4"/>
               <c:layout>
                 <c:manualLayout>
-                  <c:x val="2.6619964973730349E-2"/>
-                  <c:y val="-2.0630372492836762E-2"/>
+                  <c:x val="0.0266199649737303"/>
+                  <c:y val="-0.0206303724928368"/>
                 </c:manualLayout>
               </c:layout>
               <c:showLegendKey val="0"/>
@@ -284,13 +305,18 @@
               <c:showSerName val="0"/>
               <c:showPercent val="0"/>
               <c:showBubbleSize val="0"/>
+              <c:extLst>
+                <c:ext xmlns:c15="http://schemas.microsoft.com/office/drawing/2012/chart" uri="{CE6537A1-D6FC-4f65-9D91-7224C49458BB}">
+                  <c15:layout/>
+                </c:ext>
+              </c:extLst>
             </c:dLbl>
             <c:dLbl>
               <c:idx val="5"/>
               <c:layout>
                 <c:manualLayout>
-                  <c:x val="2.6619964973730349E-2"/>
-                  <c:y val="2.5214899713467048E-2"/>
+                  <c:x val="0.0266199649737303"/>
+                  <c:y val="0.025214899713467"/>
                 </c:manualLayout>
               </c:layout>
               <c:showLegendKey val="0"/>
@@ -299,7 +325,35 @@
               <c:showSerName val="0"/>
               <c:showPercent val="0"/>
               <c:showBubbleSize val="0"/>
+              <c:extLst>
+                <c:ext xmlns:c15="http://schemas.microsoft.com/office/drawing/2012/chart" uri="{CE6537A1-D6FC-4f65-9D91-7224C49458BB}">
+                  <c15:layout/>
+                </c:ext>
+              </c:extLst>
             </c:dLbl>
+            <c:spPr>
+              <a:noFill/>
+              <a:ln>
+                <a:noFill/>
+              </a:ln>
+              <a:effectLst/>
+            </c:spPr>
+            <c:txPr>
+              <a:bodyPr rot="0" spcFirstLastPara="0" vertOverflow="ellipsis" vert="horz" wrap="square" lIns="38100" tIns="19050" rIns="38100" bIns="19050" anchor="ctr" anchorCtr="1"/>
+              <a:lstStyle/>
+              <a:p>
+                <a:pPr>
+                  <a:defRPr lang="zh-CN" sz="1000" b="0" i="0" u="none" strike="noStrike" kern="1200" baseline="0">
+                    <a:solidFill>
+                      <a:schemeClr val="tx1"/>
+                    </a:solidFill>
+                    <a:latin typeface="+mn-lt"/>
+                    <a:ea typeface="+mn-ea"/>
+                    <a:cs typeface="+mn-cs"/>
+                  </a:defRPr>
+                </a:pPr>
+              </a:p>
+            </c:txPr>
             <c:showLegendKey val="0"/>
             <c:showVal val="1"/>
             <c:showCatName val="0"/>
@@ -307,6 +361,13 @@
             <c:showPercent val="0"/>
             <c:showBubbleSize val="0"/>
             <c:showLeaderLines val="0"/>
+            <c:extLst>
+              <c:ext xmlns:c15="http://schemas.microsoft.com/office/drawing/2012/chart" uri="{CE6537A1-D6FC-4f65-9D91-7224C49458BB}">
+                <c15:layout/>
+                <c15:showLeaderLines val="0"/>
+                <c15:leaderLines/>
+              </c:ext>
+            </c:extLst>
           </c:dLbls>
           <c:cat>
             <c:strRef>
@@ -377,10 +438,11 @@
             </c:strRef>
           </c:tx>
           <c:spPr>
-            <a:ln w="28575" cap="rnd">
+            <a:ln w="28575" cap="rnd" cmpd="sng" algn="ctr">
               <a:solidFill>
                 <a:schemeClr val="accent2"/>
               </a:solidFill>
+              <a:prstDash val="solid"/>
               <a:round/>
             </a:ln>
             <a:effectLst/>
@@ -394,7 +456,7 @@
               <c:layout>
                 <c:manualLayout>
                   <c:x val="0"/>
-                  <c:y val="5.501432664756447E-2"/>
+                  <c:y val="0.0550143266475645"/>
                 </c:manualLayout>
               </c:layout>
               <c:showLegendKey val="0"/>
@@ -403,13 +465,18 @@
               <c:showSerName val="0"/>
               <c:showPercent val="0"/>
               <c:showBubbleSize val="0"/>
+              <c:extLst>
+                <c:ext xmlns:c15="http://schemas.microsoft.com/office/drawing/2012/chart" uri="{CE6537A1-D6FC-4f65-9D91-7224C49458BB}">
+                  <c15:layout/>
+                </c:ext>
+              </c:extLst>
             </c:dLbl>
             <c:dLbl>
               <c:idx val="1"/>
               <c:layout>
                 <c:manualLayout>
-                  <c:x val="-2.6619964973730297E-2"/>
-                  <c:y val="3.2091690544412604E-2"/>
+                  <c:x val="-0.0266199649737303"/>
+                  <c:y val="0.0320916905444126"/>
                 </c:manualLayout>
               </c:layout>
               <c:showLegendKey val="0"/>
@@ -418,13 +485,18 @@
               <c:showSerName val="0"/>
               <c:showPercent val="0"/>
               <c:showBubbleSize val="0"/>
+              <c:extLst>
+                <c:ext xmlns:c15="http://schemas.microsoft.com/office/drawing/2012/chart" uri="{CE6537A1-D6FC-4f65-9D91-7224C49458BB}">
+                  <c15:layout/>
+                </c:ext>
+              </c:extLst>
             </c:dLbl>
             <c:dLbl>
               <c:idx val="2"/>
               <c:layout>
                 <c:manualLayout>
-                  <c:x val="-2.6619964973730297E-2"/>
-                  <c:y val="-2.7507163323782235E-2"/>
+                  <c:x val="-0.0266199649737303"/>
+                  <c:y val="-0.0275071633237822"/>
                 </c:manualLayout>
               </c:layout>
               <c:showLegendKey val="0"/>
@@ -433,13 +505,18 @@
               <c:showSerName val="0"/>
               <c:showPercent val="0"/>
               <c:showBubbleSize val="0"/>
+              <c:extLst>
+                <c:ext xmlns:c15="http://schemas.microsoft.com/office/drawing/2012/chart" uri="{CE6537A1-D6FC-4f65-9D91-7224C49458BB}">
+                  <c15:layout/>
+                </c:ext>
+              </c:extLst>
             </c:dLbl>
             <c:dLbl>
               <c:idx val="3"/>
               <c:layout>
                 <c:manualLayout>
                   <c:x val="0"/>
-                  <c:y val="-5.501432664756447E-2"/>
+                  <c:y val="-0.0550143266475645"/>
                 </c:manualLayout>
               </c:layout>
               <c:showLegendKey val="0"/>
@@ -448,13 +525,18 @@
               <c:showSerName val="0"/>
               <c:showPercent val="0"/>
               <c:showBubbleSize val="0"/>
+              <c:extLst>
+                <c:ext xmlns:c15="http://schemas.microsoft.com/office/drawing/2012/chart" uri="{CE6537A1-D6FC-4f65-9D91-7224C49458BB}">
+                  <c15:layout/>
+                </c:ext>
+              </c:extLst>
             </c:dLbl>
             <c:dLbl>
               <c:idx val="4"/>
               <c:layout>
                 <c:manualLayout>
-                  <c:x val="2.6619964973730245E-2"/>
-                  <c:y val="-2.7507163323782318E-2"/>
+                  <c:x val="0.0266199649737302"/>
+                  <c:y val="-0.0275071633237823"/>
                 </c:manualLayout>
               </c:layout>
               <c:showLegendKey val="0"/>
@@ -463,13 +545,18 @@
               <c:showSerName val="0"/>
               <c:showPercent val="0"/>
               <c:showBubbleSize val="0"/>
+              <c:extLst>
+                <c:ext xmlns:c15="http://schemas.microsoft.com/office/drawing/2012/chart" uri="{CE6537A1-D6FC-4f65-9D91-7224C49458BB}">
+                  <c15:layout/>
+                </c:ext>
+              </c:extLst>
             </c:dLbl>
             <c:dLbl>
               <c:idx val="5"/>
               <c:layout>
                 <c:manualLayout>
-                  <c:x val="2.3817863397548163E-2"/>
-                  <c:y val="2.5214899713467048E-2"/>
+                  <c:x val="0.0238178633975482"/>
+                  <c:y val="0.025214899713467"/>
                 </c:manualLayout>
               </c:layout>
               <c:showLegendKey val="0"/>
@@ -478,7 +565,35 @@
               <c:showSerName val="0"/>
               <c:showPercent val="0"/>
               <c:showBubbleSize val="0"/>
+              <c:extLst>
+                <c:ext xmlns:c15="http://schemas.microsoft.com/office/drawing/2012/chart" uri="{CE6537A1-D6FC-4f65-9D91-7224C49458BB}">
+                  <c15:layout/>
+                </c:ext>
+              </c:extLst>
             </c:dLbl>
+            <c:spPr>
+              <a:noFill/>
+              <a:ln>
+                <a:noFill/>
+              </a:ln>
+              <a:effectLst/>
+            </c:spPr>
+            <c:txPr>
+              <a:bodyPr rot="0" spcFirstLastPara="0" vertOverflow="ellipsis" vert="horz" wrap="square" lIns="38100" tIns="19050" rIns="38100" bIns="19050" anchor="ctr" anchorCtr="1"/>
+              <a:lstStyle/>
+              <a:p>
+                <a:pPr>
+                  <a:defRPr lang="zh-CN" sz="1000" b="0" i="0" u="none" strike="noStrike" kern="1200" baseline="0">
+                    <a:solidFill>
+                      <a:schemeClr val="tx1"/>
+                    </a:solidFill>
+                    <a:latin typeface="+mn-lt"/>
+                    <a:ea typeface="+mn-ea"/>
+                    <a:cs typeface="+mn-cs"/>
+                  </a:defRPr>
+                </a:pPr>
+              </a:p>
+            </c:txPr>
             <c:showLegendKey val="0"/>
             <c:showVal val="1"/>
             <c:showCatName val="0"/>
@@ -486,6 +601,13 @@
             <c:showPercent val="0"/>
             <c:showBubbleSize val="0"/>
             <c:showLeaderLines val="0"/>
+            <c:extLst>
+              <c:ext xmlns:c15="http://schemas.microsoft.com/office/drawing/2012/chart" uri="{CE6537A1-D6FC-4f65-9D91-7224C49458BB}">
+                <c15:layout/>
+                <c15:showLeaderLines val="0"/>
+                <c15:leaderLines/>
+              </c:ext>
+            </c:extLst>
           </c:dLbls>
           <c:cat>
             <c:strRef>
@@ -564,18 +686,26 @@
         <c:minorTickMark val="none"/>
         <c:tickLblPos val="nextTo"/>
         <c:spPr>
-          <a:ln w="6350">
+          <a:ln w="6350" cap="flat" cmpd="sng" algn="ctr">
             <a:noFill/>
+            <a:prstDash val="solid"/>
+            <a:round/>
           </a:ln>
         </c:spPr>
         <c:txPr>
-          <a:bodyPr rot="-60000000" vert="horz"/>
+          <a:bodyPr rot="-60000000" spcFirstLastPara="0" vertOverflow="ellipsis" vert="horz" wrap="square" anchor="ctr" anchorCtr="1"/>
           <a:lstStyle/>
           <a:p>
             <a:pPr>
-              <a:defRPr sz="1100" b="1" baseline="0"/>
+              <a:defRPr lang="zh-CN" sz="1100" b="1" i="0" u="none" strike="noStrike" kern="1200" baseline="0">
+                <a:solidFill>
+                  <a:schemeClr val="tx1"/>
+                </a:solidFill>
+                <a:latin typeface="+mn-lt"/>
+                <a:ea typeface="+mn-ea"/>
+                <a:cs typeface="+mn-cs"/>
+              </a:defRPr>
             </a:pPr>
-            <a:endParaRPr lang="zh-CN"/>
           </a:p>
         </c:txPr>
         <c:crossAx val="167356288"/>
@@ -602,6 +732,7 @@
                   <a:lumMod val="75000"/>
                 </a:schemeClr>
               </a:solidFill>
+              <a:prstDash val="solid"/>
               <a:round/>
             </a:ln>
             <a:effectLst/>
@@ -611,6 +742,22 @@
         <c:majorTickMark val="none"/>
         <c:minorTickMark val="none"/>
         <c:tickLblPos val="nextTo"/>
+        <c:txPr>
+          <a:bodyPr rot="-60000000" spcFirstLastPara="0" vertOverflow="ellipsis" vert="horz" wrap="square" anchor="ctr" anchorCtr="1"/>
+          <a:lstStyle/>
+          <a:p>
+            <a:pPr>
+              <a:defRPr lang="zh-CN" sz="1000" b="0" i="0" u="none" strike="noStrike" kern="1200" baseline="0">
+                <a:solidFill>
+                  <a:schemeClr val="tx1"/>
+                </a:solidFill>
+                <a:latin typeface="+mn-lt"/>
+                <a:ea typeface="+mn-ea"/>
+                <a:cs typeface="+mn-cs"/>
+              </a:defRPr>
+            </a:pPr>
+          </a:p>
+        </c:txPr>
         <c:crossAx val="167354752"/>
         <c:crosses val="autoZero"/>
         <c:crossBetween val="between"/>
@@ -651,7 +798,6 @@
               <a:cs typeface="+mn-cs"/>
             </a:defRPr>
           </a:pPr>
-          <a:endParaRPr lang="zh-CN"/>
         </a:p>
       </c:txPr>
     </c:legend>
@@ -673,558 +819,12 @@
       <a:pPr>
         <a:defRPr lang="zh-CN"/>
       </a:pPr>
-      <a:endParaRPr lang="zh-CN"/>
     </a:p>
   </c:txPr>
   <c:externalData r:id="rId1">
     <c:autoUpdate val="0"/>
   </c:externalData>
 </c:chartSpace>
-</file>
-
-<file path=ppt/charts/colors1.xml><?xml version="1.0" encoding="utf-8"?>
-<cs:colorStyle xmlns:cs="http://schemas.microsoft.com/office/drawing/2012/chartStyle" xmlns:a="http://schemas.openxmlformats.org/drawingml/2006/main" meth="cycle" id="10">
-  <a:schemeClr val="accent1"/>
-  <a:schemeClr val="accent2"/>
-  <a:schemeClr val="accent3"/>
-  <a:schemeClr val="accent4"/>
-  <a:schemeClr val="accent5"/>
-  <a:schemeClr val="accent6"/>
-  <cs:variation/>
-  <cs:variation>
-    <a:lumMod val="60000"/>
-  </cs:variation>
-  <cs:variation>
-    <a:lumMod val="80000"/>
-    <a:lumOff val="20000"/>
-  </cs:variation>
-  <cs:variation>
-    <a:lumMod val="80000"/>
-  </cs:variation>
-  <cs:variation>
-    <a:lumMod val="60000"/>
-    <a:lumOff val="40000"/>
-  </cs:variation>
-  <cs:variation>
-    <a:lumMod val="50000"/>
-  </cs:variation>
-  <cs:variation>
-    <a:lumMod val="70000"/>
-    <a:lumOff val="30000"/>
-  </cs:variation>
-  <cs:variation>
-    <a:lumMod val="70000"/>
-  </cs:variation>
-  <cs:variation>
-    <a:lumMod val="50000"/>
-    <a:lumOff val="50000"/>
-  </cs:variation>
-</cs:colorStyle>
-</file>
-
-<file path=ppt/charts/style1.xml><?xml version="1.0" encoding="utf-8"?>
-<cs:chartStyle xmlns:cs="http://schemas.microsoft.com/office/drawing/2012/chartStyle" xmlns:a="http://schemas.openxmlformats.org/drawingml/2006/main" id="317">
-  <cs:axisTitle>
-    <cs:lnRef idx="0"/>
-    <cs:fillRef idx="0"/>
-    <cs:effectRef idx="0"/>
-    <cs:fontRef idx="minor">
-      <a:schemeClr val="tx1">
-        <a:lumMod val="65000"/>
-        <a:lumOff val="35000"/>
-      </a:schemeClr>
-    </cs:fontRef>
-    <cs:defRPr sz="1000" kern="1200"/>
-  </cs:axisTitle>
-  <cs:categoryAxis>
-    <cs:lnRef idx="0"/>
-    <cs:fillRef idx="0"/>
-    <cs:effectRef idx="0"/>
-    <cs:fontRef idx="minor">
-      <a:schemeClr val="tx1">
-        <a:lumMod val="65000"/>
-        <a:lumOff val="35000"/>
-      </a:schemeClr>
-    </cs:fontRef>
-    <cs:spPr>
-      <a:ln w="9525" cap="flat" cmpd="sng" algn="ctr">
-        <a:solidFill>
-          <a:schemeClr val="tx1">
-            <a:lumMod val="15000"/>
-            <a:lumOff val="85000"/>
-          </a:schemeClr>
-        </a:solidFill>
-        <a:round/>
-      </a:ln>
-    </cs:spPr>
-    <cs:defRPr sz="900" kern="1200"/>
-  </cs:categoryAxis>
-  <cs:chartArea mods="allowNoFillOverride allowNoLineOverride">
-    <cs:lnRef idx="0"/>
-    <cs:fillRef idx="0"/>
-    <cs:effectRef idx="0"/>
-    <cs:fontRef idx="minor">
-      <a:schemeClr val="tx1"/>
-    </cs:fontRef>
-    <cs:spPr>
-      <a:solidFill>
-        <a:schemeClr val="bg1"/>
-      </a:solidFill>
-      <a:ln w="9525" cap="flat" cmpd="sng" algn="ctr">
-        <a:solidFill>
-          <a:schemeClr val="tx1">
-            <a:lumMod val="15000"/>
-            <a:lumOff val="85000"/>
-          </a:schemeClr>
-        </a:solidFill>
-        <a:round/>
-      </a:ln>
-    </cs:spPr>
-    <cs:defRPr sz="1000" kern="1200"/>
-  </cs:chartArea>
-  <cs:dataLabel>
-    <cs:lnRef idx="0"/>
-    <cs:fillRef idx="0"/>
-    <cs:effectRef idx="0"/>
-    <cs:fontRef idx="minor">
-      <a:schemeClr val="tx1">
-        <a:lumMod val="75000"/>
-        <a:lumOff val="25000"/>
-      </a:schemeClr>
-    </cs:fontRef>
-    <cs:defRPr sz="900" kern="1200"/>
-  </cs:dataLabel>
-  <cs:dataLabelCallout>
-    <cs:lnRef idx="0"/>
-    <cs:fillRef idx="0"/>
-    <cs:effectRef idx="0"/>
-    <cs:fontRef idx="minor">
-      <a:schemeClr val="dk1">
-        <a:lumMod val="65000"/>
-        <a:lumOff val="35000"/>
-      </a:schemeClr>
-    </cs:fontRef>
-    <cs:spPr>
-      <a:solidFill>
-        <a:schemeClr val="lt1"/>
-      </a:solidFill>
-      <a:ln>
-        <a:solidFill>
-          <a:schemeClr val="dk1">
-            <a:lumMod val="25000"/>
-            <a:lumOff val="75000"/>
-          </a:schemeClr>
-        </a:solidFill>
-      </a:ln>
-    </cs:spPr>
-    <cs:defRPr sz="900" kern="1200"/>
-    <cs:bodyPr rot="0" spcFirstLastPara="1" vertOverflow="clip" horzOverflow="clip" vert="horz" wrap="square" lIns="36576" tIns="18288" rIns="36576" bIns="18288" anchor="ctr" anchorCtr="1">
-      <a:spAutoFit/>
-    </cs:bodyPr>
-  </cs:dataLabelCallout>
-  <cs:dataPoint>
-    <cs:lnRef idx="0"/>
-    <cs:fillRef idx="1">
-      <cs:styleClr val="auto"/>
-    </cs:fillRef>
-    <cs:effectRef idx="0"/>
-    <cs:fontRef idx="minor">
-      <a:schemeClr val="tx1"/>
-    </cs:fontRef>
-  </cs:dataPoint>
-  <cs:dataPoint3D>
-    <cs:lnRef idx="0"/>
-    <cs:fillRef idx="1">
-      <cs:styleClr val="auto"/>
-    </cs:fillRef>
-    <cs:effectRef idx="0"/>
-    <cs:fontRef idx="minor">
-      <a:schemeClr val="tx1"/>
-    </cs:fontRef>
-  </cs:dataPoint3D>
-  <cs:dataPointLine>
-    <cs:lnRef idx="0">
-      <cs:styleClr val="auto"/>
-    </cs:lnRef>
-    <cs:fillRef idx="1"/>
-    <cs:effectRef idx="0"/>
-    <cs:fontRef idx="minor">
-      <a:schemeClr val="tx1"/>
-    </cs:fontRef>
-    <cs:spPr>
-      <a:ln w="28575" cap="rnd">
-        <a:solidFill>
-          <a:schemeClr val="phClr"/>
-        </a:solidFill>
-        <a:round/>
-      </a:ln>
-    </cs:spPr>
-  </cs:dataPointLine>
-  <cs:dataPointMarker>
-    <cs:lnRef idx="0">
-      <cs:styleClr val="auto"/>
-    </cs:lnRef>
-    <cs:fillRef idx="1">
-      <cs:styleClr val="auto"/>
-    </cs:fillRef>
-    <cs:effectRef idx="0"/>
-    <cs:fontRef idx="minor">
-      <a:schemeClr val="tx1"/>
-    </cs:fontRef>
-    <cs:spPr>
-      <a:ln w="9525">
-        <a:solidFill>
-          <a:schemeClr val="phClr"/>
-        </a:solidFill>
-      </a:ln>
-    </cs:spPr>
-  </cs:dataPointMarker>
-  <cs:dataPointMarkerLayout symbol="circle" size="5"/>
-  <cs:dataPointWireframe>
-    <cs:lnRef idx="0">
-      <cs:styleClr val="auto"/>
-    </cs:lnRef>
-    <cs:fillRef idx="1"/>
-    <cs:effectRef idx="0"/>
-    <cs:fontRef idx="minor">
-      <a:schemeClr val="tx1"/>
-    </cs:fontRef>
-    <cs:spPr>
-      <a:ln w="9525" cap="rnd">
-        <a:solidFill>
-          <a:schemeClr val="phClr"/>
-        </a:solidFill>
-        <a:round/>
-      </a:ln>
-    </cs:spPr>
-  </cs:dataPointWireframe>
-  <cs:dataTable>
-    <cs:lnRef idx="0"/>
-    <cs:fillRef idx="0"/>
-    <cs:effectRef idx="0"/>
-    <cs:fontRef idx="minor">
-      <a:schemeClr val="tx1">
-        <a:lumMod val="65000"/>
-        <a:lumOff val="35000"/>
-      </a:schemeClr>
-    </cs:fontRef>
-    <cs:spPr>
-      <a:noFill/>
-      <a:ln w="9525" cap="flat" cmpd="sng" algn="ctr">
-        <a:solidFill>
-          <a:schemeClr val="tx1">
-            <a:lumMod val="15000"/>
-            <a:lumOff val="85000"/>
-          </a:schemeClr>
-        </a:solidFill>
-        <a:round/>
-      </a:ln>
-    </cs:spPr>
-    <cs:defRPr sz="900" kern="1200"/>
-  </cs:dataTable>
-  <cs:downBar>
-    <cs:lnRef idx="0"/>
-    <cs:fillRef idx="0"/>
-    <cs:effectRef idx="0"/>
-    <cs:fontRef idx="minor">
-      <a:schemeClr val="tx1"/>
-    </cs:fontRef>
-    <cs:spPr>
-      <a:solidFill>
-        <a:schemeClr val="dk1">
-          <a:lumMod val="75000"/>
-          <a:lumOff val="25000"/>
-        </a:schemeClr>
-      </a:solidFill>
-      <a:ln w="9525" cap="flat" cmpd="sng" algn="ctr">
-        <a:solidFill>
-          <a:schemeClr val="tx1">
-            <a:lumMod val="65000"/>
-            <a:lumOff val="35000"/>
-          </a:schemeClr>
-        </a:solidFill>
-        <a:round/>
-      </a:ln>
-    </cs:spPr>
-  </cs:downBar>
-  <cs:dropLine>
-    <cs:lnRef idx="0"/>
-    <cs:fillRef idx="0"/>
-    <cs:effectRef idx="0"/>
-    <cs:fontRef idx="minor">
-      <a:schemeClr val="tx1"/>
-    </cs:fontRef>
-    <cs:spPr>
-      <a:ln w="9525" cap="flat" cmpd="sng" algn="ctr">
-        <a:solidFill>
-          <a:schemeClr val="tx1">
-            <a:lumMod val="35000"/>
-            <a:lumOff val="65000"/>
-          </a:schemeClr>
-        </a:solidFill>
-        <a:round/>
-      </a:ln>
-    </cs:spPr>
-  </cs:dropLine>
-  <cs:errorBar>
-    <cs:lnRef idx="0"/>
-    <cs:fillRef idx="0"/>
-    <cs:effectRef idx="0"/>
-    <cs:fontRef idx="minor">
-      <a:schemeClr val="tx1"/>
-    </cs:fontRef>
-    <cs:spPr>
-      <a:ln w="9525" cap="flat" cmpd="sng" algn="ctr">
-        <a:solidFill>
-          <a:schemeClr val="tx1">
-            <a:lumMod val="65000"/>
-            <a:lumOff val="35000"/>
-          </a:schemeClr>
-        </a:solidFill>
-        <a:round/>
-      </a:ln>
-    </cs:spPr>
-  </cs:errorBar>
-  <cs:floor>
-    <cs:lnRef idx="0"/>
-    <cs:fillRef idx="0"/>
-    <cs:effectRef idx="0"/>
-    <cs:fontRef idx="minor">
-      <a:schemeClr val="tx1"/>
-    </cs:fontRef>
-    <cs:spPr>
-      <a:noFill/>
-      <a:ln>
-        <a:noFill/>
-      </a:ln>
-    </cs:spPr>
-  </cs:floor>
-  <cs:gridlineMajor>
-    <cs:lnRef idx="0"/>
-    <cs:fillRef idx="0"/>
-    <cs:effectRef idx="0"/>
-    <cs:fontRef idx="minor">
-      <a:schemeClr val="tx1"/>
-    </cs:fontRef>
-    <cs:spPr>
-      <a:ln w="9525" cap="flat" cmpd="sng" algn="ctr">
-        <a:solidFill>
-          <a:schemeClr val="tx1">
-            <a:lumMod val="15000"/>
-            <a:lumOff val="85000"/>
-          </a:schemeClr>
-        </a:solidFill>
-        <a:round/>
-      </a:ln>
-    </cs:spPr>
-  </cs:gridlineMajor>
-  <cs:gridlineMinor>
-    <cs:lnRef idx="0"/>
-    <cs:fillRef idx="0"/>
-    <cs:effectRef idx="0"/>
-    <cs:fontRef idx="minor">
-      <a:schemeClr val="tx1"/>
-    </cs:fontRef>
-    <cs:spPr>
-      <a:ln w="9525" cap="flat" cmpd="sng" algn="ctr">
-        <a:solidFill>
-          <a:schemeClr val="tx1">
-            <a:lumMod val="5000"/>
-            <a:lumOff val="95000"/>
-          </a:schemeClr>
-        </a:solidFill>
-        <a:round/>
-      </a:ln>
-    </cs:spPr>
-  </cs:gridlineMinor>
-  <cs:hiLoLine>
-    <cs:lnRef idx="0"/>
-    <cs:fillRef idx="0"/>
-    <cs:effectRef idx="0"/>
-    <cs:fontRef idx="minor">
-      <a:schemeClr val="tx1"/>
-    </cs:fontRef>
-    <cs:spPr>
-      <a:ln w="9525" cap="flat" cmpd="sng" algn="ctr">
-        <a:solidFill>
-          <a:schemeClr val="tx1">
-            <a:lumMod val="50000"/>
-            <a:lumOff val="50000"/>
-          </a:schemeClr>
-        </a:solidFill>
-        <a:round/>
-      </a:ln>
-    </cs:spPr>
-  </cs:hiLoLine>
-  <cs:leaderLine>
-    <cs:lnRef idx="0"/>
-    <cs:fillRef idx="0"/>
-    <cs:effectRef idx="0"/>
-    <cs:fontRef idx="minor">
-      <a:schemeClr val="tx1"/>
-    </cs:fontRef>
-    <cs:spPr>
-      <a:ln w="9525" cap="flat" cmpd="sng" algn="ctr">
-        <a:solidFill>
-          <a:schemeClr val="tx1">
-            <a:lumMod val="35000"/>
-            <a:lumOff val="65000"/>
-          </a:schemeClr>
-        </a:solidFill>
-        <a:round/>
-      </a:ln>
-    </cs:spPr>
-  </cs:leaderLine>
-  <cs:legend>
-    <cs:lnRef idx="0"/>
-    <cs:fillRef idx="0"/>
-    <cs:effectRef idx="0"/>
-    <cs:fontRef idx="minor">
-      <a:schemeClr val="tx1">
-        <a:lumMod val="65000"/>
-        <a:lumOff val="35000"/>
-      </a:schemeClr>
-    </cs:fontRef>
-    <cs:defRPr sz="900" kern="1200"/>
-  </cs:legend>
-  <cs:plotArea mods="allowNoFillOverride allowNoLineOverride">
-    <cs:lnRef idx="0"/>
-    <cs:fillRef idx="0"/>
-    <cs:effectRef idx="0"/>
-    <cs:fontRef idx="minor">
-      <a:schemeClr val="tx1"/>
-    </cs:fontRef>
-  </cs:plotArea>
-  <cs:plotArea3D mods="allowNoFillOverride allowNoLineOverride">
-    <cs:lnRef idx="0"/>
-    <cs:fillRef idx="0"/>
-    <cs:effectRef idx="0"/>
-    <cs:fontRef idx="minor">
-      <a:schemeClr val="tx1"/>
-    </cs:fontRef>
-  </cs:plotArea3D>
-  <cs:seriesAxis>
-    <cs:lnRef idx="0"/>
-    <cs:fillRef idx="0"/>
-    <cs:effectRef idx="0"/>
-    <cs:fontRef idx="minor">
-      <a:schemeClr val="tx1">
-        <a:lumMod val="65000"/>
-        <a:lumOff val="35000"/>
-      </a:schemeClr>
-    </cs:fontRef>
-    <cs:defRPr sz="900" kern="1200"/>
-  </cs:seriesAxis>
-  <cs:seriesLine>
-    <cs:lnRef idx="0"/>
-    <cs:fillRef idx="0"/>
-    <cs:effectRef idx="0"/>
-    <cs:fontRef idx="minor">
-      <a:schemeClr val="tx1"/>
-    </cs:fontRef>
-    <cs:spPr>
-      <a:ln w="9525" cap="flat" cmpd="sng" algn="ctr">
-        <a:solidFill>
-          <a:schemeClr val="tx1">
-            <a:lumMod val="35000"/>
-            <a:lumOff val="65000"/>
-          </a:schemeClr>
-        </a:solidFill>
-        <a:round/>
-      </a:ln>
-    </cs:spPr>
-  </cs:seriesLine>
-  <cs:title>
-    <cs:lnRef idx="0"/>
-    <cs:fillRef idx="0"/>
-    <cs:effectRef idx="0"/>
-    <cs:fontRef idx="minor">
-      <a:schemeClr val="tx1">
-        <a:lumMod val="65000"/>
-        <a:lumOff val="35000"/>
-      </a:schemeClr>
-    </cs:fontRef>
-    <cs:defRPr sz="1400" b="0" kern="1200" spc="0" baseline="0"/>
-  </cs:title>
-  <cs:trendline>
-    <cs:lnRef idx="0">
-      <cs:styleClr val="auto"/>
-    </cs:lnRef>
-    <cs:fillRef idx="0"/>
-    <cs:effectRef idx="0"/>
-    <cs:fontRef idx="minor">
-      <a:schemeClr val="tx1"/>
-    </cs:fontRef>
-    <cs:spPr>
-      <a:ln w="19050" cap="rnd">
-        <a:solidFill>
-          <a:schemeClr val="phClr"/>
-        </a:solidFill>
-        <a:prstDash val="sysDot"/>
-      </a:ln>
-    </cs:spPr>
-  </cs:trendline>
-  <cs:trendlineLabel>
-    <cs:lnRef idx="0"/>
-    <cs:fillRef idx="0"/>
-    <cs:effectRef idx="0"/>
-    <cs:fontRef idx="minor">
-      <a:schemeClr val="tx1">
-        <a:lumMod val="65000"/>
-        <a:lumOff val="35000"/>
-      </a:schemeClr>
-    </cs:fontRef>
-    <cs:defRPr sz="900" kern="1200"/>
-  </cs:trendlineLabel>
-  <cs:upBar>
-    <cs:lnRef idx="0"/>
-    <cs:fillRef idx="0"/>
-    <cs:effectRef idx="0"/>
-    <cs:fontRef idx="minor">
-      <a:schemeClr val="tx1"/>
-    </cs:fontRef>
-    <cs:spPr>
-      <a:solidFill>
-        <a:schemeClr val="lt1"/>
-      </a:solidFill>
-      <a:ln w="9525" cap="flat" cmpd="sng" algn="ctr">
-        <a:solidFill>
-          <a:schemeClr val="tx1">
-            <a:lumMod val="65000"/>
-            <a:lumOff val="35000"/>
-          </a:schemeClr>
-        </a:solidFill>
-        <a:round/>
-      </a:ln>
-    </cs:spPr>
-  </cs:upBar>
-  <cs:valueAxis>
-    <cs:lnRef idx="0"/>
-    <cs:fillRef idx="0"/>
-    <cs:effectRef idx="0"/>
-    <cs:fontRef idx="minor">
-      <a:schemeClr val="tx1">
-        <a:lumMod val="65000"/>
-        <a:lumOff val="35000"/>
-      </a:schemeClr>
-    </cs:fontRef>
-    <cs:defRPr sz="900" kern="1200"/>
-  </cs:valueAxis>
-  <cs:wall>
-    <cs:lnRef idx="0"/>
-    <cs:fillRef idx="0"/>
-    <cs:effectRef idx="0"/>
-    <cs:fontRef idx="minor">
-      <a:schemeClr val="tx1"/>
-    </cs:fontRef>
-    <cs:spPr>
-      <a:noFill/>
-      <a:ln>
-        <a:noFill/>
-      </a:ln>
-    </cs:spPr>
-  </cs:wall>
-</cs:chartStyle>
 </file>
 
 <file path=ppt/handoutMasters/handoutMaster1.xml><?xml version="1.0" encoding="utf-8"?>
@@ -1309,7 +909,6 @@
           <a:p>
             <a:fld id="{991A2014-96CE-4721-84C9-7D513E406897}" type="datetimeFigureOut">
               <a:rPr kumimoji="1" lang="ja-JP" altLang="en-US" smtClean="0"/>
-              <a:t>2019/1/4</a:t>
             </a:fld>
             <a:endParaRPr kumimoji="1" lang="ja-JP" altLang="en-US"/>
           </a:p>
@@ -1375,18 +974,12 @@
           <a:p>
             <a:fld id="{0CE70F33-C8AA-45D1-A175-D96663199F28}" type="slidenum">
               <a:rPr kumimoji="1" lang="ja-JP" altLang="en-US" smtClean="0"/>
-              <a:t>‹#›</a:t>
             </a:fld>
             <a:endParaRPr kumimoji="1" lang="ja-JP" altLang="en-US"/>
           </a:p>
         </p:txBody>
       </p:sp>
     </p:spTree>
-    <p:extLst>
-      <p:ext uri="{BB962C8B-B14F-4D97-AF65-F5344CB8AC3E}">
-        <p14:creationId xmlns:p14="http://schemas.microsoft.com/office/powerpoint/2010/main" val="3103685698"/>
-      </p:ext>
-    </p:extLst>
   </p:cSld>
   <p:clrMap bg1="lt1" tx1="dk1" bg2="lt2" tx2="dk2" accent1="accent1" accent2="accent2" accent3="accent3" accent4="accent4" accent5="accent5" accent6="accent6" hlink="hlink" folHlink="folHlink"/>
 </p:handoutMaster>
@@ -1474,7 +1067,6 @@
           <a:p>
             <a:fld id="{DA4538BB-24BA-42B9-8147-243E70E4201C}" type="datetimeFigureOut">
               <a:rPr kumimoji="1" lang="ja-JP" altLang="en-US" smtClean="0"/>
-              <a:t>2019/1/4</a:t>
             </a:fld>
             <a:endParaRPr kumimoji="1" lang="ja-JP" altLang="en-US"/>
           </a:p>
@@ -1541,6 +1133,7 @@
               <a:rPr kumimoji="1" lang="ja-JP" altLang="en-US" smtClean="0"/>
               <a:t>マスター テキストの書式設定</a:t>
             </a:r>
+            <a:endParaRPr kumimoji="1" lang="ja-JP" altLang="en-US" smtClean="0"/>
           </a:p>
           <a:p>
             <a:pPr lvl="1"/>
@@ -1556,6 +1149,7 @@
               <a:rPr kumimoji="1" lang="ja-JP" altLang="en-US" smtClean="0"/>
               <a:t>レベル</a:t>
             </a:r>
+            <a:endParaRPr kumimoji="1" lang="ja-JP" altLang="en-US" smtClean="0"/>
           </a:p>
           <a:p>
             <a:pPr lvl="2"/>
@@ -1571,6 +1165,7 @@
               <a:rPr kumimoji="1" lang="ja-JP" altLang="en-US" smtClean="0"/>
               <a:t>レベル</a:t>
             </a:r>
+            <a:endParaRPr kumimoji="1" lang="ja-JP" altLang="en-US" smtClean="0"/>
           </a:p>
           <a:p>
             <a:pPr lvl="3"/>
@@ -1586,6 +1181,7 @@
               <a:rPr kumimoji="1" lang="ja-JP" altLang="en-US" smtClean="0"/>
               <a:t>レベル</a:t>
             </a:r>
+            <a:endParaRPr kumimoji="1" lang="ja-JP" altLang="en-US" smtClean="0"/>
           </a:p>
           <a:p>
             <a:pPr lvl="4"/>
@@ -1665,18 +1261,12 @@
           <a:p>
             <a:fld id="{F420C424-C8B2-458D-BE4F-39DC7DBD7BA6}" type="slidenum">
               <a:rPr kumimoji="1" lang="ja-JP" altLang="en-US" smtClean="0"/>
-              <a:t>‹#›</a:t>
             </a:fld>
             <a:endParaRPr kumimoji="1" lang="ja-JP" altLang="en-US"/>
           </a:p>
         </p:txBody>
       </p:sp>
     </p:spTree>
-    <p:extLst>
-      <p:ext uri="{BB962C8B-B14F-4D97-AF65-F5344CB8AC3E}">
-        <p14:creationId xmlns:p14="http://schemas.microsoft.com/office/powerpoint/2010/main" val="2721530821"/>
-      </p:ext>
-    </p:extLst>
   </p:cSld>
   <p:clrMap bg1="lt1" tx1="dk1" bg2="lt2" tx2="dk2" accent1="accent1" accent2="accent2" accent3="accent3" accent4="accent4" accent5="accent5" accent6="accent6" hlink="hlink" folHlink="folHlink"/>
   <p:notesStyle>
@@ -1844,7 +1434,6 @@
           <a:p>
             <a:fld id="{F420C424-C8B2-458D-BE4F-39DC7DBD7BA6}" type="slidenum">
               <a:rPr kumimoji="1" lang="ja-JP" altLang="en-US" smtClean="0"/>
-              <a:t>1</a:t>
             </a:fld>
             <a:endParaRPr kumimoji="1" lang="ja-JP" altLang="en-US"/>
           </a:p>
@@ -1923,7 +1512,6 @@
           <a:p>
             <a:fld id="{F420C424-C8B2-458D-BE4F-39DC7DBD7BA6}" type="slidenum">
               <a:rPr kumimoji="1" lang="ja-JP" altLang="en-US" smtClean="0"/>
-              <a:t>3</a:t>
             </a:fld>
             <a:endParaRPr kumimoji="1" lang="ja-JP" altLang="en-US"/>
           </a:p>
@@ -2002,7 +1590,6 @@
           <a:p>
             <a:fld id="{F420C424-C8B2-458D-BE4F-39DC7DBD7BA6}" type="slidenum">
               <a:rPr kumimoji="1" lang="ja-JP" altLang="en-US" smtClean="0"/>
-              <a:t>4</a:t>
             </a:fld>
             <a:endParaRPr kumimoji="1" lang="ja-JP" altLang="en-US"/>
           </a:p>
@@ -2081,7 +1668,6 @@
           <a:p>
             <a:fld id="{F420C424-C8B2-458D-BE4F-39DC7DBD7BA6}" type="slidenum">
               <a:rPr kumimoji="1" lang="ja-JP" altLang="en-US" smtClean="0"/>
-              <a:t>5</a:t>
             </a:fld>
             <a:endParaRPr kumimoji="1" lang="ja-JP" altLang="en-US"/>
           </a:p>
@@ -2160,7 +1746,6 @@
           <a:p>
             <a:fld id="{F420C424-C8B2-458D-BE4F-39DC7DBD7BA6}" type="slidenum">
               <a:rPr kumimoji="1" lang="ja-JP" altLang="en-US" smtClean="0"/>
-              <a:t>6</a:t>
             </a:fld>
             <a:endParaRPr kumimoji="1" lang="ja-JP" altLang="en-US"/>
           </a:p>
@@ -2239,7 +1824,6 @@
           <a:p>
             <a:fld id="{F420C424-C8B2-458D-BE4F-39DC7DBD7BA6}" type="slidenum">
               <a:rPr kumimoji="1" lang="ja-JP" altLang="en-US" smtClean="0"/>
-              <a:t>7</a:t>
             </a:fld>
             <a:endParaRPr kumimoji="1" lang="ja-JP" altLang="en-US"/>
           </a:p>
@@ -2318,7 +1902,6 @@
           <a:p>
             <a:fld id="{F420C424-C8B2-458D-BE4F-39DC7DBD7BA6}" type="slidenum">
               <a:rPr kumimoji="1" lang="ja-JP" altLang="en-US" smtClean="0"/>
-              <a:t>8</a:t>
             </a:fld>
             <a:endParaRPr kumimoji="1" lang="ja-JP" altLang="en-US"/>
           </a:p>
@@ -2537,7 +2120,6 @@
           <a:p>
             <a:fld id="{2C795EF2-C10B-4973-A4D4-8B26E6739D57}" type="slidenum">
               <a:rPr lang="zh-CN" altLang="en-US"/>
-              <a:t>‹#›</a:t>
             </a:fld>
             <a:endParaRPr lang="zh-CN" altLang="en-US"/>
           </a:p>
@@ -2691,7 +2273,6 @@
           <a:p>
             <a:fld id="{76B1E760-ECB3-4197-9FBC-1D87FC5C6A28}" type="slidenum">
               <a:rPr kumimoji="1" lang="ja-JP" altLang="en-US" smtClean="0"/>
-              <a:t>‹#›</a:t>
             </a:fld>
             <a:endParaRPr kumimoji="1" lang="ja-JP" altLang="en-US" dirty="0"/>
           </a:p>
@@ -2934,7 +2515,6 @@
           <a:p>
             <a:fld id="{76B1E760-ECB3-4197-9FBC-1D87FC5C6A28}" type="slidenum">
               <a:rPr kumimoji="1" lang="ja-JP" altLang="en-US" smtClean="0"/>
-              <a:t>‹#›</a:t>
             </a:fld>
             <a:endParaRPr kumimoji="1" lang="ja-JP" altLang="en-US" dirty="0"/>
           </a:p>
@@ -3044,6 +2624,7 @@
               <a:rPr lang="zh-CN" altLang="en-US" dirty="0" smtClean="0"/>
               <a:t>副标题</a:t>
             </a:r>
+            <a:endParaRPr lang="zh-CN" altLang="en-US" dirty="0" smtClean="0"/>
           </a:p>
         </p:txBody>
       </p:sp>
@@ -3600,7 +3181,6 @@
           <a:p>
             <a:fld id="{76B1E760-ECB3-4197-9FBC-1D87FC5C6A28}" type="slidenum">
               <a:rPr kumimoji="1" lang="ja-JP" altLang="en-US" smtClean="0"/>
-              <a:t>‹#›</a:t>
             </a:fld>
             <a:endParaRPr kumimoji="1" lang="ja-JP" altLang="en-US" dirty="0"/>
           </a:p>
@@ -3710,6 +3290,7 @@
               <a:rPr lang="zh-CN" altLang="en-US" dirty="0" smtClean="0"/>
               <a:t>副标题</a:t>
             </a:r>
+            <a:endParaRPr lang="zh-CN" altLang="en-US" dirty="0" smtClean="0"/>
           </a:p>
         </p:txBody>
       </p:sp>
@@ -3809,11 +3390,11 @@
           <p:nvPr userDrawn="1"/>
         </p:nvPicPr>
         <p:blipFill>
-          <a:blip r:embed="rId12" cstate="print">
+          <a:blip r:embed="rId11" cstate="print">
             <a:extLst>
               <a:ext uri="{BEBA8EAE-BF5A-486C-A8C5-ECC9F3942E4B}">
                 <a14:imgProps xmlns:a14="http://schemas.microsoft.com/office/drawing/2010/main">
-                  <a14:imgLayer r:embed="rId13">
+                  <a14:imgLayer r:embed="rId12">
                     <a14:imgEffect>
                       <a14:artisticBlur/>
                     </a14:imgEffect>
@@ -3970,7 +3551,7 @@
                 <a:latin typeface="Arial" panose="020B0604020202020204"/>
                 <a:ea typeface="+mn-ea"/>
                 <a:cs typeface="Arial" panose="020B0604020202020204"/>
-                <a:hlinkClick r:id="rId14"/>
+                <a:hlinkClick r:id="rId13"/>
               </a:rPr>
               <a:t>www.bjchenrui.com</a:t>
             </a:r>
@@ -4448,57 +4029,6 @@
               </a:rPr>
               <a:t>年度年终总结汇报</a:t>
             </a:r>
-            <a:r>
-              <a:rPr lang="en-US" altLang="zh-CN" sz="4800" dirty="0">
-                <a:ln w="10541" cmpd="sng">
-                  <a:solidFill>
-                    <a:schemeClr val="accent1">
-                      <a:shade val="88000"/>
-                      <a:satMod val="110000"/>
-                    </a:schemeClr>
-                  </a:solidFill>
-                  <a:prstDash val="solid"/>
-                </a:ln>
-                <a:gradFill>
-                  <a:gsLst>
-                    <a:gs pos="0">
-                      <a:schemeClr val="accent1">
-                        <a:tint val="40000"/>
-                        <a:satMod val="250000"/>
-                      </a:schemeClr>
-                    </a:gs>
-                    <a:gs pos="9000">
-                      <a:schemeClr val="accent1">
-                        <a:tint val="52000"/>
-                        <a:satMod val="300000"/>
-                      </a:schemeClr>
-                    </a:gs>
-                    <a:gs pos="50000">
-                      <a:schemeClr val="accent1">
-                        <a:shade val="20000"/>
-                        <a:satMod val="300000"/>
-                      </a:schemeClr>
-                    </a:gs>
-                    <a:gs pos="79000">
-                      <a:schemeClr val="accent1">
-                        <a:tint val="52000"/>
-                        <a:satMod val="300000"/>
-                      </a:schemeClr>
-                    </a:gs>
-                    <a:gs pos="100000">
-                      <a:schemeClr val="accent1">
-                        <a:tint val="40000"/>
-                        <a:satMod val="250000"/>
-                      </a:schemeClr>
-                    </a:gs>
-                  </a:gsLst>
-                  <a:lin ang="5400000"/>
-                </a:gradFill>
-                <a:latin typeface="微软雅黑" panose="020B0503020204020204" pitchFamily="34" charset="-122"/>
-                <a:ea typeface="微软雅黑" panose="020B0503020204020204" pitchFamily="34" charset="-122"/>
-              </a:rPr>
-              <a:t/>
-            </a:r>
             <a:br>
               <a:rPr lang="en-US" altLang="zh-CN" sz="4800" dirty="0">
                 <a:ln w="10541" cmpd="sng">
@@ -4886,7 +4416,6 @@
           <a:p>
             <a:fld id="{76B1E760-ECB3-4197-9FBC-1D87FC5C6A28}" type="slidenum">
               <a:rPr kumimoji="1" lang="ja-JP" altLang="en-US" smtClean="0"/>
-              <a:t>10</a:t>
             </a:fld>
             <a:endParaRPr kumimoji="1" lang="ja-JP" altLang="en-US" dirty="0"/>
           </a:p>
@@ -4914,1063 +4443,6 @@
             <a:r>
               <a:rPr lang="zh-CN" altLang="en-US" dirty="0"/>
               <a:t>年工作规划和个人目标</a:t>
-            </a:r>
-            <a:r>
-              <a:rPr lang="en-US" altLang="zh-CN" dirty="0"/>
-              <a:t/>
-            </a:r>
-            <a:br>
-              <a:rPr lang="en-US" altLang="zh-CN" dirty="0"/>
-            </a:br>
-            <a:endParaRPr lang="zh-CN" altLang="en-US" dirty="0"/>
-          </a:p>
-        </p:txBody>
-      </p:sp>
-      <p:sp>
-        <p:nvSpPr>
-          <p:cNvPr id="5" name="文本框 23"/>
-          <p:cNvSpPr txBox="1"/>
-          <p:nvPr/>
-        </p:nvSpPr>
-        <p:spPr>
-          <a:xfrm>
-            <a:off x="306705" y="530860"/>
-            <a:ext cx="5954395" cy="352425"/>
-          </a:xfrm>
-          <a:prstGeom prst="rect">
-            <a:avLst/>
-          </a:prstGeom>
-          <a:noFill/>
-        </p:spPr>
-        <p:txBody>
-          <a:bodyPr wrap="square" rtlCol="0">
-            <a:spAutoFit/>
-          </a:bodyPr>
-          <a:lstStyle/>
-          <a:p>
-            <a:r>
-              <a:rPr lang="zh-CN" altLang="en-US" b="1" dirty="0" smtClean="0">
-                <a:sym typeface="+mn-ea"/>
-              </a:rPr>
-              <a:t>整体工作规划</a:t>
-            </a:r>
-            <a:endParaRPr lang="zh-CN" altLang="en-US" b="1" dirty="0">
-              <a:sym typeface="+mn-ea"/>
-            </a:endParaRPr>
-          </a:p>
-        </p:txBody>
-      </p:sp>
-      <p:sp>
-        <p:nvSpPr>
-          <p:cNvPr id="4" name="圆角矩形 3"/>
-          <p:cNvSpPr/>
-          <p:nvPr/>
-        </p:nvSpPr>
-        <p:spPr>
-          <a:xfrm>
-            <a:off x="640289" y="3905997"/>
-            <a:ext cx="4764630" cy="1743365"/>
-          </a:xfrm>
-          <a:prstGeom prst="roundRect">
-            <a:avLst/>
-          </a:prstGeom>
-          <a:gradFill flip="none" rotWithShape="1">
-            <a:gsLst>
-              <a:gs pos="0">
-                <a:schemeClr val="accent1">
-                  <a:tint val="66000"/>
-                  <a:satMod val="160000"/>
-                </a:schemeClr>
-              </a:gs>
-              <a:gs pos="50000">
-                <a:schemeClr val="accent1">
-                  <a:tint val="44500"/>
-                  <a:satMod val="160000"/>
-                </a:schemeClr>
-              </a:gs>
-              <a:gs pos="100000">
-                <a:schemeClr val="accent1">
-                  <a:tint val="23500"/>
-                  <a:satMod val="160000"/>
-                </a:schemeClr>
-              </a:gs>
-            </a:gsLst>
-            <a:lin ang="0" scaled="1"/>
-            <a:tileRect/>
-          </a:gradFill>
-          <a:effectLst>
-            <a:outerShdw blurRad="50800" dist="38100" dir="2700000" algn="tl" rotWithShape="0">
-              <a:prstClr val="black">
-                <a:alpha val="40000"/>
-              </a:prstClr>
-            </a:outerShdw>
-          </a:effectLst>
-        </p:spPr>
-        <p:style>
-          <a:lnRef idx="2">
-            <a:schemeClr val="accent5"/>
-          </a:lnRef>
-          <a:fillRef idx="1">
-            <a:schemeClr val="lt1"/>
-          </a:fillRef>
-          <a:effectRef idx="0">
-            <a:schemeClr val="accent5"/>
-          </a:effectRef>
-          <a:fontRef idx="minor">
-            <a:schemeClr val="dk1"/>
-          </a:fontRef>
-        </p:style>
-        <p:txBody>
-          <a:bodyPr rtlCol="0" anchor="ctr"/>
-          <a:lstStyle/>
-          <a:p>
-            <a:pPr>
-              <a:spcBef>
-                <a:spcPct val="0"/>
-              </a:spcBef>
-              <a:buClr>
-                <a:schemeClr val="accent2"/>
-              </a:buClr>
-            </a:pPr>
-            <a:r>
-              <a:rPr lang="zh-CN" altLang="en-US" sz="1800" b="1" dirty="0" smtClean="0">
-                <a:solidFill>
-                  <a:schemeClr val="tx1"/>
-                </a:solidFill>
-                <a:latin typeface="宋体" panose="02010600030101010101" pitchFamily="2" charset="-122"/>
-                <a:ea typeface="宋体" panose="02010600030101010101" pitchFamily="2" charset="-122"/>
-              </a:rPr>
-              <a:t>可视化</a:t>
-            </a:r>
-            <a:r>
-              <a:rPr lang="zh-CN" altLang="en-US" sz="1800" b="1" dirty="0">
-                <a:solidFill>
-                  <a:schemeClr val="tx1"/>
-                </a:solidFill>
-                <a:latin typeface="宋体" panose="02010600030101010101" pitchFamily="2" charset="-122"/>
-                <a:ea typeface="宋体" panose="02010600030101010101" pitchFamily="2" charset="-122"/>
-              </a:rPr>
-              <a:t>工具的升级</a:t>
-            </a:r>
-            <a:r>
-              <a:rPr lang="zh-CN" altLang="en-US" sz="1800" b="1" dirty="0" smtClean="0">
-                <a:solidFill>
-                  <a:schemeClr val="tx1"/>
-                </a:solidFill>
-                <a:latin typeface="宋体" panose="02010600030101010101" pitchFamily="2" charset="-122"/>
-                <a:ea typeface="宋体" panose="02010600030101010101" pitchFamily="2" charset="-122"/>
-              </a:rPr>
-              <a:t>改造</a:t>
-            </a:r>
-            <a:endParaRPr lang="en-US" altLang="zh-CN" sz="1800" b="1" dirty="0" smtClean="0">
-              <a:solidFill>
-                <a:schemeClr val="tx1"/>
-              </a:solidFill>
-              <a:latin typeface="宋体" panose="02010600030101010101" pitchFamily="2" charset="-122"/>
-              <a:ea typeface="宋体" panose="02010600030101010101" pitchFamily="2" charset="-122"/>
-            </a:endParaRPr>
-          </a:p>
-          <a:p>
-            <a:pPr marL="285750" indent="-285750">
-              <a:spcBef>
-                <a:spcPct val="0"/>
-              </a:spcBef>
-              <a:buClr>
-                <a:schemeClr val="accent2"/>
-              </a:buClr>
-              <a:buFont typeface="Wingdings" panose="05000000000000000000" pitchFamily="2" charset="2"/>
-              <a:buChar char="l"/>
-            </a:pPr>
-            <a:r>
-              <a:rPr lang="zh-CN" altLang="en-US" sz="1400" dirty="0" smtClean="0">
-                <a:solidFill>
-                  <a:schemeClr val="tx1"/>
-                </a:solidFill>
-                <a:latin typeface="宋体" panose="02010600030101010101" pitchFamily="2" charset="-122"/>
-                <a:ea typeface="宋体" panose="02010600030101010101" pitchFamily="2" charset="-122"/>
-              </a:rPr>
-              <a:t>对团队成员进行</a:t>
-            </a:r>
-            <a:r>
-              <a:rPr lang="en-US" altLang="zh-CN" sz="1400" dirty="0" err="1" smtClean="0">
-                <a:solidFill>
-                  <a:schemeClr val="tx1"/>
-                </a:solidFill>
-                <a:latin typeface="宋体" panose="02010600030101010101" pitchFamily="2" charset="-122"/>
-                <a:ea typeface="宋体" panose="02010600030101010101" pitchFamily="2" charset="-122"/>
-              </a:rPr>
-              <a:t>GoJS</a:t>
-            </a:r>
-            <a:r>
-              <a:rPr lang="zh-CN" altLang="en-US" sz="1400" dirty="0" smtClean="0">
-                <a:solidFill>
-                  <a:schemeClr val="tx1"/>
-                </a:solidFill>
-                <a:latin typeface="宋体" panose="02010600030101010101" pitchFamily="2" charset="-122"/>
-                <a:ea typeface="宋体" panose="02010600030101010101" pitchFamily="2" charset="-122"/>
-              </a:rPr>
-              <a:t>技术的深入讲解，并督促练习；</a:t>
-            </a:r>
-            <a:endParaRPr lang="en-US" altLang="zh-CN" sz="1400" dirty="0" smtClean="0">
-              <a:solidFill>
-                <a:schemeClr val="tx1"/>
-              </a:solidFill>
-              <a:latin typeface="宋体" panose="02010600030101010101" pitchFamily="2" charset="-122"/>
-              <a:ea typeface="宋体" panose="02010600030101010101" pitchFamily="2" charset="-122"/>
-            </a:endParaRPr>
-          </a:p>
-          <a:p>
-            <a:pPr marL="285750" indent="-285750">
-              <a:spcBef>
-                <a:spcPct val="0"/>
-              </a:spcBef>
-              <a:buClr>
-                <a:schemeClr val="accent2"/>
-              </a:buClr>
-              <a:buFont typeface="Wingdings" panose="05000000000000000000" pitchFamily="2" charset="2"/>
-              <a:buChar char="l"/>
-            </a:pPr>
-            <a:r>
-              <a:rPr lang="zh-CN" altLang="en-US" sz="1400" dirty="0">
-                <a:solidFill>
-                  <a:schemeClr val="tx1"/>
-                </a:solidFill>
-                <a:latin typeface="宋体" panose="02010600030101010101" pitchFamily="2" charset="-122"/>
-                <a:ea typeface="宋体" panose="02010600030101010101" pitchFamily="2" charset="-122"/>
-              </a:rPr>
-              <a:t>团队整体提升前端框架技术的应用熟练度</a:t>
-            </a:r>
-            <a:r>
-              <a:rPr lang="zh-CN" altLang="en-US" sz="1400" dirty="0" smtClean="0">
-                <a:solidFill>
-                  <a:schemeClr val="tx1"/>
-                </a:solidFill>
-                <a:latin typeface="宋体" panose="02010600030101010101" pitchFamily="2" charset="-122"/>
-                <a:ea typeface="宋体" panose="02010600030101010101" pitchFamily="2" charset="-122"/>
-              </a:rPr>
-              <a:t>；</a:t>
-            </a:r>
-            <a:endParaRPr lang="en-US" altLang="zh-CN" sz="1400" dirty="0" smtClean="0">
-              <a:solidFill>
-                <a:schemeClr val="tx1"/>
-              </a:solidFill>
-              <a:latin typeface="宋体" panose="02010600030101010101" pitchFamily="2" charset="-122"/>
-              <a:ea typeface="宋体" panose="02010600030101010101" pitchFamily="2" charset="-122"/>
-            </a:endParaRPr>
-          </a:p>
-          <a:p>
-            <a:pPr marL="285750" indent="-285750">
-              <a:spcBef>
-                <a:spcPct val="0"/>
-              </a:spcBef>
-              <a:buClr>
-                <a:schemeClr val="accent2"/>
-              </a:buClr>
-              <a:buFont typeface="Wingdings" panose="05000000000000000000" pitchFamily="2" charset="2"/>
-              <a:buChar char="l"/>
-            </a:pPr>
-            <a:r>
-              <a:rPr lang="zh-CN" altLang="en-US" sz="1400" dirty="0" smtClean="0">
-                <a:solidFill>
-                  <a:schemeClr val="tx1"/>
-                </a:solidFill>
-                <a:latin typeface="宋体" panose="02010600030101010101" pitchFamily="2" charset="-122"/>
-                <a:ea typeface="宋体" panose="02010600030101010101" pitchFamily="2" charset="-122"/>
-              </a:rPr>
-              <a:t>团队内部探讨设计模式和升级内容；</a:t>
-            </a:r>
-            <a:endParaRPr lang="en-US" altLang="zh-CN" sz="1400" dirty="0" smtClean="0">
-              <a:solidFill>
-                <a:schemeClr val="tx1"/>
-              </a:solidFill>
-              <a:latin typeface="宋体" panose="02010600030101010101" pitchFamily="2" charset="-122"/>
-              <a:ea typeface="宋体" panose="02010600030101010101" pitchFamily="2" charset="-122"/>
-            </a:endParaRPr>
-          </a:p>
-          <a:p>
-            <a:pPr marL="285750" indent="-285750">
-              <a:spcBef>
-                <a:spcPct val="0"/>
-              </a:spcBef>
-              <a:buClr>
-                <a:schemeClr val="accent2"/>
-              </a:buClr>
-              <a:buFont typeface="Wingdings" panose="05000000000000000000" pitchFamily="2" charset="2"/>
-              <a:buChar char="l"/>
-            </a:pPr>
-            <a:r>
-              <a:rPr lang="zh-CN" altLang="en-US" sz="1400" dirty="0" smtClean="0">
-                <a:solidFill>
-                  <a:schemeClr val="tx1"/>
-                </a:solidFill>
-                <a:latin typeface="宋体" panose="02010600030101010101" pitchFamily="2" charset="-122"/>
-                <a:ea typeface="宋体" panose="02010600030101010101" pitchFamily="2" charset="-122"/>
-              </a:rPr>
-              <a:t>编制升级改造计划；</a:t>
-            </a:r>
-            <a:endParaRPr lang="en-US" altLang="zh-CN" sz="1400" dirty="0" smtClean="0">
-              <a:solidFill>
-                <a:schemeClr val="tx1"/>
-              </a:solidFill>
-              <a:latin typeface="宋体" panose="02010600030101010101" pitchFamily="2" charset="-122"/>
-              <a:ea typeface="宋体" panose="02010600030101010101" pitchFamily="2" charset="-122"/>
-            </a:endParaRPr>
-          </a:p>
-          <a:p>
-            <a:pPr marL="285750" indent="-285750">
-              <a:spcBef>
-                <a:spcPct val="0"/>
-              </a:spcBef>
-              <a:buClr>
-                <a:schemeClr val="accent2"/>
-              </a:buClr>
-              <a:buFont typeface="Wingdings" panose="05000000000000000000" pitchFamily="2" charset="2"/>
-              <a:buChar char="l"/>
-            </a:pPr>
-            <a:r>
-              <a:rPr lang="zh-CN" altLang="en-US" sz="1400" dirty="0" smtClean="0">
-                <a:solidFill>
-                  <a:schemeClr val="tx1"/>
-                </a:solidFill>
-                <a:latin typeface="宋体" panose="02010600030101010101" pitchFamily="2" charset="-122"/>
-                <a:ea typeface="宋体" panose="02010600030101010101" pitchFamily="2" charset="-122"/>
-              </a:rPr>
-              <a:t>按计划协作</a:t>
-            </a:r>
-            <a:r>
-              <a:rPr lang="zh-CN" altLang="en-US" sz="1400" dirty="0" smtClean="0">
-                <a:solidFill>
-                  <a:schemeClr val="tx1"/>
-                </a:solidFill>
-                <a:latin typeface="宋体" panose="02010600030101010101" pitchFamily="2" charset="-122"/>
-                <a:ea typeface="宋体" panose="02010600030101010101" pitchFamily="2" charset="-122"/>
-              </a:rPr>
-              <a:t>完成升级改造工作。</a:t>
-            </a:r>
-            <a:endParaRPr lang="en-US" altLang="zh-CN" sz="1400" dirty="0" smtClean="0">
-              <a:solidFill>
-                <a:schemeClr val="tx1"/>
-              </a:solidFill>
-              <a:latin typeface="宋体" panose="02010600030101010101" pitchFamily="2" charset="-122"/>
-              <a:ea typeface="宋体" panose="02010600030101010101" pitchFamily="2" charset="-122"/>
-            </a:endParaRPr>
-          </a:p>
-        </p:txBody>
-      </p:sp>
-      <p:sp>
-        <p:nvSpPr>
-          <p:cNvPr id="17" name="圆角矩形 16"/>
-          <p:cNvSpPr/>
-          <p:nvPr/>
-        </p:nvSpPr>
-        <p:spPr>
-          <a:xfrm>
-            <a:off x="6701583" y="3905999"/>
-            <a:ext cx="4950227" cy="1743364"/>
-          </a:xfrm>
-          <a:prstGeom prst="roundRect">
-            <a:avLst/>
-          </a:prstGeom>
-          <a:gradFill flip="none" rotWithShape="1">
-            <a:gsLst>
-              <a:gs pos="0">
-                <a:schemeClr val="accent1">
-                  <a:tint val="66000"/>
-                  <a:satMod val="160000"/>
-                </a:schemeClr>
-              </a:gs>
-              <a:gs pos="50000">
-                <a:schemeClr val="accent1">
-                  <a:tint val="44500"/>
-                  <a:satMod val="160000"/>
-                </a:schemeClr>
-              </a:gs>
-              <a:gs pos="100000">
-                <a:schemeClr val="accent1">
-                  <a:tint val="23500"/>
-                  <a:satMod val="160000"/>
-                </a:schemeClr>
-              </a:gs>
-            </a:gsLst>
-            <a:lin ang="0" scaled="1"/>
-            <a:tileRect/>
-          </a:gradFill>
-          <a:effectLst>
-            <a:outerShdw blurRad="50800" dist="38100" dir="2700000" algn="tl" rotWithShape="0">
-              <a:prstClr val="black">
-                <a:alpha val="40000"/>
-              </a:prstClr>
-            </a:outerShdw>
-          </a:effectLst>
-        </p:spPr>
-        <p:style>
-          <a:lnRef idx="2">
-            <a:schemeClr val="accent5"/>
-          </a:lnRef>
-          <a:fillRef idx="1">
-            <a:schemeClr val="lt1"/>
-          </a:fillRef>
-          <a:effectRef idx="0">
-            <a:schemeClr val="accent5"/>
-          </a:effectRef>
-          <a:fontRef idx="minor">
-            <a:schemeClr val="dk1"/>
-          </a:fontRef>
-        </p:style>
-        <p:txBody>
-          <a:bodyPr rtlCol="0" anchor="ctr"/>
-          <a:lstStyle/>
-          <a:p>
-            <a:pPr>
-              <a:spcBef>
-                <a:spcPct val="0"/>
-              </a:spcBef>
-              <a:buClr>
-                <a:schemeClr val="accent2"/>
-              </a:buClr>
-            </a:pPr>
-            <a:r>
-              <a:rPr lang="en-US" altLang="zh-CN" sz="1800" b="1" dirty="0" smtClean="0">
-                <a:solidFill>
-                  <a:schemeClr val="tx1"/>
-                </a:solidFill>
-                <a:latin typeface="宋体" panose="02010600030101010101" pitchFamily="2" charset="-122"/>
-                <a:ea typeface="宋体" panose="02010600030101010101" pitchFamily="2" charset="-122"/>
-              </a:rPr>
-              <a:t>GIS</a:t>
-            </a:r>
-            <a:r>
-              <a:rPr lang="zh-CN" altLang="en-US" sz="1800" b="1" dirty="0" smtClean="0">
-                <a:solidFill>
-                  <a:schemeClr val="tx1"/>
-                </a:solidFill>
-                <a:latin typeface="宋体" panose="02010600030101010101" pitchFamily="2" charset="-122"/>
-                <a:ea typeface="宋体" panose="02010600030101010101" pitchFamily="2" charset="-122"/>
-              </a:rPr>
-              <a:t>工具的</a:t>
-            </a:r>
-            <a:r>
-              <a:rPr lang="zh-CN" altLang="en-US" sz="1800" b="1" dirty="0" smtClean="0">
-                <a:solidFill>
-                  <a:schemeClr val="tx1"/>
-                </a:solidFill>
-                <a:latin typeface="宋体" panose="02010600030101010101" pitchFamily="2" charset="-122"/>
-                <a:ea typeface="宋体" panose="02010600030101010101" pitchFamily="2" charset="-122"/>
-              </a:rPr>
-              <a:t>封装</a:t>
-            </a:r>
-            <a:endParaRPr lang="en-US" altLang="zh-CN" sz="1800" b="1" dirty="0" smtClean="0">
-              <a:solidFill>
-                <a:schemeClr val="tx1"/>
-              </a:solidFill>
-              <a:latin typeface="宋体" panose="02010600030101010101" pitchFamily="2" charset="-122"/>
-              <a:ea typeface="宋体" panose="02010600030101010101" pitchFamily="2" charset="-122"/>
-            </a:endParaRPr>
-          </a:p>
-          <a:p>
-            <a:pPr marL="285750" indent="-285750">
-              <a:spcBef>
-                <a:spcPct val="0"/>
-              </a:spcBef>
-              <a:buClr>
-                <a:schemeClr val="accent2"/>
-              </a:buClr>
-              <a:buFont typeface="Wingdings" panose="05000000000000000000" pitchFamily="2" charset="2"/>
-              <a:buChar char="l"/>
-            </a:pPr>
-            <a:r>
-              <a:rPr lang="zh-CN" altLang="en-US" sz="1400" dirty="0" smtClean="0">
-                <a:solidFill>
-                  <a:schemeClr val="tx1"/>
-                </a:solidFill>
-                <a:latin typeface="宋体" panose="02010600030101010101" pitchFamily="2" charset="-122"/>
-                <a:ea typeface="宋体" panose="02010600030101010101" pitchFamily="2" charset="-122"/>
-              </a:rPr>
-              <a:t>团队整体提升</a:t>
-            </a:r>
-            <a:r>
-              <a:rPr lang="en-US" altLang="zh-CN" sz="1400" dirty="0" err="1" smtClean="0">
-                <a:solidFill>
-                  <a:schemeClr val="tx1"/>
-                </a:solidFill>
-                <a:latin typeface="宋体" panose="02010600030101010101" pitchFamily="2" charset="-122"/>
-                <a:ea typeface="宋体" panose="02010600030101010101" pitchFamily="2" charset="-122"/>
-              </a:rPr>
-              <a:t>Openlayers</a:t>
-            </a:r>
-            <a:r>
-              <a:rPr lang="zh-CN" altLang="en-US" sz="1400" dirty="0" smtClean="0">
-                <a:solidFill>
-                  <a:schemeClr val="tx1"/>
-                </a:solidFill>
-                <a:latin typeface="宋体" panose="02010600030101010101" pitchFamily="2" charset="-122"/>
-                <a:ea typeface="宋体" panose="02010600030101010101" pitchFamily="2" charset="-122"/>
-              </a:rPr>
-              <a:t>的技术熟练度，</a:t>
-            </a:r>
-            <a:r>
-              <a:rPr lang="zh-CN" altLang="en-US" sz="1400" dirty="0">
-                <a:solidFill>
-                  <a:schemeClr val="tx1"/>
-                </a:solidFill>
-                <a:latin typeface="宋体" panose="02010600030101010101" pitchFamily="2" charset="-122"/>
-                <a:ea typeface="宋体" panose="02010600030101010101" pitchFamily="2" charset="-122"/>
-              </a:rPr>
-              <a:t>并督促练习</a:t>
-            </a:r>
-            <a:r>
-              <a:rPr lang="zh-CN" altLang="en-US" sz="1400" dirty="0" smtClean="0">
-                <a:solidFill>
-                  <a:schemeClr val="tx1"/>
-                </a:solidFill>
-                <a:latin typeface="宋体" panose="02010600030101010101" pitchFamily="2" charset="-122"/>
-                <a:ea typeface="宋体" panose="02010600030101010101" pitchFamily="2" charset="-122"/>
-              </a:rPr>
-              <a:t>；</a:t>
-            </a:r>
-            <a:endParaRPr lang="en-US" altLang="zh-CN" sz="1400" dirty="0" smtClean="0">
-              <a:solidFill>
-                <a:schemeClr val="tx1"/>
-              </a:solidFill>
-              <a:latin typeface="宋体" panose="02010600030101010101" pitchFamily="2" charset="-122"/>
-              <a:ea typeface="宋体" panose="02010600030101010101" pitchFamily="2" charset="-122"/>
-            </a:endParaRPr>
-          </a:p>
-          <a:p>
-            <a:pPr marL="285750" indent="-285750">
-              <a:spcBef>
-                <a:spcPct val="0"/>
-              </a:spcBef>
-              <a:buClr>
-                <a:schemeClr val="accent2"/>
-              </a:buClr>
-              <a:buFont typeface="Wingdings" panose="05000000000000000000" pitchFamily="2" charset="2"/>
-              <a:buChar char="l"/>
-            </a:pPr>
-            <a:r>
-              <a:rPr lang="zh-CN" altLang="en-US" sz="1400" dirty="0">
-                <a:solidFill>
-                  <a:schemeClr val="tx1"/>
-                </a:solidFill>
-                <a:latin typeface="宋体" panose="02010600030101010101" pitchFamily="2" charset="-122"/>
-                <a:ea typeface="宋体" panose="02010600030101010101" pitchFamily="2" charset="-122"/>
-              </a:rPr>
-              <a:t>团队内部</a:t>
-            </a:r>
-            <a:r>
-              <a:rPr lang="zh-CN" altLang="en-US" sz="1400" dirty="0" smtClean="0">
-                <a:solidFill>
-                  <a:schemeClr val="tx1"/>
-                </a:solidFill>
-                <a:latin typeface="宋体" panose="02010600030101010101" pitchFamily="2" charset="-122"/>
-                <a:ea typeface="宋体" panose="02010600030101010101" pitchFamily="2" charset="-122"/>
-              </a:rPr>
-              <a:t>探讨工具的实现</a:t>
-            </a:r>
-            <a:r>
-              <a:rPr lang="zh-CN" altLang="en-US" sz="1400" dirty="0" smtClean="0">
-                <a:solidFill>
-                  <a:schemeClr val="tx1"/>
-                </a:solidFill>
-                <a:latin typeface="宋体" panose="02010600030101010101" pitchFamily="2" charset="-122"/>
-                <a:ea typeface="宋体" panose="02010600030101010101" pitchFamily="2" charset="-122"/>
-              </a:rPr>
-              <a:t>内容；</a:t>
-            </a:r>
-            <a:endParaRPr lang="en-US" altLang="zh-CN" sz="1400" dirty="0">
-              <a:solidFill>
-                <a:schemeClr val="tx1"/>
-              </a:solidFill>
-              <a:latin typeface="宋体" panose="02010600030101010101" pitchFamily="2" charset="-122"/>
-              <a:ea typeface="宋体" panose="02010600030101010101" pitchFamily="2" charset="-122"/>
-            </a:endParaRPr>
-          </a:p>
-          <a:p>
-            <a:pPr marL="285750" indent="-285750">
-              <a:spcBef>
-                <a:spcPct val="0"/>
-              </a:spcBef>
-              <a:buClr>
-                <a:schemeClr val="accent2"/>
-              </a:buClr>
-              <a:buFont typeface="Wingdings" panose="05000000000000000000" pitchFamily="2" charset="2"/>
-              <a:buChar char="l"/>
-            </a:pPr>
-            <a:r>
-              <a:rPr lang="zh-CN" altLang="en-US" sz="1400" dirty="0" smtClean="0">
-                <a:solidFill>
-                  <a:schemeClr val="tx1"/>
-                </a:solidFill>
-                <a:latin typeface="宋体" panose="02010600030101010101" pitchFamily="2" charset="-122"/>
-                <a:ea typeface="宋体" panose="02010600030101010101" pitchFamily="2" charset="-122"/>
-              </a:rPr>
-              <a:t>编制工具的封装计划；</a:t>
-            </a:r>
-            <a:endParaRPr lang="en-US" altLang="zh-CN" sz="1400" dirty="0">
-              <a:solidFill>
-                <a:schemeClr val="tx1"/>
-              </a:solidFill>
-              <a:latin typeface="宋体" panose="02010600030101010101" pitchFamily="2" charset="-122"/>
-              <a:ea typeface="宋体" panose="02010600030101010101" pitchFamily="2" charset="-122"/>
-            </a:endParaRPr>
-          </a:p>
-          <a:p>
-            <a:pPr marL="285750" indent="-285750">
-              <a:spcBef>
-                <a:spcPct val="0"/>
-              </a:spcBef>
-              <a:buClr>
-                <a:schemeClr val="accent2"/>
-              </a:buClr>
-              <a:buFont typeface="Wingdings" panose="05000000000000000000" pitchFamily="2" charset="2"/>
-              <a:buChar char="l"/>
-            </a:pPr>
-            <a:r>
-              <a:rPr lang="zh-CN" altLang="en-US" sz="1400" dirty="0" smtClean="0">
-                <a:solidFill>
-                  <a:schemeClr val="tx1"/>
-                </a:solidFill>
-                <a:latin typeface="宋体" panose="02010600030101010101" pitchFamily="2" charset="-122"/>
-                <a:ea typeface="宋体" panose="02010600030101010101" pitchFamily="2" charset="-122"/>
-              </a:rPr>
-              <a:t>待可视化工具升级完成后，按计划协作完成</a:t>
-            </a:r>
-            <a:r>
-              <a:rPr lang="en-US" altLang="zh-CN" sz="1400" dirty="0" smtClean="0">
-                <a:solidFill>
-                  <a:schemeClr val="tx1"/>
-                </a:solidFill>
-                <a:latin typeface="宋体" panose="02010600030101010101" pitchFamily="2" charset="-122"/>
-                <a:ea typeface="宋体" panose="02010600030101010101" pitchFamily="2" charset="-122"/>
-              </a:rPr>
-              <a:t>GIS</a:t>
-            </a:r>
-            <a:r>
-              <a:rPr lang="zh-CN" altLang="en-US" sz="1400" dirty="0" smtClean="0">
-                <a:solidFill>
-                  <a:schemeClr val="tx1"/>
-                </a:solidFill>
-                <a:latin typeface="宋体" panose="02010600030101010101" pitchFamily="2" charset="-122"/>
-                <a:ea typeface="宋体" panose="02010600030101010101" pitchFamily="2" charset="-122"/>
-              </a:rPr>
-              <a:t>工具的封装任务</a:t>
-            </a:r>
-            <a:r>
-              <a:rPr lang="zh-CN" altLang="en-US" sz="1400" dirty="0">
-                <a:solidFill>
-                  <a:schemeClr val="tx1"/>
-                </a:solidFill>
-                <a:latin typeface="宋体" panose="02010600030101010101" pitchFamily="2" charset="-122"/>
-                <a:ea typeface="宋体" panose="02010600030101010101" pitchFamily="2" charset="-122"/>
-              </a:rPr>
-              <a:t>。</a:t>
-            </a:r>
-            <a:endParaRPr lang="en-US" altLang="zh-CN" sz="1400" dirty="0">
-              <a:solidFill>
-                <a:schemeClr val="tx1"/>
-              </a:solidFill>
-              <a:latin typeface="宋体" panose="02010600030101010101" pitchFamily="2" charset="-122"/>
-              <a:ea typeface="宋体" panose="02010600030101010101" pitchFamily="2" charset="-122"/>
-            </a:endParaRPr>
-          </a:p>
-        </p:txBody>
-      </p:sp>
-      <p:sp>
-        <p:nvSpPr>
-          <p:cNvPr id="18" name="圆角矩形 17"/>
-          <p:cNvSpPr/>
-          <p:nvPr/>
-        </p:nvSpPr>
-        <p:spPr>
-          <a:xfrm>
-            <a:off x="2434127" y="883285"/>
-            <a:ext cx="6456377" cy="2778279"/>
-          </a:xfrm>
-          <a:prstGeom prst="roundRect">
-            <a:avLst/>
-          </a:prstGeom>
-          <a:gradFill flip="none" rotWithShape="1">
-            <a:gsLst>
-              <a:gs pos="0">
-                <a:schemeClr val="accent1">
-                  <a:tint val="66000"/>
-                  <a:satMod val="160000"/>
-                </a:schemeClr>
-              </a:gs>
-              <a:gs pos="50000">
-                <a:schemeClr val="accent1">
-                  <a:tint val="44500"/>
-                  <a:satMod val="160000"/>
-                </a:schemeClr>
-              </a:gs>
-              <a:gs pos="100000">
-                <a:schemeClr val="accent1">
-                  <a:tint val="23500"/>
-                  <a:satMod val="160000"/>
-                </a:schemeClr>
-              </a:gs>
-            </a:gsLst>
-            <a:lin ang="0" scaled="1"/>
-            <a:tileRect/>
-          </a:gradFill>
-          <a:effectLst>
-            <a:outerShdw blurRad="50800" dist="38100" dir="2700000" algn="tl" rotWithShape="0">
-              <a:prstClr val="black">
-                <a:alpha val="40000"/>
-              </a:prstClr>
-            </a:outerShdw>
-          </a:effectLst>
-        </p:spPr>
-        <p:style>
-          <a:lnRef idx="2">
-            <a:schemeClr val="accent5"/>
-          </a:lnRef>
-          <a:fillRef idx="1">
-            <a:schemeClr val="lt1"/>
-          </a:fillRef>
-          <a:effectRef idx="0">
-            <a:schemeClr val="accent5"/>
-          </a:effectRef>
-          <a:fontRef idx="minor">
-            <a:schemeClr val="dk1"/>
-          </a:fontRef>
-        </p:style>
-        <p:txBody>
-          <a:bodyPr rtlCol="0" anchor="ctr"/>
-          <a:lstStyle/>
-          <a:p>
-            <a:pPr>
-              <a:lnSpc>
-                <a:spcPct val="150000"/>
-              </a:lnSpc>
-              <a:spcBef>
-                <a:spcPct val="0"/>
-              </a:spcBef>
-              <a:buClr>
-                <a:schemeClr val="accent2"/>
-              </a:buClr>
-            </a:pPr>
-            <a:r>
-              <a:rPr lang="zh-CN" altLang="en-US" sz="1800" b="1" dirty="0">
-                <a:solidFill>
-                  <a:schemeClr val="tx1"/>
-                </a:solidFill>
-                <a:latin typeface="宋体" panose="02010600030101010101" pitchFamily="2" charset="-122"/>
-                <a:ea typeface="宋体" panose="02010600030101010101" pitchFamily="2" charset="-122"/>
-              </a:rPr>
-              <a:t>可视化团队成员能力的</a:t>
-            </a:r>
-            <a:r>
-              <a:rPr lang="zh-CN" altLang="en-US" sz="1800" b="1" dirty="0" smtClean="0">
-                <a:solidFill>
-                  <a:schemeClr val="tx1"/>
-                </a:solidFill>
-                <a:latin typeface="宋体" panose="02010600030101010101" pitchFamily="2" charset="-122"/>
-                <a:ea typeface="宋体" panose="02010600030101010101" pitchFamily="2" charset="-122"/>
-              </a:rPr>
-              <a:t>培养</a:t>
-            </a:r>
-            <a:endParaRPr lang="en-US" altLang="zh-CN" sz="1800" b="1" dirty="0" smtClean="0">
-              <a:solidFill>
-                <a:schemeClr val="tx1"/>
-              </a:solidFill>
-              <a:latin typeface="宋体" panose="02010600030101010101" pitchFamily="2" charset="-122"/>
-              <a:ea typeface="宋体" panose="02010600030101010101" pitchFamily="2" charset="-122"/>
-            </a:endParaRPr>
-          </a:p>
-          <a:p>
-            <a:pPr marL="285750" lvl="0" indent="-285750">
-              <a:spcBef>
-                <a:spcPct val="0"/>
-              </a:spcBef>
-              <a:buClr>
-                <a:srgbClr val="ED7D31"/>
-              </a:buClr>
-              <a:buFont typeface="Wingdings" panose="05000000000000000000" pitchFamily="2" charset="2"/>
-              <a:buChar char="l"/>
-            </a:pPr>
-            <a:r>
-              <a:rPr lang="zh-CN" altLang="en-US" sz="1400" dirty="0" smtClean="0">
-                <a:solidFill>
-                  <a:prstClr val="black"/>
-                </a:solidFill>
-                <a:latin typeface="宋体" panose="02010600030101010101" pitchFamily="2" charset="-122"/>
-                <a:ea typeface="宋体" panose="02010600030101010101" pitchFamily="2" charset="-122"/>
-              </a:rPr>
-              <a:t>督促团队成员利用业务时间学习</a:t>
-            </a:r>
-            <a:r>
-              <a:rPr lang="en-US" altLang="zh-CN" sz="1400" dirty="0" smtClean="0">
-                <a:solidFill>
-                  <a:prstClr val="black"/>
-                </a:solidFill>
-                <a:latin typeface="宋体" panose="02010600030101010101" pitchFamily="2" charset="-122"/>
-                <a:ea typeface="宋体" panose="02010600030101010101" pitchFamily="2" charset="-122"/>
-              </a:rPr>
-              <a:t>JS</a:t>
-            </a:r>
-            <a:r>
-              <a:rPr lang="zh-CN" altLang="en-US" sz="1400" dirty="0" smtClean="0">
-                <a:solidFill>
-                  <a:prstClr val="black"/>
-                </a:solidFill>
-                <a:latin typeface="宋体" panose="02010600030101010101" pitchFamily="2" charset="-122"/>
-                <a:ea typeface="宋体" panose="02010600030101010101" pitchFamily="2" charset="-122"/>
-              </a:rPr>
-              <a:t>基础知识和面向对象开发模式，并检查学习结果；</a:t>
-            </a:r>
-            <a:endParaRPr lang="en-US" altLang="zh-CN" sz="1800" b="1" dirty="0" smtClean="0">
-              <a:solidFill>
-                <a:schemeClr val="tx1"/>
-              </a:solidFill>
-              <a:latin typeface="宋体" panose="02010600030101010101" pitchFamily="2" charset="-122"/>
-              <a:ea typeface="宋体" panose="02010600030101010101" pitchFamily="2" charset="-122"/>
-            </a:endParaRPr>
-          </a:p>
-          <a:p>
-            <a:pPr marL="285750" lvl="0" indent="-285750">
-              <a:spcBef>
-                <a:spcPct val="0"/>
-              </a:spcBef>
-              <a:buClr>
-                <a:srgbClr val="ED7D31"/>
-              </a:buClr>
-              <a:buFont typeface="Wingdings" panose="05000000000000000000" pitchFamily="2" charset="2"/>
-              <a:buChar char="l"/>
-            </a:pPr>
-            <a:r>
-              <a:rPr lang="zh-CN" altLang="en-US" sz="1400" dirty="0" smtClean="0">
-                <a:solidFill>
-                  <a:prstClr val="black"/>
-                </a:solidFill>
-                <a:latin typeface="宋体" panose="02010600030101010101" pitchFamily="2" charset="-122"/>
-                <a:ea typeface="宋体" panose="02010600030101010101" pitchFamily="2" charset="-122"/>
-              </a:rPr>
-              <a:t>对团队成员进行可视化技术的不定期培训，</a:t>
-            </a:r>
-            <a:r>
-              <a:rPr lang="zh-CN" altLang="en-US" sz="1400" dirty="0">
-                <a:solidFill>
-                  <a:schemeClr val="tx1"/>
-                </a:solidFill>
-                <a:latin typeface="宋体" panose="02010600030101010101" pitchFamily="2" charset="-122"/>
-                <a:ea typeface="宋体" panose="02010600030101010101" pitchFamily="2" charset="-122"/>
-              </a:rPr>
-              <a:t>并督促</a:t>
-            </a:r>
-            <a:r>
-              <a:rPr lang="zh-CN" altLang="en-US" sz="1400" dirty="0" smtClean="0">
-                <a:solidFill>
-                  <a:schemeClr val="tx1"/>
-                </a:solidFill>
-                <a:latin typeface="宋体" panose="02010600030101010101" pitchFamily="2" charset="-122"/>
-                <a:ea typeface="宋体" panose="02010600030101010101" pitchFamily="2" charset="-122"/>
-              </a:rPr>
-              <a:t>练习，提升熟练度</a:t>
-            </a:r>
-            <a:r>
-              <a:rPr lang="zh-CN" altLang="en-US" sz="1400" dirty="0" smtClean="0">
-                <a:solidFill>
-                  <a:prstClr val="black"/>
-                </a:solidFill>
-                <a:latin typeface="宋体" panose="02010600030101010101" pitchFamily="2" charset="-122"/>
-                <a:ea typeface="宋体" panose="02010600030101010101" pitchFamily="2" charset="-122"/>
-              </a:rPr>
-              <a:t>；</a:t>
-            </a:r>
-            <a:endParaRPr lang="en-US" altLang="zh-CN" sz="1400" dirty="0" smtClean="0">
-              <a:solidFill>
-                <a:prstClr val="black"/>
-              </a:solidFill>
-              <a:latin typeface="宋体" panose="02010600030101010101" pitchFamily="2" charset="-122"/>
-              <a:ea typeface="宋体" panose="02010600030101010101" pitchFamily="2" charset="-122"/>
-            </a:endParaRPr>
-          </a:p>
-          <a:p>
-            <a:pPr marL="285750" lvl="0" indent="-285750">
-              <a:spcBef>
-                <a:spcPct val="0"/>
-              </a:spcBef>
-              <a:buClr>
-                <a:srgbClr val="ED7D31"/>
-              </a:buClr>
-              <a:buFont typeface="Wingdings" panose="05000000000000000000" pitchFamily="2" charset="2"/>
-              <a:buChar char="l"/>
-            </a:pPr>
-            <a:r>
-              <a:rPr lang="zh-CN" altLang="en-US" sz="1400" dirty="0" smtClean="0">
-                <a:solidFill>
-                  <a:prstClr val="black"/>
-                </a:solidFill>
-                <a:latin typeface="宋体" panose="02010600030101010101" pitchFamily="2" charset="-122"/>
-                <a:ea typeface="宋体" panose="02010600030101010101" pitchFamily="2" charset="-122"/>
-              </a:rPr>
-              <a:t>给团队成员分配项目中部分的可视化工作，并检查工作结果，督促修改编码规范，帮助解决技术问题；</a:t>
-            </a:r>
-            <a:endParaRPr lang="en-US" altLang="zh-CN" sz="1400" dirty="0" smtClean="0">
-              <a:solidFill>
-                <a:prstClr val="black"/>
-              </a:solidFill>
-              <a:latin typeface="宋体" panose="02010600030101010101" pitchFamily="2" charset="-122"/>
-              <a:ea typeface="宋体" panose="02010600030101010101" pitchFamily="2" charset="-122"/>
-            </a:endParaRPr>
-          </a:p>
-          <a:p>
-            <a:pPr marL="285750" lvl="0" indent="-285750">
-              <a:spcBef>
-                <a:spcPct val="0"/>
-              </a:spcBef>
-              <a:buClr>
-                <a:srgbClr val="ED7D31"/>
-              </a:buClr>
-              <a:buFont typeface="Wingdings" panose="05000000000000000000" pitchFamily="2" charset="2"/>
-              <a:buChar char="l"/>
-            </a:pPr>
-            <a:r>
-              <a:rPr lang="zh-CN" altLang="en-US" sz="1400" dirty="0">
-                <a:solidFill>
-                  <a:prstClr val="black"/>
-                </a:solidFill>
-                <a:latin typeface="宋体" panose="02010600030101010101" pitchFamily="2" charset="-122"/>
-                <a:ea typeface="宋体" panose="02010600030101010101" pitchFamily="2" charset="-122"/>
-              </a:rPr>
-              <a:t>团队</a:t>
-            </a:r>
-            <a:r>
-              <a:rPr lang="zh-CN" altLang="en-US" sz="1400" dirty="0" smtClean="0">
-                <a:solidFill>
-                  <a:prstClr val="black"/>
-                </a:solidFill>
-                <a:latin typeface="宋体" panose="02010600030101010101" pitchFamily="2" charset="-122"/>
-                <a:ea typeface="宋体" panose="02010600030101010101" pitchFamily="2" charset="-122"/>
-              </a:rPr>
-              <a:t>成员参与的项目结束后，要求总结项目收获和不足之处，帮助其逐步提升工作效率。</a:t>
-            </a:r>
-            <a:endParaRPr lang="en-US" altLang="zh-CN" sz="1400" dirty="0" smtClean="0">
-              <a:solidFill>
-                <a:prstClr val="black"/>
-              </a:solidFill>
-              <a:latin typeface="宋体" panose="02010600030101010101" pitchFamily="2" charset="-122"/>
-              <a:ea typeface="宋体" panose="02010600030101010101" pitchFamily="2" charset="-122"/>
-            </a:endParaRPr>
-          </a:p>
-          <a:p>
-            <a:pPr marL="285750" lvl="0" indent="-285750">
-              <a:spcBef>
-                <a:spcPct val="0"/>
-              </a:spcBef>
-              <a:buClr>
-                <a:srgbClr val="ED7D31"/>
-              </a:buClr>
-              <a:buFont typeface="Wingdings" panose="05000000000000000000" pitchFamily="2" charset="2"/>
-              <a:buChar char="l"/>
-            </a:pPr>
-            <a:r>
-              <a:rPr lang="zh-CN" altLang="en-US" sz="1400" dirty="0" smtClean="0">
-                <a:solidFill>
-                  <a:prstClr val="black"/>
-                </a:solidFill>
-                <a:latin typeface="宋体" panose="02010600030101010101" pitchFamily="2" charset="-122"/>
-                <a:ea typeface="宋体" panose="02010600030101010101" pitchFamily="2" charset="-122"/>
-              </a:rPr>
-              <a:t>待团队成员技术熟练后，让其独立对接项目工作，或是独立设计和实现项目中的可视化功能。</a:t>
-            </a:r>
-            <a:endParaRPr lang="en-US" altLang="zh-CN" sz="1400" dirty="0">
-              <a:solidFill>
-                <a:prstClr val="black"/>
-              </a:solidFill>
-              <a:latin typeface="宋体" panose="02010600030101010101" pitchFamily="2" charset="-122"/>
-              <a:ea typeface="宋体" panose="02010600030101010101" pitchFamily="2" charset="-122"/>
-            </a:endParaRPr>
-          </a:p>
-        </p:txBody>
-      </p:sp>
-    </p:spTree>
-    <p:extLst>
-      <p:ext uri="{BB962C8B-B14F-4D97-AF65-F5344CB8AC3E}">
-        <p14:creationId xmlns:p14="http://schemas.microsoft.com/office/powerpoint/2010/main" val="2562317294"/>
-      </p:ext>
-    </p:extLst>
-  </p:cSld>
-  <p:clrMapOvr>
-    <a:masterClrMapping/>
-  </p:clrMapOvr>
-  <p:timing>
-    <p:tnLst>
-      <p:par>
-        <p:cTn id="1" dur="indefinite" restart="never" nodeType="tmRoot"/>
-      </p:par>
-    </p:tnLst>
-  </p:timing>
-</p:sld>
-</file>
-
-<file path=ppt/slides/slide11.xml><?xml version="1.0" encoding="utf-8"?>
-<p:sld xmlns:a="http://schemas.openxmlformats.org/drawingml/2006/main" xmlns:r="http://schemas.openxmlformats.org/officeDocument/2006/relationships" xmlns:p="http://schemas.openxmlformats.org/presentationml/2006/main">
-  <p:cSld>
-    <p:spTree>
-      <p:nvGrpSpPr>
-        <p:cNvPr id="1" name=""/>
-        <p:cNvGrpSpPr/>
-        <p:nvPr/>
-      </p:nvGrpSpPr>
-      <p:grpSpPr>
-        <a:xfrm>
-          <a:off x="0" y="0"/>
-          <a:ext cx="0" cy="0"/>
-          <a:chOff x="0" y="0"/>
-          <a:chExt cx="0" cy="0"/>
-        </a:xfrm>
-      </p:grpSpPr>
-      <p:sp>
-        <p:nvSpPr>
-          <p:cNvPr id="2" name="灯片编号占位符 1"/>
-          <p:cNvSpPr>
-            <a:spLocks noGrp="1"/>
-          </p:cNvSpPr>
-          <p:nvPr>
-            <p:ph type="sldNum" sz="quarter" idx="10"/>
-          </p:nvPr>
-        </p:nvSpPr>
-        <p:spPr/>
-        <p:txBody>
-          <a:bodyPr/>
-          <a:lstStyle/>
-          <a:p>
-            <a:fld id="{76B1E760-ECB3-4197-9FBC-1D87FC5C6A28}" type="slidenum">
-              <a:rPr kumimoji="1" lang="ja-JP" altLang="en-US" smtClean="0"/>
-              <a:t>11</a:t>
-            </a:fld>
-            <a:endParaRPr kumimoji="1" lang="ja-JP" altLang="en-US" dirty="0"/>
-          </a:p>
-        </p:txBody>
-      </p:sp>
-      <p:sp>
-        <p:nvSpPr>
-          <p:cNvPr id="3" name="标题 2"/>
-          <p:cNvSpPr>
-            <a:spLocks noGrp="1"/>
-          </p:cNvSpPr>
-          <p:nvPr>
-            <p:ph type="title"/>
-          </p:nvPr>
-        </p:nvSpPr>
-        <p:spPr/>
-        <p:txBody>
-          <a:bodyPr/>
-          <a:lstStyle/>
-          <a:p>
-            <a:r>
-              <a:rPr lang="en-US" altLang="zh-CN" dirty="0" smtClean="0"/>
-              <a:t>2019</a:t>
-            </a:r>
-            <a:r>
-              <a:rPr lang="zh-CN" altLang="en-US" dirty="0"/>
-              <a:t>年工作规划和个人目标</a:t>
-            </a:r>
-            <a:r>
-              <a:rPr lang="en-US" altLang="zh-CN" dirty="0"/>
-              <a:t/>
             </a:r>
             <a:br>
               <a:rPr lang="en-US" altLang="zh-CN" dirty="0"/>
@@ -6090,6 +4562,12 @@
               </a:rPr>
               <a:t>可视化工具</a:t>
             </a:r>
+            <a:endParaRPr lang="zh-CN" altLang="en-US" dirty="0" smtClean="0">
+              <a:solidFill>
+                <a:schemeClr val="tx1"/>
+              </a:solidFill>
+              <a:ea typeface="宋体" panose="02010600030101010101" pitchFamily="2" charset="-122"/>
+            </a:endParaRPr>
           </a:p>
         </p:txBody>
       </p:sp>
@@ -6177,6 +4655,12 @@
               </a:rPr>
               <a:t>工具栏样式</a:t>
             </a:r>
+            <a:endParaRPr lang="zh-CN" altLang="en-US" sz="1200" dirty="0" smtClean="0">
+              <a:solidFill>
+                <a:schemeClr val="tx1"/>
+              </a:solidFill>
+              <a:ea typeface="宋体" panose="02010600030101010101" pitchFamily="2" charset="-122"/>
+            </a:endParaRPr>
           </a:p>
         </p:txBody>
       </p:sp>
@@ -6264,6 +4748,12 @@
               </a:rPr>
               <a:t>功能设计</a:t>
             </a:r>
+            <a:endParaRPr lang="zh-CN" altLang="en-US" sz="1200" dirty="0" smtClean="0">
+              <a:solidFill>
+                <a:schemeClr val="tx1"/>
+              </a:solidFill>
+              <a:ea typeface="宋体" panose="02010600030101010101" pitchFamily="2" charset="-122"/>
+            </a:endParaRPr>
           </a:p>
         </p:txBody>
       </p:sp>
@@ -6351,6 +4841,12 @@
               </a:rPr>
               <a:t>代码架构</a:t>
             </a:r>
+            <a:endParaRPr lang="zh-CN" altLang="en-US" sz="1200" dirty="0" smtClean="0">
+              <a:solidFill>
+                <a:schemeClr val="tx1"/>
+              </a:solidFill>
+              <a:ea typeface="宋体" panose="02010600030101010101" pitchFamily="2" charset="-122"/>
+            </a:endParaRPr>
           </a:p>
         </p:txBody>
       </p:sp>
@@ -6438,6 +4934,12 @@
               </a:rPr>
               <a:t>引入项目方式</a:t>
             </a:r>
+            <a:endParaRPr lang="zh-CN" altLang="en-US" sz="1200" dirty="0" smtClean="0">
+              <a:solidFill>
+                <a:schemeClr val="tx1"/>
+              </a:solidFill>
+              <a:ea typeface="宋体" panose="02010600030101010101" pitchFamily="2" charset="-122"/>
+            </a:endParaRPr>
           </a:p>
         </p:txBody>
       </p:sp>
@@ -6525,6 +5027,12 @@
               </a:rPr>
               <a:t>项目业务结合</a:t>
             </a:r>
+            <a:endParaRPr lang="zh-CN" altLang="en-US" sz="1200" dirty="0" smtClean="0">
+              <a:solidFill>
+                <a:schemeClr val="tx1"/>
+              </a:solidFill>
+              <a:ea typeface="宋体" panose="02010600030101010101" pitchFamily="2" charset="-122"/>
+            </a:endParaRPr>
           </a:p>
         </p:txBody>
       </p:sp>
@@ -6702,6 +5210,12 @@
               </a:rPr>
               <a:t>工具栏</a:t>
             </a:r>
+            <a:endParaRPr lang="zh-CN" altLang="en-US" sz="1200" dirty="0" smtClean="0">
+              <a:solidFill>
+                <a:schemeClr val="tx1"/>
+              </a:solidFill>
+              <a:ea typeface="宋体" panose="02010600030101010101" pitchFamily="2" charset="-122"/>
+            </a:endParaRPr>
           </a:p>
         </p:txBody>
       </p:sp>
@@ -6993,6 +5507,12 @@
               </a:rPr>
               <a:t>火眼金睛软件</a:t>
             </a:r>
+            <a:endParaRPr lang="zh-CN" altLang="en-US" sz="1200" dirty="0" smtClean="0">
+              <a:solidFill>
+                <a:schemeClr val="tx1"/>
+              </a:solidFill>
+              <a:ea typeface="宋体" panose="02010600030101010101" pitchFamily="2" charset="-122"/>
+            </a:endParaRPr>
           </a:p>
         </p:txBody>
       </p:sp>
@@ -7098,6 +5618,12 @@
               </a:rPr>
               <a:t>项目</a:t>
             </a:r>
+            <a:endParaRPr lang="zh-CN" altLang="en-US" sz="1200" dirty="0" smtClean="0">
+              <a:solidFill>
+                <a:schemeClr val="tx1"/>
+              </a:solidFill>
+              <a:ea typeface="宋体" panose="02010600030101010101" pitchFamily="2" charset="-122"/>
+            </a:endParaRPr>
           </a:p>
         </p:txBody>
       </p:sp>
@@ -7699,6 +6225,12 @@
               </a:rPr>
               <a:t>美观、易于使用、自适应屏幕分辨率</a:t>
             </a:r>
+            <a:endParaRPr lang="zh-CN" altLang="en-US" sz="1200" dirty="0" smtClean="0">
+              <a:solidFill>
+                <a:schemeClr val="tx1"/>
+              </a:solidFill>
+              <a:ea typeface="宋体" panose="02010600030101010101" pitchFamily="2" charset="-122"/>
+            </a:endParaRPr>
           </a:p>
         </p:txBody>
       </p:sp>
@@ -7804,6 +6336,12 @@
               </a:rPr>
               <a:t>配置，操作步骤简单</a:t>
             </a:r>
+            <a:endParaRPr lang="zh-CN" altLang="en-US" sz="1200" dirty="0" smtClean="0">
+              <a:solidFill>
+                <a:schemeClr val="tx1"/>
+              </a:solidFill>
+              <a:ea typeface="宋体" panose="02010600030101010101" pitchFamily="2" charset="-122"/>
+            </a:endParaRPr>
           </a:p>
         </p:txBody>
       </p:sp>
@@ -7891,6 +6429,12 @@
               </a:rPr>
               <a:t>二次开发能力强，标准化与业务功能的结合</a:t>
             </a:r>
+            <a:endParaRPr lang="zh-CN" altLang="en-US" sz="1200" dirty="0" smtClean="0">
+              <a:solidFill>
+                <a:schemeClr val="tx1"/>
+              </a:solidFill>
+              <a:ea typeface="宋体" panose="02010600030101010101" pitchFamily="2" charset="-122"/>
+            </a:endParaRPr>
           </a:p>
         </p:txBody>
       </p:sp>
@@ -7978,6 +6522,12 @@
               </a:rPr>
               <a:t>功能操作简单，功能涵盖全面，性能良好，易于用户自主配置分析</a:t>
             </a:r>
+            <a:endParaRPr lang="zh-CN" altLang="en-US" sz="1200" dirty="0" smtClean="0">
+              <a:solidFill>
+                <a:schemeClr val="tx1"/>
+              </a:solidFill>
+              <a:ea typeface="宋体" panose="02010600030101010101" pitchFamily="2" charset="-122"/>
+            </a:endParaRPr>
           </a:p>
         </p:txBody>
       </p:sp>
@@ -8074,6 +6624,12 @@
               </a:rPr>
               <a:t>，业务与数据分离，耦合性低，模块化开发，易于多人协同工作</a:t>
             </a:r>
+            <a:endParaRPr lang="zh-CN" altLang="en-US" sz="1200" dirty="0" smtClean="0">
+              <a:solidFill>
+                <a:schemeClr val="tx1"/>
+              </a:solidFill>
+              <a:ea typeface="宋体" panose="02010600030101010101" pitchFamily="2" charset="-122"/>
+            </a:endParaRPr>
           </a:p>
         </p:txBody>
       </p:sp>
@@ -8542,6 +7098,12 @@
               </a:rPr>
               <a:t>改造方向</a:t>
             </a:r>
+            <a:endParaRPr lang="zh-CN" altLang="en-US" sz="1400" b="1" dirty="0" smtClean="0">
+              <a:solidFill>
+                <a:schemeClr val="tx1"/>
+              </a:solidFill>
+              <a:ea typeface="宋体" panose="02010600030101010101" pitchFamily="2" charset="-122"/>
+            </a:endParaRPr>
           </a:p>
         </p:txBody>
       </p:sp>
@@ -8605,6 +7167,12 @@
               </a:rPr>
               <a:t>改造目标</a:t>
             </a:r>
+            <a:endParaRPr lang="zh-CN" altLang="en-US" sz="1400" b="1" dirty="0" smtClean="0">
+              <a:solidFill>
+                <a:schemeClr val="tx1"/>
+              </a:solidFill>
+              <a:ea typeface="宋体" panose="02010600030101010101" pitchFamily="2" charset="-122"/>
+            </a:endParaRPr>
           </a:p>
         </p:txBody>
       </p:sp>
@@ -8668,15 +7236,16 @@
               </a:rPr>
               <a:t>改造参考项</a:t>
             </a:r>
+            <a:endParaRPr lang="zh-CN" altLang="en-US" sz="1400" b="1" dirty="0" smtClean="0">
+              <a:solidFill>
+                <a:schemeClr val="tx1"/>
+              </a:solidFill>
+              <a:ea typeface="宋体" panose="02010600030101010101" pitchFamily="2" charset="-122"/>
+            </a:endParaRPr>
           </a:p>
         </p:txBody>
       </p:sp>
     </p:spTree>
-    <p:extLst>
-      <p:ext uri="{BB962C8B-B14F-4D97-AF65-F5344CB8AC3E}">
-        <p14:creationId xmlns:p14="http://schemas.microsoft.com/office/powerpoint/2010/main" val="2308851637"/>
-      </p:ext>
-    </p:extLst>
   </p:cSld>
   <p:clrMapOvr>
     <a:masterClrMapping/>
@@ -8691,7 +7260,7 @@
 </p:sld>
 </file>
 
-<file path=ppt/slides/slide12.xml><?xml version="1.0" encoding="utf-8"?>
+<file path=ppt/slides/slide11.xml><?xml version="1.0" encoding="utf-8"?>
 <p:sld xmlns:a="http://schemas.openxmlformats.org/drawingml/2006/main" xmlns:r="http://schemas.openxmlformats.org/officeDocument/2006/relationships" xmlns:p="http://schemas.openxmlformats.org/presentationml/2006/main">
   <p:cSld>
     <p:spTree>
@@ -8725,7 +7294,6 @@
           <a:p>
             <a:fld id="{76B1E760-ECB3-4197-9FBC-1D87FC5C6A28}" type="slidenum">
               <a:rPr kumimoji="1" lang="ja-JP" altLang="en-US" smtClean="0"/>
-              <a:t>12</a:t>
             </a:fld>
             <a:endParaRPr kumimoji="1" lang="ja-JP" altLang="en-US" dirty="0"/>
           </a:p>
@@ -8753,15 +7321,6 @@
             <a:r>
               <a:rPr lang="zh-CN" altLang="en-US" dirty="0"/>
               <a:t>年工作规划和个人目标</a:t>
-            </a:r>
-            <a:r>
-              <a:rPr lang="en-US" altLang="zh-CN" dirty="0">
-                <a:solidFill>
-                  <a:srgbClr val="000000"/>
-                </a:solidFill>
-                <a:ea typeface="宋体" panose="02010600030101010101" pitchFamily="2" charset="-122"/>
-              </a:rPr>
-              <a:t/>
             </a:r>
             <a:br>
               <a:rPr lang="en-US" altLang="zh-CN" dirty="0">
@@ -9539,7 +8098,7 @@
         </p:nvSpPr>
         <p:spPr>
           <a:xfrm>
-            <a:off x="6261100" y="3005566"/>
+            <a:off x="6261100" y="2962386"/>
             <a:ext cx="1059255" cy="1004934"/>
           </a:xfrm>
           <a:prstGeom prst="ellipse">
@@ -9798,6 +8357,12 @@
               </a:rPr>
               <a:t>熟练使用项目中常用的前端技术，高效率完成项目工作。</a:t>
             </a:r>
+            <a:endParaRPr lang="zh-CN" altLang="en-US" sz="1200" dirty="0">
+              <a:solidFill>
+                <a:schemeClr val="tx1"/>
+              </a:solidFill>
+              <a:ea typeface="宋体" panose="02010600030101010101" pitchFamily="2" charset="-122"/>
+            </a:endParaRPr>
           </a:p>
         </p:txBody>
       </p:sp>
@@ -9809,7 +8374,7 @@
         </p:nvSpPr>
         <p:spPr>
           <a:xfrm>
-            <a:off x="8104559" y="3741923"/>
+            <a:off x="8104559" y="3782563"/>
             <a:ext cx="2848185" cy="796549"/>
           </a:xfrm>
           <a:prstGeom prst="roundRect">
@@ -9950,12 +8515,12 @@
         </p:nvCxnSpPr>
         <p:spPr>
           <a:xfrm flipV="1">
-            <a:off x="7320355" y="2012424"/>
-            <a:ext cx="784205" cy="1495609"/>
+            <a:off x="7320280" y="2012950"/>
+            <a:ext cx="784225" cy="1452245"/>
           </a:xfrm>
           <a:prstGeom prst="bentConnector3">
             <a:avLst>
-              <a:gd name="adj1" fmla="val 50000"/>
+              <a:gd name="adj1" fmla="val 50040"/>
             </a:avLst>
           </a:prstGeom>
           <a:ln w="57150">
@@ -9988,12 +8553,12 @@
         </p:nvCxnSpPr>
         <p:spPr>
           <a:xfrm flipV="1">
-            <a:off x="7320355" y="3059687"/>
-            <a:ext cx="784204" cy="448346"/>
+            <a:off x="7320280" y="3060065"/>
+            <a:ext cx="784225" cy="405130"/>
           </a:xfrm>
           <a:prstGeom prst="bentConnector3">
             <a:avLst>
-              <a:gd name="adj1" fmla="val 50000"/>
+              <a:gd name="adj1" fmla="val 50040"/>
             </a:avLst>
           </a:prstGeom>
           <a:ln w="57150">
@@ -10026,12 +8591,12 @@
         </p:nvCxnSpPr>
         <p:spPr>
           <a:xfrm>
-            <a:off x="7320355" y="3508033"/>
-            <a:ext cx="784204" cy="632165"/>
+            <a:off x="7320280" y="3465195"/>
+            <a:ext cx="784225" cy="715645"/>
           </a:xfrm>
           <a:prstGeom prst="bentConnector3">
             <a:avLst>
-              <a:gd name="adj1" fmla="val 50000"/>
+              <a:gd name="adj1" fmla="val 50040"/>
             </a:avLst>
           </a:prstGeom>
           <a:ln w="57150">
@@ -10228,7 +8793,7 @@
         </p:nvSpPr>
         <p:spPr>
           <a:xfrm>
-            <a:off x="8138825" y="4896677"/>
+            <a:off x="8104535" y="4896677"/>
             <a:ext cx="2779652" cy="551738"/>
           </a:xfrm>
           <a:prstGeom prst="roundRect">
@@ -10351,12 +8916,12 @@
         </p:nvCxnSpPr>
         <p:spPr>
           <a:xfrm>
-            <a:off x="7320355" y="3508033"/>
-            <a:ext cx="818470" cy="1664513"/>
+            <a:off x="7320280" y="3465195"/>
+            <a:ext cx="784225" cy="1707515"/>
           </a:xfrm>
           <a:prstGeom prst="bentConnector3">
             <a:avLst>
-              <a:gd name="adj1" fmla="val 50000"/>
+              <a:gd name="adj1" fmla="val 50040"/>
             </a:avLst>
           </a:prstGeom>
           <a:ln w="57150">
@@ -10378,6 +8943,614 @@
           </a:fontRef>
         </p:style>
       </p:cxnSp>
+    </p:spTree>
+  </p:cSld>
+  <p:clrMapOvr>
+    <a:masterClrMapping/>
+  </p:clrMapOvr>
+  <p:timing>
+    <p:tnLst>
+      <p:par>
+        <p:cTn id="1" dur="indefinite" restart="never" nodeType="tmRoot"/>
+      </p:par>
+    </p:tnLst>
+  </p:timing>
+</p:sld>
+</file>
+
+<file path=ppt/slides/slide12.xml><?xml version="1.0" encoding="utf-8"?>
+<p:sld xmlns:a="http://schemas.openxmlformats.org/drawingml/2006/main" xmlns:r="http://schemas.openxmlformats.org/officeDocument/2006/relationships" xmlns:p="http://schemas.openxmlformats.org/presentationml/2006/main">
+  <p:cSld>
+    <p:spTree>
+      <p:nvGrpSpPr>
+        <p:cNvPr id="1" name=""/>
+        <p:cNvGrpSpPr/>
+        <p:nvPr/>
+      </p:nvGrpSpPr>
+      <p:grpSpPr>
+        <a:xfrm>
+          <a:off x="0" y="0"/>
+          <a:ext cx="0" cy="0"/>
+          <a:chOff x="0" y="0"/>
+          <a:chExt cx="0" cy="0"/>
+        </a:xfrm>
+      </p:grpSpPr>
+      <p:sp>
+        <p:nvSpPr>
+          <p:cNvPr id="2" name="灯片编号占位符 1"/>
+          <p:cNvSpPr>
+            <a:spLocks noGrp="1"/>
+          </p:cNvSpPr>
+          <p:nvPr>
+            <p:ph type="sldNum" sz="quarter" idx="10"/>
+          </p:nvPr>
+        </p:nvSpPr>
+        <p:spPr/>
+        <p:txBody>
+          <a:bodyPr/>
+          <a:lstStyle/>
+          <a:p>
+            <a:fld id="{76B1E760-ECB3-4197-9FBC-1D87FC5C6A28}" type="slidenum">
+              <a:rPr kumimoji="1" lang="ja-JP" altLang="en-US" smtClean="0"/>
+            </a:fld>
+            <a:endParaRPr kumimoji="1" lang="ja-JP" altLang="en-US" dirty="0"/>
+          </a:p>
+        </p:txBody>
+      </p:sp>
+      <p:sp>
+        <p:nvSpPr>
+          <p:cNvPr id="3" name="标题 2"/>
+          <p:cNvSpPr>
+            <a:spLocks noGrp="1"/>
+          </p:cNvSpPr>
+          <p:nvPr>
+            <p:ph type="title"/>
+          </p:nvPr>
+        </p:nvSpPr>
+        <p:spPr/>
+        <p:txBody>
+          <a:bodyPr/>
+          <a:lstStyle/>
+          <a:p>
+            <a:r>
+              <a:rPr lang="en-US" altLang="zh-CN" dirty="0"/>
+              <a:t>2019</a:t>
+            </a:r>
+            <a:r>
+              <a:rPr lang="zh-CN" altLang="en-US" dirty="0"/>
+              <a:t>年工作规划和个人目标</a:t>
+            </a:r>
+            <a:br>
+              <a:rPr lang="en-US" altLang="zh-CN" dirty="0">
+                <a:solidFill>
+                  <a:srgbClr val="000000"/>
+                </a:solidFill>
+                <a:ea typeface="宋体" panose="02010600030101010101" pitchFamily="2" charset="-122"/>
+              </a:rPr>
+            </a:br>
+            <a:endParaRPr lang="zh-CN" altLang="en-US" dirty="0"/>
+          </a:p>
+        </p:txBody>
+      </p:sp>
+      <p:sp>
+        <p:nvSpPr>
+          <p:cNvPr id="5" name="文本框 23"/>
+          <p:cNvSpPr txBox="1"/>
+          <p:nvPr/>
+        </p:nvSpPr>
+        <p:spPr>
+          <a:xfrm>
+            <a:off x="306705" y="530860"/>
+            <a:ext cx="5954395" cy="352425"/>
+          </a:xfrm>
+          <a:prstGeom prst="rect">
+            <a:avLst/>
+          </a:prstGeom>
+          <a:noFill/>
+        </p:spPr>
+        <p:txBody>
+          <a:bodyPr wrap="square" rtlCol="0">
+            <a:spAutoFit/>
+          </a:bodyPr>
+          <a:lstStyle/>
+          <a:p>
+            <a:r>
+              <a:rPr lang="zh-CN" altLang="en-US" b="1" dirty="0" smtClean="0">
+                <a:sym typeface="+mn-ea"/>
+              </a:rPr>
+              <a:t>个人目标</a:t>
+            </a:r>
+            <a:endParaRPr lang="zh-CN" altLang="en-US" b="1" dirty="0">
+              <a:sym typeface="+mn-ea"/>
+            </a:endParaRPr>
+          </a:p>
+        </p:txBody>
+      </p:sp>
+      <p:sp>
+        <p:nvSpPr>
+          <p:cNvPr id="17" name="圆角矩形 16"/>
+          <p:cNvSpPr/>
+          <p:nvPr/>
+        </p:nvSpPr>
+        <p:spPr>
+          <a:xfrm>
+            <a:off x="2672080" y="2371725"/>
+            <a:ext cx="5942330" cy="796290"/>
+          </a:xfrm>
+          <a:prstGeom prst="roundRect">
+            <a:avLst/>
+          </a:prstGeom>
+          <a:gradFill flip="none" rotWithShape="1">
+            <a:gsLst>
+              <a:gs pos="0">
+                <a:schemeClr val="accent1">
+                  <a:tint val="66000"/>
+                  <a:satMod val="160000"/>
+                </a:schemeClr>
+              </a:gs>
+              <a:gs pos="50000">
+                <a:schemeClr val="accent1">
+                  <a:tint val="44500"/>
+                  <a:satMod val="160000"/>
+                </a:schemeClr>
+              </a:gs>
+              <a:gs pos="100000">
+                <a:schemeClr val="accent1">
+                  <a:tint val="23500"/>
+                  <a:satMod val="160000"/>
+                </a:schemeClr>
+              </a:gs>
+            </a:gsLst>
+            <a:lin ang="0" scaled="1"/>
+            <a:tileRect/>
+          </a:gradFill>
+          <a:effectLst>
+            <a:outerShdw blurRad="50800" dist="38100" dir="2700000" algn="tl" rotWithShape="0">
+              <a:prstClr val="black">
+                <a:alpha val="40000"/>
+              </a:prstClr>
+            </a:outerShdw>
+          </a:effectLst>
+        </p:spPr>
+        <p:style>
+          <a:lnRef idx="2">
+            <a:schemeClr val="accent5"/>
+          </a:lnRef>
+          <a:fillRef idx="1">
+            <a:schemeClr val="lt1"/>
+          </a:fillRef>
+          <a:effectRef idx="0">
+            <a:schemeClr val="accent5"/>
+          </a:effectRef>
+          <a:fontRef idx="minor">
+            <a:schemeClr val="dk1"/>
+          </a:fontRef>
+        </p:style>
+        <p:txBody>
+          <a:bodyPr anchor="ctr"/>
+          <a:p>
+            <a:pPr fontAlgn="auto">
+              <a:lnSpc>
+                <a:spcPct val="150000"/>
+              </a:lnSpc>
+              <a:spcBef>
+                <a:spcPct val="0"/>
+              </a:spcBef>
+              <a:buClr>
+                <a:schemeClr val="accent2"/>
+              </a:buClr>
+            </a:pPr>
+            <a:r>
+              <a:rPr lang="zh-CN" altLang="en-US" sz="1600" dirty="0" smtClean="0">
+                <a:solidFill>
+                  <a:schemeClr val="tx1"/>
+                </a:solidFill>
+                <a:ea typeface="宋体" panose="02010600030101010101" pitchFamily="2" charset="-122"/>
+              </a:rPr>
+              <a:t>熟练掌握前端框架技术，提升设计能力，能够熟练封装</a:t>
+            </a:r>
+            <a:r>
+              <a:rPr lang="en-US" altLang="zh-CN" sz="1600" dirty="0" smtClean="0">
+                <a:solidFill>
+                  <a:schemeClr val="tx1"/>
+                </a:solidFill>
+                <a:ea typeface="宋体" panose="02010600030101010101" pitchFamily="2" charset="-122"/>
+              </a:rPr>
+              <a:t>JS</a:t>
+            </a:r>
+            <a:r>
+              <a:rPr lang="zh-CN" altLang="en-US" sz="1600" dirty="0" smtClean="0">
+                <a:solidFill>
+                  <a:schemeClr val="tx1"/>
+                </a:solidFill>
+                <a:ea typeface="宋体" panose="02010600030101010101" pitchFamily="2" charset="-122"/>
+              </a:rPr>
+              <a:t>组件。</a:t>
+            </a:r>
+            <a:endParaRPr lang="zh-CN" altLang="en-US" sz="1600" dirty="0" smtClean="0">
+              <a:solidFill>
+                <a:schemeClr val="tx1"/>
+              </a:solidFill>
+              <a:ea typeface="宋体" panose="02010600030101010101" pitchFamily="2" charset="-122"/>
+            </a:endParaRPr>
+          </a:p>
+        </p:txBody>
+      </p:sp>
+      <p:sp>
+        <p:nvSpPr>
+          <p:cNvPr id="4" name="圆角矩形 3"/>
+          <p:cNvSpPr/>
+          <p:nvPr/>
+        </p:nvSpPr>
+        <p:spPr>
+          <a:xfrm>
+            <a:off x="2672080" y="1249045"/>
+            <a:ext cx="5942330" cy="796290"/>
+          </a:xfrm>
+          <a:prstGeom prst="roundRect">
+            <a:avLst/>
+          </a:prstGeom>
+          <a:gradFill flip="none" rotWithShape="1">
+            <a:gsLst>
+              <a:gs pos="0">
+                <a:schemeClr val="accent1">
+                  <a:tint val="66000"/>
+                  <a:satMod val="160000"/>
+                </a:schemeClr>
+              </a:gs>
+              <a:gs pos="50000">
+                <a:schemeClr val="accent1">
+                  <a:tint val="44500"/>
+                  <a:satMod val="160000"/>
+                </a:schemeClr>
+              </a:gs>
+              <a:gs pos="100000">
+                <a:schemeClr val="accent1">
+                  <a:tint val="23500"/>
+                  <a:satMod val="160000"/>
+                </a:schemeClr>
+              </a:gs>
+            </a:gsLst>
+            <a:lin ang="0" scaled="1"/>
+            <a:tileRect/>
+          </a:gradFill>
+          <a:effectLst>
+            <a:outerShdw blurRad="50800" dist="38100" dir="2700000" algn="tl" rotWithShape="0">
+              <a:prstClr val="black">
+                <a:alpha val="40000"/>
+              </a:prstClr>
+            </a:outerShdw>
+          </a:effectLst>
+        </p:spPr>
+        <p:style>
+          <a:lnRef idx="2">
+            <a:schemeClr val="accent5"/>
+          </a:lnRef>
+          <a:fillRef idx="1">
+            <a:schemeClr val="lt1"/>
+          </a:fillRef>
+          <a:effectRef idx="0">
+            <a:schemeClr val="accent5"/>
+          </a:effectRef>
+          <a:fontRef idx="minor">
+            <a:schemeClr val="dk1"/>
+          </a:fontRef>
+        </p:style>
+        <p:txBody>
+          <a:bodyPr anchor="ctr"/>
+          <a:p>
+            <a:pPr fontAlgn="auto">
+              <a:lnSpc>
+                <a:spcPct val="150000"/>
+              </a:lnSpc>
+              <a:spcBef>
+                <a:spcPct val="0"/>
+              </a:spcBef>
+              <a:buClr>
+                <a:schemeClr val="accent2"/>
+              </a:buClr>
+            </a:pPr>
+            <a:r>
+              <a:rPr lang="zh-CN" sz="1600" dirty="0" smtClean="0">
+                <a:solidFill>
+                  <a:schemeClr val="tx1"/>
+                </a:solidFill>
+                <a:ea typeface="宋体" panose="02010600030101010101" pitchFamily="2" charset="-122"/>
+              </a:rPr>
+              <a:t>带领可视化团队，完善关系可视化工具的功能，封装</a:t>
+            </a:r>
+            <a:r>
+              <a:rPr lang="en-US" altLang="zh-CN" sz="1600" dirty="0" smtClean="0">
+                <a:solidFill>
+                  <a:schemeClr val="tx1"/>
+                </a:solidFill>
+                <a:ea typeface="宋体" panose="02010600030101010101" pitchFamily="2" charset="-122"/>
+              </a:rPr>
+              <a:t>GIS</a:t>
+            </a:r>
+            <a:r>
+              <a:rPr lang="zh-CN" altLang="en-US" sz="1600" dirty="0" smtClean="0">
+                <a:solidFill>
+                  <a:schemeClr val="tx1"/>
+                </a:solidFill>
+                <a:ea typeface="宋体" panose="02010600030101010101" pitchFamily="2" charset="-122"/>
+              </a:rPr>
+              <a:t>工具。</a:t>
+            </a:r>
+            <a:endParaRPr lang="zh-CN" altLang="en-US" sz="1600" dirty="0" smtClean="0">
+              <a:solidFill>
+                <a:schemeClr val="tx1"/>
+              </a:solidFill>
+              <a:ea typeface="宋体" panose="02010600030101010101" pitchFamily="2" charset="-122"/>
+            </a:endParaRPr>
+          </a:p>
+        </p:txBody>
+      </p:sp>
+      <p:sp>
+        <p:nvSpPr>
+          <p:cNvPr id="6" name="圆角矩形 5"/>
+          <p:cNvSpPr/>
+          <p:nvPr/>
+        </p:nvSpPr>
+        <p:spPr>
+          <a:xfrm>
+            <a:off x="2672080" y="4849495"/>
+            <a:ext cx="5942330" cy="796290"/>
+          </a:xfrm>
+          <a:prstGeom prst="roundRect">
+            <a:avLst/>
+          </a:prstGeom>
+          <a:gradFill flip="none" rotWithShape="1">
+            <a:gsLst>
+              <a:gs pos="0">
+                <a:schemeClr val="accent1">
+                  <a:tint val="66000"/>
+                  <a:satMod val="160000"/>
+                </a:schemeClr>
+              </a:gs>
+              <a:gs pos="50000">
+                <a:schemeClr val="accent1">
+                  <a:tint val="44500"/>
+                  <a:satMod val="160000"/>
+                </a:schemeClr>
+              </a:gs>
+              <a:gs pos="100000">
+                <a:schemeClr val="accent1">
+                  <a:tint val="23500"/>
+                  <a:satMod val="160000"/>
+                </a:schemeClr>
+              </a:gs>
+            </a:gsLst>
+            <a:lin ang="0" scaled="1"/>
+            <a:tileRect/>
+          </a:gradFill>
+          <a:effectLst>
+            <a:outerShdw blurRad="50800" dist="38100" dir="2700000" algn="tl" rotWithShape="0">
+              <a:prstClr val="black">
+                <a:alpha val="40000"/>
+              </a:prstClr>
+            </a:outerShdw>
+          </a:effectLst>
+        </p:spPr>
+        <p:style>
+          <a:lnRef idx="2">
+            <a:schemeClr val="accent5"/>
+          </a:lnRef>
+          <a:fillRef idx="1">
+            <a:schemeClr val="lt1"/>
+          </a:fillRef>
+          <a:effectRef idx="0">
+            <a:schemeClr val="accent5"/>
+          </a:effectRef>
+          <a:fontRef idx="minor">
+            <a:schemeClr val="dk1"/>
+          </a:fontRef>
+        </p:style>
+        <p:txBody>
+          <a:bodyPr anchor="ctr"/>
+          <a:p>
+            <a:pPr fontAlgn="auto">
+              <a:lnSpc>
+                <a:spcPct val="150000"/>
+              </a:lnSpc>
+              <a:spcBef>
+                <a:spcPct val="0"/>
+              </a:spcBef>
+              <a:buClr>
+                <a:schemeClr val="accent2"/>
+              </a:buClr>
+            </a:pPr>
+            <a:r>
+              <a:rPr lang="zh-CN" altLang="en-US" sz="1600" dirty="0" smtClean="0">
+                <a:solidFill>
+                  <a:schemeClr val="tx1"/>
+                </a:solidFill>
+                <a:ea typeface="宋体" panose="02010600030101010101" pitchFamily="2" charset="-122"/>
+              </a:rPr>
+              <a:t>继续坚持运动，保持每周至少</a:t>
+            </a:r>
+            <a:r>
+              <a:rPr lang="en-US" altLang="zh-CN" sz="1600" dirty="0" smtClean="0">
+                <a:solidFill>
+                  <a:schemeClr val="tx1"/>
+                </a:solidFill>
+                <a:ea typeface="宋体" panose="02010600030101010101" pitchFamily="2" charset="-122"/>
+              </a:rPr>
+              <a:t>4</a:t>
+            </a:r>
+            <a:r>
+              <a:rPr lang="zh-CN" altLang="en-US" sz="1600" dirty="0" smtClean="0">
+                <a:solidFill>
+                  <a:schemeClr val="tx1"/>
+                </a:solidFill>
+                <a:ea typeface="宋体" panose="02010600030101010101" pitchFamily="2" charset="-122"/>
+              </a:rPr>
+              <a:t>次运动，每次至少</a:t>
+            </a:r>
+            <a:r>
+              <a:rPr lang="en-US" altLang="zh-CN" sz="1600" dirty="0" smtClean="0">
+                <a:solidFill>
+                  <a:schemeClr val="tx1"/>
+                </a:solidFill>
+                <a:ea typeface="宋体" panose="02010600030101010101" pitchFamily="2" charset="-122"/>
+              </a:rPr>
+              <a:t>30</a:t>
+            </a:r>
+            <a:r>
+              <a:rPr lang="zh-CN" altLang="en-US" sz="1600" dirty="0" smtClean="0">
+                <a:solidFill>
+                  <a:schemeClr val="tx1"/>
+                </a:solidFill>
+                <a:ea typeface="宋体" panose="02010600030101010101" pitchFamily="2" charset="-122"/>
+              </a:rPr>
+              <a:t>分钟。</a:t>
+            </a:r>
+            <a:endParaRPr lang="zh-CN" altLang="en-US" sz="1600" dirty="0" smtClean="0">
+              <a:solidFill>
+                <a:schemeClr val="tx1"/>
+              </a:solidFill>
+              <a:ea typeface="宋体" panose="02010600030101010101" pitchFamily="2" charset="-122"/>
+            </a:endParaRPr>
+          </a:p>
+        </p:txBody>
+      </p:sp>
+      <p:sp>
+        <p:nvSpPr>
+          <p:cNvPr id="7" name="圆角矩形 6"/>
+          <p:cNvSpPr/>
+          <p:nvPr/>
+        </p:nvSpPr>
+        <p:spPr>
+          <a:xfrm>
+            <a:off x="2672080" y="3610610"/>
+            <a:ext cx="5942330" cy="796290"/>
+          </a:xfrm>
+          <a:prstGeom prst="roundRect">
+            <a:avLst/>
+          </a:prstGeom>
+          <a:gradFill flip="none" rotWithShape="1">
+            <a:gsLst>
+              <a:gs pos="0">
+                <a:schemeClr val="accent1">
+                  <a:tint val="66000"/>
+                  <a:satMod val="160000"/>
+                </a:schemeClr>
+              </a:gs>
+              <a:gs pos="50000">
+                <a:schemeClr val="accent1">
+                  <a:tint val="44500"/>
+                  <a:satMod val="160000"/>
+                </a:schemeClr>
+              </a:gs>
+              <a:gs pos="100000">
+                <a:schemeClr val="accent1">
+                  <a:tint val="23500"/>
+                  <a:satMod val="160000"/>
+                </a:schemeClr>
+              </a:gs>
+            </a:gsLst>
+            <a:lin ang="0" scaled="1"/>
+            <a:tileRect/>
+          </a:gradFill>
+          <a:effectLst>
+            <a:outerShdw blurRad="50800" dist="38100" dir="2700000" algn="tl" rotWithShape="0">
+              <a:prstClr val="black">
+                <a:alpha val="40000"/>
+              </a:prstClr>
+            </a:outerShdw>
+          </a:effectLst>
+        </p:spPr>
+        <p:style>
+          <a:lnRef idx="2">
+            <a:schemeClr val="accent5"/>
+          </a:lnRef>
+          <a:fillRef idx="1">
+            <a:schemeClr val="lt1"/>
+          </a:fillRef>
+          <a:effectRef idx="0">
+            <a:schemeClr val="accent5"/>
+          </a:effectRef>
+          <a:fontRef idx="minor">
+            <a:schemeClr val="dk1"/>
+          </a:fontRef>
+        </p:style>
+        <p:txBody>
+          <a:bodyPr anchor="ctr"/>
+          <a:p>
+            <a:pPr fontAlgn="auto">
+              <a:lnSpc>
+                <a:spcPct val="150000"/>
+              </a:lnSpc>
+              <a:spcBef>
+                <a:spcPct val="0"/>
+              </a:spcBef>
+              <a:buClr>
+                <a:schemeClr val="accent2"/>
+              </a:buClr>
+            </a:pPr>
+            <a:r>
+              <a:rPr lang="zh-CN" sz="1600" dirty="0" smtClean="0">
+                <a:solidFill>
+                  <a:schemeClr val="tx1"/>
+                </a:solidFill>
+                <a:ea typeface="宋体" panose="02010600030101010101" pitchFamily="2" charset="-122"/>
+              </a:rPr>
+              <a:t>学习</a:t>
+            </a:r>
+            <a:r>
+              <a:rPr lang="en-US" altLang="zh-CN" sz="1600" dirty="0" smtClean="0">
+                <a:solidFill>
+                  <a:schemeClr val="tx1"/>
+                </a:solidFill>
+                <a:ea typeface="宋体" panose="02010600030101010101" pitchFamily="2" charset="-122"/>
+              </a:rPr>
+              <a:t>Java</a:t>
+            </a:r>
+            <a:r>
+              <a:rPr lang="zh-CN" altLang="en-US" sz="1600" dirty="0" smtClean="0">
+                <a:solidFill>
+                  <a:schemeClr val="tx1"/>
+                </a:solidFill>
+                <a:ea typeface="宋体" panose="02010600030101010101" pitchFamily="2" charset="-122"/>
+              </a:rPr>
+              <a:t>框架技术，完善技能池，能够独立搭建</a:t>
+            </a:r>
+            <a:r>
+              <a:rPr lang="en-US" altLang="zh-CN" sz="1600" dirty="0" smtClean="0">
+                <a:solidFill>
+                  <a:schemeClr val="tx1"/>
+                </a:solidFill>
+                <a:ea typeface="宋体" panose="02010600030101010101" pitchFamily="2" charset="-122"/>
+              </a:rPr>
+              <a:t>JavaWeb</a:t>
+            </a:r>
+            <a:r>
+              <a:rPr lang="zh-CN" altLang="en-US" sz="1600" dirty="0" smtClean="0">
+                <a:solidFill>
+                  <a:schemeClr val="tx1"/>
+                </a:solidFill>
+                <a:ea typeface="宋体" panose="02010600030101010101" pitchFamily="2" charset="-122"/>
+              </a:rPr>
+              <a:t>项目</a:t>
+            </a:r>
+            <a:r>
+              <a:rPr lang="zh-CN" altLang="en-US" sz="1600" dirty="0" smtClean="0">
+                <a:solidFill>
+                  <a:schemeClr val="tx1"/>
+                </a:solidFill>
+                <a:ea typeface="宋体" panose="02010600030101010101" pitchFamily="2" charset="-122"/>
+              </a:rPr>
+              <a:t>。</a:t>
+            </a:r>
+            <a:endParaRPr lang="zh-CN" altLang="en-US" sz="1600" dirty="0" smtClean="0">
+              <a:solidFill>
+                <a:schemeClr val="tx1"/>
+              </a:solidFill>
+              <a:ea typeface="宋体" panose="02010600030101010101" pitchFamily="2" charset="-122"/>
+            </a:endParaRPr>
+          </a:p>
+        </p:txBody>
+      </p:sp>
     </p:spTree>
   </p:cSld>
   <p:clrMapOvr>
@@ -10427,7 +9600,6 @@
           <a:p>
             <a:fld id="{76B1E760-ECB3-4197-9FBC-1D87FC5C6A28}" type="slidenum">
               <a:rPr kumimoji="1" lang="ja-JP" altLang="en-US" smtClean="0"/>
-              <a:t>13</a:t>
             </a:fld>
             <a:endParaRPr kumimoji="1" lang="ja-JP" altLang="en-US" dirty="0"/>
           </a:p>
@@ -10449,21 +9621,12 @@
           <a:lstStyle/>
           <a:p>
             <a:r>
-              <a:rPr lang="en-US" altLang="zh-CN" dirty="0"/>
-              <a:t>2019</a:t>
+              <a:rPr lang="zh-CN" altLang="en-US" dirty="0" smtClean="0"/>
+              <a:t>对</a:t>
             </a:r>
             <a:r>
               <a:rPr lang="zh-CN" altLang="en-US" dirty="0"/>
-              <a:t>年工作规划和个人目标</a:t>
-            </a:r>
-            <a:r>
-              <a:rPr lang="en-US" altLang="zh-CN" dirty="0">
-                <a:solidFill>
-                  <a:srgbClr val="000000"/>
-                </a:solidFill>
-                <a:ea typeface="宋体" panose="02010600030101010101" pitchFamily="2" charset="-122"/>
-              </a:rPr>
-              <a:t/>
+              <a:t>公司或团队的建议及期望</a:t>
             </a:r>
             <a:br>
               <a:rPr lang="en-US" altLang="zh-CN" dirty="0">
@@ -10479,44 +9642,864 @@
       </p:sp>
       <p:sp>
         <p:nvSpPr>
-          <p:cNvPr id="5" name="文本框 23"/>
-          <p:cNvSpPr txBox="1"/>
+          <p:cNvPr id="7" name="椭圆 6"/>
+          <p:cNvSpPr/>
           <p:nvPr/>
         </p:nvSpPr>
         <p:spPr>
           <a:xfrm>
-            <a:off x="306705" y="530860"/>
-            <a:ext cx="5954395" cy="352425"/>
+            <a:off x="492125" y="2566670"/>
+            <a:ext cx="1755775" cy="1725930"/>
           </a:xfrm>
-          <a:prstGeom prst="rect">
+          <a:prstGeom prst="ellipse">
             <a:avLst/>
           </a:prstGeom>
-          <a:noFill/>
+          <a:gradFill flip="none" rotWithShape="1">
+            <a:gsLst>
+              <a:gs pos="0">
+                <a:schemeClr val="accent1">
+                  <a:tint val="66000"/>
+                  <a:satMod val="160000"/>
+                </a:schemeClr>
+              </a:gs>
+              <a:gs pos="50000">
+                <a:schemeClr val="accent1">
+                  <a:tint val="44500"/>
+                  <a:satMod val="160000"/>
+                </a:schemeClr>
+              </a:gs>
+              <a:gs pos="100000">
+                <a:schemeClr val="accent1">
+                  <a:tint val="23500"/>
+                  <a:satMod val="160000"/>
+                </a:schemeClr>
+              </a:gs>
+            </a:gsLst>
+            <a:lin ang="0" scaled="1"/>
+            <a:tileRect/>
+          </a:gradFill>
+          <a:effectLst>
+            <a:outerShdw blurRad="50800" dist="38100" dir="2700000" algn="tl" rotWithShape="0">
+              <a:prstClr val="black">
+                <a:alpha val="40000"/>
+              </a:prstClr>
+            </a:outerShdw>
+          </a:effectLst>
         </p:spPr>
+        <p:style>
+          <a:lnRef idx="2">
+            <a:schemeClr val="accent5"/>
+          </a:lnRef>
+          <a:fillRef idx="1">
+            <a:schemeClr val="lt1"/>
+          </a:fillRef>
+          <a:effectRef idx="0">
+            <a:schemeClr val="accent5"/>
+          </a:effectRef>
+          <a:fontRef idx="minor">
+            <a:schemeClr val="dk1"/>
+          </a:fontRef>
+        </p:style>
         <p:txBody>
-          <a:bodyPr wrap="square" rtlCol="0">
-            <a:spAutoFit/>
-          </a:bodyPr>
-          <a:lstStyle/>
+          <a:bodyPr anchor="ctr"/>
           <a:p>
-            <a:r>
-              <a:rPr lang="zh-CN" altLang="en-US" b="1" dirty="0" smtClean="0">
-                <a:sym typeface="+mn-ea"/>
-              </a:rPr>
-              <a:t>个人目标</a:t>
-            </a:r>
-            <a:endParaRPr lang="zh-CN" altLang="en-US" b="1" dirty="0">
-              <a:sym typeface="+mn-ea"/>
+            <a:pPr eaLnBrk="1" hangingPunct="1">
+              <a:spcBef>
+                <a:spcPct val="0"/>
+              </a:spcBef>
+              <a:buClr>
+                <a:schemeClr val="accent2"/>
+              </a:buClr>
+            </a:pPr>
+            <a:r>
+              <a:rPr lang="zh-CN" altLang="en-US" sz="1200" dirty="0" smtClean="0">
+                <a:solidFill>
+                  <a:schemeClr val="tx1"/>
+                </a:solidFill>
+                <a:ea typeface="宋体" panose="02010600030101010101" pitchFamily="2" charset="-122"/>
+              </a:rPr>
+              <a:t>需求变更时的文档维护</a:t>
+            </a:r>
+            <a:endParaRPr lang="zh-CN" altLang="en-US" sz="1200" dirty="0" smtClean="0">
+              <a:solidFill>
+                <a:schemeClr val="tx1"/>
+              </a:solidFill>
+              <a:ea typeface="宋体" panose="02010600030101010101" pitchFamily="2" charset="-122"/>
+            </a:endParaRPr>
+          </a:p>
+        </p:txBody>
+      </p:sp>
+      <p:sp>
+        <p:nvSpPr>
+          <p:cNvPr id="20" name="圆角矩形 19"/>
+          <p:cNvSpPr/>
+          <p:nvPr/>
+        </p:nvSpPr>
+        <p:spPr>
+          <a:xfrm>
+            <a:off x="2061845" y="2397760"/>
+            <a:ext cx="1553845" cy="599440"/>
+          </a:xfrm>
+          <a:prstGeom prst="roundRect">
+            <a:avLst/>
+          </a:prstGeom>
+          <a:solidFill>
+            <a:schemeClr val="accent4">
+              <a:lumMod val="40000"/>
+              <a:lumOff val="60000"/>
+            </a:schemeClr>
+          </a:solidFill>
+          <a:ln w="28575" cmpd="sng">
+            <a:solidFill>
+              <a:schemeClr val="accent1">
+                <a:shade val="50000"/>
+              </a:schemeClr>
+            </a:solidFill>
+            <a:prstDash val="sysDash"/>
+          </a:ln>
+          <a:effectLst>
+            <a:outerShdw blurRad="50800" dist="38100" dir="2700000" algn="tl" rotWithShape="0">
+              <a:prstClr val="black">
+                <a:alpha val="40000"/>
+              </a:prstClr>
+            </a:outerShdw>
+          </a:effectLst>
+        </p:spPr>
+        <p:style>
+          <a:lnRef idx="2">
+            <a:schemeClr val="accent5"/>
+          </a:lnRef>
+          <a:fillRef idx="1">
+            <a:schemeClr val="lt1"/>
+          </a:fillRef>
+          <a:effectRef idx="0">
+            <a:schemeClr val="accent5"/>
+          </a:effectRef>
+          <a:fontRef idx="minor">
+            <a:schemeClr val="dk1"/>
+          </a:fontRef>
+        </p:style>
+        <p:txBody>
+          <a:bodyPr anchor="ctr"/>
+          <a:p>
+            <a:pPr algn="ctr" fontAlgn="auto">
+              <a:lnSpc>
+                <a:spcPct val="150000"/>
+              </a:lnSpc>
+              <a:spcBef>
+                <a:spcPct val="0"/>
+              </a:spcBef>
+              <a:buClr>
+                <a:schemeClr val="accent2"/>
+              </a:buClr>
+            </a:pPr>
+            <a:r>
+              <a:rPr lang="zh-CN" altLang="en-US" sz="1200" dirty="0" smtClean="0">
+                <a:solidFill>
+                  <a:schemeClr val="tx1"/>
+                </a:solidFill>
+                <a:ea typeface="宋体" panose="02010600030101010101" pitchFamily="2" charset="-122"/>
+              </a:rPr>
+              <a:t>需求文档的及时更新</a:t>
+            </a:r>
+            <a:endParaRPr lang="zh-CN" altLang="en-US" sz="1200" dirty="0" smtClean="0">
+              <a:solidFill>
+                <a:schemeClr val="tx1"/>
+              </a:solidFill>
+              <a:ea typeface="宋体" panose="02010600030101010101" pitchFamily="2" charset="-122"/>
+            </a:endParaRPr>
+          </a:p>
+        </p:txBody>
+      </p:sp>
+      <p:sp>
+        <p:nvSpPr>
+          <p:cNvPr id="9" name="圆角矩形 8"/>
+          <p:cNvSpPr/>
+          <p:nvPr/>
+        </p:nvSpPr>
+        <p:spPr>
+          <a:xfrm>
+            <a:off x="2061845" y="3848735"/>
+            <a:ext cx="1553845" cy="599440"/>
+          </a:xfrm>
+          <a:prstGeom prst="roundRect">
+            <a:avLst/>
+          </a:prstGeom>
+          <a:solidFill>
+            <a:schemeClr val="accent4">
+              <a:lumMod val="40000"/>
+              <a:lumOff val="60000"/>
+            </a:schemeClr>
+          </a:solidFill>
+          <a:ln w="28575" cmpd="sng">
+            <a:solidFill>
+              <a:schemeClr val="accent1">
+                <a:shade val="50000"/>
+              </a:schemeClr>
+            </a:solidFill>
+            <a:prstDash val="sysDash"/>
+          </a:ln>
+          <a:effectLst>
+            <a:outerShdw blurRad="50800" dist="38100" dir="2700000" algn="tl" rotWithShape="0">
+              <a:prstClr val="black">
+                <a:alpha val="40000"/>
+              </a:prstClr>
+            </a:outerShdw>
+          </a:effectLst>
+        </p:spPr>
+        <p:style>
+          <a:lnRef idx="2">
+            <a:schemeClr val="accent5"/>
+          </a:lnRef>
+          <a:fillRef idx="1">
+            <a:schemeClr val="lt1"/>
+          </a:fillRef>
+          <a:effectRef idx="0">
+            <a:schemeClr val="accent5"/>
+          </a:effectRef>
+          <a:fontRef idx="minor">
+            <a:schemeClr val="dk1"/>
+          </a:fontRef>
+        </p:style>
+        <p:txBody>
+          <a:bodyPr anchor="ctr"/>
+          <a:p>
+            <a:pPr algn="ctr" fontAlgn="auto">
+              <a:lnSpc>
+                <a:spcPct val="150000"/>
+              </a:lnSpc>
+              <a:spcBef>
+                <a:spcPct val="0"/>
+              </a:spcBef>
+              <a:buClr>
+                <a:schemeClr val="accent2"/>
+              </a:buClr>
+            </a:pPr>
+            <a:r>
+              <a:rPr lang="zh-CN" altLang="en-US" sz="1200" dirty="0" smtClean="0">
+                <a:solidFill>
+                  <a:schemeClr val="tx1"/>
+                </a:solidFill>
+                <a:ea typeface="宋体" panose="02010600030101010101" pitchFamily="2" charset="-122"/>
+              </a:rPr>
+              <a:t>设计文档的维护</a:t>
+            </a:r>
+            <a:endParaRPr lang="zh-CN" altLang="en-US" sz="1200" dirty="0" smtClean="0">
+              <a:solidFill>
+                <a:schemeClr val="tx1"/>
+              </a:solidFill>
+              <a:ea typeface="宋体" panose="02010600030101010101" pitchFamily="2" charset="-122"/>
+            </a:endParaRPr>
+          </a:p>
+        </p:txBody>
+      </p:sp>
+      <p:sp>
+        <p:nvSpPr>
+          <p:cNvPr id="10" name="椭圆 9"/>
+          <p:cNvSpPr/>
+          <p:nvPr/>
+        </p:nvSpPr>
+        <p:spPr>
+          <a:xfrm>
+            <a:off x="4168775" y="2664460"/>
+            <a:ext cx="1755775" cy="1725930"/>
+          </a:xfrm>
+          <a:prstGeom prst="ellipse">
+            <a:avLst/>
+          </a:prstGeom>
+          <a:gradFill flip="none" rotWithShape="1">
+            <a:gsLst>
+              <a:gs pos="0">
+                <a:schemeClr val="accent1">
+                  <a:tint val="66000"/>
+                  <a:satMod val="160000"/>
+                </a:schemeClr>
+              </a:gs>
+              <a:gs pos="50000">
+                <a:schemeClr val="accent1">
+                  <a:tint val="44500"/>
+                  <a:satMod val="160000"/>
+                </a:schemeClr>
+              </a:gs>
+              <a:gs pos="100000">
+                <a:schemeClr val="accent1">
+                  <a:tint val="23500"/>
+                  <a:satMod val="160000"/>
+                </a:schemeClr>
+              </a:gs>
+            </a:gsLst>
+            <a:lin ang="0" scaled="1"/>
+            <a:tileRect/>
+          </a:gradFill>
+          <a:effectLst>
+            <a:outerShdw blurRad="50800" dist="38100" dir="2700000" algn="tl" rotWithShape="0">
+              <a:prstClr val="black">
+                <a:alpha val="40000"/>
+              </a:prstClr>
+            </a:outerShdw>
+          </a:effectLst>
+        </p:spPr>
+        <p:style>
+          <a:lnRef idx="2">
+            <a:schemeClr val="accent5"/>
+          </a:lnRef>
+          <a:fillRef idx="1">
+            <a:schemeClr val="lt1"/>
+          </a:fillRef>
+          <a:effectRef idx="0">
+            <a:schemeClr val="accent5"/>
+          </a:effectRef>
+          <a:fontRef idx="minor">
+            <a:schemeClr val="dk1"/>
+          </a:fontRef>
+        </p:style>
+        <p:txBody>
+          <a:bodyPr anchor="ctr"/>
+          <a:p>
+            <a:pPr eaLnBrk="1" hangingPunct="1">
+              <a:spcBef>
+                <a:spcPct val="0"/>
+              </a:spcBef>
+              <a:buClr>
+                <a:schemeClr val="accent2"/>
+              </a:buClr>
+            </a:pPr>
+            <a:r>
+              <a:rPr lang="zh-CN" altLang="en-US" sz="1200" dirty="0" smtClean="0">
+                <a:solidFill>
+                  <a:schemeClr val="tx1"/>
+                </a:solidFill>
+                <a:ea typeface="宋体" panose="02010600030101010101" pitchFamily="2" charset="-122"/>
+              </a:rPr>
+              <a:t>项目经验和教训的总结</a:t>
+            </a:r>
+            <a:endParaRPr lang="zh-CN" altLang="en-US" sz="1200" dirty="0" smtClean="0">
+              <a:solidFill>
+                <a:schemeClr val="tx1"/>
+              </a:solidFill>
+              <a:ea typeface="宋体" panose="02010600030101010101" pitchFamily="2" charset="-122"/>
+            </a:endParaRPr>
+          </a:p>
+        </p:txBody>
+      </p:sp>
+      <p:sp>
+        <p:nvSpPr>
+          <p:cNvPr id="11" name="圆角矩形 10"/>
+          <p:cNvSpPr/>
+          <p:nvPr/>
+        </p:nvSpPr>
+        <p:spPr>
+          <a:xfrm>
+            <a:off x="5738495" y="2485390"/>
+            <a:ext cx="1969770" cy="695960"/>
+          </a:xfrm>
+          <a:prstGeom prst="roundRect">
+            <a:avLst/>
+          </a:prstGeom>
+          <a:solidFill>
+            <a:schemeClr val="accent4">
+              <a:lumMod val="40000"/>
+              <a:lumOff val="60000"/>
+            </a:schemeClr>
+          </a:solidFill>
+          <a:ln w="28575" cmpd="sng">
+            <a:solidFill>
+              <a:schemeClr val="accent1">
+                <a:shade val="50000"/>
+              </a:schemeClr>
+            </a:solidFill>
+            <a:prstDash val="sysDash"/>
+          </a:ln>
+          <a:effectLst>
+            <a:outerShdw blurRad="50800" dist="38100" dir="2700000" algn="tl" rotWithShape="0">
+              <a:prstClr val="black">
+                <a:alpha val="40000"/>
+              </a:prstClr>
+            </a:outerShdw>
+          </a:effectLst>
+        </p:spPr>
+        <p:style>
+          <a:lnRef idx="2">
+            <a:schemeClr val="accent5"/>
+          </a:lnRef>
+          <a:fillRef idx="1">
+            <a:schemeClr val="lt1"/>
+          </a:fillRef>
+          <a:effectRef idx="0">
+            <a:schemeClr val="accent5"/>
+          </a:effectRef>
+          <a:fontRef idx="minor">
+            <a:schemeClr val="dk1"/>
+          </a:fontRef>
+        </p:style>
+        <p:txBody>
+          <a:bodyPr anchor="ctr"/>
+          <a:p>
+            <a:pPr algn="ctr" fontAlgn="auto">
+              <a:lnSpc>
+                <a:spcPct val="150000"/>
+              </a:lnSpc>
+              <a:spcBef>
+                <a:spcPct val="0"/>
+              </a:spcBef>
+              <a:buClr>
+                <a:schemeClr val="accent2"/>
+              </a:buClr>
+            </a:pPr>
+            <a:r>
+              <a:rPr lang="zh-CN" altLang="en-US" sz="1200" dirty="0" smtClean="0">
+                <a:solidFill>
+                  <a:schemeClr val="tx1"/>
+                </a:solidFill>
+                <a:ea typeface="宋体" panose="02010600030101010101" pitchFamily="2" charset="-122"/>
+              </a:rPr>
+              <a:t>项目或项目阶段结束时，组织开展项目总结会</a:t>
+            </a:r>
+            <a:endParaRPr lang="zh-CN" altLang="en-US" sz="1200" dirty="0" smtClean="0">
+              <a:solidFill>
+                <a:schemeClr val="tx1"/>
+              </a:solidFill>
+              <a:ea typeface="宋体" panose="02010600030101010101" pitchFamily="2" charset="-122"/>
+            </a:endParaRPr>
+          </a:p>
+        </p:txBody>
+      </p:sp>
+      <p:sp>
+        <p:nvSpPr>
+          <p:cNvPr id="12" name="圆角矩形 11"/>
+          <p:cNvSpPr/>
+          <p:nvPr/>
+        </p:nvSpPr>
+        <p:spPr>
+          <a:xfrm>
+            <a:off x="5738495" y="3946525"/>
+            <a:ext cx="2036445" cy="869950"/>
+          </a:xfrm>
+          <a:prstGeom prst="roundRect">
+            <a:avLst/>
+          </a:prstGeom>
+          <a:solidFill>
+            <a:schemeClr val="accent4">
+              <a:lumMod val="40000"/>
+              <a:lumOff val="60000"/>
+            </a:schemeClr>
+          </a:solidFill>
+          <a:ln w="28575" cmpd="sng">
+            <a:solidFill>
+              <a:schemeClr val="accent1">
+                <a:shade val="50000"/>
+              </a:schemeClr>
+            </a:solidFill>
+            <a:prstDash val="sysDash"/>
+          </a:ln>
+          <a:effectLst>
+            <a:outerShdw blurRad="50800" dist="38100" dir="2700000" algn="tl" rotWithShape="0">
+              <a:prstClr val="black">
+                <a:alpha val="40000"/>
+              </a:prstClr>
+            </a:outerShdw>
+          </a:effectLst>
+        </p:spPr>
+        <p:style>
+          <a:lnRef idx="2">
+            <a:schemeClr val="accent5"/>
+          </a:lnRef>
+          <a:fillRef idx="1">
+            <a:schemeClr val="lt1"/>
+          </a:fillRef>
+          <a:effectRef idx="0">
+            <a:schemeClr val="accent5"/>
+          </a:effectRef>
+          <a:fontRef idx="minor">
+            <a:schemeClr val="dk1"/>
+          </a:fontRef>
+        </p:style>
+        <p:txBody>
+          <a:bodyPr anchor="ctr"/>
+          <a:p>
+            <a:pPr algn="ctr" fontAlgn="auto">
+              <a:lnSpc>
+                <a:spcPct val="150000"/>
+              </a:lnSpc>
+              <a:spcBef>
+                <a:spcPct val="0"/>
+              </a:spcBef>
+              <a:buClr>
+                <a:schemeClr val="accent2"/>
+              </a:buClr>
+            </a:pPr>
+            <a:r>
+              <a:rPr lang="zh-CN" altLang="en-US" sz="1200" dirty="0" smtClean="0">
+                <a:solidFill>
+                  <a:schemeClr val="tx1"/>
+                </a:solidFill>
+                <a:ea typeface="宋体" panose="02010600030101010101" pitchFamily="2" charset="-122"/>
+              </a:rPr>
+              <a:t>全体项目成员参与，总结自身问题，分享提升工作效率的经验</a:t>
+            </a:r>
+            <a:endParaRPr lang="zh-CN" altLang="en-US" sz="1200" dirty="0" smtClean="0">
+              <a:solidFill>
+                <a:schemeClr val="tx1"/>
+              </a:solidFill>
+              <a:ea typeface="宋体" panose="02010600030101010101" pitchFamily="2" charset="-122"/>
+            </a:endParaRPr>
+          </a:p>
+        </p:txBody>
+      </p:sp>
+      <p:sp>
+        <p:nvSpPr>
+          <p:cNvPr id="13" name="椭圆 12"/>
+          <p:cNvSpPr/>
+          <p:nvPr/>
+        </p:nvSpPr>
+        <p:spPr>
+          <a:xfrm>
+            <a:off x="8086725" y="2664460"/>
+            <a:ext cx="1755775" cy="1725930"/>
+          </a:xfrm>
+          <a:prstGeom prst="ellipse">
+            <a:avLst/>
+          </a:prstGeom>
+          <a:gradFill flip="none" rotWithShape="1">
+            <a:gsLst>
+              <a:gs pos="0">
+                <a:schemeClr val="accent1">
+                  <a:tint val="66000"/>
+                  <a:satMod val="160000"/>
+                </a:schemeClr>
+              </a:gs>
+              <a:gs pos="50000">
+                <a:schemeClr val="accent1">
+                  <a:tint val="44500"/>
+                  <a:satMod val="160000"/>
+                </a:schemeClr>
+              </a:gs>
+              <a:gs pos="100000">
+                <a:schemeClr val="accent1">
+                  <a:tint val="23500"/>
+                  <a:satMod val="160000"/>
+                </a:schemeClr>
+              </a:gs>
+            </a:gsLst>
+            <a:lin ang="0" scaled="1"/>
+            <a:tileRect/>
+          </a:gradFill>
+          <a:effectLst>
+            <a:outerShdw blurRad="50800" dist="38100" dir="2700000" algn="tl" rotWithShape="0">
+              <a:prstClr val="black">
+                <a:alpha val="40000"/>
+              </a:prstClr>
+            </a:outerShdw>
+          </a:effectLst>
+        </p:spPr>
+        <p:style>
+          <a:lnRef idx="2">
+            <a:schemeClr val="accent5"/>
+          </a:lnRef>
+          <a:fillRef idx="1">
+            <a:schemeClr val="lt1"/>
+          </a:fillRef>
+          <a:effectRef idx="0">
+            <a:schemeClr val="accent5"/>
+          </a:effectRef>
+          <a:fontRef idx="minor">
+            <a:schemeClr val="dk1"/>
+          </a:fontRef>
+        </p:style>
+        <p:txBody>
+          <a:bodyPr anchor="ctr"/>
+          <a:p>
+            <a:pPr eaLnBrk="1" hangingPunct="1">
+              <a:spcBef>
+                <a:spcPct val="0"/>
+              </a:spcBef>
+              <a:buClr>
+                <a:schemeClr val="accent2"/>
+              </a:buClr>
+            </a:pPr>
+            <a:r>
+              <a:rPr lang="zh-CN" altLang="en-US" sz="1200" dirty="0" smtClean="0">
+                <a:solidFill>
+                  <a:schemeClr val="tx1"/>
+                </a:solidFill>
+                <a:ea typeface="宋体" panose="02010600030101010101" pitchFamily="2" charset="-122"/>
+              </a:rPr>
+              <a:t>前端技术的培训和更新</a:t>
+            </a:r>
+            <a:endParaRPr lang="zh-CN" altLang="en-US" sz="1200" dirty="0" smtClean="0">
+              <a:solidFill>
+                <a:schemeClr val="tx1"/>
+              </a:solidFill>
+              <a:ea typeface="宋体" panose="02010600030101010101" pitchFamily="2" charset="-122"/>
+            </a:endParaRPr>
+          </a:p>
+        </p:txBody>
+      </p:sp>
+      <p:sp>
+        <p:nvSpPr>
+          <p:cNvPr id="18" name="圆角矩形 17"/>
+          <p:cNvSpPr/>
+          <p:nvPr/>
+        </p:nvSpPr>
+        <p:spPr>
+          <a:xfrm>
+            <a:off x="9645015" y="2566670"/>
+            <a:ext cx="1418590" cy="492760"/>
+          </a:xfrm>
+          <a:prstGeom prst="roundRect">
+            <a:avLst/>
+          </a:prstGeom>
+          <a:solidFill>
+            <a:schemeClr val="accent4">
+              <a:lumMod val="40000"/>
+              <a:lumOff val="60000"/>
+            </a:schemeClr>
+          </a:solidFill>
+          <a:ln w="28575" cmpd="sng">
+            <a:solidFill>
+              <a:schemeClr val="accent1">
+                <a:shade val="50000"/>
+              </a:schemeClr>
+            </a:solidFill>
+            <a:prstDash val="sysDash"/>
+          </a:ln>
+          <a:effectLst>
+            <a:outerShdw blurRad="50800" dist="38100" dir="2700000" algn="tl" rotWithShape="0">
+              <a:prstClr val="black">
+                <a:alpha val="40000"/>
+              </a:prstClr>
+            </a:outerShdw>
+          </a:effectLst>
+        </p:spPr>
+        <p:style>
+          <a:lnRef idx="2">
+            <a:schemeClr val="accent5"/>
+          </a:lnRef>
+          <a:fillRef idx="1">
+            <a:schemeClr val="lt1"/>
+          </a:fillRef>
+          <a:effectRef idx="0">
+            <a:schemeClr val="accent5"/>
+          </a:effectRef>
+          <a:fontRef idx="minor">
+            <a:schemeClr val="dk1"/>
+          </a:fontRef>
+        </p:style>
+        <p:txBody>
+          <a:bodyPr anchor="ctr"/>
+          <a:p>
+            <a:pPr algn="ctr" fontAlgn="auto">
+              <a:lnSpc>
+                <a:spcPct val="150000"/>
+              </a:lnSpc>
+              <a:spcBef>
+                <a:spcPct val="0"/>
+              </a:spcBef>
+              <a:buClr>
+                <a:schemeClr val="accent2"/>
+              </a:buClr>
+            </a:pPr>
+            <a:r>
+              <a:rPr lang="en-US" altLang="zh-CN" sz="1200" dirty="0" smtClean="0">
+                <a:solidFill>
+                  <a:schemeClr val="tx1"/>
+                </a:solidFill>
+                <a:ea typeface="宋体" panose="02010600030101010101" pitchFamily="2" charset="-122"/>
+              </a:rPr>
+              <a:t>CSS</a:t>
+            </a:r>
+            <a:r>
+              <a:rPr lang="zh-CN" altLang="en-US" sz="1200" dirty="0" smtClean="0">
+                <a:solidFill>
+                  <a:schemeClr val="tx1"/>
+                </a:solidFill>
+                <a:ea typeface="宋体" panose="02010600030101010101" pitchFamily="2" charset="-122"/>
+              </a:rPr>
+              <a:t>样式使用培训</a:t>
+            </a:r>
+            <a:endParaRPr lang="zh-CN" altLang="en-US" sz="1200" dirty="0" smtClean="0">
+              <a:solidFill>
+                <a:schemeClr val="tx1"/>
+              </a:solidFill>
+              <a:ea typeface="宋体" panose="02010600030101010101" pitchFamily="2" charset="-122"/>
+            </a:endParaRPr>
+          </a:p>
+        </p:txBody>
+      </p:sp>
+      <p:sp>
+        <p:nvSpPr>
+          <p:cNvPr id="19" name="圆角矩形 18"/>
+          <p:cNvSpPr/>
+          <p:nvPr/>
+        </p:nvSpPr>
+        <p:spPr>
+          <a:xfrm>
+            <a:off x="9842500" y="3356610"/>
+            <a:ext cx="1544955" cy="589915"/>
+          </a:xfrm>
+          <a:prstGeom prst="roundRect">
+            <a:avLst/>
+          </a:prstGeom>
+          <a:solidFill>
+            <a:schemeClr val="accent4">
+              <a:lumMod val="40000"/>
+              <a:lumOff val="60000"/>
+            </a:schemeClr>
+          </a:solidFill>
+          <a:ln w="28575" cmpd="sng">
+            <a:solidFill>
+              <a:schemeClr val="accent1">
+                <a:shade val="50000"/>
+              </a:schemeClr>
+            </a:solidFill>
+            <a:prstDash val="sysDash"/>
+          </a:ln>
+          <a:effectLst>
+            <a:outerShdw blurRad="50800" dist="38100" dir="2700000" algn="tl" rotWithShape="0">
+              <a:prstClr val="black">
+                <a:alpha val="40000"/>
+              </a:prstClr>
+            </a:outerShdw>
+          </a:effectLst>
+        </p:spPr>
+        <p:style>
+          <a:lnRef idx="2">
+            <a:schemeClr val="accent5"/>
+          </a:lnRef>
+          <a:fillRef idx="1">
+            <a:schemeClr val="lt1"/>
+          </a:fillRef>
+          <a:effectRef idx="0">
+            <a:schemeClr val="accent5"/>
+          </a:effectRef>
+          <a:fontRef idx="minor">
+            <a:schemeClr val="dk1"/>
+          </a:fontRef>
+        </p:style>
+        <p:txBody>
+          <a:bodyPr anchor="ctr"/>
+          <a:p>
+            <a:pPr algn="ctr" fontAlgn="auto">
+              <a:lnSpc>
+                <a:spcPct val="150000"/>
+              </a:lnSpc>
+              <a:spcBef>
+                <a:spcPct val="0"/>
+              </a:spcBef>
+              <a:buClr>
+                <a:schemeClr val="accent2"/>
+              </a:buClr>
+            </a:pPr>
+            <a:r>
+              <a:rPr lang="zh-CN" altLang="en-US" sz="1200" dirty="0" smtClean="0">
+                <a:solidFill>
+                  <a:schemeClr val="tx1"/>
+                </a:solidFill>
+                <a:ea typeface="宋体" panose="02010600030101010101" pitchFamily="2" charset="-122"/>
+              </a:rPr>
+              <a:t>前端框架技术的使用</a:t>
+            </a:r>
+            <a:endParaRPr lang="zh-CN" altLang="en-US" sz="1200" dirty="0" smtClean="0">
+              <a:solidFill>
+                <a:schemeClr val="tx1"/>
+              </a:solidFill>
+              <a:ea typeface="宋体" panose="02010600030101010101" pitchFamily="2" charset="-122"/>
+            </a:endParaRPr>
+          </a:p>
+        </p:txBody>
+      </p:sp>
+      <p:sp>
+        <p:nvSpPr>
+          <p:cNvPr id="21" name="圆角矩形 20"/>
+          <p:cNvSpPr/>
+          <p:nvPr/>
+        </p:nvSpPr>
+        <p:spPr>
+          <a:xfrm>
+            <a:off x="9394825" y="4217035"/>
+            <a:ext cx="1747520" cy="599440"/>
+          </a:xfrm>
+          <a:prstGeom prst="roundRect">
+            <a:avLst/>
+          </a:prstGeom>
+          <a:solidFill>
+            <a:schemeClr val="accent4">
+              <a:lumMod val="40000"/>
+              <a:lumOff val="60000"/>
+            </a:schemeClr>
+          </a:solidFill>
+          <a:ln w="28575" cmpd="sng">
+            <a:solidFill>
+              <a:schemeClr val="accent1">
+                <a:shade val="50000"/>
+              </a:schemeClr>
+            </a:solidFill>
+            <a:prstDash val="sysDash"/>
+          </a:ln>
+          <a:effectLst>
+            <a:outerShdw blurRad="50800" dist="38100" dir="2700000" algn="tl" rotWithShape="0">
+              <a:prstClr val="black">
+                <a:alpha val="40000"/>
+              </a:prstClr>
+            </a:outerShdw>
+          </a:effectLst>
+        </p:spPr>
+        <p:style>
+          <a:lnRef idx="2">
+            <a:schemeClr val="accent5"/>
+          </a:lnRef>
+          <a:fillRef idx="1">
+            <a:schemeClr val="lt1"/>
+          </a:fillRef>
+          <a:effectRef idx="0">
+            <a:schemeClr val="accent5"/>
+          </a:effectRef>
+          <a:fontRef idx="minor">
+            <a:schemeClr val="dk1"/>
+          </a:fontRef>
+        </p:style>
+        <p:txBody>
+          <a:bodyPr anchor="ctr"/>
+          <a:p>
+            <a:pPr algn="ctr" fontAlgn="auto">
+              <a:lnSpc>
+                <a:spcPct val="150000"/>
+              </a:lnSpc>
+              <a:spcBef>
+                <a:spcPct val="0"/>
+              </a:spcBef>
+              <a:buClr>
+                <a:schemeClr val="accent2"/>
+              </a:buClr>
+            </a:pPr>
+            <a:r>
+              <a:rPr lang="en-US" altLang="zh-CN" sz="1200" dirty="0" smtClean="0">
+                <a:solidFill>
+                  <a:schemeClr val="tx1"/>
+                </a:solidFill>
+                <a:ea typeface="宋体" panose="02010600030101010101" pitchFamily="2" charset="-122"/>
+              </a:rPr>
+              <a:t>JS</a:t>
+            </a:r>
+            <a:r>
+              <a:rPr lang="zh-CN" altLang="en-US" sz="1200" dirty="0" smtClean="0">
+                <a:solidFill>
+                  <a:schemeClr val="tx1"/>
+                </a:solidFill>
+                <a:ea typeface="宋体" panose="02010600030101010101" pitchFamily="2" charset="-122"/>
+              </a:rPr>
+              <a:t>面向对象开发的学习</a:t>
+            </a:r>
+            <a:endParaRPr lang="zh-CN" altLang="en-US" sz="1200" dirty="0" smtClean="0">
+              <a:solidFill>
+                <a:schemeClr val="tx1"/>
+              </a:solidFill>
+              <a:ea typeface="宋体" panose="02010600030101010101" pitchFamily="2" charset="-122"/>
             </a:endParaRPr>
           </a:p>
         </p:txBody>
       </p:sp>
     </p:spTree>
-    <p:extLst>
-      <p:ext uri="{BB962C8B-B14F-4D97-AF65-F5344CB8AC3E}">
-        <p14:creationId xmlns:p14="http://schemas.microsoft.com/office/powerpoint/2010/main" val="3428071566"/>
-      </p:ext>
-    </p:extLst>
   </p:cSld>
   <p:clrMapOvr>
     <a:masterClrMapping/>
@@ -10532,148 +10515,6 @@
 </file>
 
 <file path=ppt/slides/slide14.xml><?xml version="1.0" encoding="utf-8"?>
-<p:sld xmlns:a="http://schemas.openxmlformats.org/drawingml/2006/main" xmlns:r="http://schemas.openxmlformats.org/officeDocument/2006/relationships" xmlns:p="http://schemas.openxmlformats.org/presentationml/2006/main">
-  <p:cSld>
-    <p:spTree>
-      <p:nvGrpSpPr>
-        <p:cNvPr id="1" name=""/>
-        <p:cNvGrpSpPr/>
-        <p:nvPr/>
-      </p:nvGrpSpPr>
-      <p:grpSpPr>
-        <a:xfrm>
-          <a:off x="0" y="0"/>
-          <a:ext cx="0" cy="0"/>
-          <a:chOff x="0" y="0"/>
-          <a:chExt cx="0" cy="0"/>
-        </a:xfrm>
-      </p:grpSpPr>
-      <p:sp>
-        <p:nvSpPr>
-          <p:cNvPr id="2" name="灯片编号占位符 1"/>
-          <p:cNvSpPr>
-            <a:spLocks noGrp="1"/>
-          </p:cNvSpPr>
-          <p:nvPr>
-            <p:ph type="sldNum" sz="quarter" idx="10"/>
-          </p:nvPr>
-        </p:nvSpPr>
-        <p:spPr/>
-        <p:txBody>
-          <a:bodyPr/>
-          <a:lstStyle/>
-          <a:p>
-            <a:fld id="{76B1E760-ECB3-4197-9FBC-1D87FC5C6A28}" type="slidenum">
-              <a:rPr kumimoji="1" lang="ja-JP" altLang="en-US" smtClean="0"/>
-              <a:t>14</a:t>
-            </a:fld>
-            <a:endParaRPr kumimoji="1" lang="ja-JP" altLang="en-US" dirty="0"/>
-          </a:p>
-        </p:txBody>
-      </p:sp>
-      <p:sp>
-        <p:nvSpPr>
-          <p:cNvPr id="3" name="标题 2"/>
-          <p:cNvSpPr>
-            <a:spLocks noGrp="1"/>
-          </p:cNvSpPr>
-          <p:nvPr>
-            <p:ph type="title"/>
-          </p:nvPr>
-        </p:nvSpPr>
-        <p:spPr/>
-        <p:txBody>
-          <a:bodyPr/>
-          <a:lstStyle/>
-          <a:p>
-            <a:r>
-              <a:rPr lang="zh-CN" altLang="en-US" dirty="0" smtClean="0"/>
-              <a:t>对</a:t>
-            </a:r>
-            <a:r>
-              <a:rPr lang="zh-CN" altLang="en-US" dirty="0"/>
-              <a:t>公司或团队的建议及期望</a:t>
-            </a:r>
-            <a:r>
-              <a:rPr lang="en-US" altLang="zh-CN" dirty="0">
-                <a:solidFill>
-                  <a:srgbClr val="000000"/>
-                </a:solidFill>
-                <a:ea typeface="宋体" panose="02010600030101010101" pitchFamily="2" charset="-122"/>
-              </a:rPr>
-              <a:t/>
-            </a:r>
-            <a:br>
-              <a:rPr lang="en-US" altLang="zh-CN" dirty="0">
-                <a:solidFill>
-                  <a:srgbClr val="000000"/>
-                </a:solidFill>
-                <a:ea typeface="宋体" panose="02010600030101010101" pitchFamily="2" charset="-122"/>
-              </a:rPr>
-            </a:br>
-            <a:endParaRPr lang="zh-CN" altLang="en-US" dirty="0"/>
-          </a:p>
-        </p:txBody>
-      </p:sp>
-      <p:sp>
-        <p:nvSpPr>
-          <p:cNvPr id="45" name="文本框 44"/>
-          <p:cNvSpPr txBox="1"/>
-          <p:nvPr/>
-        </p:nvSpPr>
-        <p:spPr>
-          <a:xfrm>
-            <a:off x="1195992" y="2185059"/>
-            <a:ext cx="8250977" cy="353943"/>
-          </a:xfrm>
-          <a:prstGeom prst="rect">
-            <a:avLst/>
-          </a:prstGeom>
-          <a:noFill/>
-        </p:spPr>
-        <p:txBody>
-          <a:bodyPr wrap="none" rtlCol="0">
-            <a:spAutoFit/>
-          </a:bodyPr>
-          <a:lstStyle/>
-          <a:p>
-            <a:r>
-              <a:rPr lang="zh-CN" altLang="en-US" smtClean="0"/>
-              <a:t>见标题按自己的理解写，</a:t>
-            </a:r>
-            <a:r>
-              <a:rPr lang="zh-CN" altLang="en-US" dirty="0" smtClean="0"/>
-              <a:t>敢说敢提即可，不怕有问题和建议，主要</a:t>
-            </a:r>
-            <a:r>
-              <a:rPr lang="zh-CN" altLang="en-US" smtClean="0"/>
-              <a:t>看执行，页数不限</a:t>
-            </a:r>
-            <a:endParaRPr lang="zh-CN" altLang="en-US" dirty="0"/>
-          </a:p>
-        </p:txBody>
-      </p:sp>
-    </p:spTree>
-    <p:extLst>
-      <p:ext uri="{BB962C8B-B14F-4D97-AF65-F5344CB8AC3E}">
-        <p14:creationId xmlns:p14="http://schemas.microsoft.com/office/powerpoint/2010/main" val="4120313784"/>
-      </p:ext>
-    </p:extLst>
-  </p:cSld>
-  <p:clrMapOvr>
-    <a:masterClrMapping/>
-  </p:clrMapOvr>
-  <p:timing>
-    <p:tnLst>
-      <p:par>
-        <p:cTn id="1" dur="indefinite" restart="never" nodeType="tmRoot"/>
-      </p:par>
-    </p:tnLst>
-  </p:timing>
-</p:sld>
-</file>
-
-<file path=ppt/slides/slide15.xml><?xml version="1.0" encoding="utf-8"?>
 <p:sld xmlns:a="http://schemas.openxmlformats.org/drawingml/2006/main" xmlns:r="http://schemas.openxmlformats.org/officeDocument/2006/relationships" xmlns:p="http://schemas.openxmlformats.org/presentationml/2006/main">
   <p:cSld>
     <p:spTree>
@@ -10753,6 +10594,43 @@
               </a:rPr>
               <a:t>感谢倾听与指导！</a:t>
             </a:r>
+            <a:endParaRPr lang="zh-CN" altLang="en-US" sz="5300" b="1" dirty="0">
+              <a:ln w="17780" cmpd="sng">
+                <a:solidFill>
+                  <a:schemeClr val="accent1">
+                    <a:tint val="3000"/>
+                  </a:schemeClr>
+                </a:solidFill>
+                <a:prstDash val="solid"/>
+                <a:miter lim="800000"/>
+              </a:ln>
+              <a:gradFill>
+                <a:gsLst>
+                  <a:gs pos="10000">
+                    <a:schemeClr val="accent1">
+                      <a:tint val="63000"/>
+                      <a:sat val="105000"/>
+                    </a:schemeClr>
+                  </a:gs>
+                  <a:gs pos="90000">
+                    <a:schemeClr val="accent1">
+                      <a:shade val="50000"/>
+                      <a:satMod val="100000"/>
+                    </a:schemeClr>
+                  </a:gs>
+                </a:gsLst>
+                <a:lin ang="5400000"/>
+              </a:gradFill>
+              <a:effectLst>
+                <a:outerShdw blurRad="55000" dist="50800" dir="5400000" algn="tl">
+                  <a:srgbClr val="000000">
+                    <a:alpha val="33000"/>
+                  </a:srgbClr>
+                </a:outerShdw>
+              </a:effectLst>
+              <a:latin typeface="微软雅黑" panose="020B0503020204020204" pitchFamily="34" charset="-122"/>
+              <a:ea typeface="微软雅黑" panose="020B0503020204020204" pitchFamily="34" charset="-122"/>
+            </a:endParaRPr>
           </a:p>
         </p:txBody>
       </p:sp>
@@ -10765,7 +10643,7 @@
           <p:nvPr/>
         </p:nvPicPr>
         <p:blipFill>
-          <a:blip r:embed="rId2" cstate="print"/>
+          <a:blip r:embed="rId1" cstate="print"/>
           <a:stretch>
             <a:fillRect/>
           </a:stretch>
@@ -10797,7 +10675,6 @@
           <a:p>
             <a:fld id="{76B1E760-ECB3-4197-9FBC-1D87FC5C6A28}" type="slidenum">
               <a:rPr kumimoji="1" lang="ja-JP" altLang="en-US" smtClean="0"/>
-              <a:t>15</a:t>
             </a:fld>
             <a:endParaRPr kumimoji="1" lang="ja-JP" altLang="en-US" dirty="0"/>
           </a:p>
@@ -10852,7 +10729,6 @@
           <a:p>
             <a:fld id="{76B1E760-ECB3-4197-9FBC-1D87FC5C6A28}" type="slidenum">
               <a:rPr kumimoji="1" lang="ja-JP" altLang="en-US" smtClean="0"/>
-              <a:t>2</a:t>
             </a:fld>
             <a:endParaRPr kumimoji="1" lang="ja-JP" altLang="en-US" dirty="0"/>
           </a:p>
@@ -10880,10 +10756,6 @@
             <a:r>
               <a:rPr lang="zh-CN" altLang="en-US" dirty="0" smtClean="0"/>
               <a:t>年总结目录</a:t>
-            </a:r>
-            <a:r>
-              <a:rPr lang="zh-CN" altLang="en-US" dirty="0"/>
-              <a:t/>
             </a:r>
             <a:br>
               <a:rPr lang="zh-CN" altLang="en-US" dirty="0"/>
@@ -11691,7 +11563,7 @@
           <p:nvPr/>
         </p:nvPicPr>
         <p:blipFill>
-          <a:blip r:embed="rId2">
+          <a:blip r:embed="rId1">
             <a:extLst>
               <a:ext uri="{28A0092B-C50C-407E-A947-70E740481C1C}">
                 <a14:useLocalDpi xmlns:a14="http://schemas.microsoft.com/office/drawing/2010/main" val="0"/>
@@ -11746,7 +11618,7 @@
             <p:nvPr/>
           </p:nvPicPr>
           <p:blipFill>
-            <a:blip r:embed="rId3" cstate="print">
+            <a:blip r:embed="rId2" cstate="print">
               <a:extLst>
                 <a:ext uri="{28A0092B-C50C-407E-A947-70E740481C1C}">
                   <a14:useLocalDpi xmlns:a14="http://schemas.microsoft.com/office/drawing/2010/main" val="0"/>
@@ -12491,7 +12363,7 @@
             <p:nvPr/>
           </p:nvPicPr>
           <p:blipFill>
-            <a:blip r:embed="rId4" cstate="print">
+            <a:blip r:embed="rId3" cstate="print">
               <a:extLst>
                 <a:ext uri="{28A0092B-C50C-407E-A947-70E740481C1C}">
                   <a14:useLocalDpi xmlns:a14="http://schemas.microsoft.com/office/drawing/2010/main" val="0"/>
@@ -12547,7 +12419,7 @@
             <p:nvPr/>
           </p:nvPicPr>
           <p:blipFill>
-            <a:blip r:embed="rId3" cstate="print">
+            <a:blip r:embed="rId2" cstate="print">
               <a:extLst>
                 <a:ext uri="{28A0092B-C50C-407E-A947-70E740481C1C}">
                   <a14:useLocalDpi xmlns:a14="http://schemas.microsoft.com/office/drawing/2010/main" val="0"/>
@@ -13292,7 +13164,7 @@
             <p:nvPr/>
           </p:nvPicPr>
           <p:blipFill>
-            <a:blip r:embed="rId4" cstate="print">
+            <a:blip r:embed="rId3" cstate="print">
               <a:extLst>
                 <a:ext uri="{28A0092B-C50C-407E-A947-70E740481C1C}">
                   <a14:useLocalDpi xmlns:a14="http://schemas.microsoft.com/office/drawing/2010/main" val="0"/>
@@ -13348,7 +13220,7 @@
             <p:nvPr/>
           </p:nvPicPr>
           <p:blipFill>
-            <a:blip r:embed="rId3" cstate="print">
+            <a:blip r:embed="rId2" cstate="print">
               <a:extLst>
                 <a:ext uri="{28A0092B-C50C-407E-A947-70E740481C1C}">
                   <a14:useLocalDpi xmlns:a14="http://schemas.microsoft.com/office/drawing/2010/main" val="0"/>
@@ -14093,7 +13965,7 @@
             <p:nvPr/>
           </p:nvPicPr>
           <p:blipFill>
-            <a:blip r:embed="rId4" cstate="print">
+            <a:blip r:embed="rId3" cstate="print">
               <a:extLst>
                 <a:ext uri="{28A0092B-C50C-407E-A947-70E740481C1C}">
                   <a14:useLocalDpi xmlns:a14="http://schemas.microsoft.com/office/drawing/2010/main" val="0"/>
@@ -14149,7 +14021,7 @@
             <p:nvPr/>
           </p:nvPicPr>
           <p:blipFill>
-            <a:blip r:embed="rId3" cstate="print">
+            <a:blip r:embed="rId2" cstate="print">
               <a:extLst>
                 <a:ext uri="{28A0092B-C50C-407E-A947-70E740481C1C}">
                   <a14:useLocalDpi xmlns:a14="http://schemas.microsoft.com/office/drawing/2010/main" val="0"/>
@@ -14894,7 +14766,7 @@
             <p:nvPr/>
           </p:nvPicPr>
           <p:blipFill>
-            <a:blip r:embed="rId4" cstate="print">
+            <a:blip r:embed="rId3" cstate="print">
               <a:extLst>
                 <a:ext uri="{28A0092B-C50C-407E-A947-70E740481C1C}">
                   <a14:useLocalDpi xmlns:a14="http://schemas.microsoft.com/office/drawing/2010/main" val="0"/>
@@ -14976,7 +14848,6 @@
           <a:p>
             <a:fld id="{76B1E760-ECB3-4197-9FBC-1D87FC5C6A28}" type="slidenum">
               <a:rPr kumimoji="1" lang="ja-JP" altLang="en-US" smtClean="0"/>
-              <a:t>3</a:t>
             </a:fld>
             <a:endParaRPr kumimoji="1" lang="ja-JP" altLang="en-US" dirty="0"/>
           </a:p>
@@ -15005,6 +14876,7 @@
               <a:rPr lang="zh-CN" altLang="en-US" dirty="0"/>
               <a:t>年工作总体情况分析</a:t>
             </a:r>
+            <a:endParaRPr lang="zh-CN" altLang="en-US" dirty="0"/>
           </a:p>
         </p:txBody>
       </p:sp>
@@ -15036,6 +14908,9 @@
               </a:rPr>
               <a:t>工作内容回顾</a:t>
             </a:r>
+            <a:endParaRPr lang="zh-CN" altLang="en-US" b="1" dirty="0">
+              <a:sym typeface="+mn-ea"/>
+            </a:endParaRPr>
           </a:p>
         </p:txBody>
       </p:sp>
@@ -15125,6 +15000,12 @@
               </a:rPr>
               <a:t>对可视化工具进行版本管理，编写和完善功能设计和完善接口设计文档，并按照技术预研计划，逐步实现相关功能。</a:t>
             </a:r>
+            <a:endParaRPr lang="zh-CN" altLang="en-US" sz="1400" dirty="0" smtClean="0">
+              <a:solidFill>
+                <a:schemeClr val="tx1"/>
+              </a:solidFill>
+              <a:sym typeface="+mn-ea"/>
+            </a:endParaRPr>
           </a:p>
           <a:p>
             <a:pPr marL="342900" indent="-342900" fontAlgn="auto">
@@ -15221,6 +15102,12 @@
               </a:rPr>
               <a:t>业务功能实现。</a:t>
             </a:r>
+            <a:endParaRPr lang="zh-CN" altLang="en-US" sz="1400" dirty="0" smtClean="0">
+              <a:solidFill>
+                <a:schemeClr val="tx1"/>
+              </a:solidFill>
+              <a:sym typeface="+mn-ea"/>
+            </a:endParaRPr>
           </a:p>
           <a:p>
             <a:pPr marL="342900" indent="-342900" fontAlgn="auto">
@@ -15264,6 +15151,12 @@
               </a:rPr>
               <a:t>，提炼出新的功能，整合进可视化工具中。</a:t>
             </a:r>
+            <a:endParaRPr lang="zh-CN" altLang="en-US" sz="1400" dirty="0" smtClean="0">
+              <a:solidFill>
+                <a:schemeClr val="tx1"/>
+              </a:solidFill>
+              <a:ea typeface="宋体" panose="02010600030101010101" pitchFamily="2" charset="-122"/>
+            </a:endParaRPr>
           </a:p>
         </p:txBody>
       </p:sp>
@@ -15425,6 +15318,12 @@
               </a:rPr>
               <a:t>工具的封装做准备。</a:t>
             </a:r>
+            <a:endParaRPr lang="zh-CN" altLang="en-US" sz="1400" dirty="0" smtClean="0">
+              <a:solidFill>
+                <a:schemeClr val="tx1"/>
+              </a:solidFill>
+              <a:ea typeface="宋体" panose="02010600030101010101" pitchFamily="2" charset="-122"/>
+            </a:endParaRPr>
           </a:p>
           <a:p>
             <a:pPr marL="285750" indent="-285750" fontAlgn="auto">
@@ -15467,6 +15366,12 @@
               </a:rPr>
               <a:t>二期的开发、与采集人员对接、导入数据等工作。</a:t>
             </a:r>
+            <a:endParaRPr lang="zh-CN" altLang="en-US" sz="1400" dirty="0" smtClean="0">
+              <a:solidFill>
+                <a:schemeClr val="tx1"/>
+              </a:solidFill>
+              <a:ea typeface="宋体" panose="02010600030101010101" pitchFamily="2" charset="-122"/>
+            </a:endParaRPr>
           </a:p>
         </p:txBody>
       </p:sp>
@@ -15583,6 +15488,12 @@
               </a:rPr>
               <a:t>参与数据资源地图项目以及海外利益分析项目的设计和开发工作。</a:t>
             </a:r>
+            <a:endParaRPr lang="zh-CN" altLang="en-US" sz="1400" dirty="0" smtClean="0">
+              <a:solidFill>
+                <a:schemeClr val="tx1"/>
+              </a:solidFill>
+              <a:ea typeface="宋体" panose="02010600030101010101" pitchFamily="2" charset="-122"/>
+            </a:endParaRPr>
           </a:p>
         </p:txBody>
       </p:sp>
@@ -15673,6 +15584,13 @@
               </a:rPr>
               <a:t>负责可视化小组成员的日报审批和相关工作分配，培养新人。</a:t>
             </a:r>
+            <a:endParaRPr lang="zh-CN" sz="1400" dirty="0" smtClean="0">
+              <a:solidFill>
+                <a:schemeClr val="tx1"/>
+              </a:solidFill>
+              <a:ea typeface="宋体" panose="02010600030101010101" pitchFamily="2" charset="-122"/>
+              <a:sym typeface="+mn-ea"/>
+            </a:endParaRPr>
           </a:p>
           <a:p>
             <a:pPr marL="285750" indent="-285750" fontAlgn="auto">
@@ -15799,7 +15717,6 @@
           <a:p>
             <a:fld id="{76B1E760-ECB3-4197-9FBC-1D87FC5C6A28}" type="slidenum">
               <a:rPr kumimoji="1" lang="ja-JP" altLang="en-US" smtClean="0"/>
-              <a:t>4</a:t>
             </a:fld>
             <a:endParaRPr kumimoji="1" lang="ja-JP" altLang="en-US" dirty="0"/>
           </a:p>
@@ -15828,6 +15745,7 @@
               <a:rPr lang="zh-CN" altLang="en-US" dirty="0"/>
               <a:t>年工作总体情况分析</a:t>
             </a:r>
+            <a:endParaRPr lang="zh-CN" altLang="en-US" dirty="0"/>
           </a:p>
         </p:txBody>
       </p:sp>
@@ -15942,6 +15860,12 @@
               </a:rPr>
               <a:t>可视化工具</a:t>
             </a:r>
+            <a:endParaRPr lang="zh-CN" altLang="en-US" dirty="0" smtClean="0">
+              <a:solidFill>
+                <a:schemeClr val="tx1"/>
+              </a:solidFill>
+              <a:ea typeface="宋体" panose="02010600030101010101" pitchFamily="2" charset="-122"/>
+            </a:endParaRPr>
           </a:p>
         </p:txBody>
       </p:sp>
@@ -16010,6 +15934,12 @@
               </a:rPr>
               <a:t>与具体项目对接</a:t>
             </a:r>
+            <a:endParaRPr lang="zh-CN" altLang="en-US" dirty="0" smtClean="0">
+              <a:solidFill>
+                <a:schemeClr val="tx1"/>
+              </a:solidFill>
+              <a:ea typeface="宋体" panose="02010600030101010101" pitchFamily="2" charset="-122"/>
+            </a:endParaRPr>
           </a:p>
         </p:txBody>
       </p:sp>
@@ -16077,6 +16007,13 @@
               </a:rPr>
               <a:t>完善工具管理</a:t>
             </a:r>
+            <a:endParaRPr lang="zh-CN" altLang="en-US" dirty="0" smtClean="0">
+              <a:solidFill>
+                <a:schemeClr val="tx1"/>
+              </a:solidFill>
+              <a:ea typeface="宋体" panose="02010600030101010101" pitchFamily="2" charset="-122"/>
+              <a:sym typeface="+mn-ea"/>
+            </a:endParaRPr>
           </a:p>
         </p:txBody>
       </p:sp>
@@ -16144,6 +16081,13 @@
               </a:rPr>
               <a:t>优化既有功能</a:t>
             </a:r>
+            <a:endParaRPr lang="zh-CN" altLang="en-US" dirty="0" smtClean="0">
+              <a:solidFill>
+                <a:schemeClr val="tx1"/>
+              </a:solidFill>
+              <a:ea typeface="宋体" panose="02010600030101010101" pitchFamily="2" charset="-122"/>
+              <a:sym typeface="+mn-ea"/>
+            </a:endParaRPr>
           </a:p>
         </p:txBody>
       </p:sp>
@@ -16211,6 +16155,13 @@
               </a:rPr>
               <a:t>增加新功能</a:t>
             </a:r>
+            <a:endParaRPr lang="zh-CN" altLang="en-US" dirty="0" smtClean="0">
+              <a:solidFill>
+                <a:schemeClr val="tx1"/>
+              </a:solidFill>
+              <a:ea typeface="宋体" panose="02010600030101010101" pitchFamily="2" charset="-122"/>
+              <a:sym typeface="+mn-ea"/>
+            </a:endParaRPr>
           </a:p>
         </p:txBody>
       </p:sp>
@@ -16284,6 +16235,12 @@
               </a:rPr>
               <a:t>个项目中嵌入可视化，实现可视化通用功能。</a:t>
             </a:r>
+            <a:endParaRPr lang="zh-CN" altLang="en-US" sz="1200" dirty="0" smtClean="0">
+              <a:solidFill>
+                <a:schemeClr val="tx1"/>
+              </a:solidFill>
+              <a:ea typeface="宋体" panose="02010600030101010101" pitchFamily="2" charset="-122"/>
+            </a:endParaRPr>
           </a:p>
         </p:txBody>
       </p:sp>
@@ -16339,6 +16296,12 @@
               </a:rPr>
               <a:t>根据具体需求，实现与业务紧密关联的可视化功能。</a:t>
             </a:r>
+            <a:endParaRPr lang="zh-CN" altLang="en-US" sz="1200" dirty="0" smtClean="0">
+              <a:solidFill>
+                <a:schemeClr val="tx1"/>
+              </a:solidFill>
+              <a:ea typeface="宋体" panose="02010600030101010101" pitchFamily="2" charset="-122"/>
+            </a:endParaRPr>
           </a:p>
         </p:txBody>
       </p:sp>
@@ -16412,6 +16375,12 @@
               </a:rPr>
               <a:t>，并添加版本履历文档，对每一次版本更新的内容进行详细说明。</a:t>
             </a:r>
+            <a:endParaRPr lang="zh-CN" altLang="en-US" sz="1200" dirty="0" smtClean="0">
+              <a:solidFill>
+                <a:schemeClr val="tx1"/>
+              </a:solidFill>
+              <a:ea typeface="宋体" panose="02010600030101010101" pitchFamily="2" charset="-122"/>
+            </a:endParaRPr>
           </a:p>
         </p:txBody>
       </p:sp>
@@ -16467,6 +16436,12 @@
               </a:rPr>
               <a:t>编写功能设计策划文档，方便功能研发计划编制，以及让产品人员更易于熟悉可视化的功能构成和使用方式；逐步完善接口设计文档，便于与项目中的业务功能对接。</a:t>
             </a:r>
+            <a:endParaRPr lang="zh-CN" altLang="en-US" sz="1200" dirty="0" smtClean="0">
+              <a:solidFill>
+                <a:schemeClr val="tx1"/>
+              </a:solidFill>
+              <a:ea typeface="宋体" panose="02010600030101010101" pitchFamily="2" charset="-122"/>
+            </a:endParaRPr>
           </a:p>
         </p:txBody>
       </p:sp>
@@ -16556,6 +16531,12 @@
               </a:rPr>
               <a:t>多处，例如布局切换、路径分析、平行链接以及撤销恢复操作等功能。</a:t>
             </a:r>
+            <a:endParaRPr lang="zh-CN" altLang="en-US" sz="1200" dirty="0" smtClean="0">
+              <a:solidFill>
+                <a:schemeClr val="tx1"/>
+              </a:solidFill>
+              <a:ea typeface="宋体" panose="02010600030101010101" pitchFamily="2" charset="-122"/>
+            </a:endParaRPr>
           </a:p>
         </p:txBody>
       </p:sp>
@@ -16629,6 +16610,12 @@
               </a:rPr>
               <a:t>多项，例如环形右键菜单、环形树布局、自动寻位、自定义画板等功能。</a:t>
             </a:r>
+            <a:endParaRPr lang="zh-CN" altLang="en-US" sz="1200" dirty="0" smtClean="0">
+              <a:solidFill>
+                <a:schemeClr val="tx1"/>
+              </a:solidFill>
+              <a:ea typeface="宋体" panose="02010600030101010101" pitchFamily="2" charset="-122"/>
+            </a:endParaRPr>
           </a:p>
         </p:txBody>
       </p:sp>
@@ -17051,7 +17038,6 @@
           <a:p>
             <a:fld id="{76B1E760-ECB3-4197-9FBC-1D87FC5C6A28}" type="slidenum">
               <a:rPr kumimoji="1" lang="ja-JP" altLang="en-US" smtClean="0"/>
-              <a:t>5</a:t>
             </a:fld>
             <a:endParaRPr kumimoji="1" lang="ja-JP" altLang="en-US" dirty="0"/>
           </a:p>
@@ -17080,6 +17066,7 @@
               <a:rPr lang="zh-CN" altLang="en-US" dirty="0"/>
               <a:t>年工作总体情况分析</a:t>
             </a:r>
+            <a:endParaRPr lang="zh-CN" altLang="en-US" dirty="0"/>
           </a:p>
         </p:txBody>
       </p:sp>
@@ -17117,6 +17104,9 @@
               </a:rPr>
               <a:t>根本原因分析</a:t>
             </a:r>
+            <a:endParaRPr lang="zh-CN" altLang="en-US" b="1" dirty="0">
+              <a:sym typeface="+mn-ea"/>
+            </a:endParaRPr>
           </a:p>
         </p:txBody>
       </p:sp>
@@ -17181,6 +17171,13 @@
               </a:rPr>
               <a:t>与项目对接速度有待提升</a:t>
             </a:r>
+            <a:endParaRPr lang="zh-CN" altLang="en-US" sz="1600" dirty="0" smtClean="0">
+              <a:solidFill>
+                <a:schemeClr val="tx1"/>
+              </a:solidFill>
+              <a:ea typeface="宋体" panose="02010600030101010101" pitchFamily="2" charset="-122"/>
+              <a:sym typeface="+mn-ea"/>
+            </a:endParaRPr>
           </a:p>
         </p:txBody>
       </p:sp>
@@ -17245,6 +17242,13 @@
               </a:rPr>
               <a:t>通用能力有待完善</a:t>
             </a:r>
+            <a:endParaRPr lang="zh-CN" altLang="en-US" sz="1600" dirty="0" smtClean="0">
+              <a:solidFill>
+                <a:schemeClr val="tx1"/>
+              </a:solidFill>
+              <a:ea typeface="宋体" panose="02010600030101010101" pitchFamily="2" charset="-122"/>
+              <a:sym typeface="+mn-ea"/>
+            </a:endParaRPr>
           </a:p>
         </p:txBody>
       </p:sp>
@@ -17405,6 +17409,12 @@
               </a:rPr>
               <a:t>可视化工具</a:t>
             </a:r>
+            <a:endParaRPr lang="zh-CN" altLang="en-US" dirty="0" smtClean="0">
+              <a:solidFill>
+                <a:schemeClr val="tx1"/>
+              </a:solidFill>
+              <a:ea typeface="宋体" panose="02010600030101010101" pitchFamily="2" charset="-122"/>
+            </a:endParaRPr>
           </a:p>
         </p:txBody>
       </p:sp>
@@ -17469,6 +17479,13 @@
               </a:rPr>
               <a:t>与业务配合使用能力有待提高</a:t>
             </a:r>
+            <a:endParaRPr lang="zh-CN" altLang="en-US" sz="1600" dirty="0" smtClean="0">
+              <a:solidFill>
+                <a:schemeClr val="tx1"/>
+              </a:solidFill>
+              <a:ea typeface="宋体" panose="02010600030101010101" pitchFamily="2" charset="-122"/>
+              <a:sym typeface="+mn-ea"/>
+            </a:endParaRPr>
           </a:p>
         </p:txBody>
       </p:sp>
@@ -17574,6 +17591,13 @@
               </a:rPr>
               <a:t>页面样式冲突</a:t>
             </a:r>
+            <a:endParaRPr lang="zh-CN" altLang="en-US" sz="1200" dirty="0" smtClean="0">
+              <a:solidFill>
+                <a:schemeClr val="tx1"/>
+              </a:solidFill>
+              <a:ea typeface="宋体" panose="02010600030101010101" pitchFamily="2" charset="-122"/>
+              <a:sym typeface="+mn-ea"/>
+            </a:endParaRPr>
           </a:p>
         </p:txBody>
       </p:sp>
@@ -17638,6 +17662,13 @@
               </a:rPr>
               <a:t>工具引入过程复杂</a:t>
             </a:r>
+            <a:endParaRPr lang="zh-CN" altLang="en-US" sz="1200" dirty="0" smtClean="0">
+              <a:solidFill>
+                <a:schemeClr val="tx1"/>
+              </a:solidFill>
+              <a:ea typeface="宋体" panose="02010600030101010101" pitchFamily="2" charset="-122"/>
+              <a:sym typeface="+mn-ea"/>
+            </a:endParaRPr>
           </a:p>
         </p:txBody>
       </p:sp>
@@ -17702,6 +17733,13 @@
               </a:rPr>
               <a:t>缺乏使用手册</a:t>
             </a:r>
+            <a:endParaRPr lang="zh-CN" altLang="en-US" sz="1200" dirty="0" smtClean="0">
+              <a:solidFill>
+                <a:schemeClr val="tx1"/>
+              </a:solidFill>
+              <a:ea typeface="宋体" panose="02010600030101010101" pitchFamily="2" charset="-122"/>
+              <a:sym typeface="+mn-ea"/>
+            </a:endParaRPr>
           </a:p>
         </p:txBody>
       </p:sp>
@@ -17766,6 +17804,13 @@
               </a:rPr>
               <a:t>缺乏独立的样式设计</a:t>
             </a:r>
+            <a:endParaRPr lang="zh-CN" altLang="en-US" sz="1200" dirty="0" smtClean="0">
+              <a:solidFill>
+                <a:schemeClr val="tx1"/>
+              </a:solidFill>
+              <a:ea typeface="宋体" panose="02010600030101010101" pitchFamily="2" charset="-122"/>
+              <a:sym typeface="+mn-ea"/>
+            </a:endParaRPr>
           </a:p>
         </p:txBody>
       </p:sp>
@@ -17830,6 +17875,13 @@
               </a:rPr>
               <a:t>部分功能使用效果不佳</a:t>
             </a:r>
+            <a:endParaRPr lang="zh-CN" altLang="en-US" sz="1200" dirty="0" smtClean="0">
+              <a:solidFill>
+                <a:schemeClr val="tx1"/>
+              </a:solidFill>
+              <a:ea typeface="宋体" panose="02010600030101010101" pitchFamily="2" charset="-122"/>
+              <a:sym typeface="+mn-ea"/>
+            </a:endParaRPr>
           </a:p>
         </p:txBody>
       </p:sp>
@@ -17894,6 +17946,13 @@
               </a:rPr>
               <a:t>高级分析能力不足</a:t>
             </a:r>
+            <a:endParaRPr lang="zh-CN" altLang="en-US" sz="1200" dirty="0" smtClean="0">
+              <a:solidFill>
+                <a:schemeClr val="tx1"/>
+              </a:solidFill>
+              <a:ea typeface="宋体" panose="02010600030101010101" pitchFamily="2" charset="-122"/>
+              <a:sym typeface="+mn-ea"/>
+            </a:endParaRPr>
           </a:p>
         </p:txBody>
       </p:sp>
@@ -17958,6 +18017,13 @@
               </a:rPr>
               <a:t>性能有待提升</a:t>
             </a:r>
+            <a:endParaRPr lang="zh-CN" altLang="en-US" sz="1200" dirty="0" smtClean="0">
+              <a:solidFill>
+                <a:schemeClr val="tx1"/>
+              </a:solidFill>
+              <a:ea typeface="宋体" panose="02010600030101010101" pitchFamily="2" charset="-122"/>
+              <a:sym typeface="+mn-ea"/>
+            </a:endParaRPr>
           </a:p>
         </p:txBody>
       </p:sp>
@@ -18022,6 +18088,13 @@
               </a:rPr>
               <a:t>布局能力有待增强</a:t>
             </a:r>
+            <a:endParaRPr lang="zh-CN" altLang="en-US" sz="1200" dirty="0" smtClean="0">
+              <a:solidFill>
+                <a:schemeClr val="tx1"/>
+              </a:solidFill>
+              <a:ea typeface="宋体" panose="02010600030101010101" pitchFamily="2" charset="-122"/>
+              <a:sym typeface="+mn-ea"/>
+            </a:endParaRPr>
           </a:p>
         </p:txBody>
       </p:sp>
@@ -18086,6 +18159,13 @@
               </a:rPr>
               <a:t>可视化数据封装容易出问题</a:t>
             </a:r>
+            <a:endParaRPr lang="zh-CN" altLang="en-US" sz="1200" dirty="0" smtClean="0">
+              <a:solidFill>
+                <a:schemeClr val="tx1"/>
+              </a:solidFill>
+              <a:ea typeface="宋体" panose="02010600030101010101" pitchFamily="2" charset="-122"/>
+              <a:sym typeface="+mn-ea"/>
+            </a:endParaRPr>
           </a:p>
         </p:txBody>
       </p:sp>
@@ -18150,6 +18230,13 @@
               </a:rPr>
               <a:t>部分业务功能实现困难</a:t>
             </a:r>
+            <a:endParaRPr lang="zh-CN" altLang="en-US" sz="1200" dirty="0" smtClean="0">
+              <a:solidFill>
+                <a:schemeClr val="tx1"/>
+              </a:solidFill>
+              <a:ea typeface="宋体" panose="02010600030101010101" pitchFamily="2" charset="-122"/>
+              <a:sym typeface="+mn-ea"/>
+            </a:endParaRPr>
           </a:p>
         </p:txBody>
       </p:sp>
@@ -18214,6 +18301,13 @@
               </a:rPr>
               <a:t>与其他前端组件的结合能力不足</a:t>
             </a:r>
+            <a:endParaRPr lang="zh-CN" altLang="en-US" sz="1200" dirty="0" smtClean="0">
+              <a:solidFill>
+                <a:schemeClr val="tx1"/>
+              </a:solidFill>
+              <a:ea typeface="宋体" panose="02010600030101010101" pitchFamily="2" charset="-122"/>
+              <a:sym typeface="+mn-ea"/>
+            </a:endParaRPr>
           </a:p>
         </p:txBody>
       </p:sp>
@@ -18731,6 +18825,12 @@
               </a:rPr>
               <a:t>管理问题</a:t>
             </a:r>
+            <a:endParaRPr lang="zh-CN" altLang="en-US" dirty="0" smtClean="0">
+              <a:solidFill>
+                <a:schemeClr val="tx1"/>
+              </a:solidFill>
+              <a:ea typeface="宋体" panose="02010600030101010101" pitchFamily="2" charset="-122"/>
+            </a:endParaRPr>
           </a:p>
         </p:txBody>
       </p:sp>
@@ -18799,6 +18899,12 @@
               </a:rPr>
               <a:t>设计问题</a:t>
             </a:r>
+            <a:endParaRPr lang="zh-CN" altLang="en-US" dirty="0" smtClean="0">
+              <a:solidFill>
+                <a:schemeClr val="tx1"/>
+              </a:solidFill>
+              <a:ea typeface="宋体" panose="02010600030101010101" pitchFamily="2" charset="-122"/>
+            </a:endParaRPr>
           </a:p>
         </p:txBody>
       </p:sp>
@@ -18867,6 +18973,12 @@
               </a:rPr>
               <a:t>技术问题</a:t>
             </a:r>
+            <a:endParaRPr lang="zh-CN" altLang="en-US" dirty="0" smtClean="0">
+              <a:solidFill>
+                <a:schemeClr val="tx1"/>
+              </a:solidFill>
+              <a:ea typeface="宋体" panose="02010600030101010101" pitchFamily="2" charset="-122"/>
+            </a:endParaRPr>
           </a:p>
         </p:txBody>
       </p:sp>
@@ -19449,6 +19561,13 @@
               </a:rPr>
               <a:t>对可视化成员培训不足</a:t>
             </a:r>
+            <a:endParaRPr lang="zh-CN" altLang="en-US" sz="1200" dirty="0" smtClean="0">
+              <a:solidFill>
+                <a:schemeClr val="tx1"/>
+              </a:solidFill>
+              <a:ea typeface="宋体" panose="02010600030101010101" pitchFamily="2" charset="-122"/>
+              <a:sym typeface="+mn-ea"/>
+            </a:endParaRPr>
           </a:p>
         </p:txBody>
       </p:sp>
@@ -19591,6 +19710,13 @@
               </a:rPr>
               <a:t>缺乏通用的数据封装方式</a:t>
             </a:r>
+            <a:endParaRPr lang="zh-CN" altLang="en-US" sz="1200" dirty="0" smtClean="0">
+              <a:solidFill>
+                <a:schemeClr val="tx1"/>
+              </a:solidFill>
+              <a:ea typeface="宋体" panose="02010600030101010101" pitchFamily="2" charset="-122"/>
+              <a:sym typeface="+mn-ea"/>
+            </a:endParaRPr>
           </a:p>
         </p:txBody>
       </p:sp>
@@ -19694,6 +19820,13 @@
               </a:rPr>
               <a:t>可扩展性不足</a:t>
             </a:r>
+            <a:endParaRPr lang="zh-CN" altLang="en-US" sz="1200" dirty="0" smtClean="0">
+              <a:solidFill>
+                <a:schemeClr val="tx1"/>
+              </a:solidFill>
+              <a:ea typeface="宋体" panose="02010600030101010101" pitchFamily="2" charset="-122"/>
+              <a:sym typeface="+mn-ea"/>
+            </a:endParaRPr>
           </a:p>
         </p:txBody>
       </p:sp>
@@ -19787,7 +19920,6 @@
           <a:p>
             <a:fld id="{76B1E760-ECB3-4197-9FBC-1D87FC5C6A28}" type="slidenum">
               <a:rPr kumimoji="1" lang="ja-JP" altLang="en-US" smtClean="0"/>
-              <a:t>6</a:t>
             </a:fld>
             <a:endParaRPr kumimoji="1" lang="ja-JP" altLang="en-US" dirty="0"/>
           </a:p>
@@ -19816,6 +19948,7 @@
               <a:rPr lang="zh-CN" altLang="en-US" dirty="0"/>
               <a:t>年工作总体情况分析</a:t>
             </a:r>
+            <a:endParaRPr lang="zh-CN" altLang="en-US" dirty="0"/>
           </a:p>
         </p:txBody>
       </p:sp>
@@ -19853,6 +19986,9 @@
               </a:rPr>
               <a:t>分析</a:t>
             </a:r>
+            <a:endParaRPr lang="zh-CN" altLang="en-US" b="1" dirty="0">
+              <a:sym typeface="+mn-ea"/>
+            </a:endParaRPr>
           </a:p>
         </p:txBody>
       </p:sp>
@@ -20247,7 +20383,6 @@
           <a:p>
             <a:fld id="{76B1E760-ECB3-4197-9FBC-1D87FC5C6A28}" type="slidenum">
               <a:rPr kumimoji="1" lang="ja-JP" altLang="en-US" smtClean="0"/>
-              <a:t>7</a:t>
             </a:fld>
             <a:endParaRPr kumimoji="1" lang="ja-JP" altLang="en-US" dirty="0"/>
           </a:p>
@@ -20275,10 +20410,6 @@
             <a:r>
               <a:rPr lang="zh-CN" altLang="en-US" dirty="0"/>
               <a:t>能力和收获分析</a:t>
-            </a:r>
-            <a:r>
-              <a:rPr lang="en-US" altLang="zh-CN" dirty="0"/>
-              <a:t/>
             </a:r>
             <a:br>
               <a:rPr lang="en-US" altLang="zh-CN" dirty="0"/>
@@ -20325,13 +20456,7 @@
         <p:nvGraphicFramePr>
           <p:cNvPr id="4" name="图表 3"/>
           <p:cNvGraphicFramePr/>
-          <p:nvPr>
-            <p:extLst>
-              <p:ext uri="{D42A27DB-BD31-4B8C-83A1-F6EECF244321}">
-                <p14:modId xmlns:p14="http://schemas.microsoft.com/office/powerpoint/2010/main" val="4052370422"/>
-              </p:ext>
-            </p:extLst>
-          </p:nvPr>
+          <p:nvPr/>
         </p:nvGraphicFramePr>
         <p:xfrm>
           <a:off x="1622425" y="883285"/>
@@ -20339,7 +20464,7 @@
         </p:xfrm>
         <a:graphic>
           <a:graphicData uri="http://schemas.openxmlformats.org/drawingml/2006/chart">
-            <c:chart xmlns:c="http://schemas.openxmlformats.org/drawingml/2006/chart" xmlns:r="http://schemas.openxmlformats.org/officeDocument/2006/relationships" r:id="rId3"/>
+            <c:chart xmlns:c="http://schemas.openxmlformats.org/drawingml/2006/chart" xmlns:r="http://schemas.openxmlformats.org/officeDocument/2006/relationships" r:id="rId1"/>
           </a:graphicData>
         </a:graphic>
       </p:graphicFrame>
@@ -21376,7 +21501,6 @@
           <a:p>
             <a:fld id="{76B1E760-ECB3-4197-9FBC-1D87FC5C6A28}" type="slidenum">
               <a:rPr kumimoji="1" lang="ja-JP" altLang="en-US" smtClean="0"/>
-              <a:t>8</a:t>
             </a:fld>
             <a:endParaRPr kumimoji="1" lang="ja-JP" altLang="en-US" dirty="0"/>
           </a:p>
@@ -21404,10 +21528,6 @@
             <a:r>
               <a:rPr lang="zh-CN" altLang="en-US" dirty="0"/>
               <a:t>能力和收获分析</a:t>
-            </a:r>
-            <a:r>
-              <a:rPr lang="en-US" altLang="zh-CN" dirty="0"/>
-              <a:t/>
             </a:r>
             <a:br>
               <a:rPr lang="en-US" altLang="zh-CN" dirty="0"/>
@@ -21654,6 +21774,9 @@
               </a:rPr>
               <a:t>分析</a:t>
             </a:r>
+            <a:endParaRPr lang="zh-CN" altLang="en-US" b="1" dirty="0">
+              <a:sym typeface="+mn-ea"/>
+            </a:endParaRPr>
           </a:p>
         </p:txBody>
       </p:sp>
@@ -21751,11 +21874,6 @@
         </p:txBody>
       </p:sp>
     </p:spTree>
-    <p:extLst>
-      <p:ext uri="{BB962C8B-B14F-4D97-AF65-F5344CB8AC3E}">
-        <p14:creationId xmlns:p14="http://schemas.microsoft.com/office/powerpoint/2010/main" val="3632769365"/>
-      </p:ext>
-    </p:extLst>
   </p:cSld>
   <p:clrMapOvr>
     <a:masterClrMapping/>
@@ -21804,7 +21922,6 @@
           <a:p>
             <a:fld id="{76B1E760-ECB3-4197-9FBC-1D87FC5C6A28}" type="slidenum">
               <a:rPr kumimoji="1" lang="ja-JP" altLang="en-US" smtClean="0"/>
-              <a:t>9</a:t>
             </a:fld>
             <a:endParaRPr kumimoji="1" lang="ja-JP" altLang="en-US" dirty="0"/>
           </a:p>
@@ -21833,10 +21950,6 @@
               <a:rPr lang="zh-CN" altLang="en-US" dirty="0"/>
               <a:t>年工作规划和个人目标</a:t>
             </a:r>
-            <a:r>
-              <a:rPr lang="en-US" altLang="zh-CN" dirty="0"/>
-              <a:t/>
-            </a:r>
             <a:br>
               <a:rPr lang="en-US" altLang="zh-CN" dirty="0"/>
             </a:br>
@@ -21846,14 +21959,14 @@
       </p:sp>
       <p:sp>
         <p:nvSpPr>
-          <p:cNvPr id="6" name="文本框 5"/>
+          <p:cNvPr id="5" name="文本框 23"/>
           <p:cNvSpPr txBox="1"/>
           <p:nvPr/>
         </p:nvSpPr>
         <p:spPr>
           <a:xfrm>
-            <a:off x="245966" y="2232561"/>
-            <a:ext cx="11730134" cy="353943"/>
+            <a:off x="306705" y="530860"/>
+            <a:ext cx="5954395" cy="352425"/>
           </a:xfrm>
           <a:prstGeom prst="rect">
             <a:avLst/>
@@ -21861,36 +21974,945 @@
           <a:noFill/>
         </p:spPr>
         <p:txBody>
-          <a:bodyPr wrap="none" rtlCol="0">
+          <a:bodyPr wrap="square" rtlCol="0">
             <a:spAutoFit/>
           </a:bodyPr>
           <a:lstStyle/>
           <a:p>
             <a:r>
-              <a:rPr lang="zh-CN" altLang="en-US" dirty="0" smtClean="0"/>
-              <a:t>重点描述</a:t>
-            </a:r>
-            <a:r>
-              <a:rPr lang="en-US" altLang="zh-CN" dirty="0" smtClean="0"/>
-              <a:t>2019</a:t>
-            </a:r>
-            <a:r>
-              <a:rPr lang="zh-CN" altLang="en-US" dirty="0" smtClean="0"/>
-              <a:t>对个人和团队的工作规划，包括管理方面； 以及个人能力方面希望达成的目标，包括岗位方向等，</a:t>
-            </a:r>
-            <a:r>
-              <a:rPr lang="en-US" altLang="zh-CN" dirty="0" smtClean="0"/>
-              <a:t>2-5</a:t>
-            </a:r>
-            <a:r>
-              <a:rPr lang="zh-CN" altLang="en-US" dirty="0" smtClean="0"/>
-              <a:t>页</a:t>
-            </a:r>
-            <a:r>
-              <a:rPr lang="en-US" altLang="zh-CN" dirty="0" err="1" smtClean="0"/>
-              <a:t>ppt</a:t>
-            </a:r>
-            <a:endParaRPr lang="zh-CN" altLang="en-US" dirty="0"/>
+              <a:rPr lang="zh-CN" altLang="en-US" b="1" dirty="0" smtClean="0">
+                <a:sym typeface="+mn-ea"/>
+              </a:rPr>
+              <a:t>整体工作规划</a:t>
+            </a:r>
+            <a:endParaRPr lang="zh-CN" altLang="en-US" b="1" dirty="0">
+              <a:sym typeface="+mn-ea"/>
+            </a:endParaRPr>
+          </a:p>
+        </p:txBody>
+      </p:sp>
+      <p:sp>
+        <p:nvSpPr>
+          <p:cNvPr id="4" name="圆角矩形 3"/>
+          <p:cNvSpPr/>
+          <p:nvPr/>
+        </p:nvSpPr>
+        <p:spPr>
+          <a:xfrm>
+            <a:off x="640289" y="3905997"/>
+            <a:ext cx="4764630" cy="1743365"/>
+          </a:xfrm>
+          <a:prstGeom prst="roundRect">
+            <a:avLst/>
+          </a:prstGeom>
+          <a:gradFill flip="none" rotWithShape="1">
+            <a:gsLst>
+              <a:gs pos="0">
+                <a:schemeClr val="accent1">
+                  <a:tint val="66000"/>
+                  <a:satMod val="160000"/>
+                </a:schemeClr>
+              </a:gs>
+              <a:gs pos="50000">
+                <a:schemeClr val="accent1">
+                  <a:tint val="44500"/>
+                  <a:satMod val="160000"/>
+                </a:schemeClr>
+              </a:gs>
+              <a:gs pos="100000">
+                <a:schemeClr val="accent1">
+                  <a:tint val="23500"/>
+                  <a:satMod val="160000"/>
+                </a:schemeClr>
+              </a:gs>
+            </a:gsLst>
+            <a:lin ang="0" scaled="1"/>
+            <a:tileRect/>
+          </a:gradFill>
+          <a:effectLst>
+            <a:outerShdw blurRad="50800" dist="38100" dir="2700000" algn="tl" rotWithShape="0">
+              <a:prstClr val="black">
+                <a:alpha val="40000"/>
+              </a:prstClr>
+            </a:outerShdw>
+          </a:effectLst>
+        </p:spPr>
+        <p:style>
+          <a:lnRef idx="2">
+            <a:schemeClr val="accent5"/>
+          </a:lnRef>
+          <a:fillRef idx="1">
+            <a:schemeClr val="lt1"/>
+          </a:fillRef>
+          <a:effectRef idx="0">
+            <a:schemeClr val="accent5"/>
+          </a:effectRef>
+          <a:fontRef idx="minor">
+            <a:schemeClr val="dk1"/>
+          </a:fontRef>
+        </p:style>
+        <p:txBody>
+          <a:bodyPr rtlCol="0" anchor="ctr"/>
+          <a:lstStyle/>
+          <a:p>
+            <a:pPr>
+              <a:spcBef>
+                <a:spcPct val="0"/>
+              </a:spcBef>
+              <a:buClr>
+                <a:schemeClr val="accent2"/>
+              </a:buClr>
+            </a:pPr>
+            <a:r>
+              <a:rPr lang="zh-CN" altLang="en-US" sz="1800" b="1" dirty="0" smtClean="0">
+                <a:solidFill>
+                  <a:schemeClr val="tx1"/>
+                </a:solidFill>
+                <a:latin typeface="宋体" panose="02010600030101010101" pitchFamily="2" charset="-122"/>
+                <a:ea typeface="宋体" panose="02010600030101010101" pitchFamily="2" charset="-122"/>
+              </a:rPr>
+              <a:t>可视化</a:t>
+            </a:r>
+            <a:r>
+              <a:rPr lang="zh-CN" altLang="en-US" sz="1800" b="1" dirty="0">
+                <a:solidFill>
+                  <a:schemeClr val="tx1"/>
+                </a:solidFill>
+                <a:latin typeface="宋体" panose="02010600030101010101" pitchFamily="2" charset="-122"/>
+                <a:ea typeface="宋体" panose="02010600030101010101" pitchFamily="2" charset="-122"/>
+              </a:rPr>
+              <a:t>工具的升级</a:t>
+            </a:r>
+            <a:r>
+              <a:rPr lang="zh-CN" altLang="en-US" sz="1800" b="1" dirty="0" smtClean="0">
+                <a:solidFill>
+                  <a:schemeClr val="tx1"/>
+                </a:solidFill>
+                <a:latin typeface="宋体" panose="02010600030101010101" pitchFamily="2" charset="-122"/>
+                <a:ea typeface="宋体" panose="02010600030101010101" pitchFamily="2" charset="-122"/>
+              </a:rPr>
+              <a:t>改造</a:t>
+            </a:r>
+            <a:endParaRPr lang="en-US" altLang="zh-CN" sz="1800" b="1" dirty="0" smtClean="0">
+              <a:solidFill>
+                <a:schemeClr val="tx1"/>
+              </a:solidFill>
+              <a:latin typeface="宋体" panose="02010600030101010101" pitchFamily="2" charset="-122"/>
+              <a:ea typeface="宋体" panose="02010600030101010101" pitchFamily="2" charset="-122"/>
+            </a:endParaRPr>
+          </a:p>
+          <a:p>
+            <a:pPr marL="285750" indent="-285750">
+              <a:spcBef>
+                <a:spcPct val="0"/>
+              </a:spcBef>
+              <a:buClr>
+                <a:schemeClr val="accent2"/>
+              </a:buClr>
+              <a:buFont typeface="Wingdings" panose="05000000000000000000" pitchFamily="2" charset="2"/>
+              <a:buChar char="l"/>
+            </a:pPr>
+            <a:r>
+              <a:rPr lang="zh-CN" altLang="en-US" sz="1400" dirty="0" smtClean="0">
+                <a:solidFill>
+                  <a:schemeClr val="tx1"/>
+                </a:solidFill>
+                <a:latin typeface="宋体" panose="02010600030101010101" pitchFamily="2" charset="-122"/>
+                <a:ea typeface="宋体" panose="02010600030101010101" pitchFamily="2" charset="-122"/>
+              </a:rPr>
+              <a:t>对团队成员进行</a:t>
+            </a:r>
+            <a:r>
+              <a:rPr lang="en-US" altLang="zh-CN" sz="1400" dirty="0" err="1" smtClean="0">
+                <a:solidFill>
+                  <a:schemeClr val="tx1"/>
+                </a:solidFill>
+                <a:latin typeface="宋体" panose="02010600030101010101" pitchFamily="2" charset="-122"/>
+                <a:ea typeface="宋体" panose="02010600030101010101" pitchFamily="2" charset="-122"/>
+              </a:rPr>
+              <a:t>GoJS</a:t>
+            </a:r>
+            <a:r>
+              <a:rPr lang="zh-CN" altLang="en-US" sz="1400" dirty="0" smtClean="0">
+                <a:solidFill>
+                  <a:schemeClr val="tx1"/>
+                </a:solidFill>
+                <a:latin typeface="宋体" panose="02010600030101010101" pitchFamily="2" charset="-122"/>
+                <a:ea typeface="宋体" panose="02010600030101010101" pitchFamily="2" charset="-122"/>
+              </a:rPr>
+              <a:t>技术的深入讲解，并督促练习；</a:t>
+            </a:r>
+            <a:endParaRPr lang="en-US" altLang="zh-CN" sz="1400" dirty="0" smtClean="0">
+              <a:solidFill>
+                <a:schemeClr val="tx1"/>
+              </a:solidFill>
+              <a:latin typeface="宋体" panose="02010600030101010101" pitchFamily="2" charset="-122"/>
+              <a:ea typeface="宋体" panose="02010600030101010101" pitchFamily="2" charset="-122"/>
+            </a:endParaRPr>
+          </a:p>
+          <a:p>
+            <a:pPr marL="285750" indent="-285750">
+              <a:spcBef>
+                <a:spcPct val="0"/>
+              </a:spcBef>
+              <a:buClr>
+                <a:schemeClr val="accent2"/>
+              </a:buClr>
+              <a:buFont typeface="Wingdings" panose="05000000000000000000" pitchFamily="2" charset="2"/>
+              <a:buChar char="l"/>
+            </a:pPr>
+            <a:r>
+              <a:rPr lang="zh-CN" altLang="en-US" sz="1400" dirty="0">
+                <a:solidFill>
+                  <a:schemeClr val="tx1"/>
+                </a:solidFill>
+                <a:latin typeface="宋体" panose="02010600030101010101" pitchFamily="2" charset="-122"/>
+                <a:ea typeface="宋体" panose="02010600030101010101" pitchFamily="2" charset="-122"/>
+              </a:rPr>
+              <a:t>团队整体提升前端框架技术的应用熟练度</a:t>
+            </a:r>
+            <a:r>
+              <a:rPr lang="zh-CN" altLang="en-US" sz="1400" dirty="0" smtClean="0">
+                <a:solidFill>
+                  <a:schemeClr val="tx1"/>
+                </a:solidFill>
+                <a:latin typeface="宋体" panose="02010600030101010101" pitchFamily="2" charset="-122"/>
+                <a:ea typeface="宋体" panose="02010600030101010101" pitchFamily="2" charset="-122"/>
+              </a:rPr>
+              <a:t>；</a:t>
+            </a:r>
+            <a:endParaRPr lang="en-US" altLang="zh-CN" sz="1400" dirty="0" smtClean="0">
+              <a:solidFill>
+                <a:schemeClr val="tx1"/>
+              </a:solidFill>
+              <a:latin typeface="宋体" panose="02010600030101010101" pitchFamily="2" charset="-122"/>
+              <a:ea typeface="宋体" panose="02010600030101010101" pitchFamily="2" charset="-122"/>
+            </a:endParaRPr>
+          </a:p>
+          <a:p>
+            <a:pPr marL="285750" indent="-285750">
+              <a:spcBef>
+                <a:spcPct val="0"/>
+              </a:spcBef>
+              <a:buClr>
+                <a:schemeClr val="accent2"/>
+              </a:buClr>
+              <a:buFont typeface="Wingdings" panose="05000000000000000000" pitchFamily="2" charset="2"/>
+              <a:buChar char="l"/>
+            </a:pPr>
+            <a:r>
+              <a:rPr lang="zh-CN" altLang="en-US" sz="1400" dirty="0" smtClean="0">
+                <a:solidFill>
+                  <a:schemeClr val="tx1"/>
+                </a:solidFill>
+                <a:latin typeface="宋体" panose="02010600030101010101" pitchFamily="2" charset="-122"/>
+                <a:ea typeface="宋体" panose="02010600030101010101" pitchFamily="2" charset="-122"/>
+              </a:rPr>
+              <a:t>团队内部探讨设计模式和升级内容；</a:t>
+            </a:r>
+            <a:endParaRPr lang="en-US" altLang="zh-CN" sz="1400" dirty="0" smtClean="0">
+              <a:solidFill>
+                <a:schemeClr val="tx1"/>
+              </a:solidFill>
+              <a:latin typeface="宋体" panose="02010600030101010101" pitchFamily="2" charset="-122"/>
+              <a:ea typeface="宋体" panose="02010600030101010101" pitchFamily="2" charset="-122"/>
+            </a:endParaRPr>
+          </a:p>
+          <a:p>
+            <a:pPr marL="285750" indent="-285750">
+              <a:spcBef>
+                <a:spcPct val="0"/>
+              </a:spcBef>
+              <a:buClr>
+                <a:schemeClr val="accent2"/>
+              </a:buClr>
+              <a:buFont typeface="Wingdings" panose="05000000000000000000" pitchFamily="2" charset="2"/>
+              <a:buChar char="l"/>
+            </a:pPr>
+            <a:r>
+              <a:rPr lang="zh-CN" altLang="en-US" sz="1400" dirty="0" smtClean="0">
+                <a:solidFill>
+                  <a:schemeClr val="tx1"/>
+                </a:solidFill>
+                <a:latin typeface="宋体" panose="02010600030101010101" pitchFamily="2" charset="-122"/>
+                <a:ea typeface="宋体" panose="02010600030101010101" pitchFamily="2" charset="-122"/>
+              </a:rPr>
+              <a:t>编制升级改造计划；</a:t>
+            </a:r>
+            <a:endParaRPr lang="en-US" altLang="zh-CN" sz="1400" dirty="0" smtClean="0">
+              <a:solidFill>
+                <a:schemeClr val="tx1"/>
+              </a:solidFill>
+              <a:latin typeface="宋体" panose="02010600030101010101" pitchFamily="2" charset="-122"/>
+              <a:ea typeface="宋体" panose="02010600030101010101" pitchFamily="2" charset="-122"/>
+            </a:endParaRPr>
+          </a:p>
+          <a:p>
+            <a:pPr marL="285750" indent="-285750">
+              <a:spcBef>
+                <a:spcPct val="0"/>
+              </a:spcBef>
+              <a:buClr>
+                <a:schemeClr val="accent2"/>
+              </a:buClr>
+              <a:buFont typeface="Wingdings" panose="05000000000000000000" pitchFamily="2" charset="2"/>
+              <a:buChar char="l"/>
+            </a:pPr>
+            <a:r>
+              <a:rPr lang="zh-CN" altLang="en-US" sz="1400" dirty="0" smtClean="0">
+                <a:solidFill>
+                  <a:schemeClr val="tx1"/>
+                </a:solidFill>
+                <a:latin typeface="宋体" panose="02010600030101010101" pitchFamily="2" charset="-122"/>
+                <a:ea typeface="宋体" panose="02010600030101010101" pitchFamily="2" charset="-122"/>
+              </a:rPr>
+              <a:t>按计划协作</a:t>
+            </a:r>
+            <a:r>
+              <a:rPr lang="zh-CN" altLang="en-US" sz="1400" dirty="0" smtClean="0">
+                <a:solidFill>
+                  <a:schemeClr val="tx1"/>
+                </a:solidFill>
+                <a:latin typeface="宋体" panose="02010600030101010101" pitchFamily="2" charset="-122"/>
+                <a:ea typeface="宋体" panose="02010600030101010101" pitchFamily="2" charset="-122"/>
+              </a:rPr>
+              <a:t>完成升级改造工作。</a:t>
+            </a:r>
+            <a:endParaRPr lang="en-US" altLang="zh-CN" sz="1400" dirty="0" smtClean="0">
+              <a:solidFill>
+                <a:schemeClr val="tx1"/>
+              </a:solidFill>
+              <a:latin typeface="宋体" panose="02010600030101010101" pitchFamily="2" charset="-122"/>
+              <a:ea typeface="宋体" panose="02010600030101010101" pitchFamily="2" charset="-122"/>
+            </a:endParaRPr>
+          </a:p>
+        </p:txBody>
+      </p:sp>
+      <p:sp>
+        <p:nvSpPr>
+          <p:cNvPr id="17" name="圆角矩形 16"/>
+          <p:cNvSpPr/>
+          <p:nvPr/>
+        </p:nvSpPr>
+        <p:spPr>
+          <a:xfrm>
+            <a:off x="6701583" y="3905999"/>
+            <a:ext cx="4950227" cy="1743364"/>
+          </a:xfrm>
+          <a:prstGeom prst="roundRect">
+            <a:avLst/>
+          </a:prstGeom>
+          <a:gradFill flip="none" rotWithShape="1">
+            <a:gsLst>
+              <a:gs pos="0">
+                <a:schemeClr val="accent1">
+                  <a:tint val="66000"/>
+                  <a:satMod val="160000"/>
+                </a:schemeClr>
+              </a:gs>
+              <a:gs pos="50000">
+                <a:schemeClr val="accent1">
+                  <a:tint val="44500"/>
+                  <a:satMod val="160000"/>
+                </a:schemeClr>
+              </a:gs>
+              <a:gs pos="100000">
+                <a:schemeClr val="accent1">
+                  <a:tint val="23500"/>
+                  <a:satMod val="160000"/>
+                </a:schemeClr>
+              </a:gs>
+            </a:gsLst>
+            <a:lin ang="0" scaled="1"/>
+            <a:tileRect/>
+          </a:gradFill>
+          <a:effectLst>
+            <a:outerShdw blurRad="50800" dist="38100" dir="2700000" algn="tl" rotWithShape="0">
+              <a:prstClr val="black">
+                <a:alpha val="40000"/>
+              </a:prstClr>
+            </a:outerShdw>
+          </a:effectLst>
+        </p:spPr>
+        <p:style>
+          <a:lnRef idx="2">
+            <a:schemeClr val="accent5"/>
+          </a:lnRef>
+          <a:fillRef idx="1">
+            <a:schemeClr val="lt1"/>
+          </a:fillRef>
+          <a:effectRef idx="0">
+            <a:schemeClr val="accent5"/>
+          </a:effectRef>
+          <a:fontRef idx="minor">
+            <a:schemeClr val="dk1"/>
+          </a:fontRef>
+        </p:style>
+        <p:txBody>
+          <a:bodyPr rtlCol="0" anchor="ctr"/>
+          <a:lstStyle/>
+          <a:p>
+            <a:pPr>
+              <a:spcBef>
+                <a:spcPct val="0"/>
+              </a:spcBef>
+              <a:buClr>
+                <a:schemeClr val="accent2"/>
+              </a:buClr>
+            </a:pPr>
+            <a:r>
+              <a:rPr lang="en-US" altLang="zh-CN" sz="1800" b="1" dirty="0" smtClean="0">
+                <a:solidFill>
+                  <a:schemeClr val="tx1"/>
+                </a:solidFill>
+                <a:latin typeface="宋体" panose="02010600030101010101" pitchFamily="2" charset="-122"/>
+                <a:ea typeface="宋体" panose="02010600030101010101" pitchFamily="2" charset="-122"/>
+              </a:rPr>
+              <a:t>GIS</a:t>
+            </a:r>
+            <a:r>
+              <a:rPr lang="zh-CN" altLang="en-US" sz="1800" b="1" dirty="0" smtClean="0">
+                <a:solidFill>
+                  <a:schemeClr val="tx1"/>
+                </a:solidFill>
+                <a:latin typeface="宋体" panose="02010600030101010101" pitchFamily="2" charset="-122"/>
+                <a:ea typeface="宋体" panose="02010600030101010101" pitchFamily="2" charset="-122"/>
+              </a:rPr>
+              <a:t>工具的</a:t>
+            </a:r>
+            <a:r>
+              <a:rPr lang="zh-CN" altLang="en-US" sz="1800" b="1" dirty="0" smtClean="0">
+                <a:solidFill>
+                  <a:schemeClr val="tx1"/>
+                </a:solidFill>
+                <a:latin typeface="宋体" panose="02010600030101010101" pitchFamily="2" charset="-122"/>
+                <a:ea typeface="宋体" panose="02010600030101010101" pitchFamily="2" charset="-122"/>
+              </a:rPr>
+              <a:t>封装</a:t>
+            </a:r>
+            <a:endParaRPr lang="en-US" altLang="zh-CN" sz="1800" b="1" dirty="0" smtClean="0">
+              <a:solidFill>
+                <a:schemeClr val="tx1"/>
+              </a:solidFill>
+              <a:latin typeface="宋体" panose="02010600030101010101" pitchFamily="2" charset="-122"/>
+              <a:ea typeface="宋体" panose="02010600030101010101" pitchFamily="2" charset="-122"/>
+            </a:endParaRPr>
+          </a:p>
+          <a:p>
+            <a:pPr marL="285750" indent="-285750">
+              <a:spcBef>
+                <a:spcPct val="0"/>
+              </a:spcBef>
+              <a:buClr>
+                <a:schemeClr val="accent2"/>
+              </a:buClr>
+              <a:buFont typeface="Wingdings" panose="05000000000000000000" pitchFamily="2" charset="2"/>
+              <a:buChar char="l"/>
+            </a:pPr>
+            <a:r>
+              <a:rPr lang="zh-CN" altLang="en-US" sz="1400" dirty="0" smtClean="0">
+                <a:solidFill>
+                  <a:schemeClr val="tx1"/>
+                </a:solidFill>
+                <a:latin typeface="宋体" panose="02010600030101010101" pitchFamily="2" charset="-122"/>
+                <a:ea typeface="宋体" panose="02010600030101010101" pitchFamily="2" charset="-122"/>
+              </a:rPr>
+              <a:t>团队整体提升</a:t>
+            </a:r>
+            <a:r>
+              <a:rPr lang="en-US" altLang="zh-CN" sz="1400" dirty="0" err="1" smtClean="0">
+                <a:solidFill>
+                  <a:schemeClr val="tx1"/>
+                </a:solidFill>
+                <a:latin typeface="宋体" panose="02010600030101010101" pitchFamily="2" charset="-122"/>
+                <a:ea typeface="宋体" panose="02010600030101010101" pitchFamily="2" charset="-122"/>
+              </a:rPr>
+              <a:t>Openlayers</a:t>
+            </a:r>
+            <a:r>
+              <a:rPr lang="zh-CN" altLang="en-US" sz="1400" dirty="0" smtClean="0">
+                <a:solidFill>
+                  <a:schemeClr val="tx1"/>
+                </a:solidFill>
+                <a:latin typeface="宋体" panose="02010600030101010101" pitchFamily="2" charset="-122"/>
+                <a:ea typeface="宋体" panose="02010600030101010101" pitchFamily="2" charset="-122"/>
+              </a:rPr>
+              <a:t>的技术熟练度，</a:t>
+            </a:r>
+            <a:r>
+              <a:rPr lang="zh-CN" altLang="en-US" sz="1400" dirty="0">
+                <a:solidFill>
+                  <a:schemeClr val="tx1"/>
+                </a:solidFill>
+                <a:latin typeface="宋体" panose="02010600030101010101" pitchFamily="2" charset="-122"/>
+                <a:ea typeface="宋体" panose="02010600030101010101" pitchFamily="2" charset="-122"/>
+              </a:rPr>
+              <a:t>并督促练习</a:t>
+            </a:r>
+            <a:r>
+              <a:rPr lang="zh-CN" altLang="en-US" sz="1400" dirty="0" smtClean="0">
+                <a:solidFill>
+                  <a:schemeClr val="tx1"/>
+                </a:solidFill>
+                <a:latin typeface="宋体" panose="02010600030101010101" pitchFamily="2" charset="-122"/>
+                <a:ea typeface="宋体" panose="02010600030101010101" pitchFamily="2" charset="-122"/>
+              </a:rPr>
+              <a:t>；</a:t>
+            </a:r>
+            <a:endParaRPr lang="en-US" altLang="zh-CN" sz="1400" dirty="0" smtClean="0">
+              <a:solidFill>
+                <a:schemeClr val="tx1"/>
+              </a:solidFill>
+              <a:latin typeface="宋体" panose="02010600030101010101" pitchFamily="2" charset="-122"/>
+              <a:ea typeface="宋体" panose="02010600030101010101" pitchFamily="2" charset="-122"/>
+            </a:endParaRPr>
+          </a:p>
+          <a:p>
+            <a:pPr marL="285750" indent="-285750">
+              <a:spcBef>
+                <a:spcPct val="0"/>
+              </a:spcBef>
+              <a:buClr>
+                <a:schemeClr val="accent2"/>
+              </a:buClr>
+              <a:buFont typeface="Wingdings" panose="05000000000000000000" pitchFamily="2" charset="2"/>
+              <a:buChar char="l"/>
+            </a:pPr>
+            <a:r>
+              <a:rPr lang="zh-CN" altLang="en-US" sz="1400" dirty="0">
+                <a:solidFill>
+                  <a:schemeClr val="tx1"/>
+                </a:solidFill>
+                <a:latin typeface="宋体" panose="02010600030101010101" pitchFamily="2" charset="-122"/>
+                <a:ea typeface="宋体" panose="02010600030101010101" pitchFamily="2" charset="-122"/>
+              </a:rPr>
+              <a:t>团队内部</a:t>
+            </a:r>
+            <a:r>
+              <a:rPr lang="zh-CN" altLang="en-US" sz="1400" dirty="0" smtClean="0">
+                <a:solidFill>
+                  <a:schemeClr val="tx1"/>
+                </a:solidFill>
+                <a:latin typeface="宋体" panose="02010600030101010101" pitchFamily="2" charset="-122"/>
+                <a:ea typeface="宋体" panose="02010600030101010101" pitchFamily="2" charset="-122"/>
+              </a:rPr>
+              <a:t>探讨工具的实现</a:t>
+            </a:r>
+            <a:r>
+              <a:rPr lang="zh-CN" altLang="en-US" sz="1400" dirty="0" smtClean="0">
+                <a:solidFill>
+                  <a:schemeClr val="tx1"/>
+                </a:solidFill>
+                <a:latin typeface="宋体" panose="02010600030101010101" pitchFamily="2" charset="-122"/>
+                <a:ea typeface="宋体" panose="02010600030101010101" pitchFamily="2" charset="-122"/>
+              </a:rPr>
+              <a:t>内容；</a:t>
+            </a:r>
+            <a:endParaRPr lang="en-US" altLang="zh-CN" sz="1400" dirty="0">
+              <a:solidFill>
+                <a:schemeClr val="tx1"/>
+              </a:solidFill>
+              <a:latin typeface="宋体" panose="02010600030101010101" pitchFamily="2" charset="-122"/>
+              <a:ea typeface="宋体" panose="02010600030101010101" pitchFamily="2" charset="-122"/>
+            </a:endParaRPr>
+          </a:p>
+          <a:p>
+            <a:pPr marL="285750" indent="-285750">
+              <a:spcBef>
+                <a:spcPct val="0"/>
+              </a:spcBef>
+              <a:buClr>
+                <a:schemeClr val="accent2"/>
+              </a:buClr>
+              <a:buFont typeface="Wingdings" panose="05000000000000000000" pitchFamily="2" charset="2"/>
+              <a:buChar char="l"/>
+            </a:pPr>
+            <a:r>
+              <a:rPr lang="zh-CN" altLang="en-US" sz="1400" dirty="0" smtClean="0">
+                <a:solidFill>
+                  <a:schemeClr val="tx1"/>
+                </a:solidFill>
+                <a:latin typeface="宋体" panose="02010600030101010101" pitchFamily="2" charset="-122"/>
+                <a:ea typeface="宋体" panose="02010600030101010101" pitchFamily="2" charset="-122"/>
+              </a:rPr>
+              <a:t>编制工具的封装计划；</a:t>
+            </a:r>
+            <a:endParaRPr lang="en-US" altLang="zh-CN" sz="1400" dirty="0">
+              <a:solidFill>
+                <a:schemeClr val="tx1"/>
+              </a:solidFill>
+              <a:latin typeface="宋体" panose="02010600030101010101" pitchFamily="2" charset="-122"/>
+              <a:ea typeface="宋体" panose="02010600030101010101" pitchFamily="2" charset="-122"/>
+            </a:endParaRPr>
+          </a:p>
+          <a:p>
+            <a:pPr marL="285750" indent="-285750">
+              <a:spcBef>
+                <a:spcPct val="0"/>
+              </a:spcBef>
+              <a:buClr>
+                <a:schemeClr val="accent2"/>
+              </a:buClr>
+              <a:buFont typeface="Wingdings" panose="05000000000000000000" pitchFamily="2" charset="2"/>
+              <a:buChar char="l"/>
+            </a:pPr>
+            <a:r>
+              <a:rPr lang="zh-CN" altLang="en-US" sz="1400" dirty="0" smtClean="0">
+                <a:solidFill>
+                  <a:schemeClr val="tx1"/>
+                </a:solidFill>
+                <a:latin typeface="宋体" panose="02010600030101010101" pitchFamily="2" charset="-122"/>
+                <a:ea typeface="宋体" panose="02010600030101010101" pitchFamily="2" charset="-122"/>
+              </a:rPr>
+              <a:t>待可视化工具升级完成后，按计划协作完成</a:t>
+            </a:r>
+            <a:r>
+              <a:rPr lang="en-US" altLang="zh-CN" sz="1400" dirty="0" smtClean="0">
+                <a:solidFill>
+                  <a:schemeClr val="tx1"/>
+                </a:solidFill>
+                <a:latin typeface="宋体" panose="02010600030101010101" pitchFamily="2" charset="-122"/>
+                <a:ea typeface="宋体" panose="02010600030101010101" pitchFamily="2" charset="-122"/>
+              </a:rPr>
+              <a:t>GIS</a:t>
+            </a:r>
+            <a:r>
+              <a:rPr lang="zh-CN" altLang="en-US" sz="1400" dirty="0" smtClean="0">
+                <a:solidFill>
+                  <a:schemeClr val="tx1"/>
+                </a:solidFill>
+                <a:latin typeface="宋体" panose="02010600030101010101" pitchFamily="2" charset="-122"/>
+                <a:ea typeface="宋体" panose="02010600030101010101" pitchFamily="2" charset="-122"/>
+              </a:rPr>
+              <a:t>工具的封装任务</a:t>
+            </a:r>
+            <a:r>
+              <a:rPr lang="zh-CN" altLang="en-US" sz="1400" dirty="0">
+                <a:solidFill>
+                  <a:schemeClr val="tx1"/>
+                </a:solidFill>
+                <a:latin typeface="宋体" panose="02010600030101010101" pitchFamily="2" charset="-122"/>
+                <a:ea typeface="宋体" panose="02010600030101010101" pitchFamily="2" charset="-122"/>
+              </a:rPr>
+              <a:t>。</a:t>
+            </a:r>
+            <a:endParaRPr lang="en-US" altLang="zh-CN" sz="1400" dirty="0">
+              <a:solidFill>
+                <a:schemeClr val="tx1"/>
+              </a:solidFill>
+              <a:latin typeface="宋体" panose="02010600030101010101" pitchFamily="2" charset="-122"/>
+              <a:ea typeface="宋体" panose="02010600030101010101" pitchFamily="2" charset="-122"/>
+            </a:endParaRPr>
+          </a:p>
+        </p:txBody>
+      </p:sp>
+      <p:sp>
+        <p:nvSpPr>
+          <p:cNvPr id="18" name="圆角矩形 17"/>
+          <p:cNvSpPr/>
+          <p:nvPr/>
+        </p:nvSpPr>
+        <p:spPr>
+          <a:xfrm>
+            <a:off x="2434127" y="883285"/>
+            <a:ext cx="6456377" cy="2778279"/>
+          </a:xfrm>
+          <a:prstGeom prst="roundRect">
+            <a:avLst/>
+          </a:prstGeom>
+          <a:gradFill flip="none" rotWithShape="1">
+            <a:gsLst>
+              <a:gs pos="0">
+                <a:schemeClr val="accent1">
+                  <a:tint val="66000"/>
+                  <a:satMod val="160000"/>
+                </a:schemeClr>
+              </a:gs>
+              <a:gs pos="50000">
+                <a:schemeClr val="accent1">
+                  <a:tint val="44500"/>
+                  <a:satMod val="160000"/>
+                </a:schemeClr>
+              </a:gs>
+              <a:gs pos="100000">
+                <a:schemeClr val="accent1">
+                  <a:tint val="23500"/>
+                  <a:satMod val="160000"/>
+                </a:schemeClr>
+              </a:gs>
+            </a:gsLst>
+            <a:lin ang="0" scaled="1"/>
+            <a:tileRect/>
+          </a:gradFill>
+          <a:effectLst>
+            <a:outerShdw blurRad="50800" dist="38100" dir="2700000" algn="tl" rotWithShape="0">
+              <a:prstClr val="black">
+                <a:alpha val="40000"/>
+              </a:prstClr>
+            </a:outerShdw>
+          </a:effectLst>
+        </p:spPr>
+        <p:style>
+          <a:lnRef idx="2">
+            <a:schemeClr val="accent5"/>
+          </a:lnRef>
+          <a:fillRef idx="1">
+            <a:schemeClr val="lt1"/>
+          </a:fillRef>
+          <a:effectRef idx="0">
+            <a:schemeClr val="accent5"/>
+          </a:effectRef>
+          <a:fontRef idx="minor">
+            <a:schemeClr val="dk1"/>
+          </a:fontRef>
+        </p:style>
+        <p:txBody>
+          <a:bodyPr rtlCol="0" anchor="ctr"/>
+          <a:lstStyle/>
+          <a:p>
+            <a:pPr>
+              <a:lnSpc>
+                <a:spcPct val="150000"/>
+              </a:lnSpc>
+              <a:spcBef>
+                <a:spcPct val="0"/>
+              </a:spcBef>
+              <a:buClr>
+                <a:schemeClr val="accent2"/>
+              </a:buClr>
+            </a:pPr>
+            <a:r>
+              <a:rPr lang="zh-CN" altLang="en-US" sz="1800" b="1" dirty="0">
+                <a:solidFill>
+                  <a:schemeClr val="tx1"/>
+                </a:solidFill>
+                <a:latin typeface="宋体" panose="02010600030101010101" pitchFamily="2" charset="-122"/>
+                <a:ea typeface="宋体" panose="02010600030101010101" pitchFamily="2" charset="-122"/>
+              </a:rPr>
+              <a:t>可视化团队成员能力的</a:t>
+            </a:r>
+            <a:r>
+              <a:rPr lang="zh-CN" altLang="en-US" sz="1800" b="1" dirty="0" smtClean="0">
+                <a:solidFill>
+                  <a:schemeClr val="tx1"/>
+                </a:solidFill>
+                <a:latin typeface="宋体" panose="02010600030101010101" pitchFamily="2" charset="-122"/>
+                <a:ea typeface="宋体" panose="02010600030101010101" pitchFamily="2" charset="-122"/>
+              </a:rPr>
+              <a:t>培养</a:t>
+            </a:r>
+            <a:endParaRPr lang="en-US" altLang="zh-CN" sz="1800" b="1" dirty="0" smtClean="0">
+              <a:solidFill>
+                <a:schemeClr val="tx1"/>
+              </a:solidFill>
+              <a:latin typeface="宋体" panose="02010600030101010101" pitchFamily="2" charset="-122"/>
+              <a:ea typeface="宋体" panose="02010600030101010101" pitchFamily="2" charset="-122"/>
+            </a:endParaRPr>
+          </a:p>
+          <a:p>
+            <a:pPr marL="285750" lvl="0" indent="-285750">
+              <a:spcBef>
+                <a:spcPct val="0"/>
+              </a:spcBef>
+              <a:buClr>
+                <a:srgbClr val="ED7D31"/>
+              </a:buClr>
+              <a:buFont typeface="Wingdings" panose="05000000000000000000" pitchFamily="2" charset="2"/>
+              <a:buChar char="l"/>
+            </a:pPr>
+            <a:r>
+              <a:rPr lang="zh-CN" altLang="en-US" sz="1400" dirty="0" smtClean="0">
+                <a:solidFill>
+                  <a:prstClr val="black"/>
+                </a:solidFill>
+                <a:latin typeface="宋体" panose="02010600030101010101" pitchFamily="2" charset="-122"/>
+                <a:ea typeface="宋体" panose="02010600030101010101" pitchFamily="2" charset="-122"/>
+              </a:rPr>
+              <a:t>督促团队成员利用业务时间学习</a:t>
+            </a:r>
+            <a:r>
+              <a:rPr lang="en-US" altLang="zh-CN" sz="1400" dirty="0" smtClean="0">
+                <a:solidFill>
+                  <a:prstClr val="black"/>
+                </a:solidFill>
+                <a:latin typeface="宋体" panose="02010600030101010101" pitchFamily="2" charset="-122"/>
+                <a:ea typeface="宋体" panose="02010600030101010101" pitchFamily="2" charset="-122"/>
+              </a:rPr>
+              <a:t>JS</a:t>
+            </a:r>
+            <a:r>
+              <a:rPr lang="zh-CN" altLang="en-US" sz="1400" dirty="0" smtClean="0">
+                <a:solidFill>
+                  <a:prstClr val="black"/>
+                </a:solidFill>
+                <a:latin typeface="宋体" panose="02010600030101010101" pitchFamily="2" charset="-122"/>
+                <a:ea typeface="宋体" panose="02010600030101010101" pitchFamily="2" charset="-122"/>
+              </a:rPr>
+              <a:t>基础知识和面向对象开发模式，并检查学习结果；</a:t>
+            </a:r>
+            <a:endParaRPr lang="en-US" altLang="zh-CN" sz="1800" b="1" dirty="0" smtClean="0">
+              <a:solidFill>
+                <a:schemeClr val="tx1"/>
+              </a:solidFill>
+              <a:latin typeface="宋体" panose="02010600030101010101" pitchFamily="2" charset="-122"/>
+              <a:ea typeface="宋体" panose="02010600030101010101" pitchFamily="2" charset="-122"/>
+            </a:endParaRPr>
+          </a:p>
+          <a:p>
+            <a:pPr marL="285750" lvl="0" indent="-285750">
+              <a:spcBef>
+                <a:spcPct val="0"/>
+              </a:spcBef>
+              <a:buClr>
+                <a:srgbClr val="ED7D31"/>
+              </a:buClr>
+              <a:buFont typeface="Wingdings" panose="05000000000000000000" pitchFamily="2" charset="2"/>
+              <a:buChar char="l"/>
+            </a:pPr>
+            <a:r>
+              <a:rPr lang="zh-CN" altLang="en-US" sz="1400" dirty="0" smtClean="0">
+                <a:solidFill>
+                  <a:prstClr val="black"/>
+                </a:solidFill>
+                <a:latin typeface="宋体" panose="02010600030101010101" pitchFamily="2" charset="-122"/>
+                <a:ea typeface="宋体" panose="02010600030101010101" pitchFamily="2" charset="-122"/>
+              </a:rPr>
+              <a:t>对团队成员进行可视化技术的不定期培训，</a:t>
+            </a:r>
+            <a:r>
+              <a:rPr lang="zh-CN" altLang="en-US" sz="1400" dirty="0">
+                <a:solidFill>
+                  <a:schemeClr val="tx1"/>
+                </a:solidFill>
+                <a:latin typeface="宋体" panose="02010600030101010101" pitchFamily="2" charset="-122"/>
+                <a:ea typeface="宋体" panose="02010600030101010101" pitchFamily="2" charset="-122"/>
+              </a:rPr>
+              <a:t>并督促</a:t>
+            </a:r>
+            <a:r>
+              <a:rPr lang="zh-CN" altLang="en-US" sz="1400" dirty="0" smtClean="0">
+                <a:solidFill>
+                  <a:schemeClr val="tx1"/>
+                </a:solidFill>
+                <a:latin typeface="宋体" panose="02010600030101010101" pitchFamily="2" charset="-122"/>
+                <a:ea typeface="宋体" panose="02010600030101010101" pitchFamily="2" charset="-122"/>
+              </a:rPr>
+              <a:t>练习，提升熟练度</a:t>
+            </a:r>
+            <a:r>
+              <a:rPr lang="zh-CN" altLang="en-US" sz="1400" dirty="0" smtClean="0">
+                <a:solidFill>
+                  <a:prstClr val="black"/>
+                </a:solidFill>
+                <a:latin typeface="宋体" panose="02010600030101010101" pitchFamily="2" charset="-122"/>
+                <a:ea typeface="宋体" panose="02010600030101010101" pitchFamily="2" charset="-122"/>
+              </a:rPr>
+              <a:t>；</a:t>
+            </a:r>
+            <a:endParaRPr lang="en-US" altLang="zh-CN" sz="1400" dirty="0" smtClean="0">
+              <a:solidFill>
+                <a:prstClr val="black"/>
+              </a:solidFill>
+              <a:latin typeface="宋体" panose="02010600030101010101" pitchFamily="2" charset="-122"/>
+              <a:ea typeface="宋体" panose="02010600030101010101" pitchFamily="2" charset="-122"/>
+            </a:endParaRPr>
+          </a:p>
+          <a:p>
+            <a:pPr marL="285750" lvl="0" indent="-285750">
+              <a:spcBef>
+                <a:spcPct val="0"/>
+              </a:spcBef>
+              <a:buClr>
+                <a:srgbClr val="ED7D31"/>
+              </a:buClr>
+              <a:buFont typeface="Wingdings" panose="05000000000000000000" pitchFamily="2" charset="2"/>
+              <a:buChar char="l"/>
+            </a:pPr>
+            <a:r>
+              <a:rPr lang="zh-CN" altLang="en-US" sz="1400" dirty="0" smtClean="0">
+                <a:solidFill>
+                  <a:prstClr val="black"/>
+                </a:solidFill>
+                <a:latin typeface="宋体" panose="02010600030101010101" pitchFamily="2" charset="-122"/>
+                <a:ea typeface="宋体" panose="02010600030101010101" pitchFamily="2" charset="-122"/>
+              </a:rPr>
+              <a:t>给团队成员分配项目中部分的可视化工作，并检查工作结果，督促修改编码规范，帮助解决技术问题；</a:t>
+            </a:r>
+            <a:endParaRPr lang="en-US" altLang="zh-CN" sz="1400" dirty="0" smtClean="0">
+              <a:solidFill>
+                <a:prstClr val="black"/>
+              </a:solidFill>
+              <a:latin typeface="宋体" panose="02010600030101010101" pitchFamily="2" charset="-122"/>
+              <a:ea typeface="宋体" panose="02010600030101010101" pitchFamily="2" charset="-122"/>
+            </a:endParaRPr>
+          </a:p>
+          <a:p>
+            <a:pPr marL="285750" lvl="0" indent="-285750">
+              <a:spcBef>
+                <a:spcPct val="0"/>
+              </a:spcBef>
+              <a:buClr>
+                <a:srgbClr val="ED7D31"/>
+              </a:buClr>
+              <a:buFont typeface="Wingdings" panose="05000000000000000000" pitchFamily="2" charset="2"/>
+              <a:buChar char="l"/>
+            </a:pPr>
+            <a:r>
+              <a:rPr lang="zh-CN" altLang="en-US" sz="1400" dirty="0">
+                <a:solidFill>
+                  <a:prstClr val="black"/>
+                </a:solidFill>
+                <a:latin typeface="宋体" panose="02010600030101010101" pitchFamily="2" charset="-122"/>
+                <a:ea typeface="宋体" panose="02010600030101010101" pitchFamily="2" charset="-122"/>
+              </a:rPr>
+              <a:t>团队</a:t>
+            </a:r>
+            <a:r>
+              <a:rPr lang="zh-CN" altLang="en-US" sz="1400" dirty="0" smtClean="0">
+                <a:solidFill>
+                  <a:prstClr val="black"/>
+                </a:solidFill>
+                <a:latin typeface="宋体" panose="02010600030101010101" pitchFamily="2" charset="-122"/>
+                <a:ea typeface="宋体" panose="02010600030101010101" pitchFamily="2" charset="-122"/>
+              </a:rPr>
+              <a:t>成员参与的项目结束后，要求总结项目收获和不足之处，帮助其逐步提升工作效率。</a:t>
+            </a:r>
+            <a:endParaRPr lang="en-US" altLang="zh-CN" sz="1400" dirty="0" smtClean="0">
+              <a:solidFill>
+                <a:prstClr val="black"/>
+              </a:solidFill>
+              <a:latin typeface="宋体" panose="02010600030101010101" pitchFamily="2" charset="-122"/>
+              <a:ea typeface="宋体" panose="02010600030101010101" pitchFamily="2" charset="-122"/>
+            </a:endParaRPr>
+          </a:p>
+          <a:p>
+            <a:pPr marL="285750" lvl="0" indent="-285750">
+              <a:spcBef>
+                <a:spcPct val="0"/>
+              </a:spcBef>
+              <a:buClr>
+                <a:srgbClr val="ED7D31"/>
+              </a:buClr>
+              <a:buFont typeface="Wingdings" panose="05000000000000000000" pitchFamily="2" charset="2"/>
+              <a:buChar char="l"/>
+            </a:pPr>
+            <a:r>
+              <a:rPr lang="zh-CN" altLang="en-US" sz="1400" dirty="0" smtClean="0">
+                <a:solidFill>
+                  <a:prstClr val="black"/>
+                </a:solidFill>
+                <a:latin typeface="宋体" panose="02010600030101010101" pitchFamily="2" charset="-122"/>
+                <a:ea typeface="宋体" panose="02010600030101010101" pitchFamily="2" charset="-122"/>
+              </a:rPr>
+              <a:t>待团队成员技术熟练后，让其独立对接项目工作，或是独立设计和实现项目中的可视化功能。</a:t>
+            </a:r>
+            <a:endParaRPr lang="en-US" altLang="zh-CN" sz="1400" dirty="0">
+              <a:solidFill>
+                <a:prstClr val="black"/>
+              </a:solidFill>
+              <a:latin typeface="宋体" panose="02010600030101010101" pitchFamily="2" charset="-122"/>
+              <a:ea typeface="宋体" panose="02010600030101010101" pitchFamily="2" charset="-122"/>
+            </a:endParaRPr>
           </a:p>
         </p:txBody>
       </p:sp>
@@ -21910,7 +22932,7 @@
 </file>
 
 <file path=ppt/tags/tag1.xml><?xml version="1.0" encoding="utf-8"?>
-<p:tagLst xmlns:a="http://schemas.openxmlformats.org/drawingml/2006/main" xmlns:r="http://schemas.openxmlformats.org/officeDocument/2006/relationships" xmlns:p="http://schemas.openxmlformats.org/presentationml/2006/main">
+<p:tagLst xmlns:p="http://schemas.openxmlformats.org/presentationml/2006/main">
   <p:tag name="KSO_WM_TEMPLATE_TOPIC_ID" val="2869567"/>
   <p:tag name="KSO_WM_TEMPLATE_OUTLINE_ID" val="15"/>
   <p:tag name="KSO_WM_TEMPLATE_SCENE_ID" val="1"/>
@@ -22238,10 +23260,9 @@
       </a:style>
     </a:spDef>
   </a:objectDefaults>
-  <a:extraClrSchemeLst/>
   <a:extLst>
     <a:ext uri="{05A4C25C-085E-4340-85A3-A5531E510DB2}">
-      <thm15:themeFamily xmlns:thm15="http://schemas.microsoft.com/office/thememl/2012/main" xmlns="" name="Office Theme" id="{62F939B6-93AF-4DB8-9C6B-D6C7DFDC589F}" vid="{4A3C46E8-61CC-4603-A589-7422A47A8E4A}"/>
+      <thm15:themeFamily xmlns:thm15="http://schemas.microsoft.com/office/thememl/2012/main" name="Office Theme" id="{62F939B6-93AF-4DB8-9C6B-D6C7DFDC589F}" vid="{4A3C46E8-61CC-4603-A589-7422A47A8E4A}"/>
     </a:ext>
   </a:extLst>
 </a:theme>
@@ -22527,11 +23548,9 @@
       </a:bgFillStyleLst>
     </a:fmtScheme>
   </a:themeElements>
-  <a:objectDefaults/>
-  <a:extraClrSchemeLst/>
   <a:extLst>
     <a:ext uri="{05A4C25C-085E-4340-85A3-A5531E510DB2}">
-      <thm15:themeFamily xmlns:thm15="http://schemas.microsoft.com/office/thememl/2012/main" xmlns="" name="Office Theme" id="{62F939B6-93AF-4DB8-9C6B-D6C7DFDC589F}" vid="{4A3C46E8-61CC-4603-A589-7422A47A8E4A}"/>
+      <thm15:themeFamily xmlns:thm15="http://schemas.microsoft.com/office/thememl/2012/main" name="Office Theme" id="{62F939B6-93AF-4DB8-9C6B-D6C7DFDC589F}" vid="{4A3C46E8-61CC-4603-A589-7422A47A8E4A}"/>
     </a:ext>
   </a:extLst>
 </a:theme>
@@ -22817,11 +23836,9 @@
       </a:bgFillStyleLst>
     </a:fmtScheme>
   </a:themeElements>
-  <a:objectDefaults/>
-  <a:extraClrSchemeLst/>
   <a:extLst>
     <a:ext uri="{05A4C25C-085E-4340-85A3-A5531E510DB2}">
-      <thm15:themeFamily xmlns:thm15="http://schemas.microsoft.com/office/thememl/2012/main" xmlns="" name="Office Theme" id="{62F939B6-93AF-4DB8-9C6B-D6C7DFDC589F}" vid="{4A3C46E8-61CC-4603-A589-7422A47A8E4A}"/>
+      <thm15:themeFamily xmlns:thm15="http://schemas.microsoft.com/office/thememl/2012/main" name="Office Theme" id="{62F939B6-93AF-4DB8-9C6B-D6C7DFDC589F}" vid="{4A3C46E8-61CC-4603-A589-7422A47A8E4A}"/>
     </a:ext>
   </a:extLst>
 </a:theme>
